--- a/spring16/slidesS16/testing-confidence.pptx
+++ b/spring16/slidesS16/testing-confidence.pptx
@@ -5,10 +5,10 @@
     <p:sldMasterId id="2147483650" r:id="rId1"/>
   </p:sldMasterIdLst>
   <p:notesMasterIdLst>
-    <p:notesMasterId r:id="rId45"/>
+    <p:notesMasterId r:id="rId44"/>
   </p:notesMasterIdLst>
   <p:handoutMasterIdLst>
-    <p:handoutMasterId r:id="rId46"/>
+    <p:handoutMasterId r:id="rId45"/>
   </p:handoutMasterIdLst>
   <p:sldIdLst>
     <p:sldId id="322" r:id="rId2"/>
@@ -44,21 +44,20 @@
     <p:sldId id="414" r:id="rId32"/>
     <p:sldId id="472" r:id="rId33"/>
     <p:sldId id="475" r:id="rId34"/>
-    <p:sldId id="473" r:id="rId35"/>
-    <p:sldId id="430" r:id="rId36"/>
-    <p:sldId id="395" r:id="rId37"/>
-    <p:sldId id="419" r:id="rId38"/>
-    <p:sldId id="420" r:id="rId39"/>
-    <p:sldId id="421" r:id="rId40"/>
-    <p:sldId id="422" r:id="rId41"/>
-    <p:sldId id="423" r:id="rId42"/>
-    <p:sldId id="424" r:id="rId43"/>
-    <p:sldId id="425" r:id="rId44"/>
+    <p:sldId id="430" r:id="rId35"/>
+    <p:sldId id="395" r:id="rId36"/>
+    <p:sldId id="419" r:id="rId37"/>
+    <p:sldId id="420" r:id="rId38"/>
+    <p:sldId id="421" r:id="rId39"/>
+    <p:sldId id="422" r:id="rId40"/>
+    <p:sldId id="423" r:id="rId41"/>
+    <p:sldId id="424" r:id="rId42"/>
+    <p:sldId id="425" r:id="rId43"/>
   </p:sldIdLst>
   <p:sldSz cx="9144000" cy="6858000" type="screen4x3"/>
   <p:notesSz cx="9601200" cy="7315200"/>
   <p:custDataLst>
-    <p:tags r:id="rId48"/>
+    <p:tags r:id="rId47"/>
   </p:custDataLst>
   <p:defaultTextStyle>
     <a:defPPr>
@@ -2682,12 +2681,16 @@
           <a:bodyPr/>
           <a:lstStyle/>
           <a:p>
-            <a:fld id="{47D539D4-74E1-492A-9468-BA66B65E4B96}" type="slidenum">
-              <a:rPr lang="en-US" smtClean="0"/>
+            <a:fld id="{B656271B-90D1-4EEB-A9C3-C58AB99790EE}" type="slidenum">
+              <a:rPr lang="en-US" smtClean="0">
+                <a:latin typeface="Arial" charset="0"/>
+              </a:rPr>
               <a:pPr/>
-              <a:t>35</a:t>
+              <a:t>36</a:t>
             </a:fld>
-            <a:endParaRPr lang="en-US" smtClean="0"/>
+            <a:endParaRPr lang="en-US" smtClean="0">
+              <a:latin typeface="Arial" charset="0"/>
+            </a:endParaRPr>
           </a:p>
         </p:txBody>
       </p:sp>
@@ -2724,7 +2727,9 @@
           <a:lstStyle/>
           <a:p>
             <a:pPr eaLnBrk="1" hangingPunct="1"/>
-            <a:endParaRPr lang="en-US" smtClean="0"/>
+            <a:endParaRPr lang="en-US" smtClean="0">
+              <a:latin typeface="Arial" charset="0"/>
+            </a:endParaRPr>
           </a:p>
         </p:txBody>
       </p:sp>
@@ -2755,7 +2760,7 @@
       </p:grpSpPr>
       <p:sp>
         <p:nvSpPr>
-          <p:cNvPr id="69634" name="Rectangle 7"/>
+          <p:cNvPr id="70658" name="Rectangle 7"/>
           <p:cNvSpPr>
             <a:spLocks noGrp="1" noChangeArrowheads="1"/>
           </p:cNvSpPr>
@@ -2770,7 +2775,7 @@
           <a:bodyPr/>
           <a:lstStyle/>
           <a:p>
-            <a:fld id="{B656271B-90D1-4EEB-A9C3-C58AB99790EE}" type="slidenum">
+            <a:fld id="{7CC9EB05-1C43-48AF-B618-537D2B3DD42D}" type="slidenum">
               <a:rPr lang="en-US" smtClean="0">
                 <a:latin typeface="Arial" charset="0"/>
               </a:rPr>
@@ -2785,7 +2790,7 @@
       </p:sp>
       <p:sp>
         <p:nvSpPr>
-          <p:cNvPr id="69635" name="Rectangle 2"/>
+          <p:cNvPr id="70659" name="Rectangle 2"/>
           <p:cNvSpPr>
             <a:spLocks noGrp="1" noRot="1" noChangeAspect="1" noChangeArrowheads="1" noTextEdit="1"/>
           </p:cNvSpPr>
@@ -2799,7 +2804,7 @@
       </p:sp>
       <p:sp>
         <p:nvSpPr>
-          <p:cNvPr id="69636" name="Rectangle 3"/>
+          <p:cNvPr id="70660" name="Rectangle 3"/>
           <p:cNvSpPr>
             <a:spLocks noGrp="1" noChangeArrowheads="1"/>
           </p:cNvSpPr>
@@ -2937,7 +2942,7 @@
       </p:grpSpPr>
       <p:sp>
         <p:nvSpPr>
-          <p:cNvPr id="70658" name="Rectangle 7"/>
+          <p:cNvPr id="71682" name="Rectangle 7"/>
           <p:cNvSpPr>
             <a:spLocks noGrp="1" noChangeArrowheads="1"/>
           </p:cNvSpPr>
@@ -2952,7 +2957,7 @@
           <a:bodyPr/>
           <a:lstStyle/>
           <a:p>
-            <a:fld id="{7CC9EB05-1C43-48AF-B618-537D2B3DD42D}" type="slidenum">
+            <a:fld id="{0CEF6F92-C0CF-4F5E-AB63-5A19019BBFC5}" type="slidenum">
               <a:rPr lang="en-US" smtClean="0">
                 <a:latin typeface="Arial" charset="0"/>
               </a:rPr>
@@ -2967,7 +2972,7 @@
       </p:sp>
       <p:sp>
         <p:nvSpPr>
-          <p:cNvPr id="70659" name="Rectangle 2"/>
+          <p:cNvPr id="71683" name="Rectangle 2"/>
           <p:cNvSpPr>
             <a:spLocks noGrp="1" noRot="1" noChangeAspect="1" noChangeArrowheads="1" noTextEdit="1"/>
           </p:cNvSpPr>
@@ -2981,7 +2986,7 @@
       </p:sp>
       <p:sp>
         <p:nvSpPr>
-          <p:cNvPr id="70660" name="Rectangle 3"/>
+          <p:cNvPr id="71684" name="Rectangle 3"/>
           <p:cNvSpPr>
             <a:spLocks noGrp="1" noChangeArrowheads="1"/>
           </p:cNvSpPr>
@@ -3031,7 +3036,7 @@
       </p:grpSpPr>
       <p:sp>
         <p:nvSpPr>
-          <p:cNvPr id="71682" name="Rectangle 7"/>
+          <p:cNvPr id="67586" name="Rectangle 7"/>
           <p:cNvSpPr>
             <a:spLocks noGrp="1" noChangeArrowheads="1"/>
           </p:cNvSpPr>
@@ -3046,7 +3051,7 @@
           <a:bodyPr/>
           <a:lstStyle/>
           <a:p>
-            <a:fld id="{0CEF6F92-C0CF-4F5E-AB63-5A19019BBFC5}" type="slidenum">
+            <a:fld id="{E3BE4A3C-F987-429B-B377-5CCDE63293A8}" type="slidenum">
               <a:rPr lang="en-US" smtClean="0">
                 <a:latin typeface="Arial" charset="0"/>
               </a:rPr>
@@ -3061,7 +3066,7 @@
       </p:sp>
       <p:sp>
         <p:nvSpPr>
-          <p:cNvPr id="71683" name="Rectangle 2"/>
+          <p:cNvPr id="67587" name="Rectangle 2"/>
           <p:cNvSpPr>
             <a:spLocks noGrp="1" noRot="1" noChangeAspect="1" noChangeArrowheads="1" noTextEdit="1"/>
           </p:cNvSpPr>
@@ -3075,7 +3080,7 @@
       </p:sp>
       <p:sp>
         <p:nvSpPr>
-          <p:cNvPr id="71684" name="Rectangle 3"/>
+          <p:cNvPr id="67588" name="Rectangle 3"/>
           <p:cNvSpPr>
             <a:spLocks noGrp="1" noChangeArrowheads="1"/>
           </p:cNvSpPr>
@@ -3125,7 +3130,7 @@
       </p:grpSpPr>
       <p:sp>
         <p:nvSpPr>
-          <p:cNvPr id="67586" name="Rectangle 7"/>
+          <p:cNvPr id="72706" name="Rectangle 7"/>
           <p:cNvSpPr>
             <a:spLocks noGrp="1" noChangeArrowheads="1"/>
           </p:cNvSpPr>
@@ -3140,7 +3145,7 @@
           <a:bodyPr/>
           <a:lstStyle/>
           <a:p>
-            <a:fld id="{E3BE4A3C-F987-429B-B377-5CCDE63293A8}" type="slidenum">
+            <a:fld id="{7901F982-AFE8-4DF3-92B6-756DCF784EAE}" type="slidenum">
               <a:rPr lang="en-US" smtClean="0">
                 <a:latin typeface="Arial" charset="0"/>
               </a:rPr>
@@ -3155,7 +3160,7 @@
       </p:sp>
       <p:sp>
         <p:nvSpPr>
-          <p:cNvPr id="67587" name="Rectangle 2"/>
+          <p:cNvPr id="72707" name="Rectangle 2"/>
           <p:cNvSpPr>
             <a:spLocks noGrp="1" noRot="1" noChangeAspect="1" noChangeArrowheads="1" noTextEdit="1"/>
           </p:cNvSpPr>
@@ -3169,7 +3174,7 @@
       </p:sp>
       <p:sp>
         <p:nvSpPr>
-          <p:cNvPr id="67588" name="Rectangle 3"/>
+          <p:cNvPr id="72708" name="Rectangle 3"/>
           <p:cNvSpPr>
             <a:spLocks noGrp="1" noChangeArrowheads="1"/>
           </p:cNvSpPr>
@@ -3219,70 +3224,63 @@
       </p:grpSpPr>
       <p:sp>
         <p:nvSpPr>
-          <p:cNvPr id="72706" name="Rectangle 7"/>
+          <p:cNvPr id="2" name="Slide Image Placeholder 1"/>
           <p:cNvSpPr>
-            <a:spLocks noGrp="1" noChangeArrowheads="1"/>
-          </p:cNvSpPr>
-          <p:nvPr>
-            <p:ph type="sldNum" sz="quarter" idx="5"/>
-          </p:nvPr>
-        </p:nvSpPr>
-        <p:spPr>
-          <a:noFill/>
-        </p:spPr>
-        <p:txBody>
-          <a:bodyPr/>
-          <a:lstStyle/>
-          <a:p>
-            <a:fld id="{7901F982-AFE8-4DF3-92B6-756DCF784EAE}" type="slidenum">
-              <a:rPr lang="en-US" smtClean="0">
-                <a:latin typeface="Arial" charset="0"/>
-              </a:rPr>
-              <a:pPr/>
-              <a:t>41</a:t>
-            </a:fld>
-            <a:endParaRPr lang="en-US" smtClean="0">
-              <a:latin typeface="Arial" charset="0"/>
-            </a:endParaRPr>
-          </a:p>
-        </p:txBody>
-      </p:sp>
-      <p:sp>
-        <p:nvSpPr>
-          <p:cNvPr id="72707" name="Rectangle 2"/>
-          <p:cNvSpPr>
-            <a:spLocks noGrp="1" noRot="1" noChangeAspect="1" noChangeArrowheads="1" noTextEdit="1"/>
+            <a:spLocks noGrp="1" noRot="1" noChangeAspect="1"/>
           </p:cNvSpPr>
           <p:nvPr>
             <p:ph type="sldImg"/>
           </p:nvPr>
         </p:nvSpPr>
-        <p:spPr>
-          <a:ln/>
-        </p:spPr>
-      </p:sp>
-      <p:sp>
-        <p:nvSpPr>
-          <p:cNvPr id="72708" name="Rectangle 3"/>
+        <p:spPr/>
+      </p:sp>
+      <p:sp>
+        <p:nvSpPr>
+          <p:cNvPr id="3" name="Notes Placeholder 2"/>
           <p:cNvSpPr>
-            <a:spLocks noGrp="1" noChangeArrowheads="1"/>
+            <a:spLocks noGrp="1"/>
           </p:cNvSpPr>
           <p:nvPr>
             <p:ph type="body" idx="1"/>
           </p:nvPr>
         </p:nvSpPr>
-        <p:spPr>
-          <a:noFill/>
-          <a:ln/>
-        </p:spPr>
+        <p:spPr/>
+        <p:txBody>
+          <a:bodyPr>
+            <a:normAutofit/>
+          </a:bodyPr>
+          <a:lstStyle/>
+          <a:p>
+            <a:endParaRPr lang="en-US"/>
+          </a:p>
+        </p:txBody>
+      </p:sp>
+      <p:sp>
+        <p:nvSpPr>
+          <p:cNvPr id="4" name="Slide Number Placeholder 3"/>
+          <p:cNvSpPr>
+            <a:spLocks noGrp="1"/>
+          </p:cNvSpPr>
+          <p:nvPr>
+            <p:ph type="sldNum" sz="quarter" idx="10"/>
+          </p:nvPr>
+        </p:nvSpPr>
+        <p:spPr/>
         <p:txBody>
           <a:bodyPr/>
           <a:lstStyle/>
           <a:p>
-            <a:pPr eaLnBrk="1" hangingPunct="1"/>
-            <a:endParaRPr lang="en-US" smtClean="0">
-              <a:latin typeface="Arial" charset="0"/>
-            </a:endParaRPr>
+            <a:pPr>
+              <a:defRPr/>
+            </a:pPr>
+            <a:fld id="{441E3F6F-A8F9-4C39-8C62-F077DEAEAA0F}" type="slidenum">
+              <a:rPr lang="en-US" smtClean="0"/>
+              <a:pPr>
+                <a:defRPr/>
+              </a:pPr>
+              <a:t>41</a:t>
+            </a:fld>
+            <a:endParaRPr lang="en-US"/>
           </a:p>
         </p:txBody>
       </p:sp>
@@ -3368,93 +3366,6 @@
                 <a:defRPr/>
               </a:pPr>
               <a:t>42</a:t>
-            </a:fld>
-            <a:endParaRPr lang="en-US"/>
-          </a:p>
-        </p:txBody>
-      </p:sp>
-    </p:spTree>
-  </p:cSld>
-  <p:clrMapOvr>
-    <a:masterClrMapping/>
-  </p:clrMapOvr>
-</p:notes>
-</file>
-
-<file path=ppt/notesSlides/notesSlide35.xml><?xml version="1.0" encoding="utf-8"?>
-<p:notes xmlns:a="http://schemas.openxmlformats.org/drawingml/2006/main" xmlns:r="http://schemas.openxmlformats.org/officeDocument/2006/relationships" xmlns:p="http://schemas.openxmlformats.org/presentationml/2006/main">
-  <p:cSld>
-    <p:spTree>
-      <p:nvGrpSpPr>
-        <p:cNvPr id="1" name=""/>
-        <p:cNvGrpSpPr/>
-        <p:nvPr/>
-      </p:nvGrpSpPr>
-      <p:grpSpPr>
-        <a:xfrm>
-          <a:off x="0" y="0"/>
-          <a:ext cx="0" cy="0"/>
-          <a:chOff x="0" y="0"/>
-          <a:chExt cx="0" cy="0"/>
-        </a:xfrm>
-      </p:grpSpPr>
-      <p:sp>
-        <p:nvSpPr>
-          <p:cNvPr id="2" name="Slide Image Placeholder 1"/>
-          <p:cNvSpPr>
-            <a:spLocks noGrp="1" noRot="1" noChangeAspect="1"/>
-          </p:cNvSpPr>
-          <p:nvPr>
-            <p:ph type="sldImg"/>
-          </p:nvPr>
-        </p:nvSpPr>
-        <p:spPr/>
-      </p:sp>
-      <p:sp>
-        <p:nvSpPr>
-          <p:cNvPr id="3" name="Notes Placeholder 2"/>
-          <p:cNvSpPr>
-            <a:spLocks noGrp="1"/>
-          </p:cNvSpPr>
-          <p:nvPr>
-            <p:ph type="body" idx="1"/>
-          </p:nvPr>
-        </p:nvSpPr>
-        <p:spPr/>
-        <p:txBody>
-          <a:bodyPr>
-            <a:normAutofit/>
-          </a:bodyPr>
-          <a:lstStyle/>
-          <a:p>
-            <a:endParaRPr lang="en-US"/>
-          </a:p>
-        </p:txBody>
-      </p:sp>
-      <p:sp>
-        <p:nvSpPr>
-          <p:cNvPr id="4" name="Slide Number Placeholder 3"/>
-          <p:cNvSpPr>
-            <a:spLocks noGrp="1"/>
-          </p:cNvSpPr>
-          <p:nvPr>
-            <p:ph type="sldNum" sz="quarter" idx="10"/>
-          </p:nvPr>
-        </p:nvSpPr>
-        <p:spPr/>
-        <p:txBody>
-          <a:bodyPr/>
-          <a:lstStyle/>
-          <a:p>
-            <a:pPr>
-              <a:defRPr/>
-            </a:pPr>
-            <a:fld id="{441E3F6F-A8F9-4C39-8C62-F077DEAEAA0F}" type="slidenum">
-              <a:rPr lang="en-US" smtClean="0"/>
-              <a:pPr>
-                <a:defRPr/>
-              </a:pPr>
-              <a:t>43</a:t>
             </a:fld>
             <a:endParaRPr lang="en-US"/>
           </a:p>
@@ -7222,7 +7133,7 @@
           <a:graphicData uri="http://schemas.openxmlformats.org/presentationml/2006/ole">
             <mc:AlternateContent xmlns:mc="http://schemas.openxmlformats.org/markup-compatibility/2006">
               <mc:Choice xmlns:v="urn:schemas-microsoft-com:vml" Requires="v">
-                <p:oleObj spid="_x0000_s1059" name="Equation" r:id="rId3" imgW="977900" imgH="241300" progId="Equation.DSMT4">
+                <p:oleObj spid="_x0000_s1064" name="Equation" r:id="rId3" imgW="977900" imgH="241300" progId="Equation.DSMT4">
                   <p:embed/>
                 </p:oleObj>
               </mc:Choice>
@@ -7554,7 +7465,7 @@
           <a:graphicData uri="http://schemas.openxmlformats.org/presentationml/2006/ole">
             <mc:AlternateContent xmlns:mc="http://schemas.openxmlformats.org/markup-compatibility/2006">
               <mc:Choice xmlns:v="urn:schemas-microsoft-com:vml" Requires="v">
-                <p:oleObj spid="_x0000_s99343" name="Equation" r:id="rId3" imgW="977900" imgH="241300" progId="Equation.DSMT4">
+                <p:oleObj spid="_x0000_s99348" name="Equation" r:id="rId3" imgW="977900" imgH="241300" progId="Equation.DSMT4">
                   <p:embed/>
                 </p:oleObj>
               </mc:Choice>
@@ -7718,7 +7629,23 @@
             </a:r>
             <a:r>
               <a:rPr lang="en-US" sz="5400" dirty="0"/>
-              <a:t>want probability</a:t>
+              <a:t>want </a:t>
+            </a:r>
+            <a:r>
+              <a:rPr lang="en-US" sz="5400" dirty="0" smtClean="0">
+                <a:solidFill>
+                  <a:srgbClr val="008000"/>
+                </a:solidFill>
+              </a:rPr>
+              <a:t>predi</a:t>
+            </a:r>
+            <a:r>
+              <a:rPr lang="en-US" sz="5400" dirty="0" smtClean="0">
+                <a:solidFill>
+                  <a:srgbClr val="008000"/>
+                </a:solidFill>
+              </a:rPr>
+              <a:t>ction</a:t>
             </a:r>
             <a:r>
               <a:rPr lang="en-US" sz="5400" dirty="0" smtClean="0"/>
@@ -7806,7 +7733,15 @@
                   <a:schemeClr val="tx1"/>
                 </a:solidFill>
               </a:rPr>
-              <a:t> Probability</a:t>
+              <a:t> </a:t>
+            </a:r>
+            <a:r>
+              <a:rPr lang="en-US" sz="4400" dirty="0" smtClean="0">
+                <a:solidFill>
+                  <a:schemeClr val="tx1"/>
+                </a:solidFill>
+              </a:rPr>
+              <a:t>Prediction</a:t>
             </a:r>
             <a:endParaRPr lang="en-US" sz="4400" dirty="0">
               <a:solidFill>
@@ -7838,7 +7773,7 @@
           <a:graphicData uri="http://schemas.openxmlformats.org/presentationml/2006/ole">
             <mc:AlternateContent xmlns:mc="http://schemas.openxmlformats.org/markup-compatibility/2006">
               <mc:Choice xmlns:v="urn:schemas-microsoft-com:vml" Requires="v">
-                <p:oleObj spid="_x0000_s100369" name="Equation" r:id="rId3" imgW="977900" imgH="241300" progId="Equation.DSMT4">
+                <p:oleObj spid="_x0000_s100374" name="Equation" r:id="rId3" imgW="977900" imgH="241300" progId="Equation.DSMT4">
                   <p:embed/>
                 </p:oleObj>
               </mc:Choice>
@@ -7960,8 +7895,21 @@
             </a:r>
             <a:r>
               <a:rPr lang="en-US" sz="5400" dirty="0"/>
-              <a:t>want probability:</a:t>
-            </a:r>
+              <a:t>want </a:t>
+            </a:r>
+            <a:r>
+              <a:rPr lang="en-US" sz="5400" dirty="0" smtClean="0">
+                <a:solidFill>
+                  <a:srgbClr val="008000"/>
+                </a:solidFill>
+              </a:rPr>
+              <a:t>prediction</a:t>
+            </a:r>
+            <a:r>
+              <a:rPr lang="en-US" sz="5400" dirty="0"/>
+              <a:t>:</a:t>
+            </a:r>
+            <a:endParaRPr lang="en-US" sz="5400" dirty="0"/>
           </a:p>
           <a:p>
             <a:endParaRPr lang="en-US" sz="5400" dirty="0"/>
@@ -8038,7 +7986,7 @@
           <a:graphicData uri="http://schemas.openxmlformats.org/presentationml/2006/ole">
             <mc:AlternateContent xmlns:mc="http://schemas.openxmlformats.org/markup-compatibility/2006">
               <mc:Choice xmlns:v="urn:schemas-microsoft-com:vml" Requires="v">
-                <p:oleObj spid="_x0000_s101407" name="Equation" r:id="rId3" imgW="889000" imgH="241300" progId="Equation.DSMT4">
+                <p:oleObj spid="_x0000_s101416" name="Equation" r:id="rId3" imgW="889000" imgH="241300" progId="Equation.DSMT4">
                   <p:embed/>
                 </p:oleObj>
               </mc:Choice>
@@ -8115,7 +8063,15 @@
                   <a:schemeClr val="tx1"/>
                 </a:solidFill>
               </a:rPr>
-              <a:t> Probability</a:t>
+              <a:t> </a:t>
+            </a:r>
+            <a:r>
+              <a:rPr lang="en-US" sz="4400" dirty="0">
+                <a:solidFill>
+                  <a:schemeClr val="tx1"/>
+                </a:solidFill>
+              </a:rPr>
+              <a:t>Prediction</a:t>
             </a:r>
             <a:endParaRPr lang="en-US" sz="4400" dirty="0">
               <a:solidFill>
@@ -8147,7 +8103,7 @@
           <a:graphicData uri="http://schemas.openxmlformats.org/presentationml/2006/ole">
             <mc:AlternateContent xmlns:mc="http://schemas.openxmlformats.org/markup-compatibility/2006">
               <mc:Choice xmlns:v="urn:schemas-microsoft-com:vml" Requires="v">
-                <p:oleObj spid="_x0000_s101408" name="Equation" r:id="rId5" imgW="977900" imgH="241300" progId="Equation.DSMT4">
+                <p:oleObj spid="_x0000_s101417" name="Equation" r:id="rId5" imgW="977900" imgH="241300" progId="Equation.DSMT4">
                   <p:embed/>
                 </p:oleObj>
               </mc:Choice>
@@ -8625,7 +8581,7 @@
             <a:graphicData uri="http://schemas.openxmlformats.org/presentationml/2006/ole">
               <mc:AlternateContent xmlns:mc="http://schemas.openxmlformats.org/markup-compatibility/2006">
                 <mc:Choice xmlns:v="urn:schemas-microsoft-com:vml" Requires="v">
-                  <p:oleObj spid="_x0000_s35925" name="Equation" r:id="rId4" imgW="850900" imgH="228600" progId="Equation.DSMT4">
+                  <p:oleObj spid="_x0000_s35934" name="Equation" r:id="rId4" imgW="850900" imgH="228600" progId="Equation.DSMT4">
                     <p:embed/>
                   </p:oleObj>
                 </mc:Choice>
@@ -8682,7 +8638,7 @@
             <a:graphicData uri="http://schemas.openxmlformats.org/presentationml/2006/ole">
               <mc:AlternateContent xmlns:mc="http://schemas.openxmlformats.org/markup-compatibility/2006">
                 <mc:Choice xmlns:v="urn:schemas-microsoft-com:vml" Requires="v">
-                  <p:oleObj spid="_x0000_s35926" name="Equation" r:id="rId6" imgW="850900" imgH="228600" progId="Equation.DSMT4">
+                  <p:oleObj spid="_x0000_s35935" name="Equation" r:id="rId6" imgW="850900" imgH="228600" progId="Equation.DSMT4">
                     <p:embed/>
                   </p:oleObj>
                 </mc:Choice>
@@ -8760,7 +8716,15 @@
                   <a:schemeClr val="tx1"/>
                 </a:solidFill>
               </a:rPr>
-              <a:t> Probability</a:t>
+              <a:t> </a:t>
+            </a:r>
+            <a:r>
+              <a:rPr lang="en-US" sz="4400" dirty="0">
+                <a:solidFill>
+                  <a:schemeClr val="tx1"/>
+                </a:solidFill>
+              </a:rPr>
+              <a:t>Prediction</a:t>
             </a:r>
             <a:endParaRPr lang="en-US" sz="4400" dirty="0">
               <a:solidFill>
@@ -9345,7 +9309,7 @@
           <a:graphicData uri="http://schemas.openxmlformats.org/presentationml/2006/ole">
             <mc:AlternateContent xmlns:mc="http://schemas.openxmlformats.org/markup-compatibility/2006">
               <mc:Choice xmlns:v="urn:schemas-microsoft-com:vml" Requires="v">
-                <p:oleObj spid="_x0000_s88082" name="Equation" r:id="rId3" imgW="1257300" imgH="495300" progId="Equation.DSMT4">
+                <p:oleObj spid="_x0000_s88087" name="Equation" r:id="rId3" imgW="1257300" imgH="495300" progId="Equation.DSMT4">
                   <p:embed/>
                 </p:oleObj>
               </mc:Choice>
@@ -9684,7 +9648,7 @@
           <a:graphicData uri="http://schemas.openxmlformats.org/presentationml/2006/ole">
             <mc:AlternateContent xmlns:mc="http://schemas.openxmlformats.org/markup-compatibility/2006">
               <mc:Choice xmlns:v="urn:schemas-microsoft-com:vml" Requires="v">
-                <p:oleObj spid="_x0000_s89121" name="Equation" r:id="rId3" imgW="952500" imgH="469900" progId="Equation.DSMT4">
+                <p:oleObj spid="_x0000_s89130" name="Equation" r:id="rId3" imgW="952500" imgH="469900" progId="Equation.DSMT4">
                   <p:embed/>
                 </p:oleObj>
               </mc:Choice>
@@ -9741,7 +9705,7 @@
           <a:graphicData uri="http://schemas.openxmlformats.org/presentationml/2006/ole">
             <mc:AlternateContent xmlns:mc="http://schemas.openxmlformats.org/markup-compatibility/2006">
               <mc:Choice xmlns:v="urn:schemas-microsoft-com:vml" Requires="v">
-                <p:oleObj spid="_x0000_s89122" name="Equation" r:id="rId5" imgW="1701800" imgH="469900" progId="Equation.DSMT4">
+                <p:oleObj spid="_x0000_s89131" name="Equation" r:id="rId5" imgW="1701800" imgH="469900" progId="Equation.DSMT4">
                   <p:embed/>
                 </p:oleObj>
               </mc:Choice>
@@ -10219,7 +10183,7 @@
           <a:graphicData uri="http://schemas.openxmlformats.org/presentationml/2006/ole">
             <mc:AlternateContent xmlns:mc="http://schemas.openxmlformats.org/markup-compatibility/2006">
               <mc:Choice xmlns:v="urn:schemas-microsoft-com:vml" Requires="v">
-                <p:oleObj spid="_x0000_s32815" name="Equation" r:id="rId4" imgW="1765300" imgH="495300" progId="Equation.DSMT4">
+                <p:oleObj spid="_x0000_s32820" name="Equation" r:id="rId4" imgW="1765300" imgH="495300" progId="Equation.DSMT4">
                   <p:embed/>
                 </p:oleObj>
               </mc:Choice>
@@ -10533,7 +10497,7 @@
           <a:graphicData uri="http://schemas.openxmlformats.org/presentationml/2006/ole">
             <mc:AlternateContent xmlns:mc="http://schemas.openxmlformats.org/markup-compatibility/2006">
               <mc:Choice xmlns:v="urn:schemas-microsoft-com:vml" Requires="v">
-                <p:oleObj spid="_x0000_s79915" name="Equation" r:id="rId4" imgW="1092200" imgH="228600" progId="Equation.DSMT4">
+                <p:oleObj spid="_x0000_s79920" name="Equation" r:id="rId4" imgW="1092200" imgH="228600" progId="Equation.DSMT4">
                   <p:embed/>
                 </p:oleObj>
               </mc:Choice>
@@ -10899,7 +10863,7 @@
           <a:graphicData uri="http://schemas.openxmlformats.org/presentationml/2006/ole">
             <mc:AlternateContent xmlns:mc="http://schemas.openxmlformats.org/markup-compatibility/2006">
               <mc:Choice xmlns:v="urn:schemas-microsoft-com:vml" Requires="v">
-                <p:oleObj spid="_x0000_s136214" name="Equation" r:id="rId4" imgW="2146300" imgH="495300" progId="Equation.DSMT4">
+                <p:oleObj spid="_x0000_s136223" name="Equation" r:id="rId4" imgW="2146300" imgH="495300" progId="Equation.DSMT4">
                   <p:embed/>
                 </p:oleObj>
               </mc:Choice>
@@ -10956,7 +10920,7 @@
           <a:graphicData uri="http://schemas.openxmlformats.org/presentationml/2006/ole">
             <mc:AlternateContent xmlns:mc="http://schemas.openxmlformats.org/markup-compatibility/2006">
               <mc:Choice xmlns:v="urn:schemas-microsoft-com:vml" Requires="v">
-                <p:oleObj spid="_x0000_s136215" name="Equation" r:id="rId6" imgW="2171700" imgH="495300" progId="Equation.DSMT4">
+                <p:oleObj spid="_x0000_s136224" name="Equation" r:id="rId6" imgW="2171700" imgH="495300" progId="Equation.DSMT4">
                   <p:embed/>
                 </p:oleObj>
               </mc:Choice>
@@ -11322,7 +11286,7 @@
           <a:graphicData uri="http://schemas.openxmlformats.org/presentationml/2006/ole">
             <mc:AlternateContent xmlns:mc="http://schemas.openxmlformats.org/markup-compatibility/2006">
               <mc:Choice xmlns:v="urn:schemas-microsoft-com:vml" Requires="v">
-                <p:oleObj spid="_x0000_s133200" name="Equation" r:id="rId4" imgW="2171700" imgH="495300" progId="Equation.DSMT4">
+                <p:oleObj spid="_x0000_s133225" name="Equation" r:id="rId4" imgW="2171700" imgH="495300" progId="Equation.DSMT4">
                   <p:embed/>
                 </p:oleObj>
               </mc:Choice>
@@ -11433,7 +11397,7 @@
           <a:graphicData uri="http://schemas.openxmlformats.org/presentationml/2006/ole">
             <mc:AlternateContent xmlns:mc="http://schemas.openxmlformats.org/markup-compatibility/2006">
               <mc:Choice xmlns:v="urn:schemas-microsoft-com:vml" Requires="v">
-                <p:oleObj spid="_x0000_s133201" name="Equation" r:id="rId6" imgW="139700" imgH="215900" progId="Equation.DSMT4">
+                <p:oleObj spid="_x0000_s133226" name="Equation" r:id="rId6" imgW="139700" imgH="215900" progId="Equation.DSMT4">
                   <p:embed/>
                 </p:oleObj>
               </mc:Choice>
@@ -11490,7 +11454,7 @@
           <a:graphicData uri="http://schemas.openxmlformats.org/presentationml/2006/ole">
             <mc:AlternateContent xmlns:mc="http://schemas.openxmlformats.org/markup-compatibility/2006">
               <mc:Choice xmlns:v="urn:schemas-microsoft-com:vml" Requires="v">
-                <p:oleObj spid="_x0000_s133202" name="Equation" r:id="rId8" imgW="139700" imgH="215900" progId="Equation.DSMT4">
+                <p:oleObj spid="_x0000_s133227" name="Equation" r:id="rId8" imgW="139700" imgH="215900" progId="Equation.DSMT4">
                   <p:embed/>
                 </p:oleObj>
               </mc:Choice>
@@ -11547,7 +11511,7 @@
           <a:graphicData uri="http://schemas.openxmlformats.org/presentationml/2006/ole">
             <mc:AlternateContent xmlns:mc="http://schemas.openxmlformats.org/markup-compatibility/2006">
               <mc:Choice xmlns:v="urn:schemas-microsoft-com:vml" Requires="v">
-                <p:oleObj spid="_x0000_s133203" name="Equation" r:id="rId9" imgW="762000" imgH="533400" progId="Equation.DSMT4">
+                <p:oleObj spid="_x0000_s133228" name="Equation" r:id="rId9" imgW="762000" imgH="533400" progId="Equation.DSMT4">
                   <p:embed/>
                 </p:oleObj>
               </mc:Choice>
@@ -11604,7 +11568,7 @@
           <a:graphicData uri="http://schemas.openxmlformats.org/presentationml/2006/ole">
             <mc:AlternateContent xmlns:mc="http://schemas.openxmlformats.org/markup-compatibility/2006">
               <mc:Choice xmlns:v="urn:schemas-microsoft-com:vml" Requires="v">
-                <p:oleObj spid="_x0000_s133204" name="Equation" r:id="rId11" imgW="584200" imgH="533400" progId="Equation.DSMT4">
+                <p:oleObj spid="_x0000_s133229" name="Equation" r:id="rId11" imgW="584200" imgH="533400" progId="Equation.DSMT4">
                   <p:embed/>
                 </p:oleObj>
               </mc:Choice>
@@ -11661,7 +11625,7 @@
           <a:graphicData uri="http://schemas.openxmlformats.org/presentationml/2006/ole">
             <mc:AlternateContent xmlns:mc="http://schemas.openxmlformats.org/markup-compatibility/2006">
               <mc:Choice xmlns:v="urn:schemas-microsoft-com:vml" Requires="v">
-                <p:oleObj spid="_x0000_s133205" name="Equation" r:id="rId13" imgW="2146300" imgH="495300" progId="Equation.DSMT4">
+                <p:oleObj spid="_x0000_s133230" name="Equation" r:id="rId13" imgW="2146300" imgH="495300" progId="Equation.DSMT4">
                   <p:embed/>
                 </p:oleObj>
               </mc:Choice>
@@ -11951,7 +11915,7 @@
           <a:graphicData uri="http://schemas.openxmlformats.org/presentationml/2006/ole">
             <mc:AlternateContent xmlns:mc="http://schemas.openxmlformats.org/markup-compatibility/2006">
               <mc:Choice xmlns:v="urn:schemas-microsoft-com:vml" Requires="v">
-                <p:oleObj spid="_x0000_s134190" name="Equation" r:id="rId4" imgW="1092200" imgH="228600" progId="Equation.DSMT4">
+                <p:oleObj spid="_x0000_s134207" name="Equation" r:id="rId4" imgW="1092200" imgH="228600" progId="Equation.DSMT4">
                   <p:embed/>
                 </p:oleObj>
               </mc:Choice>
@@ -12008,7 +11972,7 @@
           <a:graphicData uri="http://schemas.openxmlformats.org/presentationml/2006/ole">
             <mc:AlternateContent xmlns:mc="http://schemas.openxmlformats.org/markup-compatibility/2006">
               <mc:Choice xmlns:v="urn:schemas-microsoft-com:vml" Requires="v">
-                <p:oleObj spid="_x0000_s134191" name="Equation" r:id="rId6" imgW="1765300" imgH="495300" progId="Equation.DSMT4">
+                <p:oleObj spid="_x0000_s134208" name="Equation" r:id="rId6" imgW="1765300" imgH="495300" progId="Equation.DSMT4">
                   <p:embed/>
                 </p:oleObj>
               </mc:Choice>
@@ -12065,7 +12029,7 @@
           <a:graphicData uri="http://schemas.openxmlformats.org/presentationml/2006/ole">
             <mc:AlternateContent xmlns:mc="http://schemas.openxmlformats.org/markup-compatibility/2006">
               <mc:Choice xmlns:v="urn:schemas-microsoft-com:vml" Requires="v">
-                <p:oleObj spid="_x0000_s134192" name="Equation" r:id="rId8" imgW="139700" imgH="215900" progId="Equation.DSMT4">
+                <p:oleObj spid="_x0000_s134209" name="Equation" r:id="rId8" imgW="139700" imgH="215900" progId="Equation.DSMT4">
                   <p:embed/>
                 </p:oleObj>
               </mc:Choice>
@@ -12122,7 +12086,7 @@
           <a:graphicData uri="http://schemas.openxmlformats.org/presentationml/2006/ole">
             <mc:AlternateContent xmlns:mc="http://schemas.openxmlformats.org/markup-compatibility/2006">
               <mc:Choice xmlns:v="urn:schemas-microsoft-com:vml" Requires="v">
-                <p:oleObj spid="_x0000_s134193" name="Equation" r:id="rId10" imgW="139700" imgH="215900" progId="Equation.DSMT4">
+                <p:oleObj spid="_x0000_s134210" name="Equation" r:id="rId10" imgW="139700" imgH="215900" progId="Equation.DSMT4">
                   <p:embed/>
                 </p:oleObj>
               </mc:Choice>
@@ -12412,7 +12376,7 @@
           <a:graphicData uri="http://schemas.openxmlformats.org/presentationml/2006/ole">
             <mc:AlternateContent xmlns:mc="http://schemas.openxmlformats.org/markup-compatibility/2006">
               <mc:Choice xmlns:v="urn:schemas-microsoft-com:vml" Requires="v">
-                <p:oleObj spid="_x0000_s135219" name="Equation" r:id="rId4" imgW="1092200" imgH="228600" progId="Equation.DSMT4">
+                <p:oleObj spid="_x0000_s135240" name="Equation" r:id="rId4" imgW="1092200" imgH="228600" progId="Equation.DSMT4">
                   <p:embed/>
                 </p:oleObj>
               </mc:Choice>
@@ -12469,7 +12433,7 @@
           <a:graphicData uri="http://schemas.openxmlformats.org/presentationml/2006/ole">
             <mc:AlternateContent xmlns:mc="http://schemas.openxmlformats.org/markup-compatibility/2006">
               <mc:Choice xmlns:v="urn:schemas-microsoft-com:vml" Requires="v">
-                <p:oleObj spid="_x0000_s135220" name="Equation" r:id="rId6" imgW="1968500" imgH="495300" progId="Equation.DSMT4">
+                <p:oleObj spid="_x0000_s135241" name="Equation" r:id="rId6" imgW="1968500" imgH="495300" progId="Equation.DSMT4">
                   <p:embed/>
                 </p:oleObj>
               </mc:Choice>
@@ -12526,7 +12490,7 @@
           <a:graphicData uri="http://schemas.openxmlformats.org/presentationml/2006/ole">
             <mc:AlternateContent xmlns:mc="http://schemas.openxmlformats.org/markup-compatibility/2006">
               <mc:Choice xmlns:v="urn:schemas-microsoft-com:vml" Requires="v">
-                <p:oleObj spid="_x0000_s135221" name="Equation" r:id="rId8" imgW="139700" imgH="215900" progId="Equation.DSMT4">
+                <p:oleObj spid="_x0000_s135242" name="Equation" r:id="rId8" imgW="139700" imgH="215900" progId="Equation.DSMT4">
                   <p:embed/>
                 </p:oleObj>
               </mc:Choice>
@@ -12583,7 +12547,7 @@
           <a:graphicData uri="http://schemas.openxmlformats.org/presentationml/2006/ole">
             <mc:AlternateContent xmlns:mc="http://schemas.openxmlformats.org/markup-compatibility/2006">
               <mc:Choice xmlns:v="urn:schemas-microsoft-com:vml" Requires="v">
-                <p:oleObj spid="_x0000_s135222" name="Equation" r:id="rId10" imgW="139700" imgH="215900" progId="Equation.DSMT4">
+                <p:oleObj spid="_x0000_s135243" name="Equation" r:id="rId10" imgW="139700" imgH="215900" progId="Equation.DSMT4">
                   <p:embed/>
                 </p:oleObj>
               </mc:Choice>
@@ -12640,7 +12604,7 @@
           <a:graphicData uri="http://schemas.openxmlformats.org/presentationml/2006/ole">
             <mc:AlternateContent xmlns:mc="http://schemas.openxmlformats.org/markup-compatibility/2006">
               <mc:Choice xmlns:v="urn:schemas-microsoft-com:vml" Requires="v">
-                <p:oleObj spid="_x0000_s135223" name="Equation" r:id="rId11" imgW="635000" imgH="469900" progId="Equation.DSMT4">
+                <p:oleObj spid="_x0000_s135244" name="Equation" r:id="rId11" imgW="635000" imgH="469900" progId="Equation.DSMT4">
                   <p:embed/>
                 </p:oleObj>
               </mc:Choice>
@@ -13044,7 +13008,7 @@
           <a:graphicData uri="http://schemas.openxmlformats.org/presentationml/2006/ole">
             <mc:AlternateContent xmlns:mc="http://schemas.openxmlformats.org/markup-compatibility/2006">
               <mc:Choice xmlns:v="urn:schemas-microsoft-com:vml" Requires="v">
-                <p:oleObj spid="_x0000_s137268" name="Equation" r:id="rId4" imgW="1092200" imgH="228600" progId="Equation.DSMT4">
+                <p:oleObj spid="_x0000_s137289" name="Equation" r:id="rId4" imgW="1092200" imgH="228600" progId="Equation.DSMT4">
                   <p:embed/>
                 </p:oleObj>
               </mc:Choice>
@@ -13101,7 +13065,7 @@
           <a:graphicData uri="http://schemas.openxmlformats.org/presentationml/2006/ole">
             <mc:AlternateContent xmlns:mc="http://schemas.openxmlformats.org/markup-compatibility/2006">
               <mc:Choice xmlns:v="urn:schemas-microsoft-com:vml" Requires="v">
-                <p:oleObj spid="_x0000_s137269" name="Equation" r:id="rId6" imgW="1524000" imgH="469900" progId="Equation.DSMT4">
+                <p:oleObj spid="_x0000_s137290" name="Equation" r:id="rId6" imgW="1524000" imgH="469900" progId="Equation.DSMT4">
                   <p:embed/>
                 </p:oleObj>
               </mc:Choice>
@@ -13158,7 +13122,7 @@
           <a:graphicData uri="http://schemas.openxmlformats.org/presentationml/2006/ole">
             <mc:AlternateContent xmlns:mc="http://schemas.openxmlformats.org/markup-compatibility/2006">
               <mc:Choice xmlns:v="urn:schemas-microsoft-com:vml" Requires="v">
-                <p:oleObj spid="_x0000_s137270" name="Equation" r:id="rId8" imgW="139700" imgH="215900" progId="Equation.DSMT4">
+                <p:oleObj spid="_x0000_s137291" name="Equation" r:id="rId8" imgW="139700" imgH="215900" progId="Equation.DSMT4">
                   <p:embed/>
                 </p:oleObj>
               </mc:Choice>
@@ -13215,7 +13179,7 @@
           <a:graphicData uri="http://schemas.openxmlformats.org/presentationml/2006/ole">
             <mc:AlternateContent xmlns:mc="http://schemas.openxmlformats.org/markup-compatibility/2006">
               <mc:Choice xmlns:v="urn:schemas-microsoft-com:vml" Requires="v">
-                <p:oleObj spid="_x0000_s137271" name="Equation" r:id="rId10" imgW="139700" imgH="215900" progId="Equation.DSMT4">
+                <p:oleObj spid="_x0000_s137292" name="Equation" r:id="rId10" imgW="139700" imgH="215900" progId="Equation.DSMT4">
                   <p:embed/>
                 </p:oleObj>
               </mc:Choice>
@@ -13272,7 +13236,7 @@
           <a:graphicData uri="http://schemas.openxmlformats.org/presentationml/2006/ole">
             <mc:AlternateContent xmlns:mc="http://schemas.openxmlformats.org/markup-compatibility/2006">
               <mc:Choice xmlns:v="urn:schemas-microsoft-com:vml" Requires="v">
-                <p:oleObj spid="_x0000_s137272" name="Equation" r:id="rId11" imgW="571500" imgH="457200" progId="Equation.DSMT4">
+                <p:oleObj spid="_x0000_s137293" name="Equation" r:id="rId11" imgW="571500" imgH="457200" progId="Equation.DSMT4">
                   <p:embed/>
                 </p:oleObj>
               </mc:Choice>
@@ -13562,7 +13526,7 @@
           <a:graphicData uri="http://schemas.openxmlformats.org/presentationml/2006/ole">
             <mc:AlternateContent xmlns:mc="http://schemas.openxmlformats.org/markup-compatibility/2006">
               <mc:Choice xmlns:v="urn:schemas-microsoft-com:vml" Requires="v">
-                <p:oleObj spid="_x0000_s138287" name="Equation" r:id="rId4" imgW="1092200" imgH="228600" progId="Equation.DSMT4">
+                <p:oleObj spid="_x0000_s138308" name="Equation" r:id="rId4" imgW="1092200" imgH="228600" progId="Equation.DSMT4">
                   <p:embed/>
                 </p:oleObj>
               </mc:Choice>
@@ -13619,7 +13583,7 @@
           <a:graphicData uri="http://schemas.openxmlformats.org/presentationml/2006/ole">
             <mc:AlternateContent xmlns:mc="http://schemas.openxmlformats.org/markup-compatibility/2006">
               <mc:Choice xmlns:v="urn:schemas-microsoft-com:vml" Requires="v">
-                <p:oleObj spid="_x0000_s138288" name="Equation" r:id="rId6" imgW="1473200" imgH="469900" progId="Equation.DSMT4">
+                <p:oleObj spid="_x0000_s138309" name="Equation" r:id="rId6" imgW="1473200" imgH="469900" progId="Equation.DSMT4">
                   <p:embed/>
                 </p:oleObj>
               </mc:Choice>
@@ -13676,7 +13640,7 @@
           <a:graphicData uri="http://schemas.openxmlformats.org/presentationml/2006/ole">
             <mc:AlternateContent xmlns:mc="http://schemas.openxmlformats.org/markup-compatibility/2006">
               <mc:Choice xmlns:v="urn:schemas-microsoft-com:vml" Requires="v">
-                <p:oleObj spid="_x0000_s138289" name="Equation" r:id="rId8" imgW="139700" imgH="215900" progId="Equation.DSMT4">
+                <p:oleObj spid="_x0000_s138310" name="Equation" r:id="rId8" imgW="139700" imgH="215900" progId="Equation.DSMT4">
                   <p:embed/>
                 </p:oleObj>
               </mc:Choice>
@@ -13733,7 +13697,7 @@
           <a:graphicData uri="http://schemas.openxmlformats.org/presentationml/2006/ole">
             <mc:AlternateContent xmlns:mc="http://schemas.openxmlformats.org/markup-compatibility/2006">
               <mc:Choice xmlns:v="urn:schemas-microsoft-com:vml" Requires="v">
-                <p:oleObj spid="_x0000_s138290" name="Equation" r:id="rId10" imgW="139700" imgH="215900" progId="Equation.DSMT4">
+                <p:oleObj spid="_x0000_s138311" name="Equation" r:id="rId10" imgW="139700" imgH="215900" progId="Equation.DSMT4">
                   <p:embed/>
                 </p:oleObj>
               </mc:Choice>
@@ -13790,7 +13754,7 @@
           <a:graphicData uri="http://schemas.openxmlformats.org/presentationml/2006/ole">
             <mc:AlternateContent xmlns:mc="http://schemas.openxmlformats.org/markup-compatibility/2006">
               <mc:Choice xmlns:v="urn:schemas-microsoft-com:vml" Requires="v">
-                <p:oleObj spid="_x0000_s138291" name="Equation" r:id="rId11" imgW="571500" imgH="457200" progId="Equation.DSMT4">
+                <p:oleObj spid="_x0000_s138312" name="Equation" r:id="rId11" imgW="571500" imgH="457200" progId="Equation.DSMT4">
                   <p:embed/>
                 </p:oleObj>
               </mc:Choice>
@@ -14462,7 +14426,7 @@
           <a:graphicData uri="http://schemas.openxmlformats.org/presentationml/2006/ole">
             <mc:AlternateContent xmlns:mc="http://schemas.openxmlformats.org/markup-compatibility/2006">
               <mc:Choice xmlns:v="urn:schemas-microsoft-com:vml" Requires="v">
-                <p:oleObj spid="_x0000_s27687" name="Equation" r:id="rId4" imgW="1193800" imgH="495300" progId="Equation.DSMT4">
+                <p:oleObj spid="_x0000_s27692" name="Equation" r:id="rId4" imgW="1193800" imgH="495300" progId="Equation.DSMT4">
                   <p:embed/>
                 </p:oleObj>
               </mc:Choice>
@@ -15096,7 +15060,7 @@
           <a:graphicData uri="http://schemas.openxmlformats.org/presentationml/2006/ole">
             <mc:AlternateContent xmlns:mc="http://schemas.openxmlformats.org/markup-compatibility/2006">
               <mc:Choice xmlns:v="urn:schemas-microsoft-com:vml" Requires="v">
-                <p:oleObj spid="_x0000_s62499" name="Equation" r:id="rId4" imgW="1498600" imgH="215900" progId="Equation.DSMT4">
+                <p:oleObj spid="_x0000_s62504" name="Equation" r:id="rId4" imgW="1498600" imgH="215900" progId="Equation.DSMT4">
                   <p:embed/>
                 </p:oleObj>
               </mc:Choice>
@@ -15386,7 +15350,7 @@
           <a:graphicData uri="http://schemas.openxmlformats.org/presentationml/2006/ole">
             <mc:AlternateContent xmlns:mc="http://schemas.openxmlformats.org/markup-compatibility/2006">
               <mc:Choice xmlns:v="urn:schemas-microsoft-com:vml" Requires="v">
-                <p:oleObj spid="_x0000_s139278" name="Equation" r:id="rId4" imgW="1968500" imgH="469900" progId="Equation.DSMT4">
+                <p:oleObj spid="_x0000_s139283" name="Equation" r:id="rId4" imgW="1968500" imgH="469900" progId="Equation.DSMT4">
                   <p:embed/>
                 </p:oleObj>
               </mc:Choice>
@@ -15752,7 +15716,7 @@
           <a:graphicData uri="http://schemas.openxmlformats.org/presentationml/2006/ole">
             <mc:AlternateContent xmlns:mc="http://schemas.openxmlformats.org/markup-compatibility/2006">
               <mc:Choice xmlns:v="urn:schemas-microsoft-com:vml" Requires="v">
-                <p:oleObj spid="_x0000_s154627" name="Equation" r:id="rId4" imgW="1739900" imgH="228600" progId="Equation.DSMT4">
+                <p:oleObj spid="_x0000_s154636" name="Equation" r:id="rId4" imgW="1739900" imgH="228600" progId="Equation.DSMT4">
                   <p:embed/>
                 </p:oleObj>
               </mc:Choice>
@@ -15809,7 +15773,7 @@
           <a:graphicData uri="http://schemas.openxmlformats.org/presentationml/2006/ole">
             <mc:AlternateContent xmlns:mc="http://schemas.openxmlformats.org/markup-compatibility/2006">
               <mc:Choice xmlns:v="urn:schemas-microsoft-com:vml" Requires="v">
-                <p:oleObj spid="_x0000_s154628" name="Equation" r:id="rId6" imgW="1701800" imgH="228600" progId="Equation.DSMT4">
+                <p:oleObj spid="_x0000_s154637" name="Equation" r:id="rId6" imgW="1701800" imgH="228600" progId="Equation.DSMT4">
                   <p:embed/>
                 </p:oleObj>
               </mc:Choice>
@@ -15953,429 +15917,6 @@
 </file>
 
 <file path=ppt/slides/slide34.xml><?xml version="1.0" encoding="utf-8"?>
-<p:sld xmlns:a="http://schemas.openxmlformats.org/drawingml/2006/main" xmlns:r="http://schemas.openxmlformats.org/officeDocument/2006/relationships" xmlns:p="http://schemas.openxmlformats.org/presentationml/2006/main" show="0">
-  <p:cSld>
-    <p:spTree>
-      <p:nvGrpSpPr>
-        <p:cNvPr id="1" name=""/>
-        <p:cNvGrpSpPr/>
-        <p:nvPr/>
-      </p:nvGrpSpPr>
-      <p:grpSpPr>
-        <a:xfrm>
-          <a:off x="0" y="0"/>
-          <a:ext cx="0" cy="0"/>
-          <a:chOff x="0" y="0"/>
-          <a:chExt cx="0" cy="0"/>
-        </a:xfrm>
-      </p:grpSpPr>
-      <p:cxnSp>
-        <p:nvCxnSpPr>
-          <p:cNvPr id="30727" name="AutoShape 21"/>
-          <p:cNvCxnSpPr>
-            <a:cxnSpLocks noChangeShapeType="1"/>
-          </p:cNvCxnSpPr>
-          <p:nvPr/>
-        </p:nvCxnSpPr>
-        <p:spPr bwMode="auto">
-          <a:xfrm>
-            <a:off x="1219200" y="3543300"/>
-            <a:ext cx="0" cy="0"/>
-          </a:xfrm>
-          <a:prstGeom prst="straightConnector1">
-            <a:avLst/>
-          </a:prstGeom>
-          <a:noFill/>
-          <a:ln w="9525">
-            <a:solidFill>
-              <a:schemeClr val="tx1"/>
-            </a:solidFill>
-            <a:round/>
-            <a:headEnd/>
-            <a:tailEnd/>
-          </a:ln>
-        </p:spPr>
-      </p:cxnSp>
-      <p:sp>
-        <p:nvSpPr>
-          <p:cNvPr id="39" name="Rectangle 4"/>
-          <p:cNvSpPr txBox="1">
-            <a:spLocks noChangeArrowheads="1"/>
-          </p:cNvSpPr>
-          <p:nvPr/>
-        </p:nvSpPr>
-        <p:spPr bwMode="auto">
-          <a:xfrm>
-            <a:off x="7696200" y="6629400"/>
-            <a:ext cx="1447800" cy="228600"/>
-          </a:xfrm>
-          <a:prstGeom prst="rect">
-            <a:avLst/>
-          </a:prstGeom>
-          <a:noFill/>
-          <a:ln w="9525">
-            <a:noFill/>
-            <a:miter lim="800000"/>
-            <a:headEnd/>
-            <a:tailEnd/>
-          </a:ln>
-          <a:effectLst/>
-        </p:spPr>
-        <p:txBody>
-          <a:bodyPr vert="horz" wrap="square" lIns="91440" tIns="45720" rIns="91440" bIns="45720" numCol="1" anchor="t" anchorCtr="0" compatLnSpc="1">
-            <a:prstTxWarp prst="textNoShape">
-              <a:avLst/>
-            </a:prstTxWarp>
-          </a:bodyPr>
-          <a:lstStyle>
-            <a:lvl1pPr algn="r">
-              <a:defRPr sz="1200" dirty="0" err="1" smtClean="0">
-                <a:latin typeface="+mn-lt"/>
-              </a:defRPr>
-            </a:lvl1pPr>
-          </a:lstStyle>
-          <a:p>
-            <a:pPr marL="0" marR="0" lvl="0" indent="0" algn="r" defTabSz="914400" rtl="0" eaLnBrk="1" fontAlgn="base" latinLnBrk="0" hangingPunct="1">
-              <a:lnSpc>
-                <a:spcPct val="100000"/>
-              </a:lnSpc>
-              <a:spcBef>
-                <a:spcPct val="0"/>
-              </a:spcBef>
-              <a:spcAft>
-                <a:spcPct val="0"/>
-              </a:spcAft>
-              <a:buClrTx/>
-              <a:buSzTx/>
-              <a:buFontTx/>
-              <a:buNone/>
-              <a:tabLst/>
-              <a:defRPr/>
-            </a:pPr>
-            <a:r>
-              <a:rPr kumimoji="0" lang="en-US" sz="1200" b="0" i="0" u="none" strike="noStrike" kern="1200" cap="none" spc="0" normalizeH="0" baseline="0" noProof="0" dirty="0" smtClean="0">
-                <a:ln>
-                  <a:noFill/>
-                </a:ln>
-                <a:solidFill>
-                  <a:schemeClr val="tx1"/>
-                </a:solidFill>
-                <a:effectLst/>
-                <a:uLnTx/>
-                <a:uFillTx/>
-                <a:latin typeface="+mn-lt"/>
-                <a:ea typeface="+mn-ea"/>
-                <a:cs typeface="+mn-cs"/>
-              </a:rPr>
-              <a:t>testing.</a:t>
-            </a:r>
-            <a:fld id="{B9A0B45D-6AFD-413C-B761-B121FB8BE940}" type="slidenum">
-              <a:rPr kumimoji="0" lang="en-US" sz="1200" b="0" i="0" u="none" strike="noStrike" kern="1200" cap="none" spc="0" normalizeH="0" baseline="0" noProof="0" smtClean="0">
-                <a:ln>
-                  <a:noFill/>
-                </a:ln>
-                <a:solidFill>
-                  <a:schemeClr val="tx1"/>
-                </a:solidFill>
-                <a:effectLst/>
-                <a:uLnTx/>
-                <a:uFillTx/>
-                <a:latin typeface="+mn-lt"/>
-                <a:ea typeface="+mn-ea"/>
-                <a:cs typeface="+mn-cs"/>
-              </a:rPr>
-              <a:pPr marL="0" marR="0" lvl="0" indent="0" algn="r" defTabSz="914400" rtl="0" eaLnBrk="1" fontAlgn="base" latinLnBrk="0" hangingPunct="1">
-                <a:lnSpc>
-                  <a:spcPct val="100000"/>
-                </a:lnSpc>
-                <a:spcBef>
-                  <a:spcPct val="0"/>
-                </a:spcBef>
-                <a:spcAft>
-                  <a:spcPct val="0"/>
-                </a:spcAft>
-                <a:buClrTx/>
-                <a:buSzTx/>
-                <a:buFontTx/>
-                <a:buNone/>
-                <a:tabLst/>
-                <a:defRPr/>
-              </a:pPr>
-              <a:t>34</a:t>
-            </a:fld>
-            <a:endParaRPr kumimoji="0" lang="en-US" sz="1200" b="0" i="0" u="none" strike="noStrike" kern="1200" cap="none" spc="0" normalizeH="0" baseline="0" noProof="0" dirty="0">
-              <a:ln>
-                <a:noFill/>
-              </a:ln>
-              <a:solidFill>
-                <a:schemeClr val="tx1"/>
-              </a:solidFill>
-              <a:effectLst/>
-              <a:uLnTx/>
-              <a:uFillTx/>
-              <a:latin typeface="+mn-lt"/>
-              <a:ea typeface="+mn-ea"/>
-              <a:cs typeface="+mn-cs"/>
-            </a:endParaRPr>
-          </a:p>
-        </p:txBody>
-      </p:sp>
-      <p:sp>
-        <p:nvSpPr>
-          <p:cNvPr id="8" name="Rectangle 4"/>
-          <p:cNvSpPr>
-            <a:spLocks noGrp="1" noChangeArrowheads="1"/>
-          </p:cNvSpPr>
-          <p:nvPr>
-            <p:ph type="title"/>
-          </p:nvPr>
-        </p:nvSpPr>
-        <p:spPr>
-          <a:xfrm>
-            <a:off x="1295400" y="228600"/>
-            <a:ext cx="6553200" cy="838200"/>
-          </a:xfrm>
-          <a:noFill/>
-        </p:spPr>
-        <p:txBody>
-          <a:bodyPr/>
-          <a:lstStyle/>
-          <a:p>
-            <a:pPr eaLnBrk="1" hangingPunct="1"/>
-            <a:r>
-              <a:rPr lang="en-US" sz="4800" dirty="0" smtClean="0">
-                <a:solidFill>
-                  <a:schemeClr val="tx1"/>
-                </a:solidFill>
-              </a:rPr>
-              <a:t>Do you have TB?</a:t>
-            </a:r>
-          </a:p>
-        </p:txBody>
-      </p:sp>
-      <p:graphicFrame>
-        <p:nvGraphicFramePr>
-          <p:cNvPr id="9" name="Object 8"/>
-          <p:cNvGraphicFramePr>
-            <a:graphicFrameLocks noChangeAspect="1"/>
-          </p:cNvGraphicFramePr>
-          <p:nvPr>
-            <p:extLst>
-              <p:ext uri="{D42A27DB-BD31-4B8C-83A1-F6EECF244321}">
-                <p14:modId xmlns:p14="http://schemas.microsoft.com/office/powerpoint/2010/main" val="1772515637"/>
-              </p:ext>
-            </p:extLst>
-          </p:nvPr>
-        </p:nvGraphicFramePr>
-        <p:xfrm>
-          <a:off x="46037" y="1504950"/>
-          <a:ext cx="8869363" cy="1162050"/>
-        </p:xfrm>
-        <a:graphic>
-          <a:graphicData uri="http://schemas.openxmlformats.org/presentationml/2006/ole">
-            <mc:AlternateContent xmlns:mc="http://schemas.openxmlformats.org/markup-compatibility/2006">
-              <mc:Choice xmlns:v="urn:schemas-microsoft-com:vml" Requires="v">
-                <p:oleObj spid="_x0000_s140312" name="Equation" r:id="rId4" imgW="1739900" imgH="228600" progId="Equation.DSMT4">
-                  <p:embed/>
-                </p:oleObj>
-              </mc:Choice>
-              <mc:Fallback>
-                <p:oleObj name="Equation" r:id="rId4" imgW="1739900" imgH="228600" progId="Equation.DSMT4">
-                  <p:embed/>
-                  <p:pic>
-                    <p:nvPicPr>
-                      <p:cNvPr id="0" name=""/>
-                      <p:cNvPicPr/>
-                      <p:nvPr/>
-                    </p:nvPicPr>
-                    <p:blipFill>
-                      <a:blip r:embed="rId5"/>
-                      <a:stretch>
-                        <a:fillRect/>
-                      </a:stretch>
-                    </p:blipFill>
-                    <p:spPr>
-                      <a:xfrm>
-                        <a:off x="46037" y="1504950"/>
-                        <a:ext cx="8869363" cy="1162050"/>
-                      </a:xfrm>
-                      <a:prstGeom prst="rect">
-                        <a:avLst/>
-                      </a:prstGeom>
-                    </p:spPr>
-                  </p:pic>
-                </p:oleObj>
-              </mc:Fallback>
-            </mc:AlternateContent>
-          </a:graphicData>
-        </a:graphic>
-      </p:graphicFrame>
-      <p:graphicFrame>
-        <p:nvGraphicFramePr>
-          <p:cNvPr id="10" name="Object 9"/>
-          <p:cNvGraphicFramePr>
-            <a:graphicFrameLocks noChangeAspect="1"/>
-          </p:cNvGraphicFramePr>
-          <p:nvPr>
-            <p:extLst>
-              <p:ext uri="{D42A27DB-BD31-4B8C-83A1-F6EECF244321}">
-                <p14:modId xmlns:p14="http://schemas.microsoft.com/office/powerpoint/2010/main" val="3729360575"/>
-              </p:ext>
-            </p:extLst>
-          </p:nvPr>
-        </p:nvGraphicFramePr>
-        <p:xfrm>
-          <a:off x="263525" y="2781200"/>
-          <a:ext cx="8804275" cy="1181200"/>
-        </p:xfrm>
-        <a:graphic>
-          <a:graphicData uri="http://schemas.openxmlformats.org/presentationml/2006/ole">
-            <mc:AlternateContent xmlns:mc="http://schemas.openxmlformats.org/markup-compatibility/2006">
-              <mc:Choice xmlns:v="urn:schemas-microsoft-com:vml" Requires="v">
-                <p:oleObj spid="_x0000_s140313" name="Equation" r:id="rId6" imgW="1701800" imgH="228600" progId="Equation.DSMT4">
-                  <p:embed/>
-                </p:oleObj>
-              </mc:Choice>
-              <mc:Fallback>
-                <p:oleObj name="Equation" r:id="rId6" imgW="1701800" imgH="228600" progId="Equation.DSMT4">
-                  <p:embed/>
-                  <p:pic>
-                    <p:nvPicPr>
-                      <p:cNvPr id="0" name=""/>
-                      <p:cNvPicPr/>
-                      <p:nvPr/>
-                    </p:nvPicPr>
-                    <p:blipFill>
-                      <a:blip r:embed="rId7"/>
-                      <a:stretch>
-                        <a:fillRect/>
-                      </a:stretch>
-                    </p:blipFill>
-                    <p:spPr>
-                      <a:xfrm>
-                        <a:off x="263525" y="2781200"/>
-                        <a:ext cx="8804275" cy="1181200"/>
-                      </a:xfrm>
-                      <a:prstGeom prst="rect">
-                        <a:avLst/>
-                      </a:prstGeom>
-                    </p:spPr>
-                  </p:pic>
-                </p:oleObj>
-              </mc:Fallback>
-            </mc:AlternateContent>
-          </a:graphicData>
-        </a:graphic>
-      </p:graphicFrame>
-    </p:spTree>
-    <p:extLst>
-      <p:ext uri="{BB962C8B-B14F-4D97-AF65-F5344CB8AC3E}">
-        <p14:creationId xmlns:p14="http://schemas.microsoft.com/office/powerpoint/2010/main" val="4115525895"/>
-      </p:ext>
-    </p:extLst>
-  </p:cSld>
-  <p:clrMapOvr>
-    <a:masterClrMapping/>
-  </p:clrMapOvr>
-  <mc:AlternateContent xmlns:mc="http://schemas.openxmlformats.org/markup-compatibility/2006">
-    <mc:Choice xmlns:p14="http://schemas.microsoft.com/office/powerpoint/2010/main" Requires="p14">
-      <p:transition spd="med" p14:dur="700" advClick="0">
-        <p:fade/>
-      </p:transition>
-    </mc:Choice>
-    <mc:Fallback>
-      <p:transition xmlns:p14="http://schemas.microsoft.com/office/powerpoint/2010/main" spd="med" advClick="0">
-        <p:fade/>
-      </p:transition>
-    </mc:Fallback>
-  </mc:AlternateContent>
-  <p:timing>
-    <p:tnLst>
-      <p:par>
-        <p:cTn xmlns:p14="http://schemas.microsoft.com/office/powerpoint/2010/main" id="1" dur="indefinite" restart="never" nodeType="tmRoot">
-          <p:childTnLst>
-            <p:seq concurrent="1" nextAc="seek">
-              <p:cTn id="2" dur="indefinite" nodeType="mainSeq">
-                <p:childTnLst>
-                  <p:par>
-                    <p:cTn id="3" fill="hold">
-                      <p:stCondLst>
-                        <p:cond delay="indefinite"/>
-                      </p:stCondLst>
-                      <p:childTnLst>
-                        <p:par>
-                          <p:cTn id="4" fill="hold">
-                            <p:stCondLst>
-                              <p:cond delay="0"/>
-                            </p:stCondLst>
-                            <p:childTnLst>
-                              <p:par>
-                                <p:cTn id="5" presetID="22" presetClass="entr" presetSubtype="8" fill="hold" nodeType="clickEffect">
-                                  <p:stCondLst>
-                                    <p:cond delay="0"/>
-                                  </p:stCondLst>
-                                  <p:childTnLst>
-                                    <p:set>
-                                      <p:cBhvr>
-                                        <p:cTn id="6" dur="1" fill="hold">
-                                          <p:stCondLst>
-                                            <p:cond delay="0"/>
-                                          </p:stCondLst>
-                                        </p:cTn>
-                                        <p:tgtEl>
-                                          <p:spTgt spid="10"/>
-                                        </p:tgtEl>
-                                        <p:attrNameLst>
-                                          <p:attrName>style.visibility</p:attrName>
-                                        </p:attrNameLst>
-                                      </p:cBhvr>
-                                      <p:to>
-                                        <p:strVal val="visible"/>
-                                      </p:to>
-                                    </p:set>
-                                    <p:animEffect transition="in" filter="wipe(left)">
-                                      <p:cBhvr>
-                                        <p:cTn id="7" dur="1000"/>
-                                        <p:tgtEl>
-                                          <p:spTgt spid="10"/>
-                                        </p:tgtEl>
-                                      </p:cBhvr>
-                                    </p:animEffect>
-                                  </p:childTnLst>
-                                </p:cTn>
-                              </p:par>
-                            </p:childTnLst>
-                          </p:cTn>
-                        </p:par>
-                      </p:childTnLst>
-                    </p:cTn>
-                  </p:par>
-                </p:childTnLst>
-              </p:cTn>
-              <p:prevCondLst>
-                <p:cond evt="onPrev" delay="0">
-                  <p:tgtEl>
-                    <p:sldTgt/>
-                  </p:tgtEl>
-                </p:cond>
-              </p:prevCondLst>
-              <p:nextCondLst>
-                <p:cond evt="onNext" delay="0">
-                  <p:tgtEl>
-                    <p:sldTgt/>
-                  </p:tgtEl>
-                </p:cond>
-              </p:nextCondLst>
-            </p:seq>
-          </p:childTnLst>
-        </p:cTn>
-      </p:par>
-    </p:tnLst>
-  </p:timing>
-</p:sld>
-</file>
-
-<file path=ppt/slides/slide35.xml><?xml version="1.0" encoding="utf-8"?>
 <p:sld xmlns:a="http://schemas.openxmlformats.org/drawingml/2006/main" xmlns:r="http://schemas.openxmlformats.org/officeDocument/2006/relationships" xmlns:p="http://schemas.openxmlformats.org/presentationml/2006/main">
   <p:cSld>
     <p:spTree>
@@ -16524,7 +16065,7 @@
                 <a:tabLst/>
                 <a:defRPr/>
               </a:pPr>
-              <a:t>35</a:t>
+              <a:t>34</a:t>
             </a:fld>
             <a:endParaRPr kumimoji="0" lang="en-US" sz="1200" b="0" i="0" u="none" strike="noStrike" kern="1200" cap="none" spc="0" normalizeH="0" baseline="0" noProof="0" dirty="0">
               <a:ln>
@@ -16552,20 +16093,20 @@
           <p:nvPr>
             <p:extLst>
               <p:ext uri="{D42A27DB-BD31-4B8C-83A1-F6EECF244321}">
-                <p14:modId xmlns:p14="http://schemas.microsoft.com/office/powerpoint/2010/main" val="2624499864"/>
+                <p14:modId xmlns:p14="http://schemas.microsoft.com/office/powerpoint/2010/main" val="1820348871"/>
               </p:ext>
             </p:extLst>
           </p:nvPr>
         </p:nvGraphicFramePr>
         <p:xfrm>
-          <a:off x="363538" y="1600200"/>
+          <a:off x="363538" y="1970087"/>
           <a:ext cx="8474075" cy="3440113"/>
         </p:xfrm>
         <a:graphic>
           <a:graphicData uri="http://schemas.openxmlformats.org/presentationml/2006/ole">
             <mc:AlternateContent xmlns:mc="http://schemas.openxmlformats.org/markup-compatibility/2006">
               <mc:Choice xmlns:v="urn:schemas-microsoft-com:vml" Requires="v">
-                <p:oleObj spid="_x0000_s82969" name="Equation" r:id="rId4" imgW="1155700" imgH="469900" progId="Equation.DSMT4">
+                <p:oleObj spid="_x0000_s82974" name="Equation" r:id="rId4" imgW="1155700" imgH="469900" progId="Equation.DSMT4">
                   <p:embed/>
                 </p:oleObj>
               </mc:Choice>
@@ -16586,7 +16127,7 @@
                     </p:blipFill>
                     <p:spPr>
                       <a:xfrm>
-                        <a:off x="363538" y="1600200"/>
+                        <a:off x="363538" y="1970087"/>
                         <a:ext cx="8474075" cy="3440113"/>
                       </a:xfrm>
                       <a:prstGeom prst="rect">
@@ -16630,6 +16171,52 @@
               </a:rPr>
               <a:t>Unlikely you have TB</a:t>
             </a:r>
+          </a:p>
+        </p:txBody>
+      </p:sp>
+      <p:sp>
+        <p:nvSpPr>
+          <p:cNvPr id="2" name="TextBox 1"/>
+          <p:cNvSpPr txBox="1"/>
+          <p:nvPr/>
+        </p:nvSpPr>
+        <p:spPr>
+          <a:xfrm>
+            <a:off x="609600" y="1524000"/>
+            <a:ext cx="8090075" cy="830997"/>
+          </a:xfrm>
+          <a:prstGeom prst="rect">
+            <a:avLst/>
+          </a:prstGeom>
+          <a:noFill/>
+        </p:spPr>
+        <p:txBody>
+          <a:bodyPr wrap="none" rtlCol="0">
+            <a:spAutoFit/>
+          </a:bodyPr>
+          <a:lstStyle/>
+          <a:p>
+            <a:r>
+              <a:rPr lang="en-US" sz="4800" dirty="0" smtClean="0">
+                <a:solidFill>
+                  <a:srgbClr val="008000"/>
+                </a:solidFill>
+                <a:latin typeface="Comic Sans MS"/>
+                <a:cs typeface="Comic Sans MS"/>
+              </a:rPr>
+              <a:t>Predicted</a:t>
+            </a:r>
+            <a:r>
+              <a:rPr lang="en-US" sz="4800" dirty="0" smtClean="0">
+                <a:latin typeface="Comic Sans MS"/>
+                <a:cs typeface="Comic Sans MS"/>
+              </a:rPr>
+              <a:t> probability of TB</a:t>
+            </a:r>
+            <a:endParaRPr lang="en-US" sz="4800" dirty="0">
+              <a:latin typeface="Comic Sans MS"/>
+              <a:cs typeface="Comic Sans MS"/>
+            </a:endParaRPr>
           </a:p>
         </p:txBody>
       </p:sp>
@@ -16658,6 +16245,9 @@
                     <p:cTn id="3" fill="hold">
                       <p:stCondLst>
                         <p:cond delay="indefinite"/>
+                        <p:cond evt="onBegin" delay="0">
+                          <p:tn val="2"/>
+                        </p:cond>
                       </p:stCondLst>
                       <p:childTnLst>
                         <p:par>
@@ -16667,7 +16257,7 @@
                             </p:stCondLst>
                             <p:childTnLst>
                               <p:par>
-                                <p:cTn id="5" presetID="2" presetClass="entr" presetSubtype="4" fill="hold" grpId="0" nodeType="clickEffect">
+                                <p:cTn id="5" presetID="22" presetClass="entr" presetSubtype="8" fill="hold" nodeType="afterEffect">
                                   <p:stCondLst>
                                     <p:cond delay="0"/>
                                   </p:stCondLst>
@@ -16675,6 +16265,59 @@
                                     <p:set>
                                       <p:cBhvr>
                                         <p:cTn id="6" dur="1" fill="hold">
+                                          <p:stCondLst>
+                                            <p:cond delay="0"/>
+                                          </p:stCondLst>
+                                        </p:cTn>
+                                        <p:tgtEl>
+                                          <p:spTgt spid="10"/>
+                                        </p:tgtEl>
+                                        <p:attrNameLst>
+                                          <p:attrName>style.visibility</p:attrName>
+                                        </p:attrNameLst>
+                                      </p:cBhvr>
+                                      <p:to>
+                                        <p:strVal val="visible"/>
+                                      </p:to>
+                                    </p:set>
+                                    <p:animEffect transition="in" filter="wipe(left)">
+                                      <p:cBhvr>
+                                        <p:cTn id="7" dur="2000"/>
+                                        <p:tgtEl>
+                                          <p:spTgt spid="10"/>
+                                        </p:tgtEl>
+                                      </p:cBhvr>
+                                    </p:animEffect>
+                                  </p:childTnLst>
+                                </p:cTn>
+                              </p:par>
+                            </p:childTnLst>
+                          </p:cTn>
+                        </p:par>
+                      </p:childTnLst>
+                    </p:cTn>
+                  </p:par>
+                  <p:par>
+                    <p:cTn id="8" fill="hold">
+                      <p:stCondLst>
+                        <p:cond delay="indefinite"/>
+                      </p:stCondLst>
+                      <p:childTnLst>
+                        <p:par>
+                          <p:cTn id="9" fill="hold">
+                            <p:stCondLst>
+                              <p:cond delay="0"/>
+                            </p:stCondLst>
+                            <p:childTnLst>
+                              <p:par>
+                                <p:cTn id="10" presetID="2" presetClass="entr" presetSubtype="4" fill="hold" grpId="0" nodeType="clickEffect">
+                                  <p:stCondLst>
+                                    <p:cond delay="0"/>
+                                  </p:stCondLst>
+                                  <p:childTnLst>
+                                    <p:set>
+                                      <p:cBhvr>
+                                        <p:cTn id="11" dur="1" fill="hold">
                                           <p:stCondLst>
                                             <p:cond delay="0"/>
                                           </p:stCondLst>
@@ -16692,7 +16335,7 @@
                                     </p:set>
                                     <p:anim calcmode="lin" valueType="num">
                                       <p:cBhvr additive="base">
-                                        <p:cTn id="7" dur="500" fill="hold"/>
+                                        <p:cTn id="12" dur="500" fill="hold"/>
                                         <p:tgtEl>
                                           <p:spTgt spid="7"/>
                                         </p:tgtEl>
@@ -16715,7 +16358,7 @@
                                     </p:anim>
                                     <p:anim calcmode="lin" valueType="num">
                                       <p:cBhvr additive="base">
-                                        <p:cTn id="8" dur="500" fill="hold"/>
+                                        <p:cTn id="13" dur="500" fill="hold"/>
                                         <p:tgtEl>
                                           <p:spTgt spid="7"/>
                                         </p:tgtEl>
@@ -16773,7 +16416,7 @@
 </p:sld>
 </file>
 
-<file path=ppt/slides/slide36.xml><?xml version="1.0" encoding="utf-8"?>
+<file path=ppt/slides/slide35.xml><?xml version="1.0" encoding="utf-8"?>
 <p:sld xmlns:a="http://schemas.openxmlformats.org/drawingml/2006/main" xmlns:r="http://schemas.openxmlformats.org/officeDocument/2006/relationships" xmlns:p="http://schemas.openxmlformats.org/presentationml/2006/main">
   <p:cSld>
     <p:spTree>
@@ -16798,8 +16441,8 @@
         </p:nvSpPr>
         <p:spPr>
           <a:xfrm>
-            <a:off x="364838" y="1471987"/>
-            <a:ext cx="8643412" cy="4598182"/>
+            <a:off x="76200" y="1371600"/>
+            <a:ext cx="8995860" cy="4555093"/>
           </a:xfrm>
           <a:prstGeom prst="rect">
             <a:avLst/>
@@ -16814,7 +16457,7 @@
           <a:p>
             <a:pPr algn="l"/>
             <a:r>
-              <a:rPr lang="en-US" sz="4800" dirty="0" smtClean="0">
+              <a:rPr lang="en-US" sz="5000" dirty="0" smtClean="0">
                 <a:solidFill>
                   <a:srgbClr val="000000"/>
                 </a:solidFill>
@@ -16824,179 +16467,219 @@
               <a:t>B</a:t>
             </a:r>
             <a:r>
-              <a:rPr lang="en-US" sz="4800" dirty="0" smtClean="0">
+              <a:rPr lang="en-US" sz="5000" dirty="0" smtClean="0">
                 <a:latin typeface="Comic Sans MS"/>
                 <a:cs typeface="Comic Sans MS"/>
               </a:rPr>
               <a:t>ecause of </a:t>
             </a:r>
             <a:r>
-              <a:rPr lang="en-US" sz="4800" dirty="0" smtClean="0">
+              <a:rPr lang="en-US" sz="5000" dirty="0" smtClean="0">
                 <a:solidFill>
                   <a:srgbClr val="000000"/>
                 </a:solidFill>
                 <a:latin typeface="Comic Sans MS"/>
                 <a:cs typeface="Comic Sans MS"/>
               </a:rPr>
-              <a:t>relatively</a:t>
-            </a:r>
-          </a:p>
-          <a:p>
-            <a:pPr algn="l"/>
-            <a:r>
-              <a:rPr lang="en-US" sz="4800" dirty="0" smtClean="0">
+              <a:t>relatively </a:t>
+            </a:r>
+            <a:r>
+              <a:rPr lang="en-US" sz="5000" dirty="0" smtClean="0">
                 <a:solidFill>
                   <a:srgbClr val="FF33CC"/>
                 </a:solidFill>
                 <a:latin typeface="Comic Sans MS"/>
                 <a:cs typeface="Comic Sans MS"/>
               </a:rPr>
-              <a:t>high false positive rate </a:t>
-            </a:r>
-            <a:r>
-              <a:rPr lang="en-US" sz="4800" dirty="0" smtClean="0">
-                <a:solidFill>
-                  <a:srgbClr val="0000FF"/>
+              <a:t>high</a:t>
+            </a:r>
+          </a:p>
+          <a:p>
+            <a:pPr algn="l"/>
+            <a:r>
+              <a:rPr lang="en-US" sz="5000" dirty="0" smtClean="0">
+                <a:solidFill>
+                  <a:srgbClr val="FF33CC"/>
                 </a:solidFill>
                 <a:latin typeface="Comic Sans MS"/>
                 <a:cs typeface="Comic Sans MS"/>
               </a:rPr>
-              <a:t>(2%</a:t>
-            </a:r>
-            <a:r>
-              <a:rPr lang="en-US" sz="4800" dirty="0" smtClean="0">
-                <a:solidFill>
-                  <a:srgbClr val="0000FF"/>
+              <a:t>false </a:t>
+            </a:r>
+            <a:r>
+              <a:rPr lang="en-US" sz="5000" dirty="0" smtClean="0">
+                <a:solidFill>
+                  <a:srgbClr val="FF33CC"/>
                 </a:solidFill>
                 <a:latin typeface="Comic Sans MS"/>
                 <a:cs typeface="Comic Sans MS"/>
               </a:rPr>
-              <a:t>)</a:t>
-            </a:r>
-            <a:r>
-              <a:rPr lang="en-US" sz="4800" dirty="0" smtClean="0">
-                <a:solidFill>
-                  <a:srgbClr val="FF33CC"/>
+              <a:t>positive rate </a:t>
+            </a:r>
+            <a:r>
+              <a:rPr lang="en-US" sz="5000" dirty="0" smtClean="0">
+                <a:solidFill>
+                  <a:srgbClr val="0000FF"/>
                 </a:solidFill>
                 <a:latin typeface="Comic Sans MS"/>
                 <a:cs typeface="Comic Sans MS"/>
               </a:rPr>
-              <a:t> </a:t>
-            </a:r>
-          </a:p>
-          <a:p>
-            <a:pPr algn="l"/>
-            <a:r>
-              <a:rPr lang="en-US" sz="4800" dirty="0" smtClean="0">
+              <a:t>(2%)</a:t>
+            </a:r>
+            <a:r>
+              <a:rPr lang="en-US" sz="5000" dirty="0" smtClean="0">
+                <a:solidFill>
+                  <a:srgbClr val="FF33CC"/>
+                </a:solidFill>
                 <a:latin typeface="Comic Sans MS"/>
                 <a:cs typeface="Comic Sans MS"/>
               </a:rPr>
-              <a:t>compared to TB rate </a:t>
-            </a:r>
-            <a:r>
-              <a:rPr lang="en-US" sz="4800" dirty="0" smtClean="0">
-                <a:solidFill>
-                  <a:srgbClr val="0000FF"/>
-                </a:solidFill>
+              <a:t> </a:t>
+            </a:r>
+          </a:p>
+          <a:p>
+            <a:pPr algn="l"/>
+            <a:r>
+              <a:rPr lang="en-US" sz="5000" dirty="0" smtClean="0">
                 <a:latin typeface="Comic Sans MS"/>
                 <a:cs typeface="Comic Sans MS"/>
               </a:rPr>
-              <a:t>(0.01%)</a:t>
-            </a:r>
-            <a:r>
-              <a:rPr lang="en-US" sz="4800" dirty="0" smtClean="0">
+              <a:t>compared to TB rate </a:t>
+            </a:r>
+            <a:r>
+              <a:rPr lang="en-US" sz="5000" dirty="0" smtClean="0">
+                <a:solidFill>
+                  <a:srgbClr val="0000FF"/>
+                </a:solidFill>
                 <a:latin typeface="Comic Sans MS"/>
                 <a:cs typeface="Comic Sans MS"/>
               </a:rPr>
-              <a:t>, </a:t>
-            </a:r>
-          </a:p>
-          <a:p>
-            <a:pPr lvl="0" algn="l"/>
-            <a:r>
-              <a:rPr lang="en-US" sz="4800" dirty="0" smtClean="0">
-                <a:solidFill>
-                  <a:srgbClr val="000000"/>
-                </a:solidFill>
+              <a:t>(0.01%)</a:t>
+            </a:r>
+            <a:r>
+              <a:rPr lang="en-US" sz="5000" dirty="0" smtClean="0">
                 <a:latin typeface="Comic Sans MS"/>
                 <a:cs typeface="Comic Sans MS"/>
               </a:rPr>
-              <a:t>chance of </a:t>
-            </a:r>
-            <a:r>
-              <a:rPr lang="en-US" sz="4800" dirty="0">
-                <a:solidFill>
-                  <a:srgbClr val="000000"/>
+              <a:t>, </a:t>
+            </a:r>
+          </a:p>
+          <a:p>
+            <a:pPr lvl="0" algn="l"/>
+            <a:r>
+              <a:rPr lang="en-US" sz="5000" dirty="0" smtClean="0">
+                <a:solidFill>
+                  <a:srgbClr val="008000"/>
                 </a:solidFill>
                 <a:latin typeface="Comic Sans MS"/>
                 <a:cs typeface="Comic Sans MS"/>
               </a:rPr>
-              <a:t>having </a:t>
-            </a:r>
-            <a:r>
-              <a:rPr lang="en-US" sz="4800" dirty="0" smtClean="0">
+              <a:t>predicted</a:t>
+            </a:r>
+            <a:r>
+              <a:rPr lang="en-US" sz="5000" dirty="0" smtClean="0">
                 <a:solidFill>
                   <a:srgbClr val="000000"/>
                 </a:solidFill>
                 <a:latin typeface="Comic Sans MS"/>
                 <a:cs typeface="Comic Sans MS"/>
               </a:rPr>
-              <a:t>TB remains</a:t>
-            </a:r>
-          </a:p>
-          <a:p>
-            <a:pPr lvl="0" algn="l"/>
-            <a:r>
-              <a:rPr lang="en-US" sz="6000" dirty="0" smtClean="0">
-                <a:solidFill>
-                  <a:srgbClr val="247643"/>
+              <a:t> probability</a:t>
+            </a:r>
+            <a:r>
+              <a:rPr lang="en-US" sz="5000" dirty="0" smtClean="0">
+                <a:solidFill>
+                  <a:srgbClr val="000000"/>
                 </a:solidFill>
                 <a:latin typeface="Comic Sans MS"/>
                 <a:cs typeface="Comic Sans MS"/>
               </a:rPr>
-              <a:t>small</a:t>
-            </a:r>
-            <a:r>
-              <a:rPr lang="en-US" sz="4800" dirty="0" smtClean="0">
+              <a:t> </a:t>
+            </a:r>
+            <a:r>
+              <a:rPr lang="en-US" sz="5000" dirty="0" smtClean="0">
                 <a:solidFill>
                   <a:srgbClr val="000000"/>
                 </a:solidFill>
                 <a:latin typeface="Comic Sans MS"/>
                 <a:cs typeface="Comic Sans MS"/>
               </a:rPr>
-              <a:t> </a:t>
-            </a:r>
-            <a:r>
-              <a:rPr lang="en-US" sz="6000" dirty="0" smtClean="0">
-                <a:solidFill>
-                  <a:srgbClr val="0000FF"/>
+              <a:t>of </a:t>
+            </a:r>
+            <a:r>
+              <a:rPr lang="en-US" sz="5000" dirty="0" smtClean="0">
+                <a:solidFill>
+                  <a:srgbClr val="000000"/>
                 </a:solidFill>
                 <a:latin typeface="Comic Sans MS"/>
                 <a:cs typeface="Comic Sans MS"/>
               </a:rPr>
-              <a:t>(1/2 %</a:t>
-            </a:r>
-            <a:r>
-              <a:rPr lang="en-US" sz="6000" dirty="0">
-                <a:solidFill>
-                  <a:srgbClr val="0000FF"/>
+              <a:t>TB</a:t>
+            </a:r>
+          </a:p>
+          <a:p>
+            <a:pPr lvl="0" algn="l"/>
+            <a:r>
+              <a:rPr lang="en-US" sz="5000" dirty="0" smtClean="0">
+                <a:solidFill>
+                  <a:srgbClr val="000000"/>
                 </a:solidFill>
                 <a:latin typeface="Comic Sans MS"/>
                 <a:cs typeface="Comic Sans MS"/>
               </a:rPr>
-              <a:t>)</a:t>
-            </a:r>
-            <a:r>
-              <a:rPr lang="en-US" sz="6000" dirty="0" smtClean="0">
-                <a:solidFill>
-                  <a:srgbClr val="000000"/>
+              <a:t>remains </a:t>
+            </a:r>
+            <a:r>
+              <a:rPr lang="en-US" sz="5000" dirty="0" smtClean="0">
+                <a:solidFill>
+                  <a:srgbClr val="247643"/>
                 </a:solidFill>
                 <a:latin typeface="Comic Sans MS"/>
                 <a:cs typeface="Comic Sans MS"/>
               </a:rPr>
+              <a:t>small</a:t>
+            </a:r>
+            <a:r>
+              <a:rPr lang="en-US" sz="5000" dirty="0" smtClean="0">
+                <a:solidFill>
+                  <a:srgbClr val="000000"/>
+                </a:solidFill>
+                <a:latin typeface="Comic Sans MS"/>
+                <a:cs typeface="Comic Sans MS"/>
+              </a:rPr>
+              <a:t> </a:t>
+            </a:r>
+            <a:r>
+              <a:rPr lang="en-US" sz="5000" dirty="0" smtClean="0">
+                <a:solidFill>
+                  <a:srgbClr val="0000FF"/>
+                </a:solidFill>
+                <a:latin typeface="Comic Sans MS"/>
+                <a:cs typeface="Comic Sans MS"/>
+              </a:rPr>
+              <a:t>(1/2 %</a:t>
+            </a:r>
+            <a:r>
+              <a:rPr lang="en-US" sz="5000" dirty="0">
+                <a:solidFill>
+                  <a:srgbClr val="0000FF"/>
+                </a:solidFill>
+                <a:latin typeface="Comic Sans MS"/>
+                <a:cs typeface="Comic Sans MS"/>
+              </a:rPr>
+              <a:t>)</a:t>
+            </a:r>
+            <a:r>
+              <a:rPr lang="en-US" sz="5000" dirty="0" smtClean="0">
+                <a:solidFill>
+                  <a:srgbClr val="000000"/>
+                </a:solidFill>
+                <a:latin typeface="Comic Sans MS"/>
+                <a:cs typeface="Comic Sans MS"/>
+              </a:rPr>
               <a:t>!</a:t>
             </a:r>
-            <a:endParaRPr lang="en-US" sz="4800" dirty="0">
+            <a:endParaRPr lang="en-US" sz="5000" dirty="0">
               <a:solidFill>
                 <a:srgbClr val="000000"/>
               </a:solidFill>
@@ -17179,21 +16862,30 @@
                             </p:childTnLst>
                           </p:cTn>
                         </p:par>
+                      </p:childTnLst>
+                    </p:cTn>
+                  </p:par>
+                  <p:par>
+                    <p:cTn id="13" fill="hold">
+                      <p:stCondLst>
+                        <p:cond delay="indefinite"/>
+                      </p:stCondLst>
+                      <p:childTnLst>
                         <p:par>
-                          <p:cTn id="13" fill="hold">
+                          <p:cTn id="14" fill="hold">
                             <p:stCondLst>
-                              <p:cond delay="500"/>
+                              <p:cond delay="0"/>
                             </p:stCondLst>
                             <p:childTnLst>
                               <p:par>
-                                <p:cTn id="14" presetID="10" presetClass="entr" presetSubtype="0" fill="hold" grpId="0" nodeType="afterEffect">
+                                <p:cTn id="15" presetID="10" presetClass="entr" presetSubtype="0" fill="hold" grpId="0" nodeType="clickEffect">
                                   <p:stCondLst>
                                     <p:cond delay="0"/>
                                   </p:stCondLst>
                                   <p:childTnLst>
                                     <p:set>
                                       <p:cBhvr>
-                                        <p:cTn id="15" dur="1" fill="hold">
+                                        <p:cTn id="16" dur="1" fill="hold">
                                           <p:stCondLst>
                                             <p:cond delay="0"/>
                                           </p:stCondLst>
@@ -17215,7 +16907,7 @@
                                     </p:set>
                                     <p:animEffect transition="in" filter="fade">
                                       <p:cBhvr>
-                                        <p:cTn id="16" dur="500"/>
+                                        <p:cTn id="17" dur="500"/>
                                         <p:tgtEl>
                                           <p:spTgt spid="6">
                                             <p:txEl>
@@ -17262,7 +16954,7 @@
 </p:sld>
 </file>
 
-<file path=ppt/slides/slide37.xml><?xml version="1.0" encoding="utf-8"?>
+<file path=ppt/slides/slide36.xml><?xml version="1.0" encoding="utf-8"?>
 <p:sld xmlns:a="http://schemas.openxmlformats.org/drawingml/2006/main" xmlns:r="http://schemas.openxmlformats.org/officeDocument/2006/relationships" xmlns:p="http://schemas.openxmlformats.org/presentationml/2006/main" show="0">
   <p:cSld>
     <p:spTree>
@@ -17306,7 +16998,7 @@
               <a:pPr>
                 <a:defRPr/>
               </a:pPr>
-              <a:t>37</a:t>
+              <a:t>36</a:t>
             </a:fld>
             <a:endParaRPr lang="en-US" dirty="0"/>
           </a:p>
@@ -18285,7 +17977,7 @@
 </p:sld>
 </file>
 
-<file path=ppt/slides/slide38.xml><?xml version="1.0" encoding="utf-8"?>
+<file path=ppt/slides/slide37.xml><?xml version="1.0" encoding="utf-8"?>
 <p:sld xmlns:a="http://schemas.openxmlformats.org/drawingml/2006/main" xmlns:r="http://schemas.openxmlformats.org/officeDocument/2006/relationships" xmlns:p="http://schemas.openxmlformats.org/presentationml/2006/main" show="0">
   <p:cSld>
     <p:spTree>
@@ -18329,7 +18021,7 @@
               <a:pPr>
                 <a:defRPr/>
               </a:pPr>
-              <a:t>38</a:t>
+              <a:t>37</a:t>
             </a:fld>
             <a:endParaRPr lang="en-US" dirty="0"/>
           </a:p>
@@ -18658,7 +18350,7 @@
 </p:sld>
 </file>
 
-<file path=ppt/slides/slide39.xml><?xml version="1.0" encoding="utf-8"?>
+<file path=ppt/slides/slide38.xml><?xml version="1.0" encoding="utf-8"?>
 <p:sld xmlns:a="http://schemas.openxmlformats.org/drawingml/2006/main" xmlns:r="http://schemas.openxmlformats.org/officeDocument/2006/relationships" xmlns:p="http://schemas.openxmlformats.org/presentationml/2006/main" show="0">
   <p:cSld>
     <p:spTree>
@@ -18702,7 +18394,7 @@
               <a:pPr>
                 <a:defRPr/>
               </a:pPr>
-              <a:t>39</a:t>
+              <a:t>38</a:t>
             </a:fld>
             <a:endParaRPr lang="en-US" dirty="0"/>
           </a:p>
@@ -19257,6 +18949,255 @@
 </p:sld>
 </file>
 
+<file path=ppt/slides/slide39.xml><?xml version="1.0" encoding="utf-8"?>
+<p:sld xmlns:a="http://schemas.openxmlformats.org/drawingml/2006/main" xmlns:r="http://schemas.openxmlformats.org/officeDocument/2006/relationships" xmlns:p="http://schemas.openxmlformats.org/presentationml/2006/main" show="0">
+  <p:cSld>
+    <p:spTree>
+      <p:nvGrpSpPr>
+        <p:cNvPr id="1" name=""/>
+        <p:cNvGrpSpPr/>
+        <p:nvPr/>
+      </p:nvGrpSpPr>
+      <p:grpSpPr>
+        <a:xfrm>
+          <a:off x="0" y="0"/>
+          <a:ext cx="0" cy="0"/>
+          <a:chOff x="0" y="0"/>
+          <a:chExt cx="0" cy="0"/>
+        </a:xfrm>
+      </p:grpSpPr>
+      <p:sp>
+        <p:nvSpPr>
+          <p:cNvPr id="28674" name="Slide Number Placeholder 3"/>
+          <p:cNvSpPr>
+            <a:spLocks noGrp="1"/>
+          </p:cNvSpPr>
+          <p:nvPr>
+            <p:ph type="sldNum" sz="quarter" idx="10"/>
+          </p:nvPr>
+        </p:nvSpPr>
+        <p:spPr/>
+        <p:txBody>
+          <a:bodyPr/>
+          <a:lstStyle/>
+          <a:p>
+            <a:pPr>
+              <a:defRPr/>
+            </a:pPr>
+            <a:r>
+              <a:rPr lang="en-US" dirty="0" smtClean="0"/>
+              <a:t>testing.</a:t>
+            </a:r>
+            <a:fld id="{8372F5CC-0D0C-42AC-A06F-FCD924AC2FB1}" type="slidenum">
+              <a:rPr lang="en-US" smtClean="0"/>
+              <a:pPr>
+                <a:defRPr/>
+              </a:pPr>
+              <a:t>39</a:t>
+            </a:fld>
+            <a:endParaRPr lang="en-US" dirty="0"/>
+          </a:p>
+        </p:txBody>
+      </p:sp>
+      <p:sp>
+        <p:nvSpPr>
+          <p:cNvPr id="32771" name="Text Box 2"/>
+          <p:cNvSpPr txBox="1">
+            <a:spLocks noChangeArrowheads="1"/>
+          </p:cNvSpPr>
+          <p:nvPr/>
+        </p:nvSpPr>
+        <p:spPr bwMode="auto">
+          <a:xfrm>
+            <a:off x="300038" y="1371601"/>
+            <a:ext cx="8843962" cy="4081117"/>
+          </a:xfrm>
+          <a:prstGeom prst="rect">
+            <a:avLst/>
+          </a:prstGeom>
+          <a:noFill/>
+          <a:ln w="9525">
+            <a:noFill/>
+            <a:miter lim="800000"/>
+            <a:headEnd/>
+            <a:tailEnd/>
+          </a:ln>
+        </p:spPr>
+        <p:txBody>
+          <a:bodyPr wrap="square">
+            <a:spAutoFit/>
+          </a:bodyPr>
+          <a:lstStyle/>
+          <a:p>
+            <a:pPr algn="l">
+              <a:lnSpc>
+                <a:spcPct val="40000"/>
+              </a:lnSpc>
+            </a:pPr>
+            <a:endParaRPr lang="en-US" sz="4800" dirty="0" smtClean="0">
+              <a:latin typeface="Comic Sans MS" pitchFamily="66" charset="0"/>
+            </a:endParaRPr>
+          </a:p>
+          <a:p>
+            <a:pPr algn="l"/>
+            <a:r>
+              <a:rPr lang="en-US" sz="4800" dirty="0" smtClean="0">
+                <a:latin typeface="Comic Sans MS" pitchFamily="66" charset="0"/>
+              </a:rPr>
+              <a:t>Tell the EPA that with probability </a:t>
+            </a:r>
+            <a:r>
+              <a:rPr lang="en-US" sz="4800" dirty="0" smtClean="0">
+                <a:solidFill>
+                  <a:srgbClr val="FF33CC"/>
+                </a:solidFill>
+                <a:latin typeface="Comic Sans MS" pitchFamily="66" charset="0"/>
+              </a:rPr>
+              <a:t>0.95</a:t>
+            </a:r>
+            <a:r>
+              <a:rPr lang="en-US" sz="4800" dirty="0" smtClean="0">
+                <a:solidFill>
+                  <a:srgbClr val="008000"/>
+                </a:solidFill>
+                <a:latin typeface="Comic Sans MS" pitchFamily="66" charset="0"/>
+              </a:rPr>
+              <a:t> our estimate method </a:t>
+            </a:r>
+            <a:r>
+              <a:rPr lang="en-US" sz="4800" dirty="0" smtClean="0">
+                <a:latin typeface="Comic Sans MS" pitchFamily="66" charset="0"/>
+              </a:rPr>
+              <a:t>for </a:t>
+            </a:r>
+            <a:r>
+              <a:rPr lang="en-US" sz="4800" dirty="0" err="1" smtClean="0">
+                <a:latin typeface="Comic Sans MS" pitchFamily="66" charset="0"/>
+              </a:rPr>
+              <a:t>avg</a:t>
+            </a:r>
+            <a:r>
+              <a:rPr lang="en-US" sz="4800" dirty="0" smtClean="0">
+                <a:latin typeface="Comic Sans MS" pitchFamily="66" charset="0"/>
+              </a:rPr>
+              <a:t> CMD will be within </a:t>
+            </a:r>
+            <a:r>
+              <a:rPr lang="en-US" sz="4800" dirty="0" smtClean="0">
+                <a:solidFill>
+                  <a:srgbClr val="FF6600"/>
+                </a:solidFill>
+                <a:latin typeface="Comic Sans MS" pitchFamily="66" charset="0"/>
+              </a:rPr>
+              <a:t>20</a:t>
+            </a:r>
+            <a:r>
+              <a:rPr lang="en-US" sz="4800" dirty="0" smtClean="0">
+                <a:latin typeface="Comic Sans MS" pitchFamily="66" charset="0"/>
+              </a:rPr>
+              <a:t> </a:t>
+            </a:r>
+            <a:r>
+              <a:rPr lang="en-US" sz="4800" dirty="0">
+                <a:latin typeface="Comic Sans MS" pitchFamily="66" charset="0"/>
+              </a:rPr>
+              <a:t>of the </a:t>
+            </a:r>
+            <a:r>
+              <a:rPr lang="en-US" sz="4800" dirty="0" smtClean="0">
+                <a:latin typeface="Comic Sans MS" pitchFamily="66" charset="0"/>
+              </a:rPr>
+              <a:t>actual </a:t>
+            </a:r>
+            <a:r>
+              <a:rPr lang="en-US" sz="4800" dirty="0" err="1" smtClean="0">
+                <a:latin typeface="Comic Sans MS" pitchFamily="66" charset="0"/>
+              </a:rPr>
+              <a:t>avg</a:t>
+            </a:r>
+            <a:r>
+              <a:rPr lang="en-US" sz="4800" dirty="0" smtClean="0">
+                <a:latin typeface="Comic Sans MS" pitchFamily="66" charset="0"/>
+              </a:rPr>
+              <a:t>, </a:t>
+            </a:r>
+            <a:r>
+              <a:rPr lang="en-US" sz="4800" dirty="0" smtClean="0">
+                <a:solidFill>
+                  <a:srgbClr val="FF4519"/>
+                </a:solidFill>
+                <a:latin typeface="Comic Sans MS" pitchFamily="66" charset="0"/>
+              </a:rPr>
+              <a:t>c</a:t>
+            </a:r>
+            <a:r>
+              <a:rPr lang="en-US" sz="4800" dirty="0" smtClean="0">
+                <a:latin typeface="Comic Sans MS" pitchFamily="66" charset="0"/>
+              </a:rPr>
+              <a:t>, in the river.</a:t>
+            </a:r>
+            <a:endParaRPr lang="en-US" sz="4800" dirty="0">
+              <a:latin typeface="Comic Sans MS" pitchFamily="66" charset="0"/>
+            </a:endParaRPr>
+          </a:p>
+        </p:txBody>
+      </p:sp>
+      <p:sp>
+        <p:nvSpPr>
+          <p:cNvPr id="7" name="Rectangle 3"/>
+          <p:cNvSpPr>
+            <a:spLocks noGrp="1" noChangeArrowheads="1"/>
+          </p:cNvSpPr>
+          <p:nvPr>
+            <p:ph type="title"/>
+          </p:nvPr>
+        </p:nvSpPr>
+        <p:spPr>
+          <a:xfrm>
+            <a:off x="1905000" y="228600"/>
+            <a:ext cx="5334000" cy="990600"/>
+          </a:xfrm>
+          <a:noFill/>
+        </p:spPr>
+        <p:txBody>
+          <a:bodyPr/>
+          <a:lstStyle/>
+          <a:p>
+            <a:pPr eaLnBrk="1" hangingPunct="1"/>
+            <a:r>
+              <a:rPr lang="en-US" sz="4800" dirty="0" smtClean="0">
+                <a:solidFill>
+                  <a:srgbClr val="0006FE"/>
+                </a:solidFill>
+              </a:rPr>
+              <a:t>Confidence</a:t>
+            </a:r>
+          </a:p>
+        </p:txBody>
+      </p:sp>
+    </p:spTree>
+    <p:extLst>
+      <p:ext uri="{BB962C8B-B14F-4D97-AF65-F5344CB8AC3E}">
+        <p14:creationId xmlns:p14="http://schemas.microsoft.com/office/powerpoint/2010/main" val="2695719740"/>
+      </p:ext>
+    </p:extLst>
+  </p:cSld>
+  <p:clrMapOvr>
+    <a:masterClrMapping/>
+  </p:clrMapOvr>
+  <p:transition xmlns:p14="http://schemas.microsoft.com/office/powerpoint/2010/main" spd="slow">
+    <p:fade thruBlk="1"/>
+  </p:transition>
+  <p:timing>
+    <p:tnLst>
+      <p:par>
+        <p:cTn xmlns:p14="http://schemas.microsoft.com/office/powerpoint/2010/main" id="1" dur="indefinite" restart="never" nodeType="tmRoot"/>
+      </p:par>
+    </p:tnLst>
+  </p:timing>
+</p:sld>
+</file>
+
 <file path=ppt/slides/slide4.xml><?xml version="1.0" encoding="utf-8"?>
 <p:sld xmlns:a="http://schemas.openxmlformats.org/drawingml/2006/main" xmlns:r="http://schemas.openxmlformats.org/officeDocument/2006/relationships" xmlns:p="http://schemas.openxmlformats.org/presentationml/2006/main">
   <p:cSld>
@@ -19490,21 +19431,7 @@
                 <a:latin typeface="Comic Sans MS"/>
                 <a:cs typeface="Comic Sans MS"/>
               </a:rPr>
-              <a:t>test says so </a:t>
-            </a:r>
-            <a:r>
-              <a:rPr lang="en-US" sz="4400" dirty="0" smtClean="0">
-                <a:latin typeface="Comic Sans MS"/>
-                <a:cs typeface="Comic Sans MS"/>
-              </a:rPr>
-              <a:t>98% </a:t>
-            </a:r>
-            <a:r>
-              <a:rPr lang="en-US" sz="4400" dirty="0" smtClean="0">
-                <a:latin typeface="Comic Sans MS"/>
-                <a:cs typeface="Comic Sans MS"/>
-              </a:rPr>
-              <a:t>of the time.</a:t>
+              <a:t>test says so 98% of the time.</a:t>
             </a:r>
           </a:p>
         </p:txBody>
@@ -19593,255 +19520,6 @@
       </p:grpSpPr>
       <p:sp>
         <p:nvSpPr>
-          <p:cNvPr id="28674" name="Slide Number Placeholder 3"/>
-          <p:cNvSpPr>
-            <a:spLocks noGrp="1"/>
-          </p:cNvSpPr>
-          <p:nvPr>
-            <p:ph type="sldNum" sz="quarter" idx="10"/>
-          </p:nvPr>
-        </p:nvSpPr>
-        <p:spPr/>
-        <p:txBody>
-          <a:bodyPr/>
-          <a:lstStyle/>
-          <a:p>
-            <a:pPr>
-              <a:defRPr/>
-            </a:pPr>
-            <a:r>
-              <a:rPr lang="en-US" dirty="0" smtClean="0"/>
-              <a:t>testing.</a:t>
-            </a:r>
-            <a:fld id="{8372F5CC-0D0C-42AC-A06F-FCD924AC2FB1}" type="slidenum">
-              <a:rPr lang="en-US" smtClean="0"/>
-              <a:pPr>
-                <a:defRPr/>
-              </a:pPr>
-              <a:t>40</a:t>
-            </a:fld>
-            <a:endParaRPr lang="en-US" dirty="0"/>
-          </a:p>
-        </p:txBody>
-      </p:sp>
-      <p:sp>
-        <p:nvSpPr>
-          <p:cNvPr id="32771" name="Text Box 2"/>
-          <p:cNvSpPr txBox="1">
-            <a:spLocks noChangeArrowheads="1"/>
-          </p:cNvSpPr>
-          <p:nvPr/>
-        </p:nvSpPr>
-        <p:spPr bwMode="auto">
-          <a:xfrm>
-            <a:off x="300038" y="1371601"/>
-            <a:ext cx="8843962" cy="4081117"/>
-          </a:xfrm>
-          <a:prstGeom prst="rect">
-            <a:avLst/>
-          </a:prstGeom>
-          <a:noFill/>
-          <a:ln w="9525">
-            <a:noFill/>
-            <a:miter lim="800000"/>
-            <a:headEnd/>
-            <a:tailEnd/>
-          </a:ln>
-        </p:spPr>
-        <p:txBody>
-          <a:bodyPr wrap="square">
-            <a:spAutoFit/>
-          </a:bodyPr>
-          <a:lstStyle/>
-          <a:p>
-            <a:pPr algn="l">
-              <a:lnSpc>
-                <a:spcPct val="40000"/>
-              </a:lnSpc>
-            </a:pPr>
-            <a:endParaRPr lang="en-US" sz="4800" dirty="0" smtClean="0">
-              <a:latin typeface="Comic Sans MS" pitchFamily="66" charset="0"/>
-            </a:endParaRPr>
-          </a:p>
-          <a:p>
-            <a:pPr algn="l"/>
-            <a:r>
-              <a:rPr lang="en-US" sz="4800" dirty="0" smtClean="0">
-                <a:latin typeface="Comic Sans MS" pitchFamily="66" charset="0"/>
-              </a:rPr>
-              <a:t>Tell the EPA that with probability </a:t>
-            </a:r>
-            <a:r>
-              <a:rPr lang="en-US" sz="4800" dirty="0" smtClean="0">
-                <a:solidFill>
-                  <a:srgbClr val="FF33CC"/>
-                </a:solidFill>
-                <a:latin typeface="Comic Sans MS" pitchFamily="66" charset="0"/>
-              </a:rPr>
-              <a:t>0.95</a:t>
-            </a:r>
-            <a:r>
-              <a:rPr lang="en-US" sz="4800" dirty="0" smtClean="0">
-                <a:solidFill>
-                  <a:srgbClr val="008000"/>
-                </a:solidFill>
-                <a:latin typeface="Comic Sans MS" pitchFamily="66" charset="0"/>
-              </a:rPr>
-              <a:t> our estimate method </a:t>
-            </a:r>
-            <a:r>
-              <a:rPr lang="en-US" sz="4800" dirty="0" smtClean="0">
-                <a:latin typeface="Comic Sans MS" pitchFamily="66" charset="0"/>
-              </a:rPr>
-              <a:t>for </a:t>
-            </a:r>
-            <a:r>
-              <a:rPr lang="en-US" sz="4800" dirty="0" err="1" smtClean="0">
-                <a:latin typeface="Comic Sans MS" pitchFamily="66" charset="0"/>
-              </a:rPr>
-              <a:t>avg</a:t>
-            </a:r>
-            <a:r>
-              <a:rPr lang="en-US" sz="4800" dirty="0" smtClean="0">
-                <a:latin typeface="Comic Sans MS" pitchFamily="66" charset="0"/>
-              </a:rPr>
-              <a:t> CMD will be within </a:t>
-            </a:r>
-            <a:r>
-              <a:rPr lang="en-US" sz="4800" dirty="0" smtClean="0">
-                <a:solidFill>
-                  <a:srgbClr val="FF6600"/>
-                </a:solidFill>
-                <a:latin typeface="Comic Sans MS" pitchFamily="66" charset="0"/>
-              </a:rPr>
-              <a:t>20</a:t>
-            </a:r>
-            <a:r>
-              <a:rPr lang="en-US" sz="4800" dirty="0" smtClean="0">
-                <a:latin typeface="Comic Sans MS" pitchFamily="66" charset="0"/>
-              </a:rPr>
-              <a:t> </a:t>
-            </a:r>
-            <a:r>
-              <a:rPr lang="en-US" sz="4800" dirty="0">
-                <a:latin typeface="Comic Sans MS" pitchFamily="66" charset="0"/>
-              </a:rPr>
-              <a:t>of the </a:t>
-            </a:r>
-            <a:r>
-              <a:rPr lang="en-US" sz="4800" dirty="0" smtClean="0">
-                <a:latin typeface="Comic Sans MS" pitchFamily="66" charset="0"/>
-              </a:rPr>
-              <a:t>actual </a:t>
-            </a:r>
-            <a:r>
-              <a:rPr lang="en-US" sz="4800" dirty="0" err="1" smtClean="0">
-                <a:latin typeface="Comic Sans MS" pitchFamily="66" charset="0"/>
-              </a:rPr>
-              <a:t>avg</a:t>
-            </a:r>
-            <a:r>
-              <a:rPr lang="en-US" sz="4800" dirty="0" smtClean="0">
-                <a:latin typeface="Comic Sans MS" pitchFamily="66" charset="0"/>
-              </a:rPr>
-              <a:t>, </a:t>
-            </a:r>
-            <a:r>
-              <a:rPr lang="en-US" sz="4800" dirty="0" smtClean="0">
-                <a:solidFill>
-                  <a:srgbClr val="FF4519"/>
-                </a:solidFill>
-                <a:latin typeface="Comic Sans MS" pitchFamily="66" charset="0"/>
-              </a:rPr>
-              <a:t>c</a:t>
-            </a:r>
-            <a:r>
-              <a:rPr lang="en-US" sz="4800" dirty="0" smtClean="0">
-                <a:latin typeface="Comic Sans MS" pitchFamily="66" charset="0"/>
-              </a:rPr>
-              <a:t>, in the river.</a:t>
-            </a:r>
-            <a:endParaRPr lang="en-US" sz="4800" dirty="0">
-              <a:latin typeface="Comic Sans MS" pitchFamily="66" charset="0"/>
-            </a:endParaRPr>
-          </a:p>
-        </p:txBody>
-      </p:sp>
-      <p:sp>
-        <p:nvSpPr>
-          <p:cNvPr id="7" name="Rectangle 3"/>
-          <p:cNvSpPr>
-            <a:spLocks noGrp="1" noChangeArrowheads="1"/>
-          </p:cNvSpPr>
-          <p:nvPr>
-            <p:ph type="title"/>
-          </p:nvPr>
-        </p:nvSpPr>
-        <p:spPr>
-          <a:xfrm>
-            <a:off x="1905000" y="228600"/>
-            <a:ext cx="5334000" cy="990600"/>
-          </a:xfrm>
-          <a:noFill/>
-        </p:spPr>
-        <p:txBody>
-          <a:bodyPr/>
-          <a:lstStyle/>
-          <a:p>
-            <a:pPr eaLnBrk="1" hangingPunct="1"/>
-            <a:r>
-              <a:rPr lang="en-US" sz="4800" dirty="0" smtClean="0">
-                <a:solidFill>
-                  <a:srgbClr val="0006FE"/>
-                </a:solidFill>
-              </a:rPr>
-              <a:t>Confidence</a:t>
-            </a:r>
-          </a:p>
-        </p:txBody>
-      </p:sp>
-    </p:spTree>
-    <p:extLst>
-      <p:ext uri="{BB962C8B-B14F-4D97-AF65-F5344CB8AC3E}">
-        <p14:creationId xmlns:p14="http://schemas.microsoft.com/office/powerpoint/2010/main" val="2695719740"/>
-      </p:ext>
-    </p:extLst>
-  </p:cSld>
-  <p:clrMapOvr>
-    <a:masterClrMapping/>
-  </p:clrMapOvr>
-  <p:transition xmlns:p14="http://schemas.microsoft.com/office/powerpoint/2010/main" spd="slow">
-    <p:fade thruBlk="1"/>
-  </p:transition>
-  <p:timing>
-    <p:tnLst>
-      <p:par>
-        <p:cTn xmlns:p14="http://schemas.microsoft.com/office/powerpoint/2010/main" id="1" dur="indefinite" restart="never" nodeType="tmRoot"/>
-      </p:par>
-    </p:tnLst>
-  </p:timing>
-</p:sld>
-</file>
-
-<file path=ppt/slides/slide41.xml><?xml version="1.0" encoding="utf-8"?>
-<p:sld xmlns:a="http://schemas.openxmlformats.org/drawingml/2006/main" xmlns:r="http://schemas.openxmlformats.org/officeDocument/2006/relationships" xmlns:p="http://schemas.openxmlformats.org/presentationml/2006/main" show="0">
-  <p:cSld>
-    <p:spTree>
-      <p:nvGrpSpPr>
-        <p:cNvPr id="1" name=""/>
-        <p:cNvGrpSpPr/>
-        <p:nvPr/>
-      </p:nvGrpSpPr>
-      <p:grpSpPr>
-        <a:xfrm>
-          <a:off x="0" y="0"/>
-          <a:ext cx="0" cy="0"/>
-          <a:chOff x="0" y="0"/>
-          <a:chExt cx="0" cy="0"/>
-        </a:xfrm>
-      </p:grpSpPr>
-      <p:sp>
-        <p:nvSpPr>
           <p:cNvPr id="33794" name="Slide Number Placeholder 3"/>
           <p:cNvSpPr>
             <a:spLocks noGrp="1"/>
@@ -19867,7 +19545,7 @@
               <a:pPr>
                 <a:defRPr/>
               </a:pPr>
-              <a:t>41</a:t>
+              <a:t>40</a:t>
             </a:fld>
             <a:endParaRPr lang="en-US" dirty="0"/>
           </a:p>
@@ -20410,7 +20088,7 @@
 </p:sld>
 </file>
 
-<file path=ppt/slides/slide42.xml><?xml version="1.0" encoding="utf-8"?>
+<file path=ppt/slides/slide41.xml><?xml version="1.0" encoding="utf-8"?>
 <p:sld xmlns:a="http://schemas.openxmlformats.org/drawingml/2006/main" xmlns:r="http://schemas.openxmlformats.org/officeDocument/2006/relationships" xmlns:p="http://schemas.openxmlformats.org/presentationml/2006/main" show="0">
   <p:cSld>
     <p:spTree>
@@ -20534,7 +20212,7 @@
               <a:pPr>
                 <a:defRPr/>
               </a:pPr>
-              <a:t>42</a:t>
+              <a:t>41</a:t>
             </a:fld>
             <a:endParaRPr lang="en-US" dirty="0"/>
           </a:p>
@@ -20751,7 +20429,7 @@
 </p:sld>
 </file>
 
-<file path=ppt/slides/slide43.xml><?xml version="1.0" encoding="utf-8"?>
+<file path=ppt/slides/slide42.xml><?xml version="1.0" encoding="utf-8"?>
 <p:sld xmlns:a="http://schemas.openxmlformats.org/drawingml/2006/main" xmlns:r="http://schemas.openxmlformats.org/officeDocument/2006/relationships" xmlns:p="http://schemas.openxmlformats.org/presentationml/2006/main" show="0">
   <p:cSld>
     <p:spTree>
@@ -20890,7 +20568,7 @@
               <a:pPr>
                 <a:defRPr/>
               </a:pPr>
-              <a:t>43</a:t>
+              <a:t>42</a:t>
             </a:fld>
             <a:endParaRPr lang="en-US" dirty="0"/>
           </a:p>
@@ -21306,7 +20984,7 @@
           <a:graphicData uri="http://schemas.openxmlformats.org/presentationml/2006/ole">
             <mc:AlternateContent xmlns:mc="http://schemas.openxmlformats.org/markup-compatibility/2006">
               <mc:Choice xmlns:v="urn:schemas-microsoft-com:vml" Requires="v">
-                <p:oleObj spid="_x0000_s92178" name="Equation" r:id="rId4" imgW="1714500" imgH="241300" progId="Equation.DSMT4">
+                <p:oleObj spid="_x0000_s92183" name="Equation" r:id="rId4" imgW="1714500" imgH="241300" progId="Equation.DSMT4">
                   <p:embed/>
                 </p:oleObj>
               </mc:Choice>
@@ -21350,7 +21028,7 @@
         <p:spPr>
           <a:xfrm>
             <a:off x="1828800" y="1219200"/>
-            <a:ext cx="3743850" cy="1323439"/>
+            <a:ext cx="3886200" cy="1323439"/>
           </a:xfrm>
           <a:prstGeom prst="rect">
             <a:avLst/>
@@ -21828,7 +21506,7 @@
           <a:graphicData uri="http://schemas.openxmlformats.org/presentationml/2006/ole">
             <mc:AlternateContent xmlns:mc="http://schemas.openxmlformats.org/markup-compatibility/2006">
               <mc:Choice xmlns:v="urn:schemas-microsoft-com:vml" Requires="v">
-                <p:oleObj spid="_x0000_s87078" name="Equation" r:id="rId4" imgW="1714500" imgH="241300" progId="Equation.DSMT4">
+                <p:oleObj spid="_x0000_s87087" name="Equation" r:id="rId4" imgW="1714500" imgH="241300" progId="Equation.DSMT4">
                   <p:embed/>
                 </p:oleObj>
               </mc:Choice>
@@ -21971,7 +21649,7 @@
           <a:graphicData uri="http://schemas.openxmlformats.org/presentationml/2006/ole">
             <mc:AlternateContent xmlns:mc="http://schemas.openxmlformats.org/markup-compatibility/2006">
               <mc:Choice xmlns:v="urn:schemas-microsoft-com:vml" Requires="v">
-                <p:oleObj spid="_x0000_s87079" name="Equation" r:id="rId6" imgW="1574800" imgH="469900" progId="Equation.DSMT4">
+                <p:oleObj spid="_x0000_s87088" name="Equation" r:id="rId6" imgW="1574800" imgH="469900" progId="Equation.DSMT4">
                   <p:embed/>
                 </p:oleObj>
               </mc:Choice>
@@ -22050,21 +21728,7 @@
                 <a:latin typeface="Comic Sans MS"/>
                 <a:cs typeface="Comic Sans MS"/>
               </a:rPr>
-              <a:t> rate only </a:t>
-            </a:r>
-            <a:r>
-              <a:rPr lang="en-US" sz="5400" dirty="0" smtClean="0">
-                <a:latin typeface="Comic Sans MS"/>
-                <a:cs typeface="Comic Sans MS"/>
-              </a:rPr>
-              <a:t>2%</a:t>
-            </a:r>
-            <a:r>
-              <a:rPr lang="en-US" sz="5400" dirty="0" smtClean="0">
-                <a:latin typeface="Comic Sans MS"/>
-                <a:cs typeface="Comic Sans MS"/>
-              </a:rPr>
-              <a:t>)</a:t>
+              <a:t> rate only 2%)</a:t>
             </a:r>
           </a:p>
         </p:txBody>
@@ -22403,7 +22067,7 @@
           <a:graphicData uri="http://schemas.openxmlformats.org/presentationml/2006/ole">
             <mc:AlternateContent xmlns:mc="http://schemas.openxmlformats.org/markup-compatibility/2006">
               <mc:Choice xmlns:v="urn:schemas-microsoft-com:vml" Requires="v">
-                <p:oleObj spid="_x0000_s91157" name="Equation" r:id="rId4" imgW="1270000" imgH="469900" progId="Equation.DSMT4">
+                <p:oleObj spid="_x0000_s91162" name="Equation" r:id="rId4" imgW="1270000" imgH="469900" progId="Equation.DSMT4">
                   <p:embed/>
                 </p:oleObj>
               </mc:Choice>

--- a/spring16/slidesS16/testing-confidence.pptx
+++ b/spring16/slidesS16/testing-confidence.pptx
@@ -5,10 +5,10 @@
     <p:sldMasterId id="2147483650" r:id="rId1"/>
   </p:sldMasterIdLst>
   <p:notesMasterIdLst>
-    <p:notesMasterId r:id="rId44"/>
+    <p:notesMasterId r:id="rId38"/>
   </p:notesMasterIdLst>
   <p:handoutMasterIdLst>
-    <p:handoutMasterId r:id="rId45"/>
+    <p:handoutMasterId r:id="rId39"/>
   </p:handoutMasterIdLst>
   <p:sldIdLst>
     <p:sldId id="322" r:id="rId2"/>
@@ -40,24 +40,18 @@
     <p:sldId id="468" r:id="rId28"/>
     <p:sldId id="470" r:id="rId29"/>
     <p:sldId id="471" r:id="rId30"/>
-    <p:sldId id="392" r:id="rId31"/>
-    <p:sldId id="414" r:id="rId32"/>
-    <p:sldId id="472" r:id="rId33"/>
-    <p:sldId id="475" r:id="rId34"/>
-    <p:sldId id="430" r:id="rId35"/>
-    <p:sldId id="395" r:id="rId36"/>
-    <p:sldId id="419" r:id="rId37"/>
-    <p:sldId id="420" r:id="rId38"/>
-    <p:sldId id="421" r:id="rId39"/>
-    <p:sldId id="422" r:id="rId40"/>
-    <p:sldId id="423" r:id="rId41"/>
-    <p:sldId id="424" r:id="rId42"/>
-    <p:sldId id="425" r:id="rId43"/>
+    <p:sldId id="476" r:id="rId31"/>
+    <p:sldId id="392" r:id="rId32"/>
+    <p:sldId id="414" r:id="rId33"/>
+    <p:sldId id="472" r:id="rId34"/>
+    <p:sldId id="475" r:id="rId35"/>
+    <p:sldId id="430" r:id="rId36"/>
+    <p:sldId id="395" r:id="rId37"/>
   </p:sldIdLst>
   <p:sldSz cx="9144000" cy="6858000" type="screen4x3"/>
   <p:notesSz cx="9601200" cy="7315200"/>
   <p:custDataLst>
-    <p:tags r:id="rId47"/>
+    <p:tags r:id="rId41"/>
   </p:custDataLst>
   <p:defaultTextStyle>
     <a:defPPr>
@@ -2681,16 +2675,12 @@
           <a:bodyPr/>
           <a:lstStyle/>
           <a:p>
-            <a:fld id="{B656271B-90D1-4EEB-A9C3-C58AB99790EE}" type="slidenum">
-              <a:rPr lang="en-US" smtClean="0">
-                <a:latin typeface="Arial" charset="0"/>
-              </a:rPr>
+            <a:fld id="{47D539D4-74E1-492A-9468-BA66B65E4B96}" type="slidenum">
+              <a:rPr lang="en-US" smtClean="0"/>
               <a:pPr/>
-              <a:t>36</a:t>
+              <a:t>35</a:t>
             </a:fld>
-            <a:endParaRPr lang="en-US" smtClean="0">
-              <a:latin typeface="Arial" charset="0"/>
-            </a:endParaRPr>
+            <a:endParaRPr lang="en-US" smtClean="0"/>
           </a:p>
         </p:txBody>
       </p:sp>
@@ -2727,103 +2717,7 @@
           <a:lstStyle/>
           <a:p>
             <a:pPr eaLnBrk="1" hangingPunct="1"/>
-            <a:endParaRPr lang="en-US" smtClean="0">
-              <a:latin typeface="Arial" charset="0"/>
-            </a:endParaRPr>
-          </a:p>
-        </p:txBody>
-      </p:sp>
-    </p:spTree>
-  </p:cSld>
-  <p:clrMapOvr>
-    <a:masterClrMapping/>
-  </p:clrMapOvr>
-</p:notes>
-</file>
-
-<file path=ppt/notesSlides/notesSlide29.xml><?xml version="1.0" encoding="utf-8"?>
-<p:notes xmlns:a="http://schemas.openxmlformats.org/drawingml/2006/main" xmlns:r="http://schemas.openxmlformats.org/officeDocument/2006/relationships" xmlns:p="http://schemas.openxmlformats.org/presentationml/2006/main">
-  <p:cSld>
-    <p:spTree>
-      <p:nvGrpSpPr>
-        <p:cNvPr id="1" name=""/>
-        <p:cNvGrpSpPr/>
-        <p:nvPr/>
-      </p:nvGrpSpPr>
-      <p:grpSpPr>
-        <a:xfrm>
-          <a:off x="0" y="0"/>
-          <a:ext cx="0" cy="0"/>
-          <a:chOff x="0" y="0"/>
-          <a:chExt cx="0" cy="0"/>
-        </a:xfrm>
-      </p:grpSpPr>
-      <p:sp>
-        <p:nvSpPr>
-          <p:cNvPr id="70658" name="Rectangle 7"/>
-          <p:cNvSpPr>
-            <a:spLocks noGrp="1" noChangeArrowheads="1"/>
-          </p:cNvSpPr>
-          <p:nvPr>
-            <p:ph type="sldNum" sz="quarter" idx="5"/>
-          </p:nvPr>
-        </p:nvSpPr>
-        <p:spPr>
-          <a:noFill/>
-        </p:spPr>
-        <p:txBody>
-          <a:bodyPr/>
-          <a:lstStyle/>
-          <a:p>
-            <a:fld id="{7CC9EB05-1C43-48AF-B618-537D2B3DD42D}" type="slidenum">
-              <a:rPr lang="en-US" smtClean="0">
-                <a:latin typeface="Arial" charset="0"/>
-              </a:rPr>
-              <a:pPr/>
-              <a:t>37</a:t>
-            </a:fld>
-            <a:endParaRPr lang="en-US" smtClean="0">
-              <a:latin typeface="Arial" charset="0"/>
-            </a:endParaRPr>
-          </a:p>
-        </p:txBody>
-      </p:sp>
-      <p:sp>
-        <p:nvSpPr>
-          <p:cNvPr id="70659" name="Rectangle 2"/>
-          <p:cNvSpPr>
-            <a:spLocks noGrp="1" noRot="1" noChangeAspect="1" noChangeArrowheads="1" noTextEdit="1"/>
-          </p:cNvSpPr>
-          <p:nvPr>
-            <p:ph type="sldImg"/>
-          </p:nvPr>
-        </p:nvSpPr>
-        <p:spPr>
-          <a:ln/>
-        </p:spPr>
-      </p:sp>
-      <p:sp>
-        <p:nvSpPr>
-          <p:cNvPr id="70660" name="Rectangle 3"/>
-          <p:cNvSpPr>
-            <a:spLocks noGrp="1" noChangeArrowheads="1"/>
-          </p:cNvSpPr>
-          <p:nvPr>
-            <p:ph type="body" idx="1"/>
-          </p:nvPr>
-        </p:nvSpPr>
-        <p:spPr>
-          <a:noFill/>
-          <a:ln/>
-        </p:spPr>
-        <p:txBody>
-          <a:bodyPr/>
-          <a:lstStyle/>
-          <a:p>
-            <a:pPr eaLnBrk="1" hangingPunct="1"/>
-            <a:endParaRPr lang="en-US" smtClean="0">
-              <a:latin typeface="Arial" charset="0"/>
-            </a:endParaRPr>
+            <a:endParaRPr lang="en-US" smtClean="0"/>
           </a:p>
         </p:txBody>
       </p:sp>
@@ -2912,462 +2806,6 @@
           <a:p>
             <a:pPr eaLnBrk="1" hangingPunct="1"/>
             <a:endParaRPr lang="en-US" smtClean="0"/>
-          </a:p>
-        </p:txBody>
-      </p:sp>
-    </p:spTree>
-  </p:cSld>
-  <p:clrMapOvr>
-    <a:masterClrMapping/>
-  </p:clrMapOvr>
-</p:notes>
-</file>
-
-<file path=ppt/notesSlides/notesSlide30.xml><?xml version="1.0" encoding="utf-8"?>
-<p:notes xmlns:a="http://schemas.openxmlformats.org/drawingml/2006/main" xmlns:r="http://schemas.openxmlformats.org/officeDocument/2006/relationships" xmlns:p="http://schemas.openxmlformats.org/presentationml/2006/main">
-  <p:cSld>
-    <p:spTree>
-      <p:nvGrpSpPr>
-        <p:cNvPr id="1" name=""/>
-        <p:cNvGrpSpPr/>
-        <p:nvPr/>
-      </p:nvGrpSpPr>
-      <p:grpSpPr>
-        <a:xfrm>
-          <a:off x="0" y="0"/>
-          <a:ext cx="0" cy="0"/>
-          <a:chOff x="0" y="0"/>
-          <a:chExt cx="0" cy="0"/>
-        </a:xfrm>
-      </p:grpSpPr>
-      <p:sp>
-        <p:nvSpPr>
-          <p:cNvPr id="71682" name="Rectangle 7"/>
-          <p:cNvSpPr>
-            <a:spLocks noGrp="1" noChangeArrowheads="1"/>
-          </p:cNvSpPr>
-          <p:nvPr>
-            <p:ph type="sldNum" sz="quarter" idx="5"/>
-          </p:nvPr>
-        </p:nvSpPr>
-        <p:spPr>
-          <a:noFill/>
-        </p:spPr>
-        <p:txBody>
-          <a:bodyPr/>
-          <a:lstStyle/>
-          <a:p>
-            <a:fld id="{0CEF6F92-C0CF-4F5E-AB63-5A19019BBFC5}" type="slidenum">
-              <a:rPr lang="en-US" smtClean="0">
-                <a:latin typeface="Arial" charset="0"/>
-              </a:rPr>
-              <a:pPr/>
-              <a:t>38</a:t>
-            </a:fld>
-            <a:endParaRPr lang="en-US" smtClean="0">
-              <a:latin typeface="Arial" charset="0"/>
-            </a:endParaRPr>
-          </a:p>
-        </p:txBody>
-      </p:sp>
-      <p:sp>
-        <p:nvSpPr>
-          <p:cNvPr id="71683" name="Rectangle 2"/>
-          <p:cNvSpPr>
-            <a:spLocks noGrp="1" noRot="1" noChangeAspect="1" noChangeArrowheads="1" noTextEdit="1"/>
-          </p:cNvSpPr>
-          <p:nvPr>
-            <p:ph type="sldImg"/>
-          </p:nvPr>
-        </p:nvSpPr>
-        <p:spPr>
-          <a:ln/>
-        </p:spPr>
-      </p:sp>
-      <p:sp>
-        <p:nvSpPr>
-          <p:cNvPr id="71684" name="Rectangle 3"/>
-          <p:cNvSpPr>
-            <a:spLocks noGrp="1" noChangeArrowheads="1"/>
-          </p:cNvSpPr>
-          <p:nvPr>
-            <p:ph type="body" idx="1"/>
-          </p:nvPr>
-        </p:nvSpPr>
-        <p:spPr>
-          <a:noFill/>
-          <a:ln/>
-        </p:spPr>
-        <p:txBody>
-          <a:bodyPr/>
-          <a:lstStyle/>
-          <a:p>
-            <a:pPr eaLnBrk="1" hangingPunct="1"/>
-            <a:endParaRPr lang="en-US" smtClean="0">
-              <a:latin typeface="Arial" charset="0"/>
-            </a:endParaRPr>
-          </a:p>
-        </p:txBody>
-      </p:sp>
-    </p:spTree>
-  </p:cSld>
-  <p:clrMapOvr>
-    <a:masterClrMapping/>
-  </p:clrMapOvr>
-</p:notes>
-</file>
-
-<file path=ppt/notesSlides/notesSlide31.xml><?xml version="1.0" encoding="utf-8"?>
-<p:notes xmlns:a="http://schemas.openxmlformats.org/drawingml/2006/main" xmlns:r="http://schemas.openxmlformats.org/officeDocument/2006/relationships" xmlns:p="http://schemas.openxmlformats.org/presentationml/2006/main">
-  <p:cSld>
-    <p:spTree>
-      <p:nvGrpSpPr>
-        <p:cNvPr id="1" name=""/>
-        <p:cNvGrpSpPr/>
-        <p:nvPr/>
-      </p:nvGrpSpPr>
-      <p:grpSpPr>
-        <a:xfrm>
-          <a:off x="0" y="0"/>
-          <a:ext cx="0" cy="0"/>
-          <a:chOff x="0" y="0"/>
-          <a:chExt cx="0" cy="0"/>
-        </a:xfrm>
-      </p:grpSpPr>
-      <p:sp>
-        <p:nvSpPr>
-          <p:cNvPr id="67586" name="Rectangle 7"/>
-          <p:cNvSpPr>
-            <a:spLocks noGrp="1" noChangeArrowheads="1"/>
-          </p:cNvSpPr>
-          <p:nvPr>
-            <p:ph type="sldNum" sz="quarter" idx="5"/>
-          </p:nvPr>
-        </p:nvSpPr>
-        <p:spPr>
-          <a:noFill/>
-        </p:spPr>
-        <p:txBody>
-          <a:bodyPr/>
-          <a:lstStyle/>
-          <a:p>
-            <a:fld id="{E3BE4A3C-F987-429B-B377-5CCDE63293A8}" type="slidenum">
-              <a:rPr lang="en-US" smtClean="0">
-                <a:latin typeface="Arial" charset="0"/>
-              </a:rPr>
-              <a:pPr/>
-              <a:t>39</a:t>
-            </a:fld>
-            <a:endParaRPr lang="en-US" smtClean="0">
-              <a:latin typeface="Arial" charset="0"/>
-            </a:endParaRPr>
-          </a:p>
-        </p:txBody>
-      </p:sp>
-      <p:sp>
-        <p:nvSpPr>
-          <p:cNvPr id="67587" name="Rectangle 2"/>
-          <p:cNvSpPr>
-            <a:spLocks noGrp="1" noRot="1" noChangeAspect="1" noChangeArrowheads="1" noTextEdit="1"/>
-          </p:cNvSpPr>
-          <p:nvPr>
-            <p:ph type="sldImg"/>
-          </p:nvPr>
-        </p:nvSpPr>
-        <p:spPr>
-          <a:ln/>
-        </p:spPr>
-      </p:sp>
-      <p:sp>
-        <p:nvSpPr>
-          <p:cNvPr id="67588" name="Rectangle 3"/>
-          <p:cNvSpPr>
-            <a:spLocks noGrp="1" noChangeArrowheads="1"/>
-          </p:cNvSpPr>
-          <p:nvPr>
-            <p:ph type="body" idx="1"/>
-          </p:nvPr>
-        </p:nvSpPr>
-        <p:spPr>
-          <a:noFill/>
-          <a:ln/>
-        </p:spPr>
-        <p:txBody>
-          <a:bodyPr/>
-          <a:lstStyle/>
-          <a:p>
-            <a:pPr eaLnBrk="1" hangingPunct="1"/>
-            <a:endParaRPr lang="en-US" smtClean="0">
-              <a:latin typeface="Arial" charset="0"/>
-            </a:endParaRPr>
-          </a:p>
-        </p:txBody>
-      </p:sp>
-    </p:spTree>
-  </p:cSld>
-  <p:clrMapOvr>
-    <a:masterClrMapping/>
-  </p:clrMapOvr>
-</p:notes>
-</file>
-
-<file path=ppt/notesSlides/notesSlide32.xml><?xml version="1.0" encoding="utf-8"?>
-<p:notes xmlns:a="http://schemas.openxmlformats.org/drawingml/2006/main" xmlns:r="http://schemas.openxmlformats.org/officeDocument/2006/relationships" xmlns:p="http://schemas.openxmlformats.org/presentationml/2006/main">
-  <p:cSld>
-    <p:spTree>
-      <p:nvGrpSpPr>
-        <p:cNvPr id="1" name=""/>
-        <p:cNvGrpSpPr/>
-        <p:nvPr/>
-      </p:nvGrpSpPr>
-      <p:grpSpPr>
-        <a:xfrm>
-          <a:off x="0" y="0"/>
-          <a:ext cx="0" cy="0"/>
-          <a:chOff x="0" y="0"/>
-          <a:chExt cx="0" cy="0"/>
-        </a:xfrm>
-      </p:grpSpPr>
-      <p:sp>
-        <p:nvSpPr>
-          <p:cNvPr id="72706" name="Rectangle 7"/>
-          <p:cNvSpPr>
-            <a:spLocks noGrp="1" noChangeArrowheads="1"/>
-          </p:cNvSpPr>
-          <p:nvPr>
-            <p:ph type="sldNum" sz="quarter" idx="5"/>
-          </p:nvPr>
-        </p:nvSpPr>
-        <p:spPr>
-          <a:noFill/>
-        </p:spPr>
-        <p:txBody>
-          <a:bodyPr/>
-          <a:lstStyle/>
-          <a:p>
-            <a:fld id="{7901F982-AFE8-4DF3-92B6-756DCF784EAE}" type="slidenum">
-              <a:rPr lang="en-US" smtClean="0">
-                <a:latin typeface="Arial" charset="0"/>
-              </a:rPr>
-              <a:pPr/>
-              <a:t>40</a:t>
-            </a:fld>
-            <a:endParaRPr lang="en-US" smtClean="0">
-              <a:latin typeface="Arial" charset="0"/>
-            </a:endParaRPr>
-          </a:p>
-        </p:txBody>
-      </p:sp>
-      <p:sp>
-        <p:nvSpPr>
-          <p:cNvPr id="72707" name="Rectangle 2"/>
-          <p:cNvSpPr>
-            <a:spLocks noGrp="1" noRot="1" noChangeAspect="1" noChangeArrowheads="1" noTextEdit="1"/>
-          </p:cNvSpPr>
-          <p:nvPr>
-            <p:ph type="sldImg"/>
-          </p:nvPr>
-        </p:nvSpPr>
-        <p:spPr>
-          <a:ln/>
-        </p:spPr>
-      </p:sp>
-      <p:sp>
-        <p:nvSpPr>
-          <p:cNvPr id="72708" name="Rectangle 3"/>
-          <p:cNvSpPr>
-            <a:spLocks noGrp="1" noChangeArrowheads="1"/>
-          </p:cNvSpPr>
-          <p:nvPr>
-            <p:ph type="body" idx="1"/>
-          </p:nvPr>
-        </p:nvSpPr>
-        <p:spPr>
-          <a:noFill/>
-          <a:ln/>
-        </p:spPr>
-        <p:txBody>
-          <a:bodyPr/>
-          <a:lstStyle/>
-          <a:p>
-            <a:pPr eaLnBrk="1" hangingPunct="1"/>
-            <a:endParaRPr lang="en-US" smtClean="0">
-              <a:latin typeface="Arial" charset="0"/>
-            </a:endParaRPr>
-          </a:p>
-        </p:txBody>
-      </p:sp>
-    </p:spTree>
-  </p:cSld>
-  <p:clrMapOvr>
-    <a:masterClrMapping/>
-  </p:clrMapOvr>
-</p:notes>
-</file>
-
-<file path=ppt/notesSlides/notesSlide33.xml><?xml version="1.0" encoding="utf-8"?>
-<p:notes xmlns:a="http://schemas.openxmlformats.org/drawingml/2006/main" xmlns:r="http://schemas.openxmlformats.org/officeDocument/2006/relationships" xmlns:p="http://schemas.openxmlformats.org/presentationml/2006/main">
-  <p:cSld>
-    <p:spTree>
-      <p:nvGrpSpPr>
-        <p:cNvPr id="1" name=""/>
-        <p:cNvGrpSpPr/>
-        <p:nvPr/>
-      </p:nvGrpSpPr>
-      <p:grpSpPr>
-        <a:xfrm>
-          <a:off x="0" y="0"/>
-          <a:ext cx="0" cy="0"/>
-          <a:chOff x="0" y="0"/>
-          <a:chExt cx="0" cy="0"/>
-        </a:xfrm>
-      </p:grpSpPr>
-      <p:sp>
-        <p:nvSpPr>
-          <p:cNvPr id="2" name="Slide Image Placeholder 1"/>
-          <p:cNvSpPr>
-            <a:spLocks noGrp="1" noRot="1" noChangeAspect="1"/>
-          </p:cNvSpPr>
-          <p:nvPr>
-            <p:ph type="sldImg"/>
-          </p:nvPr>
-        </p:nvSpPr>
-        <p:spPr/>
-      </p:sp>
-      <p:sp>
-        <p:nvSpPr>
-          <p:cNvPr id="3" name="Notes Placeholder 2"/>
-          <p:cNvSpPr>
-            <a:spLocks noGrp="1"/>
-          </p:cNvSpPr>
-          <p:nvPr>
-            <p:ph type="body" idx="1"/>
-          </p:nvPr>
-        </p:nvSpPr>
-        <p:spPr/>
-        <p:txBody>
-          <a:bodyPr>
-            <a:normAutofit/>
-          </a:bodyPr>
-          <a:lstStyle/>
-          <a:p>
-            <a:endParaRPr lang="en-US"/>
-          </a:p>
-        </p:txBody>
-      </p:sp>
-      <p:sp>
-        <p:nvSpPr>
-          <p:cNvPr id="4" name="Slide Number Placeholder 3"/>
-          <p:cNvSpPr>
-            <a:spLocks noGrp="1"/>
-          </p:cNvSpPr>
-          <p:nvPr>
-            <p:ph type="sldNum" sz="quarter" idx="10"/>
-          </p:nvPr>
-        </p:nvSpPr>
-        <p:spPr/>
-        <p:txBody>
-          <a:bodyPr/>
-          <a:lstStyle/>
-          <a:p>
-            <a:pPr>
-              <a:defRPr/>
-            </a:pPr>
-            <a:fld id="{441E3F6F-A8F9-4C39-8C62-F077DEAEAA0F}" type="slidenum">
-              <a:rPr lang="en-US" smtClean="0"/>
-              <a:pPr>
-                <a:defRPr/>
-              </a:pPr>
-              <a:t>41</a:t>
-            </a:fld>
-            <a:endParaRPr lang="en-US"/>
-          </a:p>
-        </p:txBody>
-      </p:sp>
-    </p:spTree>
-  </p:cSld>
-  <p:clrMapOvr>
-    <a:masterClrMapping/>
-  </p:clrMapOvr>
-</p:notes>
-</file>
-
-<file path=ppt/notesSlides/notesSlide34.xml><?xml version="1.0" encoding="utf-8"?>
-<p:notes xmlns:a="http://schemas.openxmlformats.org/drawingml/2006/main" xmlns:r="http://schemas.openxmlformats.org/officeDocument/2006/relationships" xmlns:p="http://schemas.openxmlformats.org/presentationml/2006/main">
-  <p:cSld>
-    <p:spTree>
-      <p:nvGrpSpPr>
-        <p:cNvPr id="1" name=""/>
-        <p:cNvGrpSpPr/>
-        <p:nvPr/>
-      </p:nvGrpSpPr>
-      <p:grpSpPr>
-        <a:xfrm>
-          <a:off x="0" y="0"/>
-          <a:ext cx="0" cy="0"/>
-          <a:chOff x="0" y="0"/>
-          <a:chExt cx="0" cy="0"/>
-        </a:xfrm>
-      </p:grpSpPr>
-      <p:sp>
-        <p:nvSpPr>
-          <p:cNvPr id="2" name="Slide Image Placeholder 1"/>
-          <p:cNvSpPr>
-            <a:spLocks noGrp="1" noRot="1" noChangeAspect="1"/>
-          </p:cNvSpPr>
-          <p:nvPr>
-            <p:ph type="sldImg"/>
-          </p:nvPr>
-        </p:nvSpPr>
-        <p:spPr/>
-      </p:sp>
-      <p:sp>
-        <p:nvSpPr>
-          <p:cNvPr id="3" name="Notes Placeholder 2"/>
-          <p:cNvSpPr>
-            <a:spLocks noGrp="1"/>
-          </p:cNvSpPr>
-          <p:nvPr>
-            <p:ph type="body" idx="1"/>
-          </p:nvPr>
-        </p:nvSpPr>
-        <p:spPr/>
-        <p:txBody>
-          <a:bodyPr>
-            <a:normAutofit/>
-          </a:bodyPr>
-          <a:lstStyle/>
-          <a:p>
-            <a:endParaRPr lang="en-US"/>
-          </a:p>
-        </p:txBody>
-      </p:sp>
-      <p:sp>
-        <p:nvSpPr>
-          <p:cNvPr id="4" name="Slide Number Placeholder 3"/>
-          <p:cNvSpPr>
-            <a:spLocks noGrp="1"/>
-          </p:cNvSpPr>
-          <p:nvPr>
-            <p:ph type="sldNum" sz="quarter" idx="10"/>
-          </p:nvPr>
-        </p:nvSpPr>
-        <p:spPr/>
-        <p:txBody>
-          <a:bodyPr/>
-          <a:lstStyle/>
-          <a:p>
-            <a:pPr>
-              <a:defRPr/>
-            </a:pPr>
-            <a:fld id="{441E3F6F-A8F9-4C39-8C62-F077DEAEAA0F}" type="slidenum">
-              <a:rPr lang="en-US" smtClean="0"/>
-              <a:pPr>
-                <a:defRPr/>
-              </a:pPr>
-              <a:t>42</a:t>
-            </a:fld>
-            <a:endParaRPr lang="en-US"/>
           </a:p>
         </p:txBody>
       </p:sp>
@@ -5669,7 +5107,15 @@
                   <a:schemeClr val="tx1"/>
                 </a:solidFill>
               </a:rPr>
-              <a:t>99% accurate TB testing</a:t>
+              <a:t>98% </a:t>
+            </a:r>
+            <a:r>
+              <a:rPr lang="en-US" sz="4000" dirty="0" smtClean="0">
+                <a:solidFill>
+                  <a:schemeClr val="tx1"/>
+                </a:solidFill>
+              </a:rPr>
+              <a:t>accurate TB testing</a:t>
             </a:r>
           </a:p>
         </p:txBody>
@@ -6001,7 +5447,15 @@
                   <a:schemeClr val="tx1"/>
                 </a:solidFill>
               </a:rPr>
-              <a:t>99% accurate TB testing</a:t>
+              <a:t>98% </a:t>
+            </a:r>
+            <a:r>
+              <a:rPr lang="en-US" sz="4000" dirty="0" smtClean="0">
+                <a:solidFill>
+                  <a:schemeClr val="tx1"/>
+                </a:solidFill>
+              </a:rPr>
+              <a:t>accurate TB testing</a:t>
             </a:r>
           </a:p>
         </p:txBody>
@@ -7133,7 +6587,7 @@
           <a:graphicData uri="http://schemas.openxmlformats.org/presentationml/2006/ole">
             <mc:AlternateContent xmlns:mc="http://schemas.openxmlformats.org/markup-compatibility/2006">
               <mc:Choice xmlns:v="urn:schemas-microsoft-com:vml" Requires="v">
-                <p:oleObj spid="_x0000_s1064" name="Equation" r:id="rId3" imgW="977900" imgH="241300" progId="Equation.DSMT4">
+                <p:oleObj spid="_x0000_s1068" name="Equation" r:id="rId3" imgW="977900" imgH="241300" progId="Equation.DSMT4">
                   <p:embed/>
                 </p:oleObj>
               </mc:Choice>
@@ -7465,7 +6919,7 @@
           <a:graphicData uri="http://schemas.openxmlformats.org/presentationml/2006/ole">
             <mc:AlternateContent xmlns:mc="http://schemas.openxmlformats.org/markup-compatibility/2006">
               <mc:Choice xmlns:v="urn:schemas-microsoft-com:vml" Requires="v">
-                <p:oleObj spid="_x0000_s99348" name="Equation" r:id="rId3" imgW="977900" imgH="241300" progId="Equation.DSMT4">
+                <p:oleObj spid="_x0000_s99352" name="Equation" r:id="rId3" imgW="977900" imgH="241300" progId="Equation.DSMT4">
                   <p:embed/>
                 </p:oleObj>
               </mc:Choice>
@@ -7637,15 +7091,7 @@
                   <a:srgbClr val="008000"/>
                 </a:solidFill>
               </a:rPr>
-              <a:t>predi</a:t>
-            </a:r>
-            <a:r>
-              <a:rPr lang="en-US" sz="5400" dirty="0" smtClean="0">
-                <a:solidFill>
-                  <a:srgbClr val="008000"/>
-                </a:solidFill>
-              </a:rPr>
-              <a:t>ction</a:t>
+              <a:t>prediction</a:t>
             </a:r>
             <a:r>
               <a:rPr lang="en-US" sz="5400" dirty="0" smtClean="0"/>
@@ -7733,15 +7179,7 @@
                   <a:schemeClr val="tx1"/>
                 </a:solidFill>
               </a:rPr>
-              <a:t> </a:t>
-            </a:r>
-            <a:r>
-              <a:rPr lang="en-US" sz="4400" dirty="0" smtClean="0">
-                <a:solidFill>
-                  <a:schemeClr val="tx1"/>
-                </a:solidFill>
-              </a:rPr>
-              <a:t>Prediction</a:t>
+              <a:t> Prediction</a:t>
             </a:r>
             <a:endParaRPr lang="en-US" sz="4400" dirty="0">
               <a:solidFill>
@@ -7773,7 +7211,7 @@
           <a:graphicData uri="http://schemas.openxmlformats.org/presentationml/2006/ole">
             <mc:AlternateContent xmlns:mc="http://schemas.openxmlformats.org/markup-compatibility/2006">
               <mc:Choice xmlns:v="urn:schemas-microsoft-com:vml" Requires="v">
-                <p:oleObj spid="_x0000_s100374" name="Equation" r:id="rId3" imgW="977900" imgH="241300" progId="Equation.DSMT4">
+                <p:oleObj spid="_x0000_s100378" name="Equation" r:id="rId3" imgW="977900" imgH="241300" progId="Equation.DSMT4">
                   <p:embed/>
                 </p:oleObj>
               </mc:Choice>
@@ -7909,7 +7347,6 @@
               <a:rPr lang="en-US" sz="5400" dirty="0"/>
               <a:t>:</a:t>
             </a:r>
-            <a:endParaRPr lang="en-US" sz="5400" dirty="0"/>
           </a:p>
           <a:p>
             <a:endParaRPr lang="en-US" sz="5400" dirty="0"/>
@@ -7986,7 +7423,7 @@
           <a:graphicData uri="http://schemas.openxmlformats.org/presentationml/2006/ole">
             <mc:AlternateContent xmlns:mc="http://schemas.openxmlformats.org/markup-compatibility/2006">
               <mc:Choice xmlns:v="urn:schemas-microsoft-com:vml" Requires="v">
-                <p:oleObj spid="_x0000_s101416" name="Equation" r:id="rId3" imgW="889000" imgH="241300" progId="Equation.DSMT4">
+                <p:oleObj spid="_x0000_s101423" name="Equation" r:id="rId3" imgW="889000" imgH="241300" progId="Equation.DSMT4">
                   <p:embed/>
                 </p:oleObj>
               </mc:Choice>
@@ -8073,11 +7510,6 @@
               </a:rPr>
               <a:t>Prediction</a:t>
             </a:r>
-            <a:endParaRPr lang="en-US" sz="4400" dirty="0">
-              <a:solidFill>
-                <a:schemeClr val="tx1"/>
-              </a:solidFill>
-            </a:endParaRPr>
           </a:p>
         </p:txBody>
       </p:sp>
@@ -8103,7 +7535,7 @@
           <a:graphicData uri="http://schemas.openxmlformats.org/presentationml/2006/ole">
             <mc:AlternateContent xmlns:mc="http://schemas.openxmlformats.org/markup-compatibility/2006">
               <mc:Choice xmlns:v="urn:schemas-microsoft-com:vml" Requires="v">
-                <p:oleObj spid="_x0000_s101417" name="Equation" r:id="rId5" imgW="977900" imgH="241300" progId="Equation.DSMT4">
+                <p:oleObj spid="_x0000_s101424" name="Equation" r:id="rId5" imgW="977900" imgH="241300" progId="Equation.DSMT4">
                   <p:embed/>
                 </p:oleObj>
               </mc:Choice>
@@ -8581,7 +8013,7 @@
             <a:graphicData uri="http://schemas.openxmlformats.org/presentationml/2006/ole">
               <mc:AlternateContent xmlns:mc="http://schemas.openxmlformats.org/markup-compatibility/2006">
                 <mc:Choice xmlns:v="urn:schemas-microsoft-com:vml" Requires="v">
-                  <p:oleObj spid="_x0000_s35934" name="Equation" r:id="rId4" imgW="850900" imgH="228600" progId="Equation.DSMT4">
+                  <p:oleObj spid="_x0000_s35941" name="Equation" r:id="rId4" imgW="850900" imgH="228600" progId="Equation.DSMT4">
                     <p:embed/>
                   </p:oleObj>
                 </mc:Choice>
@@ -8638,7 +8070,7 @@
             <a:graphicData uri="http://schemas.openxmlformats.org/presentationml/2006/ole">
               <mc:AlternateContent xmlns:mc="http://schemas.openxmlformats.org/markup-compatibility/2006">
                 <mc:Choice xmlns:v="urn:schemas-microsoft-com:vml" Requires="v">
-                  <p:oleObj spid="_x0000_s35935" name="Equation" r:id="rId6" imgW="850900" imgH="228600" progId="Equation.DSMT4">
+                  <p:oleObj spid="_x0000_s35942" name="Equation" r:id="rId6" imgW="850900" imgH="228600" progId="Equation.DSMT4">
                     <p:embed/>
                   </p:oleObj>
                 </mc:Choice>
@@ -8726,11 +8158,6 @@
               </a:rPr>
               <a:t>Prediction</a:t>
             </a:r>
-            <a:endParaRPr lang="en-US" sz="4400" dirty="0">
-              <a:solidFill>
-                <a:schemeClr val="tx1"/>
-              </a:solidFill>
-            </a:endParaRPr>
           </a:p>
         </p:txBody>
       </p:sp>
@@ -8993,7 +8420,15 @@
                   <a:schemeClr val="tx1"/>
                 </a:solidFill>
               </a:rPr>
-              <a:t>99% accurate TB testing</a:t>
+              <a:t>98% </a:t>
+            </a:r>
+            <a:r>
+              <a:rPr lang="en-US" sz="4000" dirty="0" smtClean="0">
+                <a:solidFill>
+                  <a:schemeClr val="tx1"/>
+                </a:solidFill>
+              </a:rPr>
+              <a:t>accurate TB testing</a:t>
             </a:r>
           </a:p>
         </p:txBody>
@@ -9309,7 +8744,7 @@
           <a:graphicData uri="http://schemas.openxmlformats.org/presentationml/2006/ole">
             <mc:AlternateContent xmlns:mc="http://schemas.openxmlformats.org/markup-compatibility/2006">
               <mc:Choice xmlns:v="urn:schemas-microsoft-com:vml" Requires="v">
-                <p:oleObj spid="_x0000_s88087" name="Equation" r:id="rId3" imgW="1257300" imgH="495300" progId="Equation.DSMT4">
+                <p:oleObj spid="_x0000_s88091" name="Equation" r:id="rId3" imgW="1257300" imgH="495300" progId="Equation.DSMT4">
                   <p:embed/>
                 </p:oleObj>
               </mc:Choice>
@@ -9648,7 +9083,7 @@
           <a:graphicData uri="http://schemas.openxmlformats.org/presentationml/2006/ole">
             <mc:AlternateContent xmlns:mc="http://schemas.openxmlformats.org/markup-compatibility/2006">
               <mc:Choice xmlns:v="urn:schemas-microsoft-com:vml" Requires="v">
-                <p:oleObj spid="_x0000_s89130" name="Equation" r:id="rId3" imgW="952500" imgH="469900" progId="Equation.DSMT4">
+                <p:oleObj spid="_x0000_s89137" name="Equation" r:id="rId3" imgW="952500" imgH="469900" progId="Equation.DSMT4">
                   <p:embed/>
                 </p:oleObj>
               </mc:Choice>
@@ -9705,7 +9140,7 @@
           <a:graphicData uri="http://schemas.openxmlformats.org/presentationml/2006/ole">
             <mc:AlternateContent xmlns:mc="http://schemas.openxmlformats.org/markup-compatibility/2006">
               <mc:Choice xmlns:v="urn:schemas-microsoft-com:vml" Requires="v">
-                <p:oleObj spid="_x0000_s89131" name="Equation" r:id="rId5" imgW="1701800" imgH="469900" progId="Equation.DSMT4">
+                <p:oleObj spid="_x0000_s89138" name="Equation" r:id="rId5" imgW="1701800" imgH="469900" progId="Equation.DSMT4">
                   <p:embed/>
                 </p:oleObj>
               </mc:Choice>
@@ -10183,7 +9618,7 @@
           <a:graphicData uri="http://schemas.openxmlformats.org/presentationml/2006/ole">
             <mc:AlternateContent xmlns:mc="http://schemas.openxmlformats.org/markup-compatibility/2006">
               <mc:Choice xmlns:v="urn:schemas-microsoft-com:vml" Requires="v">
-                <p:oleObj spid="_x0000_s32820" name="Equation" r:id="rId4" imgW="1765300" imgH="495300" progId="Equation.DSMT4">
+                <p:oleObj spid="_x0000_s32824" name="Equation" r:id="rId4" imgW="1765300" imgH="495300" progId="Equation.DSMT4">
                   <p:embed/>
                 </p:oleObj>
               </mc:Choice>
@@ -10497,7 +9932,7 @@
           <a:graphicData uri="http://schemas.openxmlformats.org/presentationml/2006/ole">
             <mc:AlternateContent xmlns:mc="http://schemas.openxmlformats.org/markup-compatibility/2006">
               <mc:Choice xmlns:v="urn:schemas-microsoft-com:vml" Requires="v">
-                <p:oleObj spid="_x0000_s79920" name="Equation" r:id="rId4" imgW="1092200" imgH="228600" progId="Equation.DSMT4">
+                <p:oleObj spid="_x0000_s79924" name="Equation" r:id="rId4" imgW="1092200" imgH="228600" progId="Equation.DSMT4">
                   <p:embed/>
                 </p:oleObj>
               </mc:Choice>
@@ -10863,7 +10298,7 @@
           <a:graphicData uri="http://schemas.openxmlformats.org/presentationml/2006/ole">
             <mc:AlternateContent xmlns:mc="http://schemas.openxmlformats.org/markup-compatibility/2006">
               <mc:Choice xmlns:v="urn:schemas-microsoft-com:vml" Requires="v">
-                <p:oleObj spid="_x0000_s136223" name="Equation" r:id="rId4" imgW="2146300" imgH="495300" progId="Equation.DSMT4">
+                <p:oleObj spid="_x0000_s136230" name="Equation" r:id="rId4" imgW="2146300" imgH="495300" progId="Equation.DSMT4">
                   <p:embed/>
                 </p:oleObj>
               </mc:Choice>
@@ -10920,7 +10355,7 @@
           <a:graphicData uri="http://schemas.openxmlformats.org/presentationml/2006/ole">
             <mc:AlternateContent xmlns:mc="http://schemas.openxmlformats.org/markup-compatibility/2006">
               <mc:Choice xmlns:v="urn:schemas-microsoft-com:vml" Requires="v">
-                <p:oleObj spid="_x0000_s136224" name="Equation" r:id="rId6" imgW="2171700" imgH="495300" progId="Equation.DSMT4">
+                <p:oleObj spid="_x0000_s136231" name="Equation" r:id="rId6" imgW="2171700" imgH="495300" progId="Equation.DSMT4">
                   <p:embed/>
                 </p:oleObj>
               </mc:Choice>
@@ -11286,7 +10721,7 @@
           <a:graphicData uri="http://schemas.openxmlformats.org/presentationml/2006/ole">
             <mc:AlternateContent xmlns:mc="http://schemas.openxmlformats.org/markup-compatibility/2006">
               <mc:Choice xmlns:v="urn:schemas-microsoft-com:vml" Requires="v">
-                <p:oleObj spid="_x0000_s133225" name="Equation" r:id="rId4" imgW="2171700" imgH="495300" progId="Equation.DSMT4">
+                <p:oleObj spid="_x0000_s133244" name="Equation" r:id="rId4" imgW="2171700" imgH="495300" progId="Equation.DSMT4">
                   <p:embed/>
                 </p:oleObj>
               </mc:Choice>
@@ -11397,7 +10832,7 @@
           <a:graphicData uri="http://schemas.openxmlformats.org/presentationml/2006/ole">
             <mc:AlternateContent xmlns:mc="http://schemas.openxmlformats.org/markup-compatibility/2006">
               <mc:Choice xmlns:v="urn:schemas-microsoft-com:vml" Requires="v">
-                <p:oleObj spid="_x0000_s133226" name="Equation" r:id="rId6" imgW="139700" imgH="215900" progId="Equation.DSMT4">
+                <p:oleObj spid="_x0000_s133245" name="Equation" r:id="rId6" imgW="139700" imgH="215900" progId="Equation.DSMT4">
                   <p:embed/>
                 </p:oleObj>
               </mc:Choice>
@@ -11454,7 +10889,7 @@
           <a:graphicData uri="http://schemas.openxmlformats.org/presentationml/2006/ole">
             <mc:AlternateContent xmlns:mc="http://schemas.openxmlformats.org/markup-compatibility/2006">
               <mc:Choice xmlns:v="urn:schemas-microsoft-com:vml" Requires="v">
-                <p:oleObj spid="_x0000_s133227" name="Equation" r:id="rId8" imgW="139700" imgH="215900" progId="Equation.DSMT4">
+                <p:oleObj spid="_x0000_s133246" name="Equation" r:id="rId8" imgW="139700" imgH="215900" progId="Equation.DSMT4">
                   <p:embed/>
                 </p:oleObj>
               </mc:Choice>
@@ -11511,7 +10946,7 @@
           <a:graphicData uri="http://schemas.openxmlformats.org/presentationml/2006/ole">
             <mc:AlternateContent xmlns:mc="http://schemas.openxmlformats.org/markup-compatibility/2006">
               <mc:Choice xmlns:v="urn:schemas-microsoft-com:vml" Requires="v">
-                <p:oleObj spid="_x0000_s133228" name="Equation" r:id="rId9" imgW="762000" imgH="533400" progId="Equation.DSMT4">
+                <p:oleObj spid="_x0000_s133247" name="Equation" r:id="rId9" imgW="762000" imgH="533400" progId="Equation.DSMT4">
                   <p:embed/>
                 </p:oleObj>
               </mc:Choice>
@@ -11568,7 +11003,7 @@
           <a:graphicData uri="http://schemas.openxmlformats.org/presentationml/2006/ole">
             <mc:AlternateContent xmlns:mc="http://schemas.openxmlformats.org/markup-compatibility/2006">
               <mc:Choice xmlns:v="urn:schemas-microsoft-com:vml" Requires="v">
-                <p:oleObj spid="_x0000_s133229" name="Equation" r:id="rId11" imgW="584200" imgH="533400" progId="Equation.DSMT4">
+                <p:oleObj spid="_x0000_s133248" name="Equation" r:id="rId11" imgW="584200" imgH="533400" progId="Equation.DSMT4">
                   <p:embed/>
                 </p:oleObj>
               </mc:Choice>
@@ -11625,7 +11060,7 @@
           <a:graphicData uri="http://schemas.openxmlformats.org/presentationml/2006/ole">
             <mc:AlternateContent xmlns:mc="http://schemas.openxmlformats.org/markup-compatibility/2006">
               <mc:Choice xmlns:v="urn:schemas-microsoft-com:vml" Requires="v">
-                <p:oleObj spid="_x0000_s133230" name="Equation" r:id="rId13" imgW="2146300" imgH="495300" progId="Equation.DSMT4">
+                <p:oleObj spid="_x0000_s133249" name="Equation" r:id="rId13" imgW="2146300" imgH="495300" progId="Equation.DSMT4">
                   <p:embed/>
                 </p:oleObj>
               </mc:Choice>
@@ -11902,25 +11337,25 @@
           <p:nvPr>
             <p:extLst>
               <p:ext uri="{D42A27DB-BD31-4B8C-83A1-F6EECF244321}">
-                <p14:modId xmlns:p14="http://schemas.microsoft.com/office/powerpoint/2010/main" val="1949018968"/>
+                <p14:modId xmlns:p14="http://schemas.microsoft.com/office/powerpoint/2010/main" val="2159195593"/>
               </p:ext>
             </p:extLst>
           </p:nvPr>
         </p:nvGraphicFramePr>
         <p:xfrm>
           <a:off x="152400" y="1524000"/>
-          <a:ext cx="4543425" cy="949325"/>
+          <a:ext cx="5178425" cy="949325"/>
         </p:xfrm>
         <a:graphic>
           <a:graphicData uri="http://schemas.openxmlformats.org/presentationml/2006/ole">
             <mc:AlternateContent xmlns:mc="http://schemas.openxmlformats.org/markup-compatibility/2006">
               <mc:Choice xmlns:v="urn:schemas-microsoft-com:vml" Requires="v">
-                <p:oleObj spid="_x0000_s134207" name="Equation" r:id="rId4" imgW="1092200" imgH="228600" progId="Equation.DSMT4">
+                <p:oleObj spid="_x0000_s134220" name="Equation" r:id="rId4" imgW="1244600" imgH="228600" progId="Equation.DSMT4">
                   <p:embed/>
                 </p:oleObj>
               </mc:Choice>
               <mc:Fallback>
-                <p:oleObj name="Equation" r:id="rId4" imgW="1092200" imgH="228600" progId="Equation.DSMT4">
+                <p:oleObj name="Equation" r:id="rId4" imgW="1244600" imgH="228600" progId="Equation.DSMT4">
                   <p:embed/>
                   <p:pic>
                     <p:nvPicPr>
@@ -11937,7 +11372,7 @@
                     <p:spPr>
                       <a:xfrm>
                         <a:off x="152400" y="1524000"/>
-                        <a:ext cx="4543425" cy="949325"/>
+                        <a:ext cx="5178425" cy="949325"/>
                       </a:xfrm>
                       <a:prstGeom prst="rect">
                         <a:avLst/>
@@ -11959,25 +11394,25 @@
           <p:nvPr>
             <p:extLst>
               <p:ext uri="{D42A27DB-BD31-4B8C-83A1-F6EECF244321}">
-                <p14:modId xmlns:p14="http://schemas.microsoft.com/office/powerpoint/2010/main" val="1939953515"/>
+                <p14:modId xmlns:p14="http://schemas.microsoft.com/office/powerpoint/2010/main" val="1442234942"/>
               </p:ext>
             </p:extLst>
           </p:nvPr>
         </p:nvGraphicFramePr>
         <p:xfrm>
-          <a:off x="533400" y="3216233"/>
-          <a:ext cx="7562194" cy="2117767"/>
+          <a:off x="858838" y="2819400"/>
+          <a:ext cx="6910387" cy="2117725"/>
         </p:xfrm>
         <a:graphic>
           <a:graphicData uri="http://schemas.openxmlformats.org/presentationml/2006/ole">
             <mc:AlternateContent xmlns:mc="http://schemas.openxmlformats.org/markup-compatibility/2006">
               <mc:Choice xmlns:v="urn:schemas-microsoft-com:vml" Requires="v">
-                <p:oleObj spid="_x0000_s134208" name="Equation" r:id="rId6" imgW="1765300" imgH="495300" progId="Equation.DSMT4">
+                <p:oleObj spid="_x0000_s134221" name="Equation" r:id="rId6" imgW="1612900" imgH="495300" progId="Equation.DSMT4">
                   <p:embed/>
                 </p:oleObj>
               </mc:Choice>
               <mc:Fallback>
-                <p:oleObj name="Equation" r:id="rId6" imgW="1765300" imgH="495300" progId="Equation.DSMT4">
+                <p:oleObj name="Equation" r:id="rId6" imgW="1612900" imgH="495300" progId="Equation.DSMT4">
                   <p:embed/>
                   <p:pic>
                     <p:nvPicPr>
@@ -11993,8 +11428,8 @@
                     </p:blipFill>
                     <p:spPr>
                       <a:xfrm>
-                        <a:off x="533400" y="3216233"/>
-                        <a:ext cx="7562194" cy="2117767"/>
+                        <a:off x="858838" y="2819400"/>
+                        <a:ext cx="6910387" cy="2117725"/>
                       </a:xfrm>
                       <a:prstGeom prst="rect">
                         <a:avLst/>
@@ -12029,7 +11464,7 @@
           <a:graphicData uri="http://schemas.openxmlformats.org/presentationml/2006/ole">
             <mc:AlternateContent xmlns:mc="http://schemas.openxmlformats.org/markup-compatibility/2006">
               <mc:Choice xmlns:v="urn:schemas-microsoft-com:vml" Requires="v">
-                <p:oleObj spid="_x0000_s134209" name="Equation" r:id="rId8" imgW="139700" imgH="215900" progId="Equation.DSMT4">
+                <p:oleObj spid="_x0000_s134222" name="Equation" r:id="rId8" imgW="139700" imgH="215900" progId="Equation.DSMT4">
                   <p:embed/>
                 </p:oleObj>
               </mc:Choice>
@@ -12086,7 +11521,7 @@
           <a:graphicData uri="http://schemas.openxmlformats.org/presentationml/2006/ole">
             <mc:AlternateContent xmlns:mc="http://schemas.openxmlformats.org/markup-compatibility/2006">
               <mc:Choice xmlns:v="urn:schemas-microsoft-com:vml" Requires="v">
-                <p:oleObj spid="_x0000_s134210" name="Equation" r:id="rId10" imgW="139700" imgH="215900" progId="Equation.DSMT4">
+                <p:oleObj spid="_x0000_s134223" name="Equation" r:id="rId10" imgW="139700" imgH="215900" progId="Equation.DSMT4">
                   <p:embed/>
                 </p:oleObj>
               </mc:Choice>
@@ -12356,32 +11791,32 @@
       </p:sp>
       <p:graphicFrame>
         <p:nvGraphicFramePr>
-          <p:cNvPr id="9" name="Object 8"/>
+          <p:cNvPr id="10" name="Object 9"/>
           <p:cNvGraphicFramePr>
             <a:graphicFrameLocks noChangeAspect="1"/>
           </p:cNvGraphicFramePr>
           <p:nvPr>
             <p:extLst>
               <p:ext uri="{D42A27DB-BD31-4B8C-83A1-F6EECF244321}">
-                <p14:modId xmlns:p14="http://schemas.microsoft.com/office/powerpoint/2010/main" val="2308804471"/>
+                <p14:modId xmlns:p14="http://schemas.microsoft.com/office/powerpoint/2010/main" val="3454792829"/>
               </p:ext>
             </p:extLst>
           </p:nvPr>
         </p:nvGraphicFramePr>
         <p:xfrm>
-          <a:off x="152400" y="1524000"/>
-          <a:ext cx="4543425" cy="949325"/>
+          <a:off x="857250" y="2819400"/>
+          <a:ext cx="7834313" cy="2117725"/>
         </p:xfrm>
         <a:graphic>
           <a:graphicData uri="http://schemas.openxmlformats.org/presentationml/2006/ole">
             <mc:AlternateContent xmlns:mc="http://schemas.openxmlformats.org/markup-compatibility/2006">
               <mc:Choice xmlns:v="urn:schemas-microsoft-com:vml" Requires="v">
-                <p:oleObj spid="_x0000_s135240" name="Equation" r:id="rId4" imgW="1092200" imgH="228600" progId="Equation.DSMT4">
+                <p:oleObj spid="_x0000_s135256" name="Equation" r:id="rId4" imgW="1828800" imgH="495300" progId="Equation.DSMT4">
                   <p:embed/>
                 </p:oleObj>
               </mc:Choice>
               <mc:Fallback>
-                <p:oleObj name="Equation" r:id="rId4" imgW="1092200" imgH="228600" progId="Equation.DSMT4">
+                <p:oleObj name="Equation" r:id="rId4" imgW="1828800" imgH="495300" progId="Equation.DSMT4">
                   <p:embed/>
                   <p:pic>
                     <p:nvPicPr>
@@ -12397,65 +11832,8 @@
                     </p:blipFill>
                     <p:spPr>
                       <a:xfrm>
-                        <a:off x="152400" y="1524000"/>
-                        <a:ext cx="4543425" cy="949325"/>
-                      </a:xfrm>
-                      <a:prstGeom prst="rect">
-                        <a:avLst/>
-                      </a:prstGeom>
-                    </p:spPr>
-                  </p:pic>
-                </p:oleObj>
-              </mc:Fallback>
-            </mc:AlternateContent>
-          </a:graphicData>
-        </a:graphic>
-      </p:graphicFrame>
-      <p:graphicFrame>
-        <p:nvGraphicFramePr>
-          <p:cNvPr id="10" name="Object 9"/>
-          <p:cNvGraphicFramePr>
-            <a:graphicFrameLocks noChangeAspect="1"/>
-          </p:cNvGraphicFramePr>
-          <p:nvPr>
-            <p:extLst>
-              <p:ext uri="{D42A27DB-BD31-4B8C-83A1-F6EECF244321}">
-                <p14:modId xmlns:p14="http://schemas.microsoft.com/office/powerpoint/2010/main" val="3528029506"/>
-              </p:ext>
-            </p:extLst>
-          </p:nvPr>
-        </p:nvGraphicFramePr>
-        <p:xfrm>
-          <a:off x="558800" y="3140075"/>
-          <a:ext cx="8432800" cy="2117725"/>
-        </p:xfrm>
-        <a:graphic>
-          <a:graphicData uri="http://schemas.openxmlformats.org/presentationml/2006/ole">
-            <mc:AlternateContent xmlns:mc="http://schemas.openxmlformats.org/markup-compatibility/2006">
-              <mc:Choice xmlns:v="urn:schemas-microsoft-com:vml" Requires="v">
-                <p:oleObj spid="_x0000_s135241" name="Equation" r:id="rId6" imgW="1968500" imgH="495300" progId="Equation.DSMT4">
-                  <p:embed/>
-                </p:oleObj>
-              </mc:Choice>
-              <mc:Fallback>
-                <p:oleObj name="Equation" r:id="rId6" imgW="1968500" imgH="495300" progId="Equation.DSMT4">
-                  <p:embed/>
-                  <p:pic>
-                    <p:nvPicPr>
-                      <p:cNvPr id="0" name=""/>
-                      <p:cNvPicPr/>
-                      <p:nvPr/>
-                    </p:nvPicPr>
-                    <p:blipFill>
-                      <a:blip r:embed="rId7"/>
-                      <a:stretch>
-                        <a:fillRect/>
-                      </a:stretch>
-                    </p:blipFill>
-                    <p:spPr>
-                      <a:xfrm>
-                        <a:off x="558800" y="3140075"/>
-                        <a:ext cx="8432800" cy="2117725"/>
+                        <a:off x="857250" y="2819400"/>
+                        <a:ext cx="7834313" cy="2117725"/>
                       </a:xfrm>
                       <a:prstGeom prst="rect">
                         <a:avLst/>
@@ -12490,12 +11868,12 @@
           <a:graphicData uri="http://schemas.openxmlformats.org/presentationml/2006/ole">
             <mc:AlternateContent xmlns:mc="http://schemas.openxmlformats.org/markup-compatibility/2006">
               <mc:Choice xmlns:v="urn:schemas-microsoft-com:vml" Requires="v">
-                <p:oleObj spid="_x0000_s135242" name="Equation" r:id="rId8" imgW="139700" imgH="215900" progId="Equation.DSMT4">
+                <p:oleObj spid="_x0000_s135257" name="Equation" r:id="rId6" imgW="139700" imgH="215900" progId="Equation.DSMT4">
                   <p:embed/>
                 </p:oleObj>
               </mc:Choice>
               <mc:Fallback>
-                <p:oleObj name="Equation" r:id="rId8" imgW="139700" imgH="215900" progId="Equation.DSMT4">
+                <p:oleObj name="Equation" r:id="rId6" imgW="139700" imgH="215900" progId="Equation.DSMT4">
                   <p:embed/>
                   <p:pic>
                     <p:nvPicPr>
@@ -12504,7 +11882,7 @@
                       <p:nvPr/>
                     </p:nvPicPr>
                     <p:blipFill>
-                      <a:blip r:embed="rId9"/>
+                      <a:blip r:embed="rId7"/>
                       <a:stretch>
                         <a:fillRect/>
                       </a:stretch>
@@ -12547,12 +11925,12 @@
           <a:graphicData uri="http://schemas.openxmlformats.org/presentationml/2006/ole">
             <mc:AlternateContent xmlns:mc="http://schemas.openxmlformats.org/markup-compatibility/2006">
               <mc:Choice xmlns:v="urn:schemas-microsoft-com:vml" Requires="v">
-                <p:oleObj spid="_x0000_s135243" name="Equation" r:id="rId10" imgW="139700" imgH="215900" progId="Equation.DSMT4">
+                <p:oleObj spid="_x0000_s135258" name="Equation" r:id="rId8" imgW="139700" imgH="215900" progId="Equation.DSMT4">
                   <p:embed/>
                 </p:oleObj>
               </mc:Choice>
               <mc:Fallback>
-                <p:oleObj name="Equation" r:id="rId10" imgW="139700" imgH="215900" progId="Equation.DSMT4">
+                <p:oleObj name="Equation" r:id="rId8" imgW="139700" imgH="215900" progId="Equation.DSMT4">
                   <p:embed/>
                   <p:pic>
                     <p:nvPicPr>
@@ -12561,7 +11939,7 @@
                       <p:nvPr/>
                     </p:nvPicPr>
                     <p:blipFill>
-                      <a:blip r:embed="rId9"/>
+                      <a:blip r:embed="rId7"/>
                       <a:stretch>
                         <a:fillRect/>
                       </a:stretch>
@@ -12591,25 +11969,82 @@
           <p:nvPr>
             <p:extLst>
               <p:ext uri="{D42A27DB-BD31-4B8C-83A1-F6EECF244321}">
-                <p14:modId xmlns:p14="http://schemas.microsoft.com/office/powerpoint/2010/main" val="489809900"/>
+                <p14:modId xmlns:p14="http://schemas.microsoft.com/office/powerpoint/2010/main" val="3160555567"/>
               </p:ext>
             </p:extLst>
           </p:nvPr>
         </p:nvGraphicFramePr>
         <p:xfrm>
-          <a:off x="860425" y="3411537"/>
+          <a:off x="533400" y="3090862"/>
           <a:ext cx="4244975" cy="3141663"/>
         </p:xfrm>
         <a:graphic>
           <a:graphicData uri="http://schemas.openxmlformats.org/presentationml/2006/ole">
             <mc:AlternateContent xmlns:mc="http://schemas.openxmlformats.org/markup-compatibility/2006">
               <mc:Choice xmlns:v="urn:schemas-microsoft-com:vml" Requires="v">
-                <p:oleObj spid="_x0000_s135244" name="Equation" r:id="rId11" imgW="635000" imgH="469900" progId="Equation.DSMT4">
+                <p:oleObj spid="_x0000_s135259" name="Equation" r:id="rId9" imgW="635000" imgH="469900" progId="Equation.DSMT4">
                   <p:embed/>
                 </p:oleObj>
               </mc:Choice>
               <mc:Fallback>
-                <p:oleObj name="Equation" r:id="rId11" imgW="635000" imgH="469900" progId="Equation.DSMT4">
+                <p:oleObj name="Equation" r:id="rId9" imgW="635000" imgH="469900" progId="Equation.DSMT4">
+                  <p:embed/>
+                  <p:pic>
+                    <p:nvPicPr>
+                      <p:cNvPr id="0" name=""/>
+                      <p:cNvPicPr/>
+                      <p:nvPr/>
+                    </p:nvPicPr>
+                    <p:blipFill>
+                      <a:blip r:embed="rId10"/>
+                      <a:stretch>
+                        <a:fillRect/>
+                      </a:stretch>
+                    </p:blipFill>
+                    <p:spPr>
+                      <a:xfrm>
+                        <a:off x="533400" y="3090862"/>
+                        <a:ext cx="4244975" cy="3141663"/>
+                      </a:xfrm>
+                      <a:prstGeom prst="rect">
+                        <a:avLst/>
+                      </a:prstGeom>
+                    </p:spPr>
+                  </p:pic>
+                </p:oleObj>
+              </mc:Fallback>
+            </mc:AlternateContent>
+          </a:graphicData>
+        </a:graphic>
+      </p:graphicFrame>
+      <p:graphicFrame>
+        <p:nvGraphicFramePr>
+          <p:cNvPr id="12" name="Object 11"/>
+          <p:cNvGraphicFramePr>
+            <a:graphicFrameLocks noChangeAspect="1"/>
+          </p:cNvGraphicFramePr>
+          <p:nvPr>
+            <p:extLst>
+              <p:ext uri="{D42A27DB-BD31-4B8C-83A1-F6EECF244321}">
+                <p14:modId xmlns:p14="http://schemas.microsoft.com/office/powerpoint/2010/main" val="681148395"/>
+              </p:ext>
+            </p:extLst>
+          </p:nvPr>
+        </p:nvGraphicFramePr>
+        <p:xfrm>
+          <a:off x="152400" y="1524000"/>
+          <a:ext cx="5178425" cy="949325"/>
+        </p:xfrm>
+        <a:graphic>
+          <a:graphicData uri="http://schemas.openxmlformats.org/presentationml/2006/ole">
+            <mc:AlternateContent xmlns:mc="http://schemas.openxmlformats.org/markup-compatibility/2006">
+              <mc:Choice xmlns:v="urn:schemas-microsoft-com:vml" Requires="v">
+                <p:oleObj spid="_x0000_s135260" name="Equation" r:id="rId11" imgW="1244600" imgH="228600" progId="Equation.DSMT4">
+                  <p:embed/>
+                </p:oleObj>
+              </mc:Choice>
+              <mc:Fallback>
+                <p:oleObj name="Equation" r:id="rId11" imgW="1244600" imgH="228600" progId="Equation.DSMT4">
                   <p:embed/>
                   <p:pic>
                     <p:nvPicPr>
@@ -12625,8 +12060,8 @@
                     </p:blipFill>
                     <p:spPr>
                       <a:xfrm>
-                        <a:off x="860425" y="3411537"/>
-                        <a:ext cx="4244975" cy="3141663"/>
+                        <a:off x="152400" y="1524000"/>
+                        <a:ext cx="5178425" cy="949325"/>
                       </a:xfrm>
                       <a:prstGeom prst="rect">
                         <a:avLst/>
@@ -12988,32 +12423,32 @@
       </p:sp>
       <p:graphicFrame>
         <p:nvGraphicFramePr>
-          <p:cNvPr id="9" name="Object 8"/>
+          <p:cNvPr id="10" name="Object 9"/>
           <p:cNvGraphicFramePr>
             <a:graphicFrameLocks noChangeAspect="1"/>
           </p:cNvGraphicFramePr>
           <p:nvPr>
             <p:extLst>
               <p:ext uri="{D42A27DB-BD31-4B8C-83A1-F6EECF244321}">
-                <p14:modId xmlns:p14="http://schemas.microsoft.com/office/powerpoint/2010/main" val="3553636946"/>
+                <p14:modId xmlns:p14="http://schemas.microsoft.com/office/powerpoint/2010/main" val="6918852"/>
               </p:ext>
             </p:extLst>
           </p:nvPr>
         </p:nvGraphicFramePr>
         <p:xfrm>
-          <a:off x="152400" y="1524000"/>
-          <a:ext cx="4543425" cy="949325"/>
+          <a:off x="2755900" y="2819400"/>
+          <a:ext cx="5930900" cy="2009775"/>
         </p:xfrm>
         <a:graphic>
           <a:graphicData uri="http://schemas.openxmlformats.org/presentationml/2006/ole">
             <mc:AlternateContent xmlns:mc="http://schemas.openxmlformats.org/markup-compatibility/2006">
               <mc:Choice xmlns:v="urn:schemas-microsoft-com:vml" Requires="v">
-                <p:oleObj spid="_x0000_s137289" name="Equation" r:id="rId4" imgW="1092200" imgH="228600" progId="Equation.DSMT4">
+                <p:oleObj spid="_x0000_s137305" name="Equation" r:id="rId4" imgW="1384300" imgH="469900" progId="Equation.DSMT4">
                   <p:embed/>
                 </p:oleObj>
               </mc:Choice>
               <mc:Fallback>
-                <p:oleObj name="Equation" r:id="rId4" imgW="1092200" imgH="228600" progId="Equation.DSMT4">
+                <p:oleObj name="Equation" r:id="rId4" imgW="1384300" imgH="469900" progId="Equation.DSMT4">
                   <p:embed/>
                   <p:pic>
                     <p:nvPicPr>
@@ -13029,65 +12464,8 @@
                     </p:blipFill>
                     <p:spPr>
                       <a:xfrm>
-                        <a:off x="152400" y="1524000"/>
-                        <a:ext cx="4543425" cy="949325"/>
-                      </a:xfrm>
-                      <a:prstGeom prst="rect">
-                        <a:avLst/>
-                      </a:prstGeom>
-                    </p:spPr>
-                  </p:pic>
-                </p:oleObj>
-              </mc:Fallback>
-            </mc:AlternateContent>
-          </a:graphicData>
-        </a:graphic>
-      </p:graphicFrame>
-      <p:graphicFrame>
-        <p:nvGraphicFramePr>
-          <p:cNvPr id="10" name="Object 9"/>
-          <p:cNvGraphicFramePr>
-            <a:graphicFrameLocks noChangeAspect="1"/>
-          </p:cNvGraphicFramePr>
-          <p:nvPr>
-            <p:extLst>
-              <p:ext uri="{D42A27DB-BD31-4B8C-83A1-F6EECF244321}">
-                <p14:modId xmlns:p14="http://schemas.microsoft.com/office/powerpoint/2010/main" val="2684382967"/>
-              </p:ext>
-            </p:extLst>
-          </p:nvPr>
-        </p:nvGraphicFramePr>
-        <p:xfrm>
-          <a:off x="1509713" y="3025775"/>
-          <a:ext cx="6529387" cy="2009775"/>
-        </p:xfrm>
-        <a:graphic>
-          <a:graphicData uri="http://schemas.openxmlformats.org/presentationml/2006/ole">
-            <mc:AlternateContent xmlns:mc="http://schemas.openxmlformats.org/markup-compatibility/2006">
-              <mc:Choice xmlns:v="urn:schemas-microsoft-com:vml" Requires="v">
-                <p:oleObj spid="_x0000_s137290" name="Equation" r:id="rId6" imgW="1524000" imgH="469900" progId="Equation.DSMT4">
-                  <p:embed/>
-                </p:oleObj>
-              </mc:Choice>
-              <mc:Fallback>
-                <p:oleObj name="Equation" r:id="rId6" imgW="1524000" imgH="469900" progId="Equation.DSMT4">
-                  <p:embed/>
-                  <p:pic>
-                    <p:nvPicPr>
-                      <p:cNvPr id="0" name=""/>
-                      <p:cNvPicPr/>
-                      <p:nvPr/>
-                    </p:nvPicPr>
-                    <p:blipFill>
-                      <a:blip r:embed="rId7"/>
-                      <a:stretch>
-                        <a:fillRect/>
-                      </a:stretch>
-                    </p:blipFill>
-                    <p:spPr>
-                      <a:xfrm>
-                        <a:off x="1509713" y="3025775"/>
-                        <a:ext cx="6529387" cy="2009775"/>
+                        <a:off x="2755900" y="2819400"/>
+                        <a:ext cx="5930900" cy="2009775"/>
                       </a:xfrm>
                       <a:prstGeom prst="rect">
                         <a:avLst/>
@@ -13122,12 +12500,12 @@
           <a:graphicData uri="http://schemas.openxmlformats.org/presentationml/2006/ole">
             <mc:AlternateContent xmlns:mc="http://schemas.openxmlformats.org/markup-compatibility/2006">
               <mc:Choice xmlns:v="urn:schemas-microsoft-com:vml" Requires="v">
-                <p:oleObj spid="_x0000_s137291" name="Equation" r:id="rId8" imgW="139700" imgH="215900" progId="Equation.DSMT4">
+                <p:oleObj spid="_x0000_s137306" name="Equation" r:id="rId6" imgW="139700" imgH="215900" progId="Equation.DSMT4">
                   <p:embed/>
                 </p:oleObj>
               </mc:Choice>
               <mc:Fallback>
-                <p:oleObj name="Equation" r:id="rId8" imgW="139700" imgH="215900" progId="Equation.DSMT4">
+                <p:oleObj name="Equation" r:id="rId6" imgW="139700" imgH="215900" progId="Equation.DSMT4">
                   <p:embed/>
                   <p:pic>
                     <p:nvPicPr>
@@ -13136,7 +12514,7 @@
                       <p:nvPr/>
                     </p:nvPicPr>
                     <p:blipFill>
-                      <a:blip r:embed="rId9"/>
+                      <a:blip r:embed="rId7"/>
                       <a:stretch>
                         <a:fillRect/>
                       </a:stretch>
@@ -13179,12 +12557,12 @@
           <a:graphicData uri="http://schemas.openxmlformats.org/presentationml/2006/ole">
             <mc:AlternateContent xmlns:mc="http://schemas.openxmlformats.org/markup-compatibility/2006">
               <mc:Choice xmlns:v="urn:schemas-microsoft-com:vml" Requires="v">
-                <p:oleObj spid="_x0000_s137292" name="Equation" r:id="rId10" imgW="139700" imgH="215900" progId="Equation.DSMT4">
+                <p:oleObj spid="_x0000_s137307" name="Equation" r:id="rId8" imgW="139700" imgH="215900" progId="Equation.DSMT4">
                   <p:embed/>
                 </p:oleObj>
               </mc:Choice>
               <mc:Fallback>
-                <p:oleObj name="Equation" r:id="rId10" imgW="139700" imgH="215900" progId="Equation.DSMT4">
+                <p:oleObj name="Equation" r:id="rId8" imgW="139700" imgH="215900" progId="Equation.DSMT4">
                   <p:embed/>
                   <p:pic>
                     <p:nvPicPr>
@@ -13193,7 +12571,7 @@
                       <p:nvPr/>
                     </p:nvPicPr>
                     <p:blipFill>
-                      <a:blip r:embed="rId9"/>
+                      <a:blip r:embed="rId7"/>
                       <a:stretch>
                         <a:fillRect/>
                       </a:stretch>
@@ -13223,25 +12601,82 @@
           <p:nvPr>
             <p:extLst>
               <p:ext uri="{D42A27DB-BD31-4B8C-83A1-F6EECF244321}">
-                <p14:modId xmlns:p14="http://schemas.microsoft.com/office/powerpoint/2010/main" val="2846076493"/>
+                <p14:modId xmlns:p14="http://schemas.microsoft.com/office/powerpoint/2010/main" val="2196156391"/>
               </p:ext>
             </p:extLst>
           </p:nvPr>
         </p:nvGraphicFramePr>
         <p:xfrm>
-          <a:off x="1073150" y="3395663"/>
+          <a:off x="1743075" y="3200400"/>
           <a:ext cx="3819525" cy="3055937"/>
         </p:xfrm>
         <a:graphic>
           <a:graphicData uri="http://schemas.openxmlformats.org/presentationml/2006/ole">
             <mc:AlternateContent xmlns:mc="http://schemas.openxmlformats.org/markup-compatibility/2006">
               <mc:Choice xmlns:v="urn:schemas-microsoft-com:vml" Requires="v">
-                <p:oleObj spid="_x0000_s137293" name="Equation" r:id="rId11" imgW="571500" imgH="457200" progId="Equation.DSMT4">
+                <p:oleObj spid="_x0000_s137308" name="Equation" r:id="rId9" imgW="571500" imgH="457200" progId="Equation.DSMT4">
                   <p:embed/>
                 </p:oleObj>
               </mc:Choice>
               <mc:Fallback>
-                <p:oleObj name="Equation" r:id="rId11" imgW="571500" imgH="457200" progId="Equation.DSMT4">
+                <p:oleObj name="Equation" r:id="rId9" imgW="571500" imgH="457200" progId="Equation.DSMT4">
+                  <p:embed/>
+                  <p:pic>
+                    <p:nvPicPr>
+                      <p:cNvPr id="0" name=""/>
+                      <p:cNvPicPr/>
+                      <p:nvPr/>
+                    </p:nvPicPr>
+                    <p:blipFill>
+                      <a:blip r:embed="rId10"/>
+                      <a:stretch>
+                        <a:fillRect/>
+                      </a:stretch>
+                    </p:blipFill>
+                    <p:spPr>
+                      <a:xfrm>
+                        <a:off x="1743075" y="3200400"/>
+                        <a:ext cx="3819525" cy="3055937"/>
+                      </a:xfrm>
+                      <a:prstGeom prst="rect">
+                        <a:avLst/>
+                      </a:prstGeom>
+                    </p:spPr>
+                  </p:pic>
+                </p:oleObj>
+              </mc:Fallback>
+            </mc:AlternateContent>
+          </a:graphicData>
+        </a:graphic>
+      </p:graphicFrame>
+      <p:graphicFrame>
+        <p:nvGraphicFramePr>
+          <p:cNvPr id="12" name="Object 11"/>
+          <p:cNvGraphicFramePr>
+            <a:graphicFrameLocks noChangeAspect="1"/>
+          </p:cNvGraphicFramePr>
+          <p:nvPr>
+            <p:extLst>
+              <p:ext uri="{D42A27DB-BD31-4B8C-83A1-F6EECF244321}">
+                <p14:modId xmlns:p14="http://schemas.microsoft.com/office/powerpoint/2010/main" val="681148395"/>
+              </p:ext>
+            </p:extLst>
+          </p:nvPr>
+        </p:nvGraphicFramePr>
+        <p:xfrm>
+          <a:off x="152400" y="1524000"/>
+          <a:ext cx="5178425" cy="949325"/>
+        </p:xfrm>
+        <a:graphic>
+          <a:graphicData uri="http://schemas.openxmlformats.org/presentationml/2006/ole">
+            <mc:AlternateContent xmlns:mc="http://schemas.openxmlformats.org/markup-compatibility/2006">
+              <mc:Choice xmlns:v="urn:schemas-microsoft-com:vml" Requires="v">
+                <p:oleObj spid="_x0000_s137309" name="Equation" r:id="rId11" imgW="1244600" imgH="228600" progId="Equation.DSMT4">
+                  <p:embed/>
+                </p:oleObj>
+              </mc:Choice>
+              <mc:Fallback>
+                <p:oleObj name="Equation" r:id="rId11" imgW="1244600" imgH="228600" progId="Equation.DSMT4">
                   <p:embed/>
                   <p:pic>
                     <p:nvPicPr>
@@ -13257,8 +12692,8 @@
                     </p:blipFill>
                     <p:spPr>
                       <a:xfrm>
-                        <a:off x="1073150" y="3395663"/>
-                        <a:ext cx="3819525" cy="3055937"/>
+                        <a:off x="152400" y="1524000"/>
+                        <a:ext cx="5178425" cy="949325"/>
                       </a:xfrm>
                       <a:prstGeom prst="rect">
                         <a:avLst/>
@@ -13506,120 +12941,6 @@
       </p:sp>
       <p:graphicFrame>
         <p:nvGraphicFramePr>
-          <p:cNvPr id="9" name="Object 8"/>
-          <p:cNvGraphicFramePr>
-            <a:graphicFrameLocks noChangeAspect="1"/>
-          </p:cNvGraphicFramePr>
-          <p:nvPr>
-            <p:extLst>
-              <p:ext uri="{D42A27DB-BD31-4B8C-83A1-F6EECF244321}">
-                <p14:modId xmlns:p14="http://schemas.microsoft.com/office/powerpoint/2010/main" val="328423177"/>
-              </p:ext>
-            </p:extLst>
-          </p:nvPr>
-        </p:nvGraphicFramePr>
-        <p:xfrm>
-          <a:off x="152400" y="1524000"/>
-          <a:ext cx="4543425" cy="949325"/>
-        </p:xfrm>
-        <a:graphic>
-          <a:graphicData uri="http://schemas.openxmlformats.org/presentationml/2006/ole">
-            <mc:AlternateContent xmlns:mc="http://schemas.openxmlformats.org/markup-compatibility/2006">
-              <mc:Choice xmlns:v="urn:schemas-microsoft-com:vml" Requires="v">
-                <p:oleObj spid="_x0000_s138308" name="Equation" r:id="rId4" imgW="1092200" imgH="228600" progId="Equation.DSMT4">
-                  <p:embed/>
-                </p:oleObj>
-              </mc:Choice>
-              <mc:Fallback>
-                <p:oleObj name="Equation" r:id="rId4" imgW="1092200" imgH="228600" progId="Equation.DSMT4">
-                  <p:embed/>
-                  <p:pic>
-                    <p:nvPicPr>
-                      <p:cNvPr id="0" name=""/>
-                      <p:cNvPicPr/>
-                      <p:nvPr/>
-                    </p:nvPicPr>
-                    <p:blipFill>
-                      <a:blip r:embed="rId5"/>
-                      <a:stretch>
-                        <a:fillRect/>
-                      </a:stretch>
-                    </p:blipFill>
-                    <p:spPr>
-                      <a:xfrm>
-                        <a:off x="152400" y="1524000"/>
-                        <a:ext cx="4543425" cy="949325"/>
-                      </a:xfrm>
-                      <a:prstGeom prst="rect">
-                        <a:avLst/>
-                      </a:prstGeom>
-                    </p:spPr>
-                  </p:pic>
-                </p:oleObj>
-              </mc:Fallback>
-            </mc:AlternateContent>
-          </a:graphicData>
-        </a:graphic>
-      </p:graphicFrame>
-      <p:graphicFrame>
-        <p:nvGraphicFramePr>
-          <p:cNvPr id="10" name="Object 9"/>
-          <p:cNvGraphicFramePr>
-            <a:graphicFrameLocks noChangeAspect="1"/>
-          </p:cNvGraphicFramePr>
-          <p:nvPr>
-            <p:extLst>
-              <p:ext uri="{D42A27DB-BD31-4B8C-83A1-F6EECF244321}">
-                <p14:modId xmlns:p14="http://schemas.microsoft.com/office/powerpoint/2010/main" val="2737456714"/>
-              </p:ext>
-            </p:extLst>
-          </p:nvPr>
-        </p:nvGraphicFramePr>
-        <p:xfrm>
-          <a:off x="1781175" y="3025775"/>
-          <a:ext cx="6311900" cy="2009775"/>
-        </p:xfrm>
-        <a:graphic>
-          <a:graphicData uri="http://schemas.openxmlformats.org/presentationml/2006/ole">
-            <mc:AlternateContent xmlns:mc="http://schemas.openxmlformats.org/markup-compatibility/2006">
-              <mc:Choice xmlns:v="urn:schemas-microsoft-com:vml" Requires="v">
-                <p:oleObj spid="_x0000_s138309" name="Equation" r:id="rId6" imgW="1473200" imgH="469900" progId="Equation.DSMT4">
-                  <p:embed/>
-                </p:oleObj>
-              </mc:Choice>
-              <mc:Fallback>
-                <p:oleObj name="Equation" r:id="rId6" imgW="1473200" imgH="469900" progId="Equation.DSMT4">
-                  <p:embed/>
-                  <p:pic>
-                    <p:nvPicPr>
-                      <p:cNvPr id="0" name=""/>
-                      <p:cNvPicPr/>
-                      <p:nvPr/>
-                    </p:nvPicPr>
-                    <p:blipFill>
-                      <a:blip r:embed="rId7"/>
-                      <a:stretch>
-                        <a:fillRect/>
-                      </a:stretch>
-                    </p:blipFill>
-                    <p:spPr>
-                      <a:xfrm>
-                        <a:off x="1781175" y="3025775"/>
-                        <a:ext cx="6311900" cy="2009775"/>
-                      </a:xfrm>
-                      <a:prstGeom prst="rect">
-                        <a:avLst/>
-                      </a:prstGeom>
-                    </p:spPr>
-                  </p:pic>
-                </p:oleObj>
-              </mc:Fallback>
-            </mc:AlternateContent>
-          </a:graphicData>
-        </a:graphic>
-      </p:graphicFrame>
-      <p:graphicFrame>
-        <p:nvGraphicFramePr>
           <p:cNvPr id="2" name="Object 1"/>
           <p:cNvGraphicFramePr>
             <a:graphicFrameLocks noChangeAspect="1"/>
@@ -13640,12 +12961,12 @@
           <a:graphicData uri="http://schemas.openxmlformats.org/presentationml/2006/ole">
             <mc:AlternateContent xmlns:mc="http://schemas.openxmlformats.org/markup-compatibility/2006">
               <mc:Choice xmlns:v="urn:schemas-microsoft-com:vml" Requires="v">
-                <p:oleObj spid="_x0000_s138310" name="Equation" r:id="rId8" imgW="139700" imgH="215900" progId="Equation.DSMT4">
+                <p:oleObj spid="_x0000_s138324" name="Equation" r:id="rId4" imgW="139700" imgH="215900" progId="Equation.DSMT4">
                   <p:embed/>
                 </p:oleObj>
               </mc:Choice>
               <mc:Fallback>
-                <p:oleObj name="Equation" r:id="rId8" imgW="139700" imgH="215900" progId="Equation.DSMT4">
+                <p:oleObj name="Equation" r:id="rId4" imgW="139700" imgH="215900" progId="Equation.DSMT4">
                   <p:embed/>
                   <p:pic>
                     <p:nvPicPr>
@@ -13654,7 +12975,7 @@
                       <p:nvPr/>
                     </p:nvPicPr>
                     <p:blipFill>
-                      <a:blip r:embed="rId9"/>
+                      <a:blip r:embed="rId5"/>
                       <a:stretch>
                         <a:fillRect/>
                       </a:stretch>
@@ -13697,12 +13018,12 @@
           <a:graphicData uri="http://schemas.openxmlformats.org/presentationml/2006/ole">
             <mc:AlternateContent xmlns:mc="http://schemas.openxmlformats.org/markup-compatibility/2006">
               <mc:Choice xmlns:v="urn:schemas-microsoft-com:vml" Requires="v">
-                <p:oleObj spid="_x0000_s138311" name="Equation" r:id="rId10" imgW="139700" imgH="215900" progId="Equation.DSMT4">
+                <p:oleObj spid="_x0000_s138325" name="Equation" r:id="rId6" imgW="139700" imgH="215900" progId="Equation.DSMT4">
                   <p:embed/>
                 </p:oleObj>
               </mc:Choice>
               <mc:Fallback>
-                <p:oleObj name="Equation" r:id="rId10" imgW="139700" imgH="215900" progId="Equation.DSMT4">
+                <p:oleObj name="Equation" r:id="rId6" imgW="139700" imgH="215900" progId="Equation.DSMT4">
                   <p:embed/>
                   <p:pic>
                     <p:nvPicPr>
@@ -13711,7 +13032,7 @@
                       <p:nvPr/>
                     </p:nvPicPr>
                     <p:blipFill>
-                      <a:blip r:embed="rId9"/>
+                      <a:blip r:embed="rId5"/>
                       <a:stretch>
                         <a:fillRect/>
                       </a:stretch>
@@ -13734,32 +13055,146 @@
       </p:graphicFrame>
       <p:graphicFrame>
         <p:nvGraphicFramePr>
-          <p:cNvPr id="11" name="Object 10"/>
+          <p:cNvPr id="12" name="Object 11"/>
           <p:cNvGraphicFramePr>
             <a:graphicFrameLocks noChangeAspect="1"/>
           </p:cNvGraphicFramePr>
           <p:nvPr>
             <p:extLst>
               <p:ext uri="{D42A27DB-BD31-4B8C-83A1-F6EECF244321}">
-                <p14:modId xmlns:p14="http://schemas.microsoft.com/office/powerpoint/2010/main" val="307852669"/>
+                <p14:modId xmlns:p14="http://schemas.microsoft.com/office/powerpoint/2010/main" val="1064966184"/>
               </p:ext>
             </p:extLst>
           </p:nvPr>
         </p:nvGraphicFramePr>
         <p:xfrm>
-          <a:off x="1514475" y="3395663"/>
+          <a:off x="3571875" y="2819400"/>
+          <a:ext cx="5114925" cy="2009775"/>
+        </p:xfrm>
+        <a:graphic>
+          <a:graphicData uri="http://schemas.openxmlformats.org/presentationml/2006/ole">
+            <mc:AlternateContent xmlns:mc="http://schemas.openxmlformats.org/markup-compatibility/2006">
+              <mc:Choice xmlns:v="urn:schemas-microsoft-com:vml" Requires="v">
+                <p:oleObj spid="_x0000_s138326" name="Equation" r:id="rId7" imgW="1193800" imgH="469900" progId="Equation.DSMT4">
+                  <p:embed/>
+                </p:oleObj>
+              </mc:Choice>
+              <mc:Fallback>
+                <p:oleObj name="Equation" r:id="rId7" imgW="1193800" imgH="469900" progId="Equation.DSMT4">
+                  <p:embed/>
+                  <p:pic>
+                    <p:nvPicPr>
+                      <p:cNvPr id="0" name=""/>
+                      <p:cNvPicPr/>
+                      <p:nvPr/>
+                    </p:nvPicPr>
+                    <p:blipFill>
+                      <a:blip r:embed="rId8"/>
+                      <a:stretch>
+                        <a:fillRect/>
+                      </a:stretch>
+                    </p:blipFill>
+                    <p:spPr>
+                      <a:xfrm>
+                        <a:off x="3571875" y="2819400"/>
+                        <a:ext cx="5114925" cy="2009775"/>
+                      </a:xfrm>
+                      <a:prstGeom prst="rect">
+                        <a:avLst/>
+                      </a:prstGeom>
+                    </p:spPr>
+                  </p:pic>
+                </p:oleObj>
+              </mc:Fallback>
+            </mc:AlternateContent>
+          </a:graphicData>
+        </a:graphic>
+      </p:graphicFrame>
+      <p:graphicFrame>
+        <p:nvGraphicFramePr>
+          <p:cNvPr id="14" name="Object 13"/>
+          <p:cNvGraphicFramePr>
+            <a:graphicFrameLocks noChangeAspect="1"/>
+          </p:cNvGraphicFramePr>
+          <p:nvPr>
+            <p:extLst>
+              <p:ext uri="{D42A27DB-BD31-4B8C-83A1-F6EECF244321}">
+                <p14:modId xmlns:p14="http://schemas.microsoft.com/office/powerpoint/2010/main" val="2995989625"/>
+              </p:ext>
+            </p:extLst>
+          </p:nvPr>
+        </p:nvGraphicFramePr>
+        <p:xfrm>
+          <a:off x="2133600" y="3200400"/>
           <a:ext cx="3819525" cy="3055937"/>
         </p:xfrm>
         <a:graphic>
           <a:graphicData uri="http://schemas.openxmlformats.org/presentationml/2006/ole">
             <mc:AlternateContent xmlns:mc="http://schemas.openxmlformats.org/markup-compatibility/2006">
               <mc:Choice xmlns:v="urn:schemas-microsoft-com:vml" Requires="v">
-                <p:oleObj spid="_x0000_s138312" name="Equation" r:id="rId11" imgW="571500" imgH="457200" progId="Equation.DSMT4">
+                <p:oleObj spid="_x0000_s138327" name="Equation" r:id="rId9" imgW="571500" imgH="457200" progId="Equation.DSMT4">
                   <p:embed/>
                 </p:oleObj>
               </mc:Choice>
               <mc:Fallback>
-                <p:oleObj name="Equation" r:id="rId11" imgW="571500" imgH="457200" progId="Equation.DSMT4">
+                <p:oleObj name="Equation" r:id="rId9" imgW="571500" imgH="457200" progId="Equation.DSMT4">
+                  <p:embed/>
+                  <p:pic>
+                    <p:nvPicPr>
+                      <p:cNvPr id="0" name=""/>
+                      <p:cNvPicPr/>
+                      <p:nvPr/>
+                    </p:nvPicPr>
+                    <p:blipFill>
+                      <a:blip r:embed="rId10"/>
+                      <a:stretch>
+                        <a:fillRect/>
+                      </a:stretch>
+                    </p:blipFill>
+                    <p:spPr>
+                      <a:xfrm>
+                        <a:off x="2133600" y="3200400"/>
+                        <a:ext cx="3819525" cy="3055937"/>
+                      </a:xfrm>
+                      <a:prstGeom prst="rect">
+                        <a:avLst/>
+                      </a:prstGeom>
+                    </p:spPr>
+                  </p:pic>
+                </p:oleObj>
+              </mc:Fallback>
+            </mc:AlternateContent>
+          </a:graphicData>
+        </a:graphic>
+      </p:graphicFrame>
+      <p:graphicFrame>
+        <p:nvGraphicFramePr>
+          <p:cNvPr id="15" name="Object 14"/>
+          <p:cNvGraphicFramePr>
+            <a:graphicFrameLocks noChangeAspect="1"/>
+          </p:cNvGraphicFramePr>
+          <p:nvPr>
+            <p:extLst>
+              <p:ext uri="{D42A27DB-BD31-4B8C-83A1-F6EECF244321}">
+                <p14:modId xmlns:p14="http://schemas.microsoft.com/office/powerpoint/2010/main" val="3437548258"/>
+              </p:ext>
+            </p:extLst>
+          </p:nvPr>
+        </p:nvGraphicFramePr>
+        <p:xfrm>
+          <a:off x="152400" y="1524000"/>
+          <a:ext cx="5178425" cy="949325"/>
+        </p:xfrm>
+        <a:graphic>
+          <a:graphicData uri="http://schemas.openxmlformats.org/presentationml/2006/ole">
+            <mc:AlternateContent xmlns:mc="http://schemas.openxmlformats.org/markup-compatibility/2006">
+              <mc:Choice xmlns:v="urn:schemas-microsoft-com:vml" Requires="v">
+                <p:oleObj spid="_x0000_s138328" name="Equation" r:id="rId11" imgW="1244600" imgH="228600" progId="Equation.DSMT4">
+                  <p:embed/>
+                </p:oleObj>
+              </mc:Choice>
+              <mc:Fallback>
+                <p:oleObj name="Equation" r:id="rId11" imgW="1244600" imgH="228600" progId="Equation.DSMT4">
                   <p:embed/>
                   <p:pic>
                     <p:nvPicPr>
@@ -13775,8 +13210,8 @@
                     </p:blipFill>
                     <p:spPr>
                       <a:xfrm>
-                        <a:off x="1514475" y="3395663"/>
-                        <a:ext cx="3819525" cy="3055937"/>
+                        <a:off x="152400" y="1524000"/>
+                        <a:ext cx="5178425" cy="949325"/>
                       </a:xfrm>
                       <a:prstGeom prst="rect">
                         <a:avLst/>
@@ -14084,7 +13519,15 @@
                   <a:schemeClr val="tx1"/>
                 </a:solidFill>
               </a:rPr>
-              <a:t>99% accurate TB testing</a:t>
+              <a:t>98% </a:t>
+            </a:r>
+            <a:r>
+              <a:rPr lang="en-US" sz="4000" dirty="0" smtClean="0">
+                <a:solidFill>
+                  <a:schemeClr val="tx1"/>
+                </a:solidFill>
+              </a:rPr>
+              <a:t>accurate TB testing</a:t>
             </a:r>
           </a:p>
         </p:txBody>
@@ -14122,7 +13565,7 @@
 </file>
 
 <file path=ppt/slides/slide30.xml><?xml version="1.0" encoding="utf-8"?>
-<p:sld xmlns:a="http://schemas.openxmlformats.org/drawingml/2006/main" xmlns:r="http://schemas.openxmlformats.org/officeDocument/2006/relationships" xmlns:p="http://schemas.openxmlformats.org/presentationml/2006/main">
+<p:sld xmlns:a="http://schemas.openxmlformats.org/drawingml/2006/main" xmlns:r="http://schemas.openxmlformats.org/officeDocument/2006/relationships" xmlns:p="http://schemas.openxmlformats.org/presentationml/2006/main" show="0">
   <p:cSld>
     <p:spTree>
       <p:nvGrpSpPr>
@@ -14138,47 +13581,6 @@
           <a:chExt cx="0" cy="0"/>
         </a:xfrm>
       </p:grpSpPr>
-      <p:sp>
-        <p:nvSpPr>
-          <p:cNvPr id="30726" name="Rectangle 4"/>
-          <p:cNvSpPr>
-            <a:spLocks noGrp="1" noChangeArrowheads="1"/>
-          </p:cNvSpPr>
-          <p:nvPr>
-            <p:ph type="title"/>
-          </p:nvPr>
-        </p:nvSpPr>
-        <p:spPr>
-          <a:xfrm>
-            <a:off x="1239780" y="228600"/>
-            <a:ext cx="7678258" cy="939508"/>
-          </a:xfrm>
-          <a:noFill/>
-        </p:spPr>
-        <p:txBody>
-          <a:bodyPr/>
-          <a:lstStyle/>
-          <a:p>
-            <a:pPr eaLnBrk="1" hangingPunct="1"/>
-            <a:r>
-              <a:rPr lang="en-US" sz="4000" dirty="0">
-                <a:solidFill>
-                  <a:schemeClr val="tx1"/>
-                </a:solidFill>
-              </a:rPr>
-              <a:t>11,000 TB cases </a:t>
-            </a:r>
-            <a:r>
-              <a:rPr lang="en-US" sz="4000" dirty="0" smtClean="0">
-                <a:solidFill>
-                  <a:schemeClr val="tx1"/>
-                </a:solidFill>
-              </a:rPr>
-              <a:t>reported</a:t>
-            </a:r>
-          </a:p>
-        </p:txBody>
-      </p:sp>
       <p:cxnSp>
         <p:nvCxnSpPr>
           <p:cNvPr id="30727" name="AutoShape 21"/>
@@ -14332,6 +13734,565 @@
       </p:sp>
       <p:sp>
         <p:nvSpPr>
+          <p:cNvPr id="13" name="Rectangle 4"/>
+          <p:cNvSpPr>
+            <a:spLocks noGrp="1" noChangeArrowheads="1"/>
+          </p:cNvSpPr>
+          <p:nvPr>
+            <p:ph type="title"/>
+          </p:nvPr>
+        </p:nvSpPr>
+        <p:spPr>
+          <a:xfrm>
+            <a:off x="1295400" y="228600"/>
+            <a:ext cx="6553200" cy="838200"/>
+          </a:xfrm>
+          <a:noFill/>
+        </p:spPr>
+        <p:txBody>
+          <a:bodyPr/>
+          <a:lstStyle/>
+          <a:p>
+            <a:pPr eaLnBrk="1" hangingPunct="1"/>
+            <a:r>
+              <a:rPr lang="en-US" sz="4800" dirty="0" smtClean="0">
+                <a:solidFill>
+                  <a:schemeClr val="tx1"/>
+                </a:solidFill>
+              </a:rPr>
+              <a:t>Do you have TB?</a:t>
+            </a:r>
+          </a:p>
+        </p:txBody>
+      </p:sp>
+      <p:graphicFrame>
+        <p:nvGraphicFramePr>
+          <p:cNvPr id="9" name="Object 8"/>
+          <p:cNvGraphicFramePr>
+            <a:graphicFrameLocks noChangeAspect="1"/>
+          </p:cNvGraphicFramePr>
+          <p:nvPr>
+            <p:extLst>
+              <p:ext uri="{D42A27DB-BD31-4B8C-83A1-F6EECF244321}">
+                <p14:modId xmlns:p14="http://schemas.microsoft.com/office/powerpoint/2010/main" val="2234196167"/>
+              </p:ext>
+            </p:extLst>
+          </p:nvPr>
+        </p:nvGraphicFramePr>
+        <p:xfrm>
+          <a:off x="152400" y="1524000"/>
+          <a:ext cx="4543425" cy="949325"/>
+        </p:xfrm>
+        <a:graphic>
+          <a:graphicData uri="http://schemas.openxmlformats.org/presentationml/2006/ole">
+            <mc:AlternateContent xmlns:mc="http://schemas.openxmlformats.org/markup-compatibility/2006">
+              <mc:Choice xmlns:v="urn:schemas-microsoft-com:vml" Requires="v">
+                <p:oleObj spid="_x0000_s156678" name="Equation" r:id="rId4" imgW="1092200" imgH="228600" progId="Equation.DSMT4">
+                  <p:embed/>
+                </p:oleObj>
+              </mc:Choice>
+              <mc:Fallback>
+                <p:oleObj name="Equation" r:id="rId4" imgW="1092200" imgH="228600" progId="Equation.DSMT4">
+                  <p:embed/>
+                  <p:pic>
+                    <p:nvPicPr>
+                      <p:cNvPr id="0" name=""/>
+                      <p:cNvPicPr/>
+                      <p:nvPr/>
+                    </p:nvPicPr>
+                    <p:blipFill>
+                      <a:blip r:embed="rId5"/>
+                      <a:stretch>
+                        <a:fillRect/>
+                      </a:stretch>
+                    </p:blipFill>
+                    <p:spPr>
+                      <a:xfrm>
+                        <a:off x="152400" y="1524000"/>
+                        <a:ext cx="4543425" cy="949325"/>
+                      </a:xfrm>
+                      <a:prstGeom prst="rect">
+                        <a:avLst/>
+                      </a:prstGeom>
+                    </p:spPr>
+                  </p:pic>
+                </p:oleObj>
+              </mc:Fallback>
+            </mc:AlternateContent>
+          </a:graphicData>
+        </a:graphic>
+      </p:graphicFrame>
+      <p:graphicFrame>
+        <p:nvGraphicFramePr>
+          <p:cNvPr id="10" name="Object 9"/>
+          <p:cNvGraphicFramePr>
+            <a:graphicFrameLocks noChangeAspect="1"/>
+          </p:cNvGraphicFramePr>
+          <p:nvPr>
+            <p:extLst>
+              <p:ext uri="{D42A27DB-BD31-4B8C-83A1-F6EECF244321}">
+                <p14:modId xmlns:p14="http://schemas.microsoft.com/office/powerpoint/2010/main" val="2500964416"/>
+              </p:ext>
+            </p:extLst>
+          </p:nvPr>
+        </p:nvGraphicFramePr>
+        <p:xfrm>
+          <a:off x="1781175" y="3025775"/>
+          <a:ext cx="6311900" cy="2009775"/>
+        </p:xfrm>
+        <a:graphic>
+          <a:graphicData uri="http://schemas.openxmlformats.org/presentationml/2006/ole">
+            <mc:AlternateContent xmlns:mc="http://schemas.openxmlformats.org/markup-compatibility/2006">
+              <mc:Choice xmlns:v="urn:schemas-microsoft-com:vml" Requires="v">
+                <p:oleObj spid="_x0000_s156679" name="Equation" r:id="rId6" imgW="1473200" imgH="469900" progId="Equation.DSMT4">
+                  <p:embed/>
+                </p:oleObj>
+              </mc:Choice>
+              <mc:Fallback>
+                <p:oleObj name="Equation" r:id="rId6" imgW="1473200" imgH="469900" progId="Equation.DSMT4">
+                  <p:embed/>
+                  <p:pic>
+                    <p:nvPicPr>
+                      <p:cNvPr id="0" name=""/>
+                      <p:cNvPicPr/>
+                      <p:nvPr/>
+                    </p:nvPicPr>
+                    <p:blipFill>
+                      <a:blip r:embed="rId7"/>
+                      <a:stretch>
+                        <a:fillRect/>
+                      </a:stretch>
+                    </p:blipFill>
+                    <p:spPr>
+                      <a:xfrm>
+                        <a:off x="1781175" y="3025775"/>
+                        <a:ext cx="6311900" cy="2009775"/>
+                      </a:xfrm>
+                      <a:prstGeom prst="rect">
+                        <a:avLst/>
+                      </a:prstGeom>
+                    </p:spPr>
+                  </p:pic>
+                </p:oleObj>
+              </mc:Fallback>
+            </mc:AlternateContent>
+          </a:graphicData>
+        </a:graphic>
+      </p:graphicFrame>
+      <p:graphicFrame>
+        <p:nvGraphicFramePr>
+          <p:cNvPr id="2" name="Object 1"/>
+          <p:cNvGraphicFramePr>
+            <a:graphicFrameLocks noChangeAspect="1"/>
+          </p:cNvGraphicFramePr>
+          <p:nvPr>
+            <p:extLst>
+              <p:ext uri="{D42A27DB-BD31-4B8C-83A1-F6EECF244321}">
+                <p14:modId xmlns:p14="http://schemas.microsoft.com/office/powerpoint/2010/main" val="1728897014"/>
+              </p:ext>
+            </p:extLst>
+          </p:nvPr>
+        </p:nvGraphicFramePr>
+        <p:xfrm>
+          <a:off x="5600700" y="3454400"/>
+          <a:ext cx="139700" cy="215900"/>
+        </p:xfrm>
+        <a:graphic>
+          <a:graphicData uri="http://schemas.openxmlformats.org/presentationml/2006/ole">
+            <mc:AlternateContent xmlns:mc="http://schemas.openxmlformats.org/markup-compatibility/2006">
+              <mc:Choice xmlns:v="urn:schemas-microsoft-com:vml" Requires="v">
+                <p:oleObj spid="_x0000_s156680" name="Equation" r:id="rId8" imgW="139700" imgH="215900" progId="Equation.DSMT4">
+                  <p:embed/>
+                </p:oleObj>
+              </mc:Choice>
+              <mc:Fallback>
+                <p:oleObj name="Equation" r:id="rId8" imgW="139700" imgH="215900" progId="Equation.DSMT4">
+                  <p:embed/>
+                  <p:pic>
+                    <p:nvPicPr>
+                      <p:cNvPr id="0" name=""/>
+                      <p:cNvPicPr/>
+                      <p:nvPr/>
+                    </p:nvPicPr>
+                    <p:blipFill>
+                      <a:blip r:embed="rId9"/>
+                      <a:stretch>
+                        <a:fillRect/>
+                      </a:stretch>
+                    </p:blipFill>
+                    <p:spPr>
+                      <a:xfrm>
+                        <a:off x="5600700" y="3454400"/>
+                        <a:ext cx="139700" cy="215900"/>
+                      </a:xfrm>
+                      <a:prstGeom prst="rect">
+                        <a:avLst/>
+                      </a:prstGeom>
+                    </p:spPr>
+                  </p:pic>
+                </p:oleObj>
+              </mc:Fallback>
+            </mc:AlternateContent>
+          </a:graphicData>
+        </a:graphic>
+      </p:graphicFrame>
+      <p:graphicFrame>
+        <p:nvGraphicFramePr>
+          <p:cNvPr id="3" name="Object 2"/>
+          <p:cNvGraphicFramePr>
+            <a:graphicFrameLocks noChangeAspect="1"/>
+          </p:cNvGraphicFramePr>
+          <p:nvPr>
+            <p:extLst>
+              <p:ext uri="{D42A27DB-BD31-4B8C-83A1-F6EECF244321}">
+                <p14:modId xmlns:p14="http://schemas.microsoft.com/office/powerpoint/2010/main" val="1359017129"/>
+              </p:ext>
+            </p:extLst>
+          </p:nvPr>
+        </p:nvGraphicFramePr>
+        <p:xfrm>
+          <a:off x="5600700" y="3454400"/>
+          <a:ext cx="139700" cy="215900"/>
+        </p:xfrm>
+        <a:graphic>
+          <a:graphicData uri="http://schemas.openxmlformats.org/presentationml/2006/ole">
+            <mc:AlternateContent xmlns:mc="http://schemas.openxmlformats.org/markup-compatibility/2006">
+              <mc:Choice xmlns:v="urn:schemas-microsoft-com:vml" Requires="v">
+                <p:oleObj spid="_x0000_s156681" name="Equation" r:id="rId10" imgW="139700" imgH="215900" progId="Equation.DSMT4">
+                  <p:embed/>
+                </p:oleObj>
+              </mc:Choice>
+              <mc:Fallback>
+                <p:oleObj name="Equation" r:id="rId10" imgW="139700" imgH="215900" progId="Equation.DSMT4">
+                  <p:embed/>
+                  <p:pic>
+                    <p:nvPicPr>
+                      <p:cNvPr id="0" name=""/>
+                      <p:cNvPicPr/>
+                      <p:nvPr/>
+                    </p:nvPicPr>
+                    <p:blipFill>
+                      <a:blip r:embed="rId9"/>
+                      <a:stretch>
+                        <a:fillRect/>
+                      </a:stretch>
+                    </p:blipFill>
+                    <p:spPr>
+                      <a:xfrm>
+                        <a:off x="5600700" y="3454400"/>
+                        <a:ext cx="139700" cy="215900"/>
+                      </a:xfrm>
+                      <a:prstGeom prst="rect">
+                        <a:avLst/>
+                      </a:prstGeom>
+                    </p:spPr>
+                  </p:pic>
+                </p:oleObj>
+              </mc:Fallback>
+            </mc:AlternateContent>
+          </a:graphicData>
+        </a:graphic>
+      </p:graphicFrame>
+      <p:graphicFrame>
+        <p:nvGraphicFramePr>
+          <p:cNvPr id="11" name="Object 10"/>
+          <p:cNvGraphicFramePr>
+            <a:graphicFrameLocks noChangeAspect="1"/>
+          </p:cNvGraphicFramePr>
+          <p:nvPr>
+            <p:extLst>
+              <p:ext uri="{D42A27DB-BD31-4B8C-83A1-F6EECF244321}">
+                <p14:modId xmlns:p14="http://schemas.microsoft.com/office/powerpoint/2010/main" val="3909405680"/>
+              </p:ext>
+            </p:extLst>
+          </p:nvPr>
+        </p:nvGraphicFramePr>
+        <p:xfrm>
+          <a:off x="1514475" y="3395663"/>
+          <a:ext cx="3819525" cy="3055937"/>
+        </p:xfrm>
+        <a:graphic>
+          <a:graphicData uri="http://schemas.openxmlformats.org/presentationml/2006/ole">
+            <mc:AlternateContent xmlns:mc="http://schemas.openxmlformats.org/markup-compatibility/2006">
+              <mc:Choice xmlns:v="urn:schemas-microsoft-com:vml" Requires="v">
+                <p:oleObj spid="_x0000_s156682" name="Equation" r:id="rId11" imgW="571500" imgH="457200" progId="Equation.DSMT4">
+                  <p:embed/>
+                </p:oleObj>
+              </mc:Choice>
+              <mc:Fallback>
+                <p:oleObj name="Equation" r:id="rId11" imgW="571500" imgH="457200" progId="Equation.DSMT4">
+                  <p:embed/>
+                  <p:pic>
+                    <p:nvPicPr>
+                      <p:cNvPr id="0" name=""/>
+                      <p:cNvPicPr/>
+                      <p:nvPr/>
+                    </p:nvPicPr>
+                    <p:blipFill>
+                      <a:blip r:embed="rId12"/>
+                      <a:stretch>
+                        <a:fillRect/>
+                      </a:stretch>
+                    </p:blipFill>
+                    <p:spPr>
+                      <a:xfrm>
+                        <a:off x="1514475" y="3395663"/>
+                        <a:ext cx="3819525" cy="3055937"/>
+                      </a:xfrm>
+                      <a:prstGeom prst="rect">
+                        <a:avLst/>
+                      </a:prstGeom>
+                    </p:spPr>
+                  </p:pic>
+                </p:oleObj>
+              </mc:Fallback>
+            </mc:AlternateContent>
+          </a:graphicData>
+        </a:graphic>
+      </p:graphicFrame>
+    </p:spTree>
+    <p:extLst>
+      <p:ext uri="{BB962C8B-B14F-4D97-AF65-F5344CB8AC3E}">
+        <p14:creationId xmlns:p14="http://schemas.microsoft.com/office/powerpoint/2010/main" val="2233435012"/>
+      </p:ext>
+    </p:extLst>
+  </p:cSld>
+  <p:clrMapOvr>
+    <a:masterClrMapping/>
+  </p:clrMapOvr>
+  <mc:AlternateContent xmlns:mc="http://schemas.openxmlformats.org/markup-compatibility/2006">
+    <mc:Choice xmlns:p14="http://schemas.microsoft.com/office/powerpoint/2010/main" Requires="p14">
+      <p:transition spd="med" p14:dur="700" advClick="0">
+        <p:fade/>
+      </p:transition>
+    </mc:Choice>
+    <mc:Fallback>
+      <p:transition xmlns:p14="http://schemas.microsoft.com/office/powerpoint/2010/main" spd="med" advClick="0">
+        <p:fade/>
+      </p:transition>
+    </mc:Fallback>
+  </mc:AlternateContent>
+  <p:timing>
+    <p:tnLst>
+      <p:par>
+        <p:cTn xmlns:p14="http://schemas.microsoft.com/office/powerpoint/2010/main" id="1" dur="indefinite" restart="never" nodeType="tmRoot"/>
+      </p:par>
+    </p:tnLst>
+  </p:timing>
+</p:sld>
+</file>
+
+<file path=ppt/slides/slide31.xml><?xml version="1.0" encoding="utf-8"?>
+<p:sld xmlns:a="http://schemas.openxmlformats.org/drawingml/2006/main" xmlns:r="http://schemas.openxmlformats.org/officeDocument/2006/relationships" xmlns:p="http://schemas.openxmlformats.org/presentationml/2006/main">
+  <p:cSld>
+    <p:spTree>
+      <p:nvGrpSpPr>
+        <p:cNvPr id="1" name=""/>
+        <p:cNvGrpSpPr/>
+        <p:nvPr/>
+      </p:nvGrpSpPr>
+      <p:grpSpPr>
+        <a:xfrm>
+          <a:off x="0" y="0"/>
+          <a:ext cx="0" cy="0"/>
+          <a:chOff x="0" y="0"/>
+          <a:chExt cx="0" cy="0"/>
+        </a:xfrm>
+      </p:grpSpPr>
+      <p:sp>
+        <p:nvSpPr>
+          <p:cNvPr id="30726" name="Rectangle 4"/>
+          <p:cNvSpPr>
+            <a:spLocks noGrp="1" noChangeArrowheads="1"/>
+          </p:cNvSpPr>
+          <p:nvPr>
+            <p:ph type="title"/>
+          </p:nvPr>
+        </p:nvSpPr>
+        <p:spPr>
+          <a:xfrm>
+            <a:off x="1239780" y="228600"/>
+            <a:ext cx="7678258" cy="939508"/>
+          </a:xfrm>
+          <a:noFill/>
+        </p:spPr>
+        <p:txBody>
+          <a:bodyPr/>
+          <a:lstStyle/>
+          <a:p>
+            <a:pPr eaLnBrk="1" hangingPunct="1"/>
+            <a:r>
+              <a:rPr lang="en-US" sz="4000" dirty="0">
+                <a:solidFill>
+                  <a:schemeClr val="tx1"/>
+                </a:solidFill>
+              </a:rPr>
+              <a:t>11,000 TB cases </a:t>
+            </a:r>
+            <a:r>
+              <a:rPr lang="en-US" sz="4000" dirty="0" smtClean="0">
+                <a:solidFill>
+                  <a:schemeClr val="tx1"/>
+                </a:solidFill>
+              </a:rPr>
+              <a:t>reported</a:t>
+            </a:r>
+          </a:p>
+        </p:txBody>
+      </p:sp>
+      <p:cxnSp>
+        <p:nvCxnSpPr>
+          <p:cNvPr id="30727" name="AutoShape 21"/>
+          <p:cNvCxnSpPr>
+            <a:cxnSpLocks noChangeShapeType="1"/>
+          </p:cNvCxnSpPr>
+          <p:nvPr/>
+        </p:nvCxnSpPr>
+        <p:spPr bwMode="auto">
+          <a:xfrm>
+            <a:off x="1219200" y="3543300"/>
+            <a:ext cx="0" cy="0"/>
+          </a:xfrm>
+          <a:prstGeom prst="straightConnector1">
+            <a:avLst/>
+          </a:prstGeom>
+          <a:noFill/>
+          <a:ln w="9525">
+            <a:solidFill>
+              <a:schemeClr val="tx1"/>
+            </a:solidFill>
+            <a:round/>
+            <a:headEnd/>
+            <a:tailEnd/>
+          </a:ln>
+        </p:spPr>
+      </p:cxnSp>
+      <p:sp>
+        <p:nvSpPr>
+          <p:cNvPr id="39" name="Rectangle 4"/>
+          <p:cNvSpPr txBox="1">
+            <a:spLocks noChangeArrowheads="1"/>
+          </p:cNvSpPr>
+          <p:nvPr/>
+        </p:nvSpPr>
+        <p:spPr bwMode="auto">
+          <a:xfrm>
+            <a:off x="7696200" y="6629400"/>
+            <a:ext cx="1447800" cy="228600"/>
+          </a:xfrm>
+          <a:prstGeom prst="rect">
+            <a:avLst/>
+          </a:prstGeom>
+          <a:noFill/>
+          <a:ln w="9525">
+            <a:noFill/>
+            <a:miter lim="800000"/>
+            <a:headEnd/>
+            <a:tailEnd/>
+          </a:ln>
+          <a:effectLst/>
+        </p:spPr>
+        <p:txBody>
+          <a:bodyPr vert="horz" wrap="square" lIns="91440" tIns="45720" rIns="91440" bIns="45720" numCol="1" anchor="t" anchorCtr="0" compatLnSpc="1">
+            <a:prstTxWarp prst="textNoShape">
+              <a:avLst/>
+            </a:prstTxWarp>
+          </a:bodyPr>
+          <a:lstStyle>
+            <a:lvl1pPr algn="r">
+              <a:defRPr sz="1200" dirty="0" err="1" smtClean="0">
+                <a:latin typeface="+mn-lt"/>
+              </a:defRPr>
+            </a:lvl1pPr>
+          </a:lstStyle>
+          <a:p>
+            <a:pPr marL="0" marR="0" lvl="0" indent="0" algn="r" defTabSz="914400" rtl="0" eaLnBrk="1" fontAlgn="base" latinLnBrk="0" hangingPunct="1">
+              <a:lnSpc>
+                <a:spcPct val="100000"/>
+              </a:lnSpc>
+              <a:spcBef>
+                <a:spcPct val="0"/>
+              </a:spcBef>
+              <a:spcAft>
+                <a:spcPct val="0"/>
+              </a:spcAft>
+              <a:buClrTx/>
+              <a:buSzTx/>
+              <a:buFontTx/>
+              <a:buNone/>
+              <a:tabLst/>
+              <a:defRPr/>
+            </a:pPr>
+            <a:r>
+              <a:rPr kumimoji="0" lang="en-US" sz="1200" b="0" i="0" u="none" strike="noStrike" kern="1200" cap="none" spc="0" normalizeH="0" baseline="0" noProof="0" dirty="0" smtClean="0">
+                <a:ln>
+                  <a:noFill/>
+                </a:ln>
+                <a:solidFill>
+                  <a:schemeClr val="tx1"/>
+                </a:solidFill>
+                <a:effectLst/>
+                <a:uLnTx/>
+                <a:uFillTx/>
+                <a:latin typeface="+mn-lt"/>
+                <a:ea typeface="+mn-ea"/>
+                <a:cs typeface="+mn-cs"/>
+              </a:rPr>
+              <a:t>testing.</a:t>
+            </a:r>
+            <a:fld id="{B9A0B45D-6AFD-413C-B761-B121FB8BE940}" type="slidenum">
+              <a:rPr kumimoji="0" lang="en-US" sz="1200" b="0" i="0" u="none" strike="noStrike" kern="1200" cap="none" spc="0" normalizeH="0" baseline="0" noProof="0" smtClean="0">
+                <a:ln>
+                  <a:noFill/>
+                </a:ln>
+                <a:solidFill>
+                  <a:schemeClr val="tx1"/>
+                </a:solidFill>
+                <a:effectLst/>
+                <a:uLnTx/>
+                <a:uFillTx/>
+                <a:latin typeface="+mn-lt"/>
+                <a:ea typeface="+mn-ea"/>
+                <a:cs typeface="+mn-cs"/>
+              </a:rPr>
+              <a:pPr marL="0" marR="0" lvl="0" indent="0" algn="r" defTabSz="914400" rtl="0" eaLnBrk="1" fontAlgn="base" latinLnBrk="0" hangingPunct="1">
+                <a:lnSpc>
+                  <a:spcPct val="100000"/>
+                </a:lnSpc>
+                <a:spcBef>
+                  <a:spcPct val="0"/>
+                </a:spcBef>
+                <a:spcAft>
+                  <a:spcPct val="0"/>
+                </a:spcAft>
+                <a:buClrTx/>
+                <a:buSzTx/>
+                <a:buFontTx/>
+                <a:buNone/>
+                <a:tabLst/>
+                <a:defRPr/>
+              </a:pPr>
+              <a:t>31</a:t>
+            </a:fld>
+            <a:endParaRPr kumimoji="0" lang="en-US" sz="1200" b="0" i="0" u="none" strike="noStrike" kern="1200" cap="none" spc="0" normalizeH="0" baseline="0" noProof="0" dirty="0">
+              <a:ln>
+                <a:noFill/>
+              </a:ln>
+              <a:solidFill>
+                <a:schemeClr val="tx1"/>
+              </a:solidFill>
+              <a:effectLst/>
+              <a:uLnTx/>
+              <a:uFillTx/>
+              <a:latin typeface="+mn-lt"/>
+              <a:ea typeface="+mn-ea"/>
+              <a:cs typeface="+mn-cs"/>
+            </a:endParaRPr>
+          </a:p>
+        </p:txBody>
+      </p:sp>
+      <p:sp>
+        <p:nvSpPr>
           <p:cNvPr id="2" name="TextBox 1"/>
           <p:cNvSpPr txBox="1"/>
           <p:nvPr/>
@@ -14426,7 +14387,7 @@
           <a:graphicData uri="http://schemas.openxmlformats.org/presentationml/2006/ole">
             <mc:AlternateContent xmlns:mc="http://schemas.openxmlformats.org/markup-compatibility/2006">
               <mc:Choice xmlns:v="urn:schemas-microsoft-com:vml" Requires="v">
-                <p:oleObj spid="_x0000_s27692" name="Equation" r:id="rId4" imgW="1193800" imgH="495300" progId="Equation.DSMT4">
+                <p:oleObj spid="_x0000_s27696" name="Equation" r:id="rId4" imgW="1193800" imgH="495300" progId="Equation.DSMT4">
                   <p:embed/>
                 </p:oleObj>
               </mc:Choice>
@@ -14755,7 +14716,7 @@
 </p:sld>
 </file>
 
-<file path=ppt/slides/slide31.xml><?xml version="1.0" encoding="utf-8"?>
+<file path=ppt/slides/slide32.xml><?xml version="1.0" encoding="utf-8"?>
 <p:sld xmlns:a="http://schemas.openxmlformats.org/drawingml/2006/main" xmlns:r="http://schemas.openxmlformats.org/officeDocument/2006/relationships" xmlns:p="http://schemas.openxmlformats.org/presentationml/2006/main">
   <p:cSld>
     <p:spTree>
@@ -14945,7 +14906,7 @@
                 <a:tabLst/>
                 <a:defRPr/>
               </a:pPr>
-              <a:t>31</a:t>
+              <a:t>32</a:t>
             </a:fld>
             <a:endParaRPr kumimoji="0" lang="en-US" sz="1200" b="0" i="0" u="none" strike="noStrike" kern="1200" cap="none" spc="0" normalizeH="0" baseline="0" noProof="0" dirty="0">
               <a:ln>
@@ -15060,7 +15021,7 @@
           <a:graphicData uri="http://schemas.openxmlformats.org/presentationml/2006/ole">
             <mc:AlternateContent xmlns:mc="http://schemas.openxmlformats.org/markup-compatibility/2006">
               <mc:Choice xmlns:v="urn:schemas-microsoft-com:vml" Requires="v">
-                <p:oleObj spid="_x0000_s62504" name="Equation" r:id="rId4" imgW="1498600" imgH="215900" progId="Equation.DSMT4">
+                <p:oleObj spid="_x0000_s62508" name="Equation" r:id="rId4" imgW="1498600" imgH="215900" progId="Equation.DSMT4">
                   <p:embed/>
                 </p:oleObj>
               </mc:Choice>
@@ -15127,7 +15088,7 @@
 </p:sld>
 </file>
 
-<file path=ppt/slides/slide32.xml><?xml version="1.0" encoding="utf-8"?>
+<file path=ppt/slides/slide33.xml><?xml version="1.0" encoding="utf-8"?>
 <p:sld xmlns:a="http://schemas.openxmlformats.org/drawingml/2006/main" xmlns:r="http://schemas.openxmlformats.org/officeDocument/2006/relationships" xmlns:p="http://schemas.openxmlformats.org/presentationml/2006/main">
   <p:cSld>
     <p:spTree>
@@ -15276,7 +15237,7 @@
                 <a:tabLst/>
                 <a:defRPr/>
               </a:pPr>
-              <a:t>32</a:t>
+              <a:t>33</a:t>
             </a:fld>
             <a:endParaRPr kumimoji="0" lang="en-US" sz="1200" b="0" i="0" u="none" strike="noStrike" kern="1200" cap="none" spc="0" normalizeH="0" baseline="0" noProof="0" dirty="0">
               <a:ln>
@@ -15350,7 +15311,7 @@
           <a:graphicData uri="http://schemas.openxmlformats.org/presentationml/2006/ole">
             <mc:AlternateContent xmlns:mc="http://schemas.openxmlformats.org/markup-compatibility/2006">
               <mc:Choice xmlns:v="urn:schemas-microsoft-com:vml" Requires="v">
-                <p:oleObj spid="_x0000_s139283" name="Equation" r:id="rId4" imgW="1968500" imgH="469900" progId="Equation.DSMT4">
+                <p:oleObj spid="_x0000_s139287" name="Equation" r:id="rId4" imgW="1968500" imgH="469900" progId="Equation.DSMT4">
                   <p:embed/>
                 </p:oleObj>
               </mc:Choice>
@@ -15493,7 +15454,7 @@
 </p:sld>
 </file>
 
-<file path=ppt/slides/slide33.xml><?xml version="1.0" encoding="utf-8"?>
+<file path=ppt/slides/slide34.xml><?xml version="1.0" encoding="utf-8"?>
 <p:sld xmlns:a="http://schemas.openxmlformats.org/drawingml/2006/main" xmlns:r="http://schemas.openxmlformats.org/officeDocument/2006/relationships" xmlns:p="http://schemas.openxmlformats.org/presentationml/2006/main">
   <p:cSld>
     <p:spTree>
@@ -15642,7 +15603,7 @@
                 <a:tabLst/>
                 <a:defRPr/>
               </a:pPr>
-              <a:t>33</a:t>
+              <a:t>34</a:t>
             </a:fld>
             <a:endParaRPr kumimoji="0" lang="en-US" sz="1200" b="0" i="0" u="none" strike="noStrike" kern="1200" cap="none" spc="0" normalizeH="0" baseline="0" noProof="0" dirty="0">
               <a:ln>
@@ -15716,7 +15677,7 @@
           <a:graphicData uri="http://schemas.openxmlformats.org/presentationml/2006/ole">
             <mc:AlternateContent xmlns:mc="http://schemas.openxmlformats.org/markup-compatibility/2006">
               <mc:Choice xmlns:v="urn:schemas-microsoft-com:vml" Requires="v">
-                <p:oleObj spid="_x0000_s154636" name="Equation" r:id="rId4" imgW="1739900" imgH="228600" progId="Equation.DSMT4">
+                <p:oleObj spid="_x0000_s154643" name="Equation" r:id="rId4" imgW="1739900" imgH="228600" progId="Equation.DSMT4">
                   <p:embed/>
                 </p:oleObj>
               </mc:Choice>
@@ -15773,7 +15734,7 @@
           <a:graphicData uri="http://schemas.openxmlformats.org/presentationml/2006/ole">
             <mc:AlternateContent xmlns:mc="http://schemas.openxmlformats.org/markup-compatibility/2006">
               <mc:Choice xmlns:v="urn:schemas-microsoft-com:vml" Requires="v">
-                <p:oleObj spid="_x0000_s154637" name="Equation" r:id="rId6" imgW="1701800" imgH="228600" progId="Equation.DSMT4">
+                <p:oleObj spid="_x0000_s154644" name="Equation" r:id="rId6" imgW="1701800" imgH="228600" progId="Equation.DSMT4">
                   <p:embed/>
                 </p:oleObj>
               </mc:Choice>
@@ -15916,7 +15877,7 @@
 </p:sld>
 </file>
 
-<file path=ppt/slides/slide34.xml><?xml version="1.0" encoding="utf-8"?>
+<file path=ppt/slides/slide35.xml><?xml version="1.0" encoding="utf-8"?>
 <p:sld xmlns:a="http://schemas.openxmlformats.org/drawingml/2006/main" xmlns:r="http://schemas.openxmlformats.org/officeDocument/2006/relationships" xmlns:p="http://schemas.openxmlformats.org/presentationml/2006/main">
   <p:cSld>
     <p:spTree>
@@ -16065,7 +16026,7 @@
                 <a:tabLst/>
                 <a:defRPr/>
               </a:pPr>
-              <a:t>34</a:t>
+              <a:t>35</a:t>
             </a:fld>
             <a:endParaRPr kumimoji="0" lang="en-US" sz="1200" b="0" i="0" u="none" strike="noStrike" kern="1200" cap="none" spc="0" normalizeH="0" baseline="0" noProof="0" dirty="0">
               <a:ln>
@@ -16106,7 +16067,7 @@
           <a:graphicData uri="http://schemas.openxmlformats.org/presentationml/2006/ole">
             <mc:AlternateContent xmlns:mc="http://schemas.openxmlformats.org/markup-compatibility/2006">
               <mc:Choice xmlns:v="urn:schemas-microsoft-com:vml" Requires="v">
-                <p:oleObj spid="_x0000_s82974" name="Equation" r:id="rId4" imgW="1155700" imgH="469900" progId="Equation.DSMT4">
+                <p:oleObj spid="_x0000_s82978" name="Equation" r:id="rId4" imgW="1155700" imgH="469900" progId="Equation.DSMT4">
                   <p:embed/>
                 </p:oleObj>
               </mc:Choice>
@@ -16416,7 +16377,7 @@
 </p:sld>
 </file>
 
-<file path=ppt/slides/slide35.xml><?xml version="1.0" encoding="utf-8"?>
+<file path=ppt/slides/slide36.xml><?xml version="1.0" encoding="utf-8"?>
 <p:sld xmlns:a="http://schemas.openxmlformats.org/drawingml/2006/main" xmlns:r="http://schemas.openxmlformats.org/officeDocument/2006/relationships" xmlns:p="http://schemas.openxmlformats.org/presentationml/2006/main">
   <p:cSld>
     <p:spTree>
@@ -16504,17 +16465,7 @@
                 <a:latin typeface="Comic Sans MS"/>
                 <a:cs typeface="Comic Sans MS"/>
               </a:rPr>
-              <a:t>false </a:t>
-            </a:r>
-            <a:r>
-              <a:rPr lang="en-US" sz="5000" dirty="0" smtClean="0">
-                <a:solidFill>
-                  <a:srgbClr val="FF33CC"/>
-                </a:solidFill>
-                <a:latin typeface="Comic Sans MS"/>
-                <a:cs typeface="Comic Sans MS"/>
-              </a:rPr>
-              <a:t>positive rate </a:t>
+              <a:t>false positive rate </a:t>
             </a:r>
             <a:r>
               <a:rPr lang="en-US" sz="5000" dirty="0" smtClean="0">
@@ -16584,37 +16535,7 @@
                 <a:latin typeface="Comic Sans MS"/>
                 <a:cs typeface="Comic Sans MS"/>
               </a:rPr>
-              <a:t> probability</a:t>
-            </a:r>
-            <a:r>
-              <a:rPr lang="en-US" sz="5000" dirty="0" smtClean="0">
-                <a:solidFill>
-                  <a:srgbClr val="000000"/>
-                </a:solidFill>
-                <a:latin typeface="Comic Sans MS"/>
-                <a:cs typeface="Comic Sans MS"/>
-              </a:rPr>
-              <a:t> </a:t>
-            </a:r>
-            <a:r>
-              <a:rPr lang="en-US" sz="5000" dirty="0" smtClean="0">
-                <a:solidFill>
-                  <a:srgbClr val="000000"/>
-                </a:solidFill>
-                <a:latin typeface="Comic Sans MS"/>
-                <a:cs typeface="Comic Sans MS"/>
-              </a:rPr>
-              <a:t>of </a:t>
-            </a:r>
-            <a:r>
-              <a:rPr lang="en-US" sz="5000" dirty="0" smtClean="0">
-                <a:solidFill>
-                  <a:srgbClr val="000000"/>
-                </a:solidFill>
-                <a:latin typeface="Comic Sans MS"/>
-                <a:cs typeface="Comic Sans MS"/>
-              </a:rPr>
-              <a:t>TB</a:t>
+              <a:t> probability of TB</a:t>
             </a:r>
           </a:p>
           <a:p>
@@ -16954,2250 +16875,6 @@
 </p:sld>
 </file>
 
-<file path=ppt/slides/slide36.xml><?xml version="1.0" encoding="utf-8"?>
-<p:sld xmlns:a="http://schemas.openxmlformats.org/drawingml/2006/main" xmlns:r="http://schemas.openxmlformats.org/officeDocument/2006/relationships" xmlns:p="http://schemas.openxmlformats.org/presentationml/2006/main" show="0">
-  <p:cSld>
-    <p:spTree>
-      <p:nvGrpSpPr>
-        <p:cNvPr id="1" name=""/>
-        <p:cNvGrpSpPr/>
-        <p:nvPr/>
-      </p:nvGrpSpPr>
-      <p:grpSpPr>
-        <a:xfrm>
-          <a:off x="0" y="0"/>
-          <a:ext cx="0" cy="0"/>
-          <a:chOff x="0" y="0"/>
-          <a:chExt cx="0" cy="0"/>
-        </a:xfrm>
-      </p:grpSpPr>
-      <p:sp>
-        <p:nvSpPr>
-          <p:cNvPr id="30722" name="Slide Number Placeholder 3"/>
-          <p:cNvSpPr>
-            <a:spLocks noGrp="1"/>
-          </p:cNvSpPr>
-          <p:nvPr>
-            <p:ph type="sldNum" sz="quarter" idx="10"/>
-          </p:nvPr>
-        </p:nvSpPr>
-        <p:spPr/>
-        <p:txBody>
-          <a:bodyPr/>
-          <a:lstStyle/>
-          <a:p>
-            <a:pPr>
-              <a:defRPr/>
-            </a:pPr>
-            <a:r>
-              <a:rPr lang="en-US" dirty="0" smtClean="0"/>
-              <a:t>testing.</a:t>
-            </a:r>
-            <a:fld id="{96B5C7C7-3FC0-4B55-9934-A080551106BF}" type="slidenum">
-              <a:rPr lang="en-US" smtClean="0"/>
-              <a:pPr>
-                <a:defRPr/>
-              </a:pPr>
-              <a:t>36</a:t>
-            </a:fld>
-            <a:endParaRPr lang="en-US" dirty="0"/>
-          </a:p>
-        </p:txBody>
-      </p:sp>
-      <p:sp>
-        <p:nvSpPr>
-          <p:cNvPr id="34819" name="Rectangle 2"/>
-          <p:cNvSpPr>
-            <a:spLocks noGrp="1" noChangeArrowheads="1"/>
-          </p:cNvSpPr>
-          <p:nvPr>
-            <p:ph type="title"/>
-          </p:nvPr>
-        </p:nvSpPr>
-        <p:spPr>
-          <a:xfrm>
-            <a:off x="1219200" y="381000"/>
-            <a:ext cx="3352800" cy="762000"/>
-          </a:xfrm>
-        </p:spPr>
-        <p:txBody>
-          <a:bodyPr/>
-          <a:lstStyle/>
-          <a:p>
-            <a:pPr eaLnBrk="1" hangingPunct="1"/>
-            <a:r>
-              <a:rPr lang="en-US" dirty="0" smtClean="0">
-                <a:solidFill>
-                  <a:srgbClr val="0000FF"/>
-                </a:solidFill>
-              </a:rPr>
-              <a:t>Confidence</a:t>
-            </a:r>
-            <a:endParaRPr lang="en-US" dirty="0" smtClean="0"/>
-          </a:p>
-        </p:txBody>
-      </p:sp>
-      <p:sp>
-        <p:nvSpPr>
-          <p:cNvPr id="205827" name="Text Box 3"/>
-          <p:cNvSpPr txBox="1">
-            <a:spLocks noChangeArrowheads="1"/>
-          </p:cNvSpPr>
-          <p:nvPr/>
-        </p:nvSpPr>
-        <p:spPr bwMode="auto">
-          <a:xfrm>
-            <a:off x="76200" y="1447800"/>
-            <a:ext cx="8915400" cy="4247317"/>
-          </a:xfrm>
-          <a:prstGeom prst="rect">
-            <a:avLst/>
-          </a:prstGeom>
-          <a:noFill/>
-          <a:ln w="9525">
-            <a:noFill/>
-            <a:miter lim="800000"/>
-            <a:headEnd/>
-            <a:tailEnd/>
-          </a:ln>
-        </p:spPr>
-        <p:txBody>
-          <a:bodyPr wrap="square">
-            <a:spAutoFit/>
-          </a:bodyPr>
-          <a:lstStyle/>
-          <a:p>
-            <a:pPr lvl="1" algn="l"/>
-            <a:r>
-              <a:rPr lang="en-US" sz="5400" dirty="0" smtClean="0">
-                <a:latin typeface="Comic Sans MS" pitchFamily="66" charset="0"/>
-              </a:rPr>
-              <a:t>tempting to say:</a:t>
-            </a:r>
-          </a:p>
-          <a:p>
-            <a:pPr lvl="1" algn="l"/>
-            <a:r>
-              <a:rPr lang="en-US" sz="5400" dirty="0" smtClean="0">
-                <a:latin typeface="Comic Sans MS" pitchFamily="66" charset="0"/>
-              </a:rPr>
-              <a:t>“</a:t>
-            </a:r>
-            <a:r>
-              <a:rPr lang="en-US" sz="5400" dirty="0">
-                <a:latin typeface="Comic Sans MS" pitchFamily="66" charset="0"/>
-              </a:rPr>
-              <a:t>the </a:t>
-            </a:r>
-            <a:r>
-              <a:rPr lang="en-US" sz="5400" dirty="0" smtClean="0">
-                <a:solidFill>
-                  <a:srgbClr val="7030A0"/>
-                </a:solidFill>
-                <a:latin typeface="Comic Sans MS" pitchFamily="66" charset="0"/>
-              </a:rPr>
-              <a:t>probability</a:t>
-            </a:r>
-            <a:r>
-              <a:rPr lang="en-US" sz="5400" i="1" dirty="0" smtClean="0">
-                <a:latin typeface="Comic Sans MS" pitchFamily="66" charset="0"/>
-              </a:rPr>
-              <a:t> </a:t>
-            </a:r>
-            <a:r>
-              <a:rPr lang="en-US" sz="5400" dirty="0">
-                <a:latin typeface="Comic Sans MS" pitchFamily="66" charset="0"/>
-              </a:rPr>
-              <a:t>that</a:t>
-            </a:r>
-            <a:endParaRPr lang="en-US" sz="5400" dirty="0" smtClean="0">
-              <a:latin typeface="Comic Sans MS" pitchFamily="66" charset="0"/>
-            </a:endParaRPr>
-          </a:p>
-          <a:p>
-            <a:pPr lvl="1"/>
-            <a:r>
-              <a:rPr lang="en-US" sz="5400" dirty="0" err="1" smtClean="0">
-                <a:solidFill>
-                  <a:srgbClr val="FF6600"/>
-                </a:solidFill>
-                <a:latin typeface="Comic Sans MS" pitchFamily="66" charset="0"/>
-              </a:rPr>
-              <a:t>c</a:t>
-            </a:r>
-            <a:r>
-              <a:rPr lang="en-US" sz="5400" dirty="0" smtClean="0">
-                <a:solidFill>
-                  <a:srgbClr val="0006FE"/>
-                </a:solidFill>
-                <a:latin typeface="Comic Sans MS" pitchFamily="66" charset="0"/>
-              </a:rPr>
-              <a:t> </a:t>
-            </a:r>
-            <a:r>
-              <a:rPr lang="en-US" sz="5400" b="1" dirty="0">
-                <a:solidFill>
-                  <a:schemeClr val="tx2"/>
-                </a:solidFill>
-                <a:latin typeface="Euclid Symbol" charset="2"/>
-                <a:cs typeface="Euclid Symbol" charset="2"/>
-              </a:rPr>
-              <a:t>=</a:t>
-            </a:r>
-            <a:r>
-              <a:rPr lang="en-US" sz="5400" dirty="0" smtClean="0">
-                <a:solidFill>
-                  <a:srgbClr val="0006FE"/>
-                </a:solidFill>
-                <a:latin typeface="Comic Sans MS" pitchFamily="66" charset="0"/>
-              </a:rPr>
-              <a:t> 180 </a:t>
-            </a:r>
-            <a:r>
-              <a:rPr lang="en-US" sz="5400" dirty="0" smtClean="0">
-                <a:solidFill>
-                  <a:srgbClr val="0006FE"/>
-                </a:solidFill>
-                <a:latin typeface="Euclid Symbol" charset="2"/>
-                <a:cs typeface="Euclid Symbol" charset="2"/>
-              </a:rPr>
-              <a:t>±</a:t>
-            </a:r>
-            <a:r>
-              <a:rPr lang="en-US" sz="5400" dirty="0" smtClean="0">
-                <a:solidFill>
-                  <a:schemeClr val="accent2"/>
-                </a:solidFill>
-                <a:latin typeface="Comic Sans MS" pitchFamily="66" charset="0"/>
-              </a:rPr>
-              <a:t> </a:t>
-            </a:r>
-            <a:r>
-              <a:rPr lang="en-US" sz="5400" dirty="0" smtClean="0">
-                <a:solidFill>
-                  <a:srgbClr val="FF6600"/>
-                </a:solidFill>
-                <a:latin typeface="Comic Sans MS" pitchFamily="66" charset="0"/>
-              </a:rPr>
-              <a:t>20</a:t>
-            </a:r>
-          </a:p>
-          <a:p>
-            <a:pPr lvl="1" algn="l"/>
-            <a:r>
-              <a:rPr lang="en-US" sz="5400" dirty="0">
-                <a:latin typeface="Comic Sans MS" pitchFamily="66" charset="0"/>
-              </a:rPr>
-              <a:t>is at least </a:t>
-            </a:r>
-            <a:r>
-              <a:rPr lang="en-US" sz="5400" dirty="0" smtClean="0">
-                <a:solidFill>
-                  <a:srgbClr val="FF33CC"/>
-                </a:solidFill>
-                <a:latin typeface="Comic Sans MS" pitchFamily="66" charset="0"/>
-              </a:rPr>
-              <a:t>0.95</a:t>
-            </a:r>
-            <a:r>
-              <a:rPr lang="en-US" sz="5400" dirty="0" smtClean="0">
-                <a:latin typeface="Comic Sans MS" pitchFamily="66" charset="0"/>
-              </a:rPr>
-              <a:t>”</a:t>
-            </a:r>
-            <a:endParaRPr lang="en-US" sz="5400" dirty="0">
-              <a:latin typeface="Comic Sans MS" pitchFamily="66" charset="0"/>
-            </a:endParaRPr>
-          </a:p>
-          <a:p>
-            <a:pPr algn="l"/>
-            <a:r>
-              <a:rPr lang="en-US" sz="5400" dirty="0">
-                <a:solidFill>
-                  <a:srgbClr val="CC0000"/>
-                </a:solidFill>
-                <a:latin typeface="Comic Sans MS" pitchFamily="66" charset="0"/>
-              </a:rPr>
-              <a:t>--technically wrong!</a:t>
-            </a:r>
-          </a:p>
-        </p:txBody>
-      </p:sp>
-      <p:grpSp>
-        <p:nvGrpSpPr>
-          <p:cNvPr id="2" name="Group 4"/>
-          <p:cNvGrpSpPr>
-            <a:grpSpLocks/>
-          </p:cNvGrpSpPr>
-          <p:nvPr/>
-        </p:nvGrpSpPr>
-        <p:grpSpPr bwMode="auto">
-          <a:xfrm>
-            <a:off x="914400" y="2590800"/>
-            <a:ext cx="5791200" cy="1752600"/>
-            <a:chOff x="528" y="2304"/>
-            <a:chExt cx="4656" cy="384"/>
-          </a:xfrm>
-        </p:grpSpPr>
-        <p:sp>
-          <p:nvSpPr>
-            <p:cNvPr id="34824" name="Line 5"/>
-            <p:cNvSpPr>
-              <a:spLocks noChangeShapeType="1"/>
-            </p:cNvSpPr>
-            <p:nvPr/>
-          </p:nvSpPr>
-          <p:spPr bwMode="auto">
-            <a:xfrm>
-              <a:off x="528" y="2304"/>
-              <a:ext cx="4656" cy="384"/>
-            </a:xfrm>
-            <a:prstGeom prst="line">
-              <a:avLst/>
-            </a:prstGeom>
-            <a:noFill/>
-            <a:ln w="44450">
-              <a:solidFill>
-                <a:srgbClr val="CC0000"/>
-              </a:solidFill>
-              <a:prstDash val="dash"/>
-              <a:round/>
-              <a:headEnd/>
-              <a:tailEnd/>
-            </a:ln>
-          </p:spPr>
-          <p:txBody>
-            <a:bodyPr>
-              <a:spAutoFit/>
-            </a:bodyPr>
-            <a:lstStyle/>
-            <a:p>
-              <a:endParaRPr lang="en-US"/>
-            </a:p>
-          </p:txBody>
-        </p:sp>
-        <p:sp>
-          <p:nvSpPr>
-            <p:cNvPr id="34825" name="Line 6"/>
-            <p:cNvSpPr>
-              <a:spLocks noChangeShapeType="1"/>
-            </p:cNvSpPr>
-            <p:nvPr/>
-          </p:nvSpPr>
-          <p:spPr bwMode="auto">
-            <a:xfrm flipV="1">
-              <a:off x="528" y="2304"/>
-              <a:ext cx="4656" cy="384"/>
-            </a:xfrm>
-            <a:prstGeom prst="line">
-              <a:avLst/>
-            </a:prstGeom>
-            <a:noFill/>
-            <a:ln w="44450">
-              <a:solidFill>
-                <a:srgbClr val="CC0000"/>
-              </a:solidFill>
-              <a:prstDash val="dash"/>
-              <a:round/>
-              <a:headEnd/>
-              <a:tailEnd/>
-            </a:ln>
-          </p:spPr>
-          <p:txBody>
-            <a:bodyPr>
-              <a:spAutoFit/>
-            </a:bodyPr>
-            <a:lstStyle/>
-            <a:p>
-              <a:endParaRPr lang="en-US"/>
-            </a:p>
-          </p:txBody>
-        </p:sp>
-      </p:grpSp>
-      <p:pic>
-        <p:nvPicPr>
-          <p:cNvPr id="34822" name="Picture 7" descr="texpointerror"/>
-          <p:cNvPicPr>
-            <a:picLocks noChangeAspect="1" noChangeArrowheads="1"/>
-          </p:cNvPicPr>
-          <p:nvPr>
-            <p:custDataLst>
-              <p:tags r:id="rId1"/>
-            </p:custDataLst>
-          </p:nvPr>
-        </p:nvPicPr>
-        <p:blipFill>
-          <a:blip r:embed="rId4">
-            <a:clrChange>
-              <a:clrFrom>
-                <a:srgbClr val="FFFFFF"/>
-              </a:clrFrom>
-              <a:clrTo>
-                <a:srgbClr val="FFFFFF">
-                  <a:alpha val="0"/>
-                </a:srgbClr>
-              </a:clrTo>
-            </a:clrChange>
-          </a:blip>
-          <a:srcRect/>
-          <a:stretch>
-            <a:fillRect/>
-          </a:stretch>
-        </p:blipFill>
-        <p:spPr bwMode="auto">
-          <a:xfrm>
-            <a:off x="5080000" y="3810000"/>
-            <a:ext cx="1588" cy="1588"/>
-          </a:xfrm>
-          <a:prstGeom prst="rect">
-            <a:avLst/>
-          </a:prstGeom>
-          <a:noFill/>
-          <a:ln w="9525" algn="ctr">
-            <a:noFill/>
-            <a:miter lim="800000"/>
-            <a:headEnd/>
-            <a:tailEnd/>
-          </a:ln>
-        </p:spPr>
-      </p:pic>
-      <p:sp>
-        <p:nvSpPr>
-          <p:cNvPr id="205832" name="Text Box 8"/>
-          <p:cNvSpPr txBox="1">
-            <a:spLocks noChangeArrowheads="1"/>
-          </p:cNvSpPr>
-          <p:nvPr/>
-        </p:nvSpPr>
-        <p:spPr bwMode="auto">
-          <a:xfrm>
-            <a:off x="3886200" y="457200"/>
-            <a:ext cx="5486400" cy="646113"/>
-          </a:xfrm>
-          <a:prstGeom prst="rect">
-            <a:avLst/>
-          </a:prstGeom>
-          <a:noFill/>
-          <a:ln w="28575" algn="ctr">
-            <a:noFill/>
-            <a:miter lim="800000"/>
-            <a:headEnd/>
-            <a:tailEnd/>
-          </a:ln>
-        </p:spPr>
-        <p:txBody>
-          <a:bodyPr>
-            <a:spAutoFit/>
-          </a:bodyPr>
-          <a:lstStyle/>
-          <a:p>
-            <a:r>
-              <a:rPr lang="en-US" sz="3600" b="1" dirty="0" smtClean="0">
-                <a:solidFill>
-                  <a:schemeClr val="tx2"/>
-                </a:solidFill>
-                <a:latin typeface="Euclid Symbol" charset="2"/>
-                <a:cs typeface="Euclid Symbol" charset="2"/>
-                <a:sym typeface="Euclid Symbol" pitchFamily="18" charset="2"/>
-              </a:rPr>
-              <a:t>−</a:t>
-            </a:r>
-            <a:r>
-              <a:rPr lang="en-US" sz="3600" b="1" dirty="0" smtClean="0">
-                <a:solidFill>
-                  <a:srgbClr val="C80000"/>
-                </a:solidFill>
-                <a:latin typeface="Comic Sans MS" pitchFamily="66" charset="0"/>
-              </a:rPr>
-              <a:t>not</a:t>
-            </a:r>
-            <a:r>
-              <a:rPr lang="en-US" sz="3600" b="1" dirty="0" smtClean="0">
-                <a:solidFill>
-                  <a:schemeClr val="tx2"/>
-                </a:solidFill>
-                <a:latin typeface="Comic Sans MS" pitchFamily="66" charset="0"/>
-              </a:rPr>
-              <a:t> </a:t>
-            </a:r>
-            <a:r>
-              <a:rPr lang="en-US" sz="3600" b="1" dirty="0">
-                <a:solidFill>
-                  <a:schemeClr val="tx2"/>
-                </a:solidFill>
-                <a:latin typeface="Comic Sans MS" pitchFamily="66" charset="0"/>
-              </a:rPr>
-              <a:t>Probable Reality</a:t>
-            </a:r>
-          </a:p>
-        </p:txBody>
-      </p:sp>
-    </p:spTree>
-    <p:extLst>
-      <p:ext uri="{BB962C8B-B14F-4D97-AF65-F5344CB8AC3E}">
-        <p14:creationId xmlns:p14="http://schemas.microsoft.com/office/powerpoint/2010/main" val="2603867993"/>
-      </p:ext>
-    </p:extLst>
-  </p:cSld>
-  <p:clrMapOvr>
-    <a:masterClrMapping/>
-  </p:clrMapOvr>
-  <mc:AlternateContent xmlns:mc="http://schemas.openxmlformats.org/markup-compatibility/2006">
-    <mc:Choice xmlns:p14="http://schemas.microsoft.com/office/powerpoint/2010/main" Requires="p14">
-      <p:transition spd="slow" p14:dur="1200" advClick="0">
-        <p:fade thruBlk="1"/>
-      </p:transition>
-    </mc:Choice>
-    <mc:Fallback>
-      <p:transition xmlns:p14="http://schemas.microsoft.com/office/powerpoint/2010/main" spd="slow" advClick="0">
-        <p:fade thruBlk="1"/>
-      </p:transition>
-    </mc:Fallback>
-  </mc:AlternateContent>
-  <p:timing>
-    <p:tnLst>
-      <p:par>
-        <p:cTn xmlns:p14="http://schemas.microsoft.com/office/powerpoint/2010/main" id="1" dur="indefinite" restart="never" nodeType="tmRoot">
-          <p:childTnLst>
-            <p:seq concurrent="1" nextAc="seek">
-              <p:cTn id="2" dur="indefinite" nodeType="mainSeq">
-                <p:childTnLst>
-                  <p:par>
-                    <p:cTn id="3" fill="hold">
-                      <p:stCondLst>
-                        <p:cond delay="indefinite"/>
-                      </p:stCondLst>
-                      <p:childTnLst>
-                        <p:par>
-                          <p:cTn id="4" fill="hold">
-                            <p:stCondLst>
-                              <p:cond delay="0"/>
-                            </p:stCondLst>
-                            <p:childTnLst>
-                              <p:par>
-                                <p:cTn id="5" presetID="22" presetClass="entr" presetSubtype="1" fill="hold" nodeType="clickEffect">
-                                  <p:stCondLst>
-                                    <p:cond delay="0"/>
-                                  </p:stCondLst>
-                                  <p:childTnLst>
-                                    <p:set>
-                                      <p:cBhvr>
-                                        <p:cTn id="6" dur="1" fill="hold">
-                                          <p:stCondLst>
-                                            <p:cond delay="0"/>
-                                          </p:stCondLst>
-                                        </p:cTn>
-                                        <p:tgtEl>
-                                          <p:spTgt spid="205827">
-                                            <p:txEl>
-                                              <p:pRg st="1" end="1"/>
-                                            </p:txEl>
-                                          </p:spTgt>
-                                        </p:tgtEl>
-                                        <p:attrNameLst>
-                                          <p:attrName>style.visibility</p:attrName>
-                                        </p:attrNameLst>
-                                      </p:cBhvr>
-                                      <p:to>
-                                        <p:strVal val="visible"/>
-                                      </p:to>
-                                    </p:set>
-                                    <p:animEffect transition="in" filter="wipe(up)">
-                                      <p:cBhvr>
-                                        <p:cTn id="7" dur="500"/>
-                                        <p:tgtEl>
-                                          <p:spTgt spid="205827">
-                                            <p:txEl>
-                                              <p:pRg st="1" end="1"/>
-                                            </p:txEl>
-                                          </p:spTgt>
-                                        </p:tgtEl>
-                                      </p:cBhvr>
-                                    </p:animEffect>
-                                  </p:childTnLst>
-                                </p:cTn>
-                              </p:par>
-                            </p:childTnLst>
-                          </p:cTn>
-                        </p:par>
-                        <p:par>
-                          <p:cTn id="8" fill="hold">
-                            <p:stCondLst>
-                              <p:cond delay="500"/>
-                            </p:stCondLst>
-                            <p:childTnLst>
-                              <p:par>
-                                <p:cTn id="9" presetID="22" presetClass="entr" presetSubtype="1" fill="hold" nodeType="afterEffect">
-                                  <p:stCondLst>
-                                    <p:cond delay="0"/>
-                                  </p:stCondLst>
-                                  <p:childTnLst>
-                                    <p:set>
-                                      <p:cBhvr>
-                                        <p:cTn id="10" dur="1" fill="hold">
-                                          <p:stCondLst>
-                                            <p:cond delay="0"/>
-                                          </p:stCondLst>
-                                        </p:cTn>
-                                        <p:tgtEl>
-                                          <p:spTgt spid="205827">
-                                            <p:txEl>
-                                              <p:pRg st="2" end="2"/>
-                                            </p:txEl>
-                                          </p:spTgt>
-                                        </p:tgtEl>
-                                        <p:attrNameLst>
-                                          <p:attrName>style.visibility</p:attrName>
-                                        </p:attrNameLst>
-                                      </p:cBhvr>
-                                      <p:to>
-                                        <p:strVal val="visible"/>
-                                      </p:to>
-                                    </p:set>
-                                    <p:animEffect transition="in" filter="wipe(up)">
-                                      <p:cBhvr>
-                                        <p:cTn id="11" dur="500"/>
-                                        <p:tgtEl>
-                                          <p:spTgt spid="205827">
-                                            <p:txEl>
-                                              <p:pRg st="2" end="2"/>
-                                            </p:txEl>
-                                          </p:spTgt>
-                                        </p:tgtEl>
-                                      </p:cBhvr>
-                                    </p:animEffect>
-                                  </p:childTnLst>
-                                </p:cTn>
-                              </p:par>
-                            </p:childTnLst>
-                          </p:cTn>
-                        </p:par>
-                        <p:par>
-                          <p:cTn id="12" fill="hold">
-                            <p:stCondLst>
-                              <p:cond delay="1000"/>
-                            </p:stCondLst>
-                            <p:childTnLst>
-                              <p:par>
-                                <p:cTn id="13" presetID="22" presetClass="entr" presetSubtype="1" fill="hold" nodeType="afterEffect">
-                                  <p:stCondLst>
-                                    <p:cond delay="0"/>
-                                  </p:stCondLst>
-                                  <p:childTnLst>
-                                    <p:set>
-                                      <p:cBhvr>
-                                        <p:cTn id="14" dur="1" fill="hold">
-                                          <p:stCondLst>
-                                            <p:cond delay="0"/>
-                                          </p:stCondLst>
-                                        </p:cTn>
-                                        <p:tgtEl>
-                                          <p:spTgt spid="205827">
-                                            <p:txEl>
-                                              <p:pRg st="3" end="3"/>
-                                            </p:txEl>
-                                          </p:spTgt>
-                                        </p:tgtEl>
-                                        <p:attrNameLst>
-                                          <p:attrName>style.visibility</p:attrName>
-                                        </p:attrNameLst>
-                                      </p:cBhvr>
-                                      <p:to>
-                                        <p:strVal val="visible"/>
-                                      </p:to>
-                                    </p:set>
-                                    <p:animEffect transition="in" filter="wipe(up)">
-                                      <p:cBhvr>
-                                        <p:cTn id="15" dur="500"/>
-                                        <p:tgtEl>
-                                          <p:spTgt spid="205827">
-                                            <p:txEl>
-                                              <p:pRg st="3" end="3"/>
-                                            </p:txEl>
-                                          </p:spTgt>
-                                        </p:tgtEl>
-                                      </p:cBhvr>
-                                    </p:animEffect>
-                                  </p:childTnLst>
-                                </p:cTn>
-                              </p:par>
-                            </p:childTnLst>
-                          </p:cTn>
-                        </p:par>
-                      </p:childTnLst>
-                    </p:cTn>
-                  </p:par>
-                  <p:par>
-                    <p:cTn id="16" fill="hold">
-                      <p:stCondLst>
-                        <p:cond delay="indefinite"/>
-                      </p:stCondLst>
-                      <p:childTnLst>
-                        <p:par>
-                          <p:cTn id="17" fill="hold">
-                            <p:stCondLst>
-                              <p:cond delay="0"/>
-                            </p:stCondLst>
-                            <p:childTnLst>
-                              <p:par>
-                                <p:cTn id="18" presetID="23" presetClass="entr" presetSubtype="16" fill="hold" nodeType="clickEffect">
-                                  <p:stCondLst>
-                                    <p:cond delay="0"/>
-                                  </p:stCondLst>
-                                  <p:childTnLst>
-                                    <p:set>
-                                      <p:cBhvr>
-                                        <p:cTn id="19" dur="1" fill="hold">
-                                          <p:stCondLst>
-                                            <p:cond delay="0"/>
-                                          </p:stCondLst>
-                                        </p:cTn>
-                                        <p:tgtEl>
-                                          <p:spTgt spid="205827">
-                                            <p:txEl>
-                                              <p:pRg st="4" end="4"/>
-                                            </p:txEl>
-                                          </p:spTgt>
-                                        </p:tgtEl>
-                                        <p:attrNameLst>
-                                          <p:attrName>style.visibility</p:attrName>
-                                        </p:attrNameLst>
-                                      </p:cBhvr>
-                                      <p:to>
-                                        <p:strVal val="visible"/>
-                                      </p:to>
-                                    </p:set>
-                                    <p:anim calcmode="lin" valueType="num">
-                                      <p:cBhvr>
-                                        <p:cTn id="20" dur="500" fill="hold"/>
-                                        <p:tgtEl>
-                                          <p:spTgt spid="205827">
-                                            <p:txEl>
-                                              <p:pRg st="4" end="4"/>
-                                            </p:txEl>
-                                          </p:spTgt>
-                                        </p:tgtEl>
-                                        <p:attrNameLst>
-                                          <p:attrName>ppt_w</p:attrName>
-                                        </p:attrNameLst>
-                                      </p:cBhvr>
-                                      <p:tavLst>
-                                        <p:tav tm="0">
-                                          <p:val>
-                                            <p:fltVal val="0"/>
-                                          </p:val>
-                                        </p:tav>
-                                        <p:tav tm="100000">
-                                          <p:val>
-                                            <p:strVal val="#ppt_w"/>
-                                          </p:val>
-                                        </p:tav>
-                                      </p:tavLst>
-                                    </p:anim>
-                                    <p:anim calcmode="lin" valueType="num">
-                                      <p:cBhvr>
-                                        <p:cTn id="21" dur="500" fill="hold"/>
-                                        <p:tgtEl>
-                                          <p:spTgt spid="205827">
-                                            <p:txEl>
-                                              <p:pRg st="4" end="4"/>
-                                            </p:txEl>
-                                          </p:spTgt>
-                                        </p:tgtEl>
-                                        <p:attrNameLst>
-                                          <p:attrName>ppt_h</p:attrName>
-                                        </p:attrNameLst>
-                                      </p:cBhvr>
-                                      <p:tavLst>
-                                        <p:tav tm="0">
-                                          <p:val>
-                                            <p:fltVal val="0"/>
-                                          </p:val>
-                                        </p:tav>
-                                        <p:tav tm="100000">
-                                          <p:val>
-                                            <p:strVal val="#ppt_h"/>
-                                          </p:val>
-                                        </p:tav>
-                                      </p:tavLst>
-                                    </p:anim>
-                                  </p:childTnLst>
-                                </p:cTn>
-                              </p:par>
-                            </p:childTnLst>
-                          </p:cTn>
-                        </p:par>
-                        <p:par>
-                          <p:cTn id="22" fill="hold">
-                            <p:stCondLst>
-                              <p:cond delay="500"/>
-                            </p:stCondLst>
-                            <p:childTnLst>
-                              <p:par>
-                                <p:cTn id="23" presetID="15" presetClass="entr" presetSubtype="0" fill="hold" nodeType="afterEffect">
-                                  <p:stCondLst>
-                                    <p:cond delay="500"/>
-                                  </p:stCondLst>
-                                  <p:childTnLst>
-                                    <p:set>
-                                      <p:cBhvr>
-                                        <p:cTn id="24" dur="1" fill="hold">
-                                          <p:stCondLst>
-                                            <p:cond delay="0"/>
-                                          </p:stCondLst>
-                                        </p:cTn>
-                                        <p:tgtEl>
-                                          <p:spTgt spid="2"/>
-                                        </p:tgtEl>
-                                        <p:attrNameLst>
-                                          <p:attrName>style.visibility</p:attrName>
-                                        </p:attrNameLst>
-                                      </p:cBhvr>
-                                      <p:to>
-                                        <p:strVal val="visible"/>
-                                      </p:to>
-                                    </p:set>
-                                    <p:anim calcmode="lin" valueType="num">
-                                      <p:cBhvr>
-                                        <p:cTn id="25" dur="1000" fill="hold"/>
-                                        <p:tgtEl>
-                                          <p:spTgt spid="2"/>
-                                        </p:tgtEl>
-                                        <p:attrNameLst>
-                                          <p:attrName>ppt_w</p:attrName>
-                                        </p:attrNameLst>
-                                      </p:cBhvr>
-                                      <p:tavLst>
-                                        <p:tav tm="0">
-                                          <p:val>
-                                            <p:fltVal val="0"/>
-                                          </p:val>
-                                        </p:tav>
-                                        <p:tav tm="100000">
-                                          <p:val>
-                                            <p:strVal val="#ppt_w"/>
-                                          </p:val>
-                                        </p:tav>
-                                      </p:tavLst>
-                                    </p:anim>
-                                    <p:anim calcmode="lin" valueType="num">
-                                      <p:cBhvr>
-                                        <p:cTn id="26" dur="1000" fill="hold"/>
-                                        <p:tgtEl>
-                                          <p:spTgt spid="2"/>
-                                        </p:tgtEl>
-                                        <p:attrNameLst>
-                                          <p:attrName>ppt_h</p:attrName>
-                                        </p:attrNameLst>
-                                      </p:cBhvr>
-                                      <p:tavLst>
-                                        <p:tav tm="0">
-                                          <p:val>
-                                            <p:fltVal val="0"/>
-                                          </p:val>
-                                        </p:tav>
-                                        <p:tav tm="100000">
-                                          <p:val>
-                                            <p:strVal val="#ppt_h"/>
-                                          </p:val>
-                                        </p:tav>
-                                      </p:tavLst>
-                                    </p:anim>
-                                    <p:anim calcmode="lin" valueType="num">
-                                      <p:cBhvr>
-                                        <p:cTn id="27" dur="1000" fill="hold"/>
-                                        <p:tgtEl>
-                                          <p:spTgt spid="2"/>
-                                        </p:tgtEl>
-                                        <p:attrNameLst>
-                                          <p:attrName>ppt_x</p:attrName>
-                                        </p:attrNameLst>
-                                      </p:cBhvr>
-                                      <p:tavLst>
-                                        <p:tav tm="0" fmla="#ppt_x+(cos(-2*pi*(1-$))*-#ppt_x-sin(-2*pi*(1-$))*(1-#ppt_y))*(1-$)">
-                                          <p:val>
-                                            <p:fltVal val="0"/>
-                                          </p:val>
-                                        </p:tav>
-                                        <p:tav tm="100000">
-                                          <p:val>
-                                            <p:fltVal val="1"/>
-                                          </p:val>
-                                        </p:tav>
-                                      </p:tavLst>
-                                    </p:anim>
-                                    <p:anim calcmode="lin" valueType="num">
-                                      <p:cBhvr>
-                                        <p:cTn id="28" dur="1000" fill="hold"/>
-                                        <p:tgtEl>
-                                          <p:spTgt spid="2"/>
-                                        </p:tgtEl>
-                                        <p:attrNameLst>
-                                          <p:attrName>ppt_y</p:attrName>
-                                        </p:attrNameLst>
-                                      </p:cBhvr>
-                                      <p:tavLst>
-                                        <p:tav tm="0" fmla="#ppt_y+(sin(-2*pi*(1-$))*-#ppt_x+cos(-2*pi*(1-$))*(1-#ppt_y))*(1-$)">
-                                          <p:val>
-                                            <p:fltVal val="0"/>
-                                          </p:val>
-                                        </p:tav>
-                                        <p:tav tm="100000">
-                                          <p:val>
-                                            <p:fltVal val="1"/>
-                                          </p:val>
-                                        </p:tav>
-                                      </p:tavLst>
-                                    </p:anim>
-                                  </p:childTnLst>
-                                </p:cTn>
-                              </p:par>
-                            </p:childTnLst>
-                          </p:cTn>
-                        </p:par>
-                      </p:childTnLst>
-                    </p:cTn>
-                  </p:par>
-                  <p:par>
-                    <p:cTn id="29" fill="hold">
-                      <p:stCondLst>
-                        <p:cond delay="indefinite"/>
-                      </p:stCondLst>
-                      <p:childTnLst>
-                        <p:par>
-                          <p:cTn id="30" fill="hold">
-                            <p:stCondLst>
-                              <p:cond delay="0"/>
-                            </p:stCondLst>
-                            <p:childTnLst>
-                              <p:par>
-                                <p:cTn id="31" presetID="2" presetClass="entr" presetSubtype="2" fill="hold" grpId="0" nodeType="clickEffect">
-                                  <p:stCondLst>
-                                    <p:cond delay="0"/>
-                                  </p:stCondLst>
-                                  <p:childTnLst>
-                                    <p:set>
-                                      <p:cBhvr>
-                                        <p:cTn id="32" dur="1" fill="hold">
-                                          <p:stCondLst>
-                                            <p:cond delay="0"/>
-                                          </p:stCondLst>
-                                        </p:cTn>
-                                        <p:tgtEl>
-                                          <p:spTgt spid="205832"/>
-                                        </p:tgtEl>
-                                        <p:attrNameLst>
-                                          <p:attrName>style.visibility</p:attrName>
-                                        </p:attrNameLst>
-                                      </p:cBhvr>
-                                      <p:to>
-                                        <p:strVal val="visible"/>
-                                      </p:to>
-                                    </p:set>
-                                    <p:anim calcmode="lin" valueType="num">
-                                      <p:cBhvr additive="base">
-                                        <p:cTn id="33" dur="500" fill="hold"/>
-                                        <p:tgtEl>
-                                          <p:spTgt spid="205832"/>
-                                        </p:tgtEl>
-                                        <p:attrNameLst>
-                                          <p:attrName>ppt_x</p:attrName>
-                                        </p:attrNameLst>
-                                      </p:cBhvr>
-                                      <p:tavLst>
-                                        <p:tav tm="0">
-                                          <p:val>
-                                            <p:strVal val="1+#ppt_w/2"/>
-                                          </p:val>
-                                        </p:tav>
-                                        <p:tav tm="100000">
-                                          <p:val>
-                                            <p:strVal val="#ppt_x"/>
-                                          </p:val>
-                                        </p:tav>
-                                      </p:tavLst>
-                                    </p:anim>
-                                    <p:anim calcmode="lin" valueType="num">
-                                      <p:cBhvr additive="base">
-                                        <p:cTn id="34" dur="500" fill="hold"/>
-                                        <p:tgtEl>
-                                          <p:spTgt spid="205832"/>
-                                        </p:tgtEl>
-                                        <p:attrNameLst>
-                                          <p:attrName>ppt_y</p:attrName>
-                                        </p:attrNameLst>
-                                      </p:cBhvr>
-                                      <p:tavLst>
-                                        <p:tav tm="0">
-                                          <p:val>
-                                            <p:strVal val="#ppt_y"/>
-                                          </p:val>
-                                        </p:tav>
-                                        <p:tav tm="100000">
-                                          <p:val>
-                                            <p:strVal val="#ppt_y"/>
-                                          </p:val>
-                                        </p:tav>
-                                      </p:tavLst>
-                                    </p:anim>
-                                  </p:childTnLst>
-                                </p:cTn>
-                              </p:par>
-                            </p:childTnLst>
-                          </p:cTn>
-                        </p:par>
-                      </p:childTnLst>
-                    </p:cTn>
-                  </p:par>
-                </p:childTnLst>
-              </p:cTn>
-              <p:prevCondLst>
-                <p:cond evt="onPrev" delay="0">
-                  <p:tgtEl>
-                    <p:sldTgt/>
-                  </p:tgtEl>
-                </p:cond>
-              </p:prevCondLst>
-              <p:nextCondLst>
-                <p:cond evt="onNext" delay="0">
-                  <p:tgtEl>
-                    <p:sldTgt/>
-                  </p:tgtEl>
-                </p:cond>
-              </p:nextCondLst>
-            </p:seq>
-          </p:childTnLst>
-        </p:cTn>
-      </p:par>
-    </p:tnLst>
-    <p:bldLst>
-      <p:bldP spid="205832" grpId="0"/>
-    </p:bldLst>
-  </p:timing>
-</p:sld>
-</file>
-
-<file path=ppt/slides/slide37.xml><?xml version="1.0" encoding="utf-8"?>
-<p:sld xmlns:a="http://schemas.openxmlformats.org/drawingml/2006/main" xmlns:r="http://schemas.openxmlformats.org/officeDocument/2006/relationships" xmlns:p="http://schemas.openxmlformats.org/presentationml/2006/main" show="0">
-  <p:cSld>
-    <p:spTree>
-      <p:nvGrpSpPr>
-        <p:cNvPr id="1" name=""/>
-        <p:cNvGrpSpPr/>
-        <p:nvPr/>
-      </p:nvGrpSpPr>
-      <p:grpSpPr>
-        <a:xfrm>
-          <a:off x="0" y="0"/>
-          <a:ext cx="0" cy="0"/>
-          <a:chOff x="0" y="0"/>
-          <a:chExt cx="0" cy="0"/>
-        </a:xfrm>
-      </p:grpSpPr>
-      <p:sp>
-        <p:nvSpPr>
-          <p:cNvPr id="31746" name="Slide Number Placeholder 3"/>
-          <p:cNvSpPr>
-            <a:spLocks noGrp="1"/>
-          </p:cNvSpPr>
-          <p:nvPr>
-            <p:ph type="sldNum" sz="quarter" idx="10"/>
-          </p:nvPr>
-        </p:nvSpPr>
-        <p:spPr/>
-        <p:txBody>
-          <a:bodyPr/>
-          <a:lstStyle/>
-          <a:p>
-            <a:pPr>
-              <a:defRPr/>
-            </a:pPr>
-            <a:r>
-              <a:rPr lang="en-US" dirty="0" smtClean="0"/>
-              <a:t>testing.</a:t>
-            </a:r>
-            <a:fld id="{B6100CB1-975D-41F5-9A6C-8F34E133D00A}" type="slidenum">
-              <a:rPr lang="en-US" smtClean="0"/>
-              <a:pPr>
-                <a:defRPr/>
-              </a:pPr>
-              <a:t>37</a:t>
-            </a:fld>
-            <a:endParaRPr lang="en-US" dirty="0"/>
-          </a:p>
-        </p:txBody>
-      </p:sp>
-      <p:sp>
-        <p:nvSpPr>
-          <p:cNvPr id="34819" name="Rectangle 2"/>
-          <p:cNvSpPr>
-            <a:spLocks noGrp="1" noChangeArrowheads="1"/>
-          </p:cNvSpPr>
-          <p:nvPr>
-            <p:ph type="body" idx="1"/>
-          </p:nvPr>
-        </p:nvSpPr>
-        <p:spPr>
-          <a:xfrm>
-            <a:off x="152400" y="1371600"/>
-            <a:ext cx="8686800" cy="4038600"/>
-          </a:xfrm>
-        </p:spPr>
-        <p:txBody>
-          <a:bodyPr/>
-          <a:lstStyle/>
-          <a:p>
-            <a:pPr eaLnBrk="1" hangingPunct="1">
-              <a:spcBef>
-                <a:spcPct val="0"/>
-              </a:spcBef>
-            </a:pPr>
-            <a:r>
-              <a:rPr lang="en-US" sz="5400" dirty="0" smtClean="0">
-                <a:solidFill>
-                  <a:srgbClr val="FF4519"/>
-                </a:solidFill>
-              </a:rPr>
-              <a:t>c</a:t>
-            </a:r>
-            <a:r>
-              <a:rPr lang="en-US" sz="5400" dirty="0" smtClean="0">
-                <a:solidFill>
-                  <a:schemeClr val="accent2"/>
-                </a:solidFill>
-              </a:rPr>
-              <a:t> </a:t>
-            </a:r>
-            <a:r>
-              <a:rPr lang="en-US" sz="5400" dirty="0" smtClean="0"/>
-              <a:t>is the </a:t>
-            </a:r>
-            <a:r>
-              <a:rPr lang="en-US" sz="5400" dirty="0" smtClean="0">
-                <a:solidFill>
-                  <a:srgbClr val="800F6F"/>
-                </a:solidFill>
-              </a:rPr>
-              <a:t>actual</a:t>
-            </a:r>
-            <a:r>
-              <a:rPr lang="en-US" sz="5400" dirty="0" smtClean="0">
-                <a:solidFill>
-                  <a:srgbClr val="7030A0"/>
-                </a:solidFill>
-              </a:rPr>
-              <a:t> </a:t>
-            </a:r>
-            <a:r>
-              <a:rPr lang="en-US" sz="5400" dirty="0" smtClean="0"/>
-              <a:t>average in the river.</a:t>
-            </a:r>
-          </a:p>
-          <a:p>
-            <a:pPr eaLnBrk="1" hangingPunct="1"/>
-            <a:r>
-              <a:rPr lang="en-US" sz="6000" dirty="0" err="1" smtClean="0">
-                <a:solidFill>
-                  <a:srgbClr val="FF4519"/>
-                </a:solidFill>
-              </a:rPr>
-              <a:t>c</a:t>
-            </a:r>
-            <a:r>
-              <a:rPr lang="en-US" sz="6000" dirty="0" smtClean="0">
-                <a:solidFill>
-                  <a:schemeClr val="accent2"/>
-                </a:solidFill>
-              </a:rPr>
-              <a:t> </a:t>
-            </a:r>
-            <a:r>
-              <a:rPr lang="en-US" sz="6000" dirty="0" smtClean="0"/>
-              <a:t>is </a:t>
-            </a:r>
-            <a:r>
-              <a:rPr lang="en-US" sz="6000" dirty="0" smtClean="0">
-                <a:solidFill>
-                  <a:srgbClr val="FF33CC"/>
-                </a:solidFill>
-              </a:rPr>
-              <a:t>unknown</a:t>
-            </a:r>
-            <a:r>
-              <a:rPr lang="en-US" sz="6000" dirty="0" smtClean="0"/>
-              <a:t>,</a:t>
-            </a:r>
-          </a:p>
-          <a:p>
-            <a:pPr algn="ctr" eaLnBrk="1" hangingPunct="1"/>
-            <a:r>
-              <a:rPr lang="en-US" sz="5400" dirty="0" smtClean="0"/>
-              <a:t>but </a:t>
-            </a:r>
-            <a:r>
-              <a:rPr lang="en-US" sz="5400" dirty="0" smtClean="0">
-                <a:solidFill>
-                  <a:srgbClr val="C00000"/>
-                </a:solidFill>
-              </a:rPr>
-              <a:t>not</a:t>
-            </a:r>
-            <a:r>
-              <a:rPr lang="en-US" sz="5400" dirty="0" smtClean="0"/>
-              <a:t> a random variable!</a:t>
-            </a:r>
-          </a:p>
-        </p:txBody>
-      </p:sp>
-      <p:sp>
-        <p:nvSpPr>
-          <p:cNvPr id="6" name="Rectangle 3"/>
-          <p:cNvSpPr>
-            <a:spLocks noGrp="1" noChangeArrowheads="1"/>
-          </p:cNvSpPr>
-          <p:nvPr>
-            <p:ph type="title"/>
-          </p:nvPr>
-        </p:nvSpPr>
-        <p:spPr>
-          <a:xfrm>
-            <a:off x="1905000" y="228600"/>
-            <a:ext cx="5334000" cy="990600"/>
-          </a:xfrm>
-          <a:noFill/>
-        </p:spPr>
-        <p:txBody>
-          <a:bodyPr/>
-          <a:lstStyle/>
-          <a:p>
-            <a:pPr eaLnBrk="1" hangingPunct="1"/>
-            <a:r>
-              <a:rPr lang="en-US" sz="4800" dirty="0" smtClean="0">
-                <a:solidFill>
-                  <a:srgbClr val="0006FE"/>
-                </a:solidFill>
-              </a:rPr>
-              <a:t>Confidence</a:t>
-            </a:r>
-          </a:p>
-        </p:txBody>
-      </p:sp>
-    </p:spTree>
-    <p:extLst>
-      <p:ext uri="{BB962C8B-B14F-4D97-AF65-F5344CB8AC3E}">
-        <p14:creationId xmlns:p14="http://schemas.microsoft.com/office/powerpoint/2010/main" val="2688605003"/>
-      </p:ext>
-    </p:extLst>
-  </p:cSld>
-  <p:clrMapOvr>
-    <a:masterClrMapping/>
-  </p:clrMapOvr>
-  <p:transition xmlns:p14="http://schemas.microsoft.com/office/powerpoint/2010/main" spd="slow" advClick="0">
-    <p:fade/>
-  </p:transition>
-  <p:timing>
-    <p:tnLst>
-      <p:par>
-        <p:cTn xmlns:p14="http://schemas.microsoft.com/office/powerpoint/2010/main" id="1" dur="indefinite" restart="never" nodeType="tmRoot">
-          <p:childTnLst>
-            <p:seq concurrent="1" nextAc="seek">
-              <p:cTn id="2" dur="indefinite" nodeType="mainSeq">
-                <p:childTnLst>
-                  <p:par>
-                    <p:cTn id="3" fill="hold">
-                      <p:stCondLst>
-                        <p:cond delay="indefinite"/>
-                      </p:stCondLst>
-                      <p:childTnLst>
-                        <p:par>
-                          <p:cTn id="4" fill="hold">
-                            <p:stCondLst>
-                              <p:cond delay="0"/>
-                            </p:stCondLst>
-                            <p:childTnLst>
-                              <p:par>
-                                <p:cTn id="5" presetID="9" presetClass="entr" presetSubtype="0" fill="hold" nodeType="clickEffect">
-                                  <p:stCondLst>
-                                    <p:cond delay="0"/>
-                                  </p:stCondLst>
-                                  <p:childTnLst>
-                                    <p:set>
-                                      <p:cBhvr>
-                                        <p:cTn id="6" dur="1" fill="hold">
-                                          <p:stCondLst>
-                                            <p:cond delay="0"/>
-                                          </p:stCondLst>
-                                        </p:cTn>
-                                        <p:tgtEl>
-                                          <p:spTgt spid="34819">
-                                            <p:txEl>
-                                              <p:pRg st="1" end="1"/>
-                                            </p:txEl>
-                                          </p:spTgt>
-                                        </p:tgtEl>
-                                        <p:attrNameLst>
-                                          <p:attrName>style.visibility</p:attrName>
-                                        </p:attrNameLst>
-                                      </p:cBhvr>
-                                      <p:to>
-                                        <p:strVal val="visible"/>
-                                      </p:to>
-                                    </p:set>
-                                    <p:animEffect transition="in" filter="dissolve">
-                                      <p:cBhvr>
-                                        <p:cTn id="7" dur="500"/>
-                                        <p:tgtEl>
-                                          <p:spTgt spid="34819">
-                                            <p:txEl>
-                                              <p:pRg st="1" end="1"/>
-                                            </p:txEl>
-                                          </p:spTgt>
-                                        </p:tgtEl>
-                                      </p:cBhvr>
-                                    </p:animEffect>
-                                  </p:childTnLst>
-                                </p:cTn>
-                              </p:par>
-                            </p:childTnLst>
-                          </p:cTn>
-                        </p:par>
-                      </p:childTnLst>
-                    </p:cTn>
-                  </p:par>
-                  <p:par>
-                    <p:cTn id="8" fill="hold">
-                      <p:stCondLst>
-                        <p:cond delay="indefinite"/>
-                      </p:stCondLst>
-                      <p:childTnLst>
-                        <p:par>
-                          <p:cTn id="9" fill="hold">
-                            <p:stCondLst>
-                              <p:cond delay="0"/>
-                            </p:stCondLst>
-                            <p:childTnLst>
-                              <p:par>
-                                <p:cTn id="10" presetID="9" presetClass="entr" presetSubtype="0" fill="hold" nodeType="clickEffect">
-                                  <p:stCondLst>
-                                    <p:cond delay="0"/>
-                                  </p:stCondLst>
-                                  <p:childTnLst>
-                                    <p:set>
-                                      <p:cBhvr>
-                                        <p:cTn id="11" dur="1" fill="hold">
-                                          <p:stCondLst>
-                                            <p:cond delay="0"/>
-                                          </p:stCondLst>
-                                        </p:cTn>
-                                        <p:tgtEl>
-                                          <p:spTgt spid="34819">
-                                            <p:txEl>
-                                              <p:pRg st="2" end="2"/>
-                                            </p:txEl>
-                                          </p:spTgt>
-                                        </p:tgtEl>
-                                        <p:attrNameLst>
-                                          <p:attrName>style.visibility</p:attrName>
-                                        </p:attrNameLst>
-                                      </p:cBhvr>
-                                      <p:to>
-                                        <p:strVal val="visible"/>
-                                      </p:to>
-                                    </p:set>
-                                    <p:animEffect transition="in" filter="dissolve">
-                                      <p:cBhvr>
-                                        <p:cTn id="12" dur="500"/>
-                                        <p:tgtEl>
-                                          <p:spTgt spid="34819">
-                                            <p:txEl>
-                                              <p:pRg st="2" end="2"/>
-                                            </p:txEl>
-                                          </p:spTgt>
-                                        </p:tgtEl>
-                                      </p:cBhvr>
-                                    </p:animEffect>
-                                  </p:childTnLst>
-                                </p:cTn>
-                              </p:par>
-                            </p:childTnLst>
-                          </p:cTn>
-                        </p:par>
-                      </p:childTnLst>
-                    </p:cTn>
-                  </p:par>
-                </p:childTnLst>
-              </p:cTn>
-              <p:prevCondLst>
-                <p:cond evt="onPrev" delay="0">
-                  <p:tgtEl>
-                    <p:sldTgt/>
-                  </p:tgtEl>
-                </p:cond>
-              </p:prevCondLst>
-              <p:nextCondLst>
-                <p:cond evt="onNext" delay="0">
-                  <p:tgtEl>
-                    <p:sldTgt/>
-                  </p:tgtEl>
-                </p:cond>
-              </p:nextCondLst>
-            </p:seq>
-          </p:childTnLst>
-        </p:cTn>
-      </p:par>
-    </p:tnLst>
-  </p:timing>
-</p:sld>
-</file>
-
-<file path=ppt/slides/slide38.xml><?xml version="1.0" encoding="utf-8"?>
-<p:sld xmlns:a="http://schemas.openxmlformats.org/drawingml/2006/main" xmlns:r="http://schemas.openxmlformats.org/officeDocument/2006/relationships" xmlns:p="http://schemas.openxmlformats.org/presentationml/2006/main" show="0">
-  <p:cSld>
-    <p:spTree>
-      <p:nvGrpSpPr>
-        <p:cNvPr id="1" name=""/>
-        <p:cNvGrpSpPr/>
-        <p:nvPr/>
-      </p:nvGrpSpPr>
-      <p:grpSpPr>
-        <a:xfrm>
-          <a:off x="0" y="0"/>
-          <a:ext cx="0" cy="0"/>
-          <a:chOff x="0" y="0"/>
-          <a:chExt cx="0" cy="0"/>
-        </a:xfrm>
-      </p:grpSpPr>
-      <p:sp>
-        <p:nvSpPr>
-          <p:cNvPr id="32770" name="Slide Number Placeholder 3"/>
-          <p:cNvSpPr>
-            <a:spLocks noGrp="1"/>
-          </p:cNvSpPr>
-          <p:nvPr>
-            <p:ph type="sldNum" sz="quarter" idx="10"/>
-          </p:nvPr>
-        </p:nvSpPr>
-        <p:spPr/>
-        <p:txBody>
-          <a:bodyPr/>
-          <a:lstStyle/>
-          <a:p>
-            <a:pPr>
-              <a:defRPr/>
-            </a:pPr>
-            <a:r>
-              <a:rPr lang="en-US" dirty="0" smtClean="0"/>
-              <a:t>testing.</a:t>
-            </a:r>
-            <a:fld id="{4A7F8015-3123-4EEE-BF99-E293B8DB1805}" type="slidenum">
-              <a:rPr lang="en-US" smtClean="0"/>
-              <a:pPr>
-                <a:defRPr/>
-              </a:pPr>
-              <a:t>38</a:t>
-            </a:fld>
-            <a:endParaRPr lang="en-US" dirty="0"/>
-          </a:p>
-        </p:txBody>
-      </p:sp>
-      <p:sp>
-        <p:nvSpPr>
-          <p:cNvPr id="36868" name="Text Box 3"/>
-          <p:cNvSpPr txBox="1">
-            <a:spLocks noChangeArrowheads="1"/>
-          </p:cNvSpPr>
-          <p:nvPr/>
-        </p:nvSpPr>
-        <p:spPr bwMode="auto">
-          <a:xfrm>
-            <a:off x="228600" y="1143000"/>
-            <a:ext cx="8610600" cy="4832092"/>
-          </a:xfrm>
-          <a:prstGeom prst="rect">
-            <a:avLst/>
-          </a:prstGeom>
-          <a:noFill/>
-          <a:ln w="9525">
-            <a:noFill/>
-            <a:miter lim="800000"/>
-            <a:headEnd/>
-            <a:tailEnd/>
-          </a:ln>
-        </p:spPr>
-        <p:txBody>
-          <a:bodyPr>
-            <a:spAutoFit/>
-          </a:bodyPr>
-          <a:lstStyle/>
-          <a:p>
-            <a:pPr algn="l"/>
-            <a:r>
-              <a:rPr lang="en-US" sz="4400" dirty="0">
-                <a:latin typeface="Comic Sans MS" pitchFamily="66" charset="0"/>
-              </a:rPr>
-              <a:t>The possible outcomes of our</a:t>
-            </a:r>
-            <a:r>
-              <a:rPr lang="en-US" sz="4400" i="1" dirty="0">
-                <a:latin typeface="Comic Sans MS" pitchFamily="66" charset="0"/>
-              </a:rPr>
-              <a:t> </a:t>
-            </a:r>
-            <a:r>
-              <a:rPr lang="en-US" sz="4400" dirty="0">
-                <a:solidFill>
-                  <a:srgbClr val="800F6F"/>
-                </a:solidFill>
-                <a:latin typeface="Comic Sans MS" pitchFamily="66" charset="0"/>
-              </a:rPr>
-              <a:t>sampling </a:t>
-            </a:r>
-            <a:r>
-              <a:rPr lang="en-US" sz="4400" dirty="0" smtClean="0">
-                <a:solidFill>
-                  <a:srgbClr val="800F6F"/>
-                </a:solidFill>
-                <a:latin typeface="Comic Sans MS" pitchFamily="66" charset="0"/>
-              </a:rPr>
-              <a:t>process</a:t>
-            </a:r>
-            <a:r>
-              <a:rPr lang="en-US" sz="4400" dirty="0" smtClean="0">
-                <a:latin typeface="Comic Sans MS" pitchFamily="66" charset="0"/>
-              </a:rPr>
-              <a:t> </a:t>
-            </a:r>
-            <a:r>
-              <a:rPr lang="en-US" sz="4400" dirty="0">
-                <a:latin typeface="Comic Sans MS" pitchFamily="66" charset="0"/>
-              </a:rPr>
-              <a:t>is a random variable.  We can say that the </a:t>
-            </a:r>
-            <a:r>
-              <a:rPr lang="en-US" sz="4400" dirty="0" smtClean="0">
-                <a:latin typeface="Comic Sans MS" pitchFamily="66" charset="0"/>
-              </a:rPr>
-              <a:t>  </a:t>
-            </a:r>
-          </a:p>
-          <a:p>
-            <a:pPr algn="l"/>
-            <a:r>
-              <a:rPr lang="en-US" sz="4400" dirty="0" smtClean="0">
-                <a:latin typeface="Comic Sans MS" pitchFamily="66" charset="0"/>
-              </a:rPr>
-              <a:t> “</a:t>
-            </a:r>
-            <a:r>
-              <a:rPr lang="en-US" sz="4400" i="1" dirty="0" smtClean="0">
-                <a:latin typeface="Comic Sans MS" pitchFamily="66" charset="0"/>
-              </a:rPr>
-              <a:t>probability </a:t>
-            </a:r>
-            <a:r>
-              <a:rPr lang="en-US" sz="4400" dirty="0">
-                <a:latin typeface="Comic Sans MS" pitchFamily="66" charset="0"/>
-              </a:rPr>
-              <a:t>that our</a:t>
-            </a:r>
-            <a:r>
-              <a:rPr lang="en-US" sz="4400" dirty="0" smtClean="0">
-                <a:solidFill>
-                  <a:srgbClr val="7030A0"/>
-                </a:solidFill>
-                <a:latin typeface="Comic Sans MS" pitchFamily="66" charset="0"/>
-              </a:rPr>
-              <a:t> </a:t>
-            </a:r>
-            <a:r>
-              <a:rPr lang="en-US" sz="4400" dirty="0" smtClean="0">
-                <a:solidFill>
-                  <a:srgbClr val="800F6F"/>
-                </a:solidFill>
-                <a:latin typeface="Comic Sans MS" pitchFamily="66" charset="0"/>
-              </a:rPr>
-              <a:t>sampling   </a:t>
-            </a:r>
-          </a:p>
-          <a:p>
-            <a:pPr algn="l"/>
-            <a:r>
-              <a:rPr lang="en-US" sz="4400" dirty="0" smtClean="0">
-                <a:solidFill>
-                  <a:srgbClr val="800F6F"/>
-                </a:solidFill>
-                <a:latin typeface="Comic Sans MS" pitchFamily="66" charset="0"/>
-              </a:rPr>
-              <a:t> process</a:t>
-            </a:r>
-            <a:r>
-              <a:rPr lang="en-US" sz="4400" dirty="0" smtClean="0">
-                <a:solidFill>
-                  <a:srgbClr val="FF33CC"/>
-                </a:solidFill>
-                <a:latin typeface="Comic Sans MS" pitchFamily="66" charset="0"/>
-              </a:rPr>
-              <a:t> </a:t>
-            </a:r>
-            <a:r>
-              <a:rPr lang="en-US" sz="4400" dirty="0" smtClean="0">
-                <a:latin typeface="Comic Sans MS" pitchFamily="66" charset="0"/>
-              </a:rPr>
-              <a:t>will yield an average  </a:t>
-            </a:r>
-          </a:p>
-          <a:p>
-            <a:pPr algn="l"/>
-            <a:r>
-              <a:rPr lang="en-US" sz="4400" dirty="0" smtClean="0">
-                <a:latin typeface="Comic Sans MS" pitchFamily="66" charset="0"/>
-              </a:rPr>
-              <a:t> that is </a:t>
-            </a:r>
-            <a:r>
-              <a:rPr lang="en-US" sz="4400" dirty="0" smtClean="0">
-                <a:solidFill>
-                  <a:srgbClr val="008000"/>
-                </a:solidFill>
-                <a:latin typeface="Euclid Symbol" charset="2"/>
-                <a:cs typeface="Euclid Symbol" charset="2"/>
-              </a:rPr>
-              <a:t>±</a:t>
-            </a:r>
-            <a:r>
-              <a:rPr lang="en-US" sz="4400" dirty="0" smtClean="0">
-                <a:solidFill>
-                  <a:schemeClr val="accent2"/>
-                </a:solidFill>
-                <a:latin typeface="Comic Sans MS" pitchFamily="66" charset="0"/>
-              </a:rPr>
-              <a:t> </a:t>
-            </a:r>
-            <a:r>
-              <a:rPr lang="en-US" sz="4400" dirty="0" smtClean="0">
-                <a:solidFill>
-                  <a:srgbClr val="FF6600"/>
-                </a:solidFill>
-                <a:latin typeface="Comic Sans MS" pitchFamily="66" charset="0"/>
-              </a:rPr>
-              <a:t>20</a:t>
-            </a:r>
-            <a:r>
-              <a:rPr lang="en-US" sz="4400" dirty="0" smtClean="0">
-                <a:latin typeface="Comic Sans MS" pitchFamily="66" charset="0"/>
-              </a:rPr>
-              <a:t> </a:t>
-            </a:r>
-            <a:r>
-              <a:rPr lang="en-US" sz="4400" dirty="0">
-                <a:latin typeface="Comic Sans MS" pitchFamily="66" charset="0"/>
-              </a:rPr>
-              <a:t>of the </a:t>
-            </a:r>
-            <a:endParaRPr lang="en-US" sz="4400" dirty="0" smtClean="0">
-              <a:latin typeface="Comic Sans MS" pitchFamily="66" charset="0"/>
-            </a:endParaRPr>
-          </a:p>
-          <a:p>
-            <a:pPr algn="l"/>
-            <a:r>
-              <a:rPr lang="en-US" sz="4400" dirty="0" smtClean="0">
-                <a:latin typeface="Comic Sans MS" pitchFamily="66" charset="0"/>
-              </a:rPr>
-              <a:t> true average </a:t>
-            </a:r>
-            <a:r>
-              <a:rPr lang="en-US" sz="4400" dirty="0">
-                <a:latin typeface="Comic Sans MS" pitchFamily="66" charset="0"/>
-              </a:rPr>
-              <a:t>at least </a:t>
-            </a:r>
-            <a:r>
-              <a:rPr lang="en-US" sz="4400" dirty="0" smtClean="0">
-                <a:solidFill>
-                  <a:srgbClr val="FF33CC"/>
-                </a:solidFill>
-                <a:latin typeface="Comic Sans MS" pitchFamily="66" charset="0"/>
-              </a:rPr>
-              <a:t>0.95</a:t>
-            </a:r>
-            <a:r>
-              <a:rPr lang="en-US" sz="4400" dirty="0" smtClean="0">
-                <a:latin typeface="Comic Sans MS" pitchFamily="66" charset="0"/>
-              </a:rPr>
-              <a:t>”</a:t>
-            </a:r>
-            <a:endParaRPr lang="en-US" sz="4400" dirty="0">
-              <a:latin typeface="Comic Sans MS" pitchFamily="66" charset="0"/>
-            </a:endParaRPr>
-          </a:p>
-        </p:txBody>
-      </p:sp>
-      <p:pic>
-        <p:nvPicPr>
-          <p:cNvPr id="36869" name="Picture 7" descr="texpointerror"/>
-          <p:cNvPicPr>
-            <a:picLocks noChangeAspect="1" noChangeArrowheads="1"/>
-          </p:cNvPicPr>
-          <p:nvPr>
-            <p:custDataLst>
-              <p:tags r:id="rId1"/>
-            </p:custDataLst>
-          </p:nvPr>
-        </p:nvPicPr>
-        <p:blipFill>
-          <a:blip r:embed="rId4">
-            <a:clrChange>
-              <a:clrFrom>
-                <a:srgbClr val="FFFFFF"/>
-              </a:clrFrom>
-              <a:clrTo>
-                <a:srgbClr val="FFFFFF">
-                  <a:alpha val="0"/>
-                </a:srgbClr>
-              </a:clrTo>
-            </a:clrChange>
-          </a:blip>
-          <a:srcRect/>
-          <a:stretch>
-            <a:fillRect/>
-          </a:stretch>
-        </p:blipFill>
-        <p:spPr bwMode="auto">
-          <a:xfrm>
-            <a:off x="5080000" y="3810000"/>
-            <a:ext cx="1588" cy="1588"/>
-          </a:xfrm>
-          <a:prstGeom prst="rect">
-            <a:avLst/>
-          </a:prstGeom>
-          <a:noFill/>
-          <a:ln w="9525" algn="ctr">
-            <a:noFill/>
-            <a:miter lim="800000"/>
-            <a:headEnd/>
-            <a:tailEnd/>
-          </a:ln>
-        </p:spPr>
-      </p:pic>
-      <p:sp>
-        <p:nvSpPr>
-          <p:cNvPr id="8" name="Rectangle 3"/>
-          <p:cNvSpPr>
-            <a:spLocks noGrp="1" noChangeArrowheads="1"/>
-          </p:cNvSpPr>
-          <p:nvPr>
-            <p:ph type="title"/>
-          </p:nvPr>
-        </p:nvSpPr>
-        <p:spPr>
-          <a:xfrm>
-            <a:off x="1905000" y="228600"/>
-            <a:ext cx="5334000" cy="990600"/>
-          </a:xfrm>
-          <a:noFill/>
-        </p:spPr>
-        <p:txBody>
-          <a:bodyPr/>
-          <a:lstStyle/>
-          <a:p>
-            <a:pPr eaLnBrk="1" hangingPunct="1"/>
-            <a:r>
-              <a:rPr lang="en-US" sz="4800" dirty="0" smtClean="0">
-                <a:solidFill>
-                  <a:srgbClr val="0006FE"/>
-                </a:solidFill>
-              </a:rPr>
-              <a:t>Confidence</a:t>
-            </a:r>
-          </a:p>
-        </p:txBody>
-      </p:sp>
-    </p:spTree>
-    <p:extLst>
-      <p:ext uri="{BB962C8B-B14F-4D97-AF65-F5344CB8AC3E}">
-        <p14:creationId xmlns:p14="http://schemas.microsoft.com/office/powerpoint/2010/main" val="3794338259"/>
-      </p:ext>
-    </p:extLst>
-  </p:cSld>
-  <p:clrMapOvr>
-    <a:masterClrMapping/>
-  </p:clrMapOvr>
-  <p:transition xmlns:p14="http://schemas.microsoft.com/office/powerpoint/2010/main" spd="slow" advClick="0">
-    <p:fade/>
-  </p:transition>
-  <p:timing>
-    <p:tnLst>
-      <p:par>
-        <p:cTn xmlns:p14="http://schemas.microsoft.com/office/powerpoint/2010/main" id="1" dur="indefinite" restart="never" nodeType="tmRoot">
-          <p:childTnLst>
-            <p:seq concurrent="1" nextAc="seek">
-              <p:cTn id="2" dur="indefinite" nodeType="mainSeq">
-                <p:childTnLst>
-                  <p:par>
-                    <p:cTn id="3" fill="hold">
-                      <p:stCondLst>
-                        <p:cond delay="indefinite"/>
-                      </p:stCondLst>
-                      <p:childTnLst>
-                        <p:par>
-                          <p:cTn id="4" fill="hold">
-                            <p:stCondLst>
-                              <p:cond delay="0"/>
-                            </p:stCondLst>
-                            <p:childTnLst>
-                              <p:par>
-                                <p:cTn id="5" presetID="9" presetClass="entr" presetSubtype="0" fill="hold" nodeType="clickEffect">
-                                  <p:stCondLst>
-                                    <p:cond delay="0"/>
-                                  </p:stCondLst>
-                                  <p:childTnLst>
-                                    <p:set>
-                                      <p:cBhvr>
-                                        <p:cTn id="6" dur="1" fill="hold">
-                                          <p:stCondLst>
-                                            <p:cond delay="0"/>
-                                          </p:stCondLst>
-                                        </p:cTn>
-                                        <p:tgtEl>
-                                          <p:spTgt spid="36868">
-                                            <p:txEl>
-                                              <p:pRg st="1" end="1"/>
-                                            </p:txEl>
-                                          </p:spTgt>
-                                        </p:tgtEl>
-                                        <p:attrNameLst>
-                                          <p:attrName>style.visibility</p:attrName>
-                                        </p:attrNameLst>
-                                      </p:cBhvr>
-                                      <p:to>
-                                        <p:strVal val="visible"/>
-                                      </p:to>
-                                    </p:set>
-                                    <p:animEffect transition="in" filter="dissolve">
-                                      <p:cBhvr>
-                                        <p:cTn id="7" dur="500"/>
-                                        <p:tgtEl>
-                                          <p:spTgt spid="36868">
-                                            <p:txEl>
-                                              <p:pRg st="1" end="1"/>
-                                            </p:txEl>
-                                          </p:spTgt>
-                                        </p:tgtEl>
-                                      </p:cBhvr>
-                                    </p:animEffect>
-                                  </p:childTnLst>
-                                </p:cTn>
-                              </p:par>
-                              <p:par>
-                                <p:cTn id="8" presetID="9" presetClass="entr" presetSubtype="0" fill="hold" nodeType="withEffect">
-                                  <p:stCondLst>
-                                    <p:cond delay="0"/>
-                                  </p:stCondLst>
-                                  <p:childTnLst>
-                                    <p:set>
-                                      <p:cBhvr>
-                                        <p:cTn id="9" dur="1" fill="hold">
-                                          <p:stCondLst>
-                                            <p:cond delay="0"/>
-                                          </p:stCondLst>
-                                        </p:cTn>
-                                        <p:tgtEl>
-                                          <p:spTgt spid="36868">
-                                            <p:txEl>
-                                              <p:pRg st="2" end="2"/>
-                                            </p:txEl>
-                                          </p:spTgt>
-                                        </p:tgtEl>
-                                        <p:attrNameLst>
-                                          <p:attrName>style.visibility</p:attrName>
-                                        </p:attrNameLst>
-                                      </p:cBhvr>
-                                      <p:to>
-                                        <p:strVal val="visible"/>
-                                      </p:to>
-                                    </p:set>
-                                    <p:animEffect transition="in" filter="dissolve">
-                                      <p:cBhvr>
-                                        <p:cTn id="10" dur="500"/>
-                                        <p:tgtEl>
-                                          <p:spTgt spid="36868">
-                                            <p:txEl>
-                                              <p:pRg st="2" end="2"/>
-                                            </p:txEl>
-                                          </p:spTgt>
-                                        </p:tgtEl>
-                                      </p:cBhvr>
-                                    </p:animEffect>
-                                  </p:childTnLst>
-                                </p:cTn>
-                              </p:par>
-                              <p:par>
-                                <p:cTn id="11" presetID="9" presetClass="entr" presetSubtype="0" fill="hold" nodeType="withEffect">
-                                  <p:stCondLst>
-                                    <p:cond delay="0"/>
-                                  </p:stCondLst>
-                                  <p:childTnLst>
-                                    <p:set>
-                                      <p:cBhvr>
-                                        <p:cTn id="12" dur="1" fill="hold">
-                                          <p:stCondLst>
-                                            <p:cond delay="0"/>
-                                          </p:stCondLst>
-                                        </p:cTn>
-                                        <p:tgtEl>
-                                          <p:spTgt spid="36868">
-                                            <p:txEl>
-                                              <p:pRg st="3" end="3"/>
-                                            </p:txEl>
-                                          </p:spTgt>
-                                        </p:tgtEl>
-                                        <p:attrNameLst>
-                                          <p:attrName>style.visibility</p:attrName>
-                                        </p:attrNameLst>
-                                      </p:cBhvr>
-                                      <p:to>
-                                        <p:strVal val="visible"/>
-                                      </p:to>
-                                    </p:set>
-                                    <p:animEffect transition="in" filter="dissolve">
-                                      <p:cBhvr>
-                                        <p:cTn id="13" dur="500"/>
-                                        <p:tgtEl>
-                                          <p:spTgt spid="36868">
-                                            <p:txEl>
-                                              <p:pRg st="3" end="3"/>
-                                            </p:txEl>
-                                          </p:spTgt>
-                                        </p:tgtEl>
-                                      </p:cBhvr>
-                                    </p:animEffect>
-                                  </p:childTnLst>
-                                </p:cTn>
-                              </p:par>
-                              <p:par>
-                                <p:cTn id="14" presetID="9" presetClass="entr" presetSubtype="0" fill="hold" nodeType="withEffect">
-                                  <p:stCondLst>
-                                    <p:cond delay="0"/>
-                                  </p:stCondLst>
-                                  <p:childTnLst>
-                                    <p:set>
-                                      <p:cBhvr>
-                                        <p:cTn id="15" dur="1" fill="hold">
-                                          <p:stCondLst>
-                                            <p:cond delay="0"/>
-                                          </p:stCondLst>
-                                        </p:cTn>
-                                        <p:tgtEl>
-                                          <p:spTgt spid="36868">
-                                            <p:txEl>
-                                              <p:pRg st="4" end="4"/>
-                                            </p:txEl>
-                                          </p:spTgt>
-                                        </p:tgtEl>
-                                        <p:attrNameLst>
-                                          <p:attrName>style.visibility</p:attrName>
-                                        </p:attrNameLst>
-                                      </p:cBhvr>
-                                      <p:to>
-                                        <p:strVal val="visible"/>
-                                      </p:to>
-                                    </p:set>
-                                    <p:animEffect transition="in" filter="dissolve">
-                                      <p:cBhvr>
-                                        <p:cTn id="16" dur="500"/>
-                                        <p:tgtEl>
-                                          <p:spTgt spid="36868">
-                                            <p:txEl>
-                                              <p:pRg st="4" end="4"/>
-                                            </p:txEl>
-                                          </p:spTgt>
-                                        </p:tgtEl>
-                                      </p:cBhvr>
-                                    </p:animEffect>
-                                  </p:childTnLst>
-                                </p:cTn>
-                              </p:par>
-                            </p:childTnLst>
-                          </p:cTn>
-                        </p:par>
-                      </p:childTnLst>
-                    </p:cTn>
-                  </p:par>
-                </p:childTnLst>
-              </p:cTn>
-              <p:prevCondLst>
-                <p:cond evt="onPrev" delay="0">
-                  <p:tgtEl>
-                    <p:sldTgt/>
-                  </p:tgtEl>
-                </p:cond>
-              </p:prevCondLst>
-              <p:nextCondLst>
-                <p:cond evt="onNext" delay="0">
-                  <p:tgtEl>
-                    <p:sldTgt/>
-                  </p:tgtEl>
-                </p:cond>
-              </p:nextCondLst>
-            </p:seq>
-          </p:childTnLst>
-        </p:cTn>
-      </p:par>
-    </p:tnLst>
-  </p:timing>
-</p:sld>
-</file>
-
-<file path=ppt/slides/slide39.xml><?xml version="1.0" encoding="utf-8"?>
-<p:sld xmlns:a="http://schemas.openxmlformats.org/drawingml/2006/main" xmlns:r="http://schemas.openxmlformats.org/officeDocument/2006/relationships" xmlns:p="http://schemas.openxmlformats.org/presentationml/2006/main" show="0">
-  <p:cSld>
-    <p:spTree>
-      <p:nvGrpSpPr>
-        <p:cNvPr id="1" name=""/>
-        <p:cNvGrpSpPr/>
-        <p:nvPr/>
-      </p:nvGrpSpPr>
-      <p:grpSpPr>
-        <a:xfrm>
-          <a:off x="0" y="0"/>
-          <a:ext cx="0" cy="0"/>
-          <a:chOff x="0" y="0"/>
-          <a:chExt cx="0" cy="0"/>
-        </a:xfrm>
-      </p:grpSpPr>
-      <p:sp>
-        <p:nvSpPr>
-          <p:cNvPr id="28674" name="Slide Number Placeholder 3"/>
-          <p:cNvSpPr>
-            <a:spLocks noGrp="1"/>
-          </p:cNvSpPr>
-          <p:nvPr>
-            <p:ph type="sldNum" sz="quarter" idx="10"/>
-          </p:nvPr>
-        </p:nvSpPr>
-        <p:spPr/>
-        <p:txBody>
-          <a:bodyPr/>
-          <a:lstStyle/>
-          <a:p>
-            <a:pPr>
-              <a:defRPr/>
-            </a:pPr>
-            <a:r>
-              <a:rPr lang="en-US" dirty="0" smtClean="0"/>
-              <a:t>testing.</a:t>
-            </a:r>
-            <a:fld id="{8372F5CC-0D0C-42AC-A06F-FCD924AC2FB1}" type="slidenum">
-              <a:rPr lang="en-US" smtClean="0"/>
-              <a:pPr>
-                <a:defRPr/>
-              </a:pPr>
-              <a:t>39</a:t>
-            </a:fld>
-            <a:endParaRPr lang="en-US" dirty="0"/>
-          </a:p>
-        </p:txBody>
-      </p:sp>
-      <p:sp>
-        <p:nvSpPr>
-          <p:cNvPr id="32771" name="Text Box 2"/>
-          <p:cNvSpPr txBox="1">
-            <a:spLocks noChangeArrowheads="1"/>
-          </p:cNvSpPr>
-          <p:nvPr/>
-        </p:nvSpPr>
-        <p:spPr bwMode="auto">
-          <a:xfrm>
-            <a:off x="300038" y="1371601"/>
-            <a:ext cx="8843962" cy="4081117"/>
-          </a:xfrm>
-          <a:prstGeom prst="rect">
-            <a:avLst/>
-          </a:prstGeom>
-          <a:noFill/>
-          <a:ln w="9525">
-            <a:noFill/>
-            <a:miter lim="800000"/>
-            <a:headEnd/>
-            <a:tailEnd/>
-          </a:ln>
-        </p:spPr>
-        <p:txBody>
-          <a:bodyPr wrap="square">
-            <a:spAutoFit/>
-          </a:bodyPr>
-          <a:lstStyle/>
-          <a:p>
-            <a:pPr algn="l">
-              <a:lnSpc>
-                <a:spcPct val="40000"/>
-              </a:lnSpc>
-            </a:pPr>
-            <a:endParaRPr lang="en-US" sz="4800" dirty="0" smtClean="0">
-              <a:latin typeface="Comic Sans MS" pitchFamily="66" charset="0"/>
-            </a:endParaRPr>
-          </a:p>
-          <a:p>
-            <a:pPr algn="l"/>
-            <a:r>
-              <a:rPr lang="en-US" sz="4800" dirty="0" smtClean="0">
-                <a:latin typeface="Comic Sans MS" pitchFamily="66" charset="0"/>
-              </a:rPr>
-              <a:t>Tell the EPA that with probability </a:t>
-            </a:r>
-            <a:r>
-              <a:rPr lang="en-US" sz="4800" dirty="0" smtClean="0">
-                <a:solidFill>
-                  <a:srgbClr val="FF33CC"/>
-                </a:solidFill>
-                <a:latin typeface="Comic Sans MS" pitchFamily="66" charset="0"/>
-              </a:rPr>
-              <a:t>0.95</a:t>
-            </a:r>
-            <a:r>
-              <a:rPr lang="en-US" sz="4800" dirty="0" smtClean="0">
-                <a:solidFill>
-                  <a:srgbClr val="008000"/>
-                </a:solidFill>
-                <a:latin typeface="Comic Sans MS" pitchFamily="66" charset="0"/>
-              </a:rPr>
-              <a:t> our estimate method </a:t>
-            </a:r>
-            <a:r>
-              <a:rPr lang="en-US" sz="4800" dirty="0" smtClean="0">
-                <a:latin typeface="Comic Sans MS" pitchFamily="66" charset="0"/>
-              </a:rPr>
-              <a:t>for </a:t>
-            </a:r>
-            <a:r>
-              <a:rPr lang="en-US" sz="4800" dirty="0" err="1" smtClean="0">
-                <a:latin typeface="Comic Sans MS" pitchFamily="66" charset="0"/>
-              </a:rPr>
-              <a:t>avg</a:t>
-            </a:r>
-            <a:r>
-              <a:rPr lang="en-US" sz="4800" dirty="0" smtClean="0">
-                <a:latin typeface="Comic Sans MS" pitchFamily="66" charset="0"/>
-              </a:rPr>
-              <a:t> CMD will be within </a:t>
-            </a:r>
-            <a:r>
-              <a:rPr lang="en-US" sz="4800" dirty="0" smtClean="0">
-                <a:solidFill>
-                  <a:srgbClr val="FF6600"/>
-                </a:solidFill>
-                <a:latin typeface="Comic Sans MS" pitchFamily="66" charset="0"/>
-              </a:rPr>
-              <a:t>20</a:t>
-            </a:r>
-            <a:r>
-              <a:rPr lang="en-US" sz="4800" dirty="0" smtClean="0">
-                <a:latin typeface="Comic Sans MS" pitchFamily="66" charset="0"/>
-              </a:rPr>
-              <a:t> </a:t>
-            </a:r>
-            <a:r>
-              <a:rPr lang="en-US" sz="4800" dirty="0">
-                <a:latin typeface="Comic Sans MS" pitchFamily="66" charset="0"/>
-              </a:rPr>
-              <a:t>of the </a:t>
-            </a:r>
-            <a:r>
-              <a:rPr lang="en-US" sz="4800" dirty="0" smtClean="0">
-                <a:latin typeface="Comic Sans MS" pitchFamily="66" charset="0"/>
-              </a:rPr>
-              <a:t>actual </a:t>
-            </a:r>
-            <a:r>
-              <a:rPr lang="en-US" sz="4800" dirty="0" err="1" smtClean="0">
-                <a:latin typeface="Comic Sans MS" pitchFamily="66" charset="0"/>
-              </a:rPr>
-              <a:t>avg</a:t>
-            </a:r>
-            <a:r>
-              <a:rPr lang="en-US" sz="4800" dirty="0" smtClean="0">
-                <a:latin typeface="Comic Sans MS" pitchFamily="66" charset="0"/>
-              </a:rPr>
-              <a:t>, </a:t>
-            </a:r>
-            <a:r>
-              <a:rPr lang="en-US" sz="4800" dirty="0" smtClean="0">
-                <a:solidFill>
-                  <a:srgbClr val="FF4519"/>
-                </a:solidFill>
-                <a:latin typeface="Comic Sans MS" pitchFamily="66" charset="0"/>
-              </a:rPr>
-              <a:t>c</a:t>
-            </a:r>
-            <a:r>
-              <a:rPr lang="en-US" sz="4800" dirty="0" smtClean="0">
-                <a:latin typeface="Comic Sans MS" pitchFamily="66" charset="0"/>
-              </a:rPr>
-              <a:t>, in the river.</a:t>
-            </a:r>
-            <a:endParaRPr lang="en-US" sz="4800" dirty="0">
-              <a:latin typeface="Comic Sans MS" pitchFamily="66" charset="0"/>
-            </a:endParaRPr>
-          </a:p>
-        </p:txBody>
-      </p:sp>
-      <p:sp>
-        <p:nvSpPr>
-          <p:cNvPr id="7" name="Rectangle 3"/>
-          <p:cNvSpPr>
-            <a:spLocks noGrp="1" noChangeArrowheads="1"/>
-          </p:cNvSpPr>
-          <p:nvPr>
-            <p:ph type="title"/>
-          </p:nvPr>
-        </p:nvSpPr>
-        <p:spPr>
-          <a:xfrm>
-            <a:off x="1905000" y="228600"/>
-            <a:ext cx="5334000" cy="990600"/>
-          </a:xfrm>
-          <a:noFill/>
-        </p:spPr>
-        <p:txBody>
-          <a:bodyPr/>
-          <a:lstStyle/>
-          <a:p>
-            <a:pPr eaLnBrk="1" hangingPunct="1"/>
-            <a:r>
-              <a:rPr lang="en-US" sz="4800" dirty="0" smtClean="0">
-                <a:solidFill>
-                  <a:srgbClr val="0006FE"/>
-                </a:solidFill>
-              </a:rPr>
-              <a:t>Confidence</a:t>
-            </a:r>
-          </a:p>
-        </p:txBody>
-      </p:sp>
-    </p:spTree>
-    <p:extLst>
-      <p:ext uri="{BB962C8B-B14F-4D97-AF65-F5344CB8AC3E}">
-        <p14:creationId xmlns:p14="http://schemas.microsoft.com/office/powerpoint/2010/main" val="2695719740"/>
-      </p:ext>
-    </p:extLst>
-  </p:cSld>
-  <p:clrMapOvr>
-    <a:masterClrMapping/>
-  </p:clrMapOvr>
-  <p:transition xmlns:p14="http://schemas.microsoft.com/office/powerpoint/2010/main" spd="slow">
-    <p:fade thruBlk="1"/>
-  </p:transition>
-  <p:timing>
-    <p:tnLst>
-      <p:par>
-        <p:cTn xmlns:p14="http://schemas.microsoft.com/office/powerpoint/2010/main" id="1" dur="indefinite" restart="never" nodeType="tmRoot"/>
-      </p:par>
-    </p:tnLst>
-  </p:timing>
-</p:sld>
-</file>
-
 <file path=ppt/slides/slide4.xml><?xml version="1.0" encoding="utf-8"?>
 <p:sld xmlns:a="http://schemas.openxmlformats.org/drawingml/2006/main" xmlns:r="http://schemas.openxmlformats.org/officeDocument/2006/relationships" xmlns:p="http://schemas.openxmlformats.org/presentationml/2006/main">
   <p:cSld>
@@ -19464,7 +17141,15 @@
                   <a:schemeClr val="tx1"/>
                 </a:solidFill>
               </a:rPr>
-              <a:t>99% accurate TB testing</a:t>
+              <a:t>98% </a:t>
+            </a:r>
+            <a:r>
+              <a:rPr lang="en-US" sz="4000" dirty="0" smtClean="0">
+                <a:solidFill>
+                  <a:schemeClr val="tx1"/>
+                </a:solidFill>
+              </a:rPr>
+              <a:t>accurate TB testing</a:t>
             </a:r>
           </a:p>
         </p:txBody>
@@ -19495,1219 +17180,6 @@
     <p:tnLst>
       <p:par>
         <p:cTn xmlns:p14="http://schemas.microsoft.com/office/powerpoint/2010/main" id="1" dur="indefinite" restart="never" nodeType="tmRoot"/>
-      </p:par>
-    </p:tnLst>
-  </p:timing>
-</p:sld>
-</file>
-
-<file path=ppt/slides/slide40.xml><?xml version="1.0" encoding="utf-8"?>
-<p:sld xmlns:a="http://schemas.openxmlformats.org/drawingml/2006/main" xmlns:r="http://schemas.openxmlformats.org/officeDocument/2006/relationships" xmlns:p="http://schemas.openxmlformats.org/presentationml/2006/main" show="0">
-  <p:cSld>
-    <p:spTree>
-      <p:nvGrpSpPr>
-        <p:cNvPr id="1" name=""/>
-        <p:cNvGrpSpPr/>
-        <p:nvPr/>
-      </p:nvGrpSpPr>
-      <p:grpSpPr>
-        <a:xfrm>
-          <a:off x="0" y="0"/>
-          <a:ext cx="0" cy="0"/>
-          <a:chOff x="0" y="0"/>
-          <a:chExt cx="0" cy="0"/>
-        </a:xfrm>
-      </p:grpSpPr>
-      <p:sp>
-        <p:nvSpPr>
-          <p:cNvPr id="33794" name="Slide Number Placeholder 3"/>
-          <p:cNvSpPr>
-            <a:spLocks noGrp="1"/>
-          </p:cNvSpPr>
-          <p:nvPr>
-            <p:ph type="sldNum" sz="quarter" idx="10"/>
-          </p:nvPr>
-        </p:nvSpPr>
-        <p:spPr/>
-        <p:txBody>
-          <a:bodyPr/>
-          <a:lstStyle/>
-          <a:p>
-            <a:pPr>
-              <a:defRPr/>
-            </a:pPr>
-            <a:r>
-              <a:rPr lang="en-US" dirty="0" smtClean="0"/>
-              <a:t>testing.</a:t>
-            </a:r>
-            <a:fld id="{FE75FCEF-2C00-453D-8F19-57E1BCE16A7F}" type="slidenum">
-              <a:rPr lang="en-US" smtClean="0"/>
-              <a:pPr>
-                <a:defRPr/>
-              </a:pPr>
-              <a:t>40</a:t>
-            </a:fld>
-            <a:endParaRPr lang="en-US" dirty="0"/>
-          </a:p>
-        </p:txBody>
-      </p:sp>
-      <p:sp>
-        <p:nvSpPr>
-          <p:cNvPr id="37891" name="Text Box 3"/>
-          <p:cNvSpPr txBox="1">
-            <a:spLocks noChangeArrowheads="1"/>
-          </p:cNvSpPr>
-          <p:nvPr/>
-        </p:nvSpPr>
-        <p:spPr bwMode="auto">
-          <a:xfrm>
-            <a:off x="304800" y="1371600"/>
-            <a:ext cx="8458200" cy="3154710"/>
-          </a:xfrm>
-          <a:prstGeom prst="rect">
-            <a:avLst/>
-          </a:prstGeom>
-          <a:noFill/>
-          <a:ln w="9525">
-            <a:noFill/>
-            <a:miter lim="800000"/>
-            <a:headEnd/>
-            <a:tailEnd/>
-          </a:ln>
-        </p:spPr>
-        <p:txBody>
-          <a:bodyPr>
-            <a:spAutoFit/>
-          </a:bodyPr>
-          <a:lstStyle/>
-          <a:p>
-            <a:pPr algn="l"/>
-            <a:r>
-              <a:rPr lang="en-US" sz="5400" dirty="0" smtClean="0">
-                <a:latin typeface="Comic Sans MS" pitchFamily="66" charset="0"/>
-              </a:rPr>
-              <a:t>For </a:t>
-            </a:r>
-            <a:r>
-              <a:rPr lang="en-US" sz="5400" dirty="0">
-                <a:latin typeface="Comic Sans MS" pitchFamily="66" charset="0"/>
-              </a:rPr>
-              <a:t>simplicity we say </a:t>
-            </a:r>
-            <a:r>
-              <a:rPr lang="en-US" sz="5400" dirty="0" smtClean="0">
-                <a:latin typeface="Comic Sans MS" pitchFamily="66" charset="0"/>
-              </a:rPr>
-              <a:t>that</a:t>
-            </a:r>
-          </a:p>
-          <a:p>
-            <a:pPr algn="l">
-              <a:spcBef>
-                <a:spcPts val="3000"/>
-              </a:spcBef>
-            </a:pPr>
-            <a:r>
-              <a:rPr lang="en-US" sz="6000" dirty="0" smtClean="0">
-                <a:solidFill>
-                  <a:schemeClr val="accent2"/>
-                </a:solidFill>
-                <a:latin typeface="Comic Sans MS" pitchFamily="66" charset="0"/>
-              </a:rPr>
-              <a:t>  </a:t>
-            </a:r>
-            <a:r>
-              <a:rPr lang="en-US" sz="6000" dirty="0" err="1" smtClean="0">
-                <a:solidFill>
-                  <a:srgbClr val="FF6600"/>
-                </a:solidFill>
-                <a:latin typeface="Comic Sans MS" pitchFamily="66" charset="0"/>
-              </a:rPr>
-              <a:t>c</a:t>
-            </a:r>
-            <a:r>
-              <a:rPr lang="en-US" sz="6000" dirty="0" smtClean="0">
-                <a:solidFill>
-                  <a:schemeClr val="accent2"/>
-                </a:solidFill>
-                <a:latin typeface="Comic Sans MS" pitchFamily="66" charset="0"/>
-              </a:rPr>
-              <a:t> </a:t>
-            </a:r>
-            <a:r>
-              <a:rPr lang="en-US" sz="6000" dirty="0">
-                <a:latin typeface="Comic Sans MS" pitchFamily="66" charset="0"/>
-              </a:rPr>
-              <a:t>=</a:t>
-            </a:r>
-            <a:r>
-              <a:rPr lang="en-US" sz="6000" dirty="0" smtClean="0">
-                <a:solidFill>
-                  <a:schemeClr val="accent2"/>
-                </a:solidFill>
-                <a:latin typeface="Comic Sans MS" pitchFamily="66" charset="0"/>
-              </a:rPr>
-              <a:t> 180 </a:t>
-            </a:r>
-            <a:r>
-              <a:rPr lang="en-US" sz="6000" dirty="0" smtClean="0">
-                <a:solidFill>
-                  <a:srgbClr val="008000"/>
-                </a:solidFill>
-                <a:latin typeface="Euclid Symbol" charset="2"/>
-                <a:cs typeface="Euclid Symbol" charset="2"/>
-              </a:rPr>
-              <a:t>±</a:t>
-            </a:r>
-            <a:r>
-              <a:rPr lang="en-US" sz="6000" b="1" dirty="0" smtClean="0">
-                <a:solidFill>
-                  <a:srgbClr val="00B050"/>
-                </a:solidFill>
-                <a:latin typeface="Symbol" pitchFamily="18" charset="2"/>
-                <a:sym typeface="Symbol"/>
-              </a:rPr>
-              <a:t> </a:t>
-            </a:r>
-            <a:r>
-              <a:rPr lang="en-US" sz="6000" dirty="0" smtClean="0">
-                <a:solidFill>
-                  <a:srgbClr val="FF6600"/>
-                </a:solidFill>
-                <a:latin typeface="Comic Sans MS" pitchFamily="66" charset="0"/>
-              </a:rPr>
-              <a:t>20 </a:t>
-            </a:r>
-            <a:r>
-              <a:rPr lang="en-US" sz="6000" dirty="0" smtClean="0">
-                <a:latin typeface="Comic Sans MS" pitchFamily="66" charset="0"/>
-              </a:rPr>
-              <a:t>at the</a:t>
-            </a:r>
-          </a:p>
-          <a:p>
-            <a:pPr algn="l"/>
-            <a:r>
-              <a:rPr lang="en-US" sz="6000" dirty="0" smtClean="0">
-                <a:solidFill>
-                  <a:srgbClr val="FF33CC"/>
-                </a:solidFill>
-                <a:latin typeface="Comic Sans MS" pitchFamily="66" charset="0"/>
-              </a:rPr>
-              <a:t>  95</a:t>
-            </a:r>
-            <a:r>
-              <a:rPr lang="en-US" sz="6000" dirty="0" smtClean="0">
-                <a:solidFill>
-                  <a:srgbClr val="006600"/>
-                </a:solidFill>
-                <a:latin typeface="Comic Sans MS" pitchFamily="66" charset="0"/>
-              </a:rPr>
-              <a:t>% </a:t>
-            </a:r>
-            <a:r>
-              <a:rPr lang="en-US" sz="6000" dirty="0">
-                <a:solidFill>
-                  <a:srgbClr val="006600"/>
-                </a:solidFill>
-                <a:latin typeface="Comic Sans MS" pitchFamily="66" charset="0"/>
-              </a:rPr>
-              <a:t>confidence level</a:t>
-            </a:r>
-          </a:p>
-        </p:txBody>
-      </p:sp>
-      <p:pic>
-        <p:nvPicPr>
-          <p:cNvPr id="37892" name="Picture 4" descr="texpointerror"/>
-          <p:cNvPicPr>
-            <a:picLocks noChangeAspect="1" noChangeArrowheads="1"/>
-          </p:cNvPicPr>
-          <p:nvPr>
-            <p:custDataLst>
-              <p:tags r:id="rId1"/>
-            </p:custDataLst>
-          </p:nvPr>
-        </p:nvPicPr>
-        <p:blipFill>
-          <a:blip r:embed="rId4">
-            <a:clrChange>
-              <a:clrFrom>
-                <a:srgbClr val="FFFFFF"/>
-              </a:clrFrom>
-              <a:clrTo>
-                <a:srgbClr val="FFFFFF">
-                  <a:alpha val="0"/>
-                </a:srgbClr>
-              </a:clrTo>
-            </a:clrChange>
-          </a:blip>
-          <a:srcRect/>
-          <a:stretch>
-            <a:fillRect/>
-          </a:stretch>
-        </p:blipFill>
-        <p:spPr bwMode="auto">
-          <a:xfrm>
-            <a:off x="5080000" y="3810000"/>
-            <a:ext cx="1588" cy="1588"/>
-          </a:xfrm>
-          <a:prstGeom prst="rect">
-            <a:avLst/>
-          </a:prstGeom>
-          <a:noFill/>
-          <a:ln w="9525" algn="ctr">
-            <a:noFill/>
-            <a:miter lim="800000"/>
-            <a:headEnd/>
-            <a:tailEnd/>
-          </a:ln>
-        </p:spPr>
-      </p:pic>
-      <p:sp>
-        <p:nvSpPr>
-          <p:cNvPr id="8" name="Rectangle 7"/>
-          <p:cNvSpPr>
-            <a:spLocks noChangeArrowheads="1"/>
-          </p:cNvSpPr>
-          <p:nvPr/>
-        </p:nvSpPr>
-        <p:spPr bwMode="auto">
-          <a:xfrm>
-            <a:off x="457200" y="2324100"/>
-            <a:ext cx="8458200" cy="2628900"/>
-          </a:xfrm>
-          <a:prstGeom prst="rect">
-            <a:avLst/>
-          </a:prstGeom>
-          <a:noFill/>
-          <a:ln w="38100" algn="ctr">
-            <a:solidFill>
-              <a:srgbClr val="FF33CC"/>
-            </a:solidFill>
-            <a:prstDash val="sysDash"/>
-            <a:round/>
-            <a:headEnd/>
-            <a:tailEnd/>
-          </a:ln>
-        </p:spPr>
-        <p:txBody>
-          <a:bodyPr wrap="none" anchor="ctr"/>
-          <a:lstStyle/>
-          <a:p>
-            <a:endParaRPr lang="en-US"/>
-          </a:p>
-        </p:txBody>
-      </p:sp>
-      <p:sp>
-        <p:nvSpPr>
-          <p:cNvPr id="9" name="Rectangle 3"/>
-          <p:cNvSpPr>
-            <a:spLocks noGrp="1" noChangeArrowheads="1"/>
-          </p:cNvSpPr>
-          <p:nvPr>
-            <p:ph type="title"/>
-          </p:nvPr>
-        </p:nvSpPr>
-        <p:spPr>
-          <a:xfrm>
-            <a:off x="1905000" y="228600"/>
-            <a:ext cx="5334000" cy="990600"/>
-          </a:xfrm>
-          <a:noFill/>
-        </p:spPr>
-        <p:txBody>
-          <a:bodyPr/>
-          <a:lstStyle/>
-          <a:p>
-            <a:pPr eaLnBrk="1" hangingPunct="1"/>
-            <a:r>
-              <a:rPr lang="en-US" sz="4800" dirty="0" smtClean="0">
-                <a:solidFill>
-                  <a:srgbClr val="0006FE"/>
-                </a:solidFill>
-              </a:rPr>
-              <a:t>Confidence</a:t>
-            </a:r>
-          </a:p>
-        </p:txBody>
-      </p:sp>
-    </p:spTree>
-    <p:extLst>
-      <p:ext uri="{BB962C8B-B14F-4D97-AF65-F5344CB8AC3E}">
-        <p14:creationId xmlns:p14="http://schemas.microsoft.com/office/powerpoint/2010/main" val="3811715689"/>
-      </p:ext>
-    </p:extLst>
-  </p:cSld>
-  <p:clrMapOvr>
-    <a:masterClrMapping/>
-  </p:clrMapOvr>
-  <mc:AlternateContent xmlns:mc="http://schemas.openxmlformats.org/markup-compatibility/2006">
-    <mc:Choice xmlns:p14="http://schemas.microsoft.com/office/powerpoint/2010/main" Requires="p14">
-      <p:transition spd="med" p14:dur="700" advClick="0">
-        <p:fade/>
-      </p:transition>
-    </mc:Choice>
-    <mc:Fallback>
-      <p:transition xmlns:p14="http://schemas.microsoft.com/office/powerpoint/2010/main" spd="med" advClick="0">
-        <p:fade/>
-      </p:transition>
-    </mc:Fallback>
-  </mc:AlternateContent>
-  <p:timing>
-    <p:tnLst>
-      <p:par>
-        <p:cTn xmlns:p14="http://schemas.microsoft.com/office/powerpoint/2010/main" id="1" dur="indefinite" restart="never" nodeType="tmRoot">
-          <p:childTnLst>
-            <p:seq concurrent="1" nextAc="seek">
-              <p:cTn id="2" dur="indefinite" nodeType="mainSeq">
-                <p:childTnLst>
-                  <p:par>
-                    <p:cTn id="3" fill="hold">
-                      <p:stCondLst>
-                        <p:cond delay="indefinite"/>
-                      </p:stCondLst>
-                      <p:childTnLst>
-                        <p:par>
-                          <p:cTn id="4" fill="hold">
-                            <p:stCondLst>
-                              <p:cond delay="0"/>
-                            </p:stCondLst>
-                            <p:childTnLst>
-                              <p:par>
-                                <p:cTn id="5" presetID="9" presetClass="entr" presetSubtype="0" fill="hold" nodeType="clickEffect">
-                                  <p:stCondLst>
-                                    <p:cond delay="0"/>
-                                  </p:stCondLst>
-                                  <p:childTnLst>
-                                    <p:set>
-                                      <p:cBhvr>
-                                        <p:cTn id="6" dur="1" fill="hold">
-                                          <p:stCondLst>
-                                            <p:cond delay="0"/>
-                                          </p:stCondLst>
-                                        </p:cTn>
-                                        <p:tgtEl>
-                                          <p:spTgt spid="37891">
-                                            <p:txEl>
-                                              <p:pRg st="2" end="2"/>
-                                            </p:txEl>
-                                          </p:spTgt>
-                                        </p:tgtEl>
-                                        <p:attrNameLst>
-                                          <p:attrName>style.visibility</p:attrName>
-                                        </p:attrNameLst>
-                                      </p:cBhvr>
-                                      <p:to>
-                                        <p:strVal val="visible"/>
-                                      </p:to>
-                                    </p:set>
-                                    <p:animEffect transition="in" filter="dissolve">
-                                      <p:cBhvr>
-                                        <p:cTn id="7" dur="500"/>
-                                        <p:tgtEl>
-                                          <p:spTgt spid="37891">
-                                            <p:txEl>
-                                              <p:pRg st="2" end="2"/>
-                                            </p:txEl>
-                                          </p:spTgt>
-                                        </p:tgtEl>
-                                      </p:cBhvr>
-                                    </p:animEffect>
-                                  </p:childTnLst>
-                                </p:cTn>
-                              </p:par>
-                            </p:childTnLst>
-                          </p:cTn>
-                        </p:par>
-                      </p:childTnLst>
-                    </p:cTn>
-                  </p:par>
-                  <p:par>
-                    <p:cTn id="8" fill="hold">
-                      <p:stCondLst>
-                        <p:cond delay="indefinite"/>
-                      </p:stCondLst>
-                      <p:childTnLst>
-                        <p:par>
-                          <p:cTn id="9" fill="hold">
-                            <p:stCondLst>
-                              <p:cond delay="0"/>
-                            </p:stCondLst>
-                            <p:childTnLst>
-                              <p:par>
-                                <p:cTn id="10" presetID="15" presetClass="entr" presetSubtype="0" fill="hold" grpId="0" nodeType="clickEffect">
-                                  <p:stCondLst>
-                                    <p:cond delay="0"/>
-                                  </p:stCondLst>
-                                  <p:childTnLst>
-                                    <p:set>
-                                      <p:cBhvr>
-                                        <p:cTn id="11" dur="1" fill="hold">
-                                          <p:stCondLst>
-                                            <p:cond delay="0"/>
-                                          </p:stCondLst>
-                                        </p:cTn>
-                                        <p:tgtEl>
-                                          <p:spTgt spid="8"/>
-                                        </p:tgtEl>
-                                        <p:attrNameLst>
-                                          <p:attrName>style.visibility</p:attrName>
-                                        </p:attrNameLst>
-                                      </p:cBhvr>
-                                      <p:to>
-                                        <p:strVal val="visible"/>
-                                      </p:to>
-                                    </p:set>
-                                    <p:anim calcmode="lin" valueType="num">
-                                      <p:cBhvr>
-                                        <p:cTn id="12" dur="1000" fill="hold"/>
-                                        <p:tgtEl>
-                                          <p:spTgt spid="8"/>
-                                        </p:tgtEl>
-                                        <p:attrNameLst>
-                                          <p:attrName>ppt_w</p:attrName>
-                                        </p:attrNameLst>
-                                      </p:cBhvr>
-                                      <p:tavLst>
-                                        <p:tav tm="0">
-                                          <p:val>
-                                            <p:fltVal val="0"/>
-                                          </p:val>
-                                        </p:tav>
-                                        <p:tav tm="100000">
-                                          <p:val>
-                                            <p:strVal val="#ppt_w"/>
-                                          </p:val>
-                                        </p:tav>
-                                      </p:tavLst>
-                                    </p:anim>
-                                    <p:anim calcmode="lin" valueType="num">
-                                      <p:cBhvr>
-                                        <p:cTn id="13" dur="1000" fill="hold"/>
-                                        <p:tgtEl>
-                                          <p:spTgt spid="8"/>
-                                        </p:tgtEl>
-                                        <p:attrNameLst>
-                                          <p:attrName>ppt_h</p:attrName>
-                                        </p:attrNameLst>
-                                      </p:cBhvr>
-                                      <p:tavLst>
-                                        <p:tav tm="0">
-                                          <p:val>
-                                            <p:fltVal val="0"/>
-                                          </p:val>
-                                        </p:tav>
-                                        <p:tav tm="100000">
-                                          <p:val>
-                                            <p:strVal val="#ppt_h"/>
-                                          </p:val>
-                                        </p:tav>
-                                      </p:tavLst>
-                                    </p:anim>
-                                    <p:anim calcmode="lin" valueType="num">
-                                      <p:cBhvr>
-                                        <p:cTn id="14" dur="1000" fill="hold"/>
-                                        <p:tgtEl>
-                                          <p:spTgt spid="8"/>
-                                        </p:tgtEl>
-                                        <p:attrNameLst>
-                                          <p:attrName>ppt_x</p:attrName>
-                                        </p:attrNameLst>
-                                      </p:cBhvr>
-                                      <p:tavLst>
-                                        <p:tav tm="0" fmla="#ppt_x+(cos(-2*pi*(1-$))*-#ppt_x-sin(-2*pi*(1-$))*(1-#ppt_y))*(1-$)">
-                                          <p:val>
-                                            <p:fltVal val="0"/>
-                                          </p:val>
-                                        </p:tav>
-                                        <p:tav tm="100000">
-                                          <p:val>
-                                            <p:fltVal val="1"/>
-                                          </p:val>
-                                        </p:tav>
-                                      </p:tavLst>
-                                    </p:anim>
-                                    <p:anim calcmode="lin" valueType="num">
-                                      <p:cBhvr>
-                                        <p:cTn id="15" dur="1000" fill="hold"/>
-                                        <p:tgtEl>
-                                          <p:spTgt spid="8"/>
-                                        </p:tgtEl>
-                                        <p:attrNameLst>
-                                          <p:attrName>ppt_y</p:attrName>
-                                        </p:attrNameLst>
-                                      </p:cBhvr>
-                                      <p:tavLst>
-                                        <p:tav tm="0" fmla="#ppt_y+(sin(-2*pi*(1-$))*-#ppt_x+cos(-2*pi*(1-$))*(1-#ppt_y))*(1-$)">
-                                          <p:val>
-                                            <p:fltVal val="0"/>
-                                          </p:val>
-                                        </p:tav>
-                                        <p:tav tm="100000">
-                                          <p:val>
-                                            <p:fltVal val="1"/>
-                                          </p:val>
-                                        </p:tav>
-                                      </p:tavLst>
-                                    </p:anim>
-                                  </p:childTnLst>
-                                </p:cTn>
-                              </p:par>
-                            </p:childTnLst>
-                          </p:cTn>
-                        </p:par>
-                      </p:childTnLst>
-                    </p:cTn>
-                  </p:par>
-                </p:childTnLst>
-              </p:cTn>
-              <p:prevCondLst>
-                <p:cond evt="onPrev" delay="0">
-                  <p:tgtEl>
-                    <p:sldTgt/>
-                  </p:tgtEl>
-                </p:cond>
-              </p:prevCondLst>
-              <p:nextCondLst>
-                <p:cond evt="onNext" delay="0">
-                  <p:tgtEl>
-                    <p:sldTgt/>
-                  </p:tgtEl>
-                </p:cond>
-              </p:nextCondLst>
-            </p:seq>
-          </p:childTnLst>
-        </p:cTn>
-      </p:par>
-    </p:tnLst>
-    <p:bldLst>
-      <p:bldP spid="8" grpId="0" animBg="1"/>
-    </p:bldLst>
-  </p:timing>
-</p:sld>
-</file>
-
-<file path=ppt/slides/slide41.xml><?xml version="1.0" encoding="utf-8"?>
-<p:sld xmlns:a="http://schemas.openxmlformats.org/drawingml/2006/main" xmlns:r="http://schemas.openxmlformats.org/officeDocument/2006/relationships" xmlns:p="http://schemas.openxmlformats.org/presentationml/2006/main" show="0">
-  <p:cSld>
-    <p:spTree>
-      <p:nvGrpSpPr>
-        <p:cNvPr id="1" name=""/>
-        <p:cNvGrpSpPr/>
-        <p:nvPr/>
-      </p:nvGrpSpPr>
-      <p:grpSpPr>
-        <a:xfrm>
-          <a:off x="0" y="0"/>
-          <a:ext cx="0" cy="0"/>
-          <a:chOff x="0" y="0"/>
-          <a:chExt cx="0" cy="0"/>
-        </a:xfrm>
-      </p:grpSpPr>
-      <p:sp>
-        <p:nvSpPr>
-          <p:cNvPr id="3" name="Content Placeholder 2"/>
-          <p:cNvSpPr>
-            <a:spLocks noGrp="1"/>
-          </p:cNvSpPr>
-          <p:nvPr>
-            <p:ph idx="1"/>
-          </p:nvPr>
-        </p:nvSpPr>
-        <p:spPr>
-          <a:xfrm>
-            <a:off x="152400" y="1066800"/>
-            <a:ext cx="8686800" cy="4343400"/>
-          </a:xfrm>
-        </p:spPr>
-        <p:txBody>
-          <a:bodyPr/>
-          <a:lstStyle/>
-          <a:p>
-            <a:r>
-              <a:rPr lang="en-US" sz="4800" dirty="0" smtClean="0">
-                <a:solidFill>
-                  <a:srgbClr val="006600"/>
-                </a:solidFill>
-              </a:rPr>
-              <a:t>Moral:</a:t>
-            </a:r>
-            <a:r>
-              <a:rPr lang="en-US" sz="4800" dirty="0" smtClean="0"/>
-              <a:t> when you are told that </a:t>
-            </a:r>
-          </a:p>
-          <a:p>
-            <a:r>
-              <a:rPr lang="en-US" sz="4800" dirty="0" smtClean="0"/>
-              <a:t>some fact holds at a </a:t>
-            </a:r>
-            <a:r>
-              <a:rPr lang="en-US" sz="4800" dirty="0" smtClean="0">
-                <a:solidFill>
-                  <a:srgbClr val="006600"/>
-                </a:solidFill>
-              </a:rPr>
-              <a:t>high </a:t>
-            </a:r>
-          </a:p>
-          <a:p>
-            <a:r>
-              <a:rPr lang="en-US" sz="4800" dirty="0" smtClean="0">
-                <a:solidFill>
-                  <a:srgbClr val="006600"/>
-                </a:solidFill>
-              </a:rPr>
-              <a:t>confidence level</a:t>
-            </a:r>
-            <a:r>
-              <a:rPr lang="en-US" sz="4800" dirty="0" smtClean="0"/>
-              <a:t>, remember </a:t>
-            </a:r>
-          </a:p>
-          <a:p>
-            <a:r>
-              <a:rPr lang="en-US" sz="4800" dirty="0" smtClean="0"/>
-              <a:t>that a random experiment</a:t>
-            </a:r>
-          </a:p>
-          <a:p>
-            <a:r>
-              <a:rPr lang="en-US" sz="4800" dirty="0" smtClean="0"/>
-              <a:t>lies behind this claim. </a:t>
-            </a:r>
-            <a:endParaRPr lang="en-US" sz="4800" dirty="0" smtClean="0">
-              <a:solidFill>
-                <a:srgbClr val="0000CC"/>
-              </a:solidFill>
-            </a:endParaRPr>
-          </a:p>
-        </p:txBody>
-      </p:sp>
-      <p:sp>
-        <p:nvSpPr>
-          <p:cNvPr id="4" name="Slide Number Placeholder 3"/>
-          <p:cNvSpPr>
-            <a:spLocks noGrp="1"/>
-          </p:cNvSpPr>
-          <p:nvPr>
-            <p:ph type="sldNum" sz="quarter" idx="10"/>
-          </p:nvPr>
-        </p:nvSpPr>
-        <p:spPr/>
-        <p:txBody>
-          <a:bodyPr/>
-          <a:lstStyle/>
-          <a:p>
-            <a:pPr>
-              <a:defRPr/>
-            </a:pPr>
-            <a:r>
-              <a:rPr lang="en-US" dirty="0" smtClean="0"/>
-              <a:t>testing.</a:t>
-            </a:r>
-            <a:fld id="{E78F4000-603A-43A9-9772-EA15786EFD2C}" type="slidenum">
-              <a:rPr lang="en-US" smtClean="0"/>
-              <a:pPr>
-                <a:defRPr/>
-              </a:pPr>
-              <a:t>41</a:t>
-            </a:fld>
-            <a:endParaRPr lang="en-US" dirty="0"/>
-          </a:p>
-        </p:txBody>
-      </p:sp>
-      <p:sp>
-        <p:nvSpPr>
-          <p:cNvPr id="6" name="TextBox 5"/>
-          <p:cNvSpPr txBox="1"/>
-          <p:nvPr/>
-        </p:nvSpPr>
-        <p:spPr>
-          <a:xfrm>
-            <a:off x="226574" y="4604230"/>
-            <a:ext cx="8384026" cy="1877437"/>
-          </a:xfrm>
-          <a:prstGeom prst="rect">
-            <a:avLst/>
-          </a:prstGeom>
-          <a:noFill/>
-        </p:spPr>
-        <p:txBody>
-          <a:bodyPr wrap="none" rtlCol="0">
-            <a:spAutoFit/>
-          </a:bodyPr>
-          <a:lstStyle/>
-          <a:p>
-            <a:pPr marL="342900" lvl="0" indent="-342900" algn="l" eaLnBrk="0" hangingPunct="0">
-              <a:spcBef>
-                <a:spcPct val="20000"/>
-              </a:spcBef>
-            </a:pPr>
-            <a:r>
-              <a:rPr lang="en-US" sz="4400" kern="0" dirty="0" smtClean="0">
-                <a:solidFill>
-                  <a:srgbClr val="000000"/>
-                </a:solidFill>
-                <a:latin typeface="Comic Sans MS"/>
-              </a:rPr>
-              <a:t>                                       </a:t>
-            </a:r>
-            <a:r>
-              <a:rPr lang="en-US" sz="4800" kern="0" dirty="0" smtClean="0">
-                <a:solidFill>
-                  <a:srgbClr val="000000"/>
-                </a:solidFill>
-                <a:latin typeface="Comic Sans MS"/>
-              </a:rPr>
-              <a:t>Ask</a:t>
-            </a:r>
-          </a:p>
-          <a:p>
-            <a:pPr marL="342900" lvl="0" indent="-342900" algn="l" eaLnBrk="0" hangingPunct="0">
-              <a:spcBef>
-                <a:spcPts val="0"/>
-              </a:spcBef>
-            </a:pPr>
-            <a:r>
-              <a:rPr lang="en-US" sz="4800" kern="0" dirty="0" smtClean="0">
-                <a:solidFill>
-                  <a:srgbClr val="000000"/>
-                </a:solidFill>
-                <a:latin typeface="Comic Sans MS"/>
-              </a:rPr>
-              <a:t>yourself </a:t>
-            </a:r>
-            <a:r>
-              <a:rPr lang="en-US" sz="4800" kern="0" dirty="0" smtClean="0">
-                <a:solidFill>
-                  <a:srgbClr val="0000CC"/>
-                </a:solidFill>
-                <a:latin typeface="Comic Sans MS"/>
-              </a:rPr>
-              <a:t>“what experiment?”</a:t>
-            </a:r>
-          </a:p>
-          <a:p>
-            <a:endParaRPr lang="en-US" sz="2000" dirty="0"/>
-          </a:p>
-        </p:txBody>
-      </p:sp>
-      <p:sp>
-        <p:nvSpPr>
-          <p:cNvPr id="7" name="Rectangle 3"/>
-          <p:cNvSpPr>
-            <a:spLocks noGrp="1" noChangeArrowheads="1"/>
-          </p:cNvSpPr>
-          <p:nvPr>
-            <p:ph type="title"/>
-          </p:nvPr>
-        </p:nvSpPr>
-        <p:spPr>
-          <a:xfrm>
-            <a:off x="1905000" y="228600"/>
-            <a:ext cx="5334000" cy="990600"/>
-          </a:xfrm>
-          <a:noFill/>
-        </p:spPr>
-        <p:txBody>
-          <a:bodyPr/>
-          <a:lstStyle/>
-          <a:p>
-            <a:pPr eaLnBrk="1" hangingPunct="1"/>
-            <a:r>
-              <a:rPr lang="en-US" sz="4800" dirty="0" smtClean="0">
-                <a:solidFill>
-                  <a:srgbClr val="0006FE"/>
-                </a:solidFill>
-              </a:rPr>
-              <a:t>Confidence</a:t>
-            </a:r>
-          </a:p>
-        </p:txBody>
-      </p:sp>
-    </p:spTree>
-    <p:extLst>
-      <p:ext uri="{BB962C8B-B14F-4D97-AF65-F5344CB8AC3E}">
-        <p14:creationId xmlns:p14="http://schemas.microsoft.com/office/powerpoint/2010/main" val="474281096"/>
-      </p:ext>
-    </p:extLst>
-  </p:cSld>
-  <p:clrMapOvr>
-    <a:masterClrMapping/>
-  </p:clrMapOvr>
-  <p:transition xmlns:p14="http://schemas.microsoft.com/office/powerpoint/2010/main" spd="slow" advClick="0">
-    <p:fade thruBlk="1"/>
-  </p:transition>
-  <p:timing>
-    <p:tnLst>
-      <p:par>
-        <p:cTn xmlns:p14="http://schemas.microsoft.com/office/powerpoint/2010/main" id="1" dur="indefinite" restart="never" nodeType="tmRoot">
-          <p:childTnLst>
-            <p:seq concurrent="1" nextAc="seek">
-              <p:cTn id="2" dur="indefinite" nodeType="mainSeq">
-                <p:childTnLst>
-                  <p:par>
-                    <p:cTn id="3" fill="hold">
-                      <p:stCondLst>
-                        <p:cond delay="indefinite"/>
-                      </p:stCondLst>
-                      <p:childTnLst>
-                        <p:par>
-                          <p:cTn id="4" fill="hold">
-                            <p:stCondLst>
-                              <p:cond delay="0"/>
-                            </p:stCondLst>
-                            <p:childTnLst>
-                              <p:par>
-                                <p:cTn id="5" presetID="9" presetClass="entr" presetSubtype="0" fill="hold" grpId="0" nodeType="clickEffect">
-                                  <p:stCondLst>
-                                    <p:cond delay="0"/>
-                                  </p:stCondLst>
-                                  <p:childTnLst>
-                                    <p:set>
-                                      <p:cBhvr>
-                                        <p:cTn id="6" dur="1" fill="hold">
-                                          <p:stCondLst>
-                                            <p:cond delay="0"/>
-                                          </p:stCondLst>
-                                        </p:cTn>
-                                        <p:tgtEl>
-                                          <p:spTgt spid="6"/>
-                                        </p:tgtEl>
-                                        <p:attrNameLst>
-                                          <p:attrName>style.visibility</p:attrName>
-                                        </p:attrNameLst>
-                                      </p:cBhvr>
-                                      <p:to>
-                                        <p:strVal val="visible"/>
-                                      </p:to>
-                                    </p:set>
-                                    <p:animEffect transition="in" filter="dissolve">
-                                      <p:cBhvr>
-                                        <p:cTn id="7" dur="500"/>
-                                        <p:tgtEl>
-                                          <p:spTgt spid="6"/>
-                                        </p:tgtEl>
-                                      </p:cBhvr>
-                                    </p:animEffect>
-                                  </p:childTnLst>
-                                </p:cTn>
-                              </p:par>
-                            </p:childTnLst>
-                          </p:cTn>
-                        </p:par>
-                      </p:childTnLst>
-                    </p:cTn>
-                  </p:par>
-                </p:childTnLst>
-              </p:cTn>
-              <p:prevCondLst>
-                <p:cond evt="onPrev" delay="0">
-                  <p:tgtEl>
-                    <p:sldTgt/>
-                  </p:tgtEl>
-                </p:cond>
-              </p:prevCondLst>
-              <p:nextCondLst>
-                <p:cond evt="onNext" delay="0">
-                  <p:tgtEl>
-                    <p:sldTgt/>
-                  </p:tgtEl>
-                </p:cond>
-              </p:nextCondLst>
-            </p:seq>
-          </p:childTnLst>
-        </p:cTn>
-      </p:par>
-    </p:tnLst>
-    <p:bldLst>
-      <p:bldP spid="6" grpId="0"/>
-    </p:bldLst>
-  </p:timing>
-</p:sld>
-</file>
-
-<file path=ppt/slides/slide42.xml><?xml version="1.0" encoding="utf-8"?>
-<p:sld xmlns:a="http://schemas.openxmlformats.org/drawingml/2006/main" xmlns:r="http://schemas.openxmlformats.org/officeDocument/2006/relationships" xmlns:p="http://schemas.openxmlformats.org/presentationml/2006/main" show="0">
-  <p:cSld>
-    <p:spTree>
-      <p:nvGrpSpPr>
-        <p:cNvPr id="1" name=""/>
-        <p:cNvGrpSpPr/>
-        <p:nvPr/>
-      </p:nvGrpSpPr>
-      <p:grpSpPr>
-        <a:xfrm>
-          <a:off x="0" y="0"/>
-          <a:ext cx="0" cy="0"/>
-          <a:chOff x="0" y="0"/>
-          <a:chExt cx="0" cy="0"/>
-        </a:xfrm>
-      </p:grpSpPr>
-      <p:sp>
-        <p:nvSpPr>
-          <p:cNvPr id="3" name="Content Placeholder 2"/>
-          <p:cNvSpPr>
-            <a:spLocks noGrp="1"/>
-          </p:cNvSpPr>
-          <p:nvPr>
-            <p:ph idx="1"/>
-          </p:nvPr>
-        </p:nvSpPr>
-        <p:spPr>
-          <a:xfrm>
-            <a:off x="152400" y="1066800"/>
-            <a:ext cx="8839200" cy="5334000"/>
-          </a:xfrm>
-        </p:spPr>
-        <p:txBody>
-          <a:bodyPr/>
-          <a:lstStyle/>
-          <a:p>
-            <a:r>
-              <a:rPr lang="en-US" sz="4800" dirty="0" smtClean="0">
-                <a:solidFill>
-                  <a:srgbClr val="006600"/>
-                </a:solidFill>
-              </a:rPr>
-              <a:t>Moral:</a:t>
-            </a:r>
-            <a:r>
-              <a:rPr lang="en-US" sz="4800" dirty="0" smtClean="0"/>
-              <a:t> </a:t>
-            </a:r>
-            <a:r>
-              <a:rPr lang="en-US" sz="4800" dirty="0"/>
-              <a:t>Also ask “Why am I</a:t>
-            </a:r>
-          </a:p>
-          <a:p>
-            <a:r>
-              <a:rPr lang="en-US" sz="4800" dirty="0"/>
-              <a:t>hearing about this particular </a:t>
-            </a:r>
-          </a:p>
-          <a:p>
-            <a:r>
-              <a:rPr lang="en-US" sz="4800" dirty="0"/>
-              <a:t>experiment?  How many </a:t>
-            </a:r>
-          </a:p>
-          <a:p>
-            <a:r>
-              <a:rPr lang="en-US" sz="4800" dirty="0"/>
-              <a:t>others were tried and not</a:t>
-            </a:r>
-          </a:p>
-          <a:p>
-            <a:r>
-              <a:rPr lang="en-US" sz="4800" dirty="0"/>
-              <a:t>reported?” </a:t>
-            </a:r>
-            <a:endParaRPr lang="en-US" sz="4800" dirty="0" smtClean="0"/>
-          </a:p>
-          <a:p>
-            <a:pPr algn="ctr"/>
-            <a:r>
-              <a:rPr lang="en-US" sz="4800" dirty="0"/>
-              <a:t>See </a:t>
-            </a:r>
-            <a:r>
-              <a:rPr lang="en-US" sz="4800" dirty="0">
-                <a:solidFill>
-                  <a:srgbClr val="660066"/>
-                </a:solidFill>
-              </a:rPr>
-              <a:t>http://</a:t>
-            </a:r>
-            <a:r>
-              <a:rPr lang="en-US" sz="4800" dirty="0" err="1">
-                <a:solidFill>
-                  <a:srgbClr val="660066"/>
-                </a:solidFill>
-              </a:rPr>
-              <a:t>xkcd.com</a:t>
-            </a:r>
-            <a:r>
-              <a:rPr lang="en-US" sz="4800" dirty="0">
-                <a:solidFill>
-                  <a:srgbClr val="660066"/>
-                </a:solidFill>
-              </a:rPr>
-              <a:t>/882/</a:t>
-            </a:r>
-          </a:p>
-        </p:txBody>
-      </p:sp>
-      <p:sp>
-        <p:nvSpPr>
-          <p:cNvPr id="4" name="Slide Number Placeholder 3"/>
-          <p:cNvSpPr>
-            <a:spLocks noGrp="1"/>
-          </p:cNvSpPr>
-          <p:nvPr>
-            <p:ph type="sldNum" sz="quarter" idx="10"/>
-          </p:nvPr>
-        </p:nvSpPr>
-        <p:spPr/>
-        <p:txBody>
-          <a:bodyPr/>
-          <a:lstStyle/>
-          <a:p>
-            <a:pPr>
-              <a:defRPr/>
-            </a:pPr>
-            <a:r>
-              <a:rPr lang="en-US" dirty="0" smtClean="0"/>
-              <a:t>testing.</a:t>
-            </a:r>
-            <a:fld id="{E78F4000-603A-43A9-9772-EA15786EFD2C}" type="slidenum">
-              <a:rPr lang="en-US" smtClean="0"/>
-              <a:pPr>
-                <a:defRPr/>
-              </a:pPr>
-              <a:t>42</a:t>
-            </a:fld>
-            <a:endParaRPr lang="en-US" dirty="0"/>
-          </a:p>
-        </p:txBody>
-      </p:sp>
-      <p:sp>
-        <p:nvSpPr>
-          <p:cNvPr id="7" name="Rectangle 3"/>
-          <p:cNvSpPr>
-            <a:spLocks noGrp="1" noChangeArrowheads="1"/>
-          </p:cNvSpPr>
-          <p:nvPr>
-            <p:ph type="title"/>
-          </p:nvPr>
-        </p:nvSpPr>
-        <p:spPr>
-          <a:xfrm>
-            <a:off x="1905000" y="228600"/>
-            <a:ext cx="5334000" cy="990600"/>
-          </a:xfrm>
-          <a:noFill/>
-        </p:spPr>
-        <p:txBody>
-          <a:bodyPr/>
-          <a:lstStyle/>
-          <a:p>
-            <a:pPr eaLnBrk="1" hangingPunct="1"/>
-            <a:r>
-              <a:rPr lang="en-US" sz="4800" dirty="0" smtClean="0">
-                <a:solidFill>
-                  <a:srgbClr val="0006FE"/>
-                </a:solidFill>
-              </a:rPr>
-              <a:t>Confidence</a:t>
-            </a:r>
-          </a:p>
-        </p:txBody>
-      </p:sp>
-    </p:spTree>
-    <p:extLst>
-      <p:ext uri="{BB962C8B-B14F-4D97-AF65-F5344CB8AC3E}">
-        <p14:creationId xmlns:p14="http://schemas.microsoft.com/office/powerpoint/2010/main" val="1527608813"/>
-      </p:ext>
-    </p:extLst>
-  </p:cSld>
-  <p:clrMapOvr>
-    <a:masterClrMapping/>
-  </p:clrMapOvr>
-  <p:transition xmlns:p14="http://schemas.microsoft.com/office/powerpoint/2010/main">
-    <p:fade/>
-  </p:transition>
-  <p:timing>
-    <p:tnLst>
-      <p:par>
-        <p:cTn xmlns:p14="http://schemas.microsoft.com/office/powerpoint/2010/main" id="1" dur="indefinite" restart="never" nodeType="tmRoot">
-          <p:childTnLst>
-            <p:seq concurrent="1" nextAc="seek">
-              <p:cTn id="2" dur="indefinite" nodeType="mainSeq">
-                <p:childTnLst>
-                  <p:par>
-                    <p:cTn id="3" fill="hold">
-                      <p:stCondLst>
-                        <p:cond delay="indefinite"/>
-                      </p:stCondLst>
-                      <p:childTnLst>
-                        <p:par>
-                          <p:cTn id="4" fill="hold">
-                            <p:stCondLst>
-                              <p:cond delay="0"/>
-                            </p:stCondLst>
-                            <p:childTnLst>
-                              <p:par>
-                                <p:cTn id="5" presetID="10" presetClass="entr" presetSubtype="0" fill="hold" nodeType="clickEffect">
-                                  <p:stCondLst>
-                                    <p:cond delay="0"/>
-                                  </p:stCondLst>
-                                  <p:childTnLst>
-                                    <p:set>
-                                      <p:cBhvr>
-                                        <p:cTn id="6" dur="1" fill="hold">
-                                          <p:stCondLst>
-                                            <p:cond delay="0"/>
-                                          </p:stCondLst>
-                                        </p:cTn>
-                                        <p:tgtEl>
-                                          <p:spTgt spid="3">
-                                            <p:txEl>
-                                              <p:pRg st="5" end="5"/>
-                                            </p:txEl>
-                                          </p:spTgt>
-                                        </p:tgtEl>
-                                        <p:attrNameLst>
-                                          <p:attrName>style.visibility</p:attrName>
-                                        </p:attrNameLst>
-                                      </p:cBhvr>
-                                      <p:to>
-                                        <p:strVal val="visible"/>
-                                      </p:to>
-                                    </p:set>
-                                    <p:animEffect transition="in" filter="fade">
-                                      <p:cBhvr>
-                                        <p:cTn id="7" dur="500"/>
-                                        <p:tgtEl>
-                                          <p:spTgt spid="3">
-                                            <p:txEl>
-                                              <p:pRg st="5" end="5"/>
-                                            </p:txEl>
-                                          </p:spTgt>
-                                        </p:tgtEl>
-                                      </p:cBhvr>
-                                    </p:animEffect>
-                                  </p:childTnLst>
-                                </p:cTn>
-                              </p:par>
-                            </p:childTnLst>
-                          </p:cTn>
-                        </p:par>
-                      </p:childTnLst>
-                    </p:cTn>
-                  </p:par>
-                </p:childTnLst>
-              </p:cTn>
-              <p:prevCondLst>
-                <p:cond evt="onPrev" delay="0">
-                  <p:tgtEl>
-                    <p:sldTgt/>
-                  </p:tgtEl>
-                </p:cond>
-              </p:prevCondLst>
-              <p:nextCondLst>
-                <p:cond evt="onNext" delay="0">
-                  <p:tgtEl>
-                    <p:sldTgt/>
-                  </p:tgtEl>
-                </p:cond>
-              </p:nextCondLst>
-            </p:seq>
-          </p:childTnLst>
-        </p:cTn>
       </p:par>
     </p:tnLst>
   </p:timing>
@@ -20984,7 +17456,7 @@
           <a:graphicData uri="http://schemas.openxmlformats.org/presentationml/2006/ole">
             <mc:AlternateContent xmlns:mc="http://schemas.openxmlformats.org/markup-compatibility/2006">
               <mc:Choice xmlns:v="urn:schemas-microsoft-com:vml" Requires="v">
-                <p:oleObj spid="_x0000_s92183" name="Equation" r:id="rId4" imgW="1714500" imgH="241300" progId="Equation.DSMT4">
+                <p:oleObj spid="_x0000_s92187" name="Equation" r:id="rId4" imgW="1714500" imgH="241300" progId="Equation.DSMT4">
                   <p:embed/>
                 </p:oleObj>
               </mc:Choice>
@@ -21100,7 +17572,15 @@
                   <a:schemeClr val="tx1"/>
                 </a:solidFill>
               </a:rPr>
-              <a:t>99% accurate TB testing</a:t>
+              <a:t>98% </a:t>
+            </a:r>
+            <a:r>
+              <a:rPr lang="en-US" sz="4000" dirty="0" smtClean="0">
+                <a:solidFill>
+                  <a:schemeClr val="tx1"/>
+                </a:solidFill>
+              </a:rPr>
+              <a:t>accurate TB testing</a:t>
             </a:r>
           </a:p>
         </p:txBody>
@@ -21506,7 +17986,7 @@
           <a:graphicData uri="http://schemas.openxmlformats.org/presentationml/2006/ole">
             <mc:AlternateContent xmlns:mc="http://schemas.openxmlformats.org/markup-compatibility/2006">
               <mc:Choice xmlns:v="urn:schemas-microsoft-com:vml" Requires="v">
-                <p:oleObj spid="_x0000_s87087" name="Equation" r:id="rId4" imgW="1714500" imgH="241300" progId="Equation.DSMT4">
+                <p:oleObj spid="_x0000_s87094" name="Equation" r:id="rId4" imgW="1714500" imgH="241300" progId="Equation.DSMT4">
                   <p:embed/>
                 </p:oleObj>
               </mc:Choice>
@@ -21622,7 +18102,15 @@
                   <a:schemeClr val="tx1"/>
                 </a:solidFill>
               </a:rPr>
-              <a:t>99% accurate TB testing</a:t>
+              <a:t>98% </a:t>
+            </a:r>
+            <a:r>
+              <a:rPr lang="en-US" sz="4000" dirty="0" smtClean="0">
+                <a:solidFill>
+                  <a:schemeClr val="tx1"/>
+                </a:solidFill>
+              </a:rPr>
+              <a:t>accurate TB testing</a:t>
             </a:r>
           </a:p>
         </p:txBody>
@@ -21649,7 +18137,7 @@
           <a:graphicData uri="http://schemas.openxmlformats.org/presentationml/2006/ole">
             <mc:AlternateContent xmlns:mc="http://schemas.openxmlformats.org/markup-compatibility/2006">
               <mc:Choice xmlns:v="urn:schemas-microsoft-com:vml" Requires="v">
-                <p:oleObj spid="_x0000_s87088" name="Equation" r:id="rId6" imgW="1574800" imgH="469900" progId="Equation.DSMT4">
+                <p:oleObj spid="_x0000_s87095" name="Equation" r:id="rId6" imgW="1574800" imgH="469900" progId="Equation.DSMT4">
                   <p:embed/>
                 </p:oleObj>
               </mc:Choice>
@@ -22040,7 +18528,15 @@
                   <a:schemeClr val="tx1"/>
                 </a:solidFill>
               </a:rPr>
-              <a:t>99% accurate TB testing</a:t>
+              <a:t>98% </a:t>
+            </a:r>
+            <a:r>
+              <a:rPr lang="en-US" sz="4000" dirty="0" smtClean="0">
+                <a:solidFill>
+                  <a:schemeClr val="tx1"/>
+                </a:solidFill>
+              </a:rPr>
+              <a:t>accurate TB testing</a:t>
             </a:r>
           </a:p>
         </p:txBody>
@@ -22067,7 +18563,7 @@
           <a:graphicData uri="http://schemas.openxmlformats.org/presentationml/2006/ole">
             <mc:AlternateContent xmlns:mc="http://schemas.openxmlformats.org/markup-compatibility/2006">
               <mc:Choice xmlns:v="urn:schemas-microsoft-com:vml" Requires="v">
-                <p:oleObj spid="_x0000_s91162" name="Equation" r:id="rId4" imgW="1270000" imgH="469900" progId="Equation.DSMT4">
+                <p:oleObj spid="_x0000_s91166" name="Equation" r:id="rId4" imgW="1270000" imgH="469900" progId="Equation.DSMT4">
                   <p:embed/>
                 </p:oleObj>
               </mc:Choice>
@@ -22530,7 +19026,15 @@
                   <a:schemeClr val="tx1"/>
                 </a:solidFill>
               </a:rPr>
-              <a:t>99% accurate TB testing</a:t>
+              <a:t>98% </a:t>
+            </a:r>
+            <a:r>
+              <a:rPr lang="en-US" sz="4000" dirty="0" smtClean="0">
+                <a:solidFill>
+                  <a:schemeClr val="tx1"/>
+                </a:solidFill>
+              </a:rPr>
+              <a:t>accurate TB testing</a:t>
             </a:r>
           </a:p>
         </p:txBody>
@@ -22907,7 +19411,15 @@
                   <a:schemeClr val="tx1"/>
                 </a:solidFill>
               </a:rPr>
-              <a:t>99% accurate TB testing</a:t>
+              <a:t>98% </a:t>
+            </a:r>
+            <a:r>
+              <a:rPr lang="en-US" sz="4000" dirty="0" smtClean="0">
+                <a:solidFill>
+                  <a:schemeClr val="tx1"/>
+                </a:solidFill>
+              </a:rPr>
+              <a:t>accurate TB testing</a:t>
             </a:r>
           </a:p>
         </p:txBody>
@@ -22954,51 +19466,6 @@
   <p:tag name="TEX2PS" val="latex %.tex; dvips -D 300 -o %.ps %.dvi"/>
   <p:tag name="TEX2PSBATCH" val="latex --interaction=nonstopmode %.tex; dvips -D 300 -o %.ps %.dvi"/>
   <p:tag name="DEFAULTMAGNIFICATION" val="1.5"/>
-</p:tagLst>
-</file>
-
-<file path=ppt/tags/tag2.xml><?xml version="1.0" encoding="utf-8"?>
-<p:tagLst xmlns:a="http://schemas.openxmlformats.org/drawingml/2006/main" xmlns:r="http://schemas.openxmlformats.org/officeDocument/2006/relationships" xmlns:p="http://schemas.openxmlformats.org/presentationml/2006/main">
-  <p:tag name="SOURCE" val="\documentclass{slides}\pagestyle{empty}&#10;\input{C:/latex-macros/texpoint.sty}&#10;\begin{document}&#10;$  3$&#10;\end{document}"/>
-  <p:tag name="EXTERNALNAME" val="TP_tmp"/>
-  <p:tag name="BLEND" val="0"/>
-  <p:tag name="TRANSPARENT" val="1"/>
-  <p:tag name="RESOLUTION" val="300"/>
-  <p:tag name="WORKAROUNDTRANSPARENCYBUG" val="0"/>
-  <p:tag name="ALLOWFONTSUBSTITUTION" val="0"/>
-  <p:tag name="BITMAPFORMAT" val="png256"/>
-  <p:tag name="ORIGWIDTH" val="63.875"/>
-  <p:tag name="PICTUREFILESIZE" val="3950"/>
-</p:tagLst>
-</file>
-
-<file path=ppt/tags/tag3.xml><?xml version="1.0" encoding="utf-8"?>
-<p:tagLst xmlns:a="http://schemas.openxmlformats.org/drawingml/2006/main" xmlns:r="http://schemas.openxmlformats.org/officeDocument/2006/relationships" xmlns:p="http://schemas.openxmlformats.org/presentationml/2006/main">
-  <p:tag name="SOURCE" val="\documentclass{slides}\pagestyle{empty}&#10;\input{C:/latex-macros/texpoint.sty}&#10;\begin{document}&#10;$  3$&#10;\end{document}"/>
-  <p:tag name="EXTERNALNAME" val="TP_tmp"/>
-  <p:tag name="BLEND" val="0"/>
-  <p:tag name="TRANSPARENT" val="1"/>
-  <p:tag name="RESOLUTION" val="300"/>
-  <p:tag name="WORKAROUNDTRANSPARENCYBUG" val="0"/>
-  <p:tag name="ALLOWFONTSUBSTITUTION" val="0"/>
-  <p:tag name="BITMAPFORMAT" val="png256"/>
-  <p:tag name="ORIGWIDTH" val="63.875"/>
-  <p:tag name="PICTUREFILESIZE" val="3950"/>
-</p:tagLst>
-</file>
-
-<file path=ppt/tags/tag4.xml><?xml version="1.0" encoding="utf-8"?>
-<p:tagLst xmlns:a="http://schemas.openxmlformats.org/drawingml/2006/main" xmlns:r="http://schemas.openxmlformats.org/officeDocument/2006/relationships" xmlns:p="http://schemas.openxmlformats.org/presentationml/2006/main">
-  <p:tag name="SOURCE" val="\documentclass{slides}\pagestyle{empty}&#10;\input{C:/latex-macros/texpoint.sty}&#10;\begin{document}&#10;$  3$&#10;\end{document}"/>
-  <p:tag name="EXTERNALNAME" val="TP_tmp"/>
-  <p:tag name="BLEND" val="0"/>
-  <p:tag name="TRANSPARENT" val="1"/>
-  <p:tag name="RESOLUTION" val="300"/>
-  <p:tag name="WORKAROUNDTRANSPARENCYBUG" val="0"/>
-  <p:tag name="ALLOWFONTSUBSTITUTION" val="0"/>
-  <p:tag name="BITMAPFORMAT" val="png256"/>
-  <p:tag name="ORIGWIDTH" val="63.875"/>
-  <p:tag name="PICTUREFILESIZE" val="3950"/>
 </p:tagLst>
 </file>
 

--- a/spring16/slidesS16/testing-confidence.pptx
+++ b/spring16/slidesS16/testing-confidence.pptx
@@ -4620,36 +4620,6 @@
       </p:grpSpPr>
       <p:sp>
         <p:nvSpPr>
-          <p:cNvPr id="21506" name="Slide Number Placeholder 1"/>
-          <p:cNvSpPr>
-            <a:spLocks noGrp="1"/>
-          </p:cNvSpPr>
-          <p:nvPr>
-            <p:ph type="sldNum" sz="quarter" idx="10"/>
-          </p:nvPr>
-        </p:nvSpPr>
-        <p:spPr>
-          <a:noFill/>
-        </p:spPr>
-        <p:txBody>
-          <a:bodyPr/>
-          <a:lstStyle/>
-          <a:p>
-            <a:r>
-              <a:rPr lang="en-US" dirty="0" smtClean="0"/>
-              <a:t>testing.</a:t>
-            </a:r>
-            <a:fld id="{FA37E6F2-F2EB-4CD5-AFBF-DAF43A4D56E9}" type="slidenum">
-              <a:rPr lang="en-US" smtClean="0"/>
-              <a:pPr/>
-              <a:t>1</a:t>
-            </a:fld>
-            <a:endParaRPr lang="en-US" dirty="0" smtClean="0"/>
-          </a:p>
-        </p:txBody>
-      </p:sp>
-      <p:sp>
-        <p:nvSpPr>
           <p:cNvPr id="21507" name="Text Box 2"/>
           <p:cNvSpPr txBox="1">
             <a:spLocks noChangeArrowheads="1"/>
@@ -4794,6 +4764,130 @@
                 <a:schemeClr val="tx2"/>
               </a:solidFill>
               <a:latin typeface="Comic Sans MS" pitchFamily="66" charset="0"/>
+            </a:endParaRPr>
+          </a:p>
+        </p:txBody>
+      </p:sp>
+      <p:sp>
+        <p:nvSpPr>
+          <p:cNvPr id="6" name="Rectangle 4"/>
+          <p:cNvSpPr txBox="1">
+            <a:spLocks noChangeArrowheads="1"/>
+          </p:cNvSpPr>
+          <p:nvPr/>
+        </p:nvSpPr>
+        <p:spPr bwMode="auto">
+          <a:xfrm>
+            <a:off x="7696200" y="6629400"/>
+            <a:ext cx="1447800" cy="228600"/>
+          </a:xfrm>
+          <a:prstGeom prst="rect">
+            <a:avLst/>
+          </a:prstGeom>
+          <a:noFill/>
+          <a:ln w="9525">
+            <a:noFill/>
+            <a:miter lim="800000"/>
+            <a:headEnd/>
+            <a:tailEnd/>
+          </a:ln>
+          <a:effectLst/>
+        </p:spPr>
+        <p:txBody>
+          <a:bodyPr vert="horz" wrap="square" lIns="91440" tIns="45720" rIns="91440" bIns="45720" numCol="1" anchor="t" anchorCtr="0" compatLnSpc="1">
+            <a:prstTxWarp prst="textNoShape">
+              <a:avLst/>
+            </a:prstTxWarp>
+          </a:bodyPr>
+          <a:lstStyle>
+            <a:lvl1pPr algn="r">
+              <a:defRPr sz="1200" dirty="0" err="1" smtClean="0">
+                <a:latin typeface="+mn-lt"/>
+              </a:defRPr>
+            </a:lvl1pPr>
+          </a:lstStyle>
+          <a:p>
+            <a:pPr marL="0" marR="0" lvl="0" indent="0" algn="r" defTabSz="914400" rtl="0" eaLnBrk="1" fontAlgn="base" latinLnBrk="0" hangingPunct="1">
+              <a:lnSpc>
+                <a:spcPct val="100000"/>
+              </a:lnSpc>
+              <a:spcBef>
+                <a:spcPct val="0"/>
+              </a:spcBef>
+              <a:spcAft>
+                <a:spcPct val="0"/>
+              </a:spcAft>
+              <a:buClrTx/>
+              <a:buSzTx/>
+              <a:buFontTx/>
+              <a:buNone/>
+              <a:tabLst/>
+              <a:defRPr/>
+            </a:pPr>
+            <a:r>
+              <a:rPr kumimoji="0" lang="en-US" sz="1200" b="0" i="0" u="none" strike="noStrike" kern="1200" cap="none" spc="0" normalizeH="0" baseline="0" noProof="0" dirty="0" smtClean="0">
+                <a:ln>
+                  <a:noFill/>
+                </a:ln>
+                <a:solidFill>
+                  <a:schemeClr val="tx1"/>
+                </a:solidFill>
+                <a:effectLst/>
+                <a:uLnTx/>
+                <a:uFillTx/>
+                <a:latin typeface="Comic Sans MS"/>
+                <a:ea typeface="+mn-ea"/>
+                <a:cs typeface="Comic Sans MS"/>
+              </a:rPr>
+              <a:t>testing.</a:t>
+            </a:r>
+            <a:fld id="{B9A0B45D-6AFD-413C-B761-B121FB8BE940}" type="slidenum">
+              <a:rPr kumimoji="0" lang="en-US" sz="1200" b="0" i="0" u="none" strike="noStrike" kern="1200" cap="none" spc="0" normalizeH="0" baseline="0" noProof="0" smtClean="0">
+                <a:ln>
+                  <a:noFill/>
+                </a:ln>
+                <a:solidFill>
+                  <a:schemeClr val="tx1"/>
+                </a:solidFill>
+                <a:effectLst/>
+                <a:uLnTx/>
+                <a:uFillTx/>
+                <a:latin typeface="Comic Sans MS"/>
+                <a:ea typeface="+mn-ea"/>
+                <a:cs typeface="Comic Sans MS"/>
+              </a:rPr>
+              <a:pPr marL="0" marR="0" lvl="0" indent="0" algn="r" defTabSz="914400" rtl="0" eaLnBrk="1" fontAlgn="base" latinLnBrk="0" hangingPunct="1">
+                <a:lnSpc>
+                  <a:spcPct val="100000"/>
+                </a:lnSpc>
+                <a:spcBef>
+                  <a:spcPct val="0"/>
+                </a:spcBef>
+                <a:spcAft>
+                  <a:spcPct val="0"/>
+                </a:spcAft>
+                <a:buClrTx/>
+                <a:buSzTx/>
+                <a:buFontTx/>
+                <a:buNone/>
+                <a:tabLst/>
+                <a:defRPr/>
+              </a:pPr>
+              <a:t>1</a:t>
+            </a:fld>
+            <a:endParaRPr kumimoji="0" lang="en-US" sz="1200" b="0" i="0" u="none" strike="noStrike" kern="1200" cap="none" spc="0" normalizeH="0" baseline="0" noProof="0" dirty="0">
+              <a:ln>
+                <a:noFill/>
+              </a:ln>
+              <a:solidFill>
+                <a:schemeClr val="tx1"/>
+              </a:solidFill>
+              <a:effectLst/>
+              <a:uLnTx/>
+              <a:uFillTx/>
+              <a:latin typeface="Comic Sans MS"/>
+              <a:ea typeface="+mn-ea"/>
+              <a:cs typeface="Comic Sans MS"/>
             </a:endParaRPr>
           </a:p>
         </p:txBody>
@@ -4867,7 +4961,130 @@
       </p:cxnSp>
       <p:sp>
         <p:nvSpPr>
-          <p:cNvPr id="39" name="Rectangle 4"/>
+          <p:cNvPr id="2" name="TextBox 1"/>
+          <p:cNvSpPr txBox="1"/>
+          <p:nvPr/>
+        </p:nvSpPr>
+        <p:spPr>
+          <a:xfrm>
+            <a:off x="199038" y="1061467"/>
+            <a:ext cx="8944962" cy="2751522"/>
+          </a:xfrm>
+          <a:prstGeom prst="rect">
+            <a:avLst/>
+          </a:prstGeom>
+          <a:noFill/>
+        </p:spPr>
+        <p:txBody>
+          <a:bodyPr wrap="square" rtlCol="0">
+            <a:spAutoFit/>
+          </a:bodyPr>
+          <a:lstStyle/>
+          <a:p>
+            <a:pPr algn="l"/>
+            <a:r>
+              <a:rPr lang="en-US" sz="5400" dirty="0" smtClean="0">
+                <a:latin typeface="Comic Sans MS"/>
+                <a:cs typeface="Comic Sans MS"/>
+              </a:rPr>
+              <a:t>TB is a serious disease, and</a:t>
+            </a:r>
+          </a:p>
+          <a:p>
+            <a:r>
+              <a:rPr lang="en-US" sz="4800" kern="0" dirty="0" smtClean="0">
+                <a:latin typeface="Comic Sans MS" pitchFamily="66" charset="0"/>
+              </a:rPr>
+              <a:t>your Doc is </a:t>
+            </a:r>
+            <a:r>
+              <a:rPr lang="en-US" sz="4800" kern="0" dirty="0">
+                <a:latin typeface="Comic Sans MS" pitchFamily="66" charset="0"/>
+              </a:rPr>
+              <a:t>“</a:t>
+            </a:r>
+            <a:r>
+              <a:rPr lang="en-US" sz="5400" kern="0" dirty="0" smtClean="0">
+                <a:solidFill>
+                  <a:srgbClr val="FF00FF"/>
+                </a:solidFill>
+                <a:latin typeface="Comic Sans MS" pitchFamily="66" charset="0"/>
+              </a:rPr>
+              <a:t>98% </a:t>
+            </a:r>
+            <a:r>
+              <a:rPr lang="en-US" sz="5400" kern="0" dirty="0">
+                <a:solidFill>
+                  <a:srgbClr val="FF00FF"/>
+                </a:solidFill>
+                <a:latin typeface="Comic Sans MS" pitchFamily="66" charset="0"/>
+              </a:rPr>
+              <a:t>confident</a:t>
+            </a:r>
+            <a:r>
+              <a:rPr lang="en-US" sz="5400" kern="0" dirty="0">
+                <a:solidFill>
+                  <a:srgbClr val="000000"/>
+                </a:solidFill>
+                <a:latin typeface="Comic Sans MS" pitchFamily="66" charset="0"/>
+              </a:rPr>
+              <a:t>” </a:t>
+            </a:r>
+            <a:r>
+              <a:rPr lang="en-US" sz="5400" kern="0" dirty="0" smtClean="0">
+                <a:solidFill>
+                  <a:srgbClr val="000000"/>
+                </a:solidFill>
+                <a:latin typeface="Comic Sans MS" pitchFamily="66" charset="0"/>
+              </a:rPr>
+              <a:t>you have it.</a:t>
+            </a:r>
+            <a:endParaRPr lang="en-US" sz="5400" dirty="0">
+              <a:solidFill>
+                <a:srgbClr val="000000"/>
+              </a:solidFill>
+              <a:latin typeface="Comic Sans MS"/>
+              <a:cs typeface="Comic Sans MS"/>
+            </a:endParaRPr>
+          </a:p>
+        </p:txBody>
+      </p:sp>
+      <p:sp>
+        <p:nvSpPr>
+          <p:cNvPr id="8" name="Rectangle 4"/>
+          <p:cNvSpPr>
+            <a:spLocks noGrp="1" noChangeArrowheads="1"/>
+          </p:cNvSpPr>
+          <p:nvPr>
+            <p:ph type="title"/>
+          </p:nvPr>
+        </p:nvSpPr>
+        <p:spPr>
+          <a:xfrm>
+            <a:off x="1295400" y="228600"/>
+            <a:ext cx="6553200" cy="838200"/>
+          </a:xfrm>
+          <a:noFill/>
+        </p:spPr>
+        <p:txBody>
+          <a:bodyPr/>
+          <a:lstStyle/>
+          <a:p>
+            <a:pPr eaLnBrk="1" hangingPunct="1"/>
+            <a:r>
+              <a:rPr lang="en-US" sz="4000" dirty="0" smtClean="0">
+                <a:solidFill>
+                  <a:schemeClr val="tx1"/>
+                </a:solidFill>
+              </a:rPr>
+              <a:t>98% accurate TB testing</a:t>
+            </a:r>
+          </a:p>
+        </p:txBody>
+      </p:sp>
+      <p:sp>
+        <p:nvSpPr>
+          <p:cNvPr id="6" name="Rectangle 4"/>
           <p:cNvSpPr txBox="1">
             <a:spLocks noChangeArrowheads="1"/>
           </p:cNvSpPr>
@@ -4932,9 +5149,9 @@
                 <a:effectLst/>
                 <a:uLnTx/>
                 <a:uFillTx/>
-                <a:latin typeface="+mn-lt"/>
+                <a:latin typeface="Comic Sans MS"/>
                 <a:ea typeface="+mn-ea"/>
-                <a:cs typeface="+mn-cs"/>
+                <a:cs typeface="Comic Sans MS"/>
               </a:rPr>
               <a:t>testing.</a:t>
             </a:r>
@@ -4949,9 +5166,9 @@
                 <a:effectLst/>
                 <a:uLnTx/>
                 <a:uFillTx/>
-                <a:latin typeface="+mn-lt"/>
+                <a:latin typeface="Comic Sans MS"/>
                 <a:ea typeface="+mn-ea"/>
-                <a:cs typeface="+mn-cs"/>
+                <a:cs typeface="Comic Sans MS"/>
               </a:rPr>
               <a:pPr marL="0" marR="0" lvl="0" indent="0" algn="r" defTabSz="914400" rtl="0" eaLnBrk="1" fontAlgn="base" latinLnBrk="0" hangingPunct="1">
                 <a:lnSpc>
@@ -4982,141 +5199,10 @@
               <a:effectLst/>
               <a:uLnTx/>
               <a:uFillTx/>
-              <a:latin typeface="+mn-lt"/>
+              <a:latin typeface="Comic Sans MS"/>
               <a:ea typeface="+mn-ea"/>
-              <a:cs typeface="+mn-cs"/>
-            </a:endParaRPr>
-          </a:p>
-        </p:txBody>
-      </p:sp>
-      <p:sp>
-        <p:nvSpPr>
-          <p:cNvPr id="2" name="TextBox 1"/>
-          <p:cNvSpPr txBox="1"/>
-          <p:nvPr/>
-        </p:nvSpPr>
-        <p:spPr>
-          <a:xfrm>
-            <a:off x="199038" y="1061467"/>
-            <a:ext cx="8944962" cy="2751522"/>
-          </a:xfrm>
-          <a:prstGeom prst="rect">
-            <a:avLst/>
-          </a:prstGeom>
-          <a:noFill/>
-        </p:spPr>
-        <p:txBody>
-          <a:bodyPr wrap="square" rtlCol="0">
-            <a:spAutoFit/>
-          </a:bodyPr>
-          <a:lstStyle/>
-          <a:p>
-            <a:pPr algn="l"/>
-            <a:r>
-              <a:rPr lang="en-US" sz="5400" dirty="0" smtClean="0">
-                <a:latin typeface="Comic Sans MS"/>
-                <a:cs typeface="Comic Sans MS"/>
-              </a:rPr>
-              <a:t>TB is a serious disease, and</a:t>
-            </a:r>
-          </a:p>
-          <a:p>
-            <a:r>
-              <a:rPr lang="en-US" sz="4800" kern="0" dirty="0" smtClean="0">
-                <a:latin typeface="Comic Sans MS" pitchFamily="66" charset="0"/>
-              </a:rPr>
-              <a:t>your Doc is </a:t>
-            </a:r>
-            <a:r>
-              <a:rPr lang="en-US" sz="4800" kern="0" dirty="0">
-                <a:latin typeface="Comic Sans MS" pitchFamily="66" charset="0"/>
-              </a:rPr>
-              <a:t>“</a:t>
-            </a:r>
-            <a:r>
-              <a:rPr lang="en-US" sz="5400" kern="0" dirty="0" smtClean="0">
-                <a:solidFill>
-                  <a:srgbClr val="FF00FF"/>
-                </a:solidFill>
-                <a:latin typeface="Comic Sans MS" pitchFamily="66" charset="0"/>
-              </a:rPr>
-              <a:t>98% </a:t>
-            </a:r>
-            <a:r>
-              <a:rPr lang="en-US" sz="5400" kern="0" dirty="0">
-                <a:solidFill>
-                  <a:srgbClr val="FF00FF"/>
-                </a:solidFill>
-                <a:latin typeface="Comic Sans MS" pitchFamily="66" charset="0"/>
-              </a:rPr>
-              <a:t>confident</a:t>
-            </a:r>
-            <a:r>
-              <a:rPr lang="en-US" sz="5400" kern="0" dirty="0">
-                <a:solidFill>
-                  <a:srgbClr val="000000"/>
-                </a:solidFill>
-                <a:latin typeface="Comic Sans MS" pitchFamily="66" charset="0"/>
-              </a:rPr>
-              <a:t>” </a:t>
-            </a:r>
-            <a:r>
-              <a:rPr lang="en-US" sz="5400" kern="0" dirty="0" smtClean="0">
-                <a:solidFill>
-                  <a:srgbClr val="000000"/>
-                </a:solidFill>
-                <a:latin typeface="Comic Sans MS" pitchFamily="66" charset="0"/>
-              </a:rPr>
-              <a:t>you have it.</a:t>
-            </a:r>
-            <a:endParaRPr lang="en-US" sz="5400" dirty="0">
-              <a:solidFill>
-                <a:srgbClr val="000000"/>
-              </a:solidFill>
-              <a:latin typeface="Comic Sans MS"/>
               <a:cs typeface="Comic Sans MS"/>
             </a:endParaRPr>
-          </a:p>
-        </p:txBody>
-      </p:sp>
-      <p:sp>
-        <p:nvSpPr>
-          <p:cNvPr id="8" name="Rectangle 4"/>
-          <p:cNvSpPr>
-            <a:spLocks noGrp="1" noChangeArrowheads="1"/>
-          </p:cNvSpPr>
-          <p:nvPr>
-            <p:ph type="title"/>
-          </p:nvPr>
-        </p:nvSpPr>
-        <p:spPr>
-          <a:xfrm>
-            <a:off x="1295400" y="228600"/>
-            <a:ext cx="6553200" cy="838200"/>
-          </a:xfrm>
-          <a:noFill/>
-        </p:spPr>
-        <p:txBody>
-          <a:bodyPr/>
-          <a:lstStyle/>
-          <a:p>
-            <a:pPr eaLnBrk="1" hangingPunct="1"/>
-            <a:r>
-              <a:rPr lang="en-US" sz="4000" dirty="0" smtClean="0">
-                <a:solidFill>
-                  <a:schemeClr val="tx1"/>
-                </a:solidFill>
-              </a:rPr>
-              <a:t>98% </a:t>
-            </a:r>
-            <a:r>
-              <a:rPr lang="en-US" sz="4000" dirty="0" smtClean="0">
-                <a:solidFill>
-                  <a:schemeClr val="tx1"/>
-                </a:solidFill>
-              </a:rPr>
-              <a:t>accurate TB testing</a:t>
-            </a:r>
           </a:p>
         </p:txBody>
       </p:sp>
@@ -5198,7 +5284,139 @@
       </p:cxnSp>
       <p:sp>
         <p:nvSpPr>
-          <p:cNvPr id="39" name="Rectangle 4"/>
+          <p:cNvPr id="2" name="TextBox 1"/>
+          <p:cNvSpPr txBox="1"/>
+          <p:nvPr/>
+        </p:nvSpPr>
+        <p:spPr>
+          <a:xfrm>
+            <a:off x="199038" y="1061467"/>
+            <a:ext cx="8944962" cy="3582519"/>
+          </a:xfrm>
+          <a:prstGeom prst="rect">
+            <a:avLst/>
+          </a:prstGeom>
+          <a:noFill/>
+        </p:spPr>
+        <p:txBody>
+          <a:bodyPr wrap="square" rtlCol="0">
+            <a:spAutoFit/>
+          </a:bodyPr>
+          <a:lstStyle/>
+          <a:p>
+            <a:pPr algn="l"/>
+            <a:r>
+              <a:rPr lang="en-US" sz="5400" dirty="0" smtClean="0">
+                <a:latin typeface="Comic Sans MS"/>
+                <a:cs typeface="Comic Sans MS"/>
+              </a:rPr>
+              <a:t>TB is a serious disease, and</a:t>
+            </a:r>
+          </a:p>
+          <a:p>
+            <a:r>
+              <a:rPr lang="en-US" sz="4800" kern="0" dirty="0" smtClean="0">
+                <a:latin typeface="Comic Sans MS" pitchFamily="66" charset="0"/>
+              </a:rPr>
+              <a:t>your Doc is </a:t>
+            </a:r>
+            <a:r>
+              <a:rPr lang="en-US" sz="4800" kern="0" dirty="0">
+                <a:latin typeface="Comic Sans MS" pitchFamily="66" charset="0"/>
+              </a:rPr>
+              <a:t>“</a:t>
+            </a:r>
+            <a:r>
+              <a:rPr lang="en-US" sz="5400" kern="0" dirty="0" smtClean="0">
+                <a:solidFill>
+                  <a:srgbClr val="FF00FF"/>
+                </a:solidFill>
+                <a:latin typeface="Comic Sans MS" pitchFamily="66" charset="0"/>
+              </a:rPr>
+              <a:t>98% </a:t>
+            </a:r>
+            <a:r>
+              <a:rPr lang="en-US" sz="5400" kern="0" dirty="0">
+                <a:solidFill>
+                  <a:srgbClr val="FF00FF"/>
+                </a:solidFill>
+                <a:latin typeface="Comic Sans MS" pitchFamily="66" charset="0"/>
+              </a:rPr>
+              <a:t>confident</a:t>
+            </a:r>
+            <a:r>
+              <a:rPr lang="en-US" sz="5400" kern="0" dirty="0">
+                <a:solidFill>
+                  <a:srgbClr val="000000"/>
+                </a:solidFill>
+                <a:latin typeface="Comic Sans MS" pitchFamily="66" charset="0"/>
+              </a:rPr>
+              <a:t>” </a:t>
+            </a:r>
+            <a:r>
+              <a:rPr lang="en-US" sz="5400" kern="0" dirty="0" smtClean="0">
+                <a:solidFill>
+                  <a:srgbClr val="000000"/>
+                </a:solidFill>
+                <a:latin typeface="Comic Sans MS" pitchFamily="66" charset="0"/>
+              </a:rPr>
+              <a:t>you have it.</a:t>
+            </a:r>
+            <a:r>
+              <a:rPr lang="en-US" sz="5400" kern="0" dirty="0">
+                <a:solidFill>
+                  <a:srgbClr val="000000"/>
+                </a:solidFill>
+                <a:latin typeface="Comic Sans MS" pitchFamily="66" charset="0"/>
+              </a:rPr>
+              <a:t>  Should you get treatment?</a:t>
+            </a:r>
+            <a:endParaRPr lang="en-US" sz="5400" dirty="0">
+              <a:solidFill>
+                <a:srgbClr val="000000"/>
+              </a:solidFill>
+              <a:latin typeface="Comic Sans MS"/>
+              <a:cs typeface="Comic Sans MS"/>
+            </a:endParaRPr>
+          </a:p>
+        </p:txBody>
+      </p:sp>
+      <p:sp>
+        <p:nvSpPr>
+          <p:cNvPr id="8" name="Rectangle 4"/>
+          <p:cNvSpPr>
+            <a:spLocks noGrp="1" noChangeArrowheads="1"/>
+          </p:cNvSpPr>
+          <p:nvPr>
+            <p:ph type="title"/>
+          </p:nvPr>
+        </p:nvSpPr>
+        <p:spPr>
+          <a:xfrm>
+            <a:off x="1295400" y="228600"/>
+            <a:ext cx="6553200" cy="838200"/>
+          </a:xfrm>
+          <a:noFill/>
+        </p:spPr>
+        <p:txBody>
+          <a:bodyPr/>
+          <a:lstStyle/>
+          <a:p>
+            <a:pPr eaLnBrk="1" hangingPunct="1"/>
+            <a:r>
+              <a:rPr lang="en-US" sz="4000" dirty="0" smtClean="0">
+                <a:solidFill>
+                  <a:schemeClr val="tx1"/>
+                </a:solidFill>
+              </a:rPr>
+              <a:t>98% accurate TB testing</a:t>
+            </a:r>
+          </a:p>
+        </p:txBody>
+      </p:sp>
+      <p:sp>
+        <p:nvSpPr>
+          <p:cNvPr id="6" name="Rectangle 4"/>
           <p:cNvSpPr txBox="1">
             <a:spLocks noChangeArrowheads="1"/>
           </p:cNvSpPr>
@@ -5263,9 +5481,9 @@
                 <a:effectLst/>
                 <a:uLnTx/>
                 <a:uFillTx/>
-                <a:latin typeface="+mn-lt"/>
+                <a:latin typeface="Comic Sans MS"/>
                 <a:ea typeface="+mn-ea"/>
-                <a:cs typeface="+mn-cs"/>
+                <a:cs typeface="Comic Sans MS"/>
               </a:rPr>
               <a:t>testing.</a:t>
             </a:r>
@@ -5280,9 +5498,9 @@
                 <a:effectLst/>
                 <a:uLnTx/>
                 <a:uFillTx/>
-                <a:latin typeface="+mn-lt"/>
+                <a:latin typeface="Comic Sans MS"/>
                 <a:ea typeface="+mn-ea"/>
-                <a:cs typeface="+mn-cs"/>
+                <a:cs typeface="Comic Sans MS"/>
               </a:rPr>
               <a:pPr marL="0" marR="0" lvl="0" indent="0" algn="r" defTabSz="914400" rtl="0" eaLnBrk="1" fontAlgn="base" latinLnBrk="0" hangingPunct="1">
                 <a:lnSpc>
@@ -5313,150 +5531,10 @@
               <a:effectLst/>
               <a:uLnTx/>
               <a:uFillTx/>
-              <a:latin typeface="+mn-lt"/>
+              <a:latin typeface="Comic Sans MS"/>
               <a:ea typeface="+mn-ea"/>
-              <a:cs typeface="+mn-cs"/>
-            </a:endParaRPr>
-          </a:p>
-        </p:txBody>
-      </p:sp>
-      <p:sp>
-        <p:nvSpPr>
-          <p:cNvPr id="2" name="TextBox 1"/>
-          <p:cNvSpPr txBox="1"/>
-          <p:nvPr/>
-        </p:nvSpPr>
-        <p:spPr>
-          <a:xfrm>
-            <a:off x="199038" y="1061467"/>
-            <a:ext cx="8944962" cy="3582519"/>
-          </a:xfrm>
-          <a:prstGeom prst="rect">
-            <a:avLst/>
-          </a:prstGeom>
-          <a:noFill/>
-        </p:spPr>
-        <p:txBody>
-          <a:bodyPr wrap="square" rtlCol="0">
-            <a:spAutoFit/>
-          </a:bodyPr>
-          <a:lstStyle/>
-          <a:p>
-            <a:pPr algn="l"/>
-            <a:r>
-              <a:rPr lang="en-US" sz="5400" dirty="0" smtClean="0">
-                <a:latin typeface="Comic Sans MS"/>
-                <a:cs typeface="Comic Sans MS"/>
-              </a:rPr>
-              <a:t>TB is a serious disease, and</a:t>
-            </a:r>
-          </a:p>
-          <a:p>
-            <a:r>
-              <a:rPr lang="en-US" sz="4800" kern="0" dirty="0" smtClean="0">
-                <a:latin typeface="Comic Sans MS" pitchFamily="66" charset="0"/>
-              </a:rPr>
-              <a:t>your Doc is </a:t>
-            </a:r>
-            <a:r>
-              <a:rPr lang="en-US" sz="4800" kern="0" dirty="0">
-                <a:latin typeface="Comic Sans MS" pitchFamily="66" charset="0"/>
-              </a:rPr>
-              <a:t>“</a:t>
-            </a:r>
-            <a:r>
-              <a:rPr lang="en-US" sz="5400" kern="0" dirty="0" smtClean="0">
-                <a:solidFill>
-                  <a:srgbClr val="FF00FF"/>
-                </a:solidFill>
-                <a:latin typeface="Comic Sans MS" pitchFamily="66" charset="0"/>
-              </a:rPr>
-              <a:t>98% </a:t>
-            </a:r>
-            <a:r>
-              <a:rPr lang="en-US" sz="5400" kern="0" dirty="0">
-                <a:solidFill>
-                  <a:srgbClr val="FF00FF"/>
-                </a:solidFill>
-                <a:latin typeface="Comic Sans MS" pitchFamily="66" charset="0"/>
-              </a:rPr>
-              <a:t>confident</a:t>
-            </a:r>
-            <a:r>
-              <a:rPr lang="en-US" sz="5400" kern="0" dirty="0">
-                <a:solidFill>
-                  <a:srgbClr val="000000"/>
-                </a:solidFill>
-                <a:latin typeface="Comic Sans MS" pitchFamily="66" charset="0"/>
-              </a:rPr>
-              <a:t>” </a:t>
-            </a:r>
-            <a:r>
-              <a:rPr lang="en-US" sz="5400" kern="0" dirty="0" smtClean="0">
-                <a:solidFill>
-                  <a:srgbClr val="000000"/>
-                </a:solidFill>
-                <a:latin typeface="Comic Sans MS" pitchFamily="66" charset="0"/>
-              </a:rPr>
-              <a:t>you have it.</a:t>
-            </a:r>
-            <a:r>
-              <a:rPr lang="en-US" sz="5400" kern="0" dirty="0">
-                <a:solidFill>
-                  <a:srgbClr val="000000"/>
-                </a:solidFill>
-                <a:latin typeface="Comic Sans MS" pitchFamily="66" charset="0"/>
-              </a:rPr>
-              <a:t>  Should you get treatment?</a:t>
-            </a:r>
-            <a:endParaRPr lang="en-US" sz="5400" dirty="0">
-              <a:solidFill>
-                <a:srgbClr val="000000"/>
-              </a:solidFill>
-              <a:latin typeface="Comic Sans MS"/>
               <a:cs typeface="Comic Sans MS"/>
             </a:endParaRPr>
-          </a:p>
-        </p:txBody>
-      </p:sp>
-      <p:sp>
-        <p:nvSpPr>
-          <p:cNvPr id="8" name="Rectangle 4"/>
-          <p:cNvSpPr>
-            <a:spLocks noGrp="1" noChangeArrowheads="1"/>
-          </p:cNvSpPr>
-          <p:nvPr>
-            <p:ph type="title"/>
-          </p:nvPr>
-        </p:nvSpPr>
-        <p:spPr>
-          <a:xfrm>
-            <a:off x="1295400" y="228600"/>
-            <a:ext cx="6553200" cy="838200"/>
-          </a:xfrm>
-          <a:noFill/>
-        </p:spPr>
-        <p:txBody>
-          <a:bodyPr/>
-          <a:lstStyle/>
-          <a:p>
-            <a:pPr eaLnBrk="1" hangingPunct="1"/>
-            <a:r>
-              <a:rPr lang="en-US" sz="4000" dirty="0" smtClean="0">
-                <a:solidFill>
-                  <a:schemeClr val="tx1"/>
-                </a:solidFill>
-              </a:rPr>
-              <a:t>98% </a:t>
-            </a:r>
-            <a:r>
-              <a:rPr lang="en-US" sz="4000" dirty="0" smtClean="0">
-                <a:solidFill>
-                  <a:schemeClr val="tx1"/>
-                </a:solidFill>
-              </a:rPr>
-              <a:t>accurate TB testing</a:t>
-            </a:r>
           </a:p>
         </p:txBody>
       </p:sp>
@@ -5538,7 +5616,275 @@
       </p:cxnSp>
       <p:sp>
         <p:nvSpPr>
-          <p:cNvPr id="39" name="Rectangle 4"/>
+          <p:cNvPr id="2" name="TextBox 1"/>
+          <p:cNvSpPr txBox="1"/>
+          <p:nvPr/>
+        </p:nvSpPr>
+        <p:spPr>
+          <a:xfrm>
+            <a:off x="199038" y="1061467"/>
+            <a:ext cx="8944962" cy="3582519"/>
+          </a:xfrm>
+          <a:prstGeom prst="rect">
+            <a:avLst/>
+          </a:prstGeom>
+          <a:noFill/>
+        </p:spPr>
+        <p:txBody>
+          <a:bodyPr wrap="square" rtlCol="0">
+            <a:spAutoFit/>
+          </a:bodyPr>
+          <a:lstStyle/>
+          <a:p>
+            <a:pPr algn="l"/>
+            <a:r>
+              <a:rPr lang="en-US" sz="5400" dirty="0" smtClean="0">
+                <a:latin typeface="Comic Sans MS"/>
+                <a:cs typeface="Comic Sans MS"/>
+              </a:rPr>
+              <a:t>TB is a serious disease, and</a:t>
+            </a:r>
+          </a:p>
+          <a:p>
+            <a:r>
+              <a:rPr lang="en-US" sz="4800" kern="0" dirty="0" smtClean="0">
+                <a:latin typeface="Comic Sans MS" pitchFamily="66" charset="0"/>
+              </a:rPr>
+              <a:t>your Doc is </a:t>
+            </a:r>
+            <a:r>
+              <a:rPr lang="en-US" sz="4800" kern="0" dirty="0">
+                <a:latin typeface="Comic Sans MS" pitchFamily="66" charset="0"/>
+              </a:rPr>
+              <a:t>“</a:t>
+            </a:r>
+            <a:r>
+              <a:rPr lang="en-US" sz="5400" kern="0" dirty="0" smtClean="0">
+                <a:solidFill>
+                  <a:srgbClr val="FF00FF"/>
+                </a:solidFill>
+                <a:latin typeface="Comic Sans MS" pitchFamily="66" charset="0"/>
+              </a:rPr>
+              <a:t>98% </a:t>
+            </a:r>
+            <a:r>
+              <a:rPr lang="en-US" sz="5400" kern="0" dirty="0">
+                <a:solidFill>
+                  <a:srgbClr val="FF00FF"/>
+                </a:solidFill>
+                <a:latin typeface="Comic Sans MS" pitchFamily="66" charset="0"/>
+              </a:rPr>
+              <a:t>confident</a:t>
+            </a:r>
+            <a:r>
+              <a:rPr lang="en-US" sz="5400" kern="0" dirty="0">
+                <a:solidFill>
+                  <a:srgbClr val="000000"/>
+                </a:solidFill>
+                <a:latin typeface="Comic Sans MS" pitchFamily="66" charset="0"/>
+              </a:rPr>
+              <a:t>” </a:t>
+            </a:r>
+            <a:r>
+              <a:rPr lang="en-US" sz="5400" kern="0" dirty="0" smtClean="0">
+                <a:solidFill>
+                  <a:srgbClr val="000000"/>
+                </a:solidFill>
+                <a:latin typeface="Comic Sans MS" pitchFamily="66" charset="0"/>
+              </a:rPr>
+              <a:t>you have it.  Should you get treatment?</a:t>
+            </a:r>
+            <a:endParaRPr lang="en-US" sz="5400" dirty="0">
+              <a:solidFill>
+                <a:srgbClr val="000000"/>
+              </a:solidFill>
+              <a:latin typeface="Comic Sans MS"/>
+              <a:cs typeface="Comic Sans MS"/>
+            </a:endParaRPr>
+          </a:p>
+        </p:txBody>
+      </p:sp>
+      <p:sp>
+        <p:nvSpPr>
+          <p:cNvPr id="7" name="Rectangle 4"/>
+          <p:cNvSpPr txBox="1">
+            <a:spLocks noChangeArrowheads="1"/>
+          </p:cNvSpPr>
+          <p:nvPr/>
+        </p:nvSpPr>
+        <p:spPr bwMode="auto">
+          <a:xfrm>
+            <a:off x="1295400" y="228600"/>
+            <a:ext cx="6553200" cy="838200"/>
+          </a:xfrm>
+          <a:prstGeom prst="rect">
+            <a:avLst/>
+          </a:prstGeom>
+          <a:noFill/>
+          <a:ln w="9525">
+            <a:noFill/>
+            <a:miter lim="800000"/>
+            <a:headEnd/>
+            <a:tailEnd/>
+          </a:ln>
+        </p:spPr>
+        <p:txBody>
+          <a:bodyPr vert="horz" wrap="square" lIns="91440" tIns="45720" rIns="91440" bIns="45720" numCol="1" anchor="ctr" anchorCtr="0" compatLnSpc="1">
+            <a:prstTxWarp prst="textNoShape">
+              <a:avLst/>
+            </a:prstTxWarp>
+          </a:bodyPr>
+          <a:lstStyle>
+            <a:lvl1pPr algn="l" rtl="0" eaLnBrk="0" fontAlgn="base" hangingPunct="0">
+              <a:spcBef>
+                <a:spcPct val="0"/>
+              </a:spcBef>
+              <a:spcAft>
+                <a:spcPct val="0"/>
+              </a:spcAft>
+              <a:defRPr sz="4000" b="1">
+                <a:solidFill>
+                  <a:schemeClr val="tx2"/>
+                </a:solidFill>
+                <a:latin typeface="Comic Sans MS" pitchFamily="66" charset="0"/>
+                <a:ea typeface="+mj-ea"/>
+                <a:cs typeface="+mj-cs"/>
+              </a:defRPr>
+            </a:lvl1pPr>
+            <a:lvl2pPr algn="l" rtl="0" eaLnBrk="0" fontAlgn="base" hangingPunct="0">
+              <a:spcBef>
+                <a:spcPct val="0"/>
+              </a:spcBef>
+              <a:spcAft>
+                <a:spcPct val="0"/>
+              </a:spcAft>
+              <a:defRPr sz="4000" b="1">
+                <a:solidFill>
+                  <a:schemeClr val="tx2"/>
+                </a:solidFill>
+                <a:latin typeface="Comic Sans MS" pitchFamily="66" charset="0"/>
+              </a:defRPr>
+            </a:lvl2pPr>
+            <a:lvl3pPr algn="l" rtl="0" eaLnBrk="0" fontAlgn="base" hangingPunct="0">
+              <a:spcBef>
+                <a:spcPct val="0"/>
+              </a:spcBef>
+              <a:spcAft>
+                <a:spcPct val="0"/>
+              </a:spcAft>
+              <a:defRPr sz="4000" b="1">
+                <a:solidFill>
+                  <a:schemeClr val="tx2"/>
+                </a:solidFill>
+                <a:latin typeface="Comic Sans MS" pitchFamily="66" charset="0"/>
+              </a:defRPr>
+            </a:lvl3pPr>
+            <a:lvl4pPr algn="l" rtl="0" eaLnBrk="0" fontAlgn="base" hangingPunct="0">
+              <a:spcBef>
+                <a:spcPct val="0"/>
+              </a:spcBef>
+              <a:spcAft>
+                <a:spcPct val="0"/>
+              </a:spcAft>
+              <a:defRPr sz="4000" b="1">
+                <a:solidFill>
+                  <a:schemeClr val="tx2"/>
+                </a:solidFill>
+                <a:latin typeface="Comic Sans MS" pitchFamily="66" charset="0"/>
+              </a:defRPr>
+            </a:lvl4pPr>
+            <a:lvl5pPr algn="l" rtl="0" eaLnBrk="0" fontAlgn="base" hangingPunct="0">
+              <a:spcBef>
+                <a:spcPct val="0"/>
+              </a:spcBef>
+              <a:spcAft>
+                <a:spcPct val="0"/>
+              </a:spcAft>
+              <a:defRPr sz="4000" b="1">
+                <a:solidFill>
+                  <a:schemeClr val="tx2"/>
+                </a:solidFill>
+                <a:latin typeface="Comic Sans MS" pitchFamily="66" charset="0"/>
+              </a:defRPr>
+            </a:lvl5pPr>
+            <a:lvl6pPr marL="457200" algn="l" rtl="0" fontAlgn="base">
+              <a:spcBef>
+                <a:spcPct val="0"/>
+              </a:spcBef>
+              <a:spcAft>
+                <a:spcPct val="0"/>
+              </a:spcAft>
+              <a:defRPr sz="4000" b="1">
+                <a:solidFill>
+                  <a:schemeClr val="tx2"/>
+                </a:solidFill>
+                <a:latin typeface="Times New Roman" pitchFamily="18" charset="0"/>
+              </a:defRPr>
+            </a:lvl6pPr>
+            <a:lvl7pPr marL="914400" algn="l" rtl="0" fontAlgn="base">
+              <a:spcBef>
+                <a:spcPct val="0"/>
+              </a:spcBef>
+              <a:spcAft>
+                <a:spcPct val="0"/>
+              </a:spcAft>
+              <a:defRPr sz="4000" b="1">
+                <a:solidFill>
+                  <a:schemeClr val="tx2"/>
+                </a:solidFill>
+                <a:latin typeface="Times New Roman" pitchFamily="18" charset="0"/>
+              </a:defRPr>
+            </a:lvl7pPr>
+            <a:lvl8pPr marL="1371600" algn="l" rtl="0" fontAlgn="base">
+              <a:spcBef>
+                <a:spcPct val="0"/>
+              </a:spcBef>
+              <a:spcAft>
+                <a:spcPct val="0"/>
+              </a:spcAft>
+              <a:defRPr sz="4000" b="1">
+                <a:solidFill>
+                  <a:schemeClr val="tx2"/>
+                </a:solidFill>
+                <a:latin typeface="Times New Roman" pitchFamily="18" charset="0"/>
+              </a:defRPr>
+            </a:lvl8pPr>
+            <a:lvl9pPr marL="1828800" algn="l" rtl="0" fontAlgn="base">
+              <a:spcBef>
+                <a:spcPct val="0"/>
+              </a:spcBef>
+              <a:spcAft>
+                <a:spcPct val="0"/>
+              </a:spcAft>
+              <a:defRPr sz="4000" b="1">
+                <a:solidFill>
+                  <a:schemeClr val="tx2"/>
+                </a:solidFill>
+                <a:latin typeface="Times New Roman" pitchFamily="18" charset="0"/>
+              </a:defRPr>
+            </a:lvl9pPr>
+          </a:lstStyle>
+          <a:p>
+            <a:pPr eaLnBrk="1" hangingPunct="1"/>
+            <a:r>
+              <a:rPr lang="en-US" sz="4800" smtClean="0">
+                <a:solidFill>
+                  <a:schemeClr val="tx1"/>
+                </a:solidFill>
+              </a:rPr>
+              <a:t>Do you have TB?</a:t>
+            </a:r>
+            <a:endParaRPr lang="en-US" sz="4800" dirty="0" smtClean="0">
+              <a:solidFill>
+                <a:schemeClr val="tx1"/>
+              </a:solidFill>
+            </a:endParaRPr>
+          </a:p>
+        </p:txBody>
+      </p:sp>
+      <p:sp>
+        <p:nvSpPr>
+          <p:cNvPr id="6" name="Rectangle 4"/>
           <p:cNvSpPr txBox="1">
             <a:spLocks noChangeArrowheads="1"/>
           </p:cNvSpPr>
@@ -5603,9 +5949,9 @@
                 <a:effectLst/>
                 <a:uLnTx/>
                 <a:uFillTx/>
-                <a:latin typeface="+mn-lt"/>
+                <a:latin typeface="Comic Sans MS"/>
                 <a:ea typeface="+mn-ea"/>
-                <a:cs typeface="+mn-cs"/>
+                <a:cs typeface="Comic Sans MS"/>
               </a:rPr>
               <a:t>testing.</a:t>
             </a:r>
@@ -5620,9 +5966,9 @@
                 <a:effectLst/>
                 <a:uLnTx/>
                 <a:uFillTx/>
-                <a:latin typeface="+mn-lt"/>
+                <a:latin typeface="Comic Sans MS"/>
                 <a:ea typeface="+mn-ea"/>
-                <a:cs typeface="+mn-cs"/>
+                <a:cs typeface="Comic Sans MS"/>
               </a:rPr>
               <a:pPr marL="0" marR="0" lvl="0" indent="0" algn="r" defTabSz="914400" rtl="0" eaLnBrk="1" fontAlgn="base" latinLnBrk="0" hangingPunct="1">
                 <a:lnSpc>
@@ -5653,277 +5999,9 @@
               <a:effectLst/>
               <a:uLnTx/>
               <a:uFillTx/>
-              <a:latin typeface="+mn-lt"/>
+              <a:latin typeface="Comic Sans MS"/>
               <a:ea typeface="+mn-ea"/>
-              <a:cs typeface="+mn-cs"/>
-            </a:endParaRPr>
-          </a:p>
-        </p:txBody>
-      </p:sp>
-      <p:sp>
-        <p:nvSpPr>
-          <p:cNvPr id="2" name="TextBox 1"/>
-          <p:cNvSpPr txBox="1"/>
-          <p:nvPr/>
-        </p:nvSpPr>
-        <p:spPr>
-          <a:xfrm>
-            <a:off x="199038" y="1061467"/>
-            <a:ext cx="8944962" cy="3582519"/>
-          </a:xfrm>
-          <a:prstGeom prst="rect">
-            <a:avLst/>
-          </a:prstGeom>
-          <a:noFill/>
-        </p:spPr>
-        <p:txBody>
-          <a:bodyPr wrap="square" rtlCol="0">
-            <a:spAutoFit/>
-          </a:bodyPr>
-          <a:lstStyle/>
-          <a:p>
-            <a:pPr algn="l"/>
-            <a:r>
-              <a:rPr lang="en-US" sz="5400" dirty="0" smtClean="0">
-                <a:latin typeface="Comic Sans MS"/>
-                <a:cs typeface="Comic Sans MS"/>
-              </a:rPr>
-              <a:t>TB is a serious disease, and</a:t>
-            </a:r>
-          </a:p>
-          <a:p>
-            <a:r>
-              <a:rPr lang="en-US" sz="4800" kern="0" dirty="0" smtClean="0">
-                <a:latin typeface="Comic Sans MS" pitchFamily="66" charset="0"/>
-              </a:rPr>
-              <a:t>your Doc is </a:t>
-            </a:r>
-            <a:r>
-              <a:rPr lang="en-US" sz="4800" kern="0" dirty="0">
-                <a:latin typeface="Comic Sans MS" pitchFamily="66" charset="0"/>
-              </a:rPr>
-              <a:t>“</a:t>
-            </a:r>
-            <a:r>
-              <a:rPr lang="en-US" sz="5400" kern="0" dirty="0" smtClean="0">
-                <a:solidFill>
-                  <a:srgbClr val="FF00FF"/>
-                </a:solidFill>
-                <a:latin typeface="Comic Sans MS" pitchFamily="66" charset="0"/>
-              </a:rPr>
-              <a:t>98% </a:t>
-            </a:r>
-            <a:r>
-              <a:rPr lang="en-US" sz="5400" kern="0" dirty="0">
-                <a:solidFill>
-                  <a:srgbClr val="FF00FF"/>
-                </a:solidFill>
-                <a:latin typeface="Comic Sans MS" pitchFamily="66" charset="0"/>
-              </a:rPr>
-              <a:t>confident</a:t>
-            </a:r>
-            <a:r>
-              <a:rPr lang="en-US" sz="5400" kern="0" dirty="0">
-                <a:solidFill>
-                  <a:srgbClr val="000000"/>
-                </a:solidFill>
-                <a:latin typeface="Comic Sans MS" pitchFamily="66" charset="0"/>
-              </a:rPr>
-              <a:t>” </a:t>
-            </a:r>
-            <a:r>
-              <a:rPr lang="en-US" sz="5400" kern="0" dirty="0" smtClean="0">
-                <a:solidFill>
-                  <a:srgbClr val="000000"/>
-                </a:solidFill>
-                <a:latin typeface="Comic Sans MS" pitchFamily="66" charset="0"/>
-              </a:rPr>
-              <a:t>you have it.  Should you get treatment?</a:t>
-            </a:r>
-            <a:endParaRPr lang="en-US" sz="5400" dirty="0">
-              <a:solidFill>
-                <a:srgbClr val="000000"/>
-              </a:solidFill>
-              <a:latin typeface="Comic Sans MS"/>
               <a:cs typeface="Comic Sans MS"/>
-            </a:endParaRPr>
-          </a:p>
-        </p:txBody>
-      </p:sp>
-      <p:sp>
-        <p:nvSpPr>
-          <p:cNvPr id="7" name="Rectangle 4"/>
-          <p:cNvSpPr txBox="1">
-            <a:spLocks noChangeArrowheads="1"/>
-          </p:cNvSpPr>
-          <p:nvPr/>
-        </p:nvSpPr>
-        <p:spPr bwMode="auto">
-          <a:xfrm>
-            <a:off x="1295400" y="228600"/>
-            <a:ext cx="6553200" cy="838200"/>
-          </a:xfrm>
-          <a:prstGeom prst="rect">
-            <a:avLst/>
-          </a:prstGeom>
-          <a:noFill/>
-          <a:ln w="9525">
-            <a:noFill/>
-            <a:miter lim="800000"/>
-            <a:headEnd/>
-            <a:tailEnd/>
-          </a:ln>
-        </p:spPr>
-        <p:txBody>
-          <a:bodyPr vert="horz" wrap="square" lIns="91440" tIns="45720" rIns="91440" bIns="45720" numCol="1" anchor="ctr" anchorCtr="0" compatLnSpc="1">
-            <a:prstTxWarp prst="textNoShape">
-              <a:avLst/>
-            </a:prstTxWarp>
-          </a:bodyPr>
-          <a:lstStyle>
-            <a:lvl1pPr algn="l" rtl="0" eaLnBrk="0" fontAlgn="base" hangingPunct="0">
-              <a:spcBef>
-                <a:spcPct val="0"/>
-              </a:spcBef>
-              <a:spcAft>
-                <a:spcPct val="0"/>
-              </a:spcAft>
-              <a:defRPr sz="4000" b="1">
-                <a:solidFill>
-                  <a:schemeClr val="tx2"/>
-                </a:solidFill>
-                <a:latin typeface="Comic Sans MS" pitchFamily="66" charset="0"/>
-                <a:ea typeface="+mj-ea"/>
-                <a:cs typeface="+mj-cs"/>
-              </a:defRPr>
-            </a:lvl1pPr>
-            <a:lvl2pPr algn="l" rtl="0" eaLnBrk="0" fontAlgn="base" hangingPunct="0">
-              <a:spcBef>
-                <a:spcPct val="0"/>
-              </a:spcBef>
-              <a:spcAft>
-                <a:spcPct val="0"/>
-              </a:spcAft>
-              <a:defRPr sz="4000" b="1">
-                <a:solidFill>
-                  <a:schemeClr val="tx2"/>
-                </a:solidFill>
-                <a:latin typeface="Comic Sans MS" pitchFamily="66" charset="0"/>
-              </a:defRPr>
-            </a:lvl2pPr>
-            <a:lvl3pPr algn="l" rtl="0" eaLnBrk="0" fontAlgn="base" hangingPunct="0">
-              <a:spcBef>
-                <a:spcPct val="0"/>
-              </a:spcBef>
-              <a:spcAft>
-                <a:spcPct val="0"/>
-              </a:spcAft>
-              <a:defRPr sz="4000" b="1">
-                <a:solidFill>
-                  <a:schemeClr val="tx2"/>
-                </a:solidFill>
-                <a:latin typeface="Comic Sans MS" pitchFamily="66" charset="0"/>
-              </a:defRPr>
-            </a:lvl3pPr>
-            <a:lvl4pPr algn="l" rtl="0" eaLnBrk="0" fontAlgn="base" hangingPunct="0">
-              <a:spcBef>
-                <a:spcPct val="0"/>
-              </a:spcBef>
-              <a:spcAft>
-                <a:spcPct val="0"/>
-              </a:spcAft>
-              <a:defRPr sz="4000" b="1">
-                <a:solidFill>
-                  <a:schemeClr val="tx2"/>
-                </a:solidFill>
-                <a:latin typeface="Comic Sans MS" pitchFamily="66" charset="0"/>
-              </a:defRPr>
-            </a:lvl4pPr>
-            <a:lvl5pPr algn="l" rtl="0" eaLnBrk="0" fontAlgn="base" hangingPunct="0">
-              <a:spcBef>
-                <a:spcPct val="0"/>
-              </a:spcBef>
-              <a:spcAft>
-                <a:spcPct val="0"/>
-              </a:spcAft>
-              <a:defRPr sz="4000" b="1">
-                <a:solidFill>
-                  <a:schemeClr val="tx2"/>
-                </a:solidFill>
-                <a:latin typeface="Comic Sans MS" pitchFamily="66" charset="0"/>
-              </a:defRPr>
-            </a:lvl5pPr>
-            <a:lvl6pPr marL="457200" algn="l" rtl="0" fontAlgn="base">
-              <a:spcBef>
-                <a:spcPct val="0"/>
-              </a:spcBef>
-              <a:spcAft>
-                <a:spcPct val="0"/>
-              </a:spcAft>
-              <a:defRPr sz="4000" b="1">
-                <a:solidFill>
-                  <a:schemeClr val="tx2"/>
-                </a:solidFill>
-                <a:latin typeface="Times New Roman" pitchFamily="18" charset="0"/>
-              </a:defRPr>
-            </a:lvl6pPr>
-            <a:lvl7pPr marL="914400" algn="l" rtl="0" fontAlgn="base">
-              <a:spcBef>
-                <a:spcPct val="0"/>
-              </a:spcBef>
-              <a:spcAft>
-                <a:spcPct val="0"/>
-              </a:spcAft>
-              <a:defRPr sz="4000" b="1">
-                <a:solidFill>
-                  <a:schemeClr val="tx2"/>
-                </a:solidFill>
-                <a:latin typeface="Times New Roman" pitchFamily="18" charset="0"/>
-              </a:defRPr>
-            </a:lvl7pPr>
-            <a:lvl8pPr marL="1371600" algn="l" rtl="0" fontAlgn="base">
-              <a:spcBef>
-                <a:spcPct val="0"/>
-              </a:spcBef>
-              <a:spcAft>
-                <a:spcPct val="0"/>
-              </a:spcAft>
-              <a:defRPr sz="4000" b="1">
-                <a:solidFill>
-                  <a:schemeClr val="tx2"/>
-                </a:solidFill>
-                <a:latin typeface="Times New Roman" pitchFamily="18" charset="0"/>
-              </a:defRPr>
-            </a:lvl8pPr>
-            <a:lvl9pPr marL="1828800" algn="l" rtl="0" fontAlgn="base">
-              <a:spcBef>
-                <a:spcPct val="0"/>
-              </a:spcBef>
-              <a:spcAft>
-                <a:spcPct val="0"/>
-              </a:spcAft>
-              <a:defRPr sz="4000" b="1">
-                <a:solidFill>
-                  <a:schemeClr val="tx2"/>
-                </a:solidFill>
-                <a:latin typeface="Times New Roman" pitchFamily="18" charset="0"/>
-              </a:defRPr>
-            </a:lvl9pPr>
-          </a:lstStyle>
-          <a:p>
-            <a:pPr eaLnBrk="1" hangingPunct="1"/>
-            <a:r>
-              <a:rPr lang="en-US" sz="4800" smtClean="0">
-                <a:solidFill>
-                  <a:schemeClr val="tx1"/>
-                </a:solidFill>
-              </a:rPr>
-              <a:t>Do you have TB?</a:t>
-            </a:r>
-            <a:endParaRPr lang="en-US" sz="4800" dirty="0" smtClean="0">
-              <a:solidFill>
-                <a:schemeClr val="tx1"/>
-              </a:solidFill>
             </a:endParaRPr>
           </a:p>
         </p:txBody>
@@ -6006,7 +6084,159 @@
       </p:cxnSp>
       <p:sp>
         <p:nvSpPr>
-          <p:cNvPr id="39" name="Rectangle 4"/>
+          <p:cNvPr id="2" name="TextBox 1"/>
+          <p:cNvSpPr txBox="1"/>
+          <p:nvPr/>
+        </p:nvSpPr>
+        <p:spPr>
+          <a:xfrm>
+            <a:off x="199038" y="1061467"/>
+            <a:ext cx="8944962" cy="4413516"/>
+          </a:xfrm>
+          <a:prstGeom prst="rect">
+            <a:avLst/>
+          </a:prstGeom>
+          <a:noFill/>
+        </p:spPr>
+        <p:txBody>
+          <a:bodyPr wrap="square" rtlCol="0">
+            <a:spAutoFit/>
+          </a:bodyPr>
+          <a:lstStyle/>
+          <a:p>
+            <a:pPr algn="l"/>
+            <a:r>
+              <a:rPr lang="en-US" sz="5400" dirty="0" smtClean="0">
+                <a:latin typeface="Comic Sans MS"/>
+                <a:cs typeface="Comic Sans MS"/>
+              </a:rPr>
+              <a:t>TB is a serious disease, and</a:t>
+            </a:r>
+          </a:p>
+          <a:p>
+            <a:r>
+              <a:rPr lang="en-US" sz="4800" kern="0" dirty="0" smtClean="0">
+                <a:latin typeface="Comic Sans MS" pitchFamily="66" charset="0"/>
+              </a:rPr>
+              <a:t>your Doc is </a:t>
+            </a:r>
+            <a:r>
+              <a:rPr lang="en-US" sz="4800" kern="0" dirty="0">
+                <a:latin typeface="Comic Sans MS" pitchFamily="66" charset="0"/>
+              </a:rPr>
+              <a:t>“</a:t>
+            </a:r>
+            <a:r>
+              <a:rPr lang="en-US" sz="5400" kern="0" dirty="0" smtClean="0">
+                <a:solidFill>
+                  <a:srgbClr val="FF00FF"/>
+                </a:solidFill>
+                <a:latin typeface="Comic Sans MS" pitchFamily="66" charset="0"/>
+              </a:rPr>
+              <a:t>98% </a:t>
+            </a:r>
+            <a:r>
+              <a:rPr lang="en-US" sz="5400" kern="0" dirty="0">
+                <a:solidFill>
+                  <a:srgbClr val="FF00FF"/>
+                </a:solidFill>
+                <a:latin typeface="Comic Sans MS" pitchFamily="66" charset="0"/>
+              </a:rPr>
+              <a:t>confident</a:t>
+            </a:r>
+            <a:r>
+              <a:rPr lang="en-US" sz="5400" kern="0" dirty="0">
+                <a:solidFill>
+                  <a:srgbClr val="000000"/>
+                </a:solidFill>
+                <a:latin typeface="Comic Sans MS" pitchFamily="66" charset="0"/>
+              </a:rPr>
+              <a:t>” </a:t>
+            </a:r>
+            <a:r>
+              <a:rPr lang="en-US" sz="5400" kern="0" dirty="0" smtClean="0">
+                <a:solidFill>
+                  <a:srgbClr val="000000"/>
+                </a:solidFill>
+                <a:latin typeface="Comic Sans MS" pitchFamily="66" charset="0"/>
+              </a:rPr>
+              <a:t>you have it.  Should you get treatment? </a:t>
+            </a:r>
+            <a:r>
+              <a:rPr lang="is-IS" sz="5400" kern="0" dirty="0" smtClean="0">
+                <a:solidFill>
+                  <a:srgbClr val="000000"/>
+                </a:solidFill>
+                <a:latin typeface="Comic Sans MS" pitchFamily="66" charset="0"/>
+              </a:rPr>
+              <a:t>…depends on </a:t>
+            </a:r>
+            <a:r>
+              <a:rPr lang="is-IS" sz="5400" kern="0" dirty="0" smtClean="0">
+                <a:solidFill>
+                  <a:schemeClr val="accent1">
+                    <a:lumMod val="50000"/>
+                  </a:schemeClr>
+                </a:solidFill>
+                <a:latin typeface="Comic Sans MS" pitchFamily="66" charset="0"/>
+              </a:rPr>
+              <a:t>probability you have TB</a:t>
+            </a:r>
+            <a:r>
+              <a:rPr lang="is-IS" sz="5400" kern="0" dirty="0" smtClean="0">
+                <a:solidFill>
+                  <a:srgbClr val="000000"/>
+                </a:solidFill>
+                <a:latin typeface="Comic Sans MS" pitchFamily="66" charset="0"/>
+              </a:rPr>
+              <a:t>.</a:t>
+            </a:r>
+            <a:endParaRPr lang="en-US" sz="5400" dirty="0">
+              <a:solidFill>
+                <a:srgbClr val="000000"/>
+              </a:solidFill>
+              <a:latin typeface="Comic Sans MS"/>
+              <a:cs typeface="Comic Sans MS"/>
+            </a:endParaRPr>
+          </a:p>
+        </p:txBody>
+      </p:sp>
+      <p:sp>
+        <p:nvSpPr>
+          <p:cNvPr id="7" name="Rectangle 4"/>
+          <p:cNvSpPr>
+            <a:spLocks noGrp="1" noChangeArrowheads="1"/>
+          </p:cNvSpPr>
+          <p:nvPr>
+            <p:ph type="title"/>
+          </p:nvPr>
+        </p:nvSpPr>
+        <p:spPr>
+          <a:xfrm>
+            <a:off x="1295400" y="228600"/>
+            <a:ext cx="6553200" cy="838200"/>
+          </a:xfrm>
+          <a:noFill/>
+        </p:spPr>
+        <p:txBody>
+          <a:bodyPr/>
+          <a:lstStyle/>
+          <a:p>
+            <a:pPr eaLnBrk="1" hangingPunct="1"/>
+            <a:r>
+              <a:rPr lang="en-US" sz="4800" dirty="0" smtClean="0">
+                <a:solidFill>
+                  <a:schemeClr val="tx1"/>
+                </a:solidFill>
+              </a:rPr>
+              <a:t>Do you have TB?</a:t>
+            </a:r>
+          </a:p>
+        </p:txBody>
+      </p:sp>
+      <p:sp>
+        <p:nvSpPr>
+          <p:cNvPr id="6" name="Rectangle 4"/>
           <p:cNvSpPr txBox="1">
             <a:spLocks noChangeArrowheads="1"/>
           </p:cNvSpPr>
@@ -6071,9 +6301,9 @@
                 <a:effectLst/>
                 <a:uLnTx/>
                 <a:uFillTx/>
-                <a:latin typeface="+mn-lt"/>
+                <a:latin typeface="Comic Sans MS"/>
                 <a:ea typeface="+mn-ea"/>
-                <a:cs typeface="+mn-cs"/>
+                <a:cs typeface="Comic Sans MS"/>
               </a:rPr>
               <a:t>testing.</a:t>
             </a:r>
@@ -6088,9 +6318,9 @@
                 <a:effectLst/>
                 <a:uLnTx/>
                 <a:uFillTx/>
-                <a:latin typeface="+mn-lt"/>
+                <a:latin typeface="Comic Sans MS"/>
                 <a:ea typeface="+mn-ea"/>
-                <a:cs typeface="+mn-cs"/>
+                <a:cs typeface="Comic Sans MS"/>
               </a:rPr>
               <a:pPr marL="0" marR="0" lvl="0" indent="0" algn="r" defTabSz="914400" rtl="0" eaLnBrk="1" fontAlgn="base" latinLnBrk="0" hangingPunct="1">
                 <a:lnSpc>
@@ -6121,162 +6351,10 @@
               <a:effectLst/>
               <a:uLnTx/>
               <a:uFillTx/>
-              <a:latin typeface="+mn-lt"/>
+              <a:latin typeface="Comic Sans MS"/>
               <a:ea typeface="+mn-ea"/>
-              <a:cs typeface="+mn-cs"/>
-            </a:endParaRPr>
-          </a:p>
-        </p:txBody>
-      </p:sp>
-      <p:sp>
-        <p:nvSpPr>
-          <p:cNvPr id="2" name="TextBox 1"/>
-          <p:cNvSpPr txBox="1"/>
-          <p:nvPr/>
-        </p:nvSpPr>
-        <p:spPr>
-          <a:xfrm>
-            <a:off x="199038" y="1061467"/>
-            <a:ext cx="8944962" cy="4413516"/>
-          </a:xfrm>
-          <a:prstGeom prst="rect">
-            <a:avLst/>
-          </a:prstGeom>
-          <a:noFill/>
-        </p:spPr>
-        <p:txBody>
-          <a:bodyPr wrap="square" rtlCol="0">
-            <a:spAutoFit/>
-          </a:bodyPr>
-          <a:lstStyle/>
-          <a:p>
-            <a:pPr algn="l"/>
-            <a:r>
-              <a:rPr lang="en-US" sz="5400" dirty="0" smtClean="0">
-                <a:latin typeface="Comic Sans MS"/>
-                <a:cs typeface="Comic Sans MS"/>
-              </a:rPr>
-              <a:t>TB is a serious disease, and</a:t>
-            </a:r>
-          </a:p>
-          <a:p>
-            <a:r>
-              <a:rPr lang="en-US" sz="4800" kern="0" dirty="0" smtClean="0">
-                <a:latin typeface="Comic Sans MS" pitchFamily="66" charset="0"/>
-              </a:rPr>
-              <a:t>your Doc is </a:t>
-            </a:r>
-            <a:r>
-              <a:rPr lang="en-US" sz="4800" kern="0" dirty="0">
-                <a:latin typeface="Comic Sans MS" pitchFamily="66" charset="0"/>
-              </a:rPr>
-              <a:t>“</a:t>
-            </a:r>
-            <a:r>
-              <a:rPr lang="en-US" sz="5400" kern="0" dirty="0" smtClean="0">
-                <a:solidFill>
-                  <a:srgbClr val="FF00FF"/>
-                </a:solidFill>
-                <a:latin typeface="Comic Sans MS" pitchFamily="66" charset="0"/>
-              </a:rPr>
-              <a:t>98% </a:t>
-            </a:r>
-            <a:r>
-              <a:rPr lang="en-US" sz="5400" kern="0" dirty="0">
-                <a:solidFill>
-                  <a:srgbClr val="FF00FF"/>
-                </a:solidFill>
-                <a:latin typeface="Comic Sans MS" pitchFamily="66" charset="0"/>
-              </a:rPr>
-              <a:t>confident</a:t>
-            </a:r>
-            <a:r>
-              <a:rPr lang="en-US" sz="5400" kern="0" dirty="0">
-                <a:solidFill>
-                  <a:srgbClr val="000000"/>
-                </a:solidFill>
-                <a:latin typeface="Comic Sans MS" pitchFamily="66" charset="0"/>
-              </a:rPr>
-              <a:t>” </a:t>
-            </a:r>
-            <a:r>
-              <a:rPr lang="en-US" sz="5400" kern="0" dirty="0" smtClean="0">
-                <a:solidFill>
-                  <a:srgbClr val="000000"/>
-                </a:solidFill>
-                <a:latin typeface="Comic Sans MS" pitchFamily="66" charset="0"/>
-              </a:rPr>
-              <a:t>you have it.  Should you get treatment? </a:t>
-            </a:r>
-            <a:r>
-              <a:rPr lang="is-IS" sz="5400" kern="0" dirty="0" smtClean="0">
-                <a:solidFill>
-                  <a:srgbClr val="000000"/>
-                </a:solidFill>
-                <a:latin typeface="Comic Sans MS" pitchFamily="66" charset="0"/>
-              </a:rPr>
-              <a:t>…depends on </a:t>
-            </a:r>
-            <a:r>
-              <a:rPr lang="is-IS" sz="5400" kern="0" dirty="0" smtClean="0">
-                <a:solidFill>
-                  <a:schemeClr val="accent1">
-                    <a:lumMod val="50000"/>
-                  </a:schemeClr>
-                </a:solidFill>
-                <a:latin typeface="Comic Sans MS" pitchFamily="66" charset="0"/>
-              </a:rPr>
-              <a:t>probability you have TB</a:t>
-            </a:r>
-            <a:r>
-              <a:rPr lang="is-IS" sz="5400" kern="0" dirty="0" smtClean="0">
-                <a:solidFill>
-                  <a:srgbClr val="000000"/>
-                </a:solidFill>
-                <a:latin typeface="Comic Sans MS" pitchFamily="66" charset="0"/>
-              </a:rPr>
-              <a:t>.</a:t>
-            </a:r>
-            <a:endParaRPr lang="en-US" sz="5400" dirty="0">
-              <a:solidFill>
-                <a:srgbClr val="000000"/>
-              </a:solidFill>
-              <a:latin typeface="Comic Sans MS"/>
               <a:cs typeface="Comic Sans MS"/>
             </a:endParaRPr>
-          </a:p>
-        </p:txBody>
-      </p:sp>
-      <p:sp>
-        <p:nvSpPr>
-          <p:cNvPr id="7" name="Rectangle 4"/>
-          <p:cNvSpPr>
-            <a:spLocks noGrp="1" noChangeArrowheads="1"/>
-          </p:cNvSpPr>
-          <p:nvPr>
-            <p:ph type="title"/>
-          </p:nvPr>
-        </p:nvSpPr>
-        <p:spPr>
-          <a:xfrm>
-            <a:off x="1295400" y="228600"/>
-            <a:ext cx="6553200" cy="838200"/>
-          </a:xfrm>
-          <a:noFill/>
-        </p:spPr>
-        <p:txBody>
-          <a:bodyPr/>
-          <a:lstStyle/>
-          <a:p>
-            <a:pPr eaLnBrk="1" hangingPunct="1"/>
-            <a:r>
-              <a:rPr lang="en-US" sz="4800" dirty="0" smtClean="0">
-                <a:solidFill>
-                  <a:schemeClr val="tx1"/>
-                </a:solidFill>
-              </a:rPr>
-              <a:t>Do you have TB?</a:t>
-            </a:r>
           </a:p>
         </p:txBody>
       </p:sp>
@@ -6587,7 +6665,7 @@
           <a:graphicData uri="http://schemas.openxmlformats.org/presentationml/2006/ole">
             <mc:AlternateContent xmlns:mc="http://schemas.openxmlformats.org/markup-compatibility/2006">
               <mc:Choice xmlns:v="urn:schemas-microsoft-com:vml" Requires="v">
-                <p:oleObj spid="_x0000_s1068" name="Equation" r:id="rId3" imgW="977900" imgH="241300" progId="Equation.DSMT4">
+                <p:oleObj spid="_x0000_s1072" name="Equation" r:id="rId3" imgW="977900" imgH="241300" progId="Equation.DSMT4">
                   <p:embed/>
                 </p:oleObj>
               </mc:Choice>
@@ -6919,7 +6997,7 @@
           <a:graphicData uri="http://schemas.openxmlformats.org/presentationml/2006/ole">
             <mc:AlternateContent xmlns:mc="http://schemas.openxmlformats.org/markup-compatibility/2006">
               <mc:Choice xmlns:v="urn:schemas-microsoft-com:vml" Requires="v">
-                <p:oleObj spid="_x0000_s99352" name="Equation" r:id="rId3" imgW="977900" imgH="241300" progId="Equation.DSMT4">
+                <p:oleObj spid="_x0000_s99356" name="Equation" r:id="rId3" imgW="977900" imgH="241300" progId="Equation.DSMT4">
                   <p:embed/>
                 </p:oleObj>
               </mc:Choice>
@@ -7211,7 +7289,7 @@
           <a:graphicData uri="http://schemas.openxmlformats.org/presentationml/2006/ole">
             <mc:AlternateContent xmlns:mc="http://schemas.openxmlformats.org/markup-compatibility/2006">
               <mc:Choice xmlns:v="urn:schemas-microsoft-com:vml" Requires="v">
-                <p:oleObj spid="_x0000_s100378" name="Equation" r:id="rId3" imgW="977900" imgH="241300" progId="Equation.DSMT4">
+                <p:oleObj spid="_x0000_s100382" name="Equation" r:id="rId3" imgW="977900" imgH="241300" progId="Equation.DSMT4">
                   <p:embed/>
                 </p:oleObj>
               </mc:Choice>
@@ -7423,7 +7501,7 @@
           <a:graphicData uri="http://schemas.openxmlformats.org/presentationml/2006/ole">
             <mc:AlternateContent xmlns:mc="http://schemas.openxmlformats.org/markup-compatibility/2006">
               <mc:Choice xmlns:v="urn:schemas-microsoft-com:vml" Requires="v">
-                <p:oleObj spid="_x0000_s101423" name="Equation" r:id="rId3" imgW="889000" imgH="241300" progId="Equation.DSMT4">
+                <p:oleObj spid="_x0000_s101429" name="Equation" r:id="rId3" imgW="889000" imgH="241300" progId="Equation.DSMT4">
                   <p:embed/>
                 </p:oleObj>
               </mc:Choice>
@@ -7535,7 +7613,7 @@
           <a:graphicData uri="http://schemas.openxmlformats.org/presentationml/2006/ole">
             <mc:AlternateContent xmlns:mc="http://schemas.openxmlformats.org/markup-compatibility/2006">
               <mc:Choice xmlns:v="urn:schemas-microsoft-com:vml" Requires="v">
-                <p:oleObj spid="_x0000_s101424" name="Equation" r:id="rId5" imgW="977900" imgH="241300" progId="Equation.DSMT4">
+                <p:oleObj spid="_x0000_s101430" name="Equation" r:id="rId5" imgW="977900" imgH="241300" progId="Equation.DSMT4">
                   <p:embed/>
                 </p:oleObj>
               </mc:Choice>
@@ -7772,130 +7850,6 @@
           </a:ln>
         </p:spPr>
       </p:cxnSp>
-      <p:sp>
-        <p:nvSpPr>
-          <p:cNvPr id="39" name="Rectangle 4"/>
-          <p:cNvSpPr txBox="1">
-            <a:spLocks noChangeArrowheads="1"/>
-          </p:cNvSpPr>
-          <p:nvPr/>
-        </p:nvSpPr>
-        <p:spPr bwMode="auto">
-          <a:xfrm>
-            <a:off x="7696200" y="6629400"/>
-            <a:ext cx="1447800" cy="228600"/>
-          </a:xfrm>
-          <a:prstGeom prst="rect">
-            <a:avLst/>
-          </a:prstGeom>
-          <a:noFill/>
-          <a:ln w="9525">
-            <a:noFill/>
-            <a:miter lim="800000"/>
-            <a:headEnd/>
-            <a:tailEnd/>
-          </a:ln>
-          <a:effectLst/>
-        </p:spPr>
-        <p:txBody>
-          <a:bodyPr vert="horz" wrap="square" lIns="91440" tIns="45720" rIns="91440" bIns="45720" numCol="1" anchor="t" anchorCtr="0" compatLnSpc="1">
-            <a:prstTxWarp prst="textNoShape">
-              <a:avLst/>
-            </a:prstTxWarp>
-          </a:bodyPr>
-          <a:lstStyle>
-            <a:lvl1pPr algn="r">
-              <a:defRPr sz="1200" dirty="0" err="1" smtClean="0">
-                <a:latin typeface="+mn-lt"/>
-              </a:defRPr>
-            </a:lvl1pPr>
-          </a:lstStyle>
-          <a:p>
-            <a:pPr marL="0" marR="0" lvl="0" indent="0" algn="r" defTabSz="914400" rtl="0" eaLnBrk="1" fontAlgn="base" latinLnBrk="0" hangingPunct="1">
-              <a:lnSpc>
-                <a:spcPct val="100000"/>
-              </a:lnSpc>
-              <a:spcBef>
-                <a:spcPct val="0"/>
-              </a:spcBef>
-              <a:spcAft>
-                <a:spcPct val="0"/>
-              </a:spcAft>
-              <a:buClrTx/>
-              <a:buSzTx/>
-              <a:buFontTx/>
-              <a:buNone/>
-              <a:tabLst/>
-              <a:defRPr/>
-            </a:pPr>
-            <a:r>
-              <a:rPr kumimoji="0" lang="en-US" sz="1200" b="0" i="0" u="none" strike="noStrike" kern="1200" cap="none" spc="0" normalizeH="0" baseline="0" noProof="0" dirty="0" smtClean="0">
-                <a:ln>
-                  <a:noFill/>
-                </a:ln>
-                <a:solidFill>
-                  <a:schemeClr val="tx1"/>
-                </a:solidFill>
-                <a:effectLst/>
-                <a:uLnTx/>
-                <a:uFillTx/>
-                <a:latin typeface="+mn-lt"/>
-                <a:ea typeface="+mn-ea"/>
-                <a:cs typeface="+mn-cs"/>
-              </a:rPr>
-              <a:t>testing.</a:t>
-            </a:r>
-            <a:fld id="{B9A0B45D-6AFD-413C-B761-B121FB8BE940}" type="slidenum">
-              <a:rPr kumimoji="0" lang="en-US" sz="1200" b="0" i="0" u="none" strike="noStrike" kern="1200" cap="none" spc="0" normalizeH="0" baseline="0" noProof="0" smtClean="0">
-                <a:ln>
-                  <a:noFill/>
-                </a:ln>
-                <a:solidFill>
-                  <a:schemeClr val="tx1"/>
-                </a:solidFill>
-                <a:effectLst/>
-                <a:uLnTx/>
-                <a:uFillTx/>
-                <a:latin typeface="+mn-lt"/>
-                <a:ea typeface="+mn-ea"/>
-                <a:cs typeface="+mn-cs"/>
-              </a:rPr>
-              <a:pPr marL="0" marR="0" lvl="0" indent="0" algn="r" defTabSz="914400" rtl="0" eaLnBrk="1" fontAlgn="base" latinLnBrk="0" hangingPunct="1">
-                <a:lnSpc>
-                  <a:spcPct val="100000"/>
-                </a:lnSpc>
-                <a:spcBef>
-                  <a:spcPct val="0"/>
-                </a:spcBef>
-                <a:spcAft>
-                  <a:spcPct val="0"/>
-                </a:spcAft>
-                <a:buClrTx/>
-                <a:buSzTx/>
-                <a:buFontTx/>
-                <a:buNone/>
-                <a:tabLst/>
-                <a:defRPr/>
-              </a:pPr>
-              <a:t>19</a:t>
-            </a:fld>
-            <a:endParaRPr kumimoji="0" lang="en-US" sz="1200" b="0" i="0" u="none" strike="noStrike" kern="1200" cap="none" spc="0" normalizeH="0" baseline="0" noProof="0" dirty="0">
-              <a:ln>
-                <a:noFill/>
-              </a:ln>
-              <a:solidFill>
-                <a:schemeClr val="tx1"/>
-              </a:solidFill>
-              <a:effectLst/>
-              <a:uLnTx/>
-              <a:uFillTx/>
-              <a:latin typeface="+mn-lt"/>
-              <a:ea typeface="+mn-ea"/>
-              <a:cs typeface="+mn-cs"/>
-            </a:endParaRPr>
-          </a:p>
-        </p:txBody>
-      </p:sp>
       <p:grpSp>
         <p:nvGrpSpPr>
           <p:cNvPr id="4" name="Group 3"/>
@@ -8013,7 +7967,7 @@
             <a:graphicData uri="http://schemas.openxmlformats.org/presentationml/2006/ole">
               <mc:AlternateContent xmlns:mc="http://schemas.openxmlformats.org/markup-compatibility/2006">
                 <mc:Choice xmlns:v="urn:schemas-microsoft-com:vml" Requires="v">
-                  <p:oleObj spid="_x0000_s35941" name="Equation" r:id="rId4" imgW="850900" imgH="228600" progId="Equation.DSMT4">
+                  <p:oleObj spid="_x0000_s35947" name="Equation" r:id="rId4" imgW="850900" imgH="228600" progId="Equation.DSMT4">
                     <p:embed/>
                   </p:oleObj>
                 </mc:Choice>
@@ -8070,7 +8024,7 @@
             <a:graphicData uri="http://schemas.openxmlformats.org/presentationml/2006/ole">
               <mc:AlternateContent xmlns:mc="http://schemas.openxmlformats.org/markup-compatibility/2006">
                 <mc:Choice xmlns:v="urn:schemas-microsoft-com:vml" Requires="v">
-                  <p:oleObj spid="_x0000_s35942" name="Equation" r:id="rId6" imgW="850900" imgH="228600" progId="Equation.DSMT4">
+                  <p:oleObj spid="_x0000_s35948" name="Equation" r:id="rId6" imgW="850900" imgH="228600" progId="Equation.DSMT4">
                     <p:embed/>
                   </p:oleObj>
                 </mc:Choice>
@@ -8158,6 +8112,130 @@
               </a:rPr>
               <a:t>Prediction</a:t>
             </a:r>
+          </a:p>
+        </p:txBody>
+      </p:sp>
+      <p:sp>
+        <p:nvSpPr>
+          <p:cNvPr id="9" name="Rectangle 4"/>
+          <p:cNvSpPr txBox="1">
+            <a:spLocks noChangeArrowheads="1"/>
+          </p:cNvSpPr>
+          <p:nvPr/>
+        </p:nvSpPr>
+        <p:spPr bwMode="auto">
+          <a:xfrm>
+            <a:off x="7696200" y="6629400"/>
+            <a:ext cx="1447800" cy="228600"/>
+          </a:xfrm>
+          <a:prstGeom prst="rect">
+            <a:avLst/>
+          </a:prstGeom>
+          <a:noFill/>
+          <a:ln w="9525">
+            <a:noFill/>
+            <a:miter lim="800000"/>
+            <a:headEnd/>
+            <a:tailEnd/>
+          </a:ln>
+          <a:effectLst/>
+        </p:spPr>
+        <p:txBody>
+          <a:bodyPr vert="horz" wrap="square" lIns="91440" tIns="45720" rIns="91440" bIns="45720" numCol="1" anchor="t" anchorCtr="0" compatLnSpc="1">
+            <a:prstTxWarp prst="textNoShape">
+              <a:avLst/>
+            </a:prstTxWarp>
+          </a:bodyPr>
+          <a:lstStyle>
+            <a:lvl1pPr algn="r">
+              <a:defRPr sz="1200" dirty="0" err="1" smtClean="0">
+                <a:latin typeface="+mn-lt"/>
+              </a:defRPr>
+            </a:lvl1pPr>
+          </a:lstStyle>
+          <a:p>
+            <a:pPr marL="0" marR="0" lvl="0" indent="0" algn="r" defTabSz="914400" rtl="0" eaLnBrk="1" fontAlgn="base" latinLnBrk="0" hangingPunct="1">
+              <a:lnSpc>
+                <a:spcPct val="100000"/>
+              </a:lnSpc>
+              <a:spcBef>
+                <a:spcPct val="0"/>
+              </a:spcBef>
+              <a:spcAft>
+                <a:spcPct val="0"/>
+              </a:spcAft>
+              <a:buClrTx/>
+              <a:buSzTx/>
+              <a:buFontTx/>
+              <a:buNone/>
+              <a:tabLst/>
+              <a:defRPr/>
+            </a:pPr>
+            <a:r>
+              <a:rPr kumimoji="0" lang="en-US" sz="1200" b="0" i="0" u="none" strike="noStrike" kern="1200" cap="none" spc="0" normalizeH="0" baseline="0" noProof="0" dirty="0" smtClean="0">
+                <a:ln>
+                  <a:noFill/>
+                </a:ln>
+                <a:solidFill>
+                  <a:schemeClr val="tx1"/>
+                </a:solidFill>
+                <a:effectLst/>
+                <a:uLnTx/>
+                <a:uFillTx/>
+                <a:latin typeface="Comic Sans MS"/>
+                <a:ea typeface="+mn-ea"/>
+                <a:cs typeface="Comic Sans MS"/>
+              </a:rPr>
+              <a:t>testing.</a:t>
+            </a:r>
+            <a:fld id="{B9A0B45D-6AFD-413C-B761-B121FB8BE940}" type="slidenum">
+              <a:rPr kumimoji="0" lang="en-US" sz="1200" b="0" i="0" u="none" strike="noStrike" kern="1200" cap="none" spc="0" normalizeH="0" baseline="0" noProof="0" smtClean="0">
+                <a:ln>
+                  <a:noFill/>
+                </a:ln>
+                <a:solidFill>
+                  <a:schemeClr val="tx1"/>
+                </a:solidFill>
+                <a:effectLst/>
+                <a:uLnTx/>
+                <a:uFillTx/>
+                <a:latin typeface="Comic Sans MS"/>
+                <a:ea typeface="+mn-ea"/>
+                <a:cs typeface="Comic Sans MS"/>
+              </a:rPr>
+              <a:pPr marL="0" marR="0" lvl="0" indent="0" algn="r" defTabSz="914400" rtl="0" eaLnBrk="1" fontAlgn="base" latinLnBrk="0" hangingPunct="1">
+                <a:lnSpc>
+                  <a:spcPct val="100000"/>
+                </a:lnSpc>
+                <a:spcBef>
+                  <a:spcPct val="0"/>
+                </a:spcBef>
+                <a:spcAft>
+                  <a:spcPct val="0"/>
+                </a:spcAft>
+                <a:buClrTx/>
+                <a:buSzTx/>
+                <a:buFontTx/>
+                <a:buNone/>
+                <a:tabLst/>
+                <a:defRPr/>
+              </a:pPr>
+              <a:t>19</a:t>
+            </a:fld>
+            <a:endParaRPr kumimoji="0" lang="en-US" sz="1200" b="0" i="0" u="none" strike="noStrike" kern="1200" cap="none" spc="0" normalizeH="0" baseline="0" noProof="0" dirty="0">
+              <a:ln>
+                <a:noFill/>
+              </a:ln>
+              <a:solidFill>
+                <a:schemeClr val="tx1"/>
+              </a:solidFill>
+              <a:effectLst/>
+              <a:uLnTx/>
+              <a:uFillTx/>
+              <a:latin typeface="Comic Sans MS"/>
+              <a:ea typeface="+mn-ea"/>
+              <a:cs typeface="Comic Sans MS"/>
+            </a:endParaRPr>
           </a:p>
         </p:txBody>
       </p:sp>
@@ -8230,7 +8308,80 @@
       </p:cxnSp>
       <p:sp>
         <p:nvSpPr>
-          <p:cNvPr id="39" name="Rectangle 4"/>
+          <p:cNvPr id="2" name="TextBox 1"/>
+          <p:cNvSpPr txBox="1"/>
+          <p:nvPr/>
+        </p:nvSpPr>
+        <p:spPr>
+          <a:xfrm>
+            <a:off x="199038" y="1061467"/>
+            <a:ext cx="8681943" cy="1446550"/>
+          </a:xfrm>
+          <a:prstGeom prst="rect">
+            <a:avLst/>
+          </a:prstGeom>
+          <a:noFill/>
+        </p:spPr>
+        <p:txBody>
+          <a:bodyPr wrap="square" rtlCol="0">
+            <a:spAutoFit/>
+          </a:bodyPr>
+          <a:lstStyle/>
+          <a:p>
+            <a:pPr algn="l"/>
+            <a:r>
+              <a:rPr lang="en-US" sz="4400" dirty="0" smtClean="0">
+                <a:latin typeface="Comic Sans MS"/>
+                <a:cs typeface="Comic Sans MS"/>
+              </a:rPr>
+              <a:t>A great-sounding diagnostic test for TB:</a:t>
+            </a:r>
+            <a:endParaRPr lang="en-US" sz="4400" dirty="0" smtClean="0">
+              <a:solidFill>
+                <a:srgbClr val="EE040A"/>
+              </a:solidFill>
+              <a:latin typeface="Comic Sans MS"/>
+              <a:cs typeface="Comic Sans MS"/>
+            </a:endParaRPr>
+          </a:p>
+        </p:txBody>
+      </p:sp>
+      <p:sp>
+        <p:nvSpPr>
+          <p:cNvPr id="7" name="Rectangle 4"/>
+          <p:cNvSpPr>
+            <a:spLocks noGrp="1" noChangeArrowheads="1"/>
+          </p:cNvSpPr>
+          <p:nvPr>
+            <p:ph type="title"/>
+          </p:nvPr>
+        </p:nvSpPr>
+        <p:spPr>
+          <a:xfrm>
+            <a:off x="1295400" y="228600"/>
+            <a:ext cx="6553200" cy="838200"/>
+          </a:xfrm>
+          <a:noFill/>
+        </p:spPr>
+        <p:txBody>
+          <a:bodyPr/>
+          <a:lstStyle/>
+          <a:p>
+            <a:pPr eaLnBrk="1" hangingPunct="1"/>
+            <a:r>
+              <a:rPr lang="en-US" sz="4000" dirty="0" smtClean="0">
+                <a:solidFill>
+                  <a:schemeClr val="tx1"/>
+                </a:solidFill>
+              </a:rPr>
+              <a:t>98% accurate TB testing</a:t>
+            </a:r>
+          </a:p>
+        </p:txBody>
+      </p:sp>
+      <p:sp>
+        <p:nvSpPr>
+          <p:cNvPr id="6" name="Rectangle 4"/>
           <p:cNvSpPr txBox="1">
             <a:spLocks noChangeArrowheads="1"/>
           </p:cNvSpPr>
@@ -8295,9 +8446,9 @@
                 <a:effectLst/>
                 <a:uLnTx/>
                 <a:uFillTx/>
-                <a:latin typeface="+mn-lt"/>
+                <a:latin typeface="Comic Sans MS"/>
                 <a:ea typeface="+mn-ea"/>
-                <a:cs typeface="+mn-cs"/>
+                <a:cs typeface="Comic Sans MS"/>
               </a:rPr>
               <a:t>testing.</a:t>
             </a:r>
@@ -8312,9 +8463,9 @@
                 <a:effectLst/>
                 <a:uLnTx/>
                 <a:uFillTx/>
-                <a:latin typeface="+mn-lt"/>
+                <a:latin typeface="Comic Sans MS"/>
                 <a:ea typeface="+mn-ea"/>
-                <a:cs typeface="+mn-cs"/>
+                <a:cs typeface="Comic Sans MS"/>
               </a:rPr>
               <a:pPr marL="0" marR="0" lvl="0" indent="0" algn="r" defTabSz="914400" rtl="0" eaLnBrk="1" fontAlgn="base" latinLnBrk="0" hangingPunct="1">
                 <a:lnSpc>
@@ -8345,91 +8496,10 @@
               <a:effectLst/>
               <a:uLnTx/>
               <a:uFillTx/>
-              <a:latin typeface="+mn-lt"/>
+              <a:latin typeface="Comic Sans MS"/>
               <a:ea typeface="+mn-ea"/>
-              <a:cs typeface="+mn-cs"/>
-            </a:endParaRPr>
-          </a:p>
-        </p:txBody>
-      </p:sp>
-      <p:sp>
-        <p:nvSpPr>
-          <p:cNvPr id="2" name="TextBox 1"/>
-          <p:cNvSpPr txBox="1"/>
-          <p:nvPr/>
-        </p:nvSpPr>
-        <p:spPr>
-          <a:xfrm>
-            <a:off x="199038" y="1061467"/>
-            <a:ext cx="8681943" cy="1446550"/>
-          </a:xfrm>
-          <a:prstGeom prst="rect">
-            <a:avLst/>
-          </a:prstGeom>
-          <a:noFill/>
-        </p:spPr>
-        <p:txBody>
-          <a:bodyPr wrap="square" rtlCol="0">
-            <a:spAutoFit/>
-          </a:bodyPr>
-          <a:lstStyle/>
-          <a:p>
-            <a:pPr algn="l"/>
-            <a:r>
-              <a:rPr lang="en-US" sz="4400" dirty="0" smtClean="0">
-                <a:latin typeface="Comic Sans MS"/>
-                <a:cs typeface="Comic Sans MS"/>
-              </a:rPr>
-              <a:t>A great-sounding diagnostic test for TB:</a:t>
-            </a:r>
-            <a:endParaRPr lang="en-US" sz="4400" dirty="0" smtClean="0">
-              <a:solidFill>
-                <a:srgbClr val="EE040A"/>
-              </a:solidFill>
-              <a:latin typeface="Comic Sans MS"/>
               <a:cs typeface="Comic Sans MS"/>
             </a:endParaRPr>
-          </a:p>
-        </p:txBody>
-      </p:sp>
-      <p:sp>
-        <p:nvSpPr>
-          <p:cNvPr id="7" name="Rectangle 4"/>
-          <p:cNvSpPr>
-            <a:spLocks noGrp="1" noChangeArrowheads="1"/>
-          </p:cNvSpPr>
-          <p:nvPr>
-            <p:ph type="title"/>
-          </p:nvPr>
-        </p:nvSpPr>
-        <p:spPr>
-          <a:xfrm>
-            <a:off x="1295400" y="228600"/>
-            <a:ext cx="6553200" cy="838200"/>
-          </a:xfrm>
-          <a:noFill/>
-        </p:spPr>
-        <p:txBody>
-          <a:bodyPr/>
-          <a:lstStyle/>
-          <a:p>
-            <a:pPr eaLnBrk="1" hangingPunct="1"/>
-            <a:r>
-              <a:rPr lang="en-US" sz="4000" dirty="0" smtClean="0">
-                <a:solidFill>
-                  <a:schemeClr val="tx1"/>
-                </a:solidFill>
-              </a:rPr>
-              <a:t>98% </a:t>
-            </a:r>
-            <a:r>
-              <a:rPr lang="en-US" sz="4000" dirty="0" smtClean="0">
-                <a:solidFill>
-                  <a:schemeClr val="tx1"/>
-                </a:solidFill>
-              </a:rPr>
-              <a:t>accurate TB testing</a:t>
-            </a:r>
           </a:p>
         </p:txBody>
       </p:sp>
@@ -8744,7 +8814,7 @@
           <a:graphicData uri="http://schemas.openxmlformats.org/presentationml/2006/ole">
             <mc:AlternateContent xmlns:mc="http://schemas.openxmlformats.org/markup-compatibility/2006">
               <mc:Choice xmlns:v="urn:schemas-microsoft-com:vml" Requires="v">
-                <p:oleObj spid="_x0000_s88091" name="Equation" r:id="rId3" imgW="1257300" imgH="495300" progId="Equation.DSMT4">
+                <p:oleObj spid="_x0000_s88095" name="Equation" r:id="rId3" imgW="1257300" imgH="495300" progId="Equation.DSMT4">
                   <p:embed/>
                 </p:oleObj>
               </mc:Choice>
@@ -9083,7 +9153,7 @@
           <a:graphicData uri="http://schemas.openxmlformats.org/presentationml/2006/ole">
             <mc:AlternateContent xmlns:mc="http://schemas.openxmlformats.org/markup-compatibility/2006">
               <mc:Choice xmlns:v="urn:schemas-microsoft-com:vml" Requires="v">
-                <p:oleObj spid="_x0000_s89137" name="Equation" r:id="rId3" imgW="952500" imgH="469900" progId="Equation.DSMT4">
+                <p:oleObj spid="_x0000_s89143" name="Equation" r:id="rId3" imgW="952500" imgH="469900" progId="Equation.DSMT4">
                   <p:embed/>
                 </p:oleObj>
               </mc:Choice>
@@ -9140,7 +9210,7 @@
           <a:graphicData uri="http://schemas.openxmlformats.org/presentationml/2006/ole">
             <mc:AlternateContent xmlns:mc="http://schemas.openxmlformats.org/markup-compatibility/2006">
               <mc:Choice xmlns:v="urn:schemas-microsoft-com:vml" Requires="v">
-                <p:oleObj spid="_x0000_s89138" name="Equation" r:id="rId5" imgW="1701800" imgH="469900" progId="Equation.DSMT4">
+                <p:oleObj spid="_x0000_s89144" name="Equation" r:id="rId5" imgW="1701800" imgH="469900" progId="Equation.DSMT4">
                   <p:embed/>
                 </p:oleObj>
               </mc:Choice>
@@ -9472,130 +9542,6 @@
           </a:ln>
         </p:spPr>
       </p:cxnSp>
-      <p:sp>
-        <p:nvSpPr>
-          <p:cNvPr id="39" name="Rectangle 4"/>
-          <p:cNvSpPr txBox="1">
-            <a:spLocks noChangeArrowheads="1"/>
-          </p:cNvSpPr>
-          <p:nvPr/>
-        </p:nvSpPr>
-        <p:spPr bwMode="auto">
-          <a:xfrm>
-            <a:off x="7696200" y="6629400"/>
-            <a:ext cx="1447800" cy="228600"/>
-          </a:xfrm>
-          <a:prstGeom prst="rect">
-            <a:avLst/>
-          </a:prstGeom>
-          <a:noFill/>
-          <a:ln w="9525">
-            <a:noFill/>
-            <a:miter lim="800000"/>
-            <a:headEnd/>
-            <a:tailEnd/>
-          </a:ln>
-          <a:effectLst/>
-        </p:spPr>
-        <p:txBody>
-          <a:bodyPr vert="horz" wrap="square" lIns="91440" tIns="45720" rIns="91440" bIns="45720" numCol="1" anchor="t" anchorCtr="0" compatLnSpc="1">
-            <a:prstTxWarp prst="textNoShape">
-              <a:avLst/>
-            </a:prstTxWarp>
-          </a:bodyPr>
-          <a:lstStyle>
-            <a:lvl1pPr algn="r">
-              <a:defRPr sz="1200" dirty="0" err="1" smtClean="0">
-                <a:latin typeface="+mn-lt"/>
-              </a:defRPr>
-            </a:lvl1pPr>
-          </a:lstStyle>
-          <a:p>
-            <a:pPr marL="0" marR="0" lvl="0" indent="0" algn="r" defTabSz="914400" rtl="0" eaLnBrk="1" fontAlgn="base" latinLnBrk="0" hangingPunct="1">
-              <a:lnSpc>
-                <a:spcPct val="100000"/>
-              </a:lnSpc>
-              <a:spcBef>
-                <a:spcPct val="0"/>
-              </a:spcBef>
-              <a:spcAft>
-                <a:spcPct val="0"/>
-              </a:spcAft>
-              <a:buClrTx/>
-              <a:buSzTx/>
-              <a:buFontTx/>
-              <a:buNone/>
-              <a:tabLst/>
-              <a:defRPr/>
-            </a:pPr>
-            <a:r>
-              <a:rPr kumimoji="0" lang="en-US" sz="1200" b="0" i="0" u="none" strike="noStrike" kern="1200" cap="none" spc="0" normalizeH="0" baseline="0" noProof="0" dirty="0" smtClean="0">
-                <a:ln>
-                  <a:noFill/>
-                </a:ln>
-                <a:solidFill>
-                  <a:schemeClr val="tx1"/>
-                </a:solidFill>
-                <a:effectLst/>
-                <a:uLnTx/>
-                <a:uFillTx/>
-                <a:latin typeface="+mn-lt"/>
-                <a:ea typeface="+mn-ea"/>
-                <a:cs typeface="+mn-cs"/>
-              </a:rPr>
-              <a:t>testing.</a:t>
-            </a:r>
-            <a:fld id="{B9A0B45D-6AFD-413C-B761-B121FB8BE940}" type="slidenum">
-              <a:rPr kumimoji="0" lang="en-US" sz="1200" b="0" i="0" u="none" strike="noStrike" kern="1200" cap="none" spc="0" normalizeH="0" baseline="0" noProof="0" smtClean="0">
-                <a:ln>
-                  <a:noFill/>
-                </a:ln>
-                <a:solidFill>
-                  <a:schemeClr val="tx1"/>
-                </a:solidFill>
-                <a:effectLst/>
-                <a:uLnTx/>
-                <a:uFillTx/>
-                <a:latin typeface="+mn-lt"/>
-                <a:ea typeface="+mn-ea"/>
-                <a:cs typeface="+mn-cs"/>
-              </a:rPr>
-              <a:pPr marL="0" marR="0" lvl="0" indent="0" algn="r" defTabSz="914400" rtl="0" eaLnBrk="1" fontAlgn="base" latinLnBrk="0" hangingPunct="1">
-                <a:lnSpc>
-                  <a:spcPct val="100000"/>
-                </a:lnSpc>
-                <a:spcBef>
-                  <a:spcPct val="0"/>
-                </a:spcBef>
-                <a:spcAft>
-                  <a:spcPct val="0"/>
-                </a:spcAft>
-                <a:buClrTx/>
-                <a:buSzTx/>
-                <a:buFontTx/>
-                <a:buNone/>
-                <a:tabLst/>
-                <a:defRPr/>
-              </a:pPr>
-              <a:t>22</a:t>
-            </a:fld>
-            <a:endParaRPr kumimoji="0" lang="en-US" sz="1200" b="0" i="0" u="none" strike="noStrike" kern="1200" cap="none" spc="0" normalizeH="0" baseline="0" noProof="0" dirty="0">
-              <a:ln>
-                <a:noFill/>
-              </a:ln>
-              <a:solidFill>
-                <a:schemeClr val="tx1"/>
-              </a:solidFill>
-              <a:effectLst/>
-              <a:uLnTx/>
-              <a:uFillTx/>
-              <a:latin typeface="+mn-lt"/>
-              <a:ea typeface="+mn-ea"/>
-              <a:cs typeface="+mn-cs"/>
-            </a:endParaRPr>
-          </a:p>
-        </p:txBody>
-      </p:sp>
       <p:graphicFrame>
         <p:nvGraphicFramePr>
           <p:cNvPr id="11" name="Object 10"/>
@@ -9618,7 +9564,7 @@
           <a:graphicData uri="http://schemas.openxmlformats.org/presentationml/2006/ole">
             <mc:AlternateContent xmlns:mc="http://schemas.openxmlformats.org/markup-compatibility/2006">
               <mc:Choice xmlns:v="urn:schemas-microsoft-com:vml" Requires="v">
-                <p:oleObj spid="_x0000_s32824" name="Equation" r:id="rId4" imgW="1765300" imgH="495300" progId="Equation.DSMT4">
+                <p:oleObj spid="_x0000_s32828" name="Equation" r:id="rId4" imgW="1765300" imgH="495300" progId="Equation.DSMT4">
                   <p:embed/>
                 </p:oleObj>
               </mc:Choice>
@@ -9683,6 +9629,130 @@
               </a:rPr>
               <a:t>Odds of TB</a:t>
             </a:r>
+          </a:p>
+        </p:txBody>
+      </p:sp>
+      <p:sp>
+        <p:nvSpPr>
+          <p:cNvPr id="6" name="Rectangle 4"/>
+          <p:cNvSpPr txBox="1">
+            <a:spLocks noChangeArrowheads="1"/>
+          </p:cNvSpPr>
+          <p:nvPr/>
+        </p:nvSpPr>
+        <p:spPr bwMode="auto">
+          <a:xfrm>
+            <a:off x="7696200" y="6629400"/>
+            <a:ext cx="1447800" cy="228600"/>
+          </a:xfrm>
+          <a:prstGeom prst="rect">
+            <a:avLst/>
+          </a:prstGeom>
+          <a:noFill/>
+          <a:ln w="9525">
+            <a:noFill/>
+            <a:miter lim="800000"/>
+            <a:headEnd/>
+            <a:tailEnd/>
+          </a:ln>
+          <a:effectLst/>
+        </p:spPr>
+        <p:txBody>
+          <a:bodyPr vert="horz" wrap="square" lIns="91440" tIns="45720" rIns="91440" bIns="45720" numCol="1" anchor="t" anchorCtr="0" compatLnSpc="1">
+            <a:prstTxWarp prst="textNoShape">
+              <a:avLst/>
+            </a:prstTxWarp>
+          </a:bodyPr>
+          <a:lstStyle>
+            <a:lvl1pPr algn="r">
+              <a:defRPr sz="1200" dirty="0" err="1" smtClean="0">
+                <a:latin typeface="+mn-lt"/>
+              </a:defRPr>
+            </a:lvl1pPr>
+          </a:lstStyle>
+          <a:p>
+            <a:pPr marL="0" marR="0" lvl="0" indent="0" algn="r" defTabSz="914400" rtl="0" eaLnBrk="1" fontAlgn="base" latinLnBrk="0" hangingPunct="1">
+              <a:lnSpc>
+                <a:spcPct val="100000"/>
+              </a:lnSpc>
+              <a:spcBef>
+                <a:spcPct val="0"/>
+              </a:spcBef>
+              <a:spcAft>
+                <a:spcPct val="0"/>
+              </a:spcAft>
+              <a:buClrTx/>
+              <a:buSzTx/>
+              <a:buFontTx/>
+              <a:buNone/>
+              <a:tabLst/>
+              <a:defRPr/>
+            </a:pPr>
+            <a:r>
+              <a:rPr kumimoji="0" lang="en-US" sz="1200" b="0" i="0" u="none" strike="noStrike" kern="1200" cap="none" spc="0" normalizeH="0" baseline="0" noProof="0" dirty="0" smtClean="0">
+                <a:ln>
+                  <a:noFill/>
+                </a:ln>
+                <a:solidFill>
+                  <a:schemeClr val="tx1"/>
+                </a:solidFill>
+                <a:effectLst/>
+                <a:uLnTx/>
+                <a:uFillTx/>
+                <a:latin typeface="Comic Sans MS"/>
+                <a:ea typeface="+mn-ea"/>
+                <a:cs typeface="Comic Sans MS"/>
+              </a:rPr>
+              <a:t>testing.</a:t>
+            </a:r>
+            <a:fld id="{B9A0B45D-6AFD-413C-B761-B121FB8BE940}" type="slidenum">
+              <a:rPr kumimoji="0" lang="en-US" sz="1200" b="0" i="0" u="none" strike="noStrike" kern="1200" cap="none" spc="0" normalizeH="0" baseline="0" noProof="0" smtClean="0">
+                <a:ln>
+                  <a:noFill/>
+                </a:ln>
+                <a:solidFill>
+                  <a:schemeClr val="tx1"/>
+                </a:solidFill>
+                <a:effectLst/>
+                <a:uLnTx/>
+                <a:uFillTx/>
+                <a:latin typeface="Comic Sans MS"/>
+                <a:ea typeface="+mn-ea"/>
+                <a:cs typeface="Comic Sans MS"/>
+              </a:rPr>
+              <a:pPr marL="0" marR="0" lvl="0" indent="0" algn="r" defTabSz="914400" rtl="0" eaLnBrk="1" fontAlgn="base" latinLnBrk="0" hangingPunct="1">
+                <a:lnSpc>
+                  <a:spcPct val="100000"/>
+                </a:lnSpc>
+                <a:spcBef>
+                  <a:spcPct val="0"/>
+                </a:spcBef>
+                <a:spcAft>
+                  <a:spcPct val="0"/>
+                </a:spcAft>
+                <a:buClrTx/>
+                <a:buSzTx/>
+                <a:buFontTx/>
+                <a:buNone/>
+                <a:tabLst/>
+                <a:defRPr/>
+              </a:pPr>
+              <a:t>22</a:t>
+            </a:fld>
+            <a:endParaRPr kumimoji="0" lang="en-US" sz="1200" b="0" i="0" u="none" strike="noStrike" kern="1200" cap="none" spc="0" normalizeH="0" baseline="0" noProof="0" dirty="0">
+              <a:ln>
+                <a:noFill/>
+              </a:ln>
+              <a:solidFill>
+                <a:schemeClr val="tx1"/>
+              </a:solidFill>
+              <a:effectLst/>
+              <a:uLnTx/>
+              <a:uFillTx/>
+              <a:latin typeface="Comic Sans MS"/>
+              <a:ea typeface="+mn-ea"/>
+              <a:cs typeface="Comic Sans MS"/>
+            </a:endParaRPr>
           </a:p>
         </p:txBody>
       </p:sp>
@@ -9755,130 +9825,6 @@
       </p:cxnSp>
       <p:sp>
         <p:nvSpPr>
-          <p:cNvPr id="39" name="Rectangle 4"/>
-          <p:cNvSpPr txBox="1">
-            <a:spLocks noChangeArrowheads="1"/>
-          </p:cNvSpPr>
-          <p:nvPr/>
-        </p:nvSpPr>
-        <p:spPr bwMode="auto">
-          <a:xfrm>
-            <a:off x="7696200" y="6629400"/>
-            <a:ext cx="1447800" cy="228600"/>
-          </a:xfrm>
-          <a:prstGeom prst="rect">
-            <a:avLst/>
-          </a:prstGeom>
-          <a:noFill/>
-          <a:ln w="9525">
-            <a:noFill/>
-            <a:miter lim="800000"/>
-            <a:headEnd/>
-            <a:tailEnd/>
-          </a:ln>
-          <a:effectLst/>
-        </p:spPr>
-        <p:txBody>
-          <a:bodyPr vert="horz" wrap="square" lIns="91440" tIns="45720" rIns="91440" bIns="45720" numCol="1" anchor="t" anchorCtr="0" compatLnSpc="1">
-            <a:prstTxWarp prst="textNoShape">
-              <a:avLst/>
-            </a:prstTxWarp>
-          </a:bodyPr>
-          <a:lstStyle>
-            <a:lvl1pPr algn="r">
-              <a:defRPr sz="1200" dirty="0" err="1" smtClean="0">
-                <a:latin typeface="+mn-lt"/>
-              </a:defRPr>
-            </a:lvl1pPr>
-          </a:lstStyle>
-          <a:p>
-            <a:pPr marL="0" marR="0" lvl="0" indent="0" algn="r" defTabSz="914400" rtl="0" eaLnBrk="1" fontAlgn="base" latinLnBrk="0" hangingPunct="1">
-              <a:lnSpc>
-                <a:spcPct val="100000"/>
-              </a:lnSpc>
-              <a:spcBef>
-                <a:spcPct val="0"/>
-              </a:spcBef>
-              <a:spcAft>
-                <a:spcPct val="0"/>
-              </a:spcAft>
-              <a:buClrTx/>
-              <a:buSzTx/>
-              <a:buFontTx/>
-              <a:buNone/>
-              <a:tabLst/>
-              <a:defRPr/>
-            </a:pPr>
-            <a:r>
-              <a:rPr kumimoji="0" lang="en-US" sz="1200" b="0" i="0" u="none" strike="noStrike" kern="1200" cap="none" spc="0" normalizeH="0" baseline="0" noProof="0" dirty="0" smtClean="0">
-                <a:ln>
-                  <a:noFill/>
-                </a:ln>
-                <a:solidFill>
-                  <a:schemeClr val="tx1"/>
-                </a:solidFill>
-                <a:effectLst/>
-                <a:uLnTx/>
-                <a:uFillTx/>
-                <a:latin typeface="+mn-lt"/>
-                <a:ea typeface="+mn-ea"/>
-                <a:cs typeface="+mn-cs"/>
-              </a:rPr>
-              <a:t>testing.</a:t>
-            </a:r>
-            <a:fld id="{B9A0B45D-6AFD-413C-B761-B121FB8BE940}" type="slidenum">
-              <a:rPr kumimoji="0" lang="en-US" sz="1200" b="0" i="0" u="none" strike="noStrike" kern="1200" cap="none" spc="0" normalizeH="0" baseline="0" noProof="0" smtClean="0">
-                <a:ln>
-                  <a:noFill/>
-                </a:ln>
-                <a:solidFill>
-                  <a:schemeClr val="tx1"/>
-                </a:solidFill>
-                <a:effectLst/>
-                <a:uLnTx/>
-                <a:uFillTx/>
-                <a:latin typeface="+mn-lt"/>
-                <a:ea typeface="+mn-ea"/>
-                <a:cs typeface="+mn-cs"/>
-              </a:rPr>
-              <a:pPr marL="0" marR="0" lvl="0" indent="0" algn="r" defTabSz="914400" rtl="0" eaLnBrk="1" fontAlgn="base" latinLnBrk="0" hangingPunct="1">
-                <a:lnSpc>
-                  <a:spcPct val="100000"/>
-                </a:lnSpc>
-                <a:spcBef>
-                  <a:spcPct val="0"/>
-                </a:spcBef>
-                <a:spcAft>
-                  <a:spcPct val="0"/>
-                </a:spcAft>
-                <a:buClrTx/>
-                <a:buSzTx/>
-                <a:buFontTx/>
-                <a:buNone/>
-                <a:tabLst/>
-                <a:defRPr/>
-              </a:pPr>
-              <a:t>23</a:t>
-            </a:fld>
-            <a:endParaRPr kumimoji="0" lang="en-US" sz="1200" b="0" i="0" u="none" strike="noStrike" kern="1200" cap="none" spc="0" normalizeH="0" baseline="0" noProof="0" dirty="0">
-              <a:ln>
-                <a:noFill/>
-              </a:ln>
-              <a:solidFill>
-                <a:schemeClr val="tx1"/>
-              </a:solidFill>
-              <a:effectLst/>
-              <a:uLnTx/>
-              <a:uFillTx/>
-              <a:latin typeface="+mn-lt"/>
-              <a:ea typeface="+mn-ea"/>
-              <a:cs typeface="+mn-cs"/>
-            </a:endParaRPr>
-          </a:p>
-        </p:txBody>
-      </p:sp>
-      <p:sp>
-        <p:nvSpPr>
           <p:cNvPr id="13" name="Rectangle 4"/>
           <p:cNvSpPr>
             <a:spLocks noGrp="1" noChangeArrowheads="1"/>
@@ -9932,7 +9878,7 @@
           <a:graphicData uri="http://schemas.openxmlformats.org/presentationml/2006/ole">
             <mc:AlternateContent xmlns:mc="http://schemas.openxmlformats.org/markup-compatibility/2006">
               <mc:Choice xmlns:v="urn:schemas-microsoft-com:vml" Requires="v">
-                <p:oleObj spid="_x0000_s79924" name="Equation" r:id="rId4" imgW="1092200" imgH="228600" progId="Equation.DSMT4">
+                <p:oleObj spid="_x0000_s79928" name="Equation" r:id="rId4" imgW="1092200" imgH="228600" progId="Equation.DSMT4">
                   <p:embed/>
                 </p:oleObj>
               </mc:Choice>
@@ -9967,6 +9913,130 @@
           </a:graphicData>
         </a:graphic>
       </p:graphicFrame>
+      <p:sp>
+        <p:nvSpPr>
+          <p:cNvPr id="6" name="Rectangle 4"/>
+          <p:cNvSpPr txBox="1">
+            <a:spLocks noChangeArrowheads="1"/>
+          </p:cNvSpPr>
+          <p:nvPr/>
+        </p:nvSpPr>
+        <p:spPr bwMode="auto">
+          <a:xfrm>
+            <a:off x="7696200" y="6629400"/>
+            <a:ext cx="1447800" cy="228600"/>
+          </a:xfrm>
+          <a:prstGeom prst="rect">
+            <a:avLst/>
+          </a:prstGeom>
+          <a:noFill/>
+          <a:ln w="9525">
+            <a:noFill/>
+            <a:miter lim="800000"/>
+            <a:headEnd/>
+            <a:tailEnd/>
+          </a:ln>
+          <a:effectLst/>
+        </p:spPr>
+        <p:txBody>
+          <a:bodyPr vert="horz" wrap="square" lIns="91440" tIns="45720" rIns="91440" bIns="45720" numCol="1" anchor="t" anchorCtr="0" compatLnSpc="1">
+            <a:prstTxWarp prst="textNoShape">
+              <a:avLst/>
+            </a:prstTxWarp>
+          </a:bodyPr>
+          <a:lstStyle>
+            <a:lvl1pPr algn="r">
+              <a:defRPr sz="1200" dirty="0" err="1" smtClean="0">
+                <a:latin typeface="+mn-lt"/>
+              </a:defRPr>
+            </a:lvl1pPr>
+          </a:lstStyle>
+          <a:p>
+            <a:pPr marL="0" marR="0" lvl="0" indent="0" algn="r" defTabSz="914400" rtl="0" eaLnBrk="1" fontAlgn="base" latinLnBrk="0" hangingPunct="1">
+              <a:lnSpc>
+                <a:spcPct val="100000"/>
+              </a:lnSpc>
+              <a:spcBef>
+                <a:spcPct val="0"/>
+              </a:spcBef>
+              <a:spcAft>
+                <a:spcPct val="0"/>
+              </a:spcAft>
+              <a:buClrTx/>
+              <a:buSzTx/>
+              <a:buFontTx/>
+              <a:buNone/>
+              <a:tabLst/>
+              <a:defRPr/>
+            </a:pPr>
+            <a:r>
+              <a:rPr kumimoji="0" lang="en-US" sz="1200" b="0" i="0" u="none" strike="noStrike" kern="1200" cap="none" spc="0" normalizeH="0" baseline="0" noProof="0" dirty="0" smtClean="0">
+                <a:ln>
+                  <a:noFill/>
+                </a:ln>
+                <a:solidFill>
+                  <a:schemeClr val="tx1"/>
+                </a:solidFill>
+                <a:effectLst/>
+                <a:uLnTx/>
+                <a:uFillTx/>
+                <a:latin typeface="Comic Sans MS"/>
+                <a:ea typeface="+mn-ea"/>
+                <a:cs typeface="Comic Sans MS"/>
+              </a:rPr>
+              <a:t>testing.</a:t>
+            </a:r>
+            <a:fld id="{B9A0B45D-6AFD-413C-B761-B121FB8BE940}" type="slidenum">
+              <a:rPr kumimoji="0" lang="en-US" sz="1200" b="0" i="0" u="none" strike="noStrike" kern="1200" cap="none" spc="0" normalizeH="0" baseline="0" noProof="0" smtClean="0">
+                <a:ln>
+                  <a:noFill/>
+                </a:ln>
+                <a:solidFill>
+                  <a:schemeClr val="tx1"/>
+                </a:solidFill>
+                <a:effectLst/>
+                <a:uLnTx/>
+                <a:uFillTx/>
+                <a:latin typeface="Comic Sans MS"/>
+                <a:ea typeface="+mn-ea"/>
+                <a:cs typeface="Comic Sans MS"/>
+              </a:rPr>
+              <a:pPr marL="0" marR="0" lvl="0" indent="0" algn="r" defTabSz="914400" rtl="0" eaLnBrk="1" fontAlgn="base" latinLnBrk="0" hangingPunct="1">
+                <a:lnSpc>
+                  <a:spcPct val="100000"/>
+                </a:lnSpc>
+                <a:spcBef>
+                  <a:spcPct val="0"/>
+                </a:spcBef>
+                <a:spcAft>
+                  <a:spcPct val="0"/>
+                </a:spcAft>
+                <a:buClrTx/>
+                <a:buSzTx/>
+                <a:buFontTx/>
+                <a:buNone/>
+                <a:tabLst/>
+                <a:defRPr/>
+              </a:pPr>
+              <a:t>23</a:t>
+            </a:fld>
+            <a:endParaRPr kumimoji="0" lang="en-US" sz="1200" b="0" i="0" u="none" strike="noStrike" kern="1200" cap="none" spc="0" normalizeH="0" baseline="0" noProof="0" dirty="0">
+              <a:ln>
+                <a:noFill/>
+              </a:ln>
+              <a:solidFill>
+                <a:schemeClr val="tx1"/>
+              </a:solidFill>
+              <a:effectLst/>
+              <a:uLnTx/>
+              <a:uFillTx/>
+              <a:latin typeface="Comic Sans MS"/>
+              <a:ea typeface="+mn-ea"/>
+              <a:cs typeface="Comic Sans MS"/>
+            </a:endParaRPr>
+          </a:p>
+        </p:txBody>
+      </p:sp>
     </p:spTree>
     <p:extLst>
       <p:ext uri="{BB962C8B-B14F-4D97-AF65-F5344CB8AC3E}">
@@ -10121,130 +10191,6 @@
       </p:cxnSp>
       <p:sp>
         <p:nvSpPr>
-          <p:cNvPr id="39" name="Rectangle 4"/>
-          <p:cNvSpPr txBox="1">
-            <a:spLocks noChangeArrowheads="1"/>
-          </p:cNvSpPr>
-          <p:nvPr/>
-        </p:nvSpPr>
-        <p:spPr bwMode="auto">
-          <a:xfrm>
-            <a:off x="7696200" y="6629400"/>
-            <a:ext cx="1447800" cy="228600"/>
-          </a:xfrm>
-          <a:prstGeom prst="rect">
-            <a:avLst/>
-          </a:prstGeom>
-          <a:noFill/>
-          <a:ln w="9525">
-            <a:noFill/>
-            <a:miter lim="800000"/>
-            <a:headEnd/>
-            <a:tailEnd/>
-          </a:ln>
-          <a:effectLst/>
-        </p:spPr>
-        <p:txBody>
-          <a:bodyPr vert="horz" wrap="square" lIns="91440" tIns="45720" rIns="91440" bIns="45720" numCol="1" anchor="t" anchorCtr="0" compatLnSpc="1">
-            <a:prstTxWarp prst="textNoShape">
-              <a:avLst/>
-            </a:prstTxWarp>
-          </a:bodyPr>
-          <a:lstStyle>
-            <a:lvl1pPr algn="r">
-              <a:defRPr sz="1200" dirty="0" err="1" smtClean="0">
-                <a:latin typeface="+mn-lt"/>
-              </a:defRPr>
-            </a:lvl1pPr>
-          </a:lstStyle>
-          <a:p>
-            <a:pPr marL="0" marR="0" lvl="0" indent="0" algn="r" defTabSz="914400" rtl="0" eaLnBrk="1" fontAlgn="base" latinLnBrk="0" hangingPunct="1">
-              <a:lnSpc>
-                <a:spcPct val="100000"/>
-              </a:lnSpc>
-              <a:spcBef>
-                <a:spcPct val="0"/>
-              </a:spcBef>
-              <a:spcAft>
-                <a:spcPct val="0"/>
-              </a:spcAft>
-              <a:buClrTx/>
-              <a:buSzTx/>
-              <a:buFontTx/>
-              <a:buNone/>
-              <a:tabLst/>
-              <a:defRPr/>
-            </a:pPr>
-            <a:r>
-              <a:rPr kumimoji="0" lang="en-US" sz="1200" b="0" i="0" u="none" strike="noStrike" kern="1200" cap="none" spc="0" normalizeH="0" baseline="0" noProof="0" dirty="0" smtClean="0">
-                <a:ln>
-                  <a:noFill/>
-                </a:ln>
-                <a:solidFill>
-                  <a:schemeClr val="tx1"/>
-                </a:solidFill>
-                <a:effectLst/>
-                <a:uLnTx/>
-                <a:uFillTx/>
-                <a:latin typeface="+mn-lt"/>
-                <a:ea typeface="+mn-ea"/>
-                <a:cs typeface="+mn-cs"/>
-              </a:rPr>
-              <a:t>testing.</a:t>
-            </a:r>
-            <a:fld id="{B9A0B45D-6AFD-413C-B761-B121FB8BE940}" type="slidenum">
-              <a:rPr kumimoji="0" lang="en-US" sz="1200" b="0" i="0" u="none" strike="noStrike" kern="1200" cap="none" spc="0" normalizeH="0" baseline="0" noProof="0" smtClean="0">
-                <a:ln>
-                  <a:noFill/>
-                </a:ln>
-                <a:solidFill>
-                  <a:schemeClr val="tx1"/>
-                </a:solidFill>
-                <a:effectLst/>
-                <a:uLnTx/>
-                <a:uFillTx/>
-                <a:latin typeface="+mn-lt"/>
-                <a:ea typeface="+mn-ea"/>
-                <a:cs typeface="+mn-cs"/>
-              </a:rPr>
-              <a:pPr marL="0" marR="0" lvl="0" indent="0" algn="r" defTabSz="914400" rtl="0" eaLnBrk="1" fontAlgn="base" latinLnBrk="0" hangingPunct="1">
-                <a:lnSpc>
-                  <a:spcPct val="100000"/>
-                </a:lnSpc>
-                <a:spcBef>
-                  <a:spcPct val="0"/>
-                </a:spcBef>
-                <a:spcAft>
-                  <a:spcPct val="0"/>
-                </a:spcAft>
-                <a:buClrTx/>
-                <a:buSzTx/>
-                <a:buFontTx/>
-                <a:buNone/>
-                <a:tabLst/>
-                <a:defRPr/>
-              </a:pPr>
-              <a:t>24</a:t>
-            </a:fld>
-            <a:endParaRPr kumimoji="0" lang="en-US" sz="1200" b="0" i="0" u="none" strike="noStrike" kern="1200" cap="none" spc="0" normalizeH="0" baseline="0" noProof="0" dirty="0">
-              <a:ln>
-                <a:noFill/>
-              </a:ln>
-              <a:solidFill>
-                <a:schemeClr val="tx1"/>
-              </a:solidFill>
-              <a:effectLst/>
-              <a:uLnTx/>
-              <a:uFillTx/>
-              <a:latin typeface="+mn-lt"/>
-              <a:ea typeface="+mn-ea"/>
-              <a:cs typeface="+mn-cs"/>
-            </a:endParaRPr>
-          </a:p>
-        </p:txBody>
-      </p:sp>
-      <p:sp>
-        <p:nvSpPr>
           <p:cNvPr id="13" name="Rectangle 4"/>
           <p:cNvSpPr>
             <a:spLocks noGrp="1" noChangeArrowheads="1"/>
@@ -10298,7 +10244,7 @@
           <a:graphicData uri="http://schemas.openxmlformats.org/presentationml/2006/ole">
             <mc:AlternateContent xmlns:mc="http://schemas.openxmlformats.org/markup-compatibility/2006">
               <mc:Choice xmlns:v="urn:schemas-microsoft-com:vml" Requires="v">
-                <p:oleObj spid="_x0000_s136230" name="Equation" r:id="rId4" imgW="2146300" imgH="495300" progId="Equation.DSMT4">
+                <p:oleObj spid="_x0000_s136236" name="Equation" r:id="rId4" imgW="2146300" imgH="495300" progId="Equation.DSMT4">
                   <p:embed/>
                 </p:oleObj>
               </mc:Choice>
@@ -10355,7 +10301,7 @@
           <a:graphicData uri="http://schemas.openxmlformats.org/presentationml/2006/ole">
             <mc:AlternateContent xmlns:mc="http://schemas.openxmlformats.org/markup-compatibility/2006">
               <mc:Choice xmlns:v="urn:schemas-microsoft-com:vml" Requires="v">
-                <p:oleObj spid="_x0000_s136231" name="Equation" r:id="rId6" imgW="2171700" imgH="495300" progId="Equation.DSMT4">
+                <p:oleObj spid="_x0000_s136237" name="Equation" r:id="rId6" imgW="2171700" imgH="495300" progId="Equation.DSMT4">
                   <p:embed/>
                 </p:oleObj>
               </mc:Choice>
@@ -10390,6 +10336,130 @@
           </a:graphicData>
         </a:graphic>
       </p:graphicFrame>
+      <p:sp>
+        <p:nvSpPr>
+          <p:cNvPr id="7" name="Rectangle 4"/>
+          <p:cNvSpPr txBox="1">
+            <a:spLocks noChangeArrowheads="1"/>
+          </p:cNvSpPr>
+          <p:nvPr/>
+        </p:nvSpPr>
+        <p:spPr bwMode="auto">
+          <a:xfrm>
+            <a:off x="7696200" y="6629400"/>
+            <a:ext cx="1447800" cy="228600"/>
+          </a:xfrm>
+          <a:prstGeom prst="rect">
+            <a:avLst/>
+          </a:prstGeom>
+          <a:noFill/>
+          <a:ln w="9525">
+            <a:noFill/>
+            <a:miter lim="800000"/>
+            <a:headEnd/>
+            <a:tailEnd/>
+          </a:ln>
+          <a:effectLst/>
+        </p:spPr>
+        <p:txBody>
+          <a:bodyPr vert="horz" wrap="square" lIns="91440" tIns="45720" rIns="91440" bIns="45720" numCol="1" anchor="t" anchorCtr="0" compatLnSpc="1">
+            <a:prstTxWarp prst="textNoShape">
+              <a:avLst/>
+            </a:prstTxWarp>
+          </a:bodyPr>
+          <a:lstStyle>
+            <a:lvl1pPr algn="r">
+              <a:defRPr sz="1200" dirty="0" err="1" smtClean="0">
+                <a:latin typeface="+mn-lt"/>
+              </a:defRPr>
+            </a:lvl1pPr>
+          </a:lstStyle>
+          <a:p>
+            <a:pPr marL="0" marR="0" lvl="0" indent="0" algn="r" defTabSz="914400" rtl="0" eaLnBrk="1" fontAlgn="base" latinLnBrk="0" hangingPunct="1">
+              <a:lnSpc>
+                <a:spcPct val="100000"/>
+              </a:lnSpc>
+              <a:spcBef>
+                <a:spcPct val="0"/>
+              </a:spcBef>
+              <a:spcAft>
+                <a:spcPct val="0"/>
+              </a:spcAft>
+              <a:buClrTx/>
+              <a:buSzTx/>
+              <a:buFontTx/>
+              <a:buNone/>
+              <a:tabLst/>
+              <a:defRPr/>
+            </a:pPr>
+            <a:r>
+              <a:rPr kumimoji="0" lang="en-US" sz="1200" b="0" i="0" u="none" strike="noStrike" kern="1200" cap="none" spc="0" normalizeH="0" baseline="0" noProof="0" dirty="0" smtClean="0">
+                <a:ln>
+                  <a:noFill/>
+                </a:ln>
+                <a:solidFill>
+                  <a:schemeClr val="tx1"/>
+                </a:solidFill>
+                <a:effectLst/>
+                <a:uLnTx/>
+                <a:uFillTx/>
+                <a:latin typeface="Comic Sans MS"/>
+                <a:ea typeface="+mn-ea"/>
+                <a:cs typeface="Comic Sans MS"/>
+              </a:rPr>
+              <a:t>testing.</a:t>
+            </a:r>
+            <a:fld id="{B9A0B45D-6AFD-413C-B761-B121FB8BE940}" type="slidenum">
+              <a:rPr kumimoji="0" lang="en-US" sz="1200" b="0" i="0" u="none" strike="noStrike" kern="1200" cap="none" spc="0" normalizeH="0" baseline="0" noProof="0" smtClean="0">
+                <a:ln>
+                  <a:noFill/>
+                </a:ln>
+                <a:solidFill>
+                  <a:schemeClr val="tx1"/>
+                </a:solidFill>
+                <a:effectLst/>
+                <a:uLnTx/>
+                <a:uFillTx/>
+                <a:latin typeface="Comic Sans MS"/>
+                <a:ea typeface="+mn-ea"/>
+                <a:cs typeface="Comic Sans MS"/>
+              </a:rPr>
+              <a:pPr marL="0" marR="0" lvl="0" indent="0" algn="r" defTabSz="914400" rtl="0" eaLnBrk="1" fontAlgn="base" latinLnBrk="0" hangingPunct="1">
+                <a:lnSpc>
+                  <a:spcPct val="100000"/>
+                </a:lnSpc>
+                <a:spcBef>
+                  <a:spcPct val="0"/>
+                </a:spcBef>
+                <a:spcAft>
+                  <a:spcPct val="0"/>
+                </a:spcAft>
+                <a:buClrTx/>
+                <a:buSzTx/>
+                <a:buFontTx/>
+                <a:buNone/>
+                <a:tabLst/>
+                <a:defRPr/>
+              </a:pPr>
+              <a:t>24</a:t>
+            </a:fld>
+            <a:endParaRPr kumimoji="0" lang="en-US" sz="1200" b="0" i="0" u="none" strike="noStrike" kern="1200" cap="none" spc="0" normalizeH="0" baseline="0" noProof="0" dirty="0">
+              <a:ln>
+                <a:noFill/>
+              </a:ln>
+              <a:solidFill>
+                <a:schemeClr val="tx1"/>
+              </a:solidFill>
+              <a:effectLst/>
+              <a:uLnTx/>
+              <a:uFillTx/>
+              <a:latin typeface="Comic Sans MS"/>
+              <a:ea typeface="+mn-ea"/>
+              <a:cs typeface="Comic Sans MS"/>
+            </a:endParaRPr>
+          </a:p>
+        </p:txBody>
+      </p:sp>
     </p:spTree>
     <p:extLst>
       <p:ext uri="{BB962C8B-B14F-4D97-AF65-F5344CB8AC3E}">
@@ -10544,130 +10614,6 @@
       </p:cxnSp>
       <p:sp>
         <p:nvSpPr>
-          <p:cNvPr id="39" name="Rectangle 4"/>
-          <p:cNvSpPr txBox="1">
-            <a:spLocks noChangeArrowheads="1"/>
-          </p:cNvSpPr>
-          <p:nvPr/>
-        </p:nvSpPr>
-        <p:spPr bwMode="auto">
-          <a:xfrm>
-            <a:off x="7696200" y="6629400"/>
-            <a:ext cx="1447800" cy="228600"/>
-          </a:xfrm>
-          <a:prstGeom prst="rect">
-            <a:avLst/>
-          </a:prstGeom>
-          <a:noFill/>
-          <a:ln w="9525">
-            <a:noFill/>
-            <a:miter lim="800000"/>
-            <a:headEnd/>
-            <a:tailEnd/>
-          </a:ln>
-          <a:effectLst/>
-        </p:spPr>
-        <p:txBody>
-          <a:bodyPr vert="horz" wrap="square" lIns="91440" tIns="45720" rIns="91440" bIns="45720" numCol="1" anchor="t" anchorCtr="0" compatLnSpc="1">
-            <a:prstTxWarp prst="textNoShape">
-              <a:avLst/>
-            </a:prstTxWarp>
-          </a:bodyPr>
-          <a:lstStyle>
-            <a:lvl1pPr algn="r">
-              <a:defRPr sz="1200" dirty="0" err="1" smtClean="0">
-                <a:latin typeface="+mn-lt"/>
-              </a:defRPr>
-            </a:lvl1pPr>
-          </a:lstStyle>
-          <a:p>
-            <a:pPr marL="0" marR="0" lvl="0" indent="0" algn="r" defTabSz="914400" rtl="0" eaLnBrk="1" fontAlgn="base" latinLnBrk="0" hangingPunct="1">
-              <a:lnSpc>
-                <a:spcPct val="100000"/>
-              </a:lnSpc>
-              <a:spcBef>
-                <a:spcPct val="0"/>
-              </a:spcBef>
-              <a:spcAft>
-                <a:spcPct val="0"/>
-              </a:spcAft>
-              <a:buClrTx/>
-              <a:buSzTx/>
-              <a:buFontTx/>
-              <a:buNone/>
-              <a:tabLst/>
-              <a:defRPr/>
-            </a:pPr>
-            <a:r>
-              <a:rPr kumimoji="0" lang="en-US" sz="1200" b="0" i="0" u="none" strike="noStrike" kern="1200" cap="none" spc="0" normalizeH="0" baseline="0" noProof="0" dirty="0" smtClean="0">
-                <a:ln>
-                  <a:noFill/>
-                </a:ln>
-                <a:solidFill>
-                  <a:schemeClr val="tx1"/>
-                </a:solidFill>
-                <a:effectLst/>
-                <a:uLnTx/>
-                <a:uFillTx/>
-                <a:latin typeface="+mn-lt"/>
-                <a:ea typeface="+mn-ea"/>
-                <a:cs typeface="+mn-cs"/>
-              </a:rPr>
-              <a:t>testing.</a:t>
-            </a:r>
-            <a:fld id="{B9A0B45D-6AFD-413C-B761-B121FB8BE940}" type="slidenum">
-              <a:rPr kumimoji="0" lang="en-US" sz="1200" b="0" i="0" u="none" strike="noStrike" kern="1200" cap="none" spc="0" normalizeH="0" baseline="0" noProof="0" smtClean="0">
-                <a:ln>
-                  <a:noFill/>
-                </a:ln>
-                <a:solidFill>
-                  <a:schemeClr val="tx1"/>
-                </a:solidFill>
-                <a:effectLst/>
-                <a:uLnTx/>
-                <a:uFillTx/>
-                <a:latin typeface="+mn-lt"/>
-                <a:ea typeface="+mn-ea"/>
-                <a:cs typeface="+mn-cs"/>
-              </a:rPr>
-              <a:pPr marL="0" marR="0" lvl="0" indent="0" algn="r" defTabSz="914400" rtl="0" eaLnBrk="1" fontAlgn="base" latinLnBrk="0" hangingPunct="1">
-                <a:lnSpc>
-                  <a:spcPct val="100000"/>
-                </a:lnSpc>
-                <a:spcBef>
-                  <a:spcPct val="0"/>
-                </a:spcBef>
-                <a:spcAft>
-                  <a:spcPct val="0"/>
-                </a:spcAft>
-                <a:buClrTx/>
-                <a:buSzTx/>
-                <a:buFontTx/>
-                <a:buNone/>
-                <a:tabLst/>
-                <a:defRPr/>
-              </a:pPr>
-              <a:t>25</a:t>
-            </a:fld>
-            <a:endParaRPr kumimoji="0" lang="en-US" sz="1200" b="0" i="0" u="none" strike="noStrike" kern="1200" cap="none" spc="0" normalizeH="0" baseline="0" noProof="0" dirty="0">
-              <a:ln>
-                <a:noFill/>
-              </a:ln>
-              <a:solidFill>
-                <a:schemeClr val="tx1"/>
-              </a:solidFill>
-              <a:effectLst/>
-              <a:uLnTx/>
-              <a:uFillTx/>
-              <a:latin typeface="+mn-lt"/>
-              <a:ea typeface="+mn-ea"/>
-              <a:cs typeface="+mn-cs"/>
-            </a:endParaRPr>
-          </a:p>
-        </p:txBody>
-      </p:sp>
-      <p:sp>
-        <p:nvSpPr>
           <p:cNvPr id="13" name="Rectangle 4"/>
           <p:cNvSpPr>
             <a:spLocks noGrp="1" noChangeArrowheads="1"/>
@@ -10721,7 +10667,7 @@
           <a:graphicData uri="http://schemas.openxmlformats.org/presentationml/2006/ole">
             <mc:AlternateContent xmlns:mc="http://schemas.openxmlformats.org/markup-compatibility/2006">
               <mc:Choice xmlns:v="urn:schemas-microsoft-com:vml" Requires="v">
-                <p:oleObj spid="_x0000_s133244" name="Equation" r:id="rId4" imgW="2171700" imgH="495300" progId="Equation.DSMT4">
+                <p:oleObj spid="_x0000_s133258" name="Equation" r:id="rId4" imgW="2171700" imgH="495300" progId="Equation.DSMT4">
                   <p:embed/>
                 </p:oleObj>
               </mc:Choice>
@@ -10832,7 +10778,7 @@
           <a:graphicData uri="http://schemas.openxmlformats.org/presentationml/2006/ole">
             <mc:AlternateContent xmlns:mc="http://schemas.openxmlformats.org/markup-compatibility/2006">
               <mc:Choice xmlns:v="urn:schemas-microsoft-com:vml" Requires="v">
-                <p:oleObj spid="_x0000_s133245" name="Equation" r:id="rId6" imgW="139700" imgH="215900" progId="Equation.DSMT4">
+                <p:oleObj spid="_x0000_s133259" name="Equation" r:id="rId6" imgW="139700" imgH="215900" progId="Equation.DSMT4">
                   <p:embed/>
                 </p:oleObj>
               </mc:Choice>
@@ -10889,7 +10835,7 @@
           <a:graphicData uri="http://schemas.openxmlformats.org/presentationml/2006/ole">
             <mc:AlternateContent xmlns:mc="http://schemas.openxmlformats.org/markup-compatibility/2006">
               <mc:Choice xmlns:v="urn:schemas-microsoft-com:vml" Requires="v">
-                <p:oleObj spid="_x0000_s133246" name="Equation" r:id="rId8" imgW="139700" imgH="215900" progId="Equation.DSMT4">
+                <p:oleObj spid="_x0000_s133260" name="Equation" r:id="rId8" imgW="139700" imgH="215900" progId="Equation.DSMT4">
                   <p:embed/>
                 </p:oleObj>
               </mc:Choice>
@@ -10946,7 +10892,7 @@
           <a:graphicData uri="http://schemas.openxmlformats.org/presentationml/2006/ole">
             <mc:AlternateContent xmlns:mc="http://schemas.openxmlformats.org/markup-compatibility/2006">
               <mc:Choice xmlns:v="urn:schemas-microsoft-com:vml" Requires="v">
-                <p:oleObj spid="_x0000_s133247" name="Equation" r:id="rId9" imgW="762000" imgH="533400" progId="Equation.DSMT4">
+                <p:oleObj spid="_x0000_s133261" name="Equation" r:id="rId9" imgW="762000" imgH="533400" progId="Equation.DSMT4">
                   <p:embed/>
                 </p:oleObj>
               </mc:Choice>
@@ -11003,7 +10949,7 @@
           <a:graphicData uri="http://schemas.openxmlformats.org/presentationml/2006/ole">
             <mc:AlternateContent xmlns:mc="http://schemas.openxmlformats.org/markup-compatibility/2006">
               <mc:Choice xmlns:v="urn:schemas-microsoft-com:vml" Requires="v">
-                <p:oleObj spid="_x0000_s133248" name="Equation" r:id="rId11" imgW="584200" imgH="533400" progId="Equation.DSMT4">
+                <p:oleObj spid="_x0000_s133262" name="Equation" r:id="rId11" imgW="584200" imgH="533400" progId="Equation.DSMT4">
                   <p:embed/>
                 </p:oleObj>
               </mc:Choice>
@@ -11060,7 +11006,7 @@
           <a:graphicData uri="http://schemas.openxmlformats.org/presentationml/2006/ole">
             <mc:AlternateContent xmlns:mc="http://schemas.openxmlformats.org/markup-compatibility/2006">
               <mc:Choice xmlns:v="urn:schemas-microsoft-com:vml" Requires="v">
-                <p:oleObj spid="_x0000_s133249" name="Equation" r:id="rId13" imgW="2146300" imgH="495300" progId="Equation.DSMT4">
+                <p:oleObj spid="_x0000_s133263" name="Equation" r:id="rId13" imgW="2146300" imgH="495300" progId="Equation.DSMT4">
                   <p:embed/>
                 </p:oleObj>
               </mc:Choice>
@@ -11095,6 +11041,130 @@
           </a:graphicData>
         </a:graphic>
       </p:graphicFrame>
+      <p:sp>
+        <p:nvSpPr>
+          <p:cNvPr id="15" name="Rectangle 4"/>
+          <p:cNvSpPr txBox="1">
+            <a:spLocks noChangeArrowheads="1"/>
+          </p:cNvSpPr>
+          <p:nvPr/>
+        </p:nvSpPr>
+        <p:spPr bwMode="auto">
+          <a:xfrm>
+            <a:off x="7696200" y="6629400"/>
+            <a:ext cx="1447800" cy="228600"/>
+          </a:xfrm>
+          <a:prstGeom prst="rect">
+            <a:avLst/>
+          </a:prstGeom>
+          <a:noFill/>
+          <a:ln w="9525">
+            <a:noFill/>
+            <a:miter lim="800000"/>
+            <a:headEnd/>
+            <a:tailEnd/>
+          </a:ln>
+          <a:effectLst/>
+        </p:spPr>
+        <p:txBody>
+          <a:bodyPr vert="horz" wrap="square" lIns="91440" tIns="45720" rIns="91440" bIns="45720" numCol="1" anchor="t" anchorCtr="0" compatLnSpc="1">
+            <a:prstTxWarp prst="textNoShape">
+              <a:avLst/>
+            </a:prstTxWarp>
+          </a:bodyPr>
+          <a:lstStyle>
+            <a:lvl1pPr algn="r">
+              <a:defRPr sz="1200" dirty="0" err="1" smtClean="0">
+                <a:latin typeface="+mn-lt"/>
+              </a:defRPr>
+            </a:lvl1pPr>
+          </a:lstStyle>
+          <a:p>
+            <a:pPr marL="0" marR="0" lvl="0" indent="0" algn="r" defTabSz="914400" rtl="0" eaLnBrk="1" fontAlgn="base" latinLnBrk="0" hangingPunct="1">
+              <a:lnSpc>
+                <a:spcPct val="100000"/>
+              </a:lnSpc>
+              <a:spcBef>
+                <a:spcPct val="0"/>
+              </a:spcBef>
+              <a:spcAft>
+                <a:spcPct val="0"/>
+              </a:spcAft>
+              <a:buClrTx/>
+              <a:buSzTx/>
+              <a:buFontTx/>
+              <a:buNone/>
+              <a:tabLst/>
+              <a:defRPr/>
+            </a:pPr>
+            <a:r>
+              <a:rPr kumimoji="0" lang="en-US" sz="1200" b="0" i="0" u="none" strike="noStrike" kern="1200" cap="none" spc="0" normalizeH="0" baseline="0" noProof="0" dirty="0" smtClean="0">
+                <a:ln>
+                  <a:noFill/>
+                </a:ln>
+                <a:solidFill>
+                  <a:schemeClr val="tx1"/>
+                </a:solidFill>
+                <a:effectLst/>
+                <a:uLnTx/>
+                <a:uFillTx/>
+                <a:latin typeface="Comic Sans MS"/>
+                <a:ea typeface="+mn-ea"/>
+                <a:cs typeface="Comic Sans MS"/>
+              </a:rPr>
+              <a:t>testing.</a:t>
+            </a:r>
+            <a:fld id="{B9A0B45D-6AFD-413C-B761-B121FB8BE940}" type="slidenum">
+              <a:rPr kumimoji="0" lang="en-US" sz="1200" b="0" i="0" u="none" strike="noStrike" kern="1200" cap="none" spc="0" normalizeH="0" baseline="0" noProof="0" smtClean="0">
+                <a:ln>
+                  <a:noFill/>
+                </a:ln>
+                <a:solidFill>
+                  <a:schemeClr val="tx1"/>
+                </a:solidFill>
+                <a:effectLst/>
+                <a:uLnTx/>
+                <a:uFillTx/>
+                <a:latin typeface="Comic Sans MS"/>
+                <a:ea typeface="+mn-ea"/>
+                <a:cs typeface="Comic Sans MS"/>
+              </a:rPr>
+              <a:pPr marL="0" marR="0" lvl="0" indent="0" algn="r" defTabSz="914400" rtl="0" eaLnBrk="1" fontAlgn="base" latinLnBrk="0" hangingPunct="1">
+                <a:lnSpc>
+                  <a:spcPct val="100000"/>
+                </a:lnSpc>
+                <a:spcBef>
+                  <a:spcPct val="0"/>
+                </a:spcBef>
+                <a:spcAft>
+                  <a:spcPct val="0"/>
+                </a:spcAft>
+                <a:buClrTx/>
+                <a:buSzTx/>
+                <a:buFontTx/>
+                <a:buNone/>
+                <a:tabLst/>
+                <a:defRPr/>
+              </a:pPr>
+              <a:t>25</a:t>
+            </a:fld>
+            <a:endParaRPr kumimoji="0" lang="en-US" sz="1200" b="0" i="0" u="none" strike="noStrike" kern="1200" cap="none" spc="0" normalizeH="0" baseline="0" noProof="0" dirty="0">
+              <a:ln>
+                <a:noFill/>
+              </a:ln>
+              <a:solidFill>
+                <a:schemeClr val="tx1"/>
+              </a:solidFill>
+              <a:effectLst/>
+              <a:uLnTx/>
+              <a:uFillTx/>
+              <a:latin typeface="Comic Sans MS"/>
+              <a:ea typeface="+mn-ea"/>
+              <a:cs typeface="Comic Sans MS"/>
+            </a:endParaRPr>
+          </a:p>
+        </p:txBody>
+      </p:sp>
     </p:spTree>
     <p:extLst>
       <p:ext uri="{BB962C8B-B14F-4D97-AF65-F5344CB8AC3E}">
@@ -11173,130 +11243,6 @@
       </p:cxnSp>
       <p:sp>
         <p:nvSpPr>
-          <p:cNvPr id="39" name="Rectangle 4"/>
-          <p:cNvSpPr txBox="1">
-            <a:spLocks noChangeArrowheads="1"/>
-          </p:cNvSpPr>
-          <p:nvPr/>
-        </p:nvSpPr>
-        <p:spPr bwMode="auto">
-          <a:xfrm>
-            <a:off x="7696200" y="6629400"/>
-            <a:ext cx="1447800" cy="228600"/>
-          </a:xfrm>
-          <a:prstGeom prst="rect">
-            <a:avLst/>
-          </a:prstGeom>
-          <a:noFill/>
-          <a:ln w="9525">
-            <a:noFill/>
-            <a:miter lim="800000"/>
-            <a:headEnd/>
-            <a:tailEnd/>
-          </a:ln>
-          <a:effectLst/>
-        </p:spPr>
-        <p:txBody>
-          <a:bodyPr vert="horz" wrap="square" lIns="91440" tIns="45720" rIns="91440" bIns="45720" numCol="1" anchor="t" anchorCtr="0" compatLnSpc="1">
-            <a:prstTxWarp prst="textNoShape">
-              <a:avLst/>
-            </a:prstTxWarp>
-          </a:bodyPr>
-          <a:lstStyle>
-            <a:lvl1pPr algn="r">
-              <a:defRPr sz="1200" dirty="0" err="1" smtClean="0">
-                <a:latin typeface="+mn-lt"/>
-              </a:defRPr>
-            </a:lvl1pPr>
-          </a:lstStyle>
-          <a:p>
-            <a:pPr marL="0" marR="0" lvl="0" indent="0" algn="r" defTabSz="914400" rtl="0" eaLnBrk="1" fontAlgn="base" latinLnBrk="0" hangingPunct="1">
-              <a:lnSpc>
-                <a:spcPct val="100000"/>
-              </a:lnSpc>
-              <a:spcBef>
-                <a:spcPct val="0"/>
-              </a:spcBef>
-              <a:spcAft>
-                <a:spcPct val="0"/>
-              </a:spcAft>
-              <a:buClrTx/>
-              <a:buSzTx/>
-              <a:buFontTx/>
-              <a:buNone/>
-              <a:tabLst/>
-              <a:defRPr/>
-            </a:pPr>
-            <a:r>
-              <a:rPr kumimoji="0" lang="en-US" sz="1200" b="0" i="0" u="none" strike="noStrike" kern="1200" cap="none" spc="0" normalizeH="0" baseline="0" noProof="0" dirty="0" smtClean="0">
-                <a:ln>
-                  <a:noFill/>
-                </a:ln>
-                <a:solidFill>
-                  <a:schemeClr val="tx1"/>
-                </a:solidFill>
-                <a:effectLst/>
-                <a:uLnTx/>
-                <a:uFillTx/>
-                <a:latin typeface="+mn-lt"/>
-                <a:ea typeface="+mn-ea"/>
-                <a:cs typeface="+mn-cs"/>
-              </a:rPr>
-              <a:t>testing.</a:t>
-            </a:r>
-            <a:fld id="{B9A0B45D-6AFD-413C-B761-B121FB8BE940}" type="slidenum">
-              <a:rPr kumimoji="0" lang="en-US" sz="1200" b="0" i="0" u="none" strike="noStrike" kern="1200" cap="none" spc="0" normalizeH="0" baseline="0" noProof="0" smtClean="0">
-                <a:ln>
-                  <a:noFill/>
-                </a:ln>
-                <a:solidFill>
-                  <a:schemeClr val="tx1"/>
-                </a:solidFill>
-                <a:effectLst/>
-                <a:uLnTx/>
-                <a:uFillTx/>
-                <a:latin typeface="+mn-lt"/>
-                <a:ea typeface="+mn-ea"/>
-                <a:cs typeface="+mn-cs"/>
-              </a:rPr>
-              <a:pPr marL="0" marR="0" lvl="0" indent="0" algn="r" defTabSz="914400" rtl="0" eaLnBrk="1" fontAlgn="base" latinLnBrk="0" hangingPunct="1">
-                <a:lnSpc>
-                  <a:spcPct val="100000"/>
-                </a:lnSpc>
-                <a:spcBef>
-                  <a:spcPct val="0"/>
-                </a:spcBef>
-                <a:spcAft>
-                  <a:spcPct val="0"/>
-                </a:spcAft>
-                <a:buClrTx/>
-                <a:buSzTx/>
-                <a:buFontTx/>
-                <a:buNone/>
-                <a:tabLst/>
-                <a:defRPr/>
-              </a:pPr>
-              <a:t>26</a:t>
-            </a:fld>
-            <a:endParaRPr kumimoji="0" lang="en-US" sz="1200" b="0" i="0" u="none" strike="noStrike" kern="1200" cap="none" spc="0" normalizeH="0" baseline="0" noProof="0" dirty="0">
-              <a:ln>
-                <a:noFill/>
-              </a:ln>
-              <a:solidFill>
-                <a:schemeClr val="tx1"/>
-              </a:solidFill>
-              <a:effectLst/>
-              <a:uLnTx/>
-              <a:uFillTx/>
-              <a:latin typeface="+mn-lt"/>
-              <a:ea typeface="+mn-ea"/>
-              <a:cs typeface="+mn-cs"/>
-            </a:endParaRPr>
-          </a:p>
-        </p:txBody>
-      </p:sp>
-      <p:sp>
-        <p:nvSpPr>
           <p:cNvPr id="13" name="Rectangle 4"/>
           <p:cNvSpPr>
             <a:spLocks noGrp="1" noChangeArrowheads="1"/>
@@ -11350,7 +11296,7 @@
           <a:graphicData uri="http://schemas.openxmlformats.org/presentationml/2006/ole">
             <mc:AlternateContent xmlns:mc="http://schemas.openxmlformats.org/markup-compatibility/2006">
               <mc:Choice xmlns:v="urn:schemas-microsoft-com:vml" Requires="v">
-                <p:oleObj spid="_x0000_s134220" name="Equation" r:id="rId4" imgW="1244600" imgH="228600" progId="Equation.DSMT4">
+                <p:oleObj spid="_x0000_s134230" name="Equation" r:id="rId4" imgW="1244600" imgH="228600" progId="Equation.DSMT4">
                   <p:embed/>
                 </p:oleObj>
               </mc:Choice>
@@ -11407,7 +11353,7 @@
           <a:graphicData uri="http://schemas.openxmlformats.org/presentationml/2006/ole">
             <mc:AlternateContent xmlns:mc="http://schemas.openxmlformats.org/markup-compatibility/2006">
               <mc:Choice xmlns:v="urn:schemas-microsoft-com:vml" Requires="v">
-                <p:oleObj spid="_x0000_s134221" name="Equation" r:id="rId6" imgW="1612900" imgH="495300" progId="Equation.DSMT4">
+                <p:oleObj spid="_x0000_s134231" name="Equation" r:id="rId6" imgW="1612900" imgH="495300" progId="Equation.DSMT4">
                   <p:embed/>
                 </p:oleObj>
               </mc:Choice>
@@ -11464,7 +11410,7 @@
           <a:graphicData uri="http://schemas.openxmlformats.org/presentationml/2006/ole">
             <mc:AlternateContent xmlns:mc="http://schemas.openxmlformats.org/markup-compatibility/2006">
               <mc:Choice xmlns:v="urn:schemas-microsoft-com:vml" Requires="v">
-                <p:oleObj spid="_x0000_s134222" name="Equation" r:id="rId8" imgW="139700" imgH="215900" progId="Equation.DSMT4">
+                <p:oleObj spid="_x0000_s134232" name="Equation" r:id="rId8" imgW="139700" imgH="215900" progId="Equation.DSMT4">
                   <p:embed/>
                 </p:oleObj>
               </mc:Choice>
@@ -11521,7 +11467,7 @@
           <a:graphicData uri="http://schemas.openxmlformats.org/presentationml/2006/ole">
             <mc:AlternateContent xmlns:mc="http://schemas.openxmlformats.org/markup-compatibility/2006">
               <mc:Choice xmlns:v="urn:schemas-microsoft-com:vml" Requires="v">
-                <p:oleObj spid="_x0000_s134223" name="Equation" r:id="rId10" imgW="139700" imgH="215900" progId="Equation.DSMT4">
+                <p:oleObj spid="_x0000_s134233" name="Equation" r:id="rId10" imgW="139700" imgH="215900" progId="Equation.DSMT4">
                   <p:embed/>
                 </p:oleObj>
               </mc:Choice>
@@ -11556,6 +11502,130 @@
           </a:graphicData>
         </a:graphic>
       </p:graphicFrame>
+      <p:sp>
+        <p:nvSpPr>
+          <p:cNvPr id="11" name="Rectangle 4"/>
+          <p:cNvSpPr txBox="1">
+            <a:spLocks noChangeArrowheads="1"/>
+          </p:cNvSpPr>
+          <p:nvPr/>
+        </p:nvSpPr>
+        <p:spPr bwMode="auto">
+          <a:xfrm>
+            <a:off x="7696200" y="6629400"/>
+            <a:ext cx="1447800" cy="228600"/>
+          </a:xfrm>
+          <a:prstGeom prst="rect">
+            <a:avLst/>
+          </a:prstGeom>
+          <a:noFill/>
+          <a:ln w="9525">
+            <a:noFill/>
+            <a:miter lim="800000"/>
+            <a:headEnd/>
+            <a:tailEnd/>
+          </a:ln>
+          <a:effectLst/>
+        </p:spPr>
+        <p:txBody>
+          <a:bodyPr vert="horz" wrap="square" lIns="91440" tIns="45720" rIns="91440" bIns="45720" numCol="1" anchor="t" anchorCtr="0" compatLnSpc="1">
+            <a:prstTxWarp prst="textNoShape">
+              <a:avLst/>
+            </a:prstTxWarp>
+          </a:bodyPr>
+          <a:lstStyle>
+            <a:lvl1pPr algn="r">
+              <a:defRPr sz="1200" dirty="0" err="1" smtClean="0">
+                <a:latin typeface="+mn-lt"/>
+              </a:defRPr>
+            </a:lvl1pPr>
+          </a:lstStyle>
+          <a:p>
+            <a:pPr marL="0" marR="0" lvl="0" indent="0" algn="r" defTabSz="914400" rtl="0" eaLnBrk="1" fontAlgn="base" latinLnBrk="0" hangingPunct="1">
+              <a:lnSpc>
+                <a:spcPct val="100000"/>
+              </a:lnSpc>
+              <a:spcBef>
+                <a:spcPct val="0"/>
+              </a:spcBef>
+              <a:spcAft>
+                <a:spcPct val="0"/>
+              </a:spcAft>
+              <a:buClrTx/>
+              <a:buSzTx/>
+              <a:buFontTx/>
+              <a:buNone/>
+              <a:tabLst/>
+              <a:defRPr/>
+            </a:pPr>
+            <a:r>
+              <a:rPr kumimoji="0" lang="en-US" sz="1200" b="0" i="0" u="none" strike="noStrike" kern="1200" cap="none" spc="0" normalizeH="0" baseline="0" noProof="0" dirty="0" smtClean="0">
+                <a:ln>
+                  <a:noFill/>
+                </a:ln>
+                <a:solidFill>
+                  <a:schemeClr val="tx1"/>
+                </a:solidFill>
+                <a:effectLst/>
+                <a:uLnTx/>
+                <a:uFillTx/>
+                <a:latin typeface="Comic Sans MS"/>
+                <a:ea typeface="+mn-ea"/>
+                <a:cs typeface="Comic Sans MS"/>
+              </a:rPr>
+              <a:t>testing.</a:t>
+            </a:r>
+            <a:fld id="{B9A0B45D-6AFD-413C-B761-B121FB8BE940}" type="slidenum">
+              <a:rPr kumimoji="0" lang="en-US" sz="1200" b="0" i="0" u="none" strike="noStrike" kern="1200" cap="none" spc="0" normalizeH="0" baseline="0" noProof="0" smtClean="0">
+                <a:ln>
+                  <a:noFill/>
+                </a:ln>
+                <a:solidFill>
+                  <a:schemeClr val="tx1"/>
+                </a:solidFill>
+                <a:effectLst/>
+                <a:uLnTx/>
+                <a:uFillTx/>
+                <a:latin typeface="Comic Sans MS"/>
+                <a:ea typeface="+mn-ea"/>
+                <a:cs typeface="Comic Sans MS"/>
+              </a:rPr>
+              <a:pPr marL="0" marR="0" lvl="0" indent="0" algn="r" defTabSz="914400" rtl="0" eaLnBrk="1" fontAlgn="base" latinLnBrk="0" hangingPunct="1">
+                <a:lnSpc>
+                  <a:spcPct val="100000"/>
+                </a:lnSpc>
+                <a:spcBef>
+                  <a:spcPct val="0"/>
+                </a:spcBef>
+                <a:spcAft>
+                  <a:spcPct val="0"/>
+                </a:spcAft>
+                <a:buClrTx/>
+                <a:buSzTx/>
+                <a:buFontTx/>
+                <a:buNone/>
+                <a:tabLst/>
+                <a:defRPr/>
+              </a:pPr>
+              <a:t>26</a:t>
+            </a:fld>
+            <a:endParaRPr kumimoji="0" lang="en-US" sz="1200" b="0" i="0" u="none" strike="noStrike" kern="1200" cap="none" spc="0" normalizeH="0" baseline="0" noProof="0" dirty="0">
+              <a:ln>
+                <a:noFill/>
+              </a:ln>
+              <a:solidFill>
+                <a:schemeClr val="tx1"/>
+              </a:solidFill>
+              <a:effectLst/>
+              <a:uLnTx/>
+              <a:uFillTx/>
+              <a:latin typeface="Comic Sans MS"/>
+              <a:ea typeface="+mn-ea"/>
+              <a:cs typeface="Comic Sans MS"/>
+            </a:endParaRPr>
+          </a:p>
+        </p:txBody>
+      </p:sp>
     </p:spTree>
     <p:extLst>
       <p:ext uri="{BB962C8B-B14F-4D97-AF65-F5344CB8AC3E}">
@@ -11634,130 +11704,6 @@
       </p:cxnSp>
       <p:sp>
         <p:nvSpPr>
-          <p:cNvPr id="39" name="Rectangle 4"/>
-          <p:cNvSpPr txBox="1">
-            <a:spLocks noChangeArrowheads="1"/>
-          </p:cNvSpPr>
-          <p:nvPr/>
-        </p:nvSpPr>
-        <p:spPr bwMode="auto">
-          <a:xfrm>
-            <a:off x="7696200" y="6629400"/>
-            <a:ext cx="1447800" cy="228600"/>
-          </a:xfrm>
-          <a:prstGeom prst="rect">
-            <a:avLst/>
-          </a:prstGeom>
-          <a:noFill/>
-          <a:ln w="9525">
-            <a:noFill/>
-            <a:miter lim="800000"/>
-            <a:headEnd/>
-            <a:tailEnd/>
-          </a:ln>
-          <a:effectLst/>
-        </p:spPr>
-        <p:txBody>
-          <a:bodyPr vert="horz" wrap="square" lIns="91440" tIns="45720" rIns="91440" bIns="45720" numCol="1" anchor="t" anchorCtr="0" compatLnSpc="1">
-            <a:prstTxWarp prst="textNoShape">
-              <a:avLst/>
-            </a:prstTxWarp>
-          </a:bodyPr>
-          <a:lstStyle>
-            <a:lvl1pPr algn="r">
-              <a:defRPr sz="1200" dirty="0" err="1" smtClean="0">
-                <a:latin typeface="+mn-lt"/>
-              </a:defRPr>
-            </a:lvl1pPr>
-          </a:lstStyle>
-          <a:p>
-            <a:pPr marL="0" marR="0" lvl="0" indent="0" algn="r" defTabSz="914400" rtl="0" eaLnBrk="1" fontAlgn="base" latinLnBrk="0" hangingPunct="1">
-              <a:lnSpc>
-                <a:spcPct val="100000"/>
-              </a:lnSpc>
-              <a:spcBef>
-                <a:spcPct val="0"/>
-              </a:spcBef>
-              <a:spcAft>
-                <a:spcPct val="0"/>
-              </a:spcAft>
-              <a:buClrTx/>
-              <a:buSzTx/>
-              <a:buFontTx/>
-              <a:buNone/>
-              <a:tabLst/>
-              <a:defRPr/>
-            </a:pPr>
-            <a:r>
-              <a:rPr kumimoji="0" lang="en-US" sz="1200" b="0" i="0" u="none" strike="noStrike" kern="1200" cap="none" spc="0" normalizeH="0" baseline="0" noProof="0" dirty="0" smtClean="0">
-                <a:ln>
-                  <a:noFill/>
-                </a:ln>
-                <a:solidFill>
-                  <a:schemeClr val="tx1"/>
-                </a:solidFill>
-                <a:effectLst/>
-                <a:uLnTx/>
-                <a:uFillTx/>
-                <a:latin typeface="+mn-lt"/>
-                <a:ea typeface="+mn-ea"/>
-                <a:cs typeface="+mn-cs"/>
-              </a:rPr>
-              <a:t>testing.</a:t>
-            </a:r>
-            <a:fld id="{B9A0B45D-6AFD-413C-B761-B121FB8BE940}" type="slidenum">
-              <a:rPr kumimoji="0" lang="en-US" sz="1200" b="0" i="0" u="none" strike="noStrike" kern="1200" cap="none" spc="0" normalizeH="0" baseline="0" noProof="0" smtClean="0">
-                <a:ln>
-                  <a:noFill/>
-                </a:ln>
-                <a:solidFill>
-                  <a:schemeClr val="tx1"/>
-                </a:solidFill>
-                <a:effectLst/>
-                <a:uLnTx/>
-                <a:uFillTx/>
-                <a:latin typeface="+mn-lt"/>
-                <a:ea typeface="+mn-ea"/>
-                <a:cs typeface="+mn-cs"/>
-              </a:rPr>
-              <a:pPr marL="0" marR="0" lvl="0" indent="0" algn="r" defTabSz="914400" rtl="0" eaLnBrk="1" fontAlgn="base" latinLnBrk="0" hangingPunct="1">
-                <a:lnSpc>
-                  <a:spcPct val="100000"/>
-                </a:lnSpc>
-                <a:spcBef>
-                  <a:spcPct val="0"/>
-                </a:spcBef>
-                <a:spcAft>
-                  <a:spcPct val="0"/>
-                </a:spcAft>
-                <a:buClrTx/>
-                <a:buSzTx/>
-                <a:buFontTx/>
-                <a:buNone/>
-                <a:tabLst/>
-                <a:defRPr/>
-              </a:pPr>
-              <a:t>27</a:t>
-            </a:fld>
-            <a:endParaRPr kumimoji="0" lang="en-US" sz="1200" b="0" i="0" u="none" strike="noStrike" kern="1200" cap="none" spc="0" normalizeH="0" baseline="0" noProof="0" dirty="0">
-              <a:ln>
-                <a:noFill/>
-              </a:ln>
-              <a:solidFill>
-                <a:schemeClr val="tx1"/>
-              </a:solidFill>
-              <a:effectLst/>
-              <a:uLnTx/>
-              <a:uFillTx/>
-              <a:latin typeface="+mn-lt"/>
-              <a:ea typeface="+mn-ea"/>
-              <a:cs typeface="+mn-cs"/>
-            </a:endParaRPr>
-          </a:p>
-        </p:txBody>
-      </p:sp>
-      <p:sp>
-        <p:nvSpPr>
           <p:cNvPr id="13" name="Rectangle 4"/>
           <p:cNvSpPr>
             <a:spLocks noGrp="1" noChangeArrowheads="1"/>
@@ -11811,7 +11757,7 @@
           <a:graphicData uri="http://schemas.openxmlformats.org/presentationml/2006/ole">
             <mc:AlternateContent xmlns:mc="http://schemas.openxmlformats.org/markup-compatibility/2006">
               <mc:Choice xmlns:v="urn:schemas-microsoft-com:vml" Requires="v">
-                <p:oleObj spid="_x0000_s135256" name="Equation" r:id="rId4" imgW="1828800" imgH="495300" progId="Equation.DSMT4">
+                <p:oleObj spid="_x0000_s135268" name="Equation" r:id="rId4" imgW="1828800" imgH="495300" progId="Equation.DSMT4">
                   <p:embed/>
                 </p:oleObj>
               </mc:Choice>
@@ -11868,7 +11814,7 @@
           <a:graphicData uri="http://schemas.openxmlformats.org/presentationml/2006/ole">
             <mc:AlternateContent xmlns:mc="http://schemas.openxmlformats.org/markup-compatibility/2006">
               <mc:Choice xmlns:v="urn:schemas-microsoft-com:vml" Requires="v">
-                <p:oleObj spid="_x0000_s135257" name="Equation" r:id="rId6" imgW="139700" imgH="215900" progId="Equation.DSMT4">
+                <p:oleObj spid="_x0000_s135269" name="Equation" r:id="rId6" imgW="139700" imgH="215900" progId="Equation.DSMT4">
                   <p:embed/>
                 </p:oleObj>
               </mc:Choice>
@@ -11925,7 +11871,7 @@
           <a:graphicData uri="http://schemas.openxmlformats.org/presentationml/2006/ole">
             <mc:AlternateContent xmlns:mc="http://schemas.openxmlformats.org/markup-compatibility/2006">
               <mc:Choice xmlns:v="urn:schemas-microsoft-com:vml" Requires="v">
-                <p:oleObj spid="_x0000_s135258" name="Equation" r:id="rId8" imgW="139700" imgH="215900" progId="Equation.DSMT4">
+                <p:oleObj spid="_x0000_s135270" name="Equation" r:id="rId8" imgW="139700" imgH="215900" progId="Equation.DSMT4">
                   <p:embed/>
                 </p:oleObj>
               </mc:Choice>
@@ -11982,7 +11928,7 @@
           <a:graphicData uri="http://schemas.openxmlformats.org/presentationml/2006/ole">
             <mc:AlternateContent xmlns:mc="http://schemas.openxmlformats.org/markup-compatibility/2006">
               <mc:Choice xmlns:v="urn:schemas-microsoft-com:vml" Requires="v">
-                <p:oleObj spid="_x0000_s135259" name="Equation" r:id="rId9" imgW="635000" imgH="469900" progId="Equation.DSMT4">
+                <p:oleObj spid="_x0000_s135271" name="Equation" r:id="rId9" imgW="635000" imgH="469900" progId="Equation.DSMT4">
                   <p:embed/>
                 </p:oleObj>
               </mc:Choice>
@@ -12039,7 +11985,7 @@
           <a:graphicData uri="http://schemas.openxmlformats.org/presentationml/2006/ole">
             <mc:AlternateContent xmlns:mc="http://schemas.openxmlformats.org/markup-compatibility/2006">
               <mc:Choice xmlns:v="urn:schemas-microsoft-com:vml" Requires="v">
-                <p:oleObj spid="_x0000_s135260" name="Equation" r:id="rId11" imgW="1244600" imgH="228600" progId="Equation.DSMT4">
+                <p:oleObj spid="_x0000_s135272" name="Equation" r:id="rId11" imgW="1244600" imgH="228600" progId="Equation.DSMT4">
                   <p:embed/>
                 </p:oleObj>
               </mc:Choice>
@@ -12074,6 +12020,130 @@
           </a:graphicData>
         </a:graphic>
       </p:graphicFrame>
+      <p:sp>
+        <p:nvSpPr>
+          <p:cNvPr id="14" name="Rectangle 4"/>
+          <p:cNvSpPr txBox="1">
+            <a:spLocks noChangeArrowheads="1"/>
+          </p:cNvSpPr>
+          <p:nvPr/>
+        </p:nvSpPr>
+        <p:spPr bwMode="auto">
+          <a:xfrm>
+            <a:off x="7696200" y="6629400"/>
+            <a:ext cx="1447800" cy="228600"/>
+          </a:xfrm>
+          <a:prstGeom prst="rect">
+            <a:avLst/>
+          </a:prstGeom>
+          <a:noFill/>
+          <a:ln w="9525">
+            <a:noFill/>
+            <a:miter lim="800000"/>
+            <a:headEnd/>
+            <a:tailEnd/>
+          </a:ln>
+          <a:effectLst/>
+        </p:spPr>
+        <p:txBody>
+          <a:bodyPr vert="horz" wrap="square" lIns="91440" tIns="45720" rIns="91440" bIns="45720" numCol="1" anchor="t" anchorCtr="0" compatLnSpc="1">
+            <a:prstTxWarp prst="textNoShape">
+              <a:avLst/>
+            </a:prstTxWarp>
+          </a:bodyPr>
+          <a:lstStyle>
+            <a:lvl1pPr algn="r">
+              <a:defRPr sz="1200" dirty="0" err="1" smtClean="0">
+                <a:latin typeface="+mn-lt"/>
+              </a:defRPr>
+            </a:lvl1pPr>
+          </a:lstStyle>
+          <a:p>
+            <a:pPr marL="0" marR="0" lvl="0" indent="0" algn="r" defTabSz="914400" rtl="0" eaLnBrk="1" fontAlgn="base" latinLnBrk="0" hangingPunct="1">
+              <a:lnSpc>
+                <a:spcPct val="100000"/>
+              </a:lnSpc>
+              <a:spcBef>
+                <a:spcPct val="0"/>
+              </a:spcBef>
+              <a:spcAft>
+                <a:spcPct val="0"/>
+              </a:spcAft>
+              <a:buClrTx/>
+              <a:buSzTx/>
+              <a:buFontTx/>
+              <a:buNone/>
+              <a:tabLst/>
+              <a:defRPr/>
+            </a:pPr>
+            <a:r>
+              <a:rPr kumimoji="0" lang="en-US" sz="1200" b="0" i="0" u="none" strike="noStrike" kern="1200" cap="none" spc="0" normalizeH="0" baseline="0" noProof="0" dirty="0" smtClean="0">
+                <a:ln>
+                  <a:noFill/>
+                </a:ln>
+                <a:solidFill>
+                  <a:schemeClr val="tx1"/>
+                </a:solidFill>
+                <a:effectLst/>
+                <a:uLnTx/>
+                <a:uFillTx/>
+                <a:latin typeface="Comic Sans MS"/>
+                <a:ea typeface="+mn-ea"/>
+                <a:cs typeface="Comic Sans MS"/>
+              </a:rPr>
+              <a:t>testing.</a:t>
+            </a:r>
+            <a:fld id="{B9A0B45D-6AFD-413C-B761-B121FB8BE940}" type="slidenum">
+              <a:rPr kumimoji="0" lang="en-US" sz="1200" b="0" i="0" u="none" strike="noStrike" kern="1200" cap="none" spc="0" normalizeH="0" baseline="0" noProof="0" smtClean="0">
+                <a:ln>
+                  <a:noFill/>
+                </a:ln>
+                <a:solidFill>
+                  <a:schemeClr val="tx1"/>
+                </a:solidFill>
+                <a:effectLst/>
+                <a:uLnTx/>
+                <a:uFillTx/>
+                <a:latin typeface="Comic Sans MS"/>
+                <a:ea typeface="+mn-ea"/>
+                <a:cs typeface="Comic Sans MS"/>
+              </a:rPr>
+              <a:pPr marL="0" marR="0" lvl="0" indent="0" algn="r" defTabSz="914400" rtl="0" eaLnBrk="1" fontAlgn="base" latinLnBrk="0" hangingPunct="1">
+                <a:lnSpc>
+                  <a:spcPct val="100000"/>
+                </a:lnSpc>
+                <a:spcBef>
+                  <a:spcPct val="0"/>
+                </a:spcBef>
+                <a:spcAft>
+                  <a:spcPct val="0"/>
+                </a:spcAft>
+                <a:buClrTx/>
+                <a:buSzTx/>
+                <a:buFontTx/>
+                <a:buNone/>
+                <a:tabLst/>
+                <a:defRPr/>
+              </a:pPr>
+              <a:t>27</a:t>
+            </a:fld>
+            <a:endParaRPr kumimoji="0" lang="en-US" sz="1200" b="0" i="0" u="none" strike="noStrike" kern="1200" cap="none" spc="0" normalizeH="0" baseline="0" noProof="0" dirty="0">
+              <a:ln>
+                <a:noFill/>
+              </a:ln>
+              <a:solidFill>
+                <a:schemeClr val="tx1"/>
+              </a:solidFill>
+              <a:effectLst/>
+              <a:uLnTx/>
+              <a:uFillTx/>
+              <a:latin typeface="Comic Sans MS"/>
+              <a:ea typeface="+mn-ea"/>
+              <a:cs typeface="Comic Sans MS"/>
+            </a:endParaRPr>
+          </a:p>
+        </p:txBody>
+      </p:sp>
     </p:spTree>
     <p:extLst>
       <p:ext uri="{BB962C8B-B14F-4D97-AF65-F5344CB8AC3E}">
@@ -12266,130 +12336,6 @@
       </p:cxnSp>
       <p:sp>
         <p:nvSpPr>
-          <p:cNvPr id="39" name="Rectangle 4"/>
-          <p:cNvSpPr txBox="1">
-            <a:spLocks noChangeArrowheads="1"/>
-          </p:cNvSpPr>
-          <p:nvPr/>
-        </p:nvSpPr>
-        <p:spPr bwMode="auto">
-          <a:xfrm>
-            <a:off x="7696200" y="6629400"/>
-            <a:ext cx="1447800" cy="228600"/>
-          </a:xfrm>
-          <a:prstGeom prst="rect">
-            <a:avLst/>
-          </a:prstGeom>
-          <a:noFill/>
-          <a:ln w="9525">
-            <a:noFill/>
-            <a:miter lim="800000"/>
-            <a:headEnd/>
-            <a:tailEnd/>
-          </a:ln>
-          <a:effectLst/>
-        </p:spPr>
-        <p:txBody>
-          <a:bodyPr vert="horz" wrap="square" lIns="91440" tIns="45720" rIns="91440" bIns="45720" numCol="1" anchor="t" anchorCtr="0" compatLnSpc="1">
-            <a:prstTxWarp prst="textNoShape">
-              <a:avLst/>
-            </a:prstTxWarp>
-          </a:bodyPr>
-          <a:lstStyle>
-            <a:lvl1pPr algn="r">
-              <a:defRPr sz="1200" dirty="0" err="1" smtClean="0">
-                <a:latin typeface="+mn-lt"/>
-              </a:defRPr>
-            </a:lvl1pPr>
-          </a:lstStyle>
-          <a:p>
-            <a:pPr marL="0" marR="0" lvl="0" indent="0" algn="r" defTabSz="914400" rtl="0" eaLnBrk="1" fontAlgn="base" latinLnBrk="0" hangingPunct="1">
-              <a:lnSpc>
-                <a:spcPct val="100000"/>
-              </a:lnSpc>
-              <a:spcBef>
-                <a:spcPct val="0"/>
-              </a:spcBef>
-              <a:spcAft>
-                <a:spcPct val="0"/>
-              </a:spcAft>
-              <a:buClrTx/>
-              <a:buSzTx/>
-              <a:buFontTx/>
-              <a:buNone/>
-              <a:tabLst/>
-              <a:defRPr/>
-            </a:pPr>
-            <a:r>
-              <a:rPr kumimoji="0" lang="en-US" sz="1200" b="0" i="0" u="none" strike="noStrike" kern="1200" cap="none" spc="0" normalizeH="0" baseline="0" noProof="0" dirty="0" smtClean="0">
-                <a:ln>
-                  <a:noFill/>
-                </a:ln>
-                <a:solidFill>
-                  <a:schemeClr val="tx1"/>
-                </a:solidFill>
-                <a:effectLst/>
-                <a:uLnTx/>
-                <a:uFillTx/>
-                <a:latin typeface="+mn-lt"/>
-                <a:ea typeface="+mn-ea"/>
-                <a:cs typeface="+mn-cs"/>
-              </a:rPr>
-              <a:t>testing.</a:t>
-            </a:r>
-            <a:fld id="{B9A0B45D-6AFD-413C-B761-B121FB8BE940}" type="slidenum">
-              <a:rPr kumimoji="0" lang="en-US" sz="1200" b="0" i="0" u="none" strike="noStrike" kern="1200" cap="none" spc="0" normalizeH="0" baseline="0" noProof="0" smtClean="0">
-                <a:ln>
-                  <a:noFill/>
-                </a:ln>
-                <a:solidFill>
-                  <a:schemeClr val="tx1"/>
-                </a:solidFill>
-                <a:effectLst/>
-                <a:uLnTx/>
-                <a:uFillTx/>
-                <a:latin typeface="+mn-lt"/>
-                <a:ea typeface="+mn-ea"/>
-                <a:cs typeface="+mn-cs"/>
-              </a:rPr>
-              <a:pPr marL="0" marR="0" lvl="0" indent="0" algn="r" defTabSz="914400" rtl="0" eaLnBrk="1" fontAlgn="base" latinLnBrk="0" hangingPunct="1">
-                <a:lnSpc>
-                  <a:spcPct val="100000"/>
-                </a:lnSpc>
-                <a:spcBef>
-                  <a:spcPct val="0"/>
-                </a:spcBef>
-                <a:spcAft>
-                  <a:spcPct val="0"/>
-                </a:spcAft>
-                <a:buClrTx/>
-                <a:buSzTx/>
-                <a:buFontTx/>
-                <a:buNone/>
-                <a:tabLst/>
-                <a:defRPr/>
-              </a:pPr>
-              <a:t>28</a:t>
-            </a:fld>
-            <a:endParaRPr kumimoji="0" lang="en-US" sz="1200" b="0" i="0" u="none" strike="noStrike" kern="1200" cap="none" spc="0" normalizeH="0" baseline="0" noProof="0" dirty="0">
-              <a:ln>
-                <a:noFill/>
-              </a:ln>
-              <a:solidFill>
-                <a:schemeClr val="tx1"/>
-              </a:solidFill>
-              <a:effectLst/>
-              <a:uLnTx/>
-              <a:uFillTx/>
-              <a:latin typeface="+mn-lt"/>
-              <a:ea typeface="+mn-ea"/>
-              <a:cs typeface="+mn-cs"/>
-            </a:endParaRPr>
-          </a:p>
-        </p:txBody>
-      </p:sp>
-      <p:sp>
-        <p:nvSpPr>
           <p:cNvPr id="13" name="Rectangle 4"/>
           <p:cNvSpPr>
             <a:spLocks noGrp="1" noChangeArrowheads="1"/>
@@ -12443,7 +12389,7 @@
           <a:graphicData uri="http://schemas.openxmlformats.org/presentationml/2006/ole">
             <mc:AlternateContent xmlns:mc="http://schemas.openxmlformats.org/markup-compatibility/2006">
               <mc:Choice xmlns:v="urn:schemas-microsoft-com:vml" Requires="v">
-                <p:oleObj spid="_x0000_s137305" name="Equation" r:id="rId4" imgW="1384300" imgH="469900" progId="Equation.DSMT4">
+                <p:oleObj spid="_x0000_s137317" name="Equation" r:id="rId4" imgW="1384300" imgH="469900" progId="Equation.DSMT4">
                   <p:embed/>
                 </p:oleObj>
               </mc:Choice>
@@ -12500,7 +12446,7 @@
           <a:graphicData uri="http://schemas.openxmlformats.org/presentationml/2006/ole">
             <mc:AlternateContent xmlns:mc="http://schemas.openxmlformats.org/markup-compatibility/2006">
               <mc:Choice xmlns:v="urn:schemas-microsoft-com:vml" Requires="v">
-                <p:oleObj spid="_x0000_s137306" name="Equation" r:id="rId6" imgW="139700" imgH="215900" progId="Equation.DSMT4">
+                <p:oleObj spid="_x0000_s137318" name="Equation" r:id="rId6" imgW="139700" imgH="215900" progId="Equation.DSMT4">
                   <p:embed/>
                 </p:oleObj>
               </mc:Choice>
@@ -12557,7 +12503,7 @@
           <a:graphicData uri="http://schemas.openxmlformats.org/presentationml/2006/ole">
             <mc:AlternateContent xmlns:mc="http://schemas.openxmlformats.org/markup-compatibility/2006">
               <mc:Choice xmlns:v="urn:schemas-microsoft-com:vml" Requires="v">
-                <p:oleObj spid="_x0000_s137307" name="Equation" r:id="rId8" imgW="139700" imgH="215900" progId="Equation.DSMT4">
+                <p:oleObj spid="_x0000_s137319" name="Equation" r:id="rId8" imgW="139700" imgH="215900" progId="Equation.DSMT4">
                   <p:embed/>
                 </p:oleObj>
               </mc:Choice>
@@ -12614,7 +12560,7 @@
           <a:graphicData uri="http://schemas.openxmlformats.org/presentationml/2006/ole">
             <mc:AlternateContent xmlns:mc="http://schemas.openxmlformats.org/markup-compatibility/2006">
               <mc:Choice xmlns:v="urn:schemas-microsoft-com:vml" Requires="v">
-                <p:oleObj spid="_x0000_s137308" name="Equation" r:id="rId9" imgW="571500" imgH="457200" progId="Equation.DSMT4">
+                <p:oleObj spid="_x0000_s137320" name="Equation" r:id="rId9" imgW="571500" imgH="457200" progId="Equation.DSMT4">
                   <p:embed/>
                 </p:oleObj>
               </mc:Choice>
@@ -12671,7 +12617,7 @@
           <a:graphicData uri="http://schemas.openxmlformats.org/presentationml/2006/ole">
             <mc:AlternateContent xmlns:mc="http://schemas.openxmlformats.org/markup-compatibility/2006">
               <mc:Choice xmlns:v="urn:schemas-microsoft-com:vml" Requires="v">
-                <p:oleObj spid="_x0000_s137309" name="Equation" r:id="rId11" imgW="1244600" imgH="228600" progId="Equation.DSMT4">
+                <p:oleObj spid="_x0000_s137321" name="Equation" r:id="rId11" imgW="1244600" imgH="228600" progId="Equation.DSMT4">
                   <p:embed/>
                 </p:oleObj>
               </mc:Choice>
@@ -12706,6 +12652,130 @@
           </a:graphicData>
         </a:graphic>
       </p:graphicFrame>
+      <p:sp>
+        <p:nvSpPr>
+          <p:cNvPr id="14" name="Rectangle 4"/>
+          <p:cNvSpPr txBox="1">
+            <a:spLocks noChangeArrowheads="1"/>
+          </p:cNvSpPr>
+          <p:nvPr/>
+        </p:nvSpPr>
+        <p:spPr bwMode="auto">
+          <a:xfrm>
+            <a:off x="7696200" y="6629400"/>
+            <a:ext cx="1447800" cy="228600"/>
+          </a:xfrm>
+          <a:prstGeom prst="rect">
+            <a:avLst/>
+          </a:prstGeom>
+          <a:noFill/>
+          <a:ln w="9525">
+            <a:noFill/>
+            <a:miter lim="800000"/>
+            <a:headEnd/>
+            <a:tailEnd/>
+          </a:ln>
+          <a:effectLst/>
+        </p:spPr>
+        <p:txBody>
+          <a:bodyPr vert="horz" wrap="square" lIns="91440" tIns="45720" rIns="91440" bIns="45720" numCol="1" anchor="t" anchorCtr="0" compatLnSpc="1">
+            <a:prstTxWarp prst="textNoShape">
+              <a:avLst/>
+            </a:prstTxWarp>
+          </a:bodyPr>
+          <a:lstStyle>
+            <a:lvl1pPr algn="r">
+              <a:defRPr sz="1200" dirty="0" err="1" smtClean="0">
+                <a:latin typeface="+mn-lt"/>
+              </a:defRPr>
+            </a:lvl1pPr>
+          </a:lstStyle>
+          <a:p>
+            <a:pPr marL="0" marR="0" lvl="0" indent="0" algn="r" defTabSz="914400" rtl="0" eaLnBrk="1" fontAlgn="base" latinLnBrk="0" hangingPunct="1">
+              <a:lnSpc>
+                <a:spcPct val="100000"/>
+              </a:lnSpc>
+              <a:spcBef>
+                <a:spcPct val="0"/>
+              </a:spcBef>
+              <a:spcAft>
+                <a:spcPct val="0"/>
+              </a:spcAft>
+              <a:buClrTx/>
+              <a:buSzTx/>
+              <a:buFontTx/>
+              <a:buNone/>
+              <a:tabLst/>
+              <a:defRPr/>
+            </a:pPr>
+            <a:r>
+              <a:rPr kumimoji="0" lang="en-US" sz="1200" b="0" i="0" u="none" strike="noStrike" kern="1200" cap="none" spc="0" normalizeH="0" baseline="0" noProof="0" dirty="0" smtClean="0">
+                <a:ln>
+                  <a:noFill/>
+                </a:ln>
+                <a:solidFill>
+                  <a:schemeClr val="tx1"/>
+                </a:solidFill>
+                <a:effectLst/>
+                <a:uLnTx/>
+                <a:uFillTx/>
+                <a:latin typeface="Comic Sans MS"/>
+                <a:ea typeface="+mn-ea"/>
+                <a:cs typeface="Comic Sans MS"/>
+              </a:rPr>
+              <a:t>testing.</a:t>
+            </a:r>
+            <a:fld id="{B9A0B45D-6AFD-413C-B761-B121FB8BE940}" type="slidenum">
+              <a:rPr kumimoji="0" lang="en-US" sz="1200" b="0" i="0" u="none" strike="noStrike" kern="1200" cap="none" spc="0" normalizeH="0" baseline="0" noProof="0" smtClean="0">
+                <a:ln>
+                  <a:noFill/>
+                </a:ln>
+                <a:solidFill>
+                  <a:schemeClr val="tx1"/>
+                </a:solidFill>
+                <a:effectLst/>
+                <a:uLnTx/>
+                <a:uFillTx/>
+                <a:latin typeface="Comic Sans MS"/>
+                <a:ea typeface="+mn-ea"/>
+                <a:cs typeface="Comic Sans MS"/>
+              </a:rPr>
+              <a:pPr marL="0" marR="0" lvl="0" indent="0" algn="r" defTabSz="914400" rtl="0" eaLnBrk="1" fontAlgn="base" latinLnBrk="0" hangingPunct="1">
+                <a:lnSpc>
+                  <a:spcPct val="100000"/>
+                </a:lnSpc>
+                <a:spcBef>
+                  <a:spcPct val="0"/>
+                </a:spcBef>
+                <a:spcAft>
+                  <a:spcPct val="0"/>
+                </a:spcAft>
+                <a:buClrTx/>
+                <a:buSzTx/>
+                <a:buFontTx/>
+                <a:buNone/>
+                <a:tabLst/>
+                <a:defRPr/>
+              </a:pPr>
+              <a:t>28</a:t>
+            </a:fld>
+            <a:endParaRPr kumimoji="0" lang="en-US" sz="1200" b="0" i="0" u="none" strike="noStrike" kern="1200" cap="none" spc="0" normalizeH="0" baseline="0" noProof="0" dirty="0">
+              <a:ln>
+                <a:noFill/>
+              </a:ln>
+              <a:solidFill>
+                <a:schemeClr val="tx1"/>
+              </a:solidFill>
+              <a:effectLst/>
+              <a:uLnTx/>
+              <a:uFillTx/>
+              <a:latin typeface="Comic Sans MS"/>
+              <a:ea typeface="+mn-ea"/>
+              <a:cs typeface="Comic Sans MS"/>
+            </a:endParaRPr>
+          </a:p>
+        </p:txBody>
+      </p:sp>
     </p:spTree>
     <p:extLst>
       <p:ext uri="{BB962C8B-B14F-4D97-AF65-F5344CB8AC3E}">
@@ -12784,130 +12854,6 @@
       </p:cxnSp>
       <p:sp>
         <p:nvSpPr>
-          <p:cNvPr id="39" name="Rectangle 4"/>
-          <p:cNvSpPr txBox="1">
-            <a:spLocks noChangeArrowheads="1"/>
-          </p:cNvSpPr>
-          <p:nvPr/>
-        </p:nvSpPr>
-        <p:spPr bwMode="auto">
-          <a:xfrm>
-            <a:off x="7696200" y="6629400"/>
-            <a:ext cx="1447800" cy="228600"/>
-          </a:xfrm>
-          <a:prstGeom prst="rect">
-            <a:avLst/>
-          </a:prstGeom>
-          <a:noFill/>
-          <a:ln w="9525">
-            <a:noFill/>
-            <a:miter lim="800000"/>
-            <a:headEnd/>
-            <a:tailEnd/>
-          </a:ln>
-          <a:effectLst/>
-        </p:spPr>
-        <p:txBody>
-          <a:bodyPr vert="horz" wrap="square" lIns="91440" tIns="45720" rIns="91440" bIns="45720" numCol="1" anchor="t" anchorCtr="0" compatLnSpc="1">
-            <a:prstTxWarp prst="textNoShape">
-              <a:avLst/>
-            </a:prstTxWarp>
-          </a:bodyPr>
-          <a:lstStyle>
-            <a:lvl1pPr algn="r">
-              <a:defRPr sz="1200" dirty="0" err="1" smtClean="0">
-                <a:latin typeface="+mn-lt"/>
-              </a:defRPr>
-            </a:lvl1pPr>
-          </a:lstStyle>
-          <a:p>
-            <a:pPr marL="0" marR="0" lvl="0" indent="0" algn="r" defTabSz="914400" rtl="0" eaLnBrk="1" fontAlgn="base" latinLnBrk="0" hangingPunct="1">
-              <a:lnSpc>
-                <a:spcPct val="100000"/>
-              </a:lnSpc>
-              <a:spcBef>
-                <a:spcPct val="0"/>
-              </a:spcBef>
-              <a:spcAft>
-                <a:spcPct val="0"/>
-              </a:spcAft>
-              <a:buClrTx/>
-              <a:buSzTx/>
-              <a:buFontTx/>
-              <a:buNone/>
-              <a:tabLst/>
-              <a:defRPr/>
-            </a:pPr>
-            <a:r>
-              <a:rPr kumimoji="0" lang="en-US" sz="1200" b="0" i="0" u="none" strike="noStrike" kern="1200" cap="none" spc="0" normalizeH="0" baseline="0" noProof="0" dirty="0" smtClean="0">
-                <a:ln>
-                  <a:noFill/>
-                </a:ln>
-                <a:solidFill>
-                  <a:schemeClr val="tx1"/>
-                </a:solidFill>
-                <a:effectLst/>
-                <a:uLnTx/>
-                <a:uFillTx/>
-                <a:latin typeface="+mn-lt"/>
-                <a:ea typeface="+mn-ea"/>
-                <a:cs typeface="+mn-cs"/>
-              </a:rPr>
-              <a:t>testing.</a:t>
-            </a:r>
-            <a:fld id="{B9A0B45D-6AFD-413C-B761-B121FB8BE940}" type="slidenum">
-              <a:rPr kumimoji="0" lang="en-US" sz="1200" b="0" i="0" u="none" strike="noStrike" kern="1200" cap="none" spc="0" normalizeH="0" baseline="0" noProof="0" smtClean="0">
-                <a:ln>
-                  <a:noFill/>
-                </a:ln>
-                <a:solidFill>
-                  <a:schemeClr val="tx1"/>
-                </a:solidFill>
-                <a:effectLst/>
-                <a:uLnTx/>
-                <a:uFillTx/>
-                <a:latin typeface="+mn-lt"/>
-                <a:ea typeface="+mn-ea"/>
-                <a:cs typeface="+mn-cs"/>
-              </a:rPr>
-              <a:pPr marL="0" marR="0" lvl="0" indent="0" algn="r" defTabSz="914400" rtl="0" eaLnBrk="1" fontAlgn="base" latinLnBrk="0" hangingPunct="1">
-                <a:lnSpc>
-                  <a:spcPct val="100000"/>
-                </a:lnSpc>
-                <a:spcBef>
-                  <a:spcPct val="0"/>
-                </a:spcBef>
-                <a:spcAft>
-                  <a:spcPct val="0"/>
-                </a:spcAft>
-                <a:buClrTx/>
-                <a:buSzTx/>
-                <a:buFontTx/>
-                <a:buNone/>
-                <a:tabLst/>
-                <a:defRPr/>
-              </a:pPr>
-              <a:t>29</a:t>
-            </a:fld>
-            <a:endParaRPr kumimoji="0" lang="en-US" sz="1200" b="0" i="0" u="none" strike="noStrike" kern="1200" cap="none" spc="0" normalizeH="0" baseline="0" noProof="0" dirty="0">
-              <a:ln>
-                <a:noFill/>
-              </a:ln>
-              <a:solidFill>
-                <a:schemeClr val="tx1"/>
-              </a:solidFill>
-              <a:effectLst/>
-              <a:uLnTx/>
-              <a:uFillTx/>
-              <a:latin typeface="+mn-lt"/>
-              <a:ea typeface="+mn-ea"/>
-              <a:cs typeface="+mn-cs"/>
-            </a:endParaRPr>
-          </a:p>
-        </p:txBody>
-      </p:sp>
-      <p:sp>
-        <p:nvSpPr>
           <p:cNvPr id="13" name="Rectangle 4"/>
           <p:cNvSpPr>
             <a:spLocks noGrp="1" noChangeArrowheads="1"/>
@@ -12961,7 +12907,7 @@
           <a:graphicData uri="http://schemas.openxmlformats.org/presentationml/2006/ole">
             <mc:AlternateContent xmlns:mc="http://schemas.openxmlformats.org/markup-compatibility/2006">
               <mc:Choice xmlns:v="urn:schemas-microsoft-com:vml" Requires="v">
-                <p:oleObj spid="_x0000_s138324" name="Equation" r:id="rId4" imgW="139700" imgH="215900" progId="Equation.DSMT4">
+                <p:oleObj spid="_x0000_s138336" name="Equation" r:id="rId4" imgW="139700" imgH="215900" progId="Equation.DSMT4">
                   <p:embed/>
                 </p:oleObj>
               </mc:Choice>
@@ -13018,7 +12964,7 @@
           <a:graphicData uri="http://schemas.openxmlformats.org/presentationml/2006/ole">
             <mc:AlternateContent xmlns:mc="http://schemas.openxmlformats.org/markup-compatibility/2006">
               <mc:Choice xmlns:v="urn:schemas-microsoft-com:vml" Requires="v">
-                <p:oleObj spid="_x0000_s138325" name="Equation" r:id="rId6" imgW="139700" imgH="215900" progId="Equation.DSMT4">
+                <p:oleObj spid="_x0000_s138337" name="Equation" r:id="rId6" imgW="139700" imgH="215900" progId="Equation.DSMT4">
                   <p:embed/>
                 </p:oleObj>
               </mc:Choice>
@@ -13075,7 +13021,7 @@
           <a:graphicData uri="http://schemas.openxmlformats.org/presentationml/2006/ole">
             <mc:AlternateContent xmlns:mc="http://schemas.openxmlformats.org/markup-compatibility/2006">
               <mc:Choice xmlns:v="urn:schemas-microsoft-com:vml" Requires="v">
-                <p:oleObj spid="_x0000_s138326" name="Equation" r:id="rId7" imgW="1193800" imgH="469900" progId="Equation.DSMT4">
+                <p:oleObj spid="_x0000_s138338" name="Equation" r:id="rId7" imgW="1193800" imgH="469900" progId="Equation.DSMT4">
                   <p:embed/>
                 </p:oleObj>
               </mc:Choice>
@@ -13132,7 +13078,7 @@
           <a:graphicData uri="http://schemas.openxmlformats.org/presentationml/2006/ole">
             <mc:AlternateContent xmlns:mc="http://schemas.openxmlformats.org/markup-compatibility/2006">
               <mc:Choice xmlns:v="urn:schemas-microsoft-com:vml" Requires="v">
-                <p:oleObj spid="_x0000_s138327" name="Equation" r:id="rId9" imgW="571500" imgH="457200" progId="Equation.DSMT4">
+                <p:oleObj spid="_x0000_s138339" name="Equation" r:id="rId9" imgW="571500" imgH="457200" progId="Equation.DSMT4">
                   <p:embed/>
                 </p:oleObj>
               </mc:Choice>
@@ -13189,7 +13135,7 @@
           <a:graphicData uri="http://schemas.openxmlformats.org/presentationml/2006/ole">
             <mc:AlternateContent xmlns:mc="http://schemas.openxmlformats.org/markup-compatibility/2006">
               <mc:Choice xmlns:v="urn:schemas-microsoft-com:vml" Requires="v">
-                <p:oleObj spid="_x0000_s138328" name="Equation" r:id="rId11" imgW="1244600" imgH="228600" progId="Equation.DSMT4">
+                <p:oleObj spid="_x0000_s138340" name="Equation" r:id="rId11" imgW="1244600" imgH="228600" progId="Equation.DSMT4">
                   <p:embed/>
                 </p:oleObj>
               </mc:Choice>
@@ -13224,6 +13170,130 @@
           </a:graphicData>
         </a:graphic>
       </p:graphicFrame>
+      <p:sp>
+        <p:nvSpPr>
+          <p:cNvPr id="10" name="Rectangle 4"/>
+          <p:cNvSpPr txBox="1">
+            <a:spLocks noChangeArrowheads="1"/>
+          </p:cNvSpPr>
+          <p:nvPr/>
+        </p:nvSpPr>
+        <p:spPr bwMode="auto">
+          <a:xfrm>
+            <a:off x="7696200" y="6629400"/>
+            <a:ext cx="1447800" cy="228600"/>
+          </a:xfrm>
+          <a:prstGeom prst="rect">
+            <a:avLst/>
+          </a:prstGeom>
+          <a:noFill/>
+          <a:ln w="9525">
+            <a:noFill/>
+            <a:miter lim="800000"/>
+            <a:headEnd/>
+            <a:tailEnd/>
+          </a:ln>
+          <a:effectLst/>
+        </p:spPr>
+        <p:txBody>
+          <a:bodyPr vert="horz" wrap="square" lIns="91440" tIns="45720" rIns="91440" bIns="45720" numCol="1" anchor="t" anchorCtr="0" compatLnSpc="1">
+            <a:prstTxWarp prst="textNoShape">
+              <a:avLst/>
+            </a:prstTxWarp>
+          </a:bodyPr>
+          <a:lstStyle>
+            <a:lvl1pPr algn="r">
+              <a:defRPr sz="1200" dirty="0" err="1" smtClean="0">
+                <a:latin typeface="+mn-lt"/>
+              </a:defRPr>
+            </a:lvl1pPr>
+          </a:lstStyle>
+          <a:p>
+            <a:pPr marL="0" marR="0" lvl="0" indent="0" algn="r" defTabSz="914400" rtl="0" eaLnBrk="1" fontAlgn="base" latinLnBrk="0" hangingPunct="1">
+              <a:lnSpc>
+                <a:spcPct val="100000"/>
+              </a:lnSpc>
+              <a:spcBef>
+                <a:spcPct val="0"/>
+              </a:spcBef>
+              <a:spcAft>
+                <a:spcPct val="0"/>
+              </a:spcAft>
+              <a:buClrTx/>
+              <a:buSzTx/>
+              <a:buFontTx/>
+              <a:buNone/>
+              <a:tabLst/>
+              <a:defRPr/>
+            </a:pPr>
+            <a:r>
+              <a:rPr kumimoji="0" lang="en-US" sz="1200" b="0" i="0" u="none" strike="noStrike" kern="1200" cap="none" spc="0" normalizeH="0" baseline="0" noProof="0" dirty="0" smtClean="0">
+                <a:ln>
+                  <a:noFill/>
+                </a:ln>
+                <a:solidFill>
+                  <a:schemeClr val="tx1"/>
+                </a:solidFill>
+                <a:effectLst/>
+                <a:uLnTx/>
+                <a:uFillTx/>
+                <a:latin typeface="Comic Sans MS"/>
+                <a:ea typeface="+mn-ea"/>
+                <a:cs typeface="Comic Sans MS"/>
+              </a:rPr>
+              <a:t>testing.</a:t>
+            </a:r>
+            <a:fld id="{B9A0B45D-6AFD-413C-B761-B121FB8BE940}" type="slidenum">
+              <a:rPr kumimoji="0" lang="en-US" sz="1200" b="0" i="0" u="none" strike="noStrike" kern="1200" cap="none" spc="0" normalizeH="0" baseline="0" noProof="0" smtClean="0">
+                <a:ln>
+                  <a:noFill/>
+                </a:ln>
+                <a:solidFill>
+                  <a:schemeClr val="tx1"/>
+                </a:solidFill>
+                <a:effectLst/>
+                <a:uLnTx/>
+                <a:uFillTx/>
+                <a:latin typeface="Comic Sans MS"/>
+                <a:ea typeface="+mn-ea"/>
+                <a:cs typeface="Comic Sans MS"/>
+              </a:rPr>
+              <a:pPr marL="0" marR="0" lvl="0" indent="0" algn="r" defTabSz="914400" rtl="0" eaLnBrk="1" fontAlgn="base" latinLnBrk="0" hangingPunct="1">
+                <a:lnSpc>
+                  <a:spcPct val="100000"/>
+                </a:lnSpc>
+                <a:spcBef>
+                  <a:spcPct val="0"/>
+                </a:spcBef>
+                <a:spcAft>
+                  <a:spcPct val="0"/>
+                </a:spcAft>
+                <a:buClrTx/>
+                <a:buSzTx/>
+                <a:buFontTx/>
+                <a:buNone/>
+                <a:tabLst/>
+                <a:defRPr/>
+              </a:pPr>
+              <a:t>29</a:t>
+            </a:fld>
+            <a:endParaRPr kumimoji="0" lang="en-US" sz="1200" b="0" i="0" u="none" strike="noStrike" kern="1200" cap="none" spc="0" normalizeH="0" baseline="0" noProof="0" dirty="0">
+              <a:ln>
+                <a:noFill/>
+              </a:ln>
+              <a:solidFill>
+                <a:schemeClr val="tx1"/>
+              </a:solidFill>
+              <a:effectLst/>
+              <a:uLnTx/>
+              <a:uFillTx/>
+              <a:latin typeface="Comic Sans MS"/>
+              <a:ea typeface="+mn-ea"/>
+              <a:cs typeface="Comic Sans MS"/>
+            </a:endParaRPr>
+          </a:p>
+        </p:txBody>
+      </p:sp>
     </p:spTree>
     <p:extLst>
       <p:ext uri="{BB962C8B-B14F-4D97-AF65-F5344CB8AC3E}">
@@ -13302,7 +13372,107 @@
       </p:cxnSp>
       <p:sp>
         <p:nvSpPr>
-          <p:cNvPr id="39" name="Rectangle 4"/>
+          <p:cNvPr id="2" name="TextBox 1"/>
+          <p:cNvSpPr txBox="1"/>
+          <p:nvPr/>
+        </p:nvSpPr>
+        <p:spPr>
+          <a:xfrm>
+            <a:off x="199038" y="1061467"/>
+            <a:ext cx="8681943" cy="2936188"/>
+          </a:xfrm>
+          <a:prstGeom prst="rect">
+            <a:avLst/>
+          </a:prstGeom>
+          <a:noFill/>
+        </p:spPr>
+        <p:txBody>
+          <a:bodyPr wrap="square" rtlCol="0">
+            <a:spAutoFit/>
+          </a:bodyPr>
+          <a:lstStyle/>
+          <a:p>
+            <a:pPr algn="l"/>
+            <a:r>
+              <a:rPr lang="en-US" sz="4400" dirty="0" smtClean="0">
+                <a:latin typeface="Comic Sans MS"/>
+                <a:cs typeface="Comic Sans MS"/>
+              </a:rPr>
+              <a:t>A great-sounding diagnostic test for TB:  if someone has TB</a:t>
+            </a:r>
+          </a:p>
+          <a:p>
+            <a:pPr algn="l"/>
+            <a:r>
+              <a:rPr lang="en-US" sz="4400" dirty="0" smtClean="0">
+                <a:latin typeface="Comic Sans MS"/>
+                <a:cs typeface="Comic Sans MS"/>
+              </a:rPr>
+              <a:t>the test is </a:t>
+            </a:r>
+            <a:r>
+              <a:rPr lang="en-US" sz="4400" dirty="0" smtClean="0">
+                <a:solidFill>
+                  <a:srgbClr val="247643"/>
+                </a:solidFill>
+                <a:latin typeface="Comic Sans MS"/>
+                <a:cs typeface="Comic Sans MS"/>
+              </a:rPr>
+              <a:t>guaranteed</a:t>
+            </a:r>
+            <a:r>
+              <a:rPr lang="en-US" sz="4400" dirty="0" smtClean="0">
+                <a:latin typeface="Comic Sans MS"/>
+                <a:cs typeface="Comic Sans MS"/>
+              </a:rPr>
+              <a:t> to detect it.</a:t>
+            </a:r>
+            <a:endParaRPr lang="en-US" sz="4400" dirty="0" smtClean="0">
+              <a:solidFill>
+                <a:srgbClr val="EE040A"/>
+              </a:solidFill>
+              <a:latin typeface="Comic Sans MS"/>
+              <a:cs typeface="Comic Sans MS"/>
+            </a:endParaRPr>
+          </a:p>
+        </p:txBody>
+      </p:sp>
+      <p:sp>
+        <p:nvSpPr>
+          <p:cNvPr id="7" name="Rectangle 4"/>
+          <p:cNvSpPr>
+            <a:spLocks noGrp="1" noChangeArrowheads="1"/>
+          </p:cNvSpPr>
+          <p:nvPr>
+            <p:ph type="title"/>
+          </p:nvPr>
+        </p:nvSpPr>
+        <p:spPr>
+          <a:xfrm>
+            <a:off x="1295400" y="228600"/>
+            <a:ext cx="6553200" cy="838200"/>
+          </a:xfrm>
+          <a:noFill/>
+        </p:spPr>
+        <p:txBody>
+          <a:bodyPr/>
+          <a:lstStyle/>
+          <a:p>
+            <a:pPr eaLnBrk="1" hangingPunct="1"/>
+            <a:r>
+              <a:rPr lang="en-US" sz="4000" dirty="0" smtClean="0">
+                <a:solidFill>
+                  <a:schemeClr val="tx1"/>
+                </a:solidFill>
+              </a:rPr>
+              <a:t>98% accurate TB testing</a:t>
+            </a:r>
+          </a:p>
+        </p:txBody>
+      </p:sp>
+      <p:sp>
+        <p:nvSpPr>
+          <p:cNvPr id="6" name="Rectangle 4"/>
           <p:cNvSpPr txBox="1">
             <a:spLocks noChangeArrowheads="1"/>
           </p:cNvSpPr>
@@ -13367,9 +13537,9 @@
                 <a:effectLst/>
                 <a:uLnTx/>
                 <a:uFillTx/>
-                <a:latin typeface="+mn-lt"/>
+                <a:latin typeface="Comic Sans MS"/>
                 <a:ea typeface="+mn-ea"/>
-                <a:cs typeface="+mn-cs"/>
+                <a:cs typeface="Comic Sans MS"/>
               </a:rPr>
               <a:t>testing.</a:t>
             </a:r>
@@ -13384,9 +13554,9 @@
                 <a:effectLst/>
                 <a:uLnTx/>
                 <a:uFillTx/>
-                <a:latin typeface="+mn-lt"/>
+                <a:latin typeface="Comic Sans MS"/>
                 <a:ea typeface="+mn-ea"/>
-                <a:cs typeface="+mn-cs"/>
+                <a:cs typeface="Comic Sans MS"/>
               </a:rPr>
               <a:pPr marL="0" marR="0" lvl="0" indent="0" algn="r" defTabSz="914400" rtl="0" eaLnBrk="1" fontAlgn="base" latinLnBrk="0" hangingPunct="1">
                 <a:lnSpc>
@@ -13417,118 +13587,10 @@
               <a:effectLst/>
               <a:uLnTx/>
               <a:uFillTx/>
-              <a:latin typeface="+mn-lt"/>
+              <a:latin typeface="Comic Sans MS"/>
               <a:ea typeface="+mn-ea"/>
-              <a:cs typeface="+mn-cs"/>
-            </a:endParaRPr>
-          </a:p>
-        </p:txBody>
-      </p:sp>
-      <p:sp>
-        <p:nvSpPr>
-          <p:cNvPr id="2" name="TextBox 1"/>
-          <p:cNvSpPr txBox="1"/>
-          <p:nvPr/>
-        </p:nvSpPr>
-        <p:spPr>
-          <a:xfrm>
-            <a:off x="199038" y="1061467"/>
-            <a:ext cx="8681943" cy="2936188"/>
-          </a:xfrm>
-          <a:prstGeom prst="rect">
-            <a:avLst/>
-          </a:prstGeom>
-          <a:noFill/>
-        </p:spPr>
-        <p:txBody>
-          <a:bodyPr wrap="square" rtlCol="0">
-            <a:spAutoFit/>
-          </a:bodyPr>
-          <a:lstStyle/>
-          <a:p>
-            <a:pPr algn="l"/>
-            <a:r>
-              <a:rPr lang="en-US" sz="4400" dirty="0" smtClean="0">
-                <a:latin typeface="Comic Sans MS"/>
-                <a:cs typeface="Comic Sans MS"/>
-              </a:rPr>
-              <a:t>A great-sounding diagnostic test for TB:  if someone has TB</a:t>
-            </a:r>
-          </a:p>
-          <a:p>
-            <a:pPr algn="l"/>
-            <a:r>
-              <a:rPr lang="en-US" sz="4400" dirty="0" smtClean="0">
-                <a:latin typeface="Comic Sans MS"/>
-                <a:cs typeface="Comic Sans MS"/>
-              </a:rPr>
-              <a:t>the test is </a:t>
-            </a:r>
-            <a:r>
-              <a:rPr lang="en-US" sz="4400" dirty="0" smtClean="0">
-                <a:solidFill>
-                  <a:srgbClr val="247643"/>
-                </a:solidFill>
-                <a:latin typeface="Comic Sans MS"/>
-                <a:cs typeface="Comic Sans MS"/>
-              </a:rPr>
-              <a:t>guaranteed</a:t>
-            </a:r>
-            <a:r>
-              <a:rPr lang="en-US" sz="4400" dirty="0" smtClean="0">
-                <a:latin typeface="Comic Sans MS"/>
-                <a:cs typeface="Comic Sans MS"/>
-              </a:rPr>
-              <a:t> to detect it.</a:t>
-            </a:r>
-            <a:endParaRPr lang="en-US" sz="4400" dirty="0" smtClean="0">
-              <a:solidFill>
-                <a:srgbClr val="EE040A"/>
-              </a:solidFill>
-              <a:latin typeface="Comic Sans MS"/>
               <a:cs typeface="Comic Sans MS"/>
             </a:endParaRPr>
-          </a:p>
-        </p:txBody>
-      </p:sp>
-      <p:sp>
-        <p:nvSpPr>
-          <p:cNvPr id="7" name="Rectangle 4"/>
-          <p:cNvSpPr>
-            <a:spLocks noGrp="1" noChangeArrowheads="1"/>
-          </p:cNvSpPr>
-          <p:nvPr>
-            <p:ph type="title"/>
-          </p:nvPr>
-        </p:nvSpPr>
-        <p:spPr>
-          <a:xfrm>
-            <a:off x="1295400" y="228600"/>
-            <a:ext cx="6553200" cy="838200"/>
-          </a:xfrm>
-          <a:noFill/>
-        </p:spPr>
-        <p:txBody>
-          <a:bodyPr/>
-          <a:lstStyle/>
-          <a:p>
-            <a:pPr eaLnBrk="1" hangingPunct="1"/>
-            <a:r>
-              <a:rPr lang="en-US" sz="4000" dirty="0" smtClean="0">
-                <a:solidFill>
-                  <a:schemeClr val="tx1"/>
-                </a:solidFill>
-              </a:rPr>
-              <a:t>98% </a:t>
-            </a:r>
-            <a:r>
-              <a:rPr lang="en-US" sz="4000" dirty="0" smtClean="0">
-                <a:solidFill>
-                  <a:schemeClr val="tx1"/>
-                </a:solidFill>
-              </a:rPr>
-              <a:t>accurate TB testing</a:t>
-            </a:r>
           </a:p>
         </p:txBody>
       </p:sp>
@@ -13610,130 +13672,6 @@
       </p:cxnSp>
       <p:sp>
         <p:nvSpPr>
-          <p:cNvPr id="39" name="Rectangle 4"/>
-          <p:cNvSpPr txBox="1">
-            <a:spLocks noChangeArrowheads="1"/>
-          </p:cNvSpPr>
-          <p:nvPr/>
-        </p:nvSpPr>
-        <p:spPr bwMode="auto">
-          <a:xfrm>
-            <a:off x="7696200" y="6629400"/>
-            <a:ext cx="1447800" cy="228600"/>
-          </a:xfrm>
-          <a:prstGeom prst="rect">
-            <a:avLst/>
-          </a:prstGeom>
-          <a:noFill/>
-          <a:ln w="9525">
-            <a:noFill/>
-            <a:miter lim="800000"/>
-            <a:headEnd/>
-            <a:tailEnd/>
-          </a:ln>
-          <a:effectLst/>
-        </p:spPr>
-        <p:txBody>
-          <a:bodyPr vert="horz" wrap="square" lIns="91440" tIns="45720" rIns="91440" bIns="45720" numCol="1" anchor="t" anchorCtr="0" compatLnSpc="1">
-            <a:prstTxWarp prst="textNoShape">
-              <a:avLst/>
-            </a:prstTxWarp>
-          </a:bodyPr>
-          <a:lstStyle>
-            <a:lvl1pPr algn="r">
-              <a:defRPr sz="1200" dirty="0" err="1" smtClean="0">
-                <a:latin typeface="+mn-lt"/>
-              </a:defRPr>
-            </a:lvl1pPr>
-          </a:lstStyle>
-          <a:p>
-            <a:pPr marL="0" marR="0" lvl="0" indent="0" algn="r" defTabSz="914400" rtl="0" eaLnBrk="1" fontAlgn="base" latinLnBrk="0" hangingPunct="1">
-              <a:lnSpc>
-                <a:spcPct val="100000"/>
-              </a:lnSpc>
-              <a:spcBef>
-                <a:spcPct val="0"/>
-              </a:spcBef>
-              <a:spcAft>
-                <a:spcPct val="0"/>
-              </a:spcAft>
-              <a:buClrTx/>
-              <a:buSzTx/>
-              <a:buFontTx/>
-              <a:buNone/>
-              <a:tabLst/>
-              <a:defRPr/>
-            </a:pPr>
-            <a:r>
-              <a:rPr kumimoji="0" lang="en-US" sz="1200" b="0" i="0" u="none" strike="noStrike" kern="1200" cap="none" spc="0" normalizeH="0" baseline="0" noProof="0" dirty="0" smtClean="0">
-                <a:ln>
-                  <a:noFill/>
-                </a:ln>
-                <a:solidFill>
-                  <a:schemeClr val="tx1"/>
-                </a:solidFill>
-                <a:effectLst/>
-                <a:uLnTx/>
-                <a:uFillTx/>
-                <a:latin typeface="+mn-lt"/>
-                <a:ea typeface="+mn-ea"/>
-                <a:cs typeface="+mn-cs"/>
-              </a:rPr>
-              <a:t>testing.</a:t>
-            </a:r>
-            <a:fld id="{B9A0B45D-6AFD-413C-B761-B121FB8BE940}" type="slidenum">
-              <a:rPr kumimoji="0" lang="en-US" sz="1200" b="0" i="0" u="none" strike="noStrike" kern="1200" cap="none" spc="0" normalizeH="0" baseline="0" noProof="0" smtClean="0">
-                <a:ln>
-                  <a:noFill/>
-                </a:ln>
-                <a:solidFill>
-                  <a:schemeClr val="tx1"/>
-                </a:solidFill>
-                <a:effectLst/>
-                <a:uLnTx/>
-                <a:uFillTx/>
-                <a:latin typeface="+mn-lt"/>
-                <a:ea typeface="+mn-ea"/>
-                <a:cs typeface="+mn-cs"/>
-              </a:rPr>
-              <a:pPr marL="0" marR="0" lvl="0" indent="0" algn="r" defTabSz="914400" rtl="0" eaLnBrk="1" fontAlgn="base" latinLnBrk="0" hangingPunct="1">
-                <a:lnSpc>
-                  <a:spcPct val="100000"/>
-                </a:lnSpc>
-                <a:spcBef>
-                  <a:spcPct val="0"/>
-                </a:spcBef>
-                <a:spcAft>
-                  <a:spcPct val="0"/>
-                </a:spcAft>
-                <a:buClrTx/>
-                <a:buSzTx/>
-                <a:buFontTx/>
-                <a:buNone/>
-                <a:tabLst/>
-                <a:defRPr/>
-              </a:pPr>
-              <a:t>30</a:t>
-            </a:fld>
-            <a:endParaRPr kumimoji="0" lang="en-US" sz="1200" b="0" i="0" u="none" strike="noStrike" kern="1200" cap="none" spc="0" normalizeH="0" baseline="0" noProof="0" dirty="0">
-              <a:ln>
-                <a:noFill/>
-              </a:ln>
-              <a:solidFill>
-                <a:schemeClr val="tx1"/>
-              </a:solidFill>
-              <a:effectLst/>
-              <a:uLnTx/>
-              <a:uFillTx/>
-              <a:latin typeface="+mn-lt"/>
-              <a:ea typeface="+mn-ea"/>
-              <a:cs typeface="+mn-cs"/>
-            </a:endParaRPr>
-          </a:p>
-        </p:txBody>
-      </p:sp>
-      <p:sp>
-        <p:nvSpPr>
           <p:cNvPr id="13" name="Rectangle 4"/>
           <p:cNvSpPr>
             <a:spLocks noGrp="1" noChangeArrowheads="1"/>
@@ -13787,7 +13725,7 @@
           <a:graphicData uri="http://schemas.openxmlformats.org/presentationml/2006/ole">
             <mc:AlternateContent xmlns:mc="http://schemas.openxmlformats.org/markup-compatibility/2006">
               <mc:Choice xmlns:v="urn:schemas-microsoft-com:vml" Requires="v">
-                <p:oleObj spid="_x0000_s156678" name="Equation" r:id="rId4" imgW="1092200" imgH="228600" progId="Equation.DSMT4">
+                <p:oleObj spid="_x0000_s156690" name="Equation" r:id="rId4" imgW="1092200" imgH="228600" progId="Equation.DSMT4">
                   <p:embed/>
                 </p:oleObj>
               </mc:Choice>
@@ -13844,7 +13782,7 @@
           <a:graphicData uri="http://schemas.openxmlformats.org/presentationml/2006/ole">
             <mc:AlternateContent xmlns:mc="http://schemas.openxmlformats.org/markup-compatibility/2006">
               <mc:Choice xmlns:v="urn:schemas-microsoft-com:vml" Requires="v">
-                <p:oleObj spid="_x0000_s156679" name="Equation" r:id="rId6" imgW="1473200" imgH="469900" progId="Equation.DSMT4">
+                <p:oleObj spid="_x0000_s156691" name="Equation" r:id="rId6" imgW="1473200" imgH="469900" progId="Equation.DSMT4">
                   <p:embed/>
                 </p:oleObj>
               </mc:Choice>
@@ -13901,7 +13839,7 @@
           <a:graphicData uri="http://schemas.openxmlformats.org/presentationml/2006/ole">
             <mc:AlternateContent xmlns:mc="http://schemas.openxmlformats.org/markup-compatibility/2006">
               <mc:Choice xmlns:v="urn:schemas-microsoft-com:vml" Requires="v">
-                <p:oleObj spid="_x0000_s156680" name="Equation" r:id="rId8" imgW="139700" imgH="215900" progId="Equation.DSMT4">
+                <p:oleObj spid="_x0000_s156692" name="Equation" r:id="rId8" imgW="139700" imgH="215900" progId="Equation.DSMT4">
                   <p:embed/>
                 </p:oleObj>
               </mc:Choice>
@@ -13958,7 +13896,7 @@
           <a:graphicData uri="http://schemas.openxmlformats.org/presentationml/2006/ole">
             <mc:AlternateContent xmlns:mc="http://schemas.openxmlformats.org/markup-compatibility/2006">
               <mc:Choice xmlns:v="urn:schemas-microsoft-com:vml" Requires="v">
-                <p:oleObj spid="_x0000_s156681" name="Equation" r:id="rId10" imgW="139700" imgH="215900" progId="Equation.DSMT4">
+                <p:oleObj spid="_x0000_s156693" name="Equation" r:id="rId10" imgW="139700" imgH="215900" progId="Equation.DSMT4">
                   <p:embed/>
                 </p:oleObj>
               </mc:Choice>
@@ -14015,7 +13953,7 @@
           <a:graphicData uri="http://schemas.openxmlformats.org/presentationml/2006/ole">
             <mc:AlternateContent xmlns:mc="http://schemas.openxmlformats.org/markup-compatibility/2006">
               <mc:Choice xmlns:v="urn:schemas-microsoft-com:vml" Requires="v">
-                <p:oleObj spid="_x0000_s156682" name="Equation" r:id="rId11" imgW="571500" imgH="457200" progId="Equation.DSMT4">
+                <p:oleObj spid="_x0000_s156694" name="Equation" r:id="rId11" imgW="571500" imgH="457200" progId="Equation.DSMT4">
                   <p:embed/>
                 </p:oleObj>
               </mc:Choice>
@@ -14050,6 +13988,130 @@
           </a:graphicData>
         </a:graphic>
       </p:graphicFrame>
+      <p:sp>
+        <p:nvSpPr>
+          <p:cNvPr id="14" name="Rectangle 4"/>
+          <p:cNvSpPr txBox="1">
+            <a:spLocks noChangeArrowheads="1"/>
+          </p:cNvSpPr>
+          <p:nvPr/>
+        </p:nvSpPr>
+        <p:spPr bwMode="auto">
+          <a:xfrm>
+            <a:off x="7696200" y="6629400"/>
+            <a:ext cx="1447800" cy="228600"/>
+          </a:xfrm>
+          <a:prstGeom prst="rect">
+            <a:avLst/>
+          </a:prstGeom>
+          <a:noFill/>
+          <a:ln w="9525">
+            <a:noFill/>
+            <a:miter lim="800000"/>
+            <a:headEnd/>
+            <a:tailEnd/>
+          </a:ln>
+          <a:effectLst/>
+        </p:spPr>
+        <p:txBody>
+          <a:bodyPr vert="horz" wrap="square" lIns="91440" tIns="45720" rIns="91440" bIns="45720" numCol="1" anchor="t" anchorCtr="0" compatLnSpc="1">
+            <a:prstTxWarp prst="textNoShape">
+              <a:avLst/>
+            </a:prstTxWarp>
+          </a:bodyPr>
+          <a:lstStyle>
+            <a:lvl1pPr algn="r">
+              <a:defRPr sz="1200" dirty="0" err="1" smtClean="0">
+                <a:latin typeface="+mn-lt"/>
+              </a:defRPr>
+            </a:lvl1pPr>
+          </a:lstStyle>
+          <a:p>
+            <a:pPr marL="0" marR="0" lvl="0" indent="0" algn="r" defTabSz="914400" rtl="0" eaLnBrk="1" fontAlgn="base" latinLnBrk="0" hangingPunct="1">
+              <a:lnSpc>
+                <a:spcPct val="100000"/>
+              </a:lnSpc>
+              <a:spcBef>
+                <a:spcPct val="0"/>
+              </a:spcBef>
+              <a:spcAft>
+                <a:spcPct val="0"/>
+              </a:spcAft>
+              <a:buClrTx/>
+              <a:buSzTx/>
+              <a:buFontTx/>
+              <a:buNone/>
+              <a:tabLst/>
+              <a:defRPr/>
+            </a:pPr>
+            <a:r>
+              <a:rPr kumimoji="0" lang="en-US" sz="1200" b="0" i="0" u="none" strike="noStrike" kern="1200" cap="none" spc="0" normalizeH="0" baseline="0" noProof="0" dirty="0" smtClean="0">
+                <a:ln>
+                  <a:noFill/>
+                </a:ln>
+                <a:solidFill>
+                  <a:schemeClr val="tx1"/>
+                </a:solidFill>
+                <a:effectLst/>
+                <a:uLnTx/>
+                <a:uFillTx/>
+                <a:latin typeface="Comic Sans MS"/>
+                <a:ea typeface="+mn-ea"/>
+                <a:cs typeface="Comic Sans MS"/>
+              </a:rPr>
+              <a:t>testing.</a:t>
+            </a:r>
+            <a:fld id="{B9A0B45D-6AFD-413C-B761-B121FB8BE940}" type="slidenum">
+              <a:rPr kumimoji="0" lang="en-US" sz="1200" b="0" i="0" u="none" strike="noStrike" kern="1200" cap="none" spc="0" normalizeH="0" baseline="0" noProof="0" smtClean="0">
+                <a:ln>
+                  <a:noFill/>
+                </a:ln>
+                <a:solidFill>
+                  <a:schemeClr val="tx1"/>
+                </a:solidFill>
+                <a:effectLst/>
+                <a:uLnTx/>
+                <a:uFillTx/>
+                <a:latin typeface="Comic Sans MS"/>
+                <a:ea typeface="+mn-ea"/>
+                <a:cs typeface="Comic Sans MS"/>
+              </a:rPr>
+              <a:pPr marL="0" marR="0" lvl="0" indent="0" algn="r" defTabSz="914400" rtl="0" eaLnBrk="1" fontAlgn="base" latinLnBrk="0" hangingPunct="1">
+                <a:lnSpc>
+                  <a:spcPct val="100000"/>
+                </a:lnSpc>
+                <a:spcBef>
+                  <a:spcPct val="0"/>
+                </a:spcBef>
+                <a:spcAft>
+                  <a:spcPct val="0"/>
+                </a:spcAft>
+                <a:buClrTx/>
+                <a:buSzTx/>
+                <a:buFontTx/>
+                <a:buNone/>
+                <a:tabLst/>
+                <a:defRPr/>
+              </a:pPr>
+              <a:t>30</a:t>
+            </a:fld>
+            <a:endParaRPr kumimoji="0" lang="en-US" sz="1200" b="0" i="0" u="none" strike="noStrike" kern="1200" cap="none" spc="0" normalizeH="0" baseline="0" noProof="0" dirty="0">
+              <a:ln>
+                <a:noFill/>
+              </a:ln>
+              <a:solidFill>
+                <a:schemeClr val="tx1"/>
+              </a:solidFill>
+              <a:effectLst/>
+              <a:uLnTx/>
+              <a:uFillTx/>
+              <a:latin typeface="Comic Sans MS"/>
+              <a:ea typeface="+mn-ea"/>
+              <a:cs typeface="Comic Sans MS"/>
+            </a:endParaRPr>
+          </a:p>
+        </p:txBody>
+      </p:sp>
     </p:spTree>
     <p:extLst>
       <p:ext uri="{BB962C8B-B14F-4D97-AF65-F5344CB8AC3E}">
@@ -14169,130 +14231,6 @@
       </p:cxnSp>
       <p:sp>
         <p:nvSpPr>
-          <p:cNvPr id="39" name="Rectangle 4"/>
-          <p:cNvSpPr txBox="1">
-            <a:spLocks noChangeArrowheads="1"/>
-          </p:cNvSpPr>
-          <p:nvPr/>
-        </p:nvSpPr>
-        <p:spPr bwMode="auto">
-          <a:xfrm>
-            <a:off x="7696200" y="6629400"/>
-            <a:ext cx="1447800" cy="228600"/>
-          </a:xfrm>
-          <a:prstGeom prst="rect">
-            <a:avLst/>
-          </a:prstGeom>
-          <a:noFill/>
-          <a:ln w="9525">
-            <a:noFill/>
-            <a:miter lim="800000"/>
-            <a:headEnd/>
-            <a:tailEnd/>
-          </a:ln>
-          <a:effectLst/>
-        </p:spPr>
-        <p:txBody>
-          <a:bodyPr vert="horz" wrap="square" lIns="91440" tIns="45720" rIns="91440" bIns="45720" numCol="1" anchor="t" anchorCtr="0" compatLnSpc="1">
-            <a:prstTxWarp prst="textNoShape">
-              <a:avLst/>
-            </a:prstTxWarp>
-          </a:bodyPr>
-          <a:lstStyle>
-            <a:lvl1pPr algn="r">
-              <a:defRPr sz="1200" dirty="0" err="1" smtClean="0">
-                <a:latin typeface="+mn-lt"/>
-              </a:defRPr>
-            </a:lvl1pPr>
-          </a:lstStyle>
-          <a:p>
-            <a:pPr marL="0" marR="0" lvl="0" indent="0" algn="r" defTabSz="914400" rtl="0" eaLnBrk="1" fontAlgn="base" latinLnBrk="0" hangingPunct="1">
-              <a:lnSpc>
-                <a:spcPct val="100000"/>
-              </a:lnSpc>
-              <a:spcBef>
-                <a:spcPct val="0"/>
-              </a:spcBef>
-              <a:spcAft>
-                <a:spcPct val="0"/>
-              </a:spcAft>
-              <a:buClrTx/>
-              <a:buSzTx/>
-              <a:buFontTx/>
-              <a:buNone/>
-              <a:tabLst/>
-              <a:defRPr/>
-            </a:pPr>
-            <a:r>
-              <a:rPr kumimoji="0" lang="en-US" sz="1200" b="0" i="0" u="none" strike="noStrike" kern="1200" cap="none" spc="0" normalizeH="0" baseline="0" noProof="0" dirty="0" smtClean="0">
-                <a:ln>
-                  <a:noFill/>
-                </a:ln>
-                <a:solidFill>
-                  <a:schemeClr val="tx1"/>
-                </a:solidFill>
-                <a:effectLst/>
-                <a:uLnTx/>
-                <a:uFillTx/>
-                <a:latin typeface="+mn-lt"/>
-                <a:ea typeface="+mn-ea"/>
-                <a:cs typeface="+mn-cs"/>
-              </a:rPr>
-              <a:t>testing.</a:t>
-            </a:r>
-            <a:fld id="{B9A0B45D-6AFD-413C-B761-B121FB8BE940}" type="slidenum">
-              <a:rPr kumimoji="0" lang="en-US" sz="1200" b="0" i="0" u="none" strike="noStrike" kern="1200" cap="none" spc="0" normalizeH="0" baseline="0" noProof="0" smtClean="0">
-                <a:ln>
-                  <a:noFill/>
-                </a:ln>
-                <a:solidFill>
-                  <a:schemeClr val="tx1"/>
-                </a:solidFill>
-                <a:effectLst/>
-                <a:uLnTx/>
-                <a:uFillTx/>
-                <a:latin typeface="+mn-lt"/>
-                <a:ea typeface="+mn-ea"/>
-                <a:cs typeface="+mn-cs"/>
-              </a:rPr>
-              <a:pPr marL="0" marR="0" lvl="0" indent="0" algn="r" defTabSz="914400" rtl="0" eaLnBrk="1" fontAlgn="base" latinLnBrk="0" hangingPunct="1">
-                <a:lnSpc>
-                  <a:spcPct val="100000"/>
-                </a:lnSpc>
-                <a:spcBef>
-                  <a:spcPct val="0"/>
-                </a:spcBef>
-                <a:spcAft>
-                  <a:spcPct val="0"/>
-                </a:spcAft>
-                <a:buClrTx/>
-                <a:buSzTx/>
-                <a:buFontTx/>
-                <a:buNone/>
-                <a:tabLst/>
-                <a:defRPr/>
-              </a:pPr>
-              <a:t>31</a:t>
-            </a:fld>
-            <a:endParaRPr kumimoji="0" lang="en-US" sz="1200" b="0" i="0" u="none" strike="noStrike" kern="1200" cap="none" spc="0" normalizeH="0" baseline="0" noProof="0" dirty="0">
-              <a:ln>
-                <a:noFill/>
-              </a:ln>
-              <a:solidFill>
-                <a:schemeClr val="tx1"/>
-              </a:solidFill>
-              <a:effectLst/>
-              <a:uLnTx/>
-              <a:uFillTx/>
-              <a:latin typeface="+mn-lt"/>
-              <a:ea typeface="+mn-ea"/>
-              <a:cs typeface="+mn-cs"/>
-            </a:endParaRPr>
-          </a:p>
-        </p:txBody>
-      </p:sp>
-      <p:sp>
-        <p:nvSpPr>
           <p:cNvPr id="2" name="TextBox 1"/>
           <p:cNvSpPr txBox="1"/>
           <p:nvPr/>
@@ -14387,7 +14325,7 @@
           <a:graphicData uri="http://schemas.openxmlformats.org/presentationml/2006/ole">
             <mc:AlternateContent xmlns:mc="http://schemas.openxmlformats.org/markup-compatibility/2006">
               <mc:Choice xmlns:v="urn:schemas-microsoft-com:vml" Requires="v">
-                <p:oleObj spid="_x0000_s27696" name="Equation" r:id="rId4" imgW="1193800" imgH="495300" progId="Equation.DSMT4">
+                <p:oleObj spid="_x0000_s27700" name="Equation" r:id="rId4" imgW="1193800" imgH="495300" progId="Equation.DSMT4">
                   <p:embed/>
                 </p:oleObj>
               </mc:Choice>
@@ -14422,6 +14360,130 @@
           </a:graphicData>
         </a:graphic>
       </p:graphicFrame>
+      <p:sp>
+        <p:nvSpPr>
+          <p:cNvPr id="8" name="Rectangle 4"/>
+          <p:cNvSpPr txBox="1">
+            <a:spLocks noChangeArrowheads="1"/>
+          </p:cNvSpPr>
+          <p:nvPr/>
+        </p:nvSpPr>
+        <p:spPr bwMode="auto">
+          <a:xfrm>
+            <a:off x="7696200" y="6629400"/>
+            <a:ext cx="1447800" cy="228600"/>
+          </a:xfrm>
+          <a:prstGeom prst="rect">
+            <a:avLst/>
+          </a:prstGeom>
+          <a:noFill/>
+          <a:ln w="9525">
+            <a:noFill/>
+            <a:miter lim="800000"/>
+            <a:headEnd/>
+            <a:tailEnd/>
+          </a:ln>
+          <a:effectLst/>
+        </p:spPr>
+        <p:txBody>
+          <a:bodyPr vert="horz" wrap="square" lIns="91440" tIns="45720" rIns="91440" bIns="45720" numCol="1" anchor="t" anchorCtr="0" compatLnSpc="1">
+            <a:prstTxWarp prst="textNoShape">
+              <a:avLst/>
+            </a:prstTxWarp>
+          </a:bodyPr>
+          <a:lstStyle>
+            <a:lvl1pPr algn="r">
+              <a:defRPr sz="1200" dirty="0" err="1" smtClean="0">
+                <a:latin typeface="+mn-lt"/>
+              </a:defRPr>
+            </a:lvl1pPr>
+          </a:lstStyle>
+          <a:p>
+            <a:pPr marL="0" marR="0" lvl="0" indent="0" algn="r" defTabSz="914400" rtl="0" eaLnBrk="1" fontAlgn="base" latinLnBrk="0" hangingPunct="1">
+              <a:lnSpc>
+                <a:spcPct val="100000"/>
+              </a:lnSpc>
+              <a:spcBef>
+                <a:spcPct val="0"/>
+              </a:spcBef>
+              <a:spcAft>
+                <a:spcPct val="0"/>
+              </a:spcAft>
+              <a:buClrTx/>
+              <a:buSzTx/>
+              <a:buFontTx/>
+              <a:buNone/>
+              <a:tabLst/>
+              <a:defRPr/>
+            </a:pPr>
+            <a:r>
+              <a:rPr kumimoji="0" lang="en-US" sz="1200" b="0" i="0" u="none" strike="noStrike" kern="1200" cap="none" spc="0" normalizeH="0" baseline="0" noProof="0" dirty="0" smtClean="0">
+                <a:ln>
+                  <a:noFill/>
+                </a:ln>
+                <a:solidFill>
+                  <a:schemeClr val="tx1"/>
+                </a:solidFill>
+                <a:effectLst/>
+                <a:uLnTx/>
+                <a:uFillTx/>
+                <a:latin typeface="Comic Sans MS"/>
+                <a:ea typeface="+mn-ea"/>
+                <a:cs typeface="Comic Sans MS"/>
+              </a:rPr>
+              <a:t>testing.</a:t>
+            </a:r>
+            <a:fld id="{B9A0B45D-6AFD-413C-B761-B121FB8BE940}" type="slidenum">
+              <a:rPr kumimoji="0" lang="en-US" sz="1200" b="0" i="0" u="none" strike="noStrike" kern="1200" cap="none" spc="0" normalizeH="0" baseline="0" noProof="0" smtClean="0">
+                <a:ln>
+                  <a:noFill/>
+                </a:ln>
+                <a:solidFill>
+                  <a:schemeClr val="tx1"/>
+                </a:solidFill>
+                <a:effectLst/>
+                <a:uLnTx/>
+                <a:uFillTx/>
+                <a:latin typeface="Comic Sans MS"/>
+                <a:ea typeface="+mn-ea"/>
+                <a:cs typeface="Comic Sans MS"/>
+              </a:rPr>
+              <a:pPr marL="0" marR="0" lvl="0" indent="0" algn="r" defTabSz="914400" rtl="0" eaLnBrk="1" fontAlgn="base" latinLnBrk="0" hangingPunct="1">
+                <a:lnSpc>
+                  <a:spcPct val="100000"/>
+                </a:lnSpc>
+                <a:spcBef>
+                  <a:spcPct val="0"/>
+                </a:spcBef>
+                <a:spcAft>
+                  <a:spcPct val="0"/>
+                </a:spcAft>
+                <a:buClrTx/>
+                <a:buSzTx/>
+                <a:buFontTx/>
+                <a:buNone/>
+                <a:tabLst/>
+                <a:defRPr/>
+              </a:pPr>
+              <a:t>31</a:t>
+            </a:fld>
+            <a:endParaRPr kumimoji="0" lang="en-US" sz="1200" b="0" i="0" u="none" strike="noStrike" kern="1200" cap="none" spc="0" normalizeH="0" baseline="0" noProof="0" dirty="0">
+              <a:ln>
+                <a:noFill/>
+              </a:ln>
+              <a:solidFill>
+                <a:schemeClr val="tx1"/>
+              </a:solidFill>
+              <a:effectLst/>
+              <a:uLnTx/>
+              <a:uFillTx/>
+              <a:latin typeface="Comic Sans MS"/>
+              <a:ea typeface="+mn-ea"/>
+              <a:cs typeface="Comic Sans MS"/>
+            </a:endParaRPr>
+          </a:p>
+        </p:txBody>
+      </p:sp>
     </p:spTree>
     <p:extLst>
       <p:ext uri="{BB962C8B-B14F-4D97-AF65-F5344CB8AC3E}">
@@ -14803,130 +14865,6 @@
       </p:cxnSp>
       <p:sp>
         <p:nvSpPr>
-          <p:cNvPr id="39" name="Rectangle 4"/>
-          <p:cNvSpPr txBox="1">
-            <a:spLocks noChangeArrowheads="1"/>
-          </p:cNvSpPr>
-          <p:nvPr/>
-        </p:nvSpPr>
-        <p:spPr bwMode="auto">
-          <a:xfrm>
-            <a:off x="7696200" y="6629400"/>
-            <a:ext cx="1447800" cy="228600"/>
-          </a:xfrm>
-          <a:prstGeom prst="rect">
-            <a:avLst/>
-          </a:prstGeom>
-          <a:noFill/>
-          <a:ln w="9525">
-            <a:noFill/>
-            <a:miter lim="800000"/>
-            <a:headEnd/>
-            <a:tailEnd/>
-          </a:ln>
-          <a:effectLst/>
-        </p:spPr>
-        <p:txBody>
-          <a:bodyPr vert="horz" wrap="square" lIns="91440" tIns="45720" rIns="91440" bIns="45720" numCol="1" anchor="t" anchorCtr="0" compatLnSpc="1">
-            <a:prstTxWarp prst="textNoShape">
-              <a:avLst/>
-            </a:prstTxWarp>
-          </a:bodyPr>
-          <a:lstStyle>
-            <a:lvl1pPr algn="r">
-              <a:defRPr sz="1200" dirty="0" err="1" smtClean="0">
-                <a:latin typeface="+mn-lt"/>
-              </a:defRPr>
-            </a:lvl1pPr>
-          </a:lstStyle>
-          <a:p>
-            <a:pPr marL="0" marR="0" lvl="0" indent="0" algn="r" defTabSz="914400" rtl="0" eaLnBrk="1" fontAlgn="base" latinLnBrk="0" hangingPunct="1">
-              <a:lnSpc>
-                <a:spcPct val="100000"/>
-              </a:lnSpc>
-              <a:spcBef>
-                <a:spcPct val="0"/>
-              </a:spcBef>
-              <a:spcAft>
-                <a:spcPct val="0"/>
-              </a:spcAft>
-              <a:buClrTx/>
-              <a:buSzTx/>
-              <a:buFontTx/>
-              <a:buNone/>
-              <a:tabLst/>
-              <a:defRPr/>
-            </a:pPr>
-            <a:r>
-              <a:rPr kumimoji="0" lang="en-US" sz="1200" b="0" i="0" u="none" strike="noStrike" kern="1200" cap="none" spc="0" normalizeH="0" baseline="0" noProof="0" dirty="0" smtClean="0">
-                <a:ln>
-                  <a:noFill/>
-                </a:ln>
-                <a:solidFill>
-                  <a:schemeClr val="tx1"/>
-                </a:solidFill>
-                <a:effectLst/>
-                <a:uLnTx/>
-                <a:uFillTx/>
-                <a:latin typeface="+mn-lt"/>
-                <a:ea typeface="+mn-ea"/>
-                <a:cs typeface="+mn-cs"/>
-              </a:rPr>
-              <a:t>testing.</a:t>
-            </a:r>
-            <a:fld id="{B9A0B45D-6AFD-413C-B761-B121FB8BE940}" type="slidenum">
-              <a:rPr kumimoji="0" lang="en-US" sz="1200" b="0" i="0" u="none" strike="noStrike" kern="1200" cap="none" spc="0" normalizeH="0" baseline="0" noProof="0" smtClean="0">
-                <a:ln>
-                  <a:noFill/>
-                </a:ln>
-                <a:solidFill>
-                  <a:schemeClr val="tx1"/>
-                </a:solidFill>
-                <a:effectLst/>
-                <a:uLnTx/>
-                <a:uFillTx/>
-                <a:latin typeface="+mn-lt"/>
-                <a:ea typeface="+mn-ea"/>
-                <a:cs typeface="+mn-cs"/>
-              </a:rPr>
-              <a:pPr marL="0" marR="0" lvl="0" indent="0" algn="r" defTabSz="914400" rtl="0" eaLnBrk="1" fontAlgn="base" latinLnBrk="0" hangingPunct="1">
-                <a:lnSpc>
-                  <a:spcPct val="100000"/>
-                </a:lnSpc>
-                <a:spcBef>
-                  <a:spcPct val="0"/>
-                </a:spcBef>
-                <a:spcAft>
-                  <a:spcPct val="0"/>
-                </a:spcAft>
-                <a:buClrTx/>
-                <a:buSzTx/>
-                <a:buFontTx/>
-                <a:buNone/>
-                <a:tabLst/>
-                <a:defRPr/>
-              </a:pPr>
-              <a:t>32</a:t>
-            </a:fld>
-            <a:endParaRPr kumimoji="0" lang="en-US" sz="1200" b="0" i="0" u="none" strike="noStrike" kern="1200" cap="none" spc="0" normalizeH="0" baseline="0" noProof="0" dirty="0">
-              <a:ln>
-                <a:noFill/>
-              </a:ln>
-              <a:solidFill>
-                <a:schemeClr val="tx1"/>
-              </a:solidFill>
-              <a:effectLst/>
-              <a:uLnTx/>
-              <a:uFillTx/>
-              <a:latin typeface="+mn-lt"/>
-              <a:ea typeface="+mn-ea"/>
-              <a:cs typeface="+mn-cs"/>
-            </a:endParaRPr>
-          </a:p>
-        </p:txBody>
-      </p:sp>
-      <p:sp>
-        <p:nvSpPr>
           <p:cNvPr id="2" name="TextBox 1"/>
           <p:cNvSpPr txBox="1"/>
           <p:nvPr/>
@@ -15021,7 +14959,7 @@
           <a:graphicData uri="http://schemas.openxmlformats.org/presentationml/2006/ole">
             <mc:AlternateContent xmlns:mc="http://schemas.openxmlformats.org/markup-compatibility/2006">
               <mc:Choice xmlns:v="urn:schemas-microsoft-com:vml" Requires="v">
-                <p:oleObj spid="_x0000_s62508" name="Equation" r:id="rId4" imgW="1498600" imgH="215900" progId="Equation.DSMT4">
+                <p:oleObj spid="_x0000_s62512" name="Equation" r:id="rId4" imgW="1498600" imgH="215900" progId="Equation.DSMT4">
                   <p:embed/>
                 </p:oleObj>
               </mc:Choice>
@@ -15056,6 +14994,130 @@
           </a:graphicData>
         </a:graphic>
       </p:graphicFrame>
+      <p:sp>
+        <p:nvSpPr>
+          <p:cNvPr id="8" name="Rectangle 4"/>
+          <p:cNvSpPr txBox="1">
+            <a:spLocks noChangeArrowheads="1"/>
+          </p:cNvSpPr>
+          <p:nvPr/>
+        </p:nvSpPr>
+        <p:spPr bwMode="auto">
+          <a:xfrm>
+            <a:off x="7696200" y="6629400"/>
+            <a:ext cx="1447800" cy="228600"/>
+          </a:xfrm>
+          <a:prstGeom prst="rect">
+            <a:avLst/>
+          </a:prstGeom>
+          <a:noFill/>
+          <a:ln w="9525">
+            <a:noFill/>
+            <a:miter lim="800000"/>
+            <a:headEnd/>
+            <a:tailEnd/>
+          </a:ln>
+          <a:effectLst/>
+        </p:spPr>
+        <p:txBody>
+          <a:bodyPr vert="horz" wrap="square" lIns="91440" tIns="45720" rIns="91440" bIns="45720" numCol="1" anchor="t" anchorCtr="0" compatLnSpc="1">
+            <a:prstTxWarp prst="textNoShape">
+              <a:avLst/>
+            </a:prstTxWarp>
+          </a:bodyPr>
+          <a:lstStyle>
+            <a:lvl1pPr algn="r">
+              <a:defRPr sz="1200" dirty="0" err="1" smtClean="0">
+                <a:latin typeface="+mn-lt"/>
+              </a:defRPr>
+            </a:lvl1pPr>
+          </a:lstStyle>
+          <a:p>
+            <a:pPr marL="0" marR="0" lvl="0" indent="0" algn="r" defTabSz="914400" rtl="0" eaLnBrk="1" fontAlgn="base" latinLnBrk="0" hangingPunct="1">
+              <a:lnSpc>
+                <a:spcPct val="100000"/>
+              </a:lnSpc>
+              <a:spcBef>
+                <a:spcPct val="0"/>
+              </a:spcBef>
+              <a:spcAft>
+                <a:spcPct val="0"/>
+              </a:spcAft>
+              <a:buClrTx/>
+              <a:buSzTx/>
+              <a:buFontTx/>
+              <a:buNone/>
+              <a:tabLst/>
+              <a:defRPr/>
+            </a:pPr>
+            <a:r>
+              <a:rPr kumimoji="0" lang="en-US" sz="1200" b="0" i="0" u="none" strike="noStrike" kern="1200" cap="none" spc="0" normalizeH="0" baseline="0" noProof="0" dirty="0" smtClean="0">
+                <a:ln>
+                  <a:noFill/>
+                </a:ln>
+                <a:solidFill>
+                  <a:schemeClr val="tx1"/>
+                </a:solidFill>
+                <a:effectLst/>
+                <a:uLnTx/>
+                <a:uFillTx/>
+                <a:latin typeface="Comic Sans MS"/>
+                <a:ea typeface="+mn-ea"/>
+                <a:cs typeface="Comic Sans MS"/>
+              </a:rPr>
+              <a:t>testing.</a:t>
+            </a:r>
+            <a:fld id="{B9A0B45D-6AFD-413C-B761-B121FB8BE940}" type="slidenum">
+              <a:rPr kumimoji="0" lang="en-US" sz="1200" b="0" i="0" u="none" strike="noStrike" kern="1200" cap="none" spc="0" normalizeH="0" baseline="0" noProof="0" smtClean="0">
+                <a:ln>
+                  <a:noFill/>
+                </a:ln>
+                <a:solidFill>
+                  <a:schemeClr val="tx1"/>
+                </a:solidFill>
+                <a:effectLst/>
+                <a:uLnTx/>
+                <a:uFillTx/>
+                <a:latin typeface="Comic Sans MS"/>
+                <a:ea typeface="+mn-ea"/>
+                <a:cs typeface="Comic Sans MS"/>
+              </a:rPr>
+              <a:pPr marL="0" marR="0" lvl="0" indent="0" algn="r" defTabSz="914400" rtl="0" eaLnBrk="1" fontAlgn="base" latinLnBrk="0" hangingPunct="1">
+                <a:lnSpc>
+                  <a:spcPct val="100000"/>
+                </a:lnSpc>
+                <a:spcBef>
+                  <a:spcPct val="0"/>
+                </a:spcBef>
+                <a:spcAft>
+                  <a:spcPct val="0"/>
+                </a:spcAft>
+                <a:buClrTx/>
+                <a:buSzTx/>
+                <a:buFontTx/>
+                <a:buNone/>
+                <a:tabLst/>
+                <a:defRPr/>
+              </a:pPr>
+              <a:t>32</a:t>
+            </a:fld>
+            <a:endParaRPr kumimoji="0" lang="en-US" sz="1200" b="0" i="0" u="none" strike="noStrike" kern="1200" cap="none" spc="0" normalizeH="0" baseline="0" noProof="0" dirty="0">
+              <a:ln>
+                <a:noFill/>
+              </a:ln>
+              <a:solidFill>
+                <a:schemeClr val="tx1"/>
+              </a:solidFill>
+              <a:effectLst/>
+              <a:uLnTx/>
+              <a:uFillTx/>
+              <a:latin typeface="Comic Sans MS"/>
+              <a:ea typeface="+mn-ea"/>
+              <a:cs typeface="Comic Sans MS"/>
+            </a:endParaRPr>
+          </a:p>
+        </p:txBody>
+      </p:sp>
     </p:spTree>
     <p:extLst>
       <p:ext uri="{BB962C8B-B14F-4D97-AF65-F5344CB8AC3E}">
@@ -15134,130 +15196,6 @@
       </p:cxnSp>
       <p:sp>
         <p:nvSpPr>
-          <p:cNvPr id="39" name="Rectangle 4"/>
-          <p:cNvSpPr txBox="1">
-            <a:spLocks noChangeArrowheads="1"/>
-          </p:cNvSpPr>
-          <p:nvPr/>
-        </p:nvSpPr>
-        <p:spPr bwMode="auto">
-          <a:xfrm>
-            <a:off x="7696200" y="6629400"/>
-            <a:ext cx="1447800" cy="228600"/>
-          </a:xfrm>
-          <a:prstGeom prst="rect">
-            <a:avLst/>
-          </a:prstGeom>
-          <a:noFill/>
-          <a:ln w="9525">
-            <a:noFill/>
-            <a:miter lim="800000"/>
-            <a:headEnd/>
-            <a:tailEnd/>
-          </a:ln>
-          <a:effectLst/>
-        </p:spPr>
-        <p:txBody>
-          <a:bodyPr vert="horz" wrap="square" lIns="91440" tIns="45720" rIns="91440" bIns="45720" numCol="1" anchor="t" anchorCtr="0" compatLnSpc="1">
-            <a:prstTxWarp prst="textNoShape">
-              <a:avLst/>
-            </a:prstTxWarp>
-          </a:bodyPr>
-          <a:lstStyle>
-            <a:lvl1pPr algn="r">
-              <a:defRPr sz="1200" dirty="0" err="1" smtClean="0">
-                <a:latin typeface="+mn-lt"/>
-              </a:defRPr>
-            </a:lvl1pPr>
-          </a:lstStyle>
-          <a:p>
-            <a:pPr marL="0" marR="0" lvl="0" indent="0" algn="r" defTabSz="914400" rtl="0" eaLnBrk="1" fontAlgn="base" latinLnBrk="0" hangingPunct="1">
-              <a:lnSpc>
-                <a:spcPct val="100000"/>
-              </a:lnSpc>
-              <a:spcBef>
-                <a:spcPct val="0"/>
-              </a:spcBef>
-              <a:spcAft>
-                <a:spcPct val="0"/>
-              </a:spcAft>
-              <a:buClrTx/>
-              <a:buSzTx/>
-              <a:buFontTx/>
-              <a:buNone/>
-              <a:tabLst/>
-              <a:defRPr/>
-            </a:pPr>
-            <a:r>
-              <a:rPr kumimoji="0" lang="en-US" sz="1200" b="0" i="0" u="none" strike="noStrike" kern="1200" cap="none" spc="0" normalizeH="0" baseline="0" noProof="0" dirty="0" smtClean="0">
-                <a:ln>
-                  <a:noFill/>
-                </a:ln>
-                <a:solidFill>
-                  <a:schemeClr val="tx1"/>
-                </a:solidFill>
-                <a:effectLst/>
-                <a:uLnTx/>
-                <a:uFillTx/>
-                <a:latin typeface="+mn-lt"/>
-                <a:ea typeface="+mn-ea"/>
-                <a:cs typeface="+mn-cs"/>
-              </a:rPr>
-              <a:t>testing.</a:t>
-            </a:r>
-            <a:fld id="{B9A0B45D-6AFD-413C-B761-B121FB8BE940}" type="slidenum">
-              <a:rPr kumimoji="0" lang="en-US" sz="1200" b="0" i="0" u="none" strike="noStrike" kern="1200" cap="none" spc="0" normalizeH="0" baseline="0" noProof="0" smtClean="0">
-                <a:ln>
-                  <a:noFill/>
-                </a:ln>
-                <a:solidFill>
-                  <a:schemeClr val="tx1"/>
-                </a:solidFill>
-                <a:effectLst/>
-                <a:uLnTx/>
-                <a:uFillTx/>
-                <a:latin typeface="+mn-lt"/>
-                <a:ea typeface="+mn-ea"/>
-                <a:cs typeface="+mn-cs"/>
-              </a:rPr>
-              <a:pPr marL="0" marR="0" lvl="0" indent="0" algn="r" defTabSz="914400" rtl="0" eaLnBrk="1" fontAlgn="base" latinLnBrk="0" hangingPunct="1">
-                <a:lnSpc>
-                  <a:spcPct val="100000"/>
-                </a:lnSpc>
-                <a:spcBef>
-                  <a:spcPct val="0"/>
-                </a:spcBef>
-                <a:spcAft>
-                  <a:spcPct val="0"/>
-                </a:spcAft>
-                <a:buClrTx/>
-                <a:buSzTx/>
-                <a:buFontTx/>
-                <a:buNone/>
-                <a:tabLst/>
-                <a:defRPr/>
-              </a:pPr>
-              <a:t>33</a:t>
-            </a:fld>
-            <a:endParaRPr kumimoji="0" lang="en-US" sz="1200" b="0" i="0" u="none" strike="noStrike" kern="1200" cap="none" spc="0" normalizeH="0" baseline="0" noProof="0" dirty="0">
-              <a:ln>
-                <a:noFill/>
-              </a:ln>
-              <a:solidFill>
-                <a:schemeClr val="tx1"/>
-              </a:solidFill>
-              <a:effectLst/>
-              <a:uLnTx/>
-              <a:uFillTx/>
-              <a:latin typeface="+mn-lt"/>
-              <a:ea typeface="+mn-ea"/>
-              <a:cs typeface="+mn-cs"/>
-            </a:endParaRPr>
-          </a:p>
-        </p:txBody>
-      </p:sp>
-      <p:sp>
-        <p:nvSpPr>
           <p:cNvPr id="8" name="Rectangle 4"/>
           <p:cNvSpPr>
             <a:spLocks noGrp="1" noChangeArrowheads="1"/>
@@ -15311,7 +15249,7 @@
           <a:graphicData uri="http://schemas.openxmlformats.org/presentationml/2006/ole">
             <mc:AlternateContent xmlns:mc="http://schemas.openxmlformats.org/markup-compatibility/2006">
               <mc:Choice xmlns:v="urn:schemas-microsoft-com:vml" Requires="v">
-                <p:oleObj spid="_x0000_s139287" name="Equation" r:id="rId4" imgW="1968500" imgH="469900" progId="Equation.DSMT4">
+                <p:oleObj spid="_x0000_s139291" name="Equation" r:id="rId4" imgW="1968500" imgH="469900" progId="Equation.DSMT4">
                   <p:embed/>
                 </p:oleObj>
               </mc:Choice>
@@ -15346,6 +15284,130 @@
           </a:graphicData>
         </a:graphic>
       </p:graphicFrame>
+      <p:sp>
+        <p:nvSpPr>
+          <p:cNvPr id="6" name="Rectangle 4"/>
+          <p:cNvSpPr txBox="1">
+            <a:spLocks noChangeArrowheads="1"/>
+          </p:cNvSpPr>
+          <p:nvPr/>
+        </p:nvSpPr>
+        <p:spPr bwMode="auto">
+          <a:xfrm>
+            <a:off x="7696200" y="6629400"/>
+            <a:ext cx="1447800" cy="228600"/>
+          </a:xfrm>
+          <a:prstGeom prst="rect">
+            <a:avLst/>
+          </a:prstGeom>
+          <a:noFill/>
+          <a:ln w="9525">
+            <a:noFill/>
+            <a:miter lim="800000"/>
+            <a:headEnd/>
+            <a:tailEnd/>
+          </a:ln>
+          <a:effectLst/>
+        </p:spPr>
+        <p:txBody>
+          <a:bodyPr vert="horz" wrap="square" lIns="91440" tIns="45720" rIns="91440" bIns="45720" numCol="1" anchor="t" anchorCtr="0" compatLnSpc="1">
+            <a:prstTxWarp prst="textNoShape">
+              <a:avLst/>
+            </a:prstTxWarp>
+          </a:bodyPr>
+          <a:lstStyle>
+            <a:lvl1pPr algn="r">
+              <a:defRPr sz="1200" dirty="0" err="1" smtClean="0">
+                <a:latin typeface="+mn-lt"/>
+              </a:defRPr>
+            </a:lvl1pPr>
+          </a:lstStyle>
+          <a:p>
+            <a:pPr marL="0" marR="0" lvl="0" indent="0" algn="r" defTabSz="914400" rtl="0" eaLnBrk="1" fontAlgn="base" latinLnBrk="0" hangingPunct="1">
+              <a:lnSpc>
+                <a:spcPct val="100000"/>
+              </a:lnSpc>
+              <a:spcBef>
+                <a:spcPct val="0"/>
+              </a:spcBef>
+              <a:spcAft>
+                <a:spcPct val="0"/>
+              </a:spcAft>
+              <a:buClrTx/>
+              <a:buSzTx/>
+              <a:buFontTx/>
+              <a:buNone/>
+              <a:tabLst/>
+              <a:defRPr/>
+            </a:pPr>
+            <a:r>
+              <a:rPr kumimoji="0" lang="en-US" sz="1200" b="0" i="0" u="none" strike="noStrike" kern="1200" cap="none" spc="0" normalizeH="0" baseline="0" noProof="0" dirty="0" smtClean="0">
+                <a:ln>
+                  <a:noFill/>
+                </a:ln>
+                <a:solidFill>
+                  <a:schemeClr val="tx1"/>
+                </a:solidFill>
+                <a:effectLst/>
+                <a:uLnTx/>
+                <a:uFillTx/>
+                <a:latin typeface="Comic Sans MS"/>
+                <a:ea typeface="+mn-ea"/>
+                <a:cs typeface="Comic Sans MS"/>
+              </a:rPr>
+              <a:t>testing.</a:t>
+            </a:r>
+            <a:fld id="{B9A0B45D-6AFD-413C-B761-B121FB8BE940}" type="slidenum">
+              <a:rPr kumimoji="0" lang="en-US" sz="1200" b="0" i="0" u="none" strike="noStrike" kern="1200" cap="none" spc="0" normalizeH="0" baseline="0" noProof="0" smtClean="0">
+                <a:ln>
+                  <a:noFill/>
+                </a:ln>
+                <a:solidFill>
+                  <a:schemeClr val="tx1"/>
+                </a:solidFill>
+                <a:effectLst/>
+                <a:uLnTx/>
+                <a:uFillTx/>
+                <a:latin typeface="Comic Sans MS"/>
+                <a:ea typeface="+mn-ea"/>
+                <a:cs typeface="Comic Sans MS"/>
+              </a:rPr>
+              <a:pPr marL="0" marR="0" lvl="0" indent="0" algn="r" defTabSz="914400" rtl="0" eaLnBrk="1" fontAlgn="base" latinLnBrk="0" hangingPunct="1">
+                <a:lnSpc>
+                  <a:spcPct val="100000"/>
+                </a:lnSpc>
+                <a:spcBef>
+                  <a:spcPct val="0"/>
+                </a:spcBef>
+                <a:spcAft>
+                  <a:spcPct val="0"/>
+                </a:spcAft>
+                <a:buClrTx/>
+                <a:buSzTx/>
+                <a:buFontTx/>
+                <a:buNone/>
+                <a:tabLst/>
+                <a:defRPr/>
+              </a:pPr>
+              <a:t>33</a:t>
+            </a:fld>
+            <a:endParaRPr kumimoji="0" lang="en-US" sz="1200" b="0" i="0" u="none" strike="noStrike" kern="1200" cap="none" spc="0" normalizeH="0" baseline="0" noProof="0" dirty="0">
+              <a:ln>
+                <a:noFill/>
+              </a:ln>
+              <a:solidFill>
+                <a:schemeClr val="tx1"/>
+              </a:solidFill>
+              <a:effectLst/>
+              <a:uLnTx/>
+              <a:uFillTx/>
+              <a:latin typeface="Comic Sans MS"/>
+              <a:ea typeface="+mn-ea"/>
+              <a:cs typeface="Comic Sans MS"/>
+            </a:endParaRPr>
+          </a:p>
+        </p:txBody>
+      </p:sp>
     </p:spTree>
     <p:extLst>
       <p:ext uri="{BB962C8B-B14F-4D97-AF65-F5344CB8AC3E}">
@@ -15500,130 +15562,6 @@
       </p:cxnSp>
       <p:sp>
         <p:nvSpPr>
-          <p:cNvPr id="39" name="Rectangle 4"/>
-          <p:cNvSpPr txBox="1">
-            <a:spLocks noChangeArrowheads="1"/>
-          </p:cNvSpPr>
-          <p:nvPr/>
-        </p:nvSpPr>
-        <p:spPr bwMode="auto">
-          <a:xfrm>
-            <a:off x="7696200" y="6629400"/>
-            <a:ext cx="1447800" cy="228600"/>
-          </a:xfrm>
-          <a:prstGeom prst="rect">
-            <a:avLst/>
-          </a:prstGeom>
-          <a:noFill/>
-          <a:ln w="9525">
-            <a:noFill/>
-            <a:miter lim="800000"/>
-            <a:headEnd/>
-            <a:tailEnd/>
-          </a:ln>
-          <a:effectLst/>
-        </p:spPr>
-        <p:txBody>
-          <a:bodyPr vert="horz" wrap="square" lIns="91440" tIns="45720" rIns="91440" bIns="45720" numCol="1" anchor="t" anchorCtr="0" compatLnSpc="1">
-            <a:prstTxWarp prst="textNoShape">
-              <a:avLst/>
-            </a:prstTxWarp>
-          </a:bodyPr>
-          <a:lstStyle>
-            <a:lvl1pPr algn="r">
-              <a:defRPr sz="1200" dirty="0" err="1" smtClean="0">
-                <a:latin typeface="+mn-lt"/>
-              </a:defRPr>
-            </a:lvl1pPr>
-          </a:lstStyle>
-          <a:p>
-            <a:pPr marL="0" marR="0" lvl="0" indent="0" algn="r" defTabSz="914400" rtl="0" eaLnBrk="1" fontAlgn="base" latinLnBrk="0" hangingPunct="1">
-              <a:lnSpc>
-                <a:spcPct val="100000"/>
-              </a:lnSpc>
-              <a:spcBef>
-                <a:spcPct val="0"/>
-              </a:spcBef>
-              <a:spcAft>
-                <a:spcPct val="0"/>
-              </a:spcAft>
-              <a:buClrTx/>
-              <a:buSzTx/>
-              <a:buFontTx/>
-              <a:buNone/>
-              <a:tabLst/>
-              <a:defRPr/>
-            </a:pPr>
-            <a:r>
-              <a:rPr kumimoji="0" lang="en-US" sz="1200" b="0" i="0" u="none" strike="noStrike" kern="1200" cap="none" spc="0" normalizeH="0" baseline="0" noProof="0" dirty="0" smtClean="0">
-                <a:ln>
-                  <a:noFill/>
-                </a:ln>
-                <a:solidFill>
-                  <a:schemeClr val="tx1"/>
-                </a:solidFill>
-                <a:effectLst/>
-                <a:uLnTx/>
-                <a:uFillTx/>
-                <a:latin typeface="+mn-lt"/>
-                <a:ea typeface="+mn-ea"/>
-                <a:cs typeface="+mn-cs"/>
-              </a:rPr>
-              <a:t>testing.</a:t>
-            </a:r>
-            <a:fld id="{B9A0B45D-6AFD-413C-B761-B121FB8BE940}" type="slidenum">
-              <a:rPr kumimoji="0" lang="en-US" sz="1200" b="0" i="0" u="none" strike="noStrike" kern="1200" cap="none" spc="0" normalizeH="0" baseline="0" noProof="0" smtClean="0">
-                <a:ln>
-                  <a:noFill/>
-                </a:ln>
-                <a:solidFill>
-                  <a:schemeClr val="tx1"/>
-                </a:solidFill>
-                <a:effectLst/>
-                <a:uLnTx/>
-                <a:uFillTx/>
-                <a:latin typeface="+mn-lt"/>
-                <a:ea typeface="+mn-ea"/>
-                <a:cs typeface="+mn-cs"/>
-              </a:rPr>
-              <a:pPr marL="0" marR="0" lvl="0" indent="0" algn="r" defTabSz="914400" rtl="0" eaLnBrk="1" fontAlgn="base" latinLnBrk="0" hangingPunct="1">
-                <a:lnSpc>
-                  <a:spcPct val="100000"/>
-                </a:lnSpc>
-                <a:spcBef>
-                  <a:spcPct val="0"/>
-                </a:spcBef>
-                <a:spcAft>
-                  <a:spcPct val="0"/>
-                </a:spcAft>
-                <a:buClrTx/>
-                <a:buSzTx/>
-                <a:buFontTx/>
-                <a:buNone/>
-                <a:tabLst/>
-                <a:defRPr/>
-              </a:pPr>
-              <a:t>34</a:t>
-            </a:fld>
-            <a:endParaRPr kumimoji="0" lang="en-US" sz="1200" b="0" i="0" u="none" strike="noStrike" kern="1200" cap="none" spc="0" normalizeH="0" baseline="0" noProof="0" dirty="0">
-              <a:ln>
-                <a:noFill/>
-              </a:ln>
-              <a:solidFill>
-                <a:schemeClr val="tx1"/>
-              </a:solidFill>
-              <a:effectLst/>
-              <a:uLnTx/>
-              <a:uFillTx/>
-              <a:latin typeface="+mn-lt"/>
-              <a:ea typeface="+mn-ea"/>
-              <a:cs typeface="+mn-cs"/>
-            </a:endParaRPr>
-          </a:p>
-        </p:txBody>
-      </p:sp>
-      <p:sp>
-        <p:nvSpPr>
           <p:cNvPr id="8" name="Rectangle 4"/>
           <p:cNvSpPr>
             <a:spLocks noGrp="1" noChangeArrowheads="1"/>
@@ -15677,7 +15615,7 @@
           <a:graphicData uri="http://schemas.openxmlformats.org/presentationml/2006/ole">
             <mc:AlternateContent xmlns:mc="http://schemas.openxmlformats.org/markup-compatibility/2006">
               <mc:Choice xmlns:v="urn:schemas-microsoft-com:vml" Requires="v">
-                <p:oleObj spid="_x0000_s154643" name="Equation" r:id="rId4" imgW="1739900" imgH="228600" progId="Equation.DSMT4">
+                <p:oleObj spid="_x0000_s154649" name="Equation" r:id="rId4" imgW="1739900" imgH="228600" progId="Equation.DSMT4">
                   <p:embed/>
                 </p:oleObj>
               </mc:Choice>
@@ -15734,7 +15672,7 @@
           <a:graphicData uri="http://schemas.openxmlformats.org/presentationml/2006/ole">
             <mc:AlternateContent xmlns:mc="http://schemas.openxmlformats.org/markup-compatibility/2006">
               <mc:Choice xmlns:v="urn:schemas-microsoft-com:vml" Requires="v">
-                <p:oleObj spid="_x0000_s154644" name="Equation" r:id="rId6" imgW="1701800" imgH="228600" progId="Equation.DSMT4">
+                <p:oleObj spid="_x0000_s154650" name="Equation" r:id="rId6" imgW="1701800" imgH="228600" progId="Equation.DSMT4">
                   <p:embed/>
                 </p:oleObj>
               </mc:Choice>
@@ -15769,6 +15707,130 @@
           </a:graphicData>
         </a:graphic>
       </p:graphicFrame>
+      <p:sp>
+        <p:nvSpPr>
+          <p:cNvPr id="7" name="Rectangle 4"/>
+          <p:cNvSpPr txBox="1">
+            <a:spLocks noChangeArrowheads="1"/>
+          </p:cNvSpPr>
+          <p:nvPr/>
+        </p:nvSpPr>
+        <p:spPr bwMode="auto">
+          <a:xfrm>
+            <a:off x="7696200" y="6629400"/>
+            <a:ext cx="1447800" cy="228600"/>
+          </a:xfrm>
+          <a:prstGeom prst="rect">
+            <a:avLst/>
+          </a:prstGeom>
+          <a:noFill/>
+          <a:ln w="9525">
+            <a:noFill/>
+            <a:miter lim="800000"/>
+            <a:headEnd/>
+            <a:tailEnd/>
+          </a:ln>
+          <a:effectLst/>
+        </p:spPr>
+        <p:txBody>
+          <a:bodyPr vert="horz" wrap="square" lIns="91440" tIns="45720" rIns="91440" bIns="45720" numCol="1" anchor="t" anchorCtr="0" compatLnSpc="1">
+            <a:prstTxWarp prst="textNoShape">
+              <a:avLst/>
+            </a:prstTxWarp>
+          </a:bodyPr>
+          <a:lstStyle>
+            <a:lvl1pPr algn="r">
+              <a:defRPr sz="1200" dirty="0" err="1" smtClean="0">
+                <a:latin typeface="+mn-lt"/>
+              </a:defRPr>
+            </a:lvl1pPr>
+          </a:lstStyle>
+          <a:p>
+            <a:pPr marL="0" marR="0" lvl="0" indent="0" algn="r" defTabSz="914400" rtl="0" eaLnBrk="1" fontAlgn="base" latinLnBrk="0" hangingPunct="1">
+              <a:lnSpc>
+                <a:spcPct val="100000"/>
+              </a:lnSpc>
+              <a:spcBef>
+                <a:spcPct val="0"/>
+              </a:spcBef>
+              <a:spcAft>
+                <a:spcPct val="0"/>
+              </a:spcAft>
+              <a:buClrTx/>
+              <a:buSzTx/>
+              <a:buFontTx/>
+              <a:buNone/>
+              <a:tabLst/>
+              <a:defRPr/>
+            </a:pPr>
+            <a:r>
+              <a:rPr kumimoji="0" lang="en-US" sz="1200" b="0" i="0" u="none" strike="noStrike" kern="1200" cap="none" spc="0" normalizeH="0" baseline="0" noProof="0" dirty="0" smtClean="0">
+                <a:ln>
+                  <a:noFill/>
+                </a:ln>
+                <a:solidFill>
+                  <a:schemeClr val="tx1"/>
+                </a:solidFill>
+                <a:effectLst/>
+                <a:uLnTx/>
+                <a:uFillTx/>
+                <a:latin typeface="Comic Sans MS"/>
+                <a:ea typeface="+mn-ea"/>
+                <a:cs typeface="Comic Sans MS"/>
+              </a:rPr>
+              <a:t>testing.</a:t>
+            </a:r>
+            <a:fld id="{B9A0B45D-6AFD-413C-B761-B121FB8BE940}" type="slidenum">
+              <a:rPr kumimoji="0" lang="en-US" sz="1200" b="0" i="0" u="none" strike="noStrike" kern="1200" cap="none" spc="0" normalizeH="0" baseline="0" noProof="0" smtClean="0">
+                <a:ln>
+                  <a:noFill/>
+                </a:ln>
+                <a:solidFill>
+                  <a:schemeClr val="tx1"/>
+                </a:solidFill>
+                <a:effectLst/>
+                <a:uLnTx/>
+                <a:uFillTx/>
+                <a:latin typeface="Comic Sans MS"/>
+                <a:ea typeface="+mn-ea"/>
+                <a:cs typeface="Comic Sans MS"/>
+              </a:rPr>
+              <a:pPr marL="0" marR="0" lvl="0" indent="0" algn="r" defTabSz="914400" rtl="0" eaLnBrk="1" fontAlgn="base" latinLnBrk="0" hangingPunct="1">
+                <a:lnSpc>
+                  <a:spcPct val="100000"/>
+                </a:lnSpc>
+                <a:spcBef>
+                  <a:spcPct val="0"/>
+                </a:spcBef>
+                <a:spcAft>
+                  <a:spcPct val="0"/>
+                </a:spcAft>
+                <a:buClrTx/>
+                <a:buSzTx/>
+                <a:buFontTx/>
+                <a:buNone/>
+                <a:tabLst/>
+                <a:defRPr/>
+              </a:pPr>
+              <a:t>34</a:t>
+            </a:fld>
+            <a:endParaRPr kumimoji="0" lang="en-US" sz="1200" b="0" i="0" u="none" strike="noStrike" kern="1200" cap="none" spc="0" normalizeH="0" baseline="0" noProof="0" dirty="0">
+              <a:ln>
+                <a:noFill/>
+              </a:ln>
+              <a:solidFill>
+                <a:schemeClr val="tx1"/>
+              </a:solidFill>
+              <a:effectLst/>
+              <a:uLnTx/>
+              <a:uFillTx/>
+              <a:latin typeface="Comic Sans MS"/>
+              <a:ea typeface="+mn-ea"/>
+              <a:cs typeface="Comic Sans MS"/>
+            </a:endParaRPr>
+          </a:p>
+        </p:txBody>
+      </p:sp>
     </p:spTree>
     <p:extLst>
       <p:ext uri="{BB962C8B-B14F-4D97-AF65-F5344CB8AC3E}">
@@ -15988,9 +16050,9 @@
                 <a:effectLst/>
                 <a:uLnTx/>
                 <a:uFillTx/>
-                <a:latin typeface="+mn-lt"/>
+                <a:latin typeface="Comic Sans MS"/>
                 <a:ea typeface="+mn-ea"/>
-                <a:cs typeface="+mn-cs"/>
+                <a:cs typeface="Comic Sans MS"/>
               </a:rPr>
               <a:t>testing.</a:t>
             </a:r>
@@ -16005,9 +16067,9 @@
                 <a:effectLst/>
                 <a:uLnTx/>
                 <a:uFillTx/>
-                <a:latin typeface="+mn-lt"/>
+                <a:latin typeface="Comic Sans MS"/>
                 <a:ea typeface="+mn-ea"/>
-                <a:cs typeface="+mn-cs"/>
+                <a:cs typeface="Comic Sans MS"/>
               </a:rPr>
               <a:pPr marL="0" marR="0" lvl="0" indent="0" algn="r" defTabSz="914400" rtl="0" eaLnBrk="1" fontAlgn="base" latinLnBrk="0" hangingPunct="1">
                 <a:lnSpc>
@@ -16038,9 +16100,9 @@
               <a:effectLst/>
               <a:uLnTx/>
               <a:uFillTx/>
-              <a:latin typeface="+mn-lt"/>
+              <a:latin typeface="Comic Sans MS"/>
               <a:ea typeface="+mn-ea"/>
-              <a:cs typeface="+mn-cs"/>
+              <a:cs typeface="Comic Sans MS"/>
             </a:endParaRPr>
           </a:p>
         </p:txBody>
@@ -16067,7 +16129,7 @@
           <a:graphicData uri="http://schemas.openxmlformats.org/presentationml/2006/ole">
             <mc:AlternateContent xmlns:mc="http://schemas.openxmlformats.org/markup-compatibility/2006">
               <mc:Choice xmlns:v="urn:schemas-microsoft-com:vml" Requires="v">
-                <p:oleObj spid="_x0000_s82978" name="Equation" r:id="rId4" imgW="1155700" imgH="469900" progId="Equation.DSMT4">
+                <p:oleObj spid="_x0000_s82982" name="Equation" r:id="rId4" imgW="1155700" imgH="469900" progId="Equation.DSMT4">
                   <p:embed/>
                 </p:oleObj>
               </mc:Choice>
@@ -16640,6 +16702,130 @@
               </a:rPr>
               <a:t>Unlikely you have TB</a:t>
             </a:r>
+          </a:p>
+        </p:txBody>
+      </p:sp>
+      <p:sp>
+        <p:nvSpPr>
+          <p:cNvPr id="4" name="Rectangle 4"/>
+          <p:cNvSpPr txBox="1">
+            <a:spLocks noChangeArrowheads="1"/>
+          </p:cNvSpPr>
+          <p:nvPr/>
+        </p:nvSpPr>
+        <p:spPr bwMode="auto">
+          <a:xfrm>
+            <a:off x="7696200" y="6629400"/>
+            <a:ext cx="1447800" cy="228600"/>
+          </a:xfrm>
+          <a:prstGeom prst="rect">
+            <a:avLst/>
+          </a:prstGeom>
+          <a:noFill/>
+          <a:ln w="9525">
+            <a:noFill/>
+            <a:miter lim="800000"/>
+            <a:headEnd/>
+            <a:tailEnd/>
+          </a:ln>
+          <a:effectLst/>
+        </p:spPr>
+        <p:txBody>
+          <a:bodyPr vert="horz" wrap="square" lIns="91440" tIns="45720" rIns="91440" bIns="45720" numCol="1" anchor="t" anchorCtr="0" compatLnSpc="1">
+            <a:prstTxWarp prst="textNoShape">
+              <a:avLst/>
+            </a:prstTxWarp>
+          </a:bodyPr>
+          <a:lstStyle>
+            <a:lvl1pPr algn="r">
+              <a:defRPr sz="1200" dirty="0" err="1" smtClean="0">
+                <a:latin typeface="+mn-lt"/>
+              </a:defRPr>
+            </a:lvl1pPr>
+          </a:lstStyle>
+          <a:p>
+            <a:pPr marL="0" marR="0" lvl="0" indent="0" algn="r" defTabSz="914400" rtl="0" eaLnBrk="1" fontAlgn="base" latinLnBrk="0" hangingPunct="1">
+              <a:lnSpc>
+                <a:spcPct val="100000"/>
+              </a:lnSpc>
+              <a:spcBef>
+                <a:spcPct val="0"/>
+              </a:spcBef>
+              <a:spcAft>
+                <a:spcPct val="0"/>
+              </a:spcAft>
+              <a:buClrTx/>
+              <a:buSzTx/>
+              <a:buFontTx/>
+              <a:buNone/>
+              <a:tabLst/>
+              <a:defRPr/>
+            </a:pPr>
+            <a:r>
+              <a:rPr kumimoji="0" lang="en-US" sz="1200" b="0" i="0" u="none" strike="noStrike" kern="1200" cap="none" spc="0" normalizeH="0" baseline="0" noProof="0" dirty="0" smtClean="0">
+                <a:ln>
+                  <a:noFill/>
+                </a:ln>
+                <a:solidFill>
+                  <a:schemeClr val="tx1"/>
+                </a:solidFill>
+                <a:effectLst/>
+                <a:uLnTx/>
+                <a:uFillTx/>
+                <a:latin typeface="Comic Sans MS"/>
+                <a:ea typeface="+mn-ea"/>
+                <a:cs typeface="Comic Sans MS"/>
+              </a:rPr>
+              <a:t>testing.</a:t>
+            </a:r>
+            <a:fld id="{B9A0B45D-6AFD-413C-B761-B121FB8BE940}" type="slidenum">
+              <a:rPr kumimoji="0" lang="en-US" sz="1200" b="0" i="0" u="none" strike="noStrike" kern="1200" cap="none" spc="0" normalizeH="0" baseline="0" noProof="0" smtClean="0">
+                <a:ln>
+                  <a:noFill/>
+                </a:ln>
+                <a:solidFill>
+                  <a:schemeClr val="tx1"/>
+                </a:solidFill>
+                <a:effectLst/>
+                <a:uLnTx/>
+                <a:uFillTx/>
+                <a:latin typeface="Comic Sans MS"/>
+                <a:ea typeface="+mn-ea"/>
+                <a:cs typeface="Comic Sans MS"/>
+              </a:rPr>
+              <a:pPr marL="0" marR="0" lvl="0" indent="0" algn="r" defTabSz="914400" rtl="0" eaLnBrk="1" fontAlgn="base" latinLnBrk="0" hangingPunct="1">
+                <a:lnSpc>
+                  <a:spcPct val="100000"/>
+                </a:lnSpc>
+                <a:spcBef>
+                  <a:spcPct val="0"/>
+                </a:spcBef>
+                <a:spcAft>
+                  <a:spcPct val="0"/>
+                </a:spcAft>
+                <a:buClrTx/>
+                <a:buSzTx/>
+                <a:buFontTx/>
+                <a:buNone/>
+                <a:tabLst/>
+                <a:defRPr/>
+              </a:pPr>
+              <a:t>36</a:t>
+            </a:fld>
+            <a:endParaRPr kumimoji="0" lang="en-US" sz="1200" b="0" i="0" u="none" strike="noStrike" kern="1200" cap="none" spc="0" normalizeH="0" baseline="0" noProof="0" dirty="0">
+              <a:ln>
+                <a:noFill/>
+              </a:ln>
+              <a:solidFill>
+                <a:schemeClr val="tx1"/>
+              </a:solidFill>
+              <a:effectLst/>
+              <a:uLnTx/>
+              <a:uFillTx/>
+              <a:latin typeface="Comic Sans MS"/>
+              <a:ea typeface="+mn-ea"/>
+              <a:cs typeface="Comic Sans MS"/>
+            </a:endParaRPr>
           </a:p>
         </p:txBody>
       </p:sp>
@@ -16921,7 +17107,110 @@
       </p:cxnSp>
       <p:sp>
         <p:nvSpPr>
-          <p:cNvPr id="39" name="Rectangle 4"/>
+          <p:cNvPr id="2" name="TextBox 1"/>
+          <p:cNvSpPr txBox="1"/>
+          <p:nvPr/>
+        </p:nvSpPr>
+        <p:spPr>
+          <a:xfrm>
+            <a:off x="199038" y="1061467"/>
+            <a:ext cx="8681943" cy="3748719"/>
+          </a:xfrm>
+          <a:prstGeom prst="rect">
+            <a:avLst/>
+          </a:prstGeom>
+          <a:noFill/>
+        </p:spPr>
+        <p:txBody>
+          <a:bodyPr wrap="square" rtlCol="0">
+            <a:spAutoFit/>
+          </a:bodyPr>
+          <a:lstStyle/>
+          <a:p>
+            <a:pPr algn="l"/>
+            <a:r>
+              <a:rPr lang="en-US" sz="4400" dirty="0" smtClean="0">
+                <a:latin typeface="Comic Sans MS"/>
+                <a:cs typeface="Comic Sans MS"/>
+              </a:rPr>
+              <a:t>A great-sounding diagnostic test for TB:  if someone has TB</a:t>
+            </a:r>
+          </a:p>
+          <a:p>
+            <a:pPr algn="l"/>
+            <a:r>
+              <a:rPr lang="en-US" sz="4400" dirty="0" smtClean="0">
+                <a:latin typeface="Comic Sans MS"/>
+                <a:cs typeface="Comic Sans MS"/>
+              </a:rPr>
+              <a:t>the test is </a:t>
+            </a:r>
+            <a:r>
+              <a:rPr lang="en-US" sz="4400" dirty="0" smtClean="0">
+                <a:solidFill>
+                  <a:srgbClr val="247643"/>
+                </a:solidFill>
+                <a:latin typeface="Comic Sans MS"/>
+                <a:cs typeface="Comic Sans MS"/>
+              </a:rPr>
+              <a:t>guaranteed</a:t>
+            </a:r>
+            <a:r>
+              <a:rPr lang="en-US" sz="4400" dirty="0" smtClean="0">
+                <a:latin typeface="Comic Sans MS"/>
+                <a:cs typeface="Comic Sans MS"/>
+              </a:rPr>
+              <a:t> to detect it.  If they don’t have TB, the</a:t>
+            </a:r>
+          </a:p>
+          <a:p>
+            <a:pPr algn="l"/>
+            <a:r>
+              <a:rPr lang="en-US" sz="4400" dirty="0" smtClean="0">
+                <a:latin typeface="Comic Sans MS"/>
+                <a:cs typeface="Comic Sans MS"/>
+              </a:rPr>
+              <a:t>test says so 98% of the time.</a:t>
+            </a:r>
+          </a:p>
+        </p:txBody>
+      </p:sp>
+      <p:sp>
+        <p:nvSpPr>
+          <p:cNvPr id="8" name="Rectangle 4"/>
+          <p:cNvSpPr>
+            <a:spLocks noGrp="1" noChangeArrowheads="1"/>
+          </p:cNvSpPr>
+          <p:nvPr>
+            <p:ph type="title"/>
+          </p:nvPr>
+        </p:nvSpPr>
+        <p:spPr>
+          <a:xfrm>
+            <a:off x="1295400" y="228600"/>
+            <a:ext cx="6553200" cy="838200"/>
+          </a:xfrm>
+          <a:noFill/>
+        </p:spPr>
+        <p:txBody>
+          <a:bodyPr/>
+          <a:lstStyle/>
+          <a:p>
+            <a:pPr eaLnBrk="1" hangingPunct="1"/>
+            <a:r>
+              <a:rPr lang="en-US" sz="4000" dirty="0" smtClean="0">
+                <a:solidFill>
+                  <a:schemeClr val="tx1"/>
+                </a:solidFill>
+              </a:rPr>
+              <a:t>98% accurate TB testing</a:t>
+            </a:r>
+          </a:p>
+        </p:txBody>
+      </p:sp>
+      <p:sp>
+        <p:nvSpPr>
+          <p:cNvPr id="6" name="Rectangle 4"/>
           <p:cNvSpPr txBox="1">
             <a:spLocks noChangeArrowheads="1"/>
           </p:cNvSpPr>
@@ -16986,9 +17275,9 @@
                 <a:effectLst/>
                 <a:uLnTx/>
                 <a:uFillTx/>
-                <a:latin typeface="+mn-lt"/>
+                <a:latin typeface="Comic Sans MS"/>
                 <a:ea typeface="+mn-ea"/>
-                <a:cs typeface="+mn-cs"/>
+                <a:cs typeface="Comic Sans MS"/>
               </a:rPr>
               <a:t>testing.</a:t>
             </a:r>
@@ -17003,9 +17292,9 @@
                 <a:effectLst/>
                 <a:uLnTx/>
                 <a:uFillTx/>
-                <a:latin typeface="+mn-lt"/>
+                <a:latin typeface="Comic Sans MS"/>
                 <a:ea typeface="+mn-ea"/>
-                <a:cs typeface="+mn-cs"/>
+                <a:cs typeface="Comic Sans MS"/>
               </a:rPr>
               <a:pPr marL="0" marR="0" lvl="0" indent="0" algn="r" defTabSz="914400" rtl="0" eaLnBrk="1" fontAlgn="base" latinLnBrk="0" hangingPunct="1">
                 <a:lnSpc>
@@ -17036,121 +17325,10 @@
               <a:effectLst/>
               <a:uLnTx/>
               <a:uFillTx/>
-              <a:latin typeface="+mn-lt"/>
+              <a:latin typeface="Comic Sans MS"/>
               <a:ea typeface="+mn-ea"/>
-              <a:cs typeface="+mn-cs"/>
+              <a:cs typeface="Comic Sans MS"/>
             </a:endParaRPr>
-          </a:p>
-        </p:txBody>
-      </p:sp>
-      <p:sp>
-        <p:nvSpPr>
-          <p:cNvPr id="2" name="TextBox 1"/>
-          <p:cNvSpPr txBox="1"/>
-          <p:nvPr/>
-        </p:nvSpPr>
-        <p:spPr>
-          <a:xfrm>
-            <a:off x="199038" y="1061467"/>
-            <a:ext cx="8681943" cy="3748719"/>
-          </a:xfrm>
-          <a:prstGeom prst="rect">
-            <a:avLst/>
-          </a:prstGeom>
-          <a:noFill/>
-        </p:spPr>
-        <p:txBody>
-          <a:bodyPr wrap="square" rtlCol="0">
-            <a:spAutoFit/>
-          </a:bodyPr>
-          <a:lstStyle/>
-          <a:p>
-            <a:pPr algn="l"/>
-            <a:r>
-              <a:rPr lang="en-US" sz="4400" dirty="0" smtClean="0">
-                <a:latin typeface="Comic Sans MS"/>
-                <a:cs typeface="Comic Sans MS"/>
-              </a:rPr>
-              <a:t>A great-sounding diagnostic test for TB:  if someone has TB</a:t>
-            </a:r>
-          </a:p>
-          <a:p>
-            <a:pPr algn="l"/>
-            <a:r>
-              <a:rPr lang="en-US" sz="4400" dirty="0" smtClean="0">
-                <a:latin typeface="Comic Sans MS"/>
-                <a:cs typeface="Comic Sans MS"/>
-              </a:rPr>
-              <a:t>the test is </a:t>
-            </a:r>
-            <a:r>
-              <a:rPr lang="en-US" sz="4400" dirty="0" smtClean="0">
-                <a:solidFill>
-                  <a:srgbClr val="247643"/>
-                </a:solidFill>
-                <a:latin typeface="Comic Sans MS"/>
-                <a:cs typeface="Comic Sans MS"/>
-              </a:rPr>
-              <a:t>guaranteed</a:t>
-            </a:r>
-            <a:r>
-              <a:rPr lang="en-US" sz="4400" dirty="0" smtClean="0">
-                <a:latin typeface="Comic Sans MS"/>
-                <a:cs typeface="Comic Sans MS"/>
-              </a:rPr>
-              <a:t> to detect it.  If they don’t have TB, the</a:t>
-            </a:r>
-          </a:p>
-          <a:p>
-            <a:pPr algn="l"/>
-            <a:r>
-              <a:rPr lang="en-US" sz="4400" dirty="0" smtClean="0">
-                <a:latin typeface="Comic Sans MS"/>
-                <a:cs typeface="Comic Sans MS"/>
-              </a:rPr>
-              <a:t>test says so 98% of the time.</a:t>
-            </a:r>
-          </a:p>
-        </p:txBody>
-      </p:sp>
-      <p:sp>
-        <p:nvSpPr>
-          <p:cNvPr id="8" name="Rectangle 4"/>
-          <p:cNvSpPr>
-            <a:spLocks noGrp="1" noChangeArrowheads="1"/>
-          </p:cNvSpPr>
-          <p:nvPr>
-            <p:ph type="title"/>
-          </p:nvPr>
-        </p:nvSpPr>
-        <p:spPr>
-          <a:xfrm>
-            <a:off x="1295400" y="228600"/>
-            <a:ext cx="6553200" cy="838200"/>
-          </a:xfrm>
-          <a:noFill/>
-        </p:spPr>
-        <p:txBody>
-          <a:bodyPr/>
-          <a:lstStyle/>
-          <a:p>
-            <a:pPr eaLnBrk="1" hangingPunct="1"/>
-            <a:r>
-              <a:rPr lang="en-US" sz="4000" dirty="0" smtClean="0">
-                <a:solidFill>
-                  <a:schemeClr val="tx1"/>
-                </a:solidFill>
-              </a:rPr>
-              <a:t>98% </a:t>
-            </a:r>
-            <a:r>
-              <a:rPr lang="en-US" sz="4000" dirty="0" smtClean="0">
-                <a:solidFill>
-                  <a:schemeClr val="tx1"/>
-                </a:solidFill>
-              </a:rPr>
-              <a:t>accurate TB testing</a:t>
-            </a:r>
           </a:p>
         </p:txBody>
       </p:sp>
@@ -17232,130 +17410,6 @@
       </p:cxnSp>
       <p:sp>
         <p:nvSpPr>
-          <p:cNvPr id="39" name="Rectangle 4"/>
-          <p:cNvSpPr txBox="1">
-            <a:spLocks noChangeArrowheads="1"/>
-          </p:cNvSpPr>
-          <p:nvPr/>
-        </p:nvSpPr>
-        <p:spPr bwMode="auto">
-          <a:xfrm>
-            <a:off x="7696200" y="6629400"/>
-            <a:ext cx="1447800" cy="228600"/>
-          </a:xfrm>
-          <a:prstGeom prst="rect">
-            <a:avLst/>
-          </a:prstGeom>
-          <a:noFill/>
-          <a:ln w="9525">
-            <a:noFill/>
-            <a:miter lim="800000"/>
-            <a:headEnd/>
-            <a:tailEnd/>
-          </a:ln>
-          <a:effectLst/>
-        </p:spPr>
-        <p:txBody>
-          <a:bodyPr vert="horz" wrap="square" lIns="91440" tIns="45720" rIns="91440" bIns="45720" numCol="1" anchor="t" anchorCtr="0" compatLnSpc="1">
-            <a:prstTxWarp prst="textNoShape">
-              <a:avLst/>
-            </a:prstTxWarp>
-          </a:bodyPr>
-          <a:lstStyle>
-            <a:lvl1pPr algn="r">
-              <a:defRPr sz="1200" dirty="0" err="1" smtClean="0">
-                <a:latin typeface="+mn-lt"/>
-              </a:defRPr>
-            </a:lvl1pPr>
-          </a:lstStyle>
-          <a:p>
-            <a:pPr marL="0" marR="0" lvl="0" indent="0" algn="r" defTabSz="914400" rtl="0" eaLnBrk="1" fontAlgn="base" latinLnBrk="0" hangingPunct="1">
-              <a:lnSpc>
-                <a:spcPct val="100000"/>
-              </a:lnSpc>
-              <a:spcBef>
-                <a:spcPct val="0"/>
-              </a:spcBef>
-              <a:spcAft>
-                <a:spcPct val="0"/>
-              </a:spcAft>
-              <a:buClrTx/>
-              <a:buSzTx/>
-              <a:buFontTx/>
-              <a:buNone/>
-              <a:tabLst/>
-              <a:defRPr/>
-            </a:pPr>
-            <a:r>
-              <a:rPr kumimoji="0" lang="en-US" sz="1200" b="0" i="0" u="none" strike="noStrike" kern="1200" cap="none" spc="0" normalizeH="0" baseline="0" noProof="0" dirty="0" smtClean="0">
-                <a:ln>
-                  <a:noFill/>
-                </a:ln>
-                <a:solidFill>
-                  <a:schemeClr val="tx1"/>
-                </a:solidFill>
-                <a:effectLst/>
-                <a:uLnTx/>
-                <a:uFillTx/>
-                <a:latin typeface="+mn-lt"/>
-                <a:ea typeface="+mn-ea"/>
-                <a:cs typeface="+mn-cs"/>
-              </a:rPr>
-              <a:t>testing.</a:t>
-            </a:r>
-            <a:fld id="{B9A0B45D-6AFD-413C-B761-B121FB8BE940}" type="slidenum">
-              <a:rPr kumimoji="0" lang="en-US" sz="1200" b="0" i="0" u="none" strike="noStrike" kern="1200" cap="none" spc="0" normalizeH="0" baseline="0" noProof="0" smtClean="0">
-                <a:ln>
-                  <a:noFill/>
-                </a:ln>
-                <a:solidFill>
-                  <a:schemeClr val="tx1"/>
-                </a:solidFill>
-                <a:effectLst/>
-                <a:uLnTx/>
-                <a:uFillTx/>
-                <a:latin typeface="+mn-lt"/>
-                <a:ea typeface="+mn-ea"/>
-                <a:cs typeface="+mn-cs"/>
-              </a:rPr>
-              <a:pPr marL="0" marR="0" lvl="0" indent="0" algn="r" defTabSz="914400" rtl="0" eaLnBrk="1" fontAlgn="base" latinLnBrk="0" hangingPunct="1">
-                <a:lnSpc>
-                  <a:spcPct val="100000"/>
-                </a:lnSpc>
-                <a:spcBef>
-                  <a:spcPct val="0"/>
-                </a:spcBef>
-                <a:spcAft>
-                  <a:spcPct val="0"/>
-                </a:spcAft>
-                <a:buClrTx/>
-                <a:buSzTx/>
-                <a:buFontTx/>
-                <a:buNone/>
-                <a:tabLst/>
-                <a:defRPr/>
-              </a:pPr>
-              <a:t>5</a:t>
-            </a:fld>
-            <a:endParaRPr kumimoji="0" lang="en-US" sz="1200" b="0" i="0" u="none" strike="noStrike" kern="1200" cap="none" spc="0" normalizeH="0" baseline="0" noProof="0" dirty="0">
-              <a:ln>
-                <a:noFill/>
-              </a:ln>
-              <a:solidFill>
-                <a:schemeClr val="tx1"/>
-              </a:solidFill>
-              <a:effectLst/>
-              <a:uLnTx/>
-              <a:uFillTx/>
-              <a:latin typeface="+mn-lt"/>
-              <a:ea typeface="+mn-ea"/>
-              <a:cs typeface="+mn-cs"/>
-            </a:endParaRPr>
-          </a:p>
-        </p:txBody>
-      </p:sp>
-      <p:sp>
-        <p:nvSpPr>
           <p:cNvPr id="2" name="TextBox 1"/>
           <p:cNvSpPr txBox="1"/>
           <p:nvPr/>
@@ -17456,7 +17510,7 @@
           <a:graphicData uri="http://schemas.openxmlformats.org/presentationml/2006/ole">
             <mc:AlternateContent xmlns:mc="http://schemas.openxmlformats.org/markup-compatibility/2006">
               <mc:Choice xmlns:v="urn:schemas-microsoft-com:vml" Requires="v">
-                <p:oleObj spid="_x0000_s92187" name="Equation" r:id="rId4" imgW="1714500" imgH="241300" progId="Equation.DSMT4">
+                <p:oleObj spid="_x0000_s92191" name="Equation" r:id="rId4" imgW="1714500" imgH="241300" progId="Equation.DSMT4">
                   <p:embed/>
                 </p:oleObj>
               </mc:Choice>
@@ -17572,16 +17626,132 @@
                   <a:schemeClr val="tx1"/>
                 </a:solidFill>
               </a:rPr>
-              <a:t>98% </a:t>
-            </a:r>
-            <a:r>
-              <a:rPr lang="en-US" sz="4000" dirty="0" smtClean="0">
+              <a:t>98% accurate TB testing</a:t>
+            </a:r>
+          </a:p>
+        </p:txBody>
+      </p:sp>
+      <p:sp>
+        <p:nvSpPr>
+          <p:cNvPr id="8" name="Rectangle 4"/>
+          <p:cNvSpPr txBox="1">
+            <a:spLocks noChangeArrowheads="1"/>
+          </p:cNvSpPr>
+          <p:nvPr/>
+        </p:nvSpPr>
+        <p:spPr bwMode="auto">
+          <a:xfrm>
+            <a:off x="7696200" y="6629400"/>
+            <a:ext cx="1447800" cy="228600"/>
+          </a:xfrm>
+          <a:prstGeom prst="rect">
+            <a:avLst/>
+          </a:prstGeom>
+          <a:noFill/>
+          <a:ln w="9525">
+            <a:noFill/>
+            <a:miter lim="800000"/>
+            <a:headEnd/>
+            <a:tailEnd/>
+          </a:ln>
+          <a:effectLst/>
+        </p:spPr>
+        <p:txBody>
+          <a:bodyPr vert="horz" wrap="square" lIns="91440" tIns="45720" rIns="91440" bIns="45720" numCol="1" anchor="t" anchorCtr="0" compatLnSpc="1">
+            <a:prstTxWarp prst="textNoShape">
+              <a:avLst/>
+            </a:prstTxWarp>
+          </a:bodyPr>
+          <a:lstStyle>
+            <a:lvl1pPr algn="r">
+              <a:defRPr sz="1200" dirty="0" err="1" smtClean="0">
+                <a:latin typeface="+mn-lt"/>
+              </a:defRPr>
+            </a:lvl1pPr>
+          </a:lstStyle>
+          <a:p>
+            <a:pPr marL="0" marR="0" lvl="0" indent="0" algn="r" defTabSz="914400" rtl="0" eaLnBrk="1" fontAlgn="base" latinLnBrk="0" hangingPunct="1">
+              <a:lnSpc>
+                <a:spcPct val="100000"/>
+              </a:lnSpc>
+              <a:spcBef>
+                <a:spcPct val="0"/>
+              </a:spcBef>
+              <a:spcAft>
+                <a:spcPct val="0"/>
+              </a:spcAft>
+              <a:buClrTx/>
+              <a:buSzTx/>
+              <a:buFontTx/>
+              <a:buNone/>
+              <a:tabLst/>
+              <a:defRPr/>
+            </a:pPr>
+            <a:r>
+              <a:rPr kumimoji="0" lang="en-US" sz="1200" b="0" i="0" u="none" strike="noStrike" kern="1200" cap="none" spc="0" normalizeH="0" baseline="0" noProof="0" dirty="0" smtClean="0">
+                <a:ln>
+                  <a:noFill/>
+                </a:ln>
                 <a:solidFill>
                   <a:schemeClr val="tx1"/>
                 </a:solidFill>
-              </a:rPr>
-              <a:t>accurate TB testing</a:t>
-            </a:r>
+                <a:effectLst/>
+                <a:uLnTx/>
+                <a:uFillTx/>
+                <a:latin typeface="Comic Sans MS"/>
+                <a:ea typeface="+mn-ea"/>
+                <a:cs typeface="Comic Sans MS"/>
+              </a:rPr>
+              <a:t>testing.</a:t>
+            </a:r>
+            <a:fld id="{B9A0B45D-6AFD-413C-B761-B121FB8BE940}" type="slidenum">
+              <a:rPr kumimoji="0" lang="en-US" sz="1200" b="0" i="0" u="none" strike="noStrike" kern="1200" cap="none" spc="0" normalizeH="0" baseline="0" noProof="0" smtClean="0">
+                <a:ln>
+                  <a:noFill/>
+                </a:ln>
+                <a:solidFill>
+                  <a:schemeClr val="tx1"/>
+                </a:solidFill>
+                <a:effectLst/>
+                <a:uLnTx/>
+                <a:uFillTx/>
+                <a:latin typeface="Comic Sans MS"/>
+                <a:ea typeface="+mn-ea"/>
+                <a:cs typeface="Comic Sans MS"/>
+              </a:rPr>
+              <a:pPr marL="0" marR="0" lvl="0" indent="0" algn="r" defTabSz="914400" rtl="0" eaLnBrk="1" fontAlgn="base" latinLnBrk="0" hangingPunct="1">
+                <a:lnSpc>
+                  <a:spcPct val="100000"/>
+                </a:lnSpc>
+                <a:spcBef>
+                  <a:spcPct val="0"/>
+                </a:spcBef>
+                <a:spcAft>
+                  <a:spcPct val="0"/>
+                </a:spcAft>
+                <a:buClrTx/>
+                <a:buSzTx/>
+                <a:buFontTx/>
+                <a:buNone/>
+                <a:tabLst/>
+                <a:defRPr/>
+              </a:pPr>
+              <a:t>5</a:t>
+            </a:fld>
+            <a:endParaRPr kumimoji="0" lang="en-US" sz="1200" b="0" i="0" u="none" strike="noStrike" kern="1200" cap="none" spc="0" normalizeH="0" baseline="0" noProof="0" dirty="0">
+              <a:ln>
+                <a:noFill/>
+              </a:ln>
+              <a:solidFill>
+                <a:schemeClr val="tx1"/>
+              </a:solidFill>
+              <a:effectLst/>
+              <a:uLnTx/>
+              <a:uFillTx/>
+              <a:latin typeface="Comic Sans MS"/>
+              <a:ea typeface="+mn-ea"/>
+              <a:cs typeface="Comic Sans MS"/>
+            </a:endParaRPr>
           </a:p>
         </p:txBody>
       </p:sp>
@@ -17840,130 +18010,6 @@
           </a:ln>
         </p:spPr>
       </p:cxnSp>
-      <p:sp>
-        <p:nvSpPr>
-          <p:cNvPr id="39" name="Rectangle 4"/>
-          <p:cNvSpPr txBox="1">
-            <a:spLocks noChangeArrowheads="1"/>
-          </p:cNvSpPr>
-          <p:nvPr/>
-        </p:nvSpPr>
-        <p:spPr bwMode="auto">
-          <a:xfrm>
-            <a:off x="7696200" y="6629400"/>
-            <a:ext cx="1447800" cy="228600"/>
-          </a:xfrm>
-          <a:prstGeom prst="rect">
-            <a:avLst/>
-          </a:prstGeom>
-          <a:noFill/>
-          <a:ln w="9525">
-            <a:noFill/>
-            <a:miter lim="800000"/>
-            <a:headEnd/>
-            <a:tailEnd/>
-          </a:ln>
-          <a:effectLst/>
-        </p:spPr>
-        <p:txBody>
-          <a:bodyPr vert="horz" wrap="square" lIns="91440" tIns="45720" rIns="91440" bIns="45720" numCol="1" anchor="t" anchorCtr="0" compatLnSpc="1">
-            <a:prstTxWarp prst="textNoShape">
-              <a:avLst/>
-            </a:prstTxWarp>
-          </a:bodyPr>
-          <a:lstStyle>
-            <a:lvl1pPr algn="r">
-              <a:defRPr sz="1200" dirty="0" err="1" smtClean="0">
-                <a:latin typeface="+mn-lt"/>
-              </a:defRPr>
-            </a:lvl1pPr>
-          </a:lstStyle>
-          <a:p>
-            <a:pPr marL="0" marR="0" lvl="0" indent="0" algn="r" defTabSz="914400" rtl="0" eaLnBrk="1" fontAlgn="base" latinLnBrk="0" hangingPunct="1">
-              <a:lnSpc>
-                <a:spcPct val="100000"/>
-              </a:lnSpc>
-              <a:spcBef>
-                <a:spcPct val="0"/>
-              </a:spcBef>
-              <a:spcAft>
-                <a:spcPct val="0"/>
-              </a:spcAft>
-              <a:buClrTx/>
-              <a:buSzTx/>
-              <a:buFontTx/>
-              <a:buNone/>
-              <a:tabLst/>
-              <a:defRPr/>
-            </a:pPr>
-            <a:r>
-              <a:rPr kumimoji="0" lang="en-US" sz="1200" b="0" i="0" u="none" strike="noStrike" kern="1200" cap="none" spc="0" normalizeH="0" baseline="0" noProof="0" dirty="0" smtClean="0">
-                <a:ln>
-                  <a:noFill/>
-                </a:ln>
-                <a:solidFill>
-                  <a:schemeClr val="tx1"/>
-                </a:solidFill>
-                <a:effectLst/>
-                <a:uLnTx/>
-                <a:uFillTx/>
-                <a:latin typeface="+mn-lt"/>
-                <a:ea typeface="+mn-ea"/>
-                <a:cs typeface="+mn-cs"/>
-              </a:rPr>
-              <a:t>testing.</a:t>
-            </a:r>
-            <a:fld id="{B9A0B45D-6AFD-413C-B761-B121FB8BE940}" type="slidenum">
-              <a:rPr kumimoji="0" lang="en-US" sz="1200" b="0" i="0" u="none" strike="noStrike" kern="1200" cap="none" spc="0" normalizeH="0" baseline="0" noProof="0" smtClean="0">
-                <a:ln>
-                  <a:noFill/>
-                </a:ln>
-                <a:solidFill>
-                  <a:schemeClr val="tx1"/>
-                </a:solidFill>
-                <a:effectLst/>
-                <a:uLnTx/>
-                <a:uFillTx/>
-                <a:latin typeface="+mn-lt"/>
-                <a:ea typeface="+mn-ea"/>
-                <a:cs typeface="+mn-cs"/>
-              </a:rPr>
-              <a:pPr marL="0" marR="0" lvl="0" indent="0" algn="r" defTabSz="914400" rtl="0" eaLnBrk="1" fontAlgn="base" latinLnBrk="0" hangingPunct="1">
-                <a:lnSpc>
-                  <a:spcPct val="100000"/>
-                </a:lnSpc>
-                <a:spcBef>
-                  <a:spcPct val="0"/>
-                </a:spcBef>
-                <a:spcAft>
-                  <a:spcPct val="0"/>
-                </a:spcAft>
-                <a:buClrTx/>
-                <a:buSzTx/>
-                <a:buFontTx/>
-                <a:buNone/>
-                <a:tabLst/>
-                <a:defRPr/>
-              </a:pPr>
-              <a:t>6</a:t>
-            </a:fld>
-            <a:endParaRPr kumimoji="0" lang="en-US" sz="1200" b="0" i="0" u="none" strike="noStrike" kern="1200" cap="none" spc="0" normalizeH="0" baseline="0" noProof="0" dirty="0">
-              <a:ln>
-                <a:noFill/>
-              </a:ln>
-              <a:solidFill>
-                <a:schemeClr val="tx1"/>
-              </a:solidFill>
-              <a:effectLst/>
-              <a:uLnTx/>
-              <a:uFillTx/>
-              <a:latin typeface="+mn-lt"/>
-              <a:ea typeface="+mn-ea"/>
-              <a:cs typeface="+mn-cs"/>
-            </a:endParaRPr>
-          </a:p>
-        </p:txBody>
-      </p:sp>
       <p:graphicFrame>
         <p:nvGraphicFramePr>
           <p:cNvPr id="11" name="Object 10"/>
@@ -17986,7 +18032,7 @@
           <a:graphicData uri="http://schemas.openxmlformats.org/presentationml/2006/ole">
             <mc:AlternateContent xmlns:mc="http://schemas.openxmlformats.org/markup-compatibility/2006">
               <mc:Choice xmlns:v="urn:schemas-microsoft-com:vml" Requires="v">
-                <p:oleObj spid="_x0000_s87094" name="Equation" r:id="rId4" imgW="1714500" imgH="241300" progId="Equation.DSMT4">
+                <p:oleObj spid="_x0000_s87100" name="Equation" r:id="rId4" imgW="1714500" imgH="241300" progId="Equation.DSMT4">
                   <p:embed/>
                 </p:oleObj>
               </mc:Choice>
@@ -18102,15 +18148,7 @@
                   <a:schemeClr val="tx1"/>
                 </a:solidFill>
               </a:rPr>
-              <a:t>98% </a:t>
-            </a:r>
-            <a:r>
-              <a:rPr lang="en-US" sz="4000" dirty="0" smtClean="0">
-                <a:solidFill>
-                  <a:schemeClr val="tx1"/>
-                </a:solidFill>
-              </a:rPr>
-              <a:t>accurate TB testing</a:t>
+              <a:t>98% accurate TB testing</a:t>
             </a:r>
           </a:p>
         </p:txBody>
@@ -18137,7 +18175,7 @@
           <a:graphicData uri="http://schemas.openxmlformats.org/presentationml/2006/ole">
             <mc:AlternateContent xmlns:mc="http://schemas.openxmlformats.org/markup-compatibility/2006">
               <mc:Choice xmlns:v="urn:schemas-microsoft-com:vml" Requires="v">
-                <p:oleObj spid="_x0000_s87095" name="Equation" r:id="rId6" imgW="1574800" imgH="469900" progId="Equation.DSMT4">
+                <p:oleObj spid="_x0000_s87101" name="Equation" r:id="rId6" imgW="1574800" imgH="469900" progId="Equation.DSMT4">
                   <p:embed/>
                 </p:oleObj>
               </mc:Choice>
@@ -18218,6 +18256,130 @@
               </a:rPr>
               <a:t> rate only 2%)</a:t>
             </a:r>
+          </a:p>
+        </p:txBody>
+      </p:sp>
+      <p:sp>
+        <p:nvSpPr>
+          <p:cNvPr id="9" name="Rectangle 4"/>
+          <p:cNvSpPr txBox="1">
+            <a:spLocks noChangeArrowheads="1"/>
+          </p:cNvSpPr>
+          <p:nvPr/>
+        </p:nvSpPr>
+        <p:spPr bwMode="auto">
+          <a:xfrm>
+            <a:off x="7696200" y="6629400"/>
+            <a:ext cx="1447800" cy="228600"/>
+          </a:xfrm>
+          <a:prstGeom prst="rect">
+            <a:avLst/>
+          </a:prstGeom>
+          <a:noFill/>
+          <a:ln w="9525">
+            <a:noFill/>
+            <a:miter lim="800000"/>
+            <a:headEnd/>
+            <a:tailEnd/>
+          </a:ln>
+          <a:effectLst/>
+        </p:spPr>
+        <p:txBody>
+          <a:bodyPr vert="horz" wrap="square" lIns="91440" tIns="45720" rIns="91440" bIns="45720" numCol="1" anchor="t" anchorCtr="0" compatLnSpc="1">
+            <a:prstTxWarp prst="textNoShape">
+              <a:avLst/>
+            </a:prstTxWarp>
+          </a:bodyPr>
+          <a:lstStyle>
+            <a:lvl1pPr algn="r">
+              <a:defRPr sz="1200" dirty="0" err="1" smtClean="0">
+                <a:latin typeface="+mn-lt"/>
+              </a:defRPr>
+            </a:lvl1pPr>
+          </a:lstStyle>
+          <a:p>
+            <a:pPr marL="0" marR="0" lvl="0" indent="0" algn="r" defTabSz="914400" rtl="0" eaLnBrk="1" fontAlgn="base" latinLnBrk="0" hangingPunct="1">
+              <a:lnSpc>
+                <a:spcPct val="100000"/>
+              </a:lnSpc>
+              <a:spcBef>
+                <a:spcPct val="0"/>
+              </a:spcBef>
+              <a:spcAft>
+                <a:spcPct val="0"/>
+              </a:spcAft>
+              <a:buClrTx/>
+              <a:buSzTx/>
+              <a:buFontTx/>
+              <a:buNone/>
+              <a:tabLst/>
+              <a:defRPr/>
+            </a:pPr>
+            <a:r>
+              <a:rPr kumimoji="0" lang="en-US" sz="1200" b="0" i="0" u="none" strike="noStrike" kern="1200" cap="none" spc="0" normalizeH="0" baseline="0" noProof="0" dirty="0" smtClean="0">
+                <a:ln>
+                  <a:noFill/>
+                </a:ln>
+                <a:solidFill>
+                  <a:schemeClr val="tx1"/>
+                </a:solidFill>
+                <a:effectLst/>
+                <a:uLnTx/>
+                <a:uFillTx/>
+                <a:latin typeface="Comic Sans MS"/>
+                <a:ea typeface="+mn-ea"/>
+                <a:cs typeface="Comic Sans MS"/>
+              </a:rPr>
+              <a:t>testing.</a:t>
+            </a:r>
+            <a:fld id="{B9A0B45D-6AFD-413C-B761-B121FB8BE940}" type="slidenum">
+              <a:rPr kumimoji="0" lang="en-US" sz="1200" b="0" i="0" u="none" strike="noStrike" kern="1200" cap="none" spc="0" normalizeH="0" baseline="0" noProof="0" smtClean="0">
+                <a:ln>
+                  <a:noFill/>
+                </a:ln>
+                <a:solidFill>
+                  <a:schemeClr val="tx1"/>
+                </a:solidFill>
+                <a:effectLst/>
+                <a:uLnTx/>
+                <a:uFillTx/>
+                <a:latin typeface="Comic Sans MS"/>
+                <a:ea typeface="+mn-ea"/>
+                <a:cs typeface="Comic Sans MS"/>
+              </a:rPr>
+              <a:pPr marL="0" marR="0" lvl="0" indent="0" algn="r" defTabSz="914400" rtl="0" eaLnBrk="1" fontAlgn="base" latinLnBrk="0" hangingPunct="1">
+                <a:lnSpc>
+                  <a:spcPct val="100000"/>
+                </a:lnSpc>
+                <a:spcBef>
+                  <a:spcPct val="0"/>
+                </a:spcBef>
+                <a:spcAft>
+                  <a:spcPct val="0"/>
+                </a:spcAft>
+                <a:buClrTx/>
+                <a:buSzTx/>
+                <a:buFontTx/>
+                <a:buNone/>
+                <a:tabLst/>
+                <a:defRPr/>
+              </a:pPr>
+              <a:t>6</a:t>
+            </a:fld>
+            <a:endParaRPr kumimoji="0" lang="en-US" sz="1200" b="0" i="0" u="none" strike="noStrike" kern="1200" cap="none" spc="0" normalizeH="0" baseline="0" noProof="0" dirty="0">
+              <a:ln>
+                <a:noFill/>
+              </a:ln>
+              <a:solidFill>
+                <a:schemeClr val="tx1"/>
+              </a:solidFill>
+              <a:effectLst/>
+              <a:uLnTx/>
+              <a:uFillTx/>
+              <a:latin typeface="Comic Sans MS"/>
+              <a:ea typeface="+mn-ea"/>
+              <a:cs typeface="Comic Sans MS"/>
+            </a:endParaRPr>
           </a:p>
         </p:txBody>
       </p:sp>
@@ -18378,130 +18540,6 @@
       </p:cxnSp>
       <p:sp>
         <p:nvSpPr>
-          <p:cNvPr id="39" name="Rectangle 4"/>
-          <p:cNvSpPr txBox="1">
-            <a:spLocks noChangeArrowheads="1"/>
-          </p:cNvSpPr>
-          <p:nvPr/>
-        </p:nvSpPr>
-        <p:spPr bwMode="auto">
-          <a:xfrm>
-            <a:off x="7696200" y="6629400"/>
-            <a:ext cx="1447800" cy="228600"/>
-          </a:xfrm>
-          <a:prstGeom prst="rect">
-            <a:avLst/>
-          </a:prstGeom>
-          <a:noFill/>
-          <a:ln w="9525">
-            <a:noFill/>
-            <a:miter lim="800000"/>
-            <a:headEnd/>
-            <a:tailEnd/>
-          </a:ln>
-          <a:effectLst/>
-        </p:spPr>
-        <p:txBody>
-          <a:bodyPr vert="horz" wrap="square" lIns="91440" tIns="45720" rIns="91440" bIns="45720" numCol="1" anchor="t" anchorCtr="0" compatLnSpc="1">
-            <a:prstTxWarp prst="textNoShape">
-              <a:avLst/>
-            </a:prstTxWarp>
-          </a:bodyPr>
-          <a:lstStyle>
-            <a:lvl1pPr algn="r">
-              <a:defRPr sz="1200" dirty="0" err="1" smtClean="0">
-                <a:latin typeface="+mn-lt"/>
-              </a:defRPr>
-            </a:lvl1pPr>
-          </a:lstStyle>
-          <a:p>
-            <a:pPr marL="0" marR="0" lvl="0" indent="0" algn="r" defTabSz="914400" rtl="0" eaLnBrk="1" fontAlgn="base" latinLnBrk="0" hangingPunct="1">
-              <a:lnSpc>
-                <a:spcPct val="100000"/>
-              </a:lnSpc>
-              <a:spcBef>
-                <a:spcPct val="0"/>
-              </a:spcBef>
-              <a:spcAft>
-                <a:spcPct val="0"/>
-              </a:spcAft>
-              <a:buClrTx/>
-              <a:buSzTx/>
-              <a:buFontTx/>
-              <a:buNone/>
-              <a:tabLst/>
-              <a:defRPr/>
-            </a:pPr>
-            <a:r>
-              <a:rPr kumimoji="0" lang="en-US" sz="1200" b="0" i="0" u="none" strike="noStrike" kern="1200" cap="none" spc="0" normalizeH="0" baseline="0" noProof="0" dirty="0" smtClean="0">
-                <a:ln>
-                  <a:noFill/>
-                </a:ln>
-                <a:solidFill>
-                  <a:schemeClr val="tx1"/>
-                </a:solidFill>
-                <a:effectLst/>
-                <a:uLnTx/>
-                <a:uFillTx/>
-                <a:latin typeface="+mn-lt"/>
-                <a:ea typeface="+mn-ea"/>
-                <a:cs typeface="+mn-cs"/>
-              </a:rPr>
-              <a:t>testing.</a:t>
-            </a:r>
-            <a:fld id="{B9A0B45D-6AFD-413C-B761-B121FB8BE940}" type="slidenum">
-              <a:rPr kumimoji="0" lang="en-US" sz="1200" b="0" i="0" u="none" strike="noStrike" kern="1200" cap="none" spc="0" normalizeH="0" baseline="0" noProof="0" smtClean="0">
-                <a:ln>
-                  <a:noFill/>
-                </a:ln>
-                <a:solidFill>
-                  <a:schemeClr val="tx1"/>
-                </a:solidFill>
-                <a:effectLst/>
-                <a:uLnTx/>
-                <a:uFillTx/>
-                <a:latin typeface="+mn-lt"/>
-                <a:ea typeface="+mn-ea"/>
-                <a:cs typeface="+mn-cs"/>
-              </a:rPr>
-              <a:pPr marL="0" marR="0" lvl="0" indent="0" algn="r" defTabSz="914400" rtl="0" eaLnBrk="1" fontAlgn="base" latinLnBrk="0" hangingPunct="1">
-                <a:lnSpc>
-                  <a:spcPct val="100000"/>
-                </a:lnSpc>
-                <a:spcBef>
-                  <a:spcPct val="0"/>
-                </a:spcBef>
-                <a:spcAft>
-                  <a:spcPct val="0"/>
-                </a:spcAft>
-                <a:buClrTx/>
-                <a:buSzTx/>
-                <a:buFontTx/>
-                <a:buNone/>
-                <a:tabLst/>
-                <a:defRPr/>
-              </a:pPr>
-              <a:t>7</a:t>
-            </a:fld>
-            <a:endParaRPr kumimoji="0" lang="en-US" sz="1200" b="0" i="0" u="none" strike="noStrike" kern="1200" cap="none" spc="0" normalizeH="0" baseline="0" noProof="0" dirty="0">
-              <a:ln>
-                <a:noFill/>
-              </a:ln>
-              <a:solidFill>
-                <a:schemeClr val="tx1"/>
-              </a:solidFill>
-              <a:effectLst/>
-              <a:uLnTx/>
-              <a:uFillTx/>
-              <a:latin typeface="+mn-lt"/>
-              <a:ea typeface="+mn-ea"/>
-              <a:cs typeface="+mn-cs"/>
-            </a:endParaRPr>
-          </a:p>
-        </p:txBody>
-      </p:sp>
-      <p:sp>
-        <p:nvSpPr>
           <p:cNvPr id="9" name="Rectangle 4"/>
           <p:cNvSpPr>
             <a:spLocks noGrp="1" noChangeArrowheads="1"/>
@@ -18528,15 +18566,7 @@
                   <a:schemeClr val="tx1"/>
                 </a:solidFill>
               </a:rPr>
-              <a:t>98% </a:t>
-            </a:r>
-            <a:r>
-              <a:rPr lang="en-US" sz="4000" dirty="0" smtClean="0">
-                <a:solidFill>
-                  <a:schemeClr val="tx1"/>
-                </a:solidFill>
-              </a:rPr>
-              <a:t>accurate TB testing</a:t>
+              <a:t>98% accurate TB testing</a:t>
             </a:r>
           </a:p>
         </p:txBody>
@@ -18563,7 +18593,7 @@
           <a:graphicData uri="http://schemas.openxmlformats.org/presentationml/2006/ole">
             <mc:AlternateContent xmlns:mc="http://schemas.openxmlformats.org/markup-compatibility/2006">
               <mc:Choice xmlns:v="urn:schemas-microsoft-com:vml" Requires="v">
-                <p:oleObj spid="_x0000_s91166" name="Equation" r:id="rId4" imgW="1270000" imgH="469900" progId="Equation.DSMT4">
+                <p:oleObj spid="_x0000_s91170" name="Equation" r:id="rId4" imgW="1270000" imgH="469900" progId="Equation.DSMT4">
                   <p:embed/>
                 </p:oleObj>
               </mc:Choice>
@@ -18629,6 +18659,130 @@
             </a:r>
             <a:endParaRPr lang="en-US" sz="6000" dirty="0">
               <a:latin typeface="Comic Sans MS"/>
+              <a:cs typeface="Comic Sans MS"/>
+            </a:endParaRPr>
+          </a:p>
+        </p:txBody>
+      </p:sp>
+      <p:sp>
+        <p:nvSpPr>
+          <p:cNvPr id="7" name="Rectangle 4"/>
+          <p:cNvSpPr txBox="1">
+            <a:spLocks noChangeArrowheads="1"/>
+          </p:cNvSpPr>
+          <p:nvPr/>
+        </p:nvSpPr>
+        <p:spPr bwMode="auto">
+          <a:xfrm>
+            <a:off x="7696200" y="6629400"/>
+            <a:ext cx="1447800" cy="228600"/>
+          </a:xfrm>
+          <a:prstGeom prst="rect">
+            <a:avLst/>
+          </a:prstGeom>
+          <a:noFill/>
+          <a:ln w="9525">
+            <a:noFill/>
+            <a:miter lim="800000"/>
+            <a:headEnd/>
+            <a:tailEnd/>
+          </a:ln>
+          <a:effectLst/>
+        </p:spPr>
+        <p:txBody>
+          <a:bodyPr vert="horz" wrap="square" lIns="91440" tIns="45720" rIns="91440" bIns="45720" numCol="1" anchor="t" anchorCtr="0" compatLnSpc="1">
+            <a:prstTxWarp prst="textNoShape">
+              <a:avLst/>
+            </a:prstTxWarp>
+          </a:bodyPr>
+          <a:lstStyle>
+            <a:lvl1pPr algn="r">
+              <a:defRPr sz="1200" dirty="0" err="1" smtClean="0">
+                <a:latin typeface="+mn-lt"/>
+              </a:defRPr>
+            </a:lvl1pPr>
+          </a:lstStyle>
+          <a:p>
+            <a:pPr marL="0" marR="0" lvl="0" indent="0" algn="r" defTabSz="914400" rtl="0" eaLnBrk="1" fontAlgn="base" latinLnBrk="0" hangingPunct="1">
+              <a:lnSpc>
+                <a:spcPct val="100000"/>
+              </a:lnSpc>
+              <a:spcBef>
+                <a:spcPct val="0"/>
+              </a:spcBef>
+              <a:spcAft>
+                <a:spcPct val="0"/>
+              </a:spcAft>
+              <a:buClrTx/>
+              <a:buSzTx/>
+              <a:buFontTx/>
+              <a:buNone/>
+              <a:tabLst/>
+              <a:defRPr/>
+            </a:pPr>
+            <a:r>
+              <a:rPr kumimoji="0" lang="en-US" sz="1200" b="0" i="0" u="none" strike="noStrike" kern="1200" cap="none" spc="0" normalizeH="0" baseline="0" noProof="0" dirty="0" smtClean="0">
+                <a:ln>
+                  <a:noFill/>
+                </a:ln>
+                <a:solidFill>
+                  <a:schemeClr val="tx1"/>
+                </a:solidFill>
+                <a:effectLst/>
+                <a:uLnTx/>
+                <a:uFillTx/>
+                <a:latin typeface="Comic Sans MS"/>
+                <a:ea typeface="+mn-ea"/>
+                <a:cs typeface="Comic Sans MS"/>
+              </a:rPr>
+              <a:t>testing.</a:t>
+            </a:r>
+            <a:fld id="{B9A0B45D-6AFD-413C-B761-B121FB8BE940}" type="slidenum">
+              <a:rPr kumimoji="0" lang="en-US" sz="1200" b="0" i="0" u="none" strike="noStrike" kern="1200" cap="none" spc="0" normalizeH="0" baseline="0" noProof="0" smtClean="0">
+                <a:ln>
+                  <a:noFill/>
+                </a:ln>
+                <a:solidFill>
+                  <a:schemeClr val="tx1"/>
+                </a:solidFill>
+                <a:effectLst/>
+                <a:uLnTx/>
+                <a:uFillTx/>
+                <a:latin typeface="Comic Sans MS"/>
+                <a:ea typeface="+mn-ea"/>
+                <a:cs typeface="Comic Sans MS"/>
+              </a:rPr>
+              <a:pPr marL="0" marR="0" lvl="0" indent="0" algn="r" defTabSz="914400" rtl="0" eaLnBrk="1" fontAlgn="base" latinLnBrk="0" hangingPunct="1">
+                <a:lnSpc>
+                  <a:spcPct val="100000"/>
+                </a:lnSpc>
+                <a:spcBef>
+                  <a:spcPct val="0"/>
+                </a:spcBef>
+                <a:spcAft>
+                  <a:spcPct val="0"/>
+                </a:spcAft>
+                <a:buClrTx/>
+                <a:buSzTx/>
+                <a:buFontTx/>
+                <a:buNone/>
+                <a:tabLst/>
+                <a:defRPr/>
+              </a:pPr>
+              <a:t>7</a:t>
+            </a:fld>
+            <a:endParaRPr kumimoji="0" lang="en-US" sz="1200" b="0" i="0" u="none" strike="noStrike" kern="1200" cap="none" spc="0" normalizeH="0" baseline="0" noProof="0" dirty="0">
+              <a:ln>
+                <a:noFill/>
+              </a:ln>
+              <a:solidFill>
+                <a:schemeClr val="tx1"/>
+              </a:solidFill>
+              <a:effectLst/>
+              <a:uLnTx/>
+              <a:uFillTx/>
+              <a:latin typeface="Comic Sans MS"/>
+              <a:ea typeface="+mn-ea"/>
               <a:cs typeface="Comic Sans MS"/>
             </a:endParaRPr>
           </a:p>
@@ -18791,7 +18945,125 @@
       </p:cxnSp>
       <p:sp>
         <p:nvSpPr>
-          <p:cNvPr id="39" name="Rectangle 4"/>
+          <p:cNvPr id="2" name="TextBox 1"/>
+          <p:cNvSpPr txBox="1"/>
+          <p:nvPr/>
+        </p:nvSpPr>
+        <p:spPr>
+          <a:xfrm>
+            <a:off x="199038" y="1061467"/>
+            <a:ext cx="8944962" cy="1754327"/>
+          </a:xfrm>
+          <a:prstGeom prst="rect">
+            <a:avLst/>
+          </a:prstGeom>
+          <a:noFill/>
+        </p:spPr>
+        <p:txBody>
+          <a:bodyPr wrap="square" rtlCol="0">
+            <a:spAutoFit/>
+          </a:bodyPr>
+          <a:lstStyle/>
+          <a:p>
+            <a:r>
+              <a:rPr lang="en-US" sz="5400" dirty="0">
+                <a:latin typeface="Comic Sans MS"/>
+                <a:cs typeface="Comic Sans MS"/>
+              </a:rPr>
+              <a:t>Your doctor </a:t>
+            </a:r>
+            <a:r>
+              <a:rPr lang="en-US" sz="5400" dirty="0" smtClean="0">
+                <a:latin typeface="Comic Sans MS"/>
+                <a:cs typeface="Comic Sans MS"/>
+              </a:rPr>
+              <a:t>tests you, and </a:t>
+            </a:r>
+            <a:r>
+              <a:rPr lang="en-US" sz="5400" dirty="0">
+                <a:solidFill>
+                  <a:srgbClr val="EE040A"/>
+                </a:solidFill>
+                <a:latin typeface="Comic Sans MS"/>
+                <a:cs typeface="Comic Sans MS"/>
+              </a:rPr>
+              <a:t>it </a:t>
+            </a:r>
+            <a:r>
+              <a:rPr lang="en-US" sz="5400" dirty="0" smtClean="0">
+                <a:solidFill>
+                  <a:srgbClr val="EE040A"/>
+                </a:solidFill>
+                <a:latin typeface="Comic Sans MS"/>
+                <a:cs typeface="Comic Sans MS"/>
+              </a:rPr>
+              <a:t>says </a:t>
+            </a:r>
+            <a:r>
+              <a:rPr lang="en-US" sz="5400" dirty="0">
+                <a:solidFill>
+                  <a:srgbClr val="EE040A"/>
+                </a:solidFill>
+                <a:latin typeface="Comic Sans MS"/>
+                <a:cs typeface="Comic Sans MS"/>
+              </a:rPr>
+              <a:t>TB</a:t>
+            </a:r>
+            <a:r>
+              <a:rPr lang="en-US" sz="5400" dirty="0" smtClean="0">
+                <a:solidFill>
+                  <a:srgbClr val="EE040A"/>
+                </a:solidFill>
+                <a:latin typeface="Comic Sans MS"/>
+                <a:cs typeface="Comic Sans MS"/>
+              </a:rPr>
+              <a:t>!</a:t>
+            </a:r>
+            <a:endParaRPr lang="en-US" sz="4800" kern="0" dirty="0">
+              <a:solidFill>
+                <a:srgbClr val="000000"/>
+              </a:solidFill>
+              <a:latin typeface="Comic Sans MS" pitchFamily="66" charset="0"/>
+            </a:endParaRPr>
+          </a:p>
+        </p:txBody>
+      </p:sp>
+      <p:sp>
+        <p:nvSpPr>
+          <p:cNvPr id="8" name="Rectangle 4"/>
+          <p:cNvSpPr>
+            <a:spLocks noGrp="1" noChangeArrowheads="1"/>
+          </p:cNvSpPr>
+          <p:nvPr>
+            <p:ph type="title"/>
+          </p:nvPr>
+        </p:nvSpPr>
+        <p:spPr>
+          <a:xfrm>
+            <a:off x="1295400" y="228600"/>
+            <a:ext cx="6553200" cy="838200"/>
+          </a:xfrm>
+          <a:noFill/>
+        </p:spPr>
+        <p:txBody>
+          <a:bodyPr/>
+          <a:lstStyle/>
+          <a:p>
+            <a:pPr eaLnBrk="1" hangingPunct="1"/>
+            <a:r>
+              <a:rPr lang="en-US" sz="4000" dirty="0" smtClean="0">
+                <a:solidFill>
+                  <a:schemeClr val="tx1"/>
+                </a:solidFill>
+              </a:rPr>
+              <a:t>98% accurate TB testing</a:t>
+            </a:r>
+          </a:p>
+        </p:txBody>
+      </p:sp>
+      <p:sp>
+        <p:nvSpPr>
+          <p:cNvPr id="6" name="Rectangle 4"/>
           <p:cNvSpPr txBox="1">
             <a:spLocks noChangeArrowheads="1"/>
           </p:cNvSpPr>
@@ -18856,9 +19128,9 @@
                 <a:effectLst/>
                 <a:uLnTx/>
                 <a:uFillTx/>
-                <a:latin typeface="+mn-lt"/>
+                <a:latin typeface="Comic Sans MS"/>
                 <a:ea typeface="+mn-ea"/>
-                <a:cs typeface="+mn-cs"/>
+                <a:cs typeface="Comic Sans MS"/>
               </a:rPr>
               <a:t>testing.</a:t>
             </a:r>
@@ -18873,9 +19145,9 @@
                 <a:effectLst/>
                 <a:uLnTx/>
                 <a:uFillTx/>
-                <a:latin typeface="+mn-lt"/>
+                <a:latin typeface="Comic Sans MS"/>
                 <a:ea typeface="+mn-ea"/>
-                <a:cs typeface="+mn-cs"/>
+                <a:cs typeface="Comic Sans MS"/>
               </a:rPr>
               <a:pPr marL="0" marR="0" lvl="0" indent="0" algn="r" defTabSz="914400" rtl="0" eaLnBrk="1" fontAlgn="base" latinLnBrk="0" hangingPunct="1">
                 <a:lnSpc>
@@ -18906,136 +19178,10 @@
               <a:effectLst/>
               <a:uLnTx/>
               <a:uFillTx/>
-              <a:latin typeface="+mn-lt"/>
+              <a:latin typeface="Comic Sans MS"/>
               <a:ea typeface="+mn-ea"/>
-              <a:cs typeface="+mn-cs"/>
+              <a:cs typeface="Comic Sans MS"/>
             </a:endParaRPr>
-          </a:p>
-        </p:txBody>
-      </p:sp>
-      <p:sp>
-        <p:nvSpPr>
-          <p:cNvPr id="2" name="TextBox 1"/>
-          <p:cNvSpPr txBox="1"/>
-          <p:nvPr/>
-        </p:nvSpPr>
-        <p:spPr>
-          <a:xfrm>
-            <a:off x="199038" y="1061467"/>
-            <a:ext cx="8944962" cy="1754327"/>
-          </a:xfrm>
-          <a:prstGeom prst="rect">
-            <a:avLst/>
-          </a:prstGeom>
-          <a:noFill/>
-        </p:spPr>
-        <p:txBody>
-          <a:bodyPr wrap="square" rtlCol="0">
-            <a:spAutoFit/>
-          </a:bodyPr>
-          <a:lstStyle/>
-          <a:p>
-            <a:r>
-              <a:rPr lang="en-US" sz="5400" dirty="0">
-                <a:latin typeface="Comic Sans MS"/>
-                <a:cs typeface="Comic Sans MS"/>
-              </a:rPr>
-              <a:t>Your doctor </a:t>
-            </a:r>
-            <a:r>
-              <a:rPr lang="en-US" sz="5400" dirty="0" smtClean="0">
-                <a:latin typeface="Comic Sans MS"/>
-                <a:cs typeface="Comic Sans MS"/>
-              </a:rPr>
-              <a:t>tests you, and </a:t>
-            </a:r>
-            <a:r>
-              <a:rPr lang="en-US" sz="5400" dirty="0">
-                <a:solidFill>
-                  <a:srgbClr val="EE040A"/>
-                </a:solidFill>
-                <a:latin typeface="Comic Sans MS"/>
-                <a:cs typeface="Comic Sans MS"/>
-              </a:rPr>
-              <a:t>it </a:t>
-            </a:r>
-            <a:r>
-              <a:rPr lang="en-US" sz="5400" dirty="0" smtClean="0">
-                <a:solidFill>
-                  <a:srgbClr val="EE040A"/>
-                </a:solidFill>
-                <a:latin typeface="Comic Sans MS"/>
-                <a:cs typeface="Comic Sans MS"/>
-              </a:rPr>
-              <a:t>says </a:t>
-            </a:r>
-            <a:r>
-              <a:rPr lang="en-US" sz="5400" dirty="0">
-                <a:solidFill>
-                  <a:srgbClr val="EE040A"/>
-                </a:solidFill>
-                <a:latin typeface="Comic Sans MS"/>
-                <a:cs typeface="Comic Sans MS"/>
-              </a:rPr>
-              <a:t>TB</a:t>
-            </a:r>
-            <a:r>
-              <a:rPr lang="en-US" sz="5400" dirty="0" smtClean="0">
-                <a:solidFill>
-                  <a:srgbClr val="EE040A"/>
-                </a:solidFill>
-                <a:latin typeface="Comic Sans MS"/>
-                <a:cs typeface="Comic Sans MS"/>
-              </a:rPr>
-              <a:t>!</a:t>
-            </a:r>
-            <a:endParaRPr lang="en-US" sz="4800" kern="0" dirty="0">
-              <a:solidFill>
-                <a:srgbClr val="000000"/>
-              </a:solidFill>
-              <a:latin typeface="Comic Sans MS" pitchFamily="66" charset="0"/>
-            </a:endParaRPr>
-          </a:p>
-        </p:txBody>
-      </p:sp>
-      <p:sp>
-        <p:nvSpPr>
-          <p:cNvPr id="8" name="Rectangle 4"/>
-          <p:cNvSpPr>
-            <a:spLocks noGrp="1" noChangeArrowheads="1"/>
-          </p:cNvSpPr>
-          <p:nvPr>
-            <p:ph type="title"/>
-          </p:nvPr>
-        </p:nvSpPr>
-        <p:spPr>
-          <a:xfrm>
-            <a:off x="1295400" y="228600"/>
-            <a:ext cx="6553200" cy="838200"/>
-          </a:xfrm>
-          <a:noFill/>
-        </p:spPr>
-        <p:txBody>
-          <a:bodyPr/>
-          <a:lstStyle/>
-          <a:p>
-            <a:pPr eaLnBrk="1" hangingPunct="1"/>
-            <a:r>
-              <a:rPr lang="en-US" sz="4000" dirty="0" smtClean="0">
-                <a:solidFill>
-                  <a:schemeClr val="tx1"/>
-                </a:solidFill>
-              </a:rPr>
-              <a:t>98% </a:t>
-            </a:r>
-            <a:r>
-              <a:rPr lang="en-US" sz="4000" dirty="0" smtClean="0">
-                <a:solidFill>
-                  <a:schemeClr val="tx1"/>
-                </a:solidFill>
-              </a:rPr>
-              <a:t>accurate TB testing</a:t>
-            </a:r>
           </a:p>
         </p:txBody>
       </p:sp>
@@ -19108,7 +19254,193 @@
       </p:cxnSp>
       <p:sp>
         <p:nvSpPr>
-          <p:cNvPr id="39" name="Rectangle 4"/>
+          <p:cNvPr id="2" name="TextBox 1"/>
+          <p:cNvSpPr txBox="1"/>
+          <p:nvPr/>
+        </p:nvSpPr>
+        <p:spPr>
+          <a:xfrm>
+            <a:off x="199038" y="1061467"/>
+            <a:ext cx="8944962" cy="4321183"/>
+          </a:xfrm>
+          <a:prstGeom prst="rect">
+            <a:avLst/>
+          </a:prstGeom>
+          <a:noFill/>
+        </p:spPr>
+        <p:txBody>
+          <a:bodyPr wrap="square" rtlCol="0">
+            <a:spAutoFit/>
+          </a:bodyPr>
+          <a:lstStyle/>
+          <a:p>
+            <a:r>
+              <a:rPr lang="en-US" sz="5400" dirty="0">
+                <a:latin typeface="Comic Sans MS"/>
+                <a:cs typeface="Comic Sans MS"/>
+              </a:rPr>
+              <a:t>Your doctor </a:t>
+            </a:r>
+            <a:r>
+              <a:rPr lang="en-US" sz="5400" dirty="0" smtClean="0">
+                <a:latin typeface="Comic Sans MS"/>
+                <a:cs typeface="Comic Sans MS"/>
+              </a:rPr>
+              <a:t>tests you, and </a:t>
+            </a:r>
+            <a:r>
+              <a:rPr lang="en-US" sz="5400" dirty="0">
+                <a:solidFill>
+                  <a:srgbClr val="EE040A"/>
+                </a:solidFill>
+                <a:latin typeface="Comic Sans MS"/>
+                <a:cs typeface="Comic Sans MS"/>
+              </a:rPr>
+              <a:t>it </a:t>
+            </a:r>
+            <a:r>
+              <a:rPr lang="en-US" sz="5400" dirty="0" smtClean="0">
+                <a:solidFill>
+                  <a:srgbClr val="EE040A"/>
+                </a:solidFill>
+                <a:latin typeface="Comic Sans MS"/>
+                <a:cs typeface="Comic Sans MS"/>
+              </a:rPr>
+              <a:t>says </a:t>
+            </a:r>
+            <a:r>
+              <a:rPr lang="en-US" sz="5400" dirty="0">
+                <a:solidFill>
+                  <a:srgbClr val="EE040A"/>
+                </a:solidFill>
+                <a:latin typeface="Comic Sans MS"/>
+                <a:cs typeface="Comic Sans MS"/>
+              </a:rPr>
+              <a:t>TB</a:t>
+            </a:r>
+            <a:r>
+              <a:rPr lang="en-US" sz="5400" dirty="0" smtClean="0">
+                <a:solidFill>
+                  <a:srgbClr val="EE040A"/>
+                </a:solidFill>
+                <a:latin typeface="Comic Sans MS"/>
+                <a:cs typeface="Comic Sans MS"/>
+              </a:rPr>
+              <a:t>!  </a:t>
+            </a:r>
+            <a:r>
+              <a:rPr lang="en-US" sz="5400" dirty="0" smtClean="0">
+                <a:latin typeface="Comic Sans MS"/>
+                <a:cs typeface="Comic Sans MS"/>
+              </a:rPr>
+              <a:t>He says</a:t>
+            </a:r>
+            <a:endParaRPr lang="en-US" sz="5400" dirty="0">
+              <a:latin typeface="Comic Sans MS"/>
+              <a:cs typeface="Comic Sans MS"/>
+            </a:endParaRPr>
+          </a:p>
+          <a:p>
+            <a:r>
+              <a:rPr lang="en-US" sz="5400" dirty="0" smtClean="0">
+                <a:latin typeface="Comic Sans MS"/>
+                <a:cs typeface="Comic Sans MS"/>
+              </a:rPr>
+              <a:t>“The </a:t>
+            </a:r>
+            <a:r>
+              <a:rPr lang="en-US" sz="5400" dirty="0">
+                <a:latin typeface="Comic Sans MS"/>
+                <a:cs typeface="Comic Sans MS"/>
+              </a:rPr>
+              <a:t>hypothesis that you have </a:t>
+            </a:r>
+            <a:r>
+              <a:rPr lang="en-US" sz="5400" dirty="0" smtClean="0">
+                <a:latin typeface="Comic Sans MS"/>
+                <a:cs typeface="Comic Sans MS"/>
+              </a:rPr>
+              <a:t>TB holds </a:t>
+            </a:r>
+            <a:r>
+              <a:rPr lang="en-US" sz="5400" dirty="0">
+                <a:latin typeface="Comic Sans MS"/>
+                <a:cs typeface="Comic Sans MS"/>
+              </a:rPr>
+              <a:t>at the </a:t>
+            </a:r>
+            <a:r>
+              <a:rPr lang="en-US" sz="4800" kern="0" dirty="0" smtClean="0">
+                <a:solidFill>
+                  <a:srgbClr val="0000FF"/>
+                </a:solidFill>
+                <a:latin typeface="Comic Sans MS" pitchFamily="66" charset="0"/>
+              </a:rPr>
+              <a:t>98% </a:t>
+            </a:r>
+            <a:r>
+              <a:rPr lang="en-US" sz="4800" kern="0" dirty="0">
+                <a:solidFill>
+                  <a:srgbClr val="0000FF"/>
+                </a:solidFill>
+                <a:latin typeface="Comic Sans MS" pitchFamily="66" charset="0"/>
+              </a:rPr>
+              <a:t>confidence level</a:t>
+            </a:r>
+            <a:r>
+              <a:rPr lang="en-US" sz="4800" kern="0" dirty="0" smtClean="0">
+                <a:solidFill>
+                  <a:srgbClr val="000000"/>
+                </a:solidFill>
+                <a:latin typeface="Comic Sans MS" pitchFamily="66" charset="0"/>
+              </a:rPr>
+              <a:t>.”</a:t>
+            </a:r>
+            <a:endParaRPr lang="en-US" sz="4800" kern="0" dirty="0">
+              <a:solidFill>
+                <a:srgbClr val="000000"/>
+              </a:solidFill>
+              <a:latin typeface="Comic Sans MS" pitchFamily="66" charset="0"/>
+            </a:endParaRPr>
+          </a:p>
+        </p:txBody>
+      </p:sp>
+      <p:sp>
+        <p:nvSpPr>
+          <p:cNvPr id="8" name="Rectangle 4"/>
+          <p:cNvSpPr>
+            <a:spLocks noGrp="1" noChangeArrowheads="1"/>
+          </p:cNvSpPr>
+          <p:nvPr>
+            <p:ph type="title"/>
+          </p:nvPr>
+        </p:nvSpPr>
+        <p:spPr>
+          <a:xfrm>
+            <a:off x="1295400" y="228600"/>
+            <a:ext cx="6553200" cy="838200"/>
+          </a:xfrm>
+          <a:noFill/>
+        </p:spPr>
+        <p:txBody>
+          <a:bodyPr/>
+          <a:lstStyle/>
+          <a:p>
+            <a:pPr eaLnBrk="1" hangingPunct="1"/>
+            <a:r>
+              <a:rPr lang="en-US" sz="4000" dirty="0" smtClean="0">
+                <a:solidFill>
+                  <a:schemeClr val="tx1"/>
+                </a:solidFill>
+              </a:rPr>
+              <a:t>98% accurate TB testing</a:t>
+            </a:r>
+          </a:p>
+        </p:txBody>
+      </p:sp>
+      <p:sp>
+        <p:nvSpPr>
+          <p:cNvPr id="6" name="Rectangle 4"/>
           <p:cNvSpPr txBox="1">
             <a:spLocks noChangeArrowheads="1"/>
           </p:cNvSpPr>
@@ -19173,9 +19505,9 @@
                 <a:effectLst/>
                 <a:uLnTx/>
                 <a:uFillTx/>
-                <a:latin typeface="+mn-lt"/>
+                <a:latin typeface="Comic Sans MS"/>
                 <a:ea typeface="+mn-ea"/>
-                <a:cs typeface="+mn-cs"/>
+                <a:cs typeface="Comic Sans MS"/>
               </a:rPr>
               <a:t>testing.</a:t>
             </a:r>
@@ -19190,9 +19522,9 @@
                 <a:effectLst/>
                 <a:uLnTx/>
                 <a:uFillTx/>
-                <a:latin typeface="+mn-lt"/>
+                <a:latin typeface="Comic Sans MS"/>
                 <a:ea typeface="+mn-ea"/>
-                <a:cs typeface="+mn-cs"/>
+                <a:cs typeface="Comic Sans MS"/>
               </a:rPr>
               <a:pPr marL="0" marR="0" lvl="0" indent="0" algn="r" defTabSz="914400" rtl="0" eaLnBrk="1" fontAlgn="base" latinLnBrk="0" hangingPunct="1">
                 <a:lnSpc>
@@ -19223,204 +19555,10 @@
               <a:effectLst/>
               <a:uLnTx/>
               <a:uFillTx/>
-              <a:latin typeface="+mn-lt"/>
+              <a:latin typeface="Comic Sans MS"/>
               <a:ea typeface="+mn-ea"/>
-              <a:cs typeface="+mn-cs"/>
-            </a:endParaRPr>
-          </a:p>
-        </p:txBody>
-      </p:sp>
-      <p:sp>
-        <p:nvSpPr>
-          <p:cNvPr id="2" name="TextBox 1"/>
-          <p:cNvSpPr txBox="1"/>
-          <p:nvPr/>
-        </p:nvSpPr>
-        <p:spPr>
-          <a:xfrm>
-            <a:off x="199038" y="1061467"/>
-            <a:ext cx="8944962" cy="4321183"/>
-          </a:xfrm>
-          <a:prstGeom prst="rect">
-            <a:avLst/>
-          </a:prstGeom>
-          <a:noFill/>
-        </p:spPr>
-        <p:txBody>
-          <a:bodyPr wrap="square" rtlCol="0">
-            <a:spAutoFit/>
-          </a:bodyPr>
-          <a:lstStyle/>
-          <a:p>
-            <a:r>
-              <a:rPr lang="en-US" sz="5400" dirty="0">
-                <a:latin typeface="Comic Sans MS"/>
-                <a:cs typeface="Comic Sans MS"/>
-              </a:rPr>
-              <a:t>Your doctor </a:t>
-            </a:r>
-            <a:r>
-              <a:rPr lang="en-US" sz="5400" dirty="0" smtClean="0">
-                <a:latin typeface="Comic Sans MS"/>
-                <a:cs typeface="Comic Sans MS"/>
-              </a:rPr>
-              <a:t>tests you, and </a:t>
-            </a:r>
-            <a:r>
-              <a:rPr lang="en-US" sz="5400" dirty="0">
-                <a:solidFill>
-                  <a:srgbClr val="EE040A"/>
-                </a:solidFill>
-                <a:latin typeface="Comic Sans MS"/>
-                <a:cs typeface="Comic Sans MS"/>
-              </a:rPr>
-              <a:t>it </a:t>
-            </a:r>
-            <a:r>
-              <a:rPr lang="en-US" sz="5400" dirty="0" smtClean="0">
-                <a:solidFill>
-                  <a:srgbClr val="EE040A"/>
-                </a:solidFill>
-                <a:latin typeface="Comic Sans MS"/>
-                <a:cs typeface="Comic Sans MS"/>
-              </a:rPr>
-              <a:t>says </a:t>
-            </a:r>
-            <a:r>
-              <a:rPr lang="en-US" sz="5400" dirty="0">
-                <a:solidFill>
-                  <a:srgbClr val="EE040A"/>
-                </a:solidFill>
-                <a:latin typeface="Comic Sans MS"/>
-                <a:cs typeface="Comic Sans MS"/>
-              </a:rPr>
-              <a:t>TB</a:t>
-            </a:r>
-            <a:r>
-              <a:rPr lang="en-US" sz="5400" dirty="0" smtClean="0">
-                <a:solidFill>
-                  <a:srgbClr val="EE040A"/>
-                </a:solidFill>
-                <a:latin typeface="Comic Sans MS"/>
-                <a:cs typeface="Comic Sans MS"/>
-              </a:rPr>
-              <a:t>!  </a:t>
-            </a:r>
-            <a:r>
-              <a:rPr lang="en-US" sz="5400" dirty="0" smtClean="0">
-                <a:latin typeface="Comic Sans MS"/>
-                <a:cs typeface="Comic Sans MS"/>
-              </a:rPr>
-              <a:t>He says</a:t>
-            </a:r>
-            <a:endParaRPr lang="en-US" sz="5400" dirty="0">
-              <a:latin typeface="Comic Sans MS"/>
               <a:cs typeface="Comic Sans MS"/>
             </a:endParaRPr>
-          </a:p>
-          <a:p>
-            <a:r>
-              <a:rPr lang="en-US" sz="5400" dirty="0" smtClean="0">
-                <a:latin typeface="Comic Sans MS"/>
-                <a:cs typeface="Comic Sans MS"/>
-              </a:rPr>
-              <a:t>“The </a:t>
-            </a:r>
-            <a:r>
-              <a:rPr lang="en-US" sz="5400" dirty="0">
-                <a:latin typeface="Comic Sans MS"/>
-                <a:cs typeface="Comic Sans MS"/>
-              </a:rPr>
-              <a:t>hypothesis that you have </a:t>
-            </a:r>
-            <a:r>
-              <a:rPr lang="en-US" sz="5400" dirty="0" smtClean="0">
-                <a:latin typeface="Comic Sans MS"/>
-                <a:cs typeface="Comic Sans MS"/>
-              </a:rPr>
-              <a:t>TB holds </a:t>
-            </a:r>
-            <a:r>
-              <a:rPr lang="en-US" sz="5400" dirty="0">
-                <a:latin typeface="Comic Sans MS"/>
-                <a:cs typeface="Comic Sans MS"/>
-              </a:rPr>
-              <a:t>at the </a:t>
-            </a:r>
-            <a:r>
-              <a:rPr lang="en-US" sz="4800" kern="0" dirty="0" smtClean="0">
-                <a:solidFill>
-                  <a:srgbClr val="0000FF"/>
-                </a:solidFill>
-                <a:latin typeface="Comic Sans MS" pitchFamily="66" charset="0"/>
-              </a:rPr>
-              <a:t>98% </a:t>
-            </a:r>
-            <a:r>
-              <a:rPr lang="en-US" sz="4800" kern="0" dirty="0">
-                <a:solidFill>
-                  <a:srgbClr val="0000FF"/>
-                </a:solidFill>
-                <a:latin typeface="Comic Sans MS" pitchFamily="66" charset="0"/>
-              </a:rPr>
-              <a:t>confidence level</a:t>
-            </a:r>
-            <a:r>
-              <a:rPr lang="en-US" sz="4800" kern="0" dirty="0" smtClean="0">
-                <a:solidFill>
-                  <a:srgbClr val="000000"/>
-                </a:solidFill>
-                <a:latin typeface="Comic Sans MS" pitchFamily="66" charset="0"/>
-              </a:rPr>
-              <a:t>.”</a:t>
-            </a:r>
-            <a:endParaRPr lang="en-US" sz="4800" kern="0" dirty="0">
-              <a:solidFill>
-                <a:srgbClr val="000000"/>
-              </a:solidFill>
-              <a:latin typeface="Comic Sans MS" pitchFamily="66" charset="0"/>
-            </a:endParaRPr>
-          </a:p>
-        </p:txBody>
-      </p:sp>
-      <p:sp>
-        <p:nvSpPr>
-          <p:cNvPr id="8" name="Rectangle 4"/>
-          <p:cNvSpPr>
-            <a:spLocks noGrp="1" noChangeArrowheads="1"/>
-          </p:cNvSpPr>
-          <p:nvPr>
-            <p:ph type="title"/>
-          </p:nvPr>
-        </p:nvSpPr>
-        <p:spPr>
-          <a:xfrm>
-            <a:off x="1295400" y="228600"/>
-            <a:ext cx="6553200" cy="838200"/>
-          </a:xfrm>
-          <a:noFill/>
-        </p:spPr>
-        <p:txBody>
-          <a:bodyPr/>
-          <a:lstStyle/>
-          <a:p>
-            <a:pPr eaLnBrk="1" hangingPunct="1"/>
-            <a:r>
-              <a:rPr lang="en-US" sz="4000" dirty="0" smtClean="0">
-                <a:solidFill>
-                  <a:schemeClr val="tx1"/>
-                </a:solidFill>
-              </a:rPr>
-              <a:t>98% </a:t>
-            </a:r>
-            <a:r>
-              <a:rPr lang="en-US" sz="4000" dirty="0" smtClean="0">
-                <a:solidFill>
-                  <a:schemeClr val="tx1"/>
-                </a:solidFill>
-              </a:rPr>
-              <a:t>accurate TB testing</a:t>
-            </a:r>
           </a:p>
         </p:txBody>
       </p:sp>

--- a/spring16/slidesS16/testing-confidence.pptx
+++ b/spring16/slidesS16/testing-confidence.pptx
@@ -5,10 +5,10 @@
     <p:sldMasterId id="2147483650" r:id="rId1"/>
   </p:sldMasterIdLst>
   <p:notesMasterIdLst>
-    <p:notesMasterId r:id="rId38"/>
+    <p:notesMasterId r:id="rId37"/>
   </p:notesMasterIdLst>
   <p:handoutMasterIdLst>
-    <p:handoutMasterId r:id="rId39"/>
+    <p:handoutMasterId r:id="rId38"/>
   </p:handoutMasterIdLst>
   <p:sldIdLst>
     <p:sldId id="322" r:id="rId2"/>
@@ -40,18 +40,17 @@
     <p:sldId id="468" r:id="rId28"/>
     <p:sldId id="470" r:id="rId29"/>
     <p:sldId id="471" r:id="rId30"/>
-    <p:sldId id="476" r:id="rId31"/>
-    <p:sldId id="392" r:id="rId32"/>
-    <p:sldId id="414" r:id="rId33"/>
-    <p:sldId id="472" r:id="rId34"/>
-    <p:sldId id="475" r:id="rId35"/>
-    <p:sldId id="430" r:id="rId36"/>
-    <p:sldId id="395" r:id="rId37"/>
+    <p:sldId id="392" r:id="rId31"/>
+    <p:sldId id="414" r:id="rId32"/>
+    <p:sldId id="472" r:id="rId33"/>
+    <p:sldId id="475" r:id="rId34"/>
+    <p:sldId id="430" r:id="rId35"/>
+    <p:sldId id="395" r:id="rId36"/>
   </p:sldIdLst>
   <p:sldSz cx="9144000" cy="6858000" type="screen4x3"/>
   <p:notesSz cx="9601200" cy="7315200"/>
   <p:custDataLst>
-    <p:tags r:id="rId41"/>
+    <p:tags r:id="rId40"/>
   </p:custDataLst>
   <p:defaultTextStyle>
     <a:defPPr>
@@ -2591,94 +2590,6 @@
               <a:rPr lang="en-US" smtClean="0"/>
               <a:pPr/>
               <a:t>34</a:t>
-            </a:fld>
-            <a:endParaRPr lang="en-US" smtClean="0"/>
-          </a:p>
-        </p:txBody>
-      </p:sp>
-      <p:sp>
-        <p:nvSpPr>
-          <p:cNvPr id="69635" name="Rectangle 2"/>
-          <p:cNvSpPr>
-            <a:spLocks noGrp="1" noRot="1" noChangeAspect="1" noChangeArrowheads="1" noTextEdit="1"/>
-          </p:cNvSpPr>
-          <p:nvPr>
-            <p:ph type="sldImg"/>
-          </p:nvPr>
-        </p:nvSpPr>
-        <p:spPr>
-          <a:ln/>
-        </p:spPr>
-      </p:sp>
-      <p:sp>
-        <p:nvSpPr>
-          <p:cNvPr id="69636" name="Rectangle 3"/>
-          <p:cNvSpPr>
-            <a:spLocks noGrp="1" noChangeArrowheads="1"/>
-          </p:cNvSpPr>
-          <p:nvPr>
-            <p:ph type="body" idx="1"/>
-          </p:nvPr>
-        </p:nvSpPr>
-        <p:spPr>
-          <a:noFill/>
-          <a:ln/>
-        </p:spPr>
-        <p:txBody>
-          <a:bodyPr/>
-          <a:lstStyle/>
-          <a:p>
-            <a:pPr eaLnBrk="1" hangingPunct="1"/>
-            <a:endParaRPr lang="en-US" smtClean="0"/>
-          </a:p>
-        </p:txBody>
-      </p:sp>
-    </p:spTree>
-  </p:cSld>
-  <p:clrMapOvr>
-    <a:masterClrMapping/>
-  </p:clrMapOvr>
-</p:notes>
-</file>
-
-<file path=ppt/notesSlides/notesSlide28.xml><?xml version="1.0" encoding="utf-8"?>
-<p:notes xmlns:a="http://schemas.openxmlformats.org/drawingml/2006/main" xmlns:r="http://schemas.openxmlformats.org/officeDocument/2006/relationships" xmlns:p="http://schemas.openxmlformats.org/presentationml/2006/main">
-  <p:cSld>
-    <p:spTree>
-      <p:nvGrpSpPr>
-        <p:cNvPr id="1" name=""/>
-        <p:cNvGrpSpPr/>
-        <p:nvPr/>
-      </p:nvGrpSpPr>
-      <p:grpSpPr>
-        <a:xfrm>
-          <a:off x="0" y="0"/>
-          <a:ext cx="0" cy="0"/>
-          <a:chOff x="0" y="0"/>
-          <a:chExt cx="0" cy="0"/>
-        </a:xfrm>
-      </p:grpSpPr>
-      <p:sp>
-        <p:nvSpPr>
-          <p:cNvPr id="69634" name="Rectangle 7"/>
-          <p:cNvSpPr>
-            <a:spLocks noGrp="1" noChangeArrowheads="1"/>
-          </p:cNvSpPr>
-          <p:nvPr>
-            <p:ph type="sldNum" sz="quarter" idx="5"/>
-          </p:nvPr>
-        </p:nvSpPr>
-        <p:spPr>
-          <a:noFill/>
-        </p:spPr>
-        <p:txBody>
-          <a:bodyPr/>
-          <a:lstStyle/>
-          <a:p>
-            <a:fld id="{47D539D4-74E1-492A-9468-BA66B65E4B96}" type="slidenum">
-              <a:rPr lang="en-US" smtClean="0"/>
-              <a:pPr/>
-              <a:t>35</a:t>
             </a:fld>
             <a:endParaRPr lang="en-US" smtClean="0"/>
           </a:p>
@@ -6665,7 +6576,7 @@
           <a:graphicData uri="http://schemas.openxmlformats.org/presentationml/2006/ole">
             <mc:AlternateContent xmlns:mc="http://schemas.openxmlformats.org/markup-compatibility/2006">
               <mc:Choice xmlns:v="urn:schemas-microsoft-com:vml" Requires="v">
-                <p:oleObj spid="_x0000_s1072" name="Equation" r:id="rId3" imgW="977900" imgH="241300" progId="Equation.DSMT4">
+                <p:oleObj spid="_x0000_s1075" name="Equation" r:id="rId3" imgW="977900" imgH="241300" progId="Equation.DSMT4">
                   <p:embed/>
                 </p:oleObj>
               </mc:Choice>
@@ -6997,7 +6908,7 @@
           <a:graphicData uri="http://schemas.openxmlformats.org/presentationml/2006/ole">
             <mc:AlternateContent xmlns:mc="http://schemas.openxmlformats.org/markup-compatibility/2006">
               <mc:Choice xmlns:v="urn:schemas-microsoft-com:vml" Requires="v">
-                <p:oleObj spid="_x0000_s99356" name="Equation" r:id="rId3" imgW="977900" imgH="241300" progId="Equation.DSMT4">
+                <p:oleObj spid="_x0000_s99359" name="Equation" r:id="rId3" imgW="977900" imgH="241300" progId="Equation.DSMT4">
                   <p:embed/>
                 </p:oleObj>
               </mc:Choice>
@@ -7289,7 +7200,7 @@
           <a:graphicData uri="http://schemas.openxmlformats.org/presentationml/2006/ole">
             <mc:AlternateContent xmlns:mc="http://schemas.openxmlformats.org/markup-compatibility/2006">
               <mc:Choice xmlns:v="urn:schemas-microsoft-com:vml" Requires="v">
-                <p:oleObj spid="_x0000_s100382" name="Equation" r:id="rId3" imgW="977900" imgH="241300" progId="Equation.DSMT4">
+                <p:oleObj spid="_x0000_s100385" name="Equation" r:id="rId3" imgW="977900" imgH="241300" progId="Equation.DSMT4">
                   <p:embed/>
                 </p:oleObj>
               </mc:Choice>
@@ -7501,7 +7412,7 @@
           <a:graphicData uri="http://schemas.openxmlformats.org/presentationml/2006/ole">
             <mc:AlternateContent xmlns:mc="http://schemas.openxmlformats.org/markup-compatibility/2006">
               <mc:Choice xmlns:v="urn:schemas-microsoft-com:vml" Requires="v">
-                <p:oleObj spid="_x0000_s101429" name="Equation" r:id="rId3" imgW="889000" imgH="241300" progId="Equation.DSMT4">
+                <p:oleObj spid="_x0000_s101434" name="Equation" r:id="rId3" imgW="889000" imgH="241300" progId="Equation.DSMT4">
                   <p:embed/>
                 </p:oleObj>
               </mc:Choice>
@@ -7613,7 +7524,7 @@
           <a:graphicData uri="http://schemas.openxmlformats.org/presentationml/2006/ole">
             <mc:AlternateContent xmlns:mc="http://schemas.openxmlformats.org/markup-compatibility/2006">
               <mc:Choice xmlns:v="urn:schemas-microsoft-com:vml" Requires="v">
-                <p:oleObj spid="_x0000_s101430" name="Equation" r:id="rId5" imgW="977900" imgH="241300" progId="Equation.DSMT4">
+                <p:oleObj spid="_x0000_s101435" name="Equation" r:id="rId5" imgW="977900" imgH="241300" progId="Equation.DSMT4">
                   <p:embed/>
                 </p:oleObj>
               </mc:Choice>
@@ -7967,7 +7878,7 @@
             <a:graphicData uri="http://schemas.openxmlformats.org/presentationml/2006/ole">
               <mc:AlternateContent xmlns:mc="http://schemas.openxmlformats.org/markup-compatibility/2006">
                 <mc:Choice xmlns:v="urn:schemas-microsoft-com:vml" Requires="v">
-                  <p:oleObj spid="_x0000_s35947" name="Equation" r:id="rId4" imgW="850900" imgH="228600" progId="Equation.DSMT4">
+                  <p:oleObj spid="_x0000_s35952" name="Equation" r:id="rId4" imgW="850900" imgH="228600" progId="Equation.DSMT4">
                     <p:embed/>
                   </p:oleObj>
                 </mc:Choice>
@@ -8024,7 +7935,7 @@
             <a:graphicData uri="http://schemas.openxmlformats.org/presentationml/2006/ole">
               <mc:AlternateContent xmlns:mc="http://schemas.openxmlformats.org/markup-compatibility/2006">
                 <mc:Choice xmlns:v="urn:schemas-microsoft-com:vml" Requires="v">
-                  <p:oleObj spid="_x0000_s35948" name="Equation" r:id="rId6" imgW="850900" imgH="228600" progId="Equation.DSMT4">
+                  <p:oleObj spid="_x0000_s35953" name="Equation" r:id="rId6" imgW="850900" imgH="228600" progId="Equation.DSMT4">
                     <p:embed/>
                   </p:oleObj>
                 </mc:Choice>
@@ -8814,7 +8725,7 @@
           <a:graphicData uri="http://schemas.openxmlformats.org/presentationml/2006/ole">
             <mc:AlternateContent xmlns:mc="http://schemas.openxmlformats.org/markup-compatibility/2006">
               <mc:Choice xmlns:v="urn:schemas-microsoft-com:vml" Requires="v">
-                <p:oleObj spid="_x0000_s88095" name="Equation" r:id="rId3" imgW="1257300" imgH="495300" progId="Equation.DSMT4">
+                <p:oleObj spid="_x0000_s88098" name="Equation" r:id="rId3" imgW="1257300" imgH="495300" progId="Equation.DSMT4">
                   <p:embed/>
                 </p:oleObj>
               </mc:Choice>
@@ -9153,7 +9064,7 @@
           <a:graphicData uri="http://schemas.openxmlformats.org/presentationml/2006/ole">
             <mc:AlternateContent xmlns:mc="http://schemas.openxmlformats.org/markup-compatibility/2006">
               <mc:Choice xmlns:v="urn:schemas-microsoft-com:vml" Requires="v">
-                <p:oleObj spid="_x0000_s89143" name="Equation" r:id="rId3" imgW="952500" imgH="469900" progId="Equation.DSMT4">
+                <p:oleObj spid="_x0000_s89148" name="Equation" r:id="rId3" imgW="952500" imgH="469900" progId="Equation.DSMT4">
                   <p:embed/>
                 </p:oleObj>
               </mc:Choice>
@@ -9210,7 +9121,7 @@
           <a:graphicData uri="http://schemas.openxmlformats.org/presentationml/2006/ole">
             <mc:AlternateContent xmlns:mc="http://schemas.openxmlformats.org/markup-compatibility/2006">
               <mc:Choice xmlns:v="urn:schemas-microsoft-com:vml" Requires="v">
-                <p:oleObj spid="_x0000_s89144" name="Equation" r:id="rId5" imgW="1701800" imgH="469900" progId="Equation.DSMT4">
+                <p:oleObj spid="_x0000_s89149" name="Equation" r:id="rId5" imgW="1701800" imgH="469900" progId="Equation.DSMT4">
                   <p:embed/>
                 </p:oleObj>
               </mc:Choice>
@@ -9564,7 +9475,7 @@
           <a:graphicData uri="http://schemas.openxmlformats.org/presentationml/2006/ole">
             <mc:AlternateContent xmlns:mc="http://schemas.openxmlformats.org/markup-compatibility/2006">
               <mc:Choice xmlns:v="urn:schemas-microsoft-com:vml" Requires="v">
-                <p:oleObj spid="_x0000_s32828" name="Equation" r:id="rId4" imgW="1765300" imgH="495300" progId="Equation.DSMT4">
+                <p:oleObj spid="_x0000_s32831" name="Equation" r:id="rId4" imgW="1765300" imgH="495300" progId="Equation.DSMT4">
                   <p:embed/>
                 </p:oleObj>
               </mc:Choice>
@@ -9878,7 +9789,7 @@
           <a:graphicData uri="http://schemas.openxmlformats.org/presentationml/2006/ole">
             <mc:AlternateContent xmlns:mc="http://schemas.openxmlformats.org/markup-compatibility/2006">
               <mc:Choice xmlns:v="urn:schemas-microsoft-com:vml" Requires="v">
-                <p:oleObj spid="_x0000_s79928" name="Equation" r:id="rId4" imgW="1092200" imgH="228600" progId="Equation.DSMT4">
+                <p:oleObj spid="_x0000_s79931" name="Equation" r:id="rId4" imgW="1092200" imgH="228600" progId="Equation.DSMT4">
                   <p:embed/>
                 </p:oleObj>
               </mc:Choice>
@@ -10244,7 +10155,7 @@
           <a:graphicData uri="http://schemas.openxmlformats.org/presentationml/2006/ole">
             <mc:AlternateContent xmlns:mc="http://schemas.openxmlformats.org/markup-compatibility/2006">
               <mc:Choice xmlns:v="urn:schemas-microsoft-com:vml" Requires="v">
-                <p:oleObj spid="_x0000_s136236" name="Equation" r:id="rId4" imgW="2146300" imgH="495300" progId="Equation.DSMT4">
+                <p:oleObj spid="_x0000_s136241" name="Equation" r:id="rId4" imgW="2146300" imgH="495300" progId="Equation.DSMT4">
                   <p:embed/>
                 </p:oleObj>
               </mc:Choice>
@@ -10301,7 +10212,7 @@
           <a:graphicData uri="http://schemas.openxmlformats.org/presentationml/2006/ole">
             <mc:AlternateContent xmlns:mc="http://schemas.openxmlformats.org/markup-compatibility/2006">
               <mc:Choice xmlns:v="urn:schemas-microsoft-com:vml" Requires="v">
-                <p:oleObj spid="_x0000_s136237" name="Equation" r:id="rId6" imgW="2171700" imgH="495300" progId="Equation.DSMT4">
+                <p:oleObj spid="_x0000_s136242" name="Equation" r:id="rId6" imgW="2171700" imgH="495300" progId="Equation.DSMT4">
                   <p:embed/>
                 </p:oleObj>
               </mc:Choice>
@@ -10667,7 +10578,7 @@
           <a:graphicData uri="http://schemas.openxmlformats.org/presentationml/2006/ole">
             <mc:AlternateContent xmlns:mc="http://schemas.openxmlformats.org/markup-compatibility/2006">
               <mc:Choice xmlns:v="urn:schemas-microsoft-com:vml" Requires="v">
-                <p:oleObj spid="_x0000_s133258" name="Equation" r:id="rId4" imgW="2171700" imgH="495300" progId="Equation.DSMT4">
+                <p:oleObj spid="_x0000_s133271" name="Equation" r:id="rId4" imgW="2171700" imgH="495300" progId="Equation.DSMT4">
                   <p:embed/>
                 </p:oleObj>
               </mc:Choice>
@@ -10778,7 +10689,7 @@
           <a:graphicData uri="http://schemas.openxmlformats.org/presentationml/2006/ole">
             <mc:AlternateContent xmlns:mc="http://schemas.openxmlformats.org/markup-compatibility/2006">
               <mc:Choice xmlns:v="urn:schemas-microsoft-com:vml" Requires="v">
-                <p:oleObj spid="_x0000_s133259" name="Equation" r:id="rId6" imgW="139700" imgH="215900" progId="Equation.DSMT4">
+                <p:oleObj spid="_x0000_s133272" name="Equation" r:id="rId6" imgW="139700" imgH="215900" progId="Equation.DSMT4">
                   <p:embed/>
                 </p:oleObj>
               </mc:Choice>
@@ -10835,7 +10746,7 @@
           <a:graphicData uri="http://schemas.openxmlformats.org/presentationml/2006/ole">
             <mc:AlternateContent xmlns:mc="http://schemas.openxmlformats.org/markup-compatibility/2006">
               <mc:Choice xmlns:v="urn:schemas-microsoft-com:vml" Requires="v">
-                <p:oleObj spid="_x0000_s133260" name="Equation" r:id="rId8" imgW="139700" imgH="215900" progId="Equation.DSMT4">
+                <p:oleObj spid="_x0000_s133273" name="Equation" r:id="rId8" imgW="139700" imgH="215900" progId="Equation.DSMT4">
                   <p:embed/>
                 </p:oleObj>
               </mc:Choice>
@@ -10892,7 +10803,7 @@
           <a:graphicData uri="http://schemas.openxmlformats.org/presentationml/2006/ole">
             <mc:AlternateContent xmlns:mc="http://schemas.openxmlformats.org/markup-compatibility/2006">
               <mc:Choice xmlns:v="urn:schemas-microsoft-com:vml" Requires="v">
-                <p:oleObj spid="_x0000_s133261" name="Equation" r:id="rId9" imgW="762000" imgH="533400" progId="Equation.DSMT4">
+                <p:oleObj spid="_x0000_s133274" name="Equation" r:id="rId9" imgW="762000" imgH="533400" progId="Equation.DSMT4">
                   <p:embed/>
                 </p:oleObj>
               </mc:Choice>
@@ -10949,7 +10860,7 @@
           <a:graphicData uri="http://schemas.openxmlformats.org/presentationml/2006/ole">
             <mc:AlternateContent xmlns:mc="http://schemas.openxmlformats.org/markup-compatibility/2006">
               <mc:Choice xmlns:v="urn:schemas-microsoft-com:vml" Requires="v">
-                <p:oleObj spid="_x0000_s133262" name="Equation" r:id="rId11" imgW="584200" imgH="533400" progId="Equation.DSMT4">
+                <p:oleObj spid="_x0000_s133275" name="Equation" r:id="rId11" imgW="584200" imgH="533400" progId="Equation.DSMT4">
                   <p:embed/>
                 </p:oleObj>
               </mc:Choice>
@@ -11006,7 +10917,7 @@
           <a:graphicData uri="http://schemas.openxmlformats.org/presentationml/2006/ole">
             <mc:AlternateContent xmlns:mc="http://schemas.openxmlformats.org/markup-compatibility/2006">
               <mc:Choice xmlns:v="urn:schemas-microsoft-com:vml" Requires="v">
-                <p:oleObj spid="_x0000_s133263" name="Equation" r:id="rId13" imgW="2146300" imgH="495300" progId="Equation.DSMT4">
+                <p:oleObj spid="_x0000_s133276" name="Equation" r:id="rId13" imgW="2146300" imgH="495300" progId="Equation.DSMT4">
                   <p:embed/>
                 </p:oleObj>
               </mc:Choice>
@@ -11296,7 +11207,7 @@
           <a:graphicData uri="http://schemas.openxmlformats.org/presentationml/2006/ole">
             <mc:AlternateContent xmlns:mc="http://schemas.openxmlformats.org/markup-compatibility/2006">
               <mc:Choice xmlns:v="urn:schemas-microsoft-com:vml" Requires="v">
-                <p:oleObj spid="_x0000_s134230" name="Equation" r:id="rId4" imgW="1244600" imgH="228600" progId="Equation.DSMT4">
+                <p:oleObj spid="_x0000_s134239" name="Equation" r:id="rId4" imgW="1244600" imgH="228600" progId="Equation.DSMT4">
                   <p:embed/>
                 </p:oleObj>
               </mc:Choice>
@@ -11353,7 +11264,7 @@
           <a:graphicData uri="http://schemas.openxmlformats.org/presentationml/2006/ole">
             <mc:AlternateContent xmlns:mc="http://schemas.openxmlformats.org/markup-compatibility/2006">
               <mc:Choice xmlns:v="urn:schemas-microsoft-com:vml" Requires="v">
-                <p:oleObj spid="_x0000_s134231" name="Equation" r:id="rId6" imgW="1612900" imgH="495300" progId="Equation.DSMT4">
+                <p:oleObj spid="_x0000_s134240" name="Equation" r:id="rId6" imgW="1612900" imgH="495300" progId="Equation.DSMT4">
                   <p:embed/>
                 </p:oleObj>
               </mc:Choice>
@@ -11410,7 +11321,7 @@
           <a:graphicData uri="http://schemas.openxmlformats.org/presentationml/2006/ole">
             <mc:AlternateContent xmlns:mc="http://schemas.openxmlformats.org/markup-compatibility/2006">
               <mc:Choice xmlns:v="urn:schemas-microsoft-com:vml" Requires="v">
-                <p:oleObj spid="_x0000_s134232" name="Equation" r:id="rId8" imgW="139700" imgH="215900" progId="Equation.DSMT4">
+                <p:oleObj spid="_x0000_s134241" name="Equation" r:id="rId8" imgW="139700" imgH="215900" progId="Equation.DSMT4">
                   <p:embed/>
                 </p:oleObj>
               </mc:Choice>
@@ -11467,7 +11378,7 @@
           <a:graphicData uri="http://schemas.openxmlformats.org/presentationml/2006/ole">
             <mc:AlternateContent xmlns:mc="http://schemas.openxmlformats.org/markup-compatibility/2006">
               <mc:Choice xmlns:v="urn:schemas-microsoft-com:vml" Requires="v">
-                <p:oleObj spid="_x0000_s134233" name="Equation" r:id="rId10" imgW="139700" imgH="215900" progId="Equation.DSMT4">
+                <p:oleObj spid="_x0000_s134242" name="Equation" r:id="rId10" imgW="139700" imgH="215900" progId="Equation.DSMT4">
                   <p:embed/>
                 </p:oleObj>
               </mc:Choice>
@@ -11757,7 +11668,7 @@
           <a:graphicData uri="http://schemas.openxmlformats.org/presentationml/2006/ole">
             <mc:AlternateContent xmlns:mc="http://schemas.openxmlformats.org/markup-compatibility/2006">
               <mc:Choice xmlns:v="urn:schemas-microsoft-com:vml" Requires="v">
-                <p:oleObj spid="_x0000_s135268" name="Equation" r:id="rId4" imgW="1828800" imgH="495300" progId="Equation.DSMT4">
+                <p:oleObj spid="_x0000_s135279" name="Equation" r:id="rId4" imgW="1828800" imgH="495300" progId="Equation.DSMT4">
                   <p:embed/>
                 </p:oleObj>
               </mc:Choice>
@@ -11814,7 +11725,7 @@
           <a:graphicData uri="http://schemas.openxmlformats.org/presentationml/2006/ole">
             <mc:AlternateContent xmlns:mc="http://schemas.openxmlformats.org/markup-compatibility/2006">
               <mc:Choice xmlns:v="urn:schemas-microsoft-com:vml" Requires="v">
-                <p:oleObj spid="_x0000_s135269" name="Equation" r:id="rId6" imgW="139700" imgH="215900" progId="Equation.DSMT4">
+                <p:oleObj spid="_x0000_s135280" name="Equation" r:id="rId6" imgW="139700" imgH="215900" progId="Equation.DSMT4">
                   <p:embed/>
                 </p:oleObj>
               </mc:Choice>
@@ -11871,7 +11782,7 @@
           <a:graphicData uri="http://schemas.openxmlformats.org/presentationml/2006/ole">
             <mc:AlternateContent xmlns:mc="http://schemas.openxmlformats.org/markup-compatibility/2006">
               <mc:Choice xmlns:v="urn:schemas-microsoft-com:vml" Requires="v">
-                <p:oleObj spid="_x0000_s135270" name="Equation" r:id="rId8" imgW="139700" imgH="215900" progId="Equation.DSMT4">
+                <p:oleObj spid="_x0000_s135281" name="Equation" r:id="rId8" imgW="139700" imgH="215900" progId="Equation.DSMT4">
                   <p:embed/>
                 </p:oleObj>
               </mc:Choice>
@@ -11928,7 +11839,7 @@
           <a:graphicData uri="http://schemas.openxmlformats.org/presentationml/2006/ole">
             <mc:AlternateContent xmlns:mc="http://schemas.openxmlformats.org/markup-compatibility/2006">
               <mc:Choice xmlns:v="urn:schemas-microsoft-com:vml" Requires="v">
-                <p:oleObj spid="_x0000_s135271" name="Equation" r:id="rId9" imgW="635000" imgH="469900" progId="Equation.DSMT4">
+                <p:oleObj spid="_x0000_s135282" name="Equation" r:id="rId9" imgW="635000" imgH="469900" progId="Equation.DSMT4">
                   <p:embed/>
                 </p:oleObj>
               </mc:Choice>
@@ -11985,7 +11896,7 @@
           <a:graphicData uri="http://schemas.openxmlformats.org/presentationml/2006/ole">
             <mc:AlternateContent xmlns:mc="http://schemas.openxmlformats.org/markup-compatibility/2006">
               <mc:Choice xmlns:v="urn:schemas-microsoft-com:vml" Requires="v">
-                <p:oleObj spid="_x0000_s135272" name="Equation" r:id="rId11" imgW="1244600" imgH="228600" progId="Equation.DSMT4">
+                <p:oleObj spid="_x0000_s135283" name="Equation" r:id="rId11" imgW="1244600" imgH="228600" progId="Equation.DSMT4">
                   <p:embed/>
                 </p:oleObj>
               </mc:Choice>
@@ -12389,7 +12300,7 @@
           <a:graphicData uri="http://schemas.openxmlformats.org/presentationml/2006/ole">
             <mc:AlternateContent xmlns:mc="http://schemas.openxmlformats.org/markup-compatibility/2006">
               <mc:Choice xmlns:v="urn:schemas-microsoft-com:vml" Requires="v">
-                <p:oleObj spid="_x0000_s137317" name="Equation" r:id="rId4" imgW="1384300" imgH="469900" progId="Equation.DSMT4">
+                <p:oleObj spid="_x0000_s137328" name="Equation" r:id="rId4" imgW="1384300" imgH="469900" progId="Equation.DSMT4">
                   <p:embed/>
                 </p:oleObj>
               </mc:Choice>
@@ -12446,7 +12357,7 @@
           <a:graphicData uri="http://schemas.openxmlformats.org/presentationml/2006/ole">
             <mc:AlternateContent xmlns:mc="http://schemas.openxmlformats.org/markup-compatibility/2006">
               <mc:Choice xmlns:v="urn:schemas-microsoft-com:vml" Requires="v">
-                <p:oleObj spid="_x0000_s137318" name="Equation" r:id="rId6" imgW="139700" imgH="215900" progId="Equation.DSMT4">
+                <p:oleObj spid="_x0000_s137329" name="Equation" r:id="rId6" imgW="139700" imgH="215900" progId="Equation.DSMT4">
                   <p:embed/>
                 </p:oleObj>
               </mc:Choice>
@@ -12503,7 +12414,7 @@
           <a:graphicData uri="http://schemas.openxmlformats.org/presentationml/2006/ole">
             <mc:AlternateContent xmlns:mc="http://schemas.openxmlformats.org/markup-compatibility/2006">
               <mc:Choice xmlns:v="urn:schemas-microsoft-com:vml" Requires="v">
-                <p:oleObj spid="_x0000_s137319" name="Equation" r:id="rId8" imgW="139700" imgH="215900" progId="Equation.DSMT4">
+                <p:oleObj spid="_x0000_s137330" name="Equation" r:id="rId8" imgW="139700" imgH="215900" progId="Equation.DSMT4">
                   <p:embed/>
                 </p:oleObj>
               </mc:Choice>
@@ -12560,7 +12471,7 @@
           <a:graphicData uri="http://schemas.openxmlformats.org/presentationml/2006/ole">
             <mc:AlternateContent xmlns:mc="http://schemas.openxmlformats.org/markup-compatibility/2006">
               <mc:Choice xmlns:v="urn:schemas-microsoft-com:vml" Requires="v">
-                <p:oleObj spid="_x0000_s137320" name="Equation" r:id="rId9" imgW="571500" imgH="457200" progId="Equation.DSMT4">
+                <p:oleObj spid="_x0000_s137331" name="Equation" r:id="rId9" imgW="571500" imgH="457200" progId="Equation.DSMT4">
                   <p:embed/>
                 </p:oleObj>
               </mc:Choice>
@@ -12617,7 +12528,7 @@
           <a:graphicData uri="http://schemas.openxmlformats.org/presentationml/2006/ole">
             <mc:AlternateContent xmlns:mc="http://schemas.openxmlformats.org/markup-compatibility/2006">
               <mc:Choice xmlns:v="urn:schemas-microsoft-com:vml" Requires="v">
-                <p:oleObj spid="_x0000_s137321" name="Equation" r:id="rId11" imgW="1244600" imgH="228600" progId="Equation.DSMT4">
+                <p:oleObj spid="_x0000_s137332" name="Equation" r:id="rId11" imgW="1244600" imgH="228600" progId="Equation.DSMT4">
                   <p:embed/>
                 </p:oleObj>
               </mc:Choice>
@@ -12907,7 +12818,7 @@
           <a:graphicData uri="http://schemas.openxmlformats.org/presentationml/2006/ole">
             <mc:AlternateContent xmlns:mc="http://schemas.openxmlformats.org/markup-compatibility/2006">
               <mc:Choice xmlns:v="urn:schemas-microsoft-com:vml" Requires="v">
-                <p:oleObj spid="_x0000_s138336" name="Equation" r:id="rId4" imgW="139700" imgH="215900" progId="Equation.DSMT4">
+                <p:oleObj spid="_x0000_s138347" name="Equation" r:id="rId4" imgW="139700" imgH="215900" progId="Equation.DSMT4">
                   <p:embed/>
                 </p:oleObj>
               </mc:Choice>
@@ -12964,7 +12875,7 @@
           <a:graphicData uri="http://schemas.openxmlformats.org/presentationml/2006/ole">
             <mc:AlternateContent xmlns:mc="http://schemas.openxmlformats.org/markup-compatibility/2006">
               <mc:Choice xmlns:v="urn:schemas-microsoft-com:vml" Requires="v">
-                <p:oleObj spid="_x0000_s138337" name="Equation" r:id="rId6" imgW="139700" imgH="215900" progId="Equation.DSMT4">
+                <p:oleObj spid="_x0000_s138348" name="Equation" r:id="rId6" imgW="139700" imgH="215900" progId="Equation.DSMT4">
                   <p:embed/>
                 </p:oleObj>
               </mc:Choice>
@@ -13021,7 +12932,7 @@
           <a:graphicData uri="http://schemas.openxmlformats.org/presentationml/2006/ole">
             <mc:AlternateContent xmlns:mc="http://schemas.openxmlformats.org/markup-compatibility/2006">
               <mc:Choice xmlns:v="urn:schemas-microsoft-com:vml" Requires="v">
-                <p:oleObj spid="_x0000_s138338" name="Equation" r:id="rId7" imgW="1193800" imgH="469900" progId="Equation.DSMT4">
+                <p:oleObj spid="_x0000_s138349" name="Equation" r:id="rId7" imgW="1193800" imgH="469900" progId="Equation.DSMT4">
                   <p:embed/>
                 </p:oleObj>
               </mc:Choice>
@@ -13078,7 +12989,7 @@
           <a:graphicData uri="http://schemas.openxmlformats.org/presentationml/2006/ole">
             <mc:AlternateContent xmlns:mc="http://schemas.openxmlformats.org/markup-compatibility/2006">
               <mc:Choice xmlns:v="urn:schemas-microsoft-com:vml" Requires="v">
-                <p:oleObj spid="_x0000_s138339" name="Equation" r:id="rId9" imgW="571500" imgH="457200" progId="Equation.DSMT4">
+                <p:oleObj spid="_x0000_s138350" name="Equation" r:id="rId9" imgW="571500" imgH="457200" progId="Equation.DSMT4">
                   <p:embed/>
                 </p:oleObj>
               </mc:Choice>
@@ -13135,7 +13046,7 @@
           <a:graphicData uri="http://schemas.openxmlformats.org/presentationml/2006/ole">
             <mc:AlternateContent xmlns:mc="http://schemas.openxmlformats.org/markup-compatibility/2006">
               <mc:Choice xmlns:v="urn:schemas-microsoft-com:vml" Requires="v">
-                <p:oleObj spid="_x0000_s138340" name="Equation" r:id="rId11" imgW="1244600" imgH="228600" progId="Equation.DSMT4">
+                <p:oleObj spid="_x0000_s138351" name="Equation" r:id="rId11" imgW="1244600" imgH="228600" progId="Equation.DSMT4">
                   <p:embed/>
                 </p:oleObj>
               </mc:Choice>
@@ -13627,524 +13538,6 @@
 </file>
 
 <file path=ppt/slides/slide30.xml><?xml version="1.0" encoding="utf-8"?>
-<p:sld xmlns:a="http://schemas.openxmlformats.org/drawingml/2006/main" xmlns:r="http://schemas.openxmlformats.org/officeDocument/2006/relationships" xmlns:p="http://schemas.openxmlformats.org/presentationml/2006/main" show="0">
-  <p:cSld>
-    <p:spTree>
-      <p:nvGrpSpPr>
-        <p:cNvPr id="1" name=""/>
-        <p:cNvGrpSpPr/>
-        <p:nvPr/>
-      </p:nvGrpSpPr>
-      <p:grpSpPr>
-        <a:xfrm>
-          <a:off x="0" y="0"/>
-          <a:ext cx="0" cy="0"/>
-          <a:chOff x="0" y="0"/>
-          <a:chExt cx="0" cy="0"/>
-        </a:xfrm>
-      </p:grpSpPr>
-      <p:cxnSp>
-        <p:nvCxnSpPr>
-          <p:cNvPr id="30727" name="AutoShape 21"/>
-          <p:cNvCxnSpPr>
-            <a:cxnSpLocks noChangeShapeType="1"/>
-          </p:cNvCxnSpPr>
-          <p:nvPr/>
-        </p:nvCxnSpPr>
-        <p:spPr bwMode="auto">
-          <a:xfrm>
-            <a:off x="1219200" y="3543300"/>
-            <a:ext cx="0" cy="0"/>
-          </a:xfrm>
-          <a:prstGeom prst="straightConnector1">
-            <a:avLst/>
-          </a:prstGeom>
-          <a:noFill/>
-          <a:ln w="9525">
-            <a:solidFill>
-              <a:schemeClr val="tx1"/>
-            </a:solidFill>
-            <a:round/>
-            <a:headEnd/>
-            <a:tailEnd/>
-          </a:ln>
-        </p:spPr>
-      </p:cxnSp>
-      <p:sp>
-        <p:nvSpPr>
-          <p:cNvPr id="13" name="Rectangle 4"/>
-          <p:cNvSpPr>
-            <a:spLocks noGrp="1" noChangeArrowheads="1"/>
-          </p:cNvSpPr>
-          <p:nvPr>
-            <p:ph type="title"/>
-          </p:nvPr>
-        </p:nvSpPr>
-        <p:spPr>
-          <a:xfrm>
-            <a:off x="1295400" y="228600"/>
-            <a:ext cx="6553200" cy="838200"/>
-          </a:xfrm>
-          <a:noFill/>
-        </p:spPr>
-        <p:txBody>
-          <a:bodyPr/>
-          <a:lstStyle/>
-          <a:p>
-            <a:pPr eaLnBrk="1" hangingPunct="1"/>
-            <a:r>
-              <a:rPr lang="en-US" sz="4800" dirty="0" smtClean="0">
-                <a:solidFill>
-                  <a:schemeClr val="tx1"/>
-                </a:solidFill>
-              </a:rPr>
-              <a:t>Do you have TB?</a:t>
-            </a:r>
-          </a:p>
-        </p:txBody>
-      </p:sp>
-      <p:graphicFrame>
-        <p:nvGraphicFramePr>
-          <p:cNvPr id="9" name="Object 8"/>
-          <p:cNvGraphicFramePr>
-            <a:graphicFrameLocks noChangeAspect="1"/>
-          </p:cNvGraphicFramePr>
-          <p:nvPr>
-            <p:extLst>
-              <p:ext uri="{D42A27DB-BD31-4B8C-83A1-F6EECF244321}">
-                <p14:modId xmlns:p14="http://schemas.microsoft.com/office/powerpoint/2010/main" val="2234196167"/>
-              </p:ext>
-            </p:extLst>
-          </p:nvPr>
-        </p:nvGraphicFramePr>
-        <p:xfrm>
-          <a:off x="152400" y="1524000"/>
-          <a:ext cx="4543425" cy="949325"/>
-        </p:xfrm>
-        <a:graphic>
-          <a:graphicData uri="http://schemas.openxmlformats.org/presentationml/2006/ole">
-            <mc:AlternateContent xmlns:mc="http://schemas.openxmlformats.org/markup-compatibility/2006">
-              <mc:Choice xmlns:v="urn:schemas-microsoft-com:vml" Requires="v">
-                <p:oleObj spid="_x0000_s156690" name="Equation" r:id="rId4" imgW="1092200" imgH="228600" progId="Equation.DSMT4">
-                  <p:embed/>
-                </p:oleObj>
-              </mc:Choice>
-              <mc:Fallback>
-                <p:oleObj name="Equation" r:id="rId4" imgW="1092200" imgH="228600" progId="Equation.DSMT4">
-                  <p:embed/>
-                  <p:pic>
-                    <p:nvPicPr>
-                      <p:cNvPr id="0" name=""/>
-                      <p:cNvPicPr/>
-                      <p:nvPr/>
-                    </p:nvPicPr>
-                    <p:blipFill>
-                      <a:blip r:embed="rId5"/>
-                      <a:stretch>
-                        <a:fillRect/>
-                      </a:stretch>
-                    </p:blipFill>
-                    <p:spPr>
-                      <a:xfrm>
-                        <a:off x="152400" y="1524000"/>
-                        <a:ext cx="4543425" cy="949325"/>
-                      </a:xfrm>
-                      <a:prstGeom prst="rect">
-                        <a:avLst/>
-                      </a:prstGeom>
-                    </p:spPr>
-                  </p:pic>
-                </p:oleObj>
-              </mc:Fallback>
-            </mc:AlternateContent>
-          </a:graphicData>
-        </a:graphic>
-      </p:graphicFrame>
-      <p:graphicFrame>
-        <p:nvGraphicFramePr>
-          <p:cNvPr id="10" name="Object 9"/>
-          <p:cNvGraphicFramePr>
-            <a:graphicFrameLocks noChangeAspect="1"/>
-          </p:cNvGraphicFramePr>
-          <p:nvPr>
-            <p:extLst>
-              <p:ext uri="{D42A27DB-BD31-4B8C-83A1-F6EECF244321}">
-                <p14:modId xmlns:p14="http://schemas.microsoft.com/office/powerpoint/2010/main" val="2500964416"/>
-              </p:ext>
-            </p:extLst>
-          </p:nvPr>
-        </p:nvGraphicFramePr>
-        <p:xfrm>
-          <a:off x="1781175" y="3025775"/>
-          <a:ext cx="6311900" cy="2009775"/>
-        </p:xfrm>
-        <a:graphic>
-          <a:graphicData uri="http://schemas.openxmlformats.org/presentationml/2006/ole">
-            <mc:AlternateContent xmlns:mc="http://schemas.openxmlformats.org/markup-compatibility/2006">
-              <mc:Choice xmlns:v="urn:schemas-microsoft-com:vml" Requires="v">
-                <p:oleObj spid="_x0000_s156691" name="Equation" r:id="rId6" imgW="1473200" imgH="469900" progId="Equation.DSMT4">
-                  <p:embed/>
-                </p:oleObj>
-              </mc:Choice>
-              <mc:Fallback>
-                <p:oleObj name="Equation" r:id="rId6" imgW="1473200" imgH="469900" progId="Equation.DSMT4">
-                  <p:embed/>
-                  <p:pic>
-                    <p:nvPicPr>
-                      <p:cNvPr id="0" name=""/>
-                      <p:cNvPicPr/>
-                      <p:nvPr/>
-                    </p:nvPicPr>
-                    <p:blipFill>
-                      <a:blip r:embed="rId7"/>
-                      <a:stretch>
-                        <a:fillRect/>
-                      </a:stretch>
-                    </p:blipFill>
-                    <p:spPr>
-                      <a:xfrm>
-                        <a:off x="1781175" y="3025775"/>
-                        <a:ext cx="6311900" cy="2009775"/>
-                      </a:xfrm>
-                      <a:prstGeom prst="rect">
-                        <a:avLst/>
-                      </a:prstGeom>
-                    </p:spPr>
-                  </p:pic>
-                </p:oleObj>
-              </mc:Fallback>
-            </mc:AlternateContent>
-          </a:graphicData>
-        </a:graphic>
-      </p:graphicFrame>
-      <p:graphicFrame>
-        <p:nvGraphicFramePr>
-          <p:cNvPr id="2" name="Object 1"/>
-          <p:cNvGraphicFramePr>
-            <a:graphicFrameLocks noChangeAspect="1"/>
-          </p:cNvGraphicFramePr>
-          <p:nvPr>
-            <p:extLst>
-              <p:ext uri="{D42A27DB-BD31-4B8C-83A1-F6EECF244321}">
-                <p14:modId xmlns:p14="http://schemas.microsoft.com/office/powerpoint/2010/main" val="1728897014"/>
-              </p:ext>
-            </p:extLst>
-          </p:nvPr>
-        </p:nvGraphicFramePr>
-        <p:xfrm>
-          <a:off x="5600700" y="3454400"/>
-          <a:ext cx="139700" cy="215900"/>
-        </p:xfrm>
-        <a:graphic>
-          <a:graphicData uri="http://schemas.openxmlformats.org/presentationml/2006/ole">
-            <mc:AlternateContent xmlns:mc="http://schemas.openxmlformats.org/markup-compatibility/2006">
-              <mc:Choice xmlns:v="urn:schemas-microsoft-com:vml" Requires="v">
-                <p:oleObj spid="_x0000_s156692" name="Equation" r:id="rId8" imgW="139700" imgH="215900" progId="Equation.DSMT4">
-                  <p:embed/>
-                </p:oleObj>
-              </mc:Choice>
-              <mc:Fallback>
-                <p:oleObj name="Equation" r:id="rId8" imgW="139700" imgH="215900" progId="Equation.DSMT4">
-                  <p:embed/>
-                  <p:pic>
-                    <p:nvPicPr>
-                      <p:cNvPr id="0" name=""/>
-                      <p:cNvPicPr/>
-                      <p:nvPr/>
-                    </p:nvPicPr>
-                    <p:blipFill>
-                      <a:blip r:embed="rId9"/>
-                      <a:stretch>
-                        <a:fillRect/>
-                      </a:stretch>
-                    </p:blipFill>
-                    <p:spPr>
-                      <a:xfrm>
-                        <a:off x="5600700" y="3454400"/>
-                        <a:ext cx="139700" cy="215900"/>
-                      </a:xfrm>
-                      <a:prstGeom prst="rect">
-                        <a:avLst/>
-                      </a:prstGeom>
-                    </p:spPr>
-                  </p:pic>
-                </p:oleObj>
-              </mc:Fallback>
-            </mc:AlternateContent>
-          </a:graphicData>
-        </a:graphic>
-      </p:graphicFrame>
-      <p:graphicFrame>
-        <p:nvGraphicFramePr>
-          <p:cNvPr id="3" name="Object 2"/>
-          <p:cNvGraphicFramePr>
-            <a:graphicFrameLocks noChangeAspect="1"/>
-          </p:cNvGraphicFramePr>
-          <p:nvPr>
-            <p:extLst>
-              <p:ext uri="{D42A27DB-BD31-4B8C-83A1-F6EECF244321}">
-                <p14:modId xmlns:p14="http://schemas.microsoft.com/office/powerpoint/2010/main" val="1359017129"/>
-              </p:ext>
-            </p:extLst>
-          </p:nvPr>
-        </p:nvGraphicFramePr>
-        <p:xfrm>
-          <a:off x="5600700" y="3454400"/>
-          <a:ext cx="139700" cy="215900"/>
-        </p:xfrm>
-        <a:graphic>
-          <a:graphicData uri="http://schemas.openxmlformats.org/presentationml/2006/ole">
-            <mc:AlternateContent xmlns:mc="http://schemas.openxmlformats.org/markup-compatibility/2006">
-              <mc:Choice xmlns:v="urn:schemas-microsoft-com:vml" Requires="v">
-                <p:oleObj spid="_x0000_s156693" name="Equation" r:id="rId10" imgW="139700" imgH="215900" progId="Equation.DSMT4">
-                  <p:embed/>
-                </p:oleObj>
-              </mc:Choice>
-              <mc:Fallback>
-                <p:oleObj name="Equation" r:id="rId10" imgW="139700" imgH="215900" progId="Equation.DSMT4">
-                  <p:embed/>
-                  <p:pic>
-                    <p:nvPicPr>
-                      <p:cNvPr id="0" name=""/>
-                      <p:cNvPicPr/>
-                      <p:nvPr/>
-                    </p:nvPicPr>
-                    <p:blipFill>
-                      <a:blip r:embed="rId9"/>
-                      <a:stretch>
-                        <a:fillRect/>
-                      </a:stretch>
-                    </p:blipFill>
-                    <p:spPr>
-                      <a:xfrm>
-                        <a:off x="5600700" y="3454400"/>
-                        <a:ext cx="139700" cy="215900"/>
-                      </a:xfrm>
-                      <a:prstGeom prst="rect">
-                        <a:avLst/>
-                      </a:prstGeom>
-                    </p:spPr>
-                  </p:pic>
-                </p:oleObj>
-              </mc:Fallback>
-            </mc:AlternateContent>
-          </a:graphicData>
-        </a:graphic>
-      </p:graphicFrame>
-      <p:graphicFrame>
-        <p:nvGraphicFramePr>
-          <p:cNvPr id="11" name="Object 10"/>
-          <p:cNvGraphicFramePr>
-            <a:graphicFrameLocks noChangeAspect="1"/>
-          </p:cNvGraphicFramePr>
-          <p:nvPr>
-            <p:extLst>
-              <p:ext uri="{D42A27DB-BD31-4B8C-83A1-F6EECF244321}">
-                <p14:modId xmlns:p14="http://schemas.microsoft.com/office/powerpoint/2010/main" val="3909405680"/>
-              </p:ext>
-            </p:extLst>
-          </p:nvPr>
-        </p:nvGraphicFramePr>
-        <p:xfrm>
-          <a:off x="1514475" y="3395663"/>
-          <a:ext cx="3819525" cy="3055937"/>
-        </p:xfrm>
-        <a:graphic>
-          <a:graphicData uri="http://schemas.openxmlformats.org/presentationml/2006/ole">
-            <mc:AlternateContent xmlns:mc="http://schemas.openxmlformats.org/markup-compatibility/2006">
-              <mc:Choice xmlns:v="urn:schemas-microsoft-com:vml" Requires="v">
-                <p:oleObj spid="_x0000_s156694" name="Equation" r:id="rId11" imgW="571500" imgH="457200" progId="Equation.DSMT4">
-                  <p:embed/>
-                </p:oleObj>
-              </mc:Choice>
-              <mc:Fallback>
-                <p:oleObj name="Equation" r:id="rId11" imgW="571500" imgH="457200" progId="Equation.DSMT4">
-                  <p:embed/>
-                  <p:pic>
-                    <p:nvPicPr>
-                      <p:cNvPr id="0" name=""/>
-                      <p:cNvPicPr/>
-                      <p:nvPr/>
-                    </p:nvPicPr>
-                    <p:blipFill>
-                      <a:blip r:embed="rId12"/>
-                      <a:stretch>
-                        <a:fillRect/>
-                      </a:stretch>
-                    </p:blipFill>
-                    <p:spPr>
-                      <a:xfrm>
-                        <a:off x="1514475" y="3395663"/>
-                        <a:ext cx="3819525" cy="3055937"/>
-                      </a:xfrm>
-                      <a:prstGeom prst="rect">
-                        <a:avLst/>
-                      </a:prstGeom>
-                    </p:spPr>
-                  </p:pic>
-                </p:oleObj>
-              </mc:Fallback>
-            </mc:AlternateContent>
-          </a:graphicData>
-        </a:graphic>
-      </p:graphicFrame>
-      <p:sp>
-        <p:nvSpPr>
-          <p:cNvPr id="14" name="Rectangle 4"/>
-          <p:cNvSpPr txBox="1">
-            <a:spLocks noChangeArrowheads="1"/>
-          </p:cNvSpPr>
-          <p:nvPr/>
-        </p:nvSpPr>
-        <p:spPr bwMode="auto">
-          <a:xfrm>
-            <a:off x="7696200" y="6629400"/>
-            <a:ext cx="1447800" cy="228600"/>
-          </a:xfrm>
-          <a:prstGeom prst="rect">
-            <a:avLst/>
-          </a:prstGeom>
-          <a:noFill/>
-          <a:ln w="9525">
-            <a:noFill/>
-            <a:miter lim="800000"/>
-            <a:headEnd/>
-            <a:tailEnd/>
-          </a:ln>
-          <a:effectLst/>
-        </p:spPr>
-        <p:txBody>
-          <a:bodyPr vert="horz" wrap="square" lIns="91440" tIns="45720" rIns="91440" bIns="45720" numCol="1" anchor="t" anchorCtr="0" compatLnSpc="1">
-            <a:prstTxWarp prst="textNoShape">
-              <a:avLst/>
-            </a:prstTxWarp>
-          </a:bodyPr>
-          <a:lstStyle>
-            <a:lvl1pPr algn="r">
-              <a:defRPr sz="1200" dirty="0" err="1" smtClean="0">
-                <a:latin typeface="+mn-lt"/>
-              </a:defRPr>
-            </a:lvl1pPr>
-          </a:lstStyle>
-          <a:p>
-            <a:pPr marL="0" marR="0" lvl="0" indent="0" algn="r" defTabSz="914400" rtl="0" eaLnBrk="1" fontAlgn="base" latinLnBrk="0" hangingPunct="1">
-              <a:lnSpc>
-                <a:spcPct val="100000"/>
-              </a:lnSpc>
-              <a:spcBef>
-                <a:spcPct val="0"/>
-              </a:spcBef>
-              <a:spcAft>
-                <a:spcPct val="0"/>
-              </a:spcAft>
-              <a:buClrTx/>
-              <a:buSzTx/>
-              <a:buFontTx/>
-              <a:buNone/>
-              <a:tabLst/>
-              <a:defRPr/>
-            </a:pPr>
-            <a:r>
-              <a:rPr kumimoji="0" lang="en-US" sz="1200" b="0" i="0" u="none" strike="noStrike" kern="1200" cap="none" spc="0" normalizeH="0" baseline="0" noProof="0" dirty="0" smtClean="0">
-                <a:ln>
-                  <a:noFill/>
-                </a:ln>
-                <a:solidFill>
-                  <a:schemeClr val="tx1"/>
-                </a:solidFill>
-                <a:effectLst/>
-                <a:uLnTx/>
-                <a:uFillTx/>
-                <a:latin typeface="Comic Sans MS"/>
-                <a:ea typeface="+mn-ea"/>
-                <a:cs typeface="Comic Sans MS"/>
-              </a:rPr>
-              <a:t>testing.</a:t>
-            </a:r>
-            <a:fld id="{B9A0B45D-6AFD-413C-B761-B121FB8BE940}" type="slidenum">
-              <a:rPr kumimoji="0" lang="en-US" sz="1200" b="0" i="0" u="none" strike="noStrike" kern="1200" cap="none" spc="0" normalizeH="0" baseline="0" noProof="0" smtClean="0">
-                <a:ln>
-                  <a:noFill/>
-                </a:ln>
-                <a:solidFill>
-                  <a:schemeClr val="tx1"/>
-                </a:solidFill>
-                <a:effectLst/>
-                <a:uLnTx/>
-                <a:uFillTx/>
-                <a:latin typeface="Comic Sans MS"/>
-                <a:ea typeface="+mn-ea"/>
-                <a:cs typeface="Comic Sans MS"/>
-              </a:rPr>
-              <a:pPr marL="0" marR="0" lvl="0" indent="0" algn="r" defTabSz="914400" rtl="0" eaLnBrk="1" fontAlgn="base" latinLnBrk="0" hangingPunct="1">
-                <a:lnSpc>
-                  <a:spcPct val="100000"/>
-                </a:lnSpc>
-                <a:spcBef>
-                  <a:spcPct val="0"/>
-                </a:spcBef>
-                <a:spcAft>
-                  <a:spcPct val="0"/>
-                </a:spcAft>
-                <a:buClrTx/>
-                <a:buSzTx/>
-                <a:buFontTx/>
-                <a:buNone/>
-                <a:tabLst/>
-                <a:defRPr/>
-              </a:pPr>
-              <a:t>30</a:t>
-            </a:fld>
-            <a:endParaRPr kumimoji="0" lang="en-US" sz="1200" b="0" i="0" u="none" strike="noStrike" kern="1200" cap="none" spc="0" normalizeH="0" baseline="0" noProof="0" dirty="0">
-              <a:ln>
-                <a:noFill/>
-              </a:ln>
-              <a:solidFill>
-                <a:schemeClr val="tx1"/>
-              </a:solidFill>
-              <a:effectLst/>
-              <a:uLnTx/>
-              <a:uFillTx/>
-              <a:latin typeface="Comic Sans MS"/>
-              <a:ea typeface="+mn-ea"/>
-              <a:cs typeface="Comic Sans MS"/>
-            </a:endParaRPr>
-          </a:p>
-        </p:txBody>
-      </p:sp>
-    </p:spTree>
-    <p:extLst>
-      <p:ext uri="{BB962C8B-B14F-4D97-AF65-F5344CB8AC3E}">
-        <p14:creationId xmlns:p14="http://schemas.microsoft.com/office/powerpoint/2010/main" val="2233435012"/>
-      </p:ext>
-    </p:extLst>
-  </p:cSld>
-  <p:clrMapOvr>
-    <a:masterClrMapping/>
-  </p:clrMapOvr>
-  <mc:AlternateContent xmlns:mc="http://schemas.openxmlformats.org/markup-compatibility/2006">
-    <mc:Choice xmlns:p14="http://schemas.microsoft.com/office/powerpoint/2010/main" Requires="p14">
-      <p:transition spd="med" p14:dur="700" advClick="0">
-        <p:fade/>
-      </p:transition>
-    </mc:Choice>
-    <mc:Fallback>
-      <p:transition xmlns:p14="http://schemas.microsoft.com/office/powerpoint/2010/main" spd="med" advClick="0">
-        <p:fade/>
-      </p:transition>
-    </mc:Fallback>
-  </mc:AlternateContent>
-  <p:timing>
-    <p:tnLst>
-      <p:par>
-        <p:cTn xmlns:p14="http://schemas.microsoft.com/office/powerpoint/2010/main" id="1" dur="indefinite" restart="never" nodeType="tmRoot"/>
-      </p:par>
-    </p:tnLst>
-  </p:timing>
-</p:sld>
-</file>
-
-<file path=ppt/slides/slide31.xml><?xml version="1.0" encoding="utf-8"?>
 <p:sld xmlns:a="http://schemas.openxmlformats.org/drawingml/2006/main" xmlns:r="http://schemas.openxmlformats.org/officeDocument/2006/relationships" xmlns:p="http://schemas.openxmlformats.org/presentationml/2006/main">
   <p:cSld>
     <p:spTree>
@@ -14325,7 +13718,7 @@
           <a:graphicData uri="http://schemas.openxmlformats.org/presentationml/2006/ole">
             <mc:AlternateContent xmlns:mc="http://schemas.openxmlformats.org/markup-compatibility/2006">
               <mc:Choice xmlns:v="urn:schemas-microsoft-com:vml" Requires="v">
-                <p:oleObj spid="_x0000_s27700" name="Equation" r:id="rId4" imgW="1193800" imgH="495300" progId="Equation.DSMT4">
+                <p:oleObj spid="_x0000_s27703" name="Equation" r:id="rId4" imgW="1193800" imgH="495300" progId="Equation.DSMT4">
                   <p:embed/>
                 </p:oleObj>
               </mc:Choice>
@@ -14465,7 +13858,7 @@
                 <a:tabLst/>
                 <a:defRPr/>
               </a:pPr>
-              <a:t>31</a:t>
+              <a:t>30</a:t>
             </a:fld>
             <a:endParaRPr kumimoji="0" lang="en-US" sz="1200" b="0" i="0" u="none" strike="noStrike" kern="1200" cap="none" spc="0" normalizeH="0" baseline="0" noProof="0" dirty="0">
               <a:ln>
@@ -14778,7 +14171,7 @@
 </p:sld>
 </file>
 
-<file path=ppt/slides/slide32.xml><?xml version="1.0" encoding="utf-8"?>
+<file path=ppt/slides/slide31.xml><?xml version="1.0" encoding="utf-8"?>
 <p:sld xmlns:a="http://schemas.openxmlformats.org/drawingml/2006/main" xmlns:r="http://schemas.openxmlformats.org/officeDocument/2006/relationships" xmlns:p="http://schemas.openxmlformats.org/presentationml/2006/main">
   <p:cSld>
     <p:spTree>
@@ -14959,7 +14352,7 @@
           <a:graphicData uri="http://schemas.openxmlformats.org/presentationml/2006/ole">
             <mc:AlternateContent xmlns:mc="http://schemas.openxmlformats.org/markup-compatibility/2006">
               <mc:Choice xmlns:v="urn:schemas-microsoft-com:vml" Requires="v">
-                <p:oleObj spid="_x0000_s62512" name="Equation" r:id="rId4" imgW="1498600" imgH="215900" progId="Equation.DSMT4">
+                <p:oleObj spid="_x0000_s62515" name="Equation" r:id="rId4" imgW="1498600" imgH="215900" progId="Equation.DSMT4">
                   <p:embed/>
                 </p:oleObj>
               </mc:Choice>
@@ -15099,7 +14492,7 @@
                 <a:tabLst/>
                 <a:defRPr/>
               </a:pPr>
-              <a:t>32</a:t>
+              <a:t>31</a:t>
             </a:fld>
             <a:endParaRPr kumimoji="0" lang="en-US" sz="1200" b="0" i="0" u="none" strike="noStrike" kern="1200" cap="none" spc="0" normalizeH="0" baseline="0" noProof="0" dirty="0">
               <a:ln>
@@ -15150,7 +14543,7 @@
 </p:sld>
 </file>
 
-<file path=ppt/slides/slide33.xml><?xml version="1.0" encoding="utf-8"?>
+<file path=ppt/slides/slide32.xml><?xml version="1.0" encoding="utf-8"?>
 <p:sld xmlns:a="http://schemas.openxmlformats.org/drawingml/2006/main" xmlns:r="http://schemas.openxmlformats.org/officeDocument/2006/relationships" xmlns:p="http://schemas.openxmlformats.org/presentationml/2006/main">
   <p:cSld>
     <p:spTree>
@@ -15249,7 +14642,7 @@
           <a:graphicData uri="http://schemas.openxmlformats.org/presentationml/2006/ole">
             <mc:AlternateContent xmlns:mc="http://schemas.openxmlformats.org/markup-compatibility/2006">
               <mc:Choice xmlns:v="urn:schemas-microsoft-com:vml" Requires="v">
-                <p:oleObj spid="_x0000_s139291" name="Equation" r:id="rId4" imgW="1968500" imgH="469900" progId="Equation.DSMT4">
+                <p:oleObj spid="_x0000_s139294" name="Equation" r:id="rId4" imgW="1968500" imgH="469900" progId="Equation.DSMT4">
                   <p:embed/>
                 </p:oleObj>
               </mc:Choice>
@@ -15389,7 +14782,7 @@
                 <a:tabLst/>
                 <a:defRPr/>
               </a:pPr>
-              <a:t>33</a:t>
+              <a:t>32</a:t>
             </a:fld>
             <a:endParaRPr kumimoji="0" lang="en-US" sz="1200" b="0" i="0" u="none" strike="noStrike" kern="1200" cap="none" spc="0" normalizeH="0" baseline="0" noProof="0" dirty="0">
               <a:ln>
@@ -15516,7 +14909,7 @@
 </p:sld>
 </file>
 
-<file path=ppt/slides/slide34.xml><?xml version="1.0" encoding="utf-8"?>
+<file path=ppt/slides/slide33.xml><?xml version="1.0" encoding="utf-8"?>
 <p:sld xmlns:a="http://schemas.openxmlformats.org/drawingml/2006/main" xmlns:r="http://schemas.openxmlformats.org/officeDocument/2006/relationships" xmlns:p="http://schemas.openxmlformats.org/presentationml/2006/main">
   <p:cSld>
     <p:spTree>
@@ -15615,7 +15008,7 @@
           <a:graphicData uri="http://schemas.openxmlformats.org/presentationml/2006/ole">
             <mc:AlternateContent xmlns:mc="http://schemas.openxmlformats.org/markup-compatibility/2006">
               <mc:Choice xmlns:v="urn:schemas-microsoft-com:vml" Requires="v">
-                <p:oleObj spid="_x0000_s154649" name="Equation" r:id="rId4" imgW="1739900" imgH="228600" progId="Equation.DSMT4">
+                <p:oleObj spid="_x0000_s154654" name="Equation" r:id="rId4" imgW="1739900" imgH="228600" progId="Equation.DSMT4">
                   <p:embed/>
                 </p:oleObj>
               </mc:Choice>
@@ -15672,7 +15065,7 @@
           <a:graphicData uri="http://schemas.openxmlformats.org/presentationml/2006/ole">
             <mc:AlternateContent xmlns:mc="http://schemas.openxmlformats.org/markup-compatibility/2006">
               <mc:Choice xmlns:v="urn:schemas-microsoft-com:vml" Requires="v">
-                <p:oleObj spid="_x0000_s154650" name="Equation" r:id="rId6" imgW="1701800" imgH="228600" progId="Equation.DSMT4">
+                <p:oleObj spid="_x0000_s154655" name="Equation" r:id="rId6" imgW="1701800" imgH="228600" progId="Equation.DSMT4">
                   <p:embed/>
                 </p:oleObj>
               </mc:Choice>
@@ -15812,7 +15205,7 @@
                 <a:tabLst/>
                 <a:defRPr/>
               </a:pPr>
-              <a:t>34</a:t>
+              <a:t>33</a:t>
             </a:fld>
             <a:endParaRPr kumimoji="0" lang="en-US" sz="1200" b="0" i="0" u="none" strike="noStrike" kern="1200" cap="none" spc="0" normalizeH="0" baseline="0" noProof="0" dirty="0">
               <a:ln>
@@ -15939,7 +15332,7 @@
 </p:sld>
 </file>
 
-<file path=ppt/slides/slide35.xml><?xml version="1.0" encoding="utf-8"?>
+<file path=ppt/slides/slide34.xml><?xml version="1.0" encoding="utf-8"?>
 <p:sld xmlns:a="http://schemas.openxmlformats.org/drawingml/2006/main" xmlns:r="http://schemas.openxmlformats.org/officeDocument/2006/relationships" xmlns:p="http://schemas.openxmlformats.org/presentationml/2006/main">
   <p:cSld>
     <p:spTree>
@@ -16088,7 +15481,7 @@
                 <a:tabLst/>
                 <a:defRPr/>
               </a:pPr>
-              <a:t>35</a:t>
+              <a:t>34</a:t>
             </a:fld>
             <a:endParaRPr kumimoji="0" lang="en-US" sz="1200" b="0" i="0" u="none" strike="noStrike" kern="1200" cap="none" spc="0" normalizeH="0" baseline="0" noProof="0" dirty="0">
               <a:ln>
@@ -16129,7 +15522,7 @@
           <a:graphicData uri="http://schemas.openxmlformats.org/presentationml/2006/ole">
             <mc:AlternateContent xmlns:mc="http://schemas.openxmlformats.org/markup-compatibility/2006">
               <mc:Choice xmlns:v="urn:schemas-microsoft-com:vml" Requires="v">
-                <p:oleObj spid="_x0000_s82982" name="Equation" r:id="rId4" imgW="1155700" imgH="469900" progId="Equation.DSMT4">
+                <p:oleObj spid="_x0000_s82985" name="Equation" r:id="rId4" imgW="1155700" imgH="469900" progId="Equation.DSMT4">
                   <p:embed/>
                 </p:oleObj>
               </mc:Choice>
@@ -16439,7 +15832,7 @@
 </p:sld>
 </file>
 
-<file path=ppt/slides/slide36.xml><?xml version="1.0" encoding="utf-8"?>
+<file path=ppt/slides/slide35.xml><?xml version="1.0" encoding="utf-8"?>
 <p:sld xmlns:a="http://schemas.openxmlformats.org/drawingml/2006/main" xmlns:r="http://schemas.openxmlformats.org/officeDocument/2006/relationships" xmlns:p="http://schemas.openxmlformats.org/presentationml/2006/main">
   <p:cSld>
     <p:spTree>
@@ -16810,7 +16203,7 @@
                 <a:tabLst/>
                 <a:defRPr/>
               </a:pPr>
-              <a:t>36</a:t>
+              <a:t>35</a:t>
             </a:fld>
             <a:endParaRPr kumimoji="0" lang="en-US" sz="1200" b="0" i="0" u="none" strike="noStrike" kern="1200" cap="none" spc="0" normalizeH="0" baseline="0" noProof="0" dirty="0">
               <a:ln>
@@ -17510,7 +16903,7 @@
           <a:graphicData uri="http://schemas.openxmlformats.org/presentationml/2006/ole">
             <mc:AlternateContent xmlns:mc="http://schemas.openxmlformats.org/markup-compatibility/2006">
               <mc:Choice xmlns:v="urn:schemas-microsoft-com:vml" Requires="v">
-                <p:oleObj spid="_x0000_s92191" name="Equation" r:id="rId4" imgW="1714500" imgH="241300" progId="Equation.DSMT4">
+                <p:oleObj spid="_x0000_s92194" name="Equation" r:id="rId4" imgW="1714500" imgH="241300" progId="Equation.DSMT4">
                   <p:embed/>
                 </p:oleObj>
               </mc:Choice>
@@ -18032,7 +17425,7 @@
           <a:graphicData uri="http://schemas.openxmlformats.org/presentationml/2006/ole">
             <mc:AlternateContent xmlns:mc="http://schemas.openxmlformats.org/markup-compatibility/2006">
               <mc:Choice xmlns:v="urn:schemas-microsoft-com:vml" Requires="v">
-                <p:oleObj spid="_x0000_s87100" name="Equation" r:id="rId4" imgW="1714500" imgH="241300" progId="Equation.DSMT4">
+                <p:oleObj spid="_x0000_s87105" name="Equation" r:id="rId4" imgW="1714500" imgH="241300" progId="Equation.DSMT4">
                   <p:embed/>
                 </p:oleObj>
               </mc:Choice>
@@ -18175,7 +17568,7 @@
           <a:graphicData uri="http://schemas.openxmlformats.org/presentationml/2006/ole">
             <mc:AlternateContent xmlns:mc="http://schemas.openxmlformats.org/markup-compatibility/2006">
               <mc:Choice xmlns:v="urn:schemas-microsoft-com:vml" Requires="v">
-                <p:oleObj spid="_x0000_s87101" name="Equation" r:id="rId6" imgW="1574800" imgH="469900" progId="Equation.DSMT4">
+                <p:oleObj spid="_x0000_s87106" name="Equation" r:id="rId6" imgW="1574800" imgH="469900" progId="Equation.DSMT4">
                   <p:embed/>
                 </p:oleObj>
               </mc:Choice>
@@ -18593,7 +17986,7 @@
           <a:graphicData uri="http://schemas.openxmlformats.org/presentationml/2006/ole">
             <mc:AlternateContent xmlns:mc="http://schemas.openxmlformats.org/markup-compatibility/2006">
               <mc:Choice xmlns:v="urn:schemas-microsoft-com:vml" Requires="v">
-                <p:oleObj spid="_x0000_s91170" name="Equation" r:id="rId4" imgW="1270000" imgH="469900" progId="Equation.DSMT4">
+                <p:oleObj spid="_x0000_s91173" name="Equation" r:id="rId4" imgW="1270000" imgH="469900" progId="Equation.DSMT4">
                   <p:embed/>
                 </p:oleObj>
               </mc:Choice>

--- a/spring16/slidesS16/testing-confidence.pptx
+++ b/spring16/slidesS16/testing-confidence.pptx
@@ -5,10 +5,10 @@
     <p:sldMasterId id="2147483650" r:id="rId1"/>
   </p:sldMasterIdLst>
   <p:notesMasterIdLst>
-    <p:notesMasterId r:id="rId37"/>
+    <p:notesMasterId r:id="rId44"/>
   </p:notesMasterIdLst>
   <p:handoutMasterIdLst>
-    <p:handoutMasterId r:id="rId38"/>
+    <p:handoutMasterId r:id="rId45"/>
   </p:handoutMasterIdLst>
   <p:sldIdLst>
     <p:sldId id="322" r:id="rId2"/>
@@ -46,11 +46,18 @@
     <p:sldId id="475" r:id="rId34"/>
     <p:sldId id="430" r:id="rId35"/>
     <p:sldId id="395" r:id="rId36"/>
+    <p:sldId id="479" r:id="rId37"/>
+    <p:sldId id="480" r:id="rId38"/>
+    <p:sldId id="476" r:id="rId39"/>
+    <p:sldId id="481" r:id="rId40"/>
+    <p:sldId id="482" r:id="rId41"/>
+    <p:sldId id="478" r:id="rId42"/>
+    <p:sldId id="483" r:id="rId43"/>
   </p:sldIdLst>
   <p:sldSz cx="9144000" cy="6858000" type="screen4x3"/>
   <p:notesSz cx="9601200" cy="7315200"/>
   <p:custDataLst>
-    <p:tags r:id="rId40"/>
+    <p:tags r:id="rId47"/>
   </p:custDataLst>
   <p:defaultTextStyle>
     <a:defPPr>
@@ -6576,7 +6583,7 @@
           <a:graphicData uri="http://schemas.openxmlformats.org/presentationml/2006/ole">
             <mc:AlternateContent xmlns:mc="http://schemas.openxmlformats.org/markup-compatibility/2006">
               <mc:Choice xmlns:v="urn:schemas-microsoft-com:vml" Requires="v">
-                <p:oleObj spid="_x0000_s1075" name="Equation" r:id="rId3" imgW="977900" imgH="241300" progId="Equation.DSMT4">
+                <p:oleObj spid="_x0000_s1081" name="Equation" r:id="rId3" imgW="977900" imgH="241300" progId="Equation.DSMT4">
                   <p:embed/>
                 </p:oleObj>
               </mc:Choice>
@@ -6908,7 +6915,7 @@
           <a:graphicData uri="http://schemas.openxmlformats.org/presentationml/2006/ole">
             <mc:AlternateContent xmlns:mc="http://schemas.openxmlformats.org/markup-compatibility/2006">
               <mc:Choice xmlns:v="urn:schemas-microsoft-com:vml" Requires="v">
-                <p:oleObj spid="_x0000_s99359" name="Equation" r:id="rId3" imgW="977900" imgH="241300" progId="Equation.DSMT4">
+                <p:oleObj spid="_x0000_s99365" name="Equation" r:id="rId3" imgW="977900" imgH="241300" progId="Equation.DSMT4">
                   <p:embed/>
                 </p:oleObj>
               </mc:Choice>
@@ -7200,7 +7207,7 @@
           <a:graphicData uri="http://schemas.openxmlformats.org/presentationml/2006/ole">
             <mc:AlternateContent xmlns:mc="http://schemas.openxmlformats.org/markup-compatibility/2006">
               <mc:Choice xmlns:v="urn:schemas-microsoft-com:vml" Requires="v">
-                <p:oleObj spid="_x0000_s100385" name="Equation" r:id="rId3" imgW="977900" imgH="241300" progId="Equation.DSMT4">
+                <p:oleObj spid="_x0000_s100391" name="Equation" r:id="rId3" imgW="977900" imgH="241300" progId="Equation.DSMT4">
                   <p:embed/>
                 </p:oleObj>
               </mc:Choice>
@@ -7412,7 +7419,7 @@
           <a:graphicData uri="http://schemas.openxmlformats.org/presentationml/2006/ole">
             <mc:AlternateContent xmlns:mc="http://schemas.openxmlformats.org/markup-compatibility/2006">
               <mc:Choice xmlns:v="urn:schemas-microsoft-com:vml" Requires="v">
-                <p:oleObj spid="_x0000_s101434" name="Equation" r:id="rId3" imgW="889000" imgH="241300" progId="Equation.DSMT4">
+                <p:oleObj spid="_x0000_s101445" name="Equation" r:id="rId3" imgW="889000" imgH="241300" progId="Equation.DSMT4">
                   <p:embed/>
                 </p:oleObj>
               </mc:Choice>
@@ -7524,7 +7531,7 @@
           <a:graphicData uri="http://schemas.openxmlformats.org/presentationml/2006/ole">
             <mc:AlternateContent xmlns:mc="http://schemas.openxmlformats.org/markup-compatibility/2006">
               <mc:Choice xmlns:v="urn:schemas-microsoft-com:vml" Requires="v">
-                <p:oleObj spid="_x0000_s101435" name="Equation" r:id="rId5" imgW="977900" imgH="241300" progId="Equation.DSMT4">
+                <p:oleObj spid="_x0000_s101446" name="Equation" r:id="rId5" imgW="977900" imgH="241300" progId="Equation.DSMT4">
                   <p:embed/>
                 </p:oleObj>
               </mc:Choice>
@@ -7878,7 +7885,7 @@
             <a:graphicData uri="http://schemas.openxmlformats.org/presentationml/2006/ole">
               <mc:AlternateContent xmlns:mc="http://schemas.openxmlformats.org/markup-compatibility/2006">
                 <mc:Choice xmlns:v="urn:schemas-microsoft-com:vml" Requires="v">
-                  <p:oleObj spid="_x0000_s35952" name="Equation" r:id="rId4" imgW="850900" imgH="228600" progId="Equation.DSMT4">
+                  <p:oleObj spid="_x0000_s35963" name="Equation" r:id="rId4" imgW="850900" imgH="228600" progId="Equation.DSMT4">
                     <p:embed/>
                   </p:oleObj>
                 </mc:Choice>
@@ -7935,7 +7942,7 @@
             <a:graphicData uri="http://schemas.openxmlformats.org/presentationml/2006/ole">
               <mc:AlternateContent xmlns:mc="http://schemas.openxmlformats.org/markup-compatibility/2006">
                 <mc:Choice xmlns:v="urn:schemas-microsoft-com:vml" Requires="v">
-                  <p:oleObj spid="_x0000_s35953" name="Equation" r:id="rId6" imgW="850900" imgH="228600" progId="Equation.DSMT4">
+                  <p:oleObj spid="_x0000_s35964" name="Equation" r:id="rId6" imgW="850900" imgH="228600" progId="Equation.DSMT4">
                     <p:embed/>
                   </p:oleObj>
                 </mc:Choice>
@@ -8725,7 +8732,7 @@
           <a:graphicData uri="http://schemas.openxmlformats.org/presentationml/2006/ole">
             <mc:AlternateContent xmlns:mc="http://schemas.openxmlformats.org/markup-compatibility/2006">
               <mc:Choice xmlns:v="urn:schemas-microsoft-com:vml" Requires="v">
-                <p:oleObj spid="_x0000_s88098" name="Equation" r:id="rId3" imgW="1257300" imgH="495300" progId="Equation.DSMT4">
+                <p:oleObj spid="_x0000_s88104" name="Equation" r:id="rId3" imgW="1257300" imgH="495300" progId="Equation.DSMT4">
                   <p:embed/>
                 </p:oleObj>
               </mc:Choice>
@@ -9064,7 +9071,7 @@
           <a:graphicData uri="http://schemas.openxmlformats.org/presentationml/2006/ole">
             <mc:AlternateContent xmlns:mc="http://schemas.openxmlformats.org/markup-compatibility/2006">
               <mc:Choice xmlns:v="urn:schemas-microsoft-com:vml" Requires="v">
-                <p:oleObj spid="_x0000_s89148" name="Equation" r:id="rId3" imgW="952500" imgH="469900" progId="Equation.DSMT4">
+                <p:oleObj spid="_x0000_s89159" name="Equation" r:id="rId3" imgW="952500" imgH="469900" progId="Equation.DSMT4">
                   <p:embed/>
                 </p:oleObj>
               </mc:Choice>
@@ -9121,7 +9128,7 @@
           <a:graphicData uri="http://schemas.openxmlformats.org/presentationml/2006/ole">
             <mc:AlternateContent xmlns:mc="http://schemas.openxmlformats.org/markup-compatibility/2006">
               <mc:Choice xmlns:v="urn:schemas-microsoft-com:vml" Requires="v">
-                <p:oleObj spid="_x0000_s89149" name="Equation" r:id="rId5" imgW="1701800" imgH="469900" progId="Equation.DSMT4">
+                <p:oleObj spid="_x0000_s89160" name="Equation" r:id="rId5" imgW="1701800" imgH="469900" progId="Equation.DSMT4">
                   <p:embed/>
                 </p:oleObj>
               </mc:Choice>
@@ -9475,7 +9482,7 @@
           <a:graphicData uri="http://schemas.openxmlformats.org/presentationml/2006/ole">
             <mc:AlternateContent xmlns:mc="http://schemas.openxmlformats.org/markup-compatibility/2006">
               <mc:Choice xmlns:v="urn:schemas-microsoft-com:vml" Requires="v">
-                <p:oleObj spid="_x0000_s32831" name="Equation" r:id="rId4" imgW="1765300" imgH="495300" progId="Equation.DSMT4">
+                <p:oleObj spid="_x0000_s32837" name="Equation" r:id="rId4" imgW="1765300" imgH="495300" progId="Equation.DSMT4">
                   <p:embed/>
                 </p:oleObj>
               </mc:Choice>
@@ -9789,7 +9796,7 @@
           <a:graphicData uri="http://schemas.openxmlformats.org/presentationml/2006/ole">
             <mc:AlternateContent xmlns:mc="http://schemas.openxmlformats.org/markup-compatibility/2006">
               <mc:Choice xmlns:v="urn:schemas-microsoft-com:vml" Requires="v">
-                <p:oleObj spid="_x0000_s79931" name="Equation" r:id="rId4" imgW="1092200" imgH="228600" progId="Equation.DSMT4">
+                <p:oleObj spid="_x0000_s79937" name="Equation" r:id="rId4" imgW="1092200" imgH="228600" progId="Equation.DSMT4">
                   <p:embed/>
                 </p:oleObj>
               </mc:Choice>
@@ -10155,7 +10162,7 @@
           <a:graphicData uri="http://schemas.openxmlformats.org/presentationml/2006/ole">
             <mc:AlternateContent xmlns:mc="http://schemas.openxmlformats.org/markup-compatibility/2006">
               <mc:Choice xmlns:v="urn:schemas-microsoft-com:vml" Requires="v">
-                <p:oleObj spid="_x0000_s136241" name="Equation" r:id="rId4" imgW="2146300" imgH="495300" progId="Equation.DSMT4">
+                <p:oleObj spid="_x0000_s136252" name="Equation" r:id="rId4" imgW="2146300" imgH="495300" progId="Equation.DSMT4">
                   <p:embed/>
                 </p:oleObj>
               </mc:Choice>
@@ -10212,7 +10219,7 @@
           <a:graphicData uri="http://schemas.openxmlformats.org/presentationml/2006/ole">
             <mc:AlternateContent xmlns:mc="http://schemas.openxmlformats.org/markup-compatibility/2006">
               <mc:Choice xmlns:v="urn:schemas-microsoft-com:vml" Requires="v">
-                <p:oleObj spid="_x0000_s136242" name="Equation" r:id="rId6" imgW="2171700" imgH="495300" progId="Equation.DSMT4">
+                <p:oleObj spid="_x0000_s136253" name="Equation" r:id="rId6" imgW="2171700" imgH="495300" progId="Equation.DSMT4">
                   <p:embed/>
                 </p:oleObj>
               </mc:Choice>
@@ -10578,7 +10585,7 @@
           <a:graphicData uri="http://schemas.openxmlformats.org/presentationml/2006/ole">
             <mc:AlternateContent xmlns:mc="http://schemas.openxmlformats.org/markup-compatibility/2006">
               <mc:Choice xmlns:v="urn:schemas-microsoft-com:vml" Requires="v">
-                <p:oleObj spid="_x0000_s133271" name="Equation" r:id="rId4" imgW="2171700" imgH="495300" progId="Equation.DSMT4">
+                <p:oleObj spid="_x0000_s133302" name="Equation" r:id="rId4" imgW="2171700" imgH="495300" progId="Equation.DSMT4">
                   <p:embed/>
                 </p:oleObj>
               </mc:Choice>
@@ -10689,7 +10696,7 @@
           <a:graphicData uri="http://schemas.openxmlformats.org/presentationml/2006/ole">
             <mc:AlternateContent xmlns:mc="http://schemas.openxmlformats.org/markup-compatibility/2006">
               <mc:Choice xmlns:v="urn:schemas-microsoft-com:vml" Requires="v">
-                <p:oleObj spid="_x0000_s133272" name="Equation" r:id="rId6" imgW="139700" imgH="215900" progId="Equation.DSMT4">
+                <p:oleObj spid="_x0000_s133303" name="Equation" r:id="rId6" imgW="139700" imgH="215900" progId="Equation.DSMT4">
                   <p:embed/>
                 </p:oleObj>
               </mc:Choice>
@@ -10746,7 +10753,7 @@
           <a:graphicData uri="http://schemas.openxmlformats.org/presentationml/2006/ole">
             <mc:AlternateContent xmlns:mc="http://schemas.openxmlformats.org/markup-compatibility/2006">
               <mc:Choice xmlns:v="urn:schemas-microsoft-com:vml" Requires="v">
-                <p:oleObj spid="_x0000_s133273" name="Equation" r:id="rId8" imgW="139700" imgH="215900" progId="Equation.DSMT4">
+                <p:oleObj spid="_x0000_s133304" name="Equation" r:id="rId8" imgW="139700" imgH="215900" progId="Equation.DSMT4">
                   <p:embed/>
                 </p:oleObj>
               </mc:Choice>
@@ -10803,7 +10810,7 @@
           <a:graphicData uri="http://schemas.openxmlformats.org/presentationml/2006/ole">
             <mc:AlternateContent xmlns:mc="http://schemas.openxmlformats.org/markup-compatibility/2006">
               <mc:Choice xmlns:v="urn:schemas-microsoft-com:vml" Requires="v">
-                <p:oleObj spid="_x0000_s133274" name="Equation" r:id="rId9" imgW="762000" imgH="533400" progId="Equation.DSMT4">
+                <p:oleObj spid="_x0000_s133305" name="Equation" r:id="rId9" imgW="762000" imgH="533400" progId="Equation.DSMT4">
                   <p:embed/>
                 </p:oleObj>
               </mc:Choice>
@@ -10860,7 +10867,7 @@
           <a:graphicData uri="http://schemas.openxmlformats.org/presentationml/2006/ole">
             <mc:AlternateContent xmlns:mc="http://schemas.openxmlformats.org/markup-compatibility/2006">
               <mc:Choice xmlns:v="urn:schemas-microsoft-com:vml" Requires="v">
-                <p:oleObj spid="_x0000_s133275" name="Equation" r:id="rId11" imgW="584200" imgH="533400" progId="Equation.DSMT4">
+                <p:oleObj spid="_x0000_s133306" name="Equation" r:id="rId11" imgW="584200" imgH="533400" progId="Equation.DSMT4">
                   <p:embed/>
                 </p:oleObj>
               </mc:Choice>
@@ -10917,7 +10924,7 @@
           <a:graphicData uri="http://schemas.openxmlformats.org/presentationml/2006/ole">
             <mc:AlternateContent xmlns:mc="http://schemas.openxmlformats.org/markup-compatibility/2006">
               <mc:Choice xmlns:v="urn:schemas-microsoft-com:vml" Requires="v">
-                <p:oleObj spid="_x0000_s133276" name="Equation" r:id="rId13" imgW="2146300" imgH="495300" progId="Equation.DSMT4">
+                <p:oleObj spid="_x0000_s133307" name="Equation" r:id="rId13" imgW="2146300" imgH="495300" progId="Equation.DSMT4">
                   <p:embed/>
                 </p:oleObj>
               </mc:Choice>
@@ -11207,7 +11214,7 @@
           <a:graphicData uri="http://schemas.openxmlformats.org/presentationml/2006/ole">
             <mc:AlternateContent xmlns:mc="http://schemas.openxmlformats.org/markup-compatibility/2006">
               <mc:Choice xmlns:v="urn:schemas-microsoft-com:vml" Requires="v">
-                <p:oleObj spid="_x0000_s134239" name="Equation" r:id="rId4" imgW="1244600" imgH="228600" progId="Equation.DSMT4">
+                <p:oleObj spid="_x0000_s134260" name="Equation" r:id="rId4" imgW="1244600" imgH="228600" progId="Equation.DSMT4">
                   <p:embed/>
                 </p:oleObj>
               </mc:Choice>
@@ -11264,7 +11271,7 @@
           <a:graphicData uri="http://schemas.openxmlformats.org/presentationml/2006/ole">
             <mc:AlternateContent xmlns:mc="http://schemas.openxmlformats.org/markup-compatibility/2006">
               <mc:Choice xmlns:v="urn:schemas-microsoft-com:vml" Requires="v">
-                <p:oleObj spid="_x0000_s134240" name="Equation" r:id="rId6" imgW="1612900" imgH="495300" progId="Equation.DSMT4">
+                <p:oleObj spid="_x0000_s134261" name="Equation" r:id="rId6" imgW="1612900" imgH="495300" progId="Equation.DSMT4">
                   <p:embed/>
                 </p:oleObj>
               </mc:Choice>
@@ -11321,7 +11328,7 @@
           <a:graphicData uri="http://schemas.openxmlformats.org/presentationml/2006/ole">
             <mc:AlternateContent xmlns:mc="http://schemas.openxmlformats.org/markup-compatibility/2006">
               <mc:Choice xmlns:v="urn:schemas-microsoft-com:vml" Requires="v">
-                <p:oleObj spid="_x0000_s134241" name="Equation" r:id="rId8" imgW="139700" imgH="215900" progId="Equation.DSMT4">
+                <p:oleObj spid="_x0000_s134262" name="Equation" r:id="rId8" imgW="139700" imgH="215900" progId="Equation.DSMT4">
                   <p:embed/>
                 </p:oleObj>
               </mc:Choice>
@@ -11378,7 +11385,7 @@
           <a:graphicData uri="http://schemas.openxmlformats.org/presentationml/2006/ole">
             <mc:AlternateContent xmlns:mc="http://schemas.openxmlformats.org/markup-compatibility/2006">
               <mc:Choice xmlns:v="urn:schemas-microsoft-com:vml" Requires="v">
-                <p:oleObj spid="_x0000_s134242" name="Equation" r:id="rId10" imgW="139700" imgH="215900" progId="Equation.DSMT4">
+                <p:oleObj spid="_x0000_s134263" name="Equation" r:id="rId10" imgW="139700" imgH="215900" progId="Equation.DSMT4">
                   <p:embed/>
                 </p:oleObj>
               </mc:Choice>
@@ -11668,7 +11675,7 @@
           <a:graphicData uri="http://schemas.openxmlformats.org/presentationml/2006/ole">
             <mc:AlternateContent xmlns:mc="http://schemas.openxmlformats.org/markup-compatibility/2006">
               <mc:Choice xmlns:v="urn:schemas-microsoft-com:vml" Requires="v">
-                <p:oleObj spid="_x0000_s135279" name="Equation" r:id="rId4" imgW="1828800" imgH="495300" progId="Equation.DSMT4">
+                <p:oleObj spid="_x0000_s135305" name="Equation" r:id="rId4" imgW="1828800" imgH="495300" progId="Equation.DSMT4">
                   <p:embed/>
                 </p:oleObj>
               </mc:Choice>
@@ -11725,7 +11732,7 @@
           <a:graphicData uri="http://schemas.openxmlformats.org/presentationml/2006/ole">
             <mc:AlternateContent xmlns:mc="http://schemas.openxmlformats.org/markup-compatibility/2006">
               <mc:Choice xmlns:v="urn:schemas-microsoft-com:vml" Requires="v">
-                <p:oleObj spid="_x0000_s135280" name="Equation" r:id="rId6" imgW="139700" imgH="215900" progId="Equation.DSMT4">
+                <p:oleObj spid="_x0000_s135306" name="Equation" r:id="rId6" imgW="139700" imgH="215900" progId="Equation.DSMT4">
                   <p:embed/>
                 </p:oleObj>
               </mc:Choice>
@@ -11782,7 +11789,7 @@
           <a:graphicData uri="http://schemas.openxmlformats.org/presentationml/2006/ole">
             <mc:AlternateContent xmlns:mc="http://schemas.openxmlformats.org/markup-compatibility/2006">
               <mc:Choice xmlns:v="urn:schemas-microsoft-com:vml" Requires="v">
-                <p:oleObj spid="_x0000_s135281" name="Equation" r:id="rId8" imgW="139700" imgH="215900" progId="Equation.DSMT4">
+                <p:oleObj spid="_x0000_s135307" name="Equation" r:id="rId8" imgW="139700" imgH="215900" progId="Equation.DSMT4">
                   <p:embed/>
                 </p:oleObj>
               </mc:Choice>
@@ -11839,7 +11846,7 @@
           <a:graphicData uri="http://schemas.openxmlformats.org/presentationml/2006/ole">
             <mc:AlternateContent xmlns:mc="http://schemas.openxmlformats.org/markup-compatibility/2006">
               <mc:Choice xmlns:v="urn:schemas-microsoft-com:vml" Requires="v">
-                <p:oleObj spid="_x0000_s135282" name="Equation" r:id="rId9" imgW="635000" imgH="469900" progId="Equation.DSMT4">
+                <p:oleObj spid="_x0000_s135308" name="Equation" r:id="rId9" imgW="635000" imgH="469900" progId="Equation.DSMT4">
                   <p:embed/>
                 </p:oleObj>
               </mc:Choice>
@@ -11896,7 +11903,7 @@
           <a:graphicData uri="http://schemas.openxmlformats.org/presentationml/2006/ole">
             <mc:AlternateContent xmlns:mc="http://schemas.openxmlformats.org/markup-compatibility/2006">
               <mc:Choice xmlns:v="urn:schemas-microsoft-com:vml" Requires="v">
-                <p:oleObj spid="_x0000_s135283" name="Equation" r:id="rId11" imgW="1244600" imgH="228600" progId="Equation.DSMT4">
+                <p:oleObj spid="_x0000_s135309" name="Equation" r:id="rId11" imgW="1244600" imgH="228600" progId="Equation.DSMT4">
                   <p:embed/>
                 </p:oleObj>
               </mc:Choice>
@@ -12300,7 +12307,7 @@
           <a:graphicData uri="http://schemas.openxmlformats.org/presentationml/2006/ole">
             <mc:AlternateContent xmlns:mc="http://schemas.openxmlformats.org/markup-compatibility/2006">
               <mc:Choice xmlns:v="urn:schemas-microsoft-com:vml" Requires="v">
-                <p:oleObj spid="_x0000_s137328" name="Equation" r:id="rId4" imgW="1384300" imgH="469900" progId="Equation.DSMT4">
+                <p:oleObj spid="_x0000_s137354" name="Equation" r:id="rId4" imgW="1384300" imgH="469900" progId="Equation.DSMT4">
                   <p:embed/>
                 </p:oleObj>
               </mc:Choice>
@@ -12357,7 +12364,7 @@
           <a:graphicData uri="http://schemas.openxmlformats.org/presentationml/2006/ole">
             <mc:AlternateContent xmlns:mc="http://schemas.openxmlformats.org/markup-compatibility/2006">
               <mc:Choice xmlns:v="urn:schemas-microsoft-com:vml" Requires="v">
-                <p:oleObj spid="_x0000_s137329" name="Equation" r:id="rId6" imgW="139700" imgH="215900" progId="Equation.DSMT4">
+                <p:oleObj spid="_x0000_s137355" name="Equation" r:id="rId6" imgW="139700" imgH="215900" progId="Equation.DSMT4">
                   <p:embed/>
                 </p:oleObj>
               </mc:Choice>
@@ -12414,7 +12421,7 @@
           <a:graphicData uri="http://schemas.openxmlformats.org/presentationml/2006/ole">
             <mc:AlternateContent xmlns:mc="http://schemas.openxmlformats.org/markup-compatibility/2006">
               <mc:Choice xmlns:v="urn:schemas-microsoft-com:vml" Requires="v">
-                <p:oleObj spid="_x0000_s137330" name="Equation" r:id="rId8" imgW="139700" imgH="215900" progId="Equation.DSMT4">
+                <p:oleObj spid="_x0000_s137356" name="Equation" r:id="rId8" imgW="139700" imgH="215900" progId="Equation.DSMT4">
                   <p:embed/>
                 </p:oleObj>
               </mc:Choice>
@@ -12471,7 +12478,7 @@
           <a:graphicData uri="http://schemas.openxmlformats.org/presentationml/2006/ole">
             <mc:AlternateContent xmlns:mc="http://schemas.openxmlformats.org/markup-compatibility/2006">
               <mc:Choice xmlns:v="urn:schemas-microsoft-com:vml" Requires="v">
-                <p:oleObj spid="_x0000_s137331" name="Equation" r:id="rId9" imgW="571500" imgH="457200" progId="Equation.DSMT4">
+                <p:oleObj spid="_x0000_s137357" name="Equation" r:id="rId9" imgW="571500" imgH="457200" progId="Equation.DSMT4">
                   <p:embed/>
                 </p:oleObj>
               </mc:Choice>
@@ -12528,7 +12535,7 @@
           <a:graphicData uri="http://schemas.openxmlformats.org/presentationml/2006/ole">
             <mc:AlternateContent xmlns:mc="http://schemas.openxmlformats.org/markup-compatibility/2006">
               <mc:Choice xmlns:v="urn:schemas-microsoft-com:vml" Requires="v">
-                <p:oleObj spid="_x0000_s137332" name="Equation" r:id="rId11" imgW="1244600" imgH="228600" progId="Equation.DSMT4">
+                <p:oleObj spid="_x0000_s137358" name="Equation" r:id="rId11" imgW="1244600" imgH="228600" progId="Equation.DSMT4">
                   <p:embed/>
                 </p:oleObj>
               </mc:Choice>
@@ -12818,7 +12825,7 @@
           <a:graphicData uri="http://schemas.openxmlformats.org/presentationml/2006/ole">
             <mc:AlternateContent xmlns:mc="http://schemas.openxmlformats.org/markup-compatibility/2006">
               <mc:Choice xmlns:v="urn:schemas-microsoft-com:vml" Requires="v">
-                <p:oleObj spid="_x0000_s138347" name="Equation" r:id="rId4" imgW="139700" imgH="215900" progId="Equation.DSMT4">
+                <p:oleObj spid="_x0000_s138373" name="Equation" r:id="rId4" imgW="139700" imgH="215900" progId="Equation.DSMT4">
                   <p:embed/>
                 </p:oleObj>
               </mc:Choice>
@@ -12875,7 +12882,7 @@
           <a:graphicData uri="http://schemas.openxmlformats.org/presentationml/2006/ole">
             <mc:AlternateContent xmlns:mc="http://schemas.openxmlformats.org/markup-compatibility/2006">
               <mc:Choice xmlns:v="urn:schemas-microsoft-com:vml" Requires="v">
-                <p:oleObj spid="_x0000_s138348" name="Equation" r:id="rId6" imgW="139700" imgH="215900" progId="Equation.DSMT4">
+                <p:oleObj spid="_x0000_s138374" name="Equation" r:id="rId6" imgW="139700" imgH="215900" progId="Equation.DSMT4">
                   <p:embed/>
                 </p:oleObj>
               </mc:Choice>
@@ -12932,7 +12939,7 @@
           <a:graphicData uri="http://schemas.openxmlformats.org/presentationml/2006/ole">
             <mc:AlternateContent xmlns:mc="http://schemas.openxmlformats.org/markup-compatibility/2006">
               <mc:Choice xmlns:v="urn:schemas-microsoft-com:vml" Requires="v">
-                <p:oleObj spid="_x0000_s138349" name="Equation" r:id="rId7" imgW="1193800" imgH="469900" progId="Equation.DSMT4">
+                <p:oleObj spid="_x0000_s138375" name="Equation" r:id="rId7" imgW="1193800" imgH="469900" progId="Equation.DSMT4">
                   <p:embed/>
                 </p:oleObj>
               </mc:Choice>
@@ -12989,7 +12996,7 @@
           <a:graphicData uri="http://schemas.openxmlformats.org/presentationml/2006/ole">
             <mc:AlternateContent xmlns:mc="http://schemas.openxmlformats.org/markup-compatibility/2006">
               <mc:Choice xmlns:v="urn:schemas-microsoft-com:vml" Requires="v">
-                <p:oleObj spid="_x0000_s138350" name="Equation" r:id="rId9" imgW="571500" imgH="457200" progId="Equation.DSMT4">
+                <p:oleObj spid="_x0000_s138376" name="Equation" r:id="rId9" imgW="571500" imgH="457200" progId="Equation.DSMT4">
                   <p:embed/>
                 </p:oleObj>
               </mc:Choice>
@@ -13046,7 +13053,7 @@
           <a:graphicData uri="http://schemas.openxmlformats.org/presentationml/2006/ole">
             <mc:AlternateContent xmlns:mc="http://schemas.openxmlformats.org/markup-compatibility/2006">
               <mc:Choice xmlns:v="urn:schemas-microsoft-com:vml" Requires="v">
-                <p:oleObj spid="_x0000_s138351" name="Equation" r:id="rId11" imgW="1244600" imgH="228600" progId="Equation.DSMT4">
+                <p:oleObj spid="_x0000_s138377" name="Equation" r:id="rId11" imgW="1244600" imgH="228600" progId="Equation.DSMT4">
                   <p:embed/>
                 </p:oleObj>
               </mc:Choice>
@@ -13718,7 +13725,7 @@
           <a:graphicData uri="http://schemas.openxmlformats.org/presentationml/2006/ole">
             <mc:AlternateContent xmlns:mc="http://schemas.openxmlformats.org/markup-compatibility/2006">
               <mc:Choice xmlns:v="urn:schemas-microsoft-com:vml" Requires="v">
-                <p:oleObj spid="_x0000_s27703" name="Equation" r:id="rId4" imgW="1193800" imgH="495300" progId="Equation.DSMT4">
+                <p:oleObj spid="_x0000_s27709" name="Equation" r:id="rId4" imgW="1193800" imgH="495300" progId="Equation.DSMT4">
                   <p:embed/>
                 </p:oleObj>
               </mc:Choice>
@@ -14352,7 +14359,7 @@
           <a:graphicData uri="http://schemas.openxmlformats.org/presentationml/2006/ole">
             <mc:AlternateContent xmlns:mc="http://schemas.openxmlformats.org/markup-compatibility/2006">
               <mc:Choice xmlns:v="urn:schemas-microsoft-com:vml" Requires="v">
-                <p:oleObj spid="_x0000_s62515" name="Equation" r:id="rId4" imgW="1498600" imgH="215900" progId="Equation.DSMT4">
+                <p:oleObj spid="_x0000_s62521" name="Equation" r:id="rId4" imgW="1498600" imgH="215900" progId="Equation.DSMT4">
                   <p:embed/>
                 </p:oleObj>
               </mc:Choice>
@@ -14642,7 +14649,7 @@
           <a:graphicData uri="http://schemas.openxmlformats.org/presentationml/2006/ole">
             <mc:AlternateContent xmlns:mc="http://schemas.openxmlformats.org/markup-compatibility/2006">
               <mc:Choice xmlns:v="urn:schemas-microsoft-com:vml" Requires="v">
-                <p:oleObj spid="_x0000_s139294" name="Equation" r:id="rId4" imgW="1968500" imgH="469900" progId="Equation.DSMT4">
+                <p:oleObj spid="_x0000_s139300" name="Equation" r:id="rId4" imgW="1968500" imgH="469900" progId="Equation.DSMT4">
                   <p:embed/>
                 </p:oleObj>
               </mc:Choice>
@@ -15008,7 +15015,7 @@
           <a:graphicData uri="http://schemas.openxmlformats.org/presentationml/2006/ole">
             <mc:AlternateContent xmlns:mc="http://schemas.openxmlformats.org/markup-compatibility/2006">
               <mc:Choice xmlns:v="urn:schemas-microsoft-com:vml" Requires="v">
-                <p:oleObj spid="_x0000_s154654" name="Equation" r:id="rId4" imgW="1739900" imgH="228600" progId="Equation.DSMT4">
+                <p:oleObj spid="_x0000_s154665" name="Equation" r:id="rId4" imgW="1739900" imgH="228600" progId="Equation.DSMT4">
                   <p:embed/>
                 </p:oleObj>
               </mc:Choice>
@@ -15065,7 +15072,7 @@
           <a:graphicData uri="http://schemas.openxmlformats.org/presentationml/2006/ole">
             <mc:AlternateContent xmlns:mc="http://schemas.openxmlformats.org/markup-compatibility/2006">
               <mc:Choice xmlns:v="urn:schemas-microsoft-com:vml" Requires="v">
-                <p:oleObj spid="_x0000_s154655" name="Equation" r:id="rId6" imgW="1701800" imgH="228600" progId="Equation.DSMT4">
+                <p:oleObj spid="_x0000_s154666" name="Equation" r:id="rId6" imgW="1701800" imgH="228600" progId="Equation.DSMT4">
                   <p:embed/>
                 </p:oleObj>
               </mc:Choice>
@@ -15522,7 +15529,7 @@
           <a:graphicData uri="http://schemas.openxmlformats.org/presentationml/2006/ole">
             <mc:AlternateContent xmlns:mc="http://schemas.openxmlformats.org/markup-compatibility/2006">
               <mc:Choice xmlns:v="urn:schemas-microsoft-com:vml" Requires="v">
-                <p:oleObj spid="_x0000_s82985" name="Equation" r:id="rId4" imgW="1155700" imgH="469900" progId="Equation.DSMT4">
+                <p:oleObj spid="_x0000_s82991" name="Equation" r:id="rId4" imgW="1155700" imgH="469900" progId="Equation.DSMT4">
                   <p:embed/>
                 </p:oleObj>
               </mc:Choice>
@@ -16454,6 +16461,2019 @@
 </p:sld>
 </file>
 
+<file path=ppt/slides/slide36.xml><?xml version="1.0" encoding="utf-8"?>
+<p:sld xmlns:a="http://schemas.openxmlformats.org/drawingml/2006/main" xmlns:r="http://schemas.openxmlformats.org/officeDocument/2006/relationships" xmlns:p="http://schemas.openxmlformats.org/presentationml/2006/main">
+  <p:cSld>
+    <p:spTree>
+      <p:nvGrpSpPr>
+        <p:cNvPr id="1" name=""/>
+        <p:cNvGrpSpPr/>
+        <p:nvPr/>
+      </p:nvGrpSpPr>
+      <p:grpSpPr>
+        <a:xfrm>
+          <a:off x="0" y="0"/>
+          <a:ext cx="0" cy="0"/>
+          <a:chOff x="0" y="0"/>
+          <a:chExt cx="0" cy="0"/>
+        </a:xfrm>
+      </p:grpSpPr>
+      <p:sp>
+        <p:nvSpPr>
+          <p:cNvPr id="4" name="Slide Number Placeholder 3"/>
+          <p:cNvSpPr>
+            <a:spLocks noGrp="1"/>
+          </p:cNvSpPr>
+          <p:nvPr>
+            <p:ph type="sldNum" sz="quarter" idx="4294967295"/>
+          </p:nvPr>
+        </p:nvSpPr>
+        <p:spPr>
+          <a:xfrm>
+            <a:off x="7696200" y="6629400"/>
+            <a:ext cx="1447800" cy="228600"/>
+          </a:xfrm>
+          <a:prstGeom prst="rect">
+            <a:avLst/>
+          </a:prstGeom>
+        </p:spPr>
+        <p:txBody>
+          <a:bodyPr/>
+          <a:lstStyle/>
+          <a:p>
+            <a:pPr>
+              <a:defRPr/>
+            </a:pPr>
+            <a:r>
+              <a:rPr lang="en-US" dirty="0" err="1" smtClean="0"/>
+              <a:t>bayes</a:t>
+            </a:r>
+            <a:r>
+              <a:rPr lang="en-US" dirty="0" smtClean="0"/>
+              <a:t>.</a:t>
+            </a:r>
+            <a:fld id="{B9A0B45D-6AFD-413C-B761-B121FB8BE940}" type="slidenum">
+              <a:rPr lang="en-US" smtClean="0"/>
+              <a:pPr>
+                <a:defRPr/>
+              </a:pPr>
+              <a:t>36</a:t>
+            </a:fld>
+            <a:endParaRPr lang="en-US" dirty="0"/>
+          </a:p>
+        </p:txBody>
+      </p:sp>
+      <p:sp>
+        <p:nvSpPr>
+          <p:cNvPr id="6" name="TextBox 5"/>
+          <p:cNvSpPr txBox="1"/>
+          <p:nvPr/>
+        </p:nvSpPr>
+        <p:spPr>
+          <a:xfrm>
+            <a:off x="355568" y="1379277"/>
+            <a:ext cx="8114721" cy="1717393"/>
+          </a:xfrm>
+          <a:prstGeom prst="rect">
+            <a:avLst/>
+          </a:prstGeom>
+          <a:noFill/>
+        </p:spPr>
+        <p:txBody>
+          <a:bodyPr wrap="none" rtlCol="0">
+            <a:spAutoFit/>
+          </a:bodyPr>
+          <a:lstStyle/>
+          <a:p>
+            <a:pPr algn="l"/>
+            <a:r>
+              <a:rPr lang="en-US" sz="4800" dirty="0" smtClean="0">
+                <a:solidFill>
+                  <a:srgbClr val="0000CC"/>
+                </a:solidFill>
+                <a:latin typeface="Comic Sans MS"/>
+                <a:cs typeface="Comic Sans MS"/>
+              </a:rPr>
+              <a:t>98%</a:t>
+            </a:r>
+            <a:r>
+              <a:rPr lang="en-US" sz="4800" dirty="0" smtClean="0">
+                <a:latin typeface="Comic Sans MS"/>
+                <a:cs typeface="Comic Sans MS"/>
+              </a:rPr>
+              <a:t> </a:t>
+            </a:r>
+            <a:r>
+              <a:rPr lang="en-US" sz="4800" dirty="0">
+                <a:latin typeface="Comic Sans MS"/>
+                <a:cs typeface="Comic Sans MS"/>
+              </a:rPr>
+              <a:t>accurate </a:t>
+            </a:r>
+            <a:r>
+              <a:rPr lang="en-US" sz="4800" dirty="0" smtClean="0">
+                <a:latin typeface="Comic Sans MS"/>
+                <a:cs typeface="Comic Sans MS"/>
+              </a:rPr>
+              <a:t>test is not so</a:t>
+            </a:r>
+          </a:p>
+          <a:p>
+            <a:pPr algn="l"/>
+            <a:r>
+              <a:rPr lang="en-US" sz="4800" dirty="0" smtClean="0">
+                <a:latin typeface="Comic Sans MS"/>
+                <a:cs typeface="Comic Sans MS"/>
+              </a:rPr>
+              <a:t>good here.</a:t>
+            </a:r>
+          </a:p>
+        </p:txBody>
+      </p:sp>
+      <p:sp>
+        <p:nvSpPr>
+          <p:cNvPr id="7" name="Rectangle 4"/>
+          <p:cNvSpPr txBox="1">
+            <a:spLocks noChangeArrowheads="1"/>
+          </p:cNvSpPr>
+          <p:nvPr/>
+        </p:nvSpPr>
+        <p:spPr bwMode="auto">
+          <a:xfrm>
+            <a:off x="1447800" y="381000"/>
+            <a:ext cx="6553200" cy="838200"/>
+          </a:xfrm>
+          <a:prstGeom prst="rect">
+            <a:avLst/>
+          </a:prstGeom>
+          <a:noFill/>
+          <a:ln w="9525">
+            <a:noFill/>
+            <a:miter lim="800000"/>
+            <a:headEnd/>
+            <a:tailEnd/>
+          </a:ln>
+        </p:spPr>
+        <p:txBody>
+          <a:bodyPr vert="horz" wrap="square" lIns="91440" tIns="45720" rIns="91440" bIns="45720" numCol="1" anchor="ctr" anchorCtr="0" compatLnSpc="1">
+            <a:prstTxWarp prst="textNoShape">
+              <a:avLst/>
+            </a:prstTxWarp>
+          </a:bodyPr>
+          <a:lstStyle>
+            <a:lvl1pPr algn="ctr" rtl="0" eaLnBrk="0" fontAlgn="base" hangingPunct="0">
+              <a:spcBef>
+                <a:spcPct val="0"/>
+              </a:spcBef>
+              <a:spcAft>
+                <a:spcPct val="0"/>
+              </a:spcAft>
+              <a:defRPr sz="3200" b="1">
+                <a:solidFill>
+                  <a:schemeClr val="tx2"/>
+                </a:solidFill>
+                <a:latin typeface="+mj-lt"/>
+                <a:ea typeface="+mj-ea"/>
+                <a:cs typeface="+mj-cs"/>
+              </a:defRPr>
+            </a:lvl1pPr>
+            <a:lvl2pPr algn="ctr" rtl="0" eaLnBrk="0" fontAlgn="base" hangingPunct="0">
+              <a:spcBef>
+                <a:spcPct val="0"/>
+              </a:spcBef>
+              <a:spcAft>
+                <a:spcPct val="0"/>
+              </a:spcAft>
+              <a:defRPr sz="3600" b="1">
+                <a:solidFill>
+                  <a:schemeClr val="tx2"/>
+                </a:solidFill>
+                <a:latin typeface="Comic Sans MS" pitchFamily="66" charset="0"/>
+              </a:defRPr>
+            </a:lvl2pPr>
+            <a:lvl3pPr algn="ctr" rtl="0" eaLnBrk="0" fontAlgn="base" hangingPunct="0">
+              <a:spcBef>
+                <a:spcPct val="0"/>
+              </a:spcBef>
+              <a:spcAft>
+                <a:spcPct val="0"/>
+              </a:spcAft>
+              <a:defRPr sz="3600" b="1">
+                <a:solidFill>
+                  <a:schemeClr val="tx2"/>
+                </a:solidFill>
+                <a:latin typeface="Comic Sans MS" pitchFamily="66" charset="0"/>
+              </a:defRPr>
+            </a:lvl3pPr>
+            <a:lvl4pPr algn="ctr" rtl="0" eaLnBrk="0" fontAlgn="base" hangingPunct="0">
+              <a:spcBef>
+                <a:spcPct val="0"/>
+              </a:spcBef>
+              <a:spcAft>
+                <a:spcPct val="0"/>
+              </a:spcAft>
+              <a:defRPr sz="3600" b="1">
+                <a:solidFill>
+                  <a:schemeClr val="tx2"/>
+                </a:solidFill>
+                <a:latin typeface="Comic Sans MS" pitchFamily="66" charset="0"/>
+              </a:defRPr>
+            </a:lvl4pPr>
+            <a:lvl5pPr algn="ctr" rtl="0" eaLnBrk="0" fontAlgn="base" hangingPunct="0">
+              <a:spcBef>
+                <a:spcPct val="0"/>
+              </a:spcBef>
+              <a:spcAft>
+                <a:spcPct val="0"/>
+              </a:spcAft>
+              <a:defRPr sz="3600" b="1">
+                <a:solidFill>
+                  <a:schemeClr val="tx2"/>
+                </a:solidFill>
+                <a:latin typeface="Comic Sans MS" pitchFamily="66" charset="0"/>
+              </a:defRPr>
+            </a:lvl5pPr>
+            <a:lvl6pPr marL="457200" algn="ctr" rtl="0" fontAlgn="base">
+              <a:spcBef>
+                <a:spcPct val="0"/>
+              </a:spcBef>
+              <a:spcAft>
+                <a:spcPct val="0"/>
+              </a:spcAft>
+              <a:defRPr sz="3600" b="1">
+                <a:solidFill>
+                  <a:schemeClr val="tx2"/>
+                </a:solidFill>
+                <a:latin typeface="Comic Sans MS" pitchFamily="66" charset="0"/>
+              </a:defRPr>
+            </a:lvl6pPr>
+            <a:lvl7pPr marL="914400" algn="ctr" rtl="0" fontAlgn="base">
+              <a:spcBef>
+                <a:spcPct val="0"/>
+              </a:spcBef>
+              <a:spcAft>
+                <a:spcPct val="0"/>
+              </a:spcAft>
+              <a:defRPr sz="3600" b="1">
+                <a:solidFill>
+                  <a:schemeClr val="tx2"/>
+                </a:solidFill>
+                <a:latin typeface="Comic Sans MS" pitchFamily="66" charset="0"/>
+              </a:defRPr>
+            </a:lvl7pPr>
+            <a:lvl8pPr marL="1371600" algn="ctr" rtl="0" fontAlgn="base">
+              <a:spcBef>
+                <a:spcPct val="0"/>
+              </a:spcBef>
+              <a:spcAft>
+                <a:spcPct val="0"/>
+              </a:spcAft>
+              <a:defRPr sz="3600" b="1">
+                <a:solidFill>
+                  <a:schemeClr val="tx2"/>
+                </a:solidFill>
+                <a:latin typeface="Comic Sans MS" pitchFamily="66" charset="0"/>
+              </a:defRPr>
+            </a:lvl8pPr>
+            <a:lvl9pPr marL="1828800" algn="ctr" rtl="0" fontAlgn="base">
+              <a:spcBef>
+                <a:spcPct val="0"/>
+              </a:spcBef>
+              <a:spcAft>
+                <a:spcPct val="0"/>
+              </a:spcAft>
+              <a:defRPr sz="3600" b="1">
+                <a:solidFill>
+                  <a:schemeClr val="tx2"/>
+                </a:solidFill>
+                <a:latin typeface="Comic Sans MS" pitchFamily="66" charset="0"/>
+              </a:defRPr>
+            </a:lvl9pPr>
+          </a:lstStyle>
+          <a:p>
+            <a:pPr eaLnBrk="1" hangingPunct="1"/>
+            <a:r>
+              <a:rPr lang="en-US" sz="4400" dirty="0" smtClean="0">
+                <a:solidFill>
+                  <a:schemeClr val="tx1"/>
+                </a:solidFill>
+                <a:latin typeface="Comic Sans MS"/>
+                <a:cs typeface="Comic Sans MS"/>
+              </a:rPr>
+              <a:t>A “more accurate” test</a:t>
+            </a:r>
+          </a:p>
+        </p:txBody>
+      </p:sp>
+    </p:spTree>
+    <p:extLst>
+      <p:ext uri="{BB962C8B-B14F-4D97-AF65-F5344CB8AC3E}">
+        <p14:creationId xmlns:p14="http://schemas.microsoft.com/office/powerpoint/2010/main" val="1044690127"/>
+      </p:ext>
+    </p:extLst>
+  </p:cSld>
+  <p:clrMapOvr>
+    <a:masterClrMapping/>
+  </p:clrMapOvr>
+  <p:transition xmlns:p14="http://schemas.microsoft.com/office/powerpoint/2010/main" spd="slow" advClick="0">
+    <p:fade thruBlk="1"/>
+  </p:transition>
+  <p:timing>
+    <p:tnLst>
+      <p:par>
+        <p:cTn xmlns:p14="http://schemas.microsoft.com/office/powerpoint/2010/main" id="1" dur="indefinite" restart="never" nodeType="tmRoot"/>
+      </p:par>
+    </p:tnLst>
+  </p:timing>
+</p:sld>
+</file>
+
+<file path=ppt/slides/slide37.xml><?xml version="1.0" encoding="utf-8"?>
+<p:sld xmlns:a="http://schemas.openxmlformats.org/drawingml/2006/main" xmlns:r="http://schemas.openxmlformats.org/officeDocument/2006/relationships" xmlns:p="http://schemas.openxmlformats.org/presentationml/2006/main">
+  <p:cSld>
+    <p:spTree>
+      <p:nvGrpSpPr>
+        <p:cNvPr id="1" name=""/>
+        <p:cNvGrpSpPr/>
+        <p:nvPr/>
+      </p:nvGrpSpPr>
+      <p:grpSpPr>
+        <a:xfrm>
+          <a:off x="0" y="0"/>
+          <a:ext cx="0" cy="0"/>
+          <a:chOff x="0" y="0"/>
+          <a:chExt cx="0" cy="0"/>
+        </a:xfrm>
+      </p:grpSpPr>
+      <p:sp>
+        <p:nvSpPr>
+          <p:cNvPr id="6" name="TextBox 5"/>
+          <p:cNvSpPr txBox="1"/>
+          <p:nvPr/>
+        </p:nvSpPr>
+        <p:spPr>
+          <a:xfrm>
+            <a:off x="355568" y="1379277"/>
+            <a:ext cx="8234045" cy="4376583"/>
+          </a:xfrm>
+          <a:prstGeom prst="rect">
+            <a:avLst/>
+          </a:prstGeom>
+          <a:noFill/>
+        </p:spPr>
+        <p:txBody>
+          <a:bodyPr wrap="none" rtlCol="0">
+            <a:spAutoFit/>
+          </a:bodyPr>
+          <a:lstStyle/>
+          <a:p>
+            <a:pPr algn="l"/>
+            <a:r>
+              <a:rPr lang="en-US" sz="4800" dirty="0" smtClean="0">
+                <a:solidFill>
+                  <a:srgbClr val="0000CC"/>
+                </a:solidFill>
+                <a:latin typeface="Comic Sans MS"/>
+                <a:cs typeface="Comic Sans MS"/>
+              </a:rPr>
+              <a:t>98%</a:t>
+            </a:r>
+            <a:r>
+              <a:rPr lang="en-US" sz="4800" dirty="0" smtClean="0">
+                <a:latin typeface="Comic Sans MS"/>
+                <a:cs typeface="Comic Sans MS"/>
+              </a:rPr>
+              <a:t> </a:t>
+            </a:r>
+            <a:r>
+              <a:rPr lang="en-US" sz="4800" dirty="0">
+                <a:latin typeface="Comic Sans MS"/>
+                <a:cs typeface="Comic Sans MS"/>
+              </a:rPr>
+              <a:t>accurate </a:t>
+            </a:r>
+            <a:r>
+              <a:rPr lang="en-US" sz="4800" dirty="0" smtClean="0">
+                <a:latin typeface="Comic Sans MS"/>
+                <a:cs typeface="Comic Sans MS"/>
+              </a:rPr>
+              <a:t>test is not so</a:t>
+            </a:r>
+          </a:p>
+          <a:p>
+            <a:pPr algn="l"/>
+            <a:r>
+              <a:rPr lang="en-US" sz="4800" dirty="0" smtClean="0">
+                <a:latin typeface="Comic Sans MS"/>
+                <a:cs typeface="Comic Sans MS"/>
+              </a:rPr>
+              <a:t>good here.  In fact, there’s</a:t>
+            </a:r>
+          </a:p>
+          <a:p>
+            <a:pPr algn="l"/>
+            <a:r>
+              <a:rPr lang="en-US" sz="4800" dirty="0" smtClean="0">
+                <a:latin typeface="Comic Sans MS"/>
+                <a:cs typeface="Comic Sans MS"/>
+              </a:rPr>
+              <a:t>a trivial test that is </a:t>
+            </a:r>
+            <a:r>
+              <a:rPr lang="en-US" sz="4800" dirty="0" smtClean="0">
+                <a:solidFill>
+                  <a:srgbClr val="0000CC"/>
+                </a:solidFill>
+                <a:latin typeface="Comic Sans MS"/>
+                <a:cs typeface="Comic Sans MS"/>
+              </a:rPr>
+              <a:t>99.99%</a:t>
+            </a:r>
+          </a:p>
+          <a:p>
+            <a:pPr algn="l"/>
+            <a:r>
+              <a:rPr lang="en-US" sz="4800" dirty="0" smtClean="0">
+                <a:latin typeface="Comic Sans MS"/>
+                <a:cs typeface="Comic Sans MS"/>
+              </a:rPr>
+              <a:t>accurate:</a:t>
+            </a:r>
+          </a:p>
+          <a:p>
+            <a:pPr algn="l"/>
+            <a:r>
+              <a:rPr lang="en-US" sz="4800" dirty="0">
+                <a:latin typeface="Comic Sans MS"/>
+                <a:cs typeface="Comic Sans MS"/>
+              </a:rPr>
+              <a:t>	 </a:t>
+            </a:r>
+            <a:r>
+              <a:rPr lang="en-US" sz="4800" dirty="0" smtClean="0">
+                <a:latin typeface="Comic Sans MS"/>
+                <a:cs typeface="Comic Sans MS"/>
+              </a:rPr>
+              <a:t>   </a:t>
+            </a:r>
+            <a:r>
+              <a:rPr lang="en-US" sz="4800" dirty="0" smtClean="0">
+                <a:solidFill>
+                  <a:srgbClr val="8C0085"/>
+                </a:solidFill>
+                <a:latin typeface="Comic Sans MS"/>
+                <a:cs typeface="Comic Sans MS"/>
+              </a:rPr>
+              <a:t>always</a:t>
+            </a:r>
+            <a:r>
+              <a:rPr lang="en-US" sz="4800" dirty="0" smtClean="0">
+                <a:latin typeface="Comic Sans MS"/>
+                <a:cs typeface="Comic Sans MS"/>
+              </a:rPr>
+              <a:t> say “</a:t>
+            </a:r>
+            <a:r>
+              <a:rPr lang="en-US" sz="4800" dirty="0" smtClean="0">
+                <a:solidFill>
+                  <a:srgbClr val="8C0085"/>
+                </a:solidFill>
+                <a:latin typeface="Comic Sans MS"/>
+                <a:cs typeface="Comic Sans MS"/>
+              </a:rPr>
+              <a:t>No TB</a:t>
+            </a:r>
+            <a:r>
+              <a:rPr lang="en-US" sz="4800" dirty="0" smtClean="0">
+                <a:latin typeface="Comic Sans MS"/>
+                <a:cs typeface="Comic Sans MS"/>
+              </a:rPr>
+              <a:t>”</a:t>
+            </a:r>
+          </a:p>
+        </p:txBody>
+      </p:sp>
+      <p:sp>
+        <p:nvSpPr>
+          <p:cNvPr id="7" name="Rectangle 4"/>
+          <p:cNvSpPr txBox="1">
+            <a:spLocks noChangeArrowheads="1"/>
+          </p:cNvSpPr>
+          <p:nvPr/>
+        </p:nvSpPr>
+        <p:spPr bwMode="auto">
+          <a:xfrm>
+            <a:off x="1447800" y="381000"/>
+            <a:ext cx="6553200" cy="838200"/>
+          </a:xfrm>
+          <a:prstGeom prst="rect">
+            <a:avLst/>
+          </a:prstGeom>
+          <a:noFill/>
+          <a:ln w="9525">
+            <a:noFill/>
+            <a:miter lim="800000"/>
+            <a:headEnd/>
+            <a:tailEnd/>
+          </a:ln>
+        </p:spPr>
+        <p:txBody>
+          <a:bodyPr vert="horz" wrap="square" lIns="91440" tIns="45720" rIns="91440" bIns="45720" numCol="1" anchor="ctr" anchorCtr="0" compatLnSpc="1">
+            <a:prstTxWarp prst="textNoShape">
+              <a:avLst/>
+            </a:prstTxWarp>
+          </a:bodyPr>
+          <a:lstStyle>
+            <a:lvl1pPr algn="ctr" rtl="0" eaLnBrk="0" fontAlgn="base" hangingPunct="0">
+              <a:spcBef>
+                <a:spcPct val="0"/>
+              </a:spcBef>
+              <a:spcAft>
+                <a:spcPct val="0"/>
+              </a:spcAft>
+              <a:defRPr sz="3200" b="1">
+                <a:solidFill>
+                  <a:schemeClr val="tx2"/>
+                </a:solidFill>
+                <a:latin typeface="+mj-lt"/>
+                <a:ea typeface="+mj-ea"/>
+                <a:cs typeface="+mj-cs"/>
+              </a:defRPr>
+            </a:lvl1pPr>
+            <a:lvl2pPr algn="ctr" rtl="0" eaLnBrk="0" fontAlgn="base" hangingPunct="0">
+              <a:spcBef>
+                <a:spcPct val="0"/>
+              </a:spcBef>
+              <a:spcAft>
+                <a:spcPct val="0"/>
+              </a:spcAft>
+              <a:defRPr sz="3600" b="1">
+                <a:solidFill>
+                  <a:schemeClr val="tx2"/>
+                </a:solidFill>
+                <a:latin typeface="Comic Sans MS" pitchFamily="66" charset="0"/>
+              </a:defRPr>
+            </a:lvl2pPr>
+            <a:lvl3pPr algn="ctr" rtl="0" eaLnBrk="0" fontAlgn="base" hangingPunct="0">
+              <a:spcBef>
+                <a:spcPct val="0"/>
+              </a:spcBef>
+              <a:spcAft>
+                <a:spcPct val="0"/>
+              </a:spcAft>
+              <a:defRPr sz="3600" b="1">
+                <a:solidFill>
+                  <a:schemeClr val="tx2"/>
+                </a:solidFill>
+                <a:latin typeface="Comic Sans MS" pitchFamily="66" charset="0"/>
+              </a:defRPr>
+            </a:lvl3pPr>
+            <a:lvl4pPr algn="ctr" rtl="0" eaLnBrk="0" fontAlgn="base" hangingPunct="0">
+              <a:spcBef>
+                <a:spcPct val="0"/>
+              </a:spcBef>
+              <a:spcAft>
+                <a:spcPct val="0"/>
+              </a:spcAft>
+              <a:defRPr sz="3600" b="1">
+                <a:solidFill>
+                  <a:schemeClr val="tx2"/>
+                </a:solidFill>
+                <a:latin typeface="Comic Sans MS" pitchFamily="66" charset="0"/>
+              </a:defRPr>
+            </a:lvl4pPr>
+            <a:lvl5pPr algn="ctr" rtl="0" eaLnBrk="0" fontAlgn="base" hangingPunct="0">
+              <a:spcBef>
+                <a:spcPct val="0"/>
+              </a:spcBef>
+              <a:spcAft>
+                <a:spcPct val="0"/>
+              </a:spcAft>
+              <a:defRPr sz="3600" b="1">
+                <a:solidFill>
+                  <a:schemeClr val="tx2"/>
+                </a:solidFill>
+                <a:latin typeface="Comic Sans MS" pitchFamily="66" charset="0"/>
+              </a:defRPr>
+            </a:lvl5pPr>
+            <a:lvl6pPr marL="457200" algn="ctr" rtl="0" fontAlgn="base">
+              <a:spcBef>
+                <a:spcPct val="0"/>
+              </a:spcBef>
+              <a:spcAft>
+                <a:spcPct val="0"/>
+              </a:spcAft>
+              <a:defRPr sz="3600" b="1">
+                <a:solidFill>
+                  <a:schemeClr val="tx2"/>
+                </a:solidFill>
+                <a:latin typeface="Comic Sans MS" pitchFamily="66" charset="0"/>
+              </a:defRPr>
+            </a:lvl6pPr>
+            <a:lvl7pPr marL="914400" algn="ctr" rtl="0" fontAlgn="base">
+              <a:spcBef>
+                <a:spcPct val="0"/>
+              </a:spcBef>
+              <a:spcAft>
+                <a:spcPct val="0"/>
+              </a:spcAft>
+              <a:defRPr sz="3600" b="1">
+                <a:solidFill>
+                  <a:schemeClr val="tx2"/>
+                </a:solidFill>
+                <a:latin typeface="Comic Sans MS" pitchFamily="66" charset="0"/>
+              </a:defRPr>
+            </a:lvl7pPr>
+            <a:lvl8pPr marL="1371600" algn="ctr" rtl="0" fontAlgn="base">
+              <a:spcBef>
+                <a:spcPct val="0"/>
+              </a:spcBef>
+              <a:spcAft>
+                <a:spcPct val="0"/>
+              </a:spcAft>
+              <a:defRPr sz="3600" b="1">
+                <a:solidFill>
+                  <a:schemeClr val="tx2"/>
+                </a:solidFill>
+                <a:latin typeface="Comic Sans MS" pitchFamily="66" charset="0"/>
+              </a:defRPr>
+            </a:lvl8pPr>
+            <a:lvl9pPr marL="1828800" algn="ctr" rtl="0" fontAlgn="base">
+              <a:spcBef>
+                <a:spcPct val="0"/>
+              </a:spcBef>
+              <a:spcAft>
+                <a:spcPct val="0"/>
+              </a:spcAft>
+              <a:defRPr sz="3600" b="1">
+                <a:solidFill>
+                  <a:schemeClr val="tx2"/>
+                </a:solidFill>
+                <a:latin typeface="Comic Sans MS" pitchFamily="66" charset="0"/>
+              </a:defRPr>
+            </a:lvl9pPr>
+          </a:lstStyle>
+          <a:p>
+            <a:pPr eaLnBrk="1" hangingPunct="1"/>
+            <a:r>
+              <a:rPr lang="en-US" sz="4400" dirty="0" smtClean="0">
+                <a:solidFill>
+                  <a:schemeClr val="tx1"/>
+                </a:solidFill>
+                <a:latin typeface="Comic Sans MS"/>
+                <a:cs typeface="Comic Sans MS"/>
+              </a:rPr>
+              <a:t>A “more accurate” test</a:t>
+            </a:r>
+          </a:p>
+        </p:txBody>
+      </p:sp>
+      <p:sp>
+        <p:nvSpPr>
+          <p:cNvPr id="5" name="Rectangle 4"/>
+          <p:cNvSpPr txBox="1">
+            <a:spLocks noChangeArrowheads="1"/>
+          </p:cNvSpPr>
+          <p:nvPr/>
+        </p:nvSpPr>
+        <p:spPr bwMode="auto">
+          <a:xfrm>
+            <a:off x="7696200" y="6629400"/>
+            <a:ext cx="1447800" cy="228600"/>
+          </a:xfrm>
+          <a:prstGeom prst="rect">
+            <a:avLst/>
+          </a:prstGeom>
+          <a:noFill/>
+          <a:ln w="9525">
+            <a:noFill/>
+            <a:miter lim="800000"/>
+            <a:headEnd/>
+            <a:tailEnd/>
+          </a:ln>
+          <a:effectLst/>
+        </p:spPr>
+        <p:txBody>
+          <a:bodyPr vert="horz" wrap="square" lIns="91440" tIns="45720" rIns="91440" bIns="45720" numCol="1" anchor="t" anchorCtr="0" compatLnSpc="1">
+            <a:prstTxWarp prst="textNoShape">
+              <a:avLst/>
+            </a:prstTxWarp>
+          </a:bodyPr>
+          <a:lstStyle>
+            <a:lvl1pPr algn="r">
+              <a:defRPr sz="1200" dirty="0" err="1" smtClean="0">
+                <a:latin typeface="+mn-lt"/>
+              </a:defRPr>
+            </a:lvl1pPr>
+          </a:lstStyle>
+          <a:p>
+            <a:pPr marL="0" marR="0" lvl="0" indent="0" algn="r" defTabSz="914400" rtl="0" eaLnBrk="1" fontAlgn="base" latinLnBrk="0" hangingPunct="1">
+              <a:lnSpc>
+                <a:spcPct val="100000"/>
+              </a:lnSpc>
+              <a:spcBef>
+                <a:spcPct val="0"/>
+              </a:spcBef>
+              <a:spcAft>
+                <a:spcPct val="0"/>
+              </a:spcAft>
+              <a:buClrTx/>
+              <a:buSzTx/>
+              <a:buFontTx/>
+              <a:buNone/>
+              <a:tabLst/>
+              <a:defRPr/>
+            </a:pPr>
+            <a:r>
+              <a:rPr kumimoji="0" lang="en-US" sz="1200" b="0" i="0" u="none" strike="noStrike" kern="1200" cap="none" spc="0" normalizeH="0" baseline="0" noProof="0" dirty="0" smtClean="0">
+                <a:ln>
+                  <a:noFill/>
+                </a:ln>
+                <a:solidFill>
+                  <a:schemeClr val="tx1"/>
+                </a:solidFill>
+                <a:effectLst/>
+                <a:uLnTx/>
+                <a:uFillTx/>
+                <a:latin typeface="Comic Sans MS"/>
+                <a:ea typeface="+mn-ea"/>
+                <a:cs typeface="Comic Sans MS"/>
+              </a:rPr>
+              <a:t>testing.</a:t>
+            </a:r>
+            <a:fld id="{B9A0B45D-6AFD-413C-B761-B121FB8BE940}" type="slidenum">
+              <a:rPr kumimoji="0" lang="en-US" sz="1200" b="0" i="0" u="none" strike="noStrike" kern="1200" cap="none" spc="0" normalizeH="0" baseline="0" noProof="0" smtClean="0">
+                <a:ln>
+                  <a:noFill/>
+                </a:ln>
+                <a:solidFill>
+                  <a:schemeClr val="tx1"/>
+                </a:solidFill>
+                <a:effectLst/>
+                <a:uLnTx/>
+                <a:uFillTx/>
+                <a:latin typeface="Comic Sans MS"/>
+                <a:ea typeface="+mn-ea"/>
+                <a:cs typeface="Comic Sans MS"/>
+              </a:rPr>
+              <a:pPr marL="0" marR="0" lvl="0" indent="0" algn="r" defTabSz="914400" rtl="0" eaLnBrk="1" fontAlgn="base" latinLnBrk="0" hangingPunct="1">
+                <a:lnSpc>
+                  <a:spcPct val="100000"/>
+                </a:lnSpc>
+                <a:spcBef>
+                  <a:spcPct val="0"/>
+                </a:spcBef>
+                <a:spcAft>
+                  <a:spcPct val="0"/>
+                </a:spcAft>
+                <a:buClrTx/>
+                <a:buSzTx/>
+                <a:buFontTx/>
+                <a:buNone/>
+                <a:tabLst/>
+                <a:defRPr/>
+              </a:pPr>
+              <a:t>37</a:t>
+            </a:fld>
+            <a:endParaRPr kumimoji="0" lang="en-US" sz="1200" b="0" i="0" u="none" strike="noStrike" kern="1200" cap="none" spc="0" normalizeH="0" baseline="0" noProof="0" dirty="0">
+              <a:ln>
+                <a:noFill/>
+              </a:ln>
+              <a:solidFill>
+                <a:schemeClr val="tx1"/>
+              </a:solidFill>
+              <a:effectLst/>
+              <a:uLnTx/>
+              <a:uFillTx/>
+              <a:latin typeface="Comic Sans MS"/>
+              <a:ea typeface="+mn-ea"/>
+              <a:cs typeface="Comic Sans MS"/>
+            </a:endParaRPr>
+          </a:p>
+        </p:txBody>
+      </p:sp>
+    </p:spTree>
+    <p:extLst>
+      <p:ext uri="{BB962C8B-B14F-4D97-AF65-F5344CB8AC3E}">
+        <p14:creationId xmlns:p14="http://schemas.microsoft.com/office/powerpoint/2010/main" val="446529394"/>
+      </p:ext>
+    </p:extLst>
+  </p:cSld>
+  <p:clrMapOvr>
+    <a:masterClrMapping/>
+  </p:clrMapOvr>
+  <mc:AlternateContent xmlns:mc="http://schemas.openxmlformats.org/markup-compatibility/2006" xmlns:p14="http://schemas.microsoft.com/office/powerpoint/2010/main">
+    <mc:Choice Requires="p14">
+      <p:transition spd="med" p14:dur="700" advClick="0">
+        <p:fade/>
+      </p:transition>
+    </mc:Choice>
+    <mc:Fallback xmlns="">
+      <p:transition xmlns:p14="http://schemas.microsoft.com/office/powerpoint/2010/main" spd="med" advClick="0">
+        <p:fade/>
+      </p:transition>
+    </mc:Fallback>
+  </mc:AlternateContent>
+  <p:timing>
+    <p:tnLst>
+      <p:par>
+        <p:cTn xmlns:p14="http://schemas.microsoft.com/office/powerpoint/2010/main" id="1" dur="indefinite" restart="never" nodeType="tmRoot">
+          <p:childTnLst>
+            <p:seq concurrent="1" nextAc="seek">
+              <p:cTn id="2" dur="indefinite" nodeType="mainSeq">
+                <p:childTnLst>
+                  <p:par>
+                    <p:cTn id="3" fill="hold">
+                      <p:stCondLst>
+                        <p:cond delay="indefinite"/>
+                      </p:stCondLst>
+                      <p:childTnLst>
+                        <p:par>
+                          <p:cTn id="4" fill="hold">
+                            <p:stCondLst>
+                              <p:cond delay="0"/>
+                            </p:stCondLst>
+                            <p:childTnLst>
+                              <p:par>
+                                <p:cTn id="5" presetID="10" presetClass="entr" presetSubtype="0" fill="hold" nodeType="clickEffect">
+                                  <p:stCondLst>
+                                    <p:cond delay="0"/>
+                                  </p:stCondLst>
+                                  <p:childTnLst>
+                                    <p:set>
+                                      <p:cBhvr>
+                                        <p:cTn id="6" dur="1" fill="hold">
+                                          <p:stCondLst>
+                                            <p:cond delay="0"/>
+                                          </p:stCondLst>
+                                        </p:cTn>
+                                        <p:tgtEl>
+                                          <p:spTgt spid="6">
+                                            <p:txEl>
+                                              <p:pRg st="4" end="4"/>
+                                            </p:txEl>
+                                          </p:spTgt>
+                                        </p:tgtEl>
+                                        <p:attrNameLst>
+                                          <p:attrName>style.visibility</p:attrName>
+                                        </p:attrNameLst>
+                                      </p:cBhvr>
+                                      <p:to>
+                                        <p:strVal val="visible"/>
+                                      </p:to>
+                                    </p:set>
+                                    <p:animEffect transition="in" filter="fade">
+                                      <p:cBhvr>
+                                        <p:cTn id="7" dur="500"/>
+                                        <p:tgtEl>
+                                          <p:spTgt spid="6">
+                                            <p:txEl>
+                                              <p:pRg st="4" end="4"/>
+                                            </p:txEl>
+                                          </p:spTgt>
+                                        </p:tgtEl>
+                                      </p:cBhvr>
+                                    </p:animEffect>
+                                  </p:childTnLst>
+                                </p:cTn>
+                              </p:par>
+                            </p:childTnLst>
+                          </p:cTn>
+                        </p:par>
+                      </p:childTnLst>
+                    </p:cTn>
+                  </p:par>
+                </p:childTnLst>
+              </p:cTn>
+              <p:prevCondLst>
+                <p:cond evt="onPrev" delay="0">
+                  <p:tgtEl>
+                    <p:sldTgt/>
+                  </p:tgtEl>
+                </p:cond>
+              </p:prevCondLst>
+              <p:nextCondLst>
+                <p:cond evt="onNext" delay="0">
+                  <p:tgtEl>
+                    <p:sldTgt/>
+                  </p:tgtEl>
+                </p:cond>
+              </p:nextCondLst>
+            </p:seq>
+          </p:childTnLst>
+        </p:cTn>
+      </p:par>
+    </p:tnLst>
+  </p:timing>
+</p:sld>
+</file>
+
+<file path=ppt/slides/slide38.xml><?xml version="1.0" encoding="utf-8"?>
+<p:sld xmlns:a="http://schemas.openxmlformats.org/drawingml/2006/main" xmlns:r="http://schemas.openxmlformats.org/officeDocument/2006/relationships" xmlns:p="http://schemas.openxmlformats.org/presentationml/2006/main">
+  <p:cSld>
+    <p:spTree>
+      <p:nvGrpSpPr>
+        <p:cNvPr id="1" name=""/>
+        <p:cNvGrpSpPr/>
+        <p:nvPr/>
+      </p:nvGrpSpPr>
+      <p:grpSpPr>
+        <a:xfrm>
+          <a:off x="0" y="0"/>
+          <a:ext cx="0" cy="0"/>
+          <a:chOff x="0" y="0"/>
+          <a:chExt cx="0" cy="0"/>
+        </a:xfrm>
+      </p:grpSpPr>
+      <p:sp>
+        <p:nvSpPr>
+          <p:cNvPr id="6" name="TextBox 5"/>
+          <p:cNvSpPr txBox="1"/>
+          <p:nvPr/>
+        </p:nvSpPr>
+        <p:spPr>
+          <a:xfrm>
+            <a:off x="771480" y="1143000"/>
+            <a:ext cx="7365718" cy="2603790"/>
+          </a:xfrm>
+          <a:prstGeom prst="rect">
+            <a:avLst/>
+          </a:prstGeom>
+          <a:noFill/>
+        </p:spPr>
+        <p:txBody>
+          <a:bodyPr wrap="none" rtlCol="0">
+            <a:spAutoFit/>
+          </a:bodyPr>
+          <a:lstStyle/>
+          <a:p>
+            <a:pPr algn="l"/>
+            <a:r>
+              <a:rPr lang="en-US" sz="4800" dirty="0" smtClean="0">
+                <a:solidFill>
+                  <a:srgbClr val="0000CC"/>
+                </a:solidFill>
+                <a:latin typeface="Comic Sans MS"/>
+                <a:cs typeface="Comic Sans MS"/>
+              </a:rPr>
+              <a:t>98%</a:t>
+            </a:r>
+            <a:r>
+              <a:rPr lang="en-US" sz="4800" dirty="0" smtClean="0">
+                <a:latin typeface="Comic Sans MS"/>
+                <a:cs typeface="Comic Sans MS"/>
+              </a:rPr>
+              <a:t> </a:t>
+            </a:r>
+            <a:r>
+              <a:rPr lang="en-US" sz="4800" dirty="0">
+                <a:latin typeface="Comic Sans MS"/>
+                <a:cs typeface="Comic Sans MS"/>
+              </a:rPr>
+              <a:t>accurate </a:t>
+            </a:r>
+            <a:r>
+              <a:rPr lang="en-US" sz="4800" dirty="0" smtClean="0">
+                <a:latin typeface="Comic Sans MS"/>
+                <a:cs typeface="Comic Sans MS"/>
+              </a:rPr>
+              <a:t>test did</a:t>
+            </a:r>
+          </a:p>
+          <a:p>
+            <a:pPr algn="l"/>
+            <a:r>
+              <a:rPr lang="en-US" sz="4800" dirty="0" smtClean="0">
+                <a:latin typeface="Comic Sans MS"/>
+                <a:cs typeface="Comic Sans MS"/>
+              </a:rPr>
+              <a:t>increase your </a:t>
+            </a:r>
+            <a:r>
+              <a:rPr lang="en-US" sz="4800" dirty="0" smtClean="0">
+                <a:latin typeface="Comic Sans MS"/>
+                <a:cs typeface="Comic Sans MS"/>
+              </a:rPr>
+              <a:t>odds</a:t>
+            </a:r>
+            <a:r>
+              <a:rPr lang="en-US" sz="4800" dirty="0">
+                <a:latin typeface="Comic Sans MS"/>
+                <a:cs typeface="Comic Sans MS"/>
+              </a:rPr>
+              <a:t> </a:t>
+            </a:r>
+            <a:r>
+              <a:rPr lang="en-US" sz="4800" dirty="0" smtClean="0">
+                <a:latin typeface="Comic Sans MS"/>
+                <a:cs typeface="Comic Sans MS"/>
+              </a:rPr>
+              <a:t>of </a:t>
+            </a:r>
+            <a:r>
+              <a:rPr lang="en-US" sz="4800" dirty="0" smtClean="0">
+                <a:latin typeface="Comic Sans MS"/>
+                <a:cs typeface="Comic Sans MS"/>
+              </a:rPr>
+              <a:t>TB </a:t>
+            </a:r>
+            <a:endParaRPr lang="en-US" sz="4800" dirty="0" smtClean="0">
+              <a:latin typeface="Comic Sans MS"/>
+              <a:cs typeface="Comic Sans MS"/>
+            </a:endParaRPr>
+          </a:p>
+          <a:p>
+            <a:r>
+              <a:rPr lang="en-US" sz="4800" dirty="0" smtClean="0">
+                <a:solidFill>
+                  <a:srgbClr val="0000FF"/>
+                </a:solidFill>
+                <a:latin typeface="Comic Sans MS"/>
+                <a:cs typeface="Comic Sans MS"/>
+              </a:rPr>
+              <a:t>5</a:t>
+            </a:r>
+            <a:r>
+              <a:rPr lang="en-US" sz="4800" dirty="0" smtClean="0">
+                <a:solidFill>
+                  <a:srgbClr val="0000FF"/>
+                </a:solidFill>
+                <a:latin typeface="Comic Sans MS"/>
+                <a:cs typeface="Comic Sans MS"/>
+              </a:rPr>
+              <a:t>0</a:t>
+            </a:r>
+            <a:r>
+              <a:rPr lang="en-US" sz="4800" dirty="0" smtClean="0">
+                <a:latin typeface="Comic Sans MS"/>
+                <a:cs typeface="Comic Sans MS"/>
+              </a:rPr>
+              <a:t> </a:t>
+            </a:r>
+            <a:r>
+              <a:rPr lang="en-US" sz="4800" dirty="0" smtClean="0">
+                <a:latin typeface="Comic Sans MS"/>
+                <a:cs typeface="Comic Sans MS"/>
+              </a:rPr>
+              <a:t>times</a:t>
+            </a:r>
+            <a:r>
+              <a:rPr lang="en-US" sz="4800" dirty="0" smtClean="0">
+                <a:latin typeface="Comic Sans MS"/>
+                <a:cs typeface="Comic Sans MS"/>
+              </a:rPr>
+              <a:t>.</a:t>
+            </a:r>
+            <a:endParaRPr lang="en-US" sz="4800" dirty="0" smtClean="0">
+              <a:latin typeface="Comic Sans MS"/>
+              <a:cs typeface="Comic Sans MS"/>
+            </a:endParaRPr>
+          </a:p>
+        </p:txBody>
+      </p:sp>
+      <p:sp>
+        <p:nvSpPr>
+          <p:cNvPr id="7" name="Rectangle 4"/>
+          <p:cNvSpPr txBox="1">
+            <a:spLocks noChangeArrowheads="1"/>
+          </p:cNvSpPr>
+          <p:nvPr/>
+        </p:nvSpPr>
+        <p:spPr bwMode="auto">
+          <a:xfrm>
+            <a:off x="1355099" y="152400"/>
+            <a:ext cx="7266290" cy="1112484"/>
+          </a:xfrm>
+          <a:prstGeom prst="rect">
+            <a:avLst/>
+          </a:prstGeom>
+          <a:noFill/>
+          <a:ln w="9525">
+            <a:noFill/>
+            <a:miter lim="800000"/>
+            <a:headEnd/>
+            <a:tailEnd/>
+          </a:ln>
+        </p:spPr>
+        <p:txBody>
+          <a:bodyPr vert="horz" wrap="square" lIns="91440" tIns="45720" rIns="91440" bIns="45720" numCol="1" anchor="ctr" anchorCtr="0" compatLnSpc="1">
+            <a:prstTxWarp prst="textNoShape">
+              <a:avLst/>
+            </a:prstTxWarp>
+          </a:bodyPr>
+          <a:lstStyle>
+            <a:lvl1pPr algn="ctr" rtl="0" eaLnBrk="0" fontAlgn="base" hangingPunct="0">
+              <a:spcBef>
+                <a:spcPct val="0"/>
+              </a:spcBef>
+              <a:spcAft>
+                <a:spcPct val="0"/>
+              </a:spcAft>
+              <a:defRPr sz="3200" b="1">
+                <a:solidFill>
+                  <a:schemeClr val="tx2"/>
+                </a:solidFill>
+                <a:latin typeface="+mj-lt"/>
+                <a:ea typeface="+mj-ea"/>
+                <a:cs typeface="+mj-cs"/>
+              </a:defRPr>
+            </a:lvl1pPr>
+            <a:lvl2pPr algn="ctr" rtl="0" eaLnBrk="0" fontAlgn="base" hangingPunct="0">
+              <a:spcBef>
+                <a:spcPct val="0"/>
+              </a:spcBef>
+              <a:spcAft>
+                <a:spcPct val="0"/>
+              </a:spcAft>
+              <a:defRPr sz="3600" b="1">
+                <a:solidFill>
+                  <a:schemeClr val="tx2"/>
+                </a:solidFill>
+                <a:latin typeface="Comic Sans MS" pitchFamily="66" charset="0"/>
+              </a:defRPr>
+            </a:lvl2pPr>
+            <a:lvl3pPr algn="ctr" rtl="0" eaLnBrk="0" fontAlgn="base" hangingPunct="0">
+              <a:spcBef>
+                <a:spcPct val="0"/>
+              </a:spcBef>
+              <a:spcAft>
+                <a:spcPct val="0"/>
+              </a:spcAft>
+              <a:defRPr sz="3600" b="1">
+                <a:solidFill>
+                  <a:schemeClr val="tx2"/>
+                </a:solidFill>
+                <a:latin typeface="Comic Sans MS" pitchFamily="66" charset="0"/>
+              </a:defRPr>
+            </a:lvl3pPr>
+            <a:lvl4pPr algn="ctr" rtl="0" eaLnBrk="0" fontAlgn="base" hangingPunct="0">
+              <a:spcBef>
+                <a:spcPct val="0"/>
+              </a:spcBef>
+              <a:spcAft>
+                <a:spcPct val="0"/>
+              </a:spcAft>
+              <a:defRPr sz="3600" b="1">
+                <a:solidFill>
+                  <a:schemeClr val="tx2"/>
+                </a:solidFill>
+                <a:latin typeface="Comic Sans MS" pitchFamily="66" charset="0"/>
+              </a:defRPr>
+            </a:lvl4pPr>
+            <a:lvl5pPr algn="ctr" rtl="0" eaLnBrk="0" fontAlgn="base" hangingPunct="0">
+              <a:spcBef>
+                <a:spcPct val="0"/>
+              </a:spcBef>
+              <a:spcAft>
+                <a:spcPct val="0"/>
+              </a:spcAft>
+              <a:defRPr sz="3600" b="1">
+                <a:solidFill>
+                  <a:schemeClr val="tx2"/>
+                </a:solidFill>
+                <a:latin typeface="Comic Sans MS" pitchFamily="66" charset="0"/>
+              </a:defRPr>
+            </a:lvl5pPr>
+            <a:lvl6pPr marL="457200" algn="ctr" rtl="0" fontAlgn="base">
+              <a:spcBef>
+                <a:spcPct val="0"/>
+              </a:spcBef>
+              <a:spcAft>
+                <a:spcPct val="0"/>
+              </a:spcAft>
+              <a:defRPr sz="3600" b="1">
+                <a:solidFill>
+                  <a:schemeClr val="tx2"/>
+                </a:solidFill>
+                <a:latin typeface="Comic Sans MS" pitchFamily="66" charset="0"/>
+              </a:defRPr>
+            </a:lvl6pPr>
+            <a:lvl7pPr marL="914400" algn="ctr" rtl="0" fontAlgn="base">
+              <a:spcBef>
+                <a:spcPct val="0"/>
+              </a:spcBef>
+              <a:spcAft>
+                <a:spcPct val="0"/>
+              </a:spcAft>
+              <a:defRPr sz="3600" b="1">
+                <a:solidFill>
+                  <a:schemeClr val="tx2"/>
+                </a:solidFill>
+                <a:latin typeface="Comic Sans MS" pitchFamily="66" charset="0"/>
+              </a:defRPr>
+            </a:lvl7pPr>
+            <a:lvl8pPr marL="1371600" algn="ctr" rtl="0" fontAlgn="base">
+              <a:spcBef>
+                <a:spcPct val="0"/>
+              </a:spcBef>
+              <a:spcAft>
+                <a:spcPct val="0"/>
+              </a:spcAft>
+              <a:defRPr sz="3600" b="1">
+                <a:solidFill>
+                  <a:schemeClr val="tx2"/>
+                </a:solidFill>
+                <a:latin typeface="Comic Sans MS" pitchFamily="66" charset="0"/>
+              </a:defRPr>
+            </a:lvl8pPr>
+            <a:lvl9pPr marL="1828800" algn="ctr" rtl="0" fontAlgn="base">
+              <a:spcBef>
+                <a:spcPct val="0"/>
+              </a:spcBef>
+              <a:spcAft>
+                <a:spcPct val="0"/>
+              </a:spcAft>
+              <a:defRPr sz="3600" b="1">
+                <a:solidFill>
+                  <a:schemeClr val="tx2"/>
+                </a:solidFill>
+                <a:latin typeface="Comic Sans MS" pitchFamily="66" charset="0"/>
+              </a:defRPr>
+            </a:lvl9pPr>
+          </a:lstStyle>
+          <a:p>
+            <a:pPr eaLnBrk="1" hangingPunct="1"/>
+            <a:r>
+              <a:rPr lang="en-US" sz="4400" dirty="0" smtClean="0">
+                <a:solidFill>
+                  <a:schemeClr val="tx1"/>
+                </a:solidFill>
+                <a:latin typeface="Comic Sans MS"/>
+                <a:cs typeface="Comic Sans MS"/>
+              </a:rPr>
+              <a:t>98% </a:t>
+            </a:r>
+            <a:r>
+              <a:rPr lang="en-US" sz="4400" dirty="0" smtClean="0">
+                <a:solidFill>
+                  <a:schemeClr val="tx1"/>
+                </a:solidFill>
+                <a:latin typeface="Comic Sans MS"/>
+                <a:cs typeface="Comic Sans MS"/>
+              </a:rPr>
+              <a:t>accuracy still useful</a:t>
+            </a:r>
+          </a:p>
+        </p:txBody>
+      </p:sp>
+      <p:sp>
+        <p:nvSpPr>
+          <p:cNvPr id="5" name="Rectangle 4"/>
+          <p:cNvSpPr txBox="1">
+            <a:spLocks noChangeArrowheads="1"/>
+          </p:cNvSpPr>
+          <p:nvPr/>
+        </p:nvSpPr>
+        <p:spPr bwMode="auto">
+          <a:xfrm>
+            <a:off x="7696200" y="6629400"/>
+            <a:ext cx="1447800" cy="228600"/>
+          </a:xfrm>
+          <a:prstGeom prst="rect">
+            <a:avLst/>
+          </a:prstGeom>
+          <a:noFill/>
+          <a:ln w="9525">
+            <a:noFill/>
+            <a:miter lim="800000"/>
+            <a:headEnd/>
+            <a:tailEnd/>
+          </a:ln>
+          <a:effectLst/>
+        </p:spPr>
+        <p:txBody>
+          <a:bodyPr vert="horz" wrap="square" lIns="91440" tIns="45720" rIns="91440" bIns="45720" numCol="1" anchor="t" anchorCtr="0" compatLnSpc="1">
+            <a:prstTxWarp prst="textNoShape">
+              <a:avLst/>
+            </a:prstTxWarp>
+          </a:bodyPr>
+          <a:lstStyle>
+            <a:lvl1pPr algn="r">
+              <a:defRPr sz="1200" dirty="0" err="1" smtClean="0">
+                <a:latin typeface="+mn-lt"/>
+              </a:defRPr>
+            </a:lvl1pPr>
+          </a:lstStyle>
+          <a:p>
+            <a:pPr marL="0" marR="0" lvl="0" indent="0" algn="r" defTabSz="914400" rtl="0" eaLnBrk="1" fontAlgn="base" latinLnBrk="0" hangingPunct="1">
+              <a:lnSpc>
+                <a:spcPct val="100000"/>
+              </a:lnSpc>
+              <a:spcBef>
+                <a:spcPct val="0"/>
+              </a:spcBef>
+              <a:spcAft>
+                <a:spcPct val="0"/>
+              </a:spcAft>
+              <a:buClrTx/>
+              <a:buSzTx/>
+              <a:buFontTx/>
+              <a:buNone/>
+              <a:tabLst/>
+              <a:defRPr/>
+            </a:pPr>
+            <a:r>
+              <a:rPr kumimoji="0" lang="en-US" sz="1200" b="0" i="0" u="none" strike="noStrike" kern="1200" cap="none" spc="0" normalizeH="0" baseline="0" noProof="0" dirty="0" smtClean="0">
+                <a:ln>
+                  <a:noFill/>
+                </a:ln>
+                <a:solidFill>
+                  <a:schemeClr val="tx1"/>
+                </a:solidFill>
+                <a:effectLst/>
+                <a:uLnTx/>
+                <a:uFillTx/>
+                <a:latin typeface="Comic Sans MS"/>
+                <a:ea typeface="+mn-ea"/>
+                <a:cs typeface="Comic Sans MS"/>
+              </a:rPr>
+              <a:t>testing.</a:t>
+            </a:r>
+            <a:fld id="{B9A0B45D-6AFD-413C-B761-B121FB8BE940}" type="slidenum">
+              <a:rPr kumimoji="0" lang="en-US" sz="1200" b="0" i="0" u="none" strike="noStrike" kern="1200" cap="none" spc="0" normalizeH="0" baseline="0" noProof="0" smtClean="0">
+                <a:ln>
+                  <a:noFill/>
+                </a:ln>
+                <a:solidFill>
+                  <a:schemeClr val="tx1"/>
+                </a:solidFill>
+                <a:effectLst/>
+                <a:uLnTx/>
+                <a:uFillTx/>
+                <a:latin typeface="Comic Sans MS"/>
+                <a:ea typeface="+mn-ea"/>
+                <a:cs typeface="Comic Sans MS"/>
+              </a:rPr>
+              <a:pPr marL="0" marR="0" lvl="0" indent="0" algn="r" defTabSz="914400" rtl="0" eaLnBrk="1" fontAlgn="base" latinLnBrk="0" hangingPunct="1">
+                <a:lnSpc>
+                  <a:spcPct val="100000"/>
+                </a:lnSpc>
+                <a:spcBef>
+                  <a:spcPct val="0"/>
+                </a:spcBef>
+                <a:spcAft>
+                  <a:spcPct val="0"/>
+                </a:spcAft>
+                <a:buClrTx/>
+                <a:buSzTx/>
+                <a:buFontTx/>
+                <a:buNone/>
+                <a:tabLst/>
+                <a:defRPr/>
+              </a:pPr>
+              <a:t>38</a:t>
+            </a:fld>
+            <a:endParaRPr kumimoji="0" lang="en-US" sz="1200" b="0" i="0" u="none" strike="noStrike" kern="1200" cap="none" spc="0" normalizeH="0" baseline="0" noProof="0" dirty="0">
+              <a:ln>
+                <a:noFill/>
+              </a:ln>
+              <a:solidFill>
+                <a:schemeClr val="tx1"/>
+              </a:solidFill>
+              <a:effectLst/>
+              <a:uLnTx/>
+              <a:uFillTx/>
+              <a:latin typeface="Comic Sans MS"/>
+              <a:ea typeface="+mn-ea"/>
+              <a:cs typeface="Comic Sans MS"/>
+            </a:endParaRPr>
+          </a:p>
+        </p:txBody>
+      </p:sp>
+    </p:spTree>
+    <p:extLst>
+      <p:ext uri="{BB962C8B-B14F-4D97-AF65-F5344CB8AC3E}">
+        <p14:creationId xmlns:p14="http://schemas.microsoft.com/office/powerpoint/2010/main" val="2266190519"/>
+      </p:ext>
+    </p:extLst>
+  </p:cSld>
+  <p:clrMapOvr>
+    <a:masterClrMapping/>
+  </p:clrMapOvr>
+  <p:transition xmlns:p14="http://schemas.microsoft.com/office/powerpoint/2010/main" spd="slow" advClick="0">
+    <p:fade thruBlk="1"/>
+  </p:transition>
+  <p:timing>
+    <p:tnLst>
+      <p:par>
+        <p:cTn xmlns:p14="http://schemas.microsoft.com/office/powerpoint/2010/main" id="1" dur="indefinite" restart="never" nodeType="tmRoot"/>
+      </p:par>
+    </p:tnLst>
+  </p:timing>
+</p:sld>
+</file>
+
+<file path=ppt/slides/slide39.xml><?xml version="1.0" encoding="utf-8"?>
+<p:sld xmlns:a="http://schemas.openxmlformats.org/drawingml/2006/main" xmlns:r="http://schemas.openxmlformats.org/officeDocument/2006/relationships" xmlns:p="http://schemas.openxmlformats.org/presentationml/2006/main">
+  <p:cSld>
+    <p:spTree>
+      <p:nvGrpSpPr>
+        <p:cNvPr id="1" name=""/>
+        <p:cNvGrpSpPr/>
+        <p:nvPr/>
+      </p:nvGrpSpPr>
+      <p:grpSpPr>
+        <a:xfrm>
+          <a:off x="0" y="0"/>
+          <a:ext cx="0" cy="0"/>
+          <a:chOff x="0" y="0"/>
+          <a:chExt cx="0" cy="0"/>
+        </a:xfrm>
+      </p:grpSpPr>
+      <p:sp>
+        <p:nvSpPr>
+          <p:cNvPr id="6" name="TextBox 5"/>
+          <p:cNvSpPr txBox="1"/>
+          <p:nvPr/>
+        </p:nvSpPr>
+        <p:spPr>
+          <a:xfrm>
+            <a:off x="771480" y="1143000"/>
+            <a:ext cx="7686720" cy="6149375"/>
+          </a:xfrm>
+          <a:prstGeom prst="rect">
+            <a:avLst/>
+          </a:prstGeom>
+          <a:noFill/>
+        </p:spPr>
+        <p:txBody>
+          <a:bodyPr wrap="none" rtlCol="0">
+            <a:spAutoFit/>
+          </a:bodyPr>
+          <a:lstStyle/>
+          <a:p>
+            <a:pPr algn="l"/>
+            <a:r>
+              <a:rPr lang="en-US" sz="4800" dirty="0" smtClean="0">
+                <a:solidFill>
+                  <a:srgbClr val="0000CC"/>
+                </a:solidFill>
+                <a:latin typeface="Comic Sans MS"/>
+                <a:cs typeface="Comic Sans MS"/>
+              </a:rPr>
+              <a:t>98%</a:t>
+            </a:r>
+            <a:r>
+              <a:rPr lang="en-US" sz="4800" dirty="0" smtClean="0">
+                <a:latin typeface="Comic Sans MS"/>
+                <a:cs typeface="Comic Sans MS"/>
+              </a:rPr>
+              <a:t> </a:t>
+            </a:r>
+            <a:r>
+              <a:rPr lang="en-US" sz="4800" dirty="0">
+                <a:latin typeface="Comic Sans MS"/>
+                <a:cs typeface="Comic Sans MS"/>
+              </a:rPr>
+              <a:t>accurate </a:t>
+            </a:r>
+            <a:r>
+              <a:rPr lang="en-US" sz="4800" dirty="0" smtClean="0">
+                <a:latin typeface="Comic Sans MS"/>
+                <a:cs typeface="Comic Sans MS"/>
+              </a:rPr>
+              <a:t>test did</a:t>
+            </a:r>
+          </a:p>
+          <a:p>
+            <a:pPr algn="l"/>
+            <a:r>
+              <a:rPr lang="en-US" sz="4800" dirty="0" smtClean="0">
+                <a:latin typeface="Comic Sans MS"/>
+                <a:cs typeface="Comic Sans MS"/>
+              </a:rPr>
+              <a:t>increase your </a:t>
+            </a:r>
+            <a:r>
+              <a:rPr lang="en-US" sz="4800" dirty="0" smtClean="0">
+                <a:latin typeface="Comic Sans MS"/>
+                <a:cs typeface="Comic Sans MS"/>
+              </a:rPr>
+              <a:t>odds</a:t>
+            </a:r>
+            <a:r>
+              <a:rPr lang="en-US" sz="4800" dirty="0">
+                <a:latin typeface="Comic Sans MS"/>
+                <a:cs typeface="Comic Sans MS"/>
+              </a:rPr>
+              <a:t> </a:t>
+            </a:r>
+            <a:r>
+              <a:rPr lang="en-US" sz="4800" dirty="0" smtClean="0">
+                <a:latin typeface="Comic Sans MS"/>
+                <a:cs typeface="Comic Sans MS"/>
+              </a:rPr>
+              <a:t>of </a:t>
+            </a:r>
+            <a:r>
+              <a:rPr lang="en-US" sz="4800" dirty="0" smtClean="0">
+                <a:latin typeface="Comic Sans MS"/>
+                <a:cs typeface="Comic Sans MS"/>
+              </a:rPr>
+              <a:t>TB </a:t>
+            </a:r>
+            <a:endParaRPr lang="en-US" sz="4800" dirty="0" smtClean="0">
+              <a:latin typeface="Comic Sans MS"/>
+              <a:cs typeface="Comic Sans MS"/>
+            </a:endParaRPr>
+          </a:p>
+          <a:p>
+            <a:r>
+              <a:rPr lang="en-US" sz="4800" dirty="0" smtClean="0">
+                <a:solidFill>
+                  <a:srgbClr val="0000FF"/>
+                </a:solidFill>
+                <a:latin typeface="Comic Sans MS"/>
+                <a:cs typeface="Comic Sans MS"/>
+              </a:rPr>
+              <a:t>5</a:t>
+            </a:r>
+            <a:r>
+              <a:rPr lang="en-US" sz="4800" dirty="0" smtClean="0">
+                <a:solidFill>
+                  <a:srgbClr val="0000FF"/>
+                </a:solidFill>
+                <a:latin typeface="Comic Sans MS"/>
+                <a:cs typeface="Comic Sans MS"/>
+              </a:rPr>
+              <a:t>0</a:t>
+            </a:r>
+            <a:r>
+              <a:rPr lang="en-US" sz="4800" dirty="0" smtClean="0">
+                <a:latin typeface="Comic Sans MS"/>
+                <a:cs typeface="Comic Sans MS"/>
+              </a:rPr>
+              <a:t> </a:t>
+            </a:r>
+            <a:r>
+              <a:rPr lang="en-US" sz="4800" dirty="0" smtClean="0">
+                <a:latin typeface="Comic Sans MS"/>
+                <a:cs typeface="Comic Sans MS"/>
+              </a:rPr>
+              <a:t>times</a:t>
+            </a:r>
+            <a:r>
+              <a:rPr lang="en-US" sz="4800" dirty="0">
+                <a:latin typeface="Comic Sans MS"/>
+                <a:cs typeface="Comic Sans MS"/>
+              </a:rPr>
+              <a:t>.  </a:t>
+            </a:r>
+            <a:r>
+              <a:rPr lang="en-US" sz="4800" dirty="0" smtClean="0">
+                <a:latin typeface="Comic Sans MS"/>
+                <a:cs typeface="Comic Sans MS"/>
+              </a:rPr>
+              <a:t>If you only </a:t>
+            </a:r>
+            <a:r>
+              <a:rPr lang="en-US" sz="4800" dirty="0">
+                <a:latin typeface="Comic Sans MS"/>
+                <a:cs typeface="Comic Sans MS"/>
+              </a:rPr>
+              <a:t>had </a:t>
+            </a:r>
+            <a:endParaRPr lang="en-US" sz="4800" dirty="0" smtClean="0">
+              <a:latin typeface="Comic Sans MS"/>
+              <a:cs typeface="Comic Sans MS"/>
+            </a:endParaRPr>
+          </a:p>
+          <a:p>
+            <a:r>
+              <a:rPr lang="en-US" sz="4800" dirty="0" smtClean="0">
+                <a:solidFill>
+                  <a:schemeClr val="accent1">
+                    <a:lumMod val="50000"/>
+                  </a:schemeClr>
+                </a:solidFill>
+                <a:latin typeface="Comic Sans MS"/>
+                <a:cs typeface="Comic Sans MS"/>
+              </a:rPr>
+              <a:t>7M</a:t>
+            </a:r>
+            <a:r>
+              <a:rPr lang="en-US" sz="4800" dirty="0" smtClean="0">
+                <a:latin typeface="Comic Sans MS"/>
+                <a:cs typeface="Comic Sans MS"/>
+              </a:rPr>
+              <a:t> </a:t>
+            </a:r>
+            <a:r>
+              <a:rPr lang="en-US" sz="4800" dirty="0">
+                <a:latin typeface="Comic Sans MS"/>
+                <a:cs typeface="Comic Sans MS"/>
+              </a:rPr>
+              <a:t>medicine </a:t>
+            </a:r>
+            <a:r>
+              <a:rPr lang="en-US" sz="4800" dirty="0" smtClean="0">
+                <a:latin typeface="Comic Sans MS"/>
+                <a:cs typeface="Comic Sans MS"/>
+              </a:rPr>
+              <a:t>doses for </a:t>
+            </a:r>
+            <a:r>
+              <a:rPr lang="en-US" sz="4800" dirty="0">
+                <a:latin typeface="Comic Sans MS"/>
+                <a:cs typeface="Comic Sans MS"/>
+              </a:rPr>
+              <a:t>a </a:t>
+            </a:r>
+            <a:endParaRPr lang="en-US" sz="4800" dirty="0" smtClean="0">
+              <a:latin typeface="Comic Sans MS"/>
+              <a:cs typeface="Comic Sans MS"/>
+            </a:endParaRPr>
+          </a:p>
+          <a:p>
+            <a:r>
+              <a:rPr lang="en-US" sz="4800" dirty="0" smtClean="0">
+                <a:latin typeface="Comic Sans MS"/>
+                <a:cs typeface="Comic Sans MS"/>
+              </a:rPr>
+              <a:t>population </a:t>
+            </a:r>
+            <a:r>
+              <a:rPr lang="en-US" sz="4800" dirty="0">
+                <a:latin typeface="Comic Sans MS"/>
+                <a:cs typeface="Comic Sans MS"/>
+              </a:rPr>
+              <a:t>of </a:t>
+            </a:r>
+            <a:r>
+              <a:rPr lang="en-US" sz="4800" dirty="0">
+                <a:solidFill>
+                  <a:srgbClr val="3333CC"/>
+                </a:solidFill>
+                <a:latin typeface="Comic Sans MS"/>
+                <a:cs typeface="Comic Sans MS"/>
+              </a:rPr>
+              <a:t>350M</a:t>
+            </a:r>
+            <a:r>
+              <a:rPr lang="en-US" sz="4800" dirty="0" smtClean="0">
+                <a:latin typeface="Comic Sans MS"/>
+                <a:cs typeface="Comic Sans MS"/>
+              </a:rPr>
+              <a:t>, whom</a:t>
+            </a:r>
+          </a:p>
+          <a:p>
+            <a:r>
+              <a:rPr lang="en-US" sz="4800" dirty="0" smtClean="0">
+                <a:latin typeface="Comic Sans MS"/>
+                <a:cs typeface="Comic Sans MS"/>
+              </a:rPr>
+              <a:t>should </a:t>
+            </a:r>
+            <a:r>
+              <a:rPr lang="en-US" sz="4800" dirty="0">
+                <a:latin typeface="Comic Sans MS"/>
+                <a:cs typeface="Comic Sans MS"/>
+              </a:rPr>
+              <a:t>you medicate?</a:t>
+            </a:r>
+          </a:p>
+          <a:p>
+            <a:pPr algn="l"/>
+            <a:endParaRPr lang="en-US" sz="4800" dirty="0" smtClean="0">
+              <a:latin typeface="Comic Sans MS"/>
+              <a:cs typeface="Comic Sans MS"/>
+            </a:endParaRPr>
+          </a:p>
+        </p:txBody>
+      </p:sp>
+      <p:sp>
+        <p:nvSpPr>
+          <p:cNvPr id="5" name="Rectangle 4"/>
+          <p:cNvSpPr txBox="1">
+            <a:spLocks noChangeArrowheads="1"/>
+          </p:cNvSpPr>
+          <p:nvPr/>
+        </p:nvSpPr>
+        <p:spPr bwMode="auto">
+          <a:xfrm>
+            <a:off x="7696200" y="6629400"/>
+            <a:ext cx="1447800" cy="228600"/>
+          </a:xfrm>
+          <a:prstGeom prst="rect">
+            <a:avLst/>
+          </a:prstGeom>
+          <a:noFill/>
+          <a:ln w="9525">
+            <a:noFill/>
+            <a:miter lim="800000"/>
+            <a:headEnd/>
+            <a:tailEnd/>
+          </a:ln>
+          <a:effectLst/>
+        </p:spPr>
+        <p:txBody>
+          <a:bodyPr vert="horz" wrap="square" lIns="91440" tIns="45720" rIns="91440" bIns="45720" numCol="1" anchor="t" anchorCtr="0" compatLnSpc="1">
+            <a:prstTxWarp prst="textNoShape">
+              <a:avLst/>
+            </a:prstTxWarp>
+          </a:bodyPr>
+          <a:lstStyle>
+            <a:lvl1pPr algn="r">
+              <a:defRPr sz="1200" dirty="0" err="1" smtClean="0">
+                <a:latin typeface="+mn-lt"/>
+              </a:defRPr>
+            </a:lvl1pPr>
+          </a:lstStyle>
+          <a:p>
+            <a:pPr marL="0" marR="0" lvl="0" indent="0" algn="r" defTabSz="914400" rtl="0" eaLnBrk="1" fontAlgn="base" latinLnBrk="0" hangingPunct="1">
+              <a:lnSpc>
+                <a:spcPct val="100000"/>
+              </a:lnSpc>
+              <a:spcBef>
+                <a:spcPct val="0"/>
+              </a:spcBef>
+              <a:spcAft>
+                <a:spcPct val="0"/>
+              </a:spcAft>
+              <a:buClrTx/>
+              <a:buSzTx/>
+              <a:buFontTx/>
+              <a:buNone/>
+              <a:tabLst/>
+              <a:defRPr/>
+            </a:pPr>
+            <a:r>
+              <a:rPr kumimoji="0" lang="en-US" sz="1200" b="0" i="0" u="none" strike="noStrike" kern="1200" cap="none" spc="0" normalizeH="0" baseline="0" noProof="0" dirty="0" smtClean="0">
+                <a:ln>
+                  <a:noFill/>
+                </a:ln>
+                <a:solidFill>
+                  <a:schemeClr val="tx1"/>
+                </a:solidFill>
+                <a:effectLst/>
+                <a:uLnTx/>
+                <a:uFillTx/>
+                <a:latin typeface="Comic Sans MS"/>
+                <a:ea typeface="+mn-ea"/>
+                <a:cs typeface="Comic Sans MS"/>
+              </a:rPr>
+              <a:t>testing.</a:t>
+            </a:r>
+            <a:fld id="{B9A0B45D-6AFD-413C-B761-B121FB8BE940}" type="slidenum">
+              <a:rPr kumimoji="0" lang="en-US" sz="1200" b="0" i="0" u="none" strike="noStrike" kern="1200" cap="none" spc="0" normalizeH="0" baseline="0" noProof="0" smtClean="0">
+                <a:ln>
+                  <a:noFill/>
+                </a:ln>
+                <a:solidFill>
+                  <a:schemeClr val="tx1"/>
+                </a:solidFill>
+                <a:effectLst/>
+                <a:uLnTx/>
+                <a:uFillTx/>
+                <a:latin typeface="Comic Sans MS"/>
+                <a:ea typeface="+mn-ea"/>
+                <a:cs typeface="Comic Sans MS"/>
+              </a:rPr>
+              <a:pPr marL="0" marR="0" lvl="0" indent="0" algn="r" defTabSz="914400" rtl="0" eaLnBrk="1" fontAlgn="base" latinLnBrk="0" hangingPunct="1">
+                <a:lnSpc>
+                  <a:spcPct val="100000"/>
+                </a:lnSpc>
+                <a:spcBef>
+                  <a:spcPct val="0"/>
+                </a:spcBef>
+                <a:spcAft>
+                  <a:spcPct val="0"/>
+                </a:spcAft>
+                <a:buClrTx/>
+                <a:buSzTx/>
+                <a:buFontTx/>
+                <a:buNone/>
+                <a:tabLst/>
+                <a:defRPr/>
+              </a:pPr>
+              <a:t>39</a:t>
+            </a:fld>
+            <a:endParaRPr kumimoji="0" lang="en-US" sz="1200" b="0" i="0" u="none" strike="noStrike" kern="1200" cap="none" spc="0" normalizeH="0" baseline="0" noProof="0" dirty="0">
+              <a:ln>
+                <a:noFill/>
+              </a:ln>
+              <a:solidFill>
+                <a:schemeClr val="tx1"/>
+              </a:solidFill>
+              <a:effectLst/>
+              <a:uLnTx/>
+              <a:uFillTx/>
+              <a:latin typeface="Comic Sans MS"/>
+              <a:ea typeface="+mn-ea"/>
+              <a:cs typeface="Comic Sans MS"/>
+            </a:endParaRPr>
+          </a:p>
+        </p:txBody>
+      </p:sp>
+      <p:sp>
+        <p:nvSpPr>
+          <p:cNvPr id="8" name="Rectangle 4"/>
+          <p:cNvSpPr txBox="1">
+            <a:spLocks noChangeArrowheads="1"/>
+          </p:cNvSpPr>
+          <p:nvPr/>
+        </p:nvSpPr>
+        <p:spPr bwMode="auto">
+          <a:xfrm>
+            <a:off x="1355099" y="152400"/>
+            <a:ext cx="7266290" cy="1112484"/>
+          </a:xfrm>
+          <a:prstGeom prst="rect">
+            <a:avLst/>
+          </a:prstGeom>
+          <a:noFill/>
+          <a:ln w="9525">
+            <a:noFill/>
+            <a:miter lim="800000"/>
+            <a:headEnd/>
+            <a:tailEnd/>
+          </a:ln>
+        </p:spPr>
+        <p:txBody>
+          <a:bodyPr vert="horz" wrap="square" lIns="91440" tIns="45720" rIns="91440" bIns="45720" numCol="1" anchor="ctr" anchorCtr="0" compatLnSpc="1">
+            <a:prstTxWarp prst="textNoShape">
+              <a:avLst/>
+            </a:prstTxWarp>
+          </a:bodyPr>
+          <a:lstStyle>
+            <a:lvl1pPr algn="ctr" rtl="0" eaLnBrk="0" fontAlgn="base" hangingPunct="0">
+              <a:spcBef>
+                <a:spcPct val="0"/>
+              </a:spcBef>
+              <a:spcAft>
+                <a:spcPct val="0"/>
+              </a:spcAft>
+              <a:defRPr sz="3200" b="1">
+                <a:solidFill>
+                  <a:schemeClr val="tx2"/>
+                </a:solidFill>
+                <a:latin typeface="+mj-lt"/>
+                <a:ea typeface="+mj-ea"/>
+                <a:cs typeface="+mj-cs"/>
+              </a:defRPr>
+            </a:lvl1pPr>
+            <a:lvl2pPr algn="ctr" rtl="0" eaLnBrk="0" fontAlgn="base" hangingPunct="0">
+              <a:spcBef>
+                <a:spcPct val="0"/>
+              </a:spcBef>
+              <a:spcAft>
+                <a:spcPct val="0"/>
+              </a:spcAft>
+              <a:defRPr sz="3600" b="1">
+                <a:solidFill>
+                  <a:schemeClr val="tx2"/>
+                </a:solidFill>
+                <a:latin typeface="Comic Sans MS" pitchFamily="66" charset="0"/>
+              </a:defRPr>
+            </a:lvl2pPr>
+            <a:lvl3pPr algn="ctr" rtl="0" eaLnBrk="0" fontAlgn="base" hangingPunct="0">
+              <a:spcBef>
+                <a:spcPct val="0"/>
+              </a:spcBef>
+              <a:spcAft>
+                <a:spcPct val="0"/>
+              </a:spcAft>
+              <a:defRPr sz="3600" b="1">
+                <a:solidFill>
+                  <a:schemeClr val="tx2"/>
+                </a:solidFill>
+                <a:latin typeface="Comic Sans MS" pitchFamily="66" charset="0"/>
+              </a:defRPr>
+            </a:lvl3pPr>
+            <a:lvl4pPr algn="ctr" rtl="0" eaLnBrk="0" fontAlgn="base" hangingPunct="0">
+              <a:spcBef>
+                <a:spcPct val="0"/>
+              </a:spcBef>
+              <a:spcAft>
+                <a:spcPct val="0"/>
+              </a:spcAft>
+              <a:defRPr sz="3600" b="1">
+                <a:solidFill>
+                  <a:schemeClr val="tx2"/>
+                </a:solidFill>
+                <a:latin typeface="Comic Sans MS" pitchFamily="66" charset="0"/>
+              </a:defRPr>
+            </a:lvl4pPr>
+            <a:lvl5pPr algn="ctr" rtl="0" eaLnBrk="0" fontAlgn="base" hangingPunct="0">
+              <a:spcBef>
+                <a:spcPct val="0"/>
+              </a:spcBef>
+              <a:spcAft>
+                <a:spcPct val="0"/>
+              </a:spcAft>
+              <a:defRPr sz="3600" b="1">
+                <a:solidFill>
+                  <a:schemeClr val="tx2"/>
+                </a:solidFill>
+                <a:latin typeface="Comic Sans MS" pitchFamily="66" charset="0"/>
+              </a:defRPr>
+            </a:lvl5pPr>
+            <a:lvl6pPr marL="457200" algn="ctr" rtl="0" fontAlgn="base">
+              <a:spcBef>
+                <a:spcPct val="0"/>
+              </a:spcBef>
+              <a:spcAft>
+                <a:spcPct val="0"/>
+              </a:spcAft>
+              <a:defRPr sz="3600" b="1">
+                <a:solidFill>
+                  <a:schemeClr val="tx2"/>
+                </a:solidFill>
+                <a:latin typeface="Comic Sans MS" pitchFamily="66" charset="0"/>
+              </a:defRPr>
+            </a:lvl6pPr>
+            <a:lvl7pPr marL="914400" algn="ctr" rtl="0" fontAlgn="base">
+              <a:spcBef>
+                <a:spcPct val="0"/>
+              </a:spcBef>
+              <a:spcAft>
+                <a:spcPct val="0"/>
+              </a:spcAft>
+              <a:defRPr sz="3600" b="1">
+                <a:solidFill>
+                  <a:schemeClr val="tx2"/>
+                </a:solidFill>
+                <a:latin typeface="Comic Sans MS" pitchFamily="66" charset="0"/>
+              </a:defRPr>
+            </a:lvl7pPr>
+            <a:lvl8pPr marL="1371600" algn="ctr" rtl="0" fontAlgn="base">
+              <a:spcBef>
+                <a:spcPct val="0"/>
+              </a:spcBef>
+              <a:spcAft>
+                <a:spcPct val="0"/>
+              </a:spcAft>
+              <a:defRPr sz="3600" b="1">
+                <a:solidFill>
+                  <a:schemeClr val="tx2"/>
+                </a:solidFill>
+                <a:latin typeface="Comic Sans MS" pitchFamily="66" charset="0"/>
+              </a:defRPr>
+            </a:lvl8pPr>
+            <a:lvl9pPr marL="1828800" algn="ctr" rtl="0" fontAlgn="base">
+              <a:spcBef>
+                <a:spcPct val="0"/>
+              </a:spcBef>
+              <a:spcAft>
+                <a:spcPct val="0"/>
+              </a:spcAft>
+              <a:defRPr sz="3600" b="1">
+                <a:solidFill>
+                  <a:schemeClr val="tx2"/>
+                </a:solidFill>
+                <a:latin typeface="Comic Sans MS" pitchFamily="66" charset="0"/>
+              </a:defRPr>
+            </a:lvl9pPr>
+          </a:lstStyle>
+          <a:p>
+            <a:pPr eaLnBrk="1" hangingPunct="1"/>
+            <a:r>
+              <a:rPr lang="en-US" sz="4400" dirty="0" smtClean="0">
+                <a:solidFill>
+                  <a:schemeClr val="tx1"/>
+                </a:solidFill>
+                <a:latin typeface="Comic Sans MS"/>
+                <a:cs typeface="Comic Sans MS"/>
+              </a:rPr>
+              <a:t>98% </a:t>
+            </a:r>
+            <a:r>
+              <a:rPr lang="en-US" sz="4400" dirty="0" smtClean="0">
+                <a:solidFill>
+                  <a:schemeClr val="tx1"/>
+                </a:solidFill>
+                <a:latin typeface="Comic Sans MS"/>
+                <a:cs typeface="Comic Sans MS"/>
+              </a:rPr>
+              <a:t>accuracy still useful</a:t>
+            </a:r>
+          </a:p>
+        </p:txBody>
+      </p:sp>
+    </p:spTree>
+    <p:extLst>
+      <p:ext uri="{BB962C8B-B14F-4D97-AF65-F5344CB8AC3E}">
+        <p14:creationId xmlns:p14="http://schemas.microsoft.com/office/powerpoint/2010/main" val="230497036"/>
+      </p:ext>
+    </p:extLst>
+  </p:cSld>
+  <p:clrMapOvr>
+    <a:masterClrMapping/>
+  </p:clrMapOvr>
+  <p:transition xmlns:p14="http://schemas.microsoft.com/office/powerpoint/2010/main" spd="slow" advClick="0">
+    <p:fade thruBlk="1"/>
+  </p:transition>
+  <p:timing>
+    <p:tnLst>
+      <p:par>
+        <p:cTn xmlns:p14="http://schemas.microsoft.com/office/powerpoint/2010/main" id="1" dur="indefinite" restart="never" nodeType="tmRoot"/>
+      </p:par>
+    </p:tnLst>
+  </p:timing>
+</p:sld>
+</file>
+
 <file path=ppt/slides/slide4.xml><?xml version="1.0" encoding="utf-8"?>
 <p:sld xmlns:a="http://schemas.openxmlformats.org/drawingml/2006/main" xmlns:r="http://schemas.openxmlformats.org/officeDocument/2006/relationships" xmlns:p="http://schemas.openxmlformats.org/presentationml/2006/main">
   <p:cSld>
@@ -16743,6 +18763,1540 @@
     </mc:Choice>
     <mc:Fallback xmlns="">
       <p:transition xmlns:p14="http://schemas.microsoft.com/office/powerpoint/2010/main" spd="slow" advClick="0">
+        <p:fade/>
+      </p:transition>
+    </mc:Fallback>
+  </mc:AlternateContent>
+  <p:timing>
+    <p:tnLst>
+      <p:par>
+        <p:cTn xmlns:p14="http://schemas.microsoft.com/office/powerpoint/2010/main" id="1" dur="indefinite" restart="never" nodeType="tmRoot"/>
+      </p:par>
+    </p:tnLst>
+  </p:timing>
+</p:sld>
+</file>
+
+<file path=ppt/slides/slide40.xml><?xml version="1.0" encoding="utf-8"?>
+<p:sld xmlns:a="http://schemas.openxmlformats.org/drawingml/2006/main" xmlns:r="http://schemas.openxmlformats.org/officeDocument/2006/relationships" xmlns:p="http://schemas.openxmlformats.org/presentationml/2006/main">
+  <p:cSld>
+    <p:spTree>
+      <p:nvGrpSpPr>
+        <p:cNvPr id="1" name=""/>
+        <p:cNvGrpSpPr/>
+        <p:nvPr/>
+      </p:nvGrpSpPr>
+      <p:grpSpPr>
+        <a:xfrm>
+          <a:off x="0" y="0"/>
+          <a:ext cx="0" cy="0"/>
+          <a:chOff x="0" y="0"/>
+          <a:chExt cx="0" cy="0"/>
+        </a:xfrm>
+      </p:grpSpPr>
+      <p:sp>
+        <p:nvSpPr>
+          <p:cNvPr id="6" name="TextBox 5"/>
+          <p:cNvSpPr txBox="1"/>
+          <p:nvPr/>
+        </p:nvSpPr>
+        <p:spPr>
+          <a:xfrm>
+            <a:off x="152400" y="1143000"/>
+            <a:ext cx="8800644" cy="4912114"/>
+          </a:xfrm>
+          <a:prstGeom prst="rect">
+            <a:avLst/>
+          </a:prstGeom>
+          <a:noFill/>
+        </p:spPr>
+        <p:txBody>
+          <a:bodyPr wrap="none" rtlCol="0">
+            <a:spAutoFit/>
+          </a:bodyPr>
+          <a:lstStyle/>
+          <a:p>
+            <a:pPr algn="l"/>
+            <a:r>
+              <a:rPr lang="en-US" sz="5400" dirty="0" smtClean="0">
+                <a:latin typeface="Comic Sans MS"/>
+                <a:cs typeface="Comic Sans MS"/>
+              </a:rPr>
+              <a:t>If you medicate at random</a:t>
+            </a:r>
+          </a:p>
+          <a:p>
+            <a:pPr algn="l"/>
+            <a:r>
+              <a:rPr lang="en-US" sz="5400" dirty="0" smtClean="0">
+                <a:latin typeface="Comic Sans MS"/>
+                <a:cs typeface="Comic Sans MS"/>
+              </a:rPr>
+              <a:t>you’ll only medicate</a:t>
+            </a:r>
+          </a:p>
+          <a:p>
+            <a:pPr algn="l"/>
+            <a:endParaRPr lang="en-US" sz="5400" dirty="0" smtClean="0">
+              <a:latin typeface="Comic Sans MS"/>
+              <a:cs typeface="Comic Sans MS"/>
+            </a:endParaRPr>
+          </a:p>
+          <a:p>
+            <a:pPr algn="l"/>
+            <a:endParaRPr lang="en-US" sz="5400" dirty="0" smtClean="0">
+              <a:latin typeface="Comic Sans MS"/>
+              <a:cs typeface="Comic Sans MS"/>
+            </a:endParaRPr>
+          </a:p>
+          <a:p>
+            <a:r>
+              <a:rPr lang="en-US" sz="5400" dirty="0" smtClean="0">
+                <a:latin typeface="Comic Sans MS"/>
+                <a:cs typeface="Comic Sans MS"/>
+              </a:rPr>
+              <a:t>of sick people.</a:t>
+            </a:r>
+            <a:endParaRPr lang="en-US" sz="5400" dirty="0" smtClean="0">
+              <a:latin typeface="Comic Sans MS"/>
+              <a:cs typeface="Comic Sans MS"/>
+            </a:endParaRPr>
+          </a:p>
+        </p:txBody>
+      </p:sp>
+      <p:sp>
+        <p:nvSpPr>
+          <p:cNvPr id="5" name="Rectangle 4"/>
+          <p:cNvSpPr txBox="1">
+            <a:spLocks noChangeArrowheads="1"/>
+          </p:cNvSpPr>
+          <p:nvPr/>
+        </p:nvSpPr>
+        <p:spPr bwMode="auto">
+          <a:xfrm>
+            <a:off x="7696200" y="6629400"/>
+            <a:ext cx="1447800" cy="228600"/>
+          </a:xfrm>
+          <a:prstGeom prst="rect">
+            <a:avLst/>
+          </a:prstGeom>
+          <a:noFill/>
+          <a:ln w="9525">
+            <a:noFill/>
+            <a:miter lim="800000"/>
+            <a:headEnd/>
+            <a:tailEnd/>
+          </a:ln>
+          <a:effectLst/>
+        </p:spPr>
+        <p:txBody>
+          <a:bodyPr vert="horz" wrap="square" lIns="91440" tIns="45720" rIns="91440" bIns="45720" numCol="1" anchor="t" anchorCtr="0" compatLnSpc="1">
+            <a:prstTxWarp prst="textNoShape">
+              <a:avLst/>
+            </a:prstTxWarp>
+          </a:bodyPr>
+          <a:lstStyle>
+            <a:lvl1pPr algn="r">
+              <a:defRPr sz="1200" dirty="0" err="1" smtClean="0">
+                <a:latin typeface="+mn-lt"/>
+              </a:defRPr>
+            </a:lvl1pPr>
+          </a:lstStyle>
+          <a:p>
+            <a:pPr marL="0" marR="0" lvl="0" indent="0" algn="r" defTabSz="914400" rtl="0" eaLnBrk="1" fontAlgn="base" latinLnBrk="0" hangingPunct="1">
+              <a:lnSpc>
+                <a:spcPct val="100000"/>
+              </a:lnSpc>
+              <a:spcBef>
+                <a:spcPct val="0"/>
+              </a:spcBef>
+              <a:spcAft>
+                <a:spcPct val="0"/>
+              </a:spcAft>
+              <a:buClrTx/>
+              <a:buSzTx/>
+              <a:buFontTx/>
+              <a:buNone/>
+              <a:tabLst/>
+              <a:defRPr/>
+            </a:pPr>
+            <a:r>
+              <a:rPr kumimoji="0" lang="en-US" sz="1200" b="0" i="0" u="none" strike="noStrike" kern="1200" cap="none" spc="0" normalizeH="0" baseline="0" noProof="0" dirty="0" smtClean="0">
+                <a:ln>
+                  <a:noFill/>
+                </a:ln>
+                <a:solidFill>
+                  <a:schemeClr val="tx1"/>
+                </a:solidFill>
+                <a:effectLst/>
+                <a:uLnTx/>
+                <a:uFillTx/>
+                <a:latin typeface="Comic Sans MS"/>
+                <a:ea typeface="+mn-ea"/>
+                <a:cs typeface="Comic Sans MS"/>
+              </a:rPr>
+              <a:t>testing.</a:t>
+            </a:r>
+            <a:fld id="{B9A0B45D-6AFD-413C-B761-B121FB8BE940}" type="slidenum">
+              <a:rPr kumimoji="0" lang="en-US" sz="1200" b="0" i="0" u="none" strike="noStrike" kern="1200" cap="none" spc="0" normalizeH="0" baseline="0" noProof="0" smtClean="0">
+                <a:ln>
+                  <a:noFill/>
+                </a:ln>
+                <a:solidFill>
+                  <a:schemeClr val="tx1"/>
+                </a:solidFill>
+                <a:effectLst/>
+                <a:uLnTx/>
+                <a:uFillTx/>
+                <a:latin typeface="Comic Sans MS"/>
+                <a:ea typeface="+mn-ea"/>
+                <a:cs typeface="Comic Sans MS"/>
+              </a:rPr>
+              <a:pPr marL="0" marR="0" lvl="0" indent="0" algn="r" defTabSz="914400" rtl="0" eaLnBrk="1" fontAlgn="base" latinLnBrk="0" hangingPunct="1">
+                <a:lnSpc>
+                  <a:spcPct val="100000"/>
+                </a:lnSpc>
+                <a:spcBef>
+                  <a:spcPct val="0"/>
+                </a:spcBef>
+                <a:spcAft>
+                  <a:spcPct val="0"/>
+                </a:spcAft>
+                <a:buClrTx/>
+                <a:buSzTx/>
+                <a:buFontTx/>
+                <a:buNone/>
+                <a:tabLst/>
+                <a:defRPr/>
+              </a:pPr>
+              <a:t>40</a:t>
+            </a:fld>
+            <a:endParaRPr kumimoji="0" lang="en-US" sz="1200" b="0" i="0" u="none" strike="noStrike" kern="1200" cap="none" spc="0" normalizeH="0" baseline="0" noProof="0" dirty="0">
+              <a:ln>
+                <a:noFill/>
+              </a:ln>
+              <a:solidFill>
+                <a:schemeClr val="tx1"/>
+              </a:solidFill>
+              <a:effectLst/>
+              <a:uLnTx/>
+              <a:uFillTx/>
+              <a:latin typeface="Comic Sans MS"/>
+              <a:ea typeface="+mn-ea"/>
+              <a:cs typeface="Comic Sans MS"/>
+            </a:endParaRPr>
+          </a:p>
+        </p:txBody>
+      </p:sp>
+      <p:sp>
+        <p:nvSpPr>
+          <p:cNvPr id="8" name="Rectangle 4"/>
+          <p:cNvSpPr txBox="1">
+            <a:spLocks noChangeArrowheads="1"/>
+          </p:cNvSpPr>
+          <p:nvPr/>
+        </p:nvSpPr>
+        <p:spPr bwMode="auto">
+          <a:xfrm>
+            <a:off x="1355099" y="152400"/>
+            <a:ext cx="7266290" cy="1112484"/>
+          </a:xfrm>
+          <a:prstGeom prst="rect">
+            <a:avLst/>
+          </a:prstGeom>
+          <a:noFill/>
+          <a:ln w="9525">
+            <a:noFill/>
+            <a:miter lim="800000"/>
+            <a:headEnd/>
+            <a:tailEnd/>
+          </a:ln>
+        </p:spPr>
+        <p:txBody>
+          <a:bodyPr vert="horz" wrap="square" lIns="91440" tIns="45720" rIns="91440" bIns="45720" numCol="1" anchor="ctr" anchorCtr="0" compatLnSpc="1">
+            <a:prstTxWarp prst="textNoShape">
+              <a:avLst/>
+            </a:prstTxWarp>
+          </a:bodyPr>
+          <a:lstStyle>
+            <a:lvl1pPr algn="ctr" rtl="0" eaLnBrk="0" fontAlgn="base" hangingPunct="0">
+              <a:spcBef>
+                <a:spcPct val="0"/>
+              </a:spcBef>
+              <a:spcAft>
+                <a:spcPct val="0"/>
+              </a:spcAft>
+              <a:defRPr sz="3200" b="1">
+                <a:solidFill>
+                  <a:schemeClr val="tx2"/>
+                </a:solidFill>
+                <a:latin typeface="+mj-lt"/>
+                <a:ea typeface="+mj-ea"/>
+                <a:cs typeface="+mj-cs"/>
+              </a:defRPr>
+            </a:lvl1pPr>
+            <a:lvl2pPr algn="ctr" rtl="0" eaLnBrk="0" fontAlgn="base" hangingPunct="0">
+              <a:spcBef>
+                <a:spcPct val="0"/>
+              </a:spcBef>
+              <a:spcAft>
+                <a:spcPct val="0"/>
+              </a:spcAft>
+              <a:defRPr sz="3600" b="1">
+                <a:solidFill>
+                  <a:schemeClr val="tx2"/>
+                </a:solidFill>
+                <a:latin typeface="Comic Sans MS" pitchFamily="66" charset="0"/>
+              </a:defRPr>
+            </a:lvl2pPr>
+            <a:lvl3pPr algn="ctr" rtl="0" eaLnBrk="0" fontAlgn="base" hangingPunct="0">
+              <a:spcBef>
+                <a:spcPct val="0"/>
+              </a:spcBef>
+              <a:spcAft>
+                <a:spcPct val="0"/>
+              </a:spcAft>
+              <a:defRPr sz="3600" b="1">
+                <a:solidFill>
+                  <a:schemeClr val="tx2"/>
+                </a:solidFill>
+                <a:latin typeface="Comic Sans MS" pitchFamily="66" charset="0"/>
+              </a:defRPr>
+            </a:lvl3pPr>
+            <a:lvl4pPr algn="ctr" rtl="0" eaLnBrk="0" fontAlgn="base" hangingPunct="0">
+              <a:spcBef>
+                <a:spcPct val="0"/>
+              </a:spcBef>
+              <a:spcAft>
+                <a:spcPct val="0"/>
+              </a:spcAft>
+              <a:defRPr sz="3600" b="1">
+                <a:solidFill>
+                  <a:schemeClr val="tx2"/>
+                </a:solidFill>
+                <a:latin typeface="Comic Sans MS" pitchFamily="66" charset="0"/>
+              </a:defRPr>
+            </a:lvl4pPr>
+            <a:lvl5pPr algn="ctr" rtl="0" eaLnBrk="0" fontAlgn="base" hangingPunct="0">
+              <a:spcBef>
+                <a:spcPct val="0"/>
+              </a:spcBef>
+              <a:spcAft>
+                <a:spcPct val="0"/>
+              </a:spcAft>
+              <a:defRPr sz="3600" b="1">
+                <a:solidFill>
+                  <a:schemeClr val="tx2"/>
+                </a:solidFill>
+                <a:latin typeface="Comic Sans MS" pitchFamily="66" charset="0"/>
+              </a:defRPr>
+            </a:lvl5pPr>
+            <a:lvl6pPr marL="457200" algn="ctr" rtl="0" fontAlgn="base">
+              <a:spcBef>
+                <a:spcPct val="0"/>
+              </a:spcBef>
+              <a:spcAft>
+                <a:spcPct val="0"/>
+              </a:spcAft>
+              <a:defRPr sz="3600" b="1">
+                <a:solidFill>
+                  <a:schemeClr val="tx2"/>
+                </a:solidFill>
+                <a:latin typeface="Comic Sans MS" pitchFamily="66" charset="0"/>
+              </a:defRPr>
+            </a:lvl6pPr>
+            <a:lvl7pPr marL="914400" algn="ctr" rtl="0" fontAlgn="base">
+              <a:spcBef>
+                <a:spcPct val="0"/>
+              </a:spcBef>
+              <a:spcAft>
+                <a:spcPct val="0"/>
+              </a:spcAft>
+              <a:defRPr sz="3600" b="1">
+                <a:solidFill>
+                  <a:schemeClr val="tx2"/>
+                </a:solidFill>
+                <a:latin typeface="Comic Sans MS" pitchFamily="66" charset="0"/>
+              </a:defRPr>
+            </a:lvl7pPr>
+            <a:lvl8pPr marL="1371600" algn="ctr" rtl="0" fontAlgn="base">
+              <a:spcBef>
+                <a:spcPct val="0"/>
+              </a:spcBef>
+              <a:spcAft>
+                <a:spcPct val="0"/>
+              </a:spcAft>
+              <a:defRPr sz="3600" b="1">
+                <a:solidFill>
+                  <a:schemeClr val="tx2"/>
+                </a:solidFill>
+                <a:latin typeface="Comic Sans MS" pitchFamily="66" charset="0"/>
+              </a:defRPr>
+            </a:lvl8pPr>
+            <a:lvl9pPr marL="1828800" algn="ctr" rtl="0" fontAlgn="base">
+              <a:spcBef>
+                <a:spcPct val="0"/>
+              </a:spcBef>
+              <a:spcAft>
+                <a:spcPct val="0"/>
+              </a:spcAft>
+              <a:defRPr sz="3600" b="1">
+                <a:solidFill>
+                  <a:schemeClr val="tx2"/>
+                </a:solidFill>
+                <a:latin typeface="Comic Sans MS" pitchFamily="66" charset="0"/>
+              </a:defRPr>
+            </a:lvl9pPr>
+          </a:lstStyle>
+          <a:p>
+            <a:pPr eaLnBrk="1" hangingPunct="1"/>
+            <a:r>
+              <a:rPr lang="en-US" sz="4400" dirty="0" smtClean="0">
+                <a:solidFill>
+                  <a:schemeClr val="tx1"/>
+                </a:solidFill>
+                <a:latin typeface="Comic Sans MS"/>
+                <a:cs typeface="Comic Sans MS"/>
+              </a:rPr>
+              <a:t>98% </a:t>
+            </a:r>
+            <a:r>
+              <a:rPr lang="en-US" sz="4400" dirty="0" smtClean="0">
+                <a:solidFill>
+                  <a:schemeClr val="tx1"/>
+                </a:solidFill>
+                <a:latin typeface="Comic Sans MS"/>
+                <a:cs typeface="Comic Sans MS"/>
+              </a:rPr>
+              <a:t>accuracy still useful</a:t>
+            </a:r>
+          </a:p>
+        </p:txBody>
+      </p:sp>
+      <p:graphicFrame>
+        <p:nvGraphicFramePr>
+          <p:cNvPr id="3" name="Object 2"/>
+          <p:cNvGraphicFramePr>
+            <a:graphicFrameLocks noChangeAspect="1"/>
+          </p:cNvGraphicFramePr>
+          <p:nvPr>
+            <p:extLst>
+              <p:ext uri="{D42A27DB-BD31-4B8C-83A1-F6EECF244321}">
+                <p14:modId xmlns:p14="http://schemas.microsoft.com/office/powerpoint/2010/main" val="1858814406"/>
+              </p:ext>
+            </p:extLst>
+          </p:nvPr>
+        </p:nvGraphicFramePr>
+        <p:xfrm>
+          <a:off x="3048000" y="2819400"/>
+          <a:ext cx="3464012" cy="2209800"/>
+        </p:xfrm>
+        <a:graphic>
+          <a:graphicData uri="http://schemas.openxmlformats.org/presentationml/2006/ole">
+            <mc:AlternateContent xmlns:mc="http://schemas.openxmlformats.org/markup-compatibility/2006">
+              <mc:Choice xmlns:v="urn:schemas-microsoft-com:vml" Requires="v">
+                <p:oleObj spid="_x0000_s169987" name="Equation" r:id="rId3" imgW="736600" imgH="469900" progId="Equation.DSMT4">
+                  <p:embed/>
+                </p:oleObj>
+              </mc:Choice>
+              <mc:Fallback>
+                <p:oleObj name="Equation" r:id="rId3" imgW="736600" imgH="469900" progId="Equation.DSMT4">
+                  <p:embed/>
+                  <p:pic>
+                    <p:nvPicPr>
+                      <p:cNvPr id="0" name=""/>
+                      <p:cNvPicPr/>
+                      <p:nvPr/>
+                    </p:nvPicPr>
+                    <p:blipFill>
+                      <a:blip r:embed="rId4"/>
+                      <a:stretch>
+                        <a:fillRect/>
+                      </a:stretch>
+                    </p:blipFill>
+                    <p:spPr>
+                      <a:xfrm>
+                        <a:off x="3048000" y="2819400"/>
+                        <a:ext cx="3464012" cy="2209800"/>
+                      </a:xfrm>
+                      <a:prstGeom prst="rect">
+                        <a:avLst/>
+                      </a:prstGeom>
+                    </p:spPr>
+                  </p:pic>
+                </p:oleObj>
+              </mc:Fallback>
+            </mc:AlternateContent>
+          </a:graphicData>
+        </a:graphic>
+      </p:graphicFrame>
+    </p:spTree>
+    <p:extLst>
+      <p:ext uri="{BB962C8B-B14F-4D97-AF65-F5344CB8AC3E}">
+        <p14:creationId xmlns:p14="http://schemas.microsoft.com/office/powerpoint/2010/main" val="79883687"/>
+      </p:ext>
+    </p:extLst>
+  </p:cSld>
+  <p:clrMapOvr>
+    <a:masterClrMapping/>
+  </p:clrMapOvr>
+  <p:transition xmlns:p14="http://schemas.microsoft.com/office/powerpoint/2010/main" spd="slow" advClick="0">
+    <p:fade/>
+  </p:transition>
+  <p:timing>
+    <p:tnLst>
+      <p:par>
+        <p:cTn xmlns:p14="http://schemas.microsoft.com/office/powerpoint/2010/main" id="1" dur="indefinite" restart="never" nodeType="tmRoot">
+          <p:childTnLst>
+            <p:seq concurrent="1" nextAc="seek">
+              <p:cTn id="2" dur="indefinite" nodeType="mainSeq">
+                <p:childTnLst>
+                  <p:par>
+                    <p:cTn id="3" fill="hold">
+                      <p:stCondLst>
+                        <p:cond delay="indefinite"/>
+                      </p:stCondLst>
+                      <p:childTnLst>
+                        <p:par>
+                          <p:cTn id="4" fill="hold">
+                            <p:stCondLst>
+                              <p:cond delay="0"/>
+                            </p:stCondLst>
+                            <p:childTnLst>
+                              <p:par>
+                                <p:cTn id="5" presetID="10" presetClass="entr" presetSubtype="0" fill="hold" nodeType="clickEffect">
+                                  <p:stCondLst>
+                                    <p:cond delay="0"/>
+                                  </p:stCondLst>
+                                  <p:childTnLst>
+                                    <p:set>
+                                      <p:cBhvr>
+                                        <p:cTn id="6" dur="1" fill="hold">
+                                          <p:stCondLst>
+                                            <p:cond delay="0"/>
+                                          </p:stCondLst>
+                                        </p:cTn>
+                                        <p:tgtEl>
+                                          <p:spTgt spid="6">
+                                            <p:txEl>
+                                              <p:pRg st="1" end="1"/>
+                                            </p:txEl>
+                                          </p:spTgt>
+                                        </p:tgtEl>
+                                        <p:attrNameLst>
+                                          <p:attrName>style.visibility</p:attrName>
+                                        </p:attrNameLst>
+                                      </p:cBhvr>
+                                      <p:to>
+                                        <p:strVal val="visible"/>
+                                      </p:to>
+                                    </p:set>
+                                    <p:animEffect transition="in" filter="fade">
+                                      <p:cBhvr>
+                                        <p:cTn id="7" dur="500"/>
+                                        <p:tgtEl>
+                                          <p:spTgt spid="6">
+                                            <p:txEl>
+                                              <p:pRg st="1" end="1"/>
+                                            </p:txEl>
+                                          </p:spTgt>
+                                        </p:tgtEl>
+                                      </p:cBhvr>
+                                    </p:animEffect>
+                                  </p:childTnLst>
+                                </p:cTn>
+                              </p:par>
+                              <p:par>
+                                <p:cTn id="8" presetID="10" presetClass="entr" presetSubtype="0" fill="hold" nodeType="withEffect">
+                                  <p:stCondLst>
+                                    <p:cond delay="0"/>
+                                  </p:stCondLst>
+                                  <p:childTnLst>
+                                    <p:set>
+                                      <p:cBhvr>
+                                        <p:cTn id="9" dur="1" fill="hold">
+                                          <p:stCondLst>
+                                            <p:cond delay="0"/>
+                                          </p:stCondLst>
+                                        </p:cTn>
+                                        <p:tgtEl>
+                                          <p:spTgt spid="6">
+                                            <p:txEl>
+                                              <p:pRg st="4" end="4"/>
+                                            </p:txEl>
+                                          </p:spTgt>
+                                        </p:tgtEl>
+                                        <p:attrNameLst>
+                                          <p:attrName>style.visibility</p:attrName>
+                                        </p:attrNameLst>
+                                      </p:cBhvr>
+                                      <p:to>
+                                        <p:strVal val="visible"/>
+                                      </p:to>
+                                    </p:set>
+                                    <p:animEffect transition="in" filter="fade">
+                                      <p:cBhvr>
+                                        <p:cTn id="10" dur="500"/>
+                                        <p:tgtEl>
+                                          <p:spTgt spid="6">
+                                            <p:txEl>
+                                              <p:pRg st="4" end="4"/>
+                                            </p:txEl>
+                                          </p:spTgt>
+                                        </p:tgtEl>
+                                      </p:cBhvr>
+                                    </p:animEffect>
+                                  </p:childTnLst>
+                                </p:cTn>
+                              </p:par>
+                              <p:par>
+                                <p:cTn id="11" presetID="10" presetClass="entr" presetSubtype="0" fill="hold" nodeType="withEffect">
+                                  <p:stCondLst>
+                                    <p:cond delay="0"/>
+                                  </p:stCondLst>
+                                  <p:childTnLst>
+                                    <p:set>
+                                      <p:cBhvr>
+                                        <p:cTn id="12" dur="1" fill="hold">
+                                          <p:stCondLst>
+                                            <p:cond delay="0"/>
+                                          </p:stCondLst>
+                                        </p:cTn>
+                                        <p:tgtEl>
+                                          <p:spTgt spid="3"/>
+                                        </p:tgtEl>
+                                        <p:attrNameLst>
+                                          <p:attrName>style.visibility</p:attrName>
+                                        </p:attrNameLst>
+                                      </p:cBhvr>
+                                      <p:to>
+                                        <p:strVal val="visible"/>
+                                      </p:to>
+                                    </p:set>
+                                    <p:animEffect transition="in" filter="fade">
+                                      <p:cBhvr>
+                                        <p:cTn id="13" dur="500"/>
+                                        <p:tgtEl>
+                                          <p:spTgt spid="3"/>
+                                        </p:tgtEl>
+                                      </p:cBhvr>
+                                    </p:animEffect>
+                                  </p:childTnLst>
+                                </p:cTn>
+                              </p:par>
+                            </p:childTnLst>
+                          </p:cTn>
+                        </p:par>
+                      </p:childTnLst>
+                    </p:cTn>
+                  </p:par>
+                </p:childTnLst>
+              </p:cTn>
+              <p:prevCondLst>
+                <p:cond evt="onPrev" delay="0">
+                  <p:tgtEl>
+                    <p:sldTgt/>
+                  </p:tgtEl>
+                </p:cond>
+              </p:prevCondLst>
+              <p:nextCondLst>
+                <p:cond evt="onNext" delay="0">
+                  <p:tgtEl>
+                    <p:sldTgt/>
+                  </p:tgtEl>
+                </p:cond>
+              </p:nextCondLst>
+            </p:seq>
+          </p:childTnLst>
+        </p:cTn>
+      </p:par>
+    </p:tnLst>
+  </p:timing>
+</p:sld>
+</file>
+
+<file path=ppt/slides/slide41.xml><?xml version="1.0" encoding="utf-8"?>
+<p:sld xmlns:a="http://schemas.openxmlformats.org/drawingml/2006/main" xmlns:r="http://schemas.openxmlformats.org/officeDocument/2006/relationships" xmlns:p="http://schemas.openxmlformats.org/presentationml/2006/main">
+  <p:cSld>
+    <p:spTree>
+      <p:nvGrpSpPr>
+        <p:cNvPr id="1" name=""/>
+        <p:cNvGrpSpPr/>
+        <p:nvPr/>
+      </p:nvGrpSpPr>
+      <p:grpSpPr>
+        <a:xfrm>
+          <a:off x="0" y="0"/>
+          <a:ext cx="0" cy="0"/>
+          <a:chOff x="0" y="0"/>
+          <a:chExt cx="0" cy="0"/>
+        </a:xfrm>
+      </p:grpSpPr>
+      <p:sp>
+        <p:nvSpPr>
+          <p:cNvPr id="6" name="TextBox 5"/>
+          <p:cNvSpPr txBox="1"/>
+          <p:nvPr/>
+        </p:nvSpPr>
+        <p:spPr>
+          <a:xfrm>
+            <a:off x="299715" y="1495282"/>
+            <a:ext cx="8615685" cy="1920526"/>
+          </a:xfrm>
+          <a:prstGeom prst="rect">
+            <a:avLst/>
+          </a:prstGeom>
+          <a:noFill/>
+        </p:spPr>
+        <p:txBody>
+          <a:bodyPr wrap="none" rtlCol="0">
+            <a:spAutoFit/>
+          </a:bodyPr>
+          <a:lstStyle/>
+          <a:p>
+            <a:pPr algn="l"/>
+            <a:r>
+              <a:rPr lang="en-US" sz="5400" dirty="0" smtClean="0">
+                <a:latin typeface="Comic Sans MS"/>
+                <a:cs typeface="Comic Sans MS"/>
+              </a:rPr>
+              <a:t>Instead, medicate </a:t>
+            </a:r>
+            <a:r>
+              <a:rPr lang="en-US" sz="5400" dirty="0" smtClean="0">
+                <a:latin typeface="Comic Sans MS"/>
+                <a:cs typeface="Comic Sans MS"/>
+              </a:rPr>
+              <a:t>the </a:t>
+            </a:r>
+            <a:r>
+              <a:rPr lang="en-US" sz="5400" dirty="0" smtClean="0">
+                <a:solidFill>
+                  <a:srgbClr val="0000E5"/>
+                </a:solidFill>
+                <a:latin typeface="Comic Sans MS"/>
+                <a:cs typeface="Comic Sans MS"/>
+              </a:rPr>
+              <a:t>7M</a:t>
+            </a:r>
+            <a:endParaRPr lang="en-US" sz="5400" dirty="0">
+              <a:latin typeface="Comic Sans MS"/>
+              <a:cs typeface="Comic Sans MS"/>
+            </a:endParaRPr>
+          </a:p>
+          <a:p>
+            <a:pPr algn="l"/>
+            <a:r>
+              <a:rPr lang="en-US" sz="5400" dirty="0" smtClean="0">
+                <a:latin typeface="Comic Sans MS"/>
+                <a:cs typeface="Comic Sans MS"/>
+              </a:rPr>
+              <a:t>who test </a:t>
+            </a:r>
+            <a:r>
+              <a:rPr lang="en-US" sz="5400" smtClean="0">
+                <a:latin typeface="Comic Sans MS"/>
+                <a:cs typeface="Comic Sans MS"/>
+              </a:rPr>
+              <a:t>positive.</a:t>
+            </a:r>
+            <a:endParaRPr lang="en-US" sz="5400" dirty="0" smtClean="0">
+              <a:latin typeface="Comic Sans MS"/>
+              <a:cs typeface="Comic Sans MS"/>
+            </a:endParaRPr>
+          </a:p>
+        </p:txBody>
+      </p:sp>
+      <p:sp>
+        <p:nvSpPr>
+          <p:cNvPr id="5" name="Rectangle 4"/>
+          <p:cNvSpPr txBox="1">
+            <a:spLocks noChangeArrowheads="1"/>
+          </p:cNvSpPr>
+          <p:nvPr/>
+        </p:nvSpPr>
+        <p:spPr bwMode="auto">
+          <a:xfrm>
+            <a:off x="1355099" y="152400"/>
+            <a:ext cx="7266290" cy="1112484"/>
+          </a:xfrm>
+          <a:prstGeom prst="rect">
+            <a:avLst/>
+          </a:prstGeom>
+          <a:noFill/>
+          <a:ln w="9525">
+            <a:noFill/>
+            <a:miter lim="800000"/>
+            <a:headEnd/>
+            <a:tailEnd/>
+          </a:ln>
+        </p:spPr>
+        <p:txBody>
+          <a:bodyPr vert="horz" wrap="square" lIns="91440" tIns="45720" rIns="91440" bIns="45720" numCol="1" anchor="ctr" anchorCtr="0" compatLnSpc="1">
+            <a:prstTxWarp prst="textNoShape">
+              <a:avLst/>
+            </a:prstTxWarp>
+          </a:bodyPr>
+          <a:lstStyle>
+            <a:lvl1pPr algn="ctr" rtl="0" eaLnBrk="0" fontAlgn="base" hangingPunct="0">
+              <a:spcBef>
+                <a:spcPct val="0"/>
+              </a:spcBef>
+              <a:spcAft>
+                <a:spcPct val="0"/>
+              </a:spcAft>
+              <a:defRPr sz="3200" b="1">
+                <a:solidFill>
+                  <a:schemeClr val="tx2"/>
+                </a:solidFill>
+                <a:latin typeface="+mj-lt"/>
+                <a:ea typeface="+mj-ea"/>
+                <a:cs typeface="+mj-cs"/>
+              </a:defRPr>
+            </a:lvl1pPr>
+            <a:lvl2pPr algn="ctr" rtl="0" eaLnBrk="0" fontAlgn="base" hangingPunct="0">
+              <a:spcBef>
+                <a:spcPct val="0"/>
+              </a:spcBef>
+              <a:spcAft>
+                <a:spcPct val="0"/>
+              </a:spcAft>
+              <a:defRPr sz="3600" b="1">
+                <a:solidFill>
+                  <a:schemeClr val="tx2"/>
+                </a:solidFill>
+                <a:latin typeface="Comic Sans MS" pitchFamily="66" charset="0"/>
+              </a:defRPr>
+            </a:lvl2pPr>
+            <a:lvl3pPr algn="ctr" rtl="0" eaLnBrk="0" fontAlgn="base" hangingPunct="0">
+              <a:spcBef>
+                <a:spcPct val="0"/>
+              </a:spcBef>
+              <a:spcAft>
+                <a:spcPct val="0"/>
+              </a:spcAft>
+              <a:defRPr sz="3600" b="1">
+                <a:solidFill>
+                  <a:schemeClr val="tx2"/>
+                </a:solidFill>
+                <a:latin typeface="Comic Sans MS" pitchFamily="66" charset="0"/>
+              </a:defRPr>
+            </a:lvl3pPr>
+            <a:lvl4pPr algn="ctr" rtl="0" eaLnBrk="0" fontAlgn="base" hangingPunct="0">
+              <a:spcBef>
+                <a:spcPct val="0"/>
+              </a:spcBef>
+              <a:spcAft>
+                <a:spcPct val="0"/>
+              </a:spcAft>
+              <a:defRPr sz="3600" b="1">
+                <a:solidFill>
+                  <a:schemeClr val="tx2"/>
+                </a:solidFill>
+                <a:latin typeface="Comic Sans MS" pitchFamily="66" charset="0"/>
+              </a:defRPr>
+            </a:lvl4pPr>
+            <a:lvl5pPr algn="ctr" rtl="0" eaLnBrk="0" fontAlgn="base" hangingPunct="0">
+              <a:spcBef>
+                <a:spcPct val="0"/>
+              </a:spcBef>
+              <a:spcAft>
+                <a:spcPct val="0"/>
+              </a:spcAft>
+              <a:defRPr sz="3600" b="1">
+                <a:solidFill>
+                  <a:schemeClr val="tx2"/>
+                </a:solidFill>
+                <a:latin typeface="Comic Sans MS" pitchFamily="66" charset="0"/>
+              </a:defRPr>
+            </a:lvl5pPr>
+            <a:lvl6pPr marL="457200" algn="ctr" rtl="0" fontAlgn="base">
+              <a:spcBef>
+                <a:spcPct val="0"/>
+              </a:spcBef>
+              <a:spcAft>
+                <a:spcPct val="0"/>
+              </a:spcAft>
+              <a:defRPr sz="3600" b="1">
+                <a:solidFill>
+                  <a:schemeClr val="tx2"/>
+                </a:solidFill>
+                <a:latin typeface="Comic Sans MS" pitchFamily="66" charset="0"/>
+              </a:defRPr>
+            </a:lvl6pPr>
+            <a:lvl7pPr marL="914400" algn="ctr" rtl="0" fontAlgn="base">
+              <a:spcBef>
+                <a:spcPct val="0"/>
+              </a:spcBef>
+              <a:spcAft>
+                <a:spcPct val="0"/>
+              </a:spcAft>
+              <a:defRPr sz="3600" b="1">
+                <a:solidFill>
+                  <a:schemeClr val="tx2"/>
+                </a:solidFill>
+                <a:latin typeface="Comic Sans MS" pitchFamily="66" charset="0"/>
+              </a:defRPr>
+            </a:lvl7pPr>
+            <a:lvl8pPr marL="1371600" algn="ctr" rtl="0" fontAlgn="base">
+              <a:spcBef>
+                <a:spcPct val="0"/>
+              </a:spcBef>
+              <a:spcAft>
+                <a:spcPct val="0"/>
+              </a:spcAft>
+              <a:defRPr sz="3600" b="1">
+                <a:solidFill>
+                  <a:schemeClr val="tx2"/>
+                </a:solidFill>
+                <a:latin typeface="Comic Sans MS" pitchFamily="66" charset="0"/>
+              </a:defRPr>
+            </a:lvl8pPr>
+            <a:lvl9pPr marL="1828800" algn="ctr" rtl="0" fontAlgn="base">
+              <a:spcBef>
+                <a:spcPct val="0"/>
+              </a:spcBef>
+              <a:spcAft>
+                <a:spcPct val="0"/>
+              </a:spcAft>
+              <a:defRPr sz="3600" b="1">
+                <a:solidFill>
+                  <a:schemeClr val="tx2"/>
+                </a:solidFill>
+                <a:latin typeface="Comic Sans MS" pitchFamily="66" charset="0"/>
+              </a:defRPr>
+            </a:lvl9pPr>
+          </a:lstStyle>
+          <a:p>
+            <a:pPr eaLnBrk="1" hangingPunct="1"/>
+            <a:r>
+              <a:rPr lang="en-US" sz="4400" dirty="0" smtClean="0">
+                <a:solidFill>
+                  <a:schemeClr val="tx1"/>
+                </a:solidFill>
+                <a:latin typeface="Comic Sans MS"/>
+                <a:cs typeface="Comic Sans MS"/>
+              </a:rPr>
+              <a:t>98% </a:t>
+            </a:r>
+            <a:r>
+              <a:rPr lang="en-US" sz="4400" dirty="0" smtClean="0">
+                <a:solidFill>
+                  <a:schemeClr val="tx1"/>
+                </a:solidFill>
+                <a:latin typeface="Comic Sans MS"/>
+                <a:cs typeface="Comic Sans MS"/>
+              </a:rPr>
+              <a:t>accuracy still useful</a:t>
+            </a:r>
+          </a:p>
+        </p:txBody>
+      </p:sp>
+      <p:sp>
+        <p:nvSpPr>
+          <p:cNvPr id="7" name="Rectangle 4"/>
+          <p:cNvSpPr txBox="1">
+            <a:spLocks noChangeArrowheads="1"/>
+          </p:cNvSpPr>
+          <p:nvPr/>
+        </p:nvSpPr>
+        <p:spPr bwMode="auto">
+          <a:xfrm>
+            <a:off x="7696200" y="6629400"/>
+            <a:ext cx="1447800" cy="228600"/>
+          </a:xfrm>
+          <a:prstGeom prst="rect">
+            <a:avLst/>
+          </a:prstGeom>
+          <a:noFill/>
+          <a:ln w="9525">
+            <a:noFill/>
+            <a:miter lim="800000"/>
+            <a:headEnd/>
+            <a:tailEnd/>
+          </a:ln>
+          <a:effectLst/>
+        </p:spPr>
+        <p:txBody>
+          <a:bodyPr vert="horz" wrap="square" lIns="91440" tIns="45720" rIns="91440" bIns="45720" numCol="1" anchor="t" anchorCtr="0" compatLnSpc="1">
+            <a:prstTxWarp prst="textNoShape">
+              <a:avLst/>
+            </a:prstTxWarp>
+          </a:bodyPr>
+          <a:lstStyle>
+            <a:lvl1pPr algn="r">
+              <a:defRPr sz="1200" dirty="0" err="1" smtClean="0">
+                <a:latin typeface="+mn-lt"/>
+              </a:defRPr>
+            </a:lvl1pPr>
+          </a:lstStyle>
+          <a:p>
+            <a:pPr marL="0" marR="0" lvl="0" indent="0" algn="r" defTabSz="914400" rtl="0" eaLnBrk="1" fontAlgn="base" latinLnBrk="0" hangingPunct="1">
+              <a:lnSpc>
+                <a:spcPct val="100000"/>
+              </a:lnSpc>
+              <a:spcBef>
+                <a:spcPct val="0"/>
+              </a:spcBef>
+              <a:spcAft>
+                <a:spcPct val="0"/>
+              </a:spcAft>
+              <a:buClrTx/>
+              <a:buSzTx/>
+              <a:buFontTx/>
+              <a:buNone/>
+              <a:tabLst/>
+              <a:defRPr/>
+            </a:pPr>
+            <a:r>
+              <a:rPr kumimoji="0" lang="en-US" sz="1200" b="0" i="0" u="none" strike="noStrike" kern="1200" cap="none" spc="0" normalizeH="0" baseline="0" noProof="0" dirty="0" smtClean="0">
+                <a:ln>
+                  <a:noFill/>
+                </a:ln>
+                <a:solidFill>
+                  <a:schemeClr val="tx1"/>
+                </a:solidFill>
+                <a:effectLst/>
+                <a:uLnTx/>
+                <a:uFillTx/>
+                <a:latin typeface="Comic Sans MS"/>
+                <a:ea typeface="+mn-ea"/>
+                <a:cs typeface="Comic Sans MS"/>
+              </a:rPr>
+              <a:t>testing.</a:t>
+            </a:r>
+            <a:fld id="{B9A0B45D-6AFD-413C-B761-B121FB8BE940}" type="slidenum">
+              <a:rPr kumimoji="0" lang="en-US" sz="1200" b="0" i="0" u="none" strike="noStrike" kern="1200" cap="none" spc="0" normalizeH="0" baseline="0" noProof="0" smtClean="0">
+                <a:ln>
+                  <a:noFill/>
+                </a:ln>
+                <a:solidFill>
+                  <a:schemeClr val="tx1"/>
+                </a:solidFill>
+                <a:effectLst/>
+                <a:uLnTx/>
+                <a:uFillTx/>
+                <a:latin typeface="Comic Sans MS"/>
+                <a:ea typeface="+mn-ea"/>
+                <a:cs typeface="Comic Sans MS"/>
+              </a:rPr>
+              <a:pPr marL="0" marR="0" lvl="0" indent="0" algn="r" defTabSz="914400" rtl="0" eaLnBrk="1" fontAlgn="base" latinLnBrk="0" hangingPunct="1">
+                <a:lnSpc>
+                  <a:spcPct val="100000"/>
+                </a:lnSpc>
+                <a:spcBef>
+                  <a:spcPct val="0"/>
+                </a:spcBef>
+                <a:spcAft>
+                  <a:spcPct val="0"/>
+                </a:spcAft>
+                <a:buClrTx/>
+                <a:buSzTx/>
+                <a:buFontTx/>
+                <a:buNone/>
+                <a:tabLst/>
+                <a:defRPr/>
+              </a:pPr>
+              <a:t>41</a:t>
+            </a:fld>
+            <a:endParaRPr kumimoji="0" lang="en-US" sz="1200" b="0" i="0" u="none" strike="noStrike" kern="1200" cap="none" spc="0" normalizeH="0" baseline="0" noProof="0" dirty="0">
+              <a:ln>
+                <a:noFill/>
+              </a:ln>
+              <a:solidFill>
+                <a:schemeClr val="tx1"/>
+              </a:solidFill>
+              <a:effectLst/>
+              <a:uLnTx/>
+              <a:uFillTx/>
+              <a:latin typeface="Comic Sans MS"/>
+              <a:ea typeface="+mn-ea"/>
+              <a:cs typeface="Comic Sans MS"/>
+            </a:endParaRPr>
+          </a:p>
+        </p:txBody>
+      </p:sp>
+    </p:spTree>
+    <p:extLst>
+      <p:ext uri="{BB962C8B-B14F-4D97-AF65-F5344CB8AC3E}">
+        <p14:creationId xmlns:p14="http://schemas.microsoft.com/office/powerpoint/2010/main" val="2916619395"/>
+      </p:ext>
+    </p:extLst>
+  </p:cSld>
+  <p:clrMapOvr>
+    <a:masterClrMapping/>
+  </p:clrMapOvr>
+  <mc:AlternateContent xmlns:mc="http://schemas.openxmlformats.org/markup-compatibility/2006" xmlns:p14="http://schemas.microsoft.com/office/powerpoint/2010/main">
+    <mc:Choice Requires="p14">
+      <p:transition spd="med" p14:dur="700" advClick="0">
+        <p:fade/>
+      </p:transition>
+    </mc:Choice>
+    <mc:Fallback xmlns="">
+      <p:transition xmlns:p14="http://schemas.microsoft.com/office/powerpoint/2010/main" spd="med" advClick="0">
+        <p:fade/>
+      </p:transition>
+    </mc:Fallback>
+  </mc:AlternateContent>
+  <p:timing>
+    <p:tnLst>
+      <p:par>
+        <p:cTn xmlns:p14="http://schemas.microsoft.com/office/powerpoint/2010/main" id="1" dur="indefinite" restart="never" nodeType="tmRoot"/>
+      </p:par>
+    </p:tnLst>
+  </p:timing>
+</p:sld>
+</file>
+
+<file path=ppt/slides/slide42.xml><?xml version="1.0" encoding="utf-8"?>
+<p:sld xmlns:a="http://schemas.openxmlformats.org/drawingml/2006/main" xmlns:r="http://schemas.openxmlformats.org/officeDocument/2006/relationships" xmlns:p="http://schemas.openxmlformats.org/presentationml/2006/main">
+  <p:cSld>
+    <p:spTree>
+      <p:nvGrpSpPr>
+        <p:cNvPr id="1" name=""/>
+        <p:cNvGrpSpPr/>
+        <p:nvPr/>
+      </p:nvGrpSpPr>
+      <p:grpSpPr>
+        <a:xfrm>
+          <a:off x="0" y="0"/>
+          <a:ext cx="0" cy="0"/>
+          <a:chOff x="0" y="0"/>
+          <a:chExt cx="0" cy="0"/>
+        </a:xfrm>
+      </p:grpSpPr>
+      <p:sp>
+        <p:nvSpPr>
+          <p:cNvPr id="6" name="TextBox 5"/>
+          <p:cNvSpPr txBox="1"/>
+          <p:nvPr/>
+        </p:nvSpPr>
+        <p:spPr>
+          <a:xfrm>
+            <a:off x="299715" y="1495282"/>
+            <a:ext cx="8615685" cy="3914918"/>
+          </a:xfrm>
+          <a:prstGeom prst="rect">
+            <a:avLst/>
+          </a:prstGeom>
+          <a:noFill/>
+        </p:spPr>
+        <p:txBody>
+          <a:bodyPr wrap="none" rtlCol="0">
+            <a:spAutoFit/>
+          </a:bodyPr>
+          <a:lstStyle/>
+          <a:p>
+            <a:pPr algn="l"/>
+            <a:r>
+              <a:rPr lang="en-US" sz="5400" dirty="0" smtClean="0">
+                <a:latin typeface="Comic Sans MS"/>
+                <a:cs typeface="Comic Sans MS"/>
+              </a:rPr>
+              <a:t>Instead, medicate </a:t>
+            </a:r>
+            <a:r>
+              <a:rPr lang="en-US" sz="5400" dirty="0" smtClean="0">
+                <a:latin typeface="Comic Sans MS"/>
+                <a:cs typeface="Comic Sans MS"/>
+              </a:rPr>
+              <a:t>the </a:t>
+            </a:r>
+            <a:r>
+              <a:rPr lang="en-US" sz="5400" dirty="0" smtClean="0">
+                <a:solidFill>
+                  <a:srgbClr val="0000E5"/>
+                </a:solidFill>
+                <a:latin typeface="Comic Sans MS"/>
+                <a:cs typeface="Comic Sans MS"/>
+              </a:rPr>
+              <a:t>7M</a:t>
+            </a:r>
+            <a:endParaRPr lang="en-US" sz="5400" dirty="0">
+              <a:latin typeface="Comic Sans MS"/>
+              <a:cs typeface="Comic Sans MS"/>
+            </a:endParaRPr>
+          </a:p>
+          <a:p>
+            <a:pPr algn="l"/>
+            <a:r>
+              <a:rPr lang="en-US" sz="5400" dirty="0" smtClean="0">
+                <a:latin typeface="Comic Sans MS"/>
+                <a:cs typeface="Comic Sans MS"/>
+              </a:rPr>
+              <a:t>who test positive.  All the</a:t>
+            </a:r>
+          </a:p>
+          <a:p>
+            <a:pPr algn="l"/>
+            <a:r>
+              <a:rPr lang="en-US" sz="5400" dirty="0" smtClean="0">
+                <a:latin typeface="Comic Sans MS"/>
+                <a:cs typeface="Comic Sans MS"/>
+              </a:rPr>
+              <a:t>sick people are </a:t>
+            </a:r>
+            <a:r>
+              <a:rPr lang="en-US" sz="5400" dirty="0" smtClean="0">
+                <a:solidFill>
+                  <a:srgbClr val="008000"/>
+                </a:solidFill>
+                <a:latin typeface="Comic Sans MS"/>
+                <a:cs typeface="Comic Sans MS"/>
+              </a:rPr>
+              <a:t>sure</a:t>
+            </a:r>
+            <a:r>
+              <a:rPr lang="en-US" sz="5400" dirty="0" smtClean="0">
+                <a:latin typeface="Comic Sans MS"/>
+                <a:cs typeface="Comic Sans MS"/>
+              </a:rPr>
+              <a:t> to be</a:t>
+            </a:r>
+          </a:p>
+          <a:p>
+            <a:pPr algn="l"/>
+            <a:r>
+              <a:rPr lang="en-US" sz="5400" dirty="0" smtClean="0">
+                <a:latin typeface="Comic Sans MS"/>
+                <a:cs typeface="Comic Sans MS"/>
+              </a:rPr>
+              <a:t>among these.</a:t>
+            </a:r>
+            <a:endParaRPr lang="en-US" sz="5400" dirty="0" smtClean="0">
+              <a:latin typeface="Comic Sans MS"/>
+              <a:cs typeface="Comic Sans MS"/>
+            </a:endParaRPr>
+          </a:p>
+        </p:txBody>
+      </p:sp>
+      <p:sp>
+        <p:nvSpPr>
+          <p:cNvPr id="5" name="Rectangle 4"/>
+          <p:cNvSpPr txBox="1">
+            <a:spLocks noChangeArrowheads="1"/>
+          </p:cNvSpPr>
+          <p:nvPr/>
+        </p:nvSpPr>
+        <p:spPr bwMode="auto">
+          <a:xfrm>
+            <a:off x="1355099" y="152400"/>
+            <a:ext cx="7266290" cy="1112484"/>
+          </a:xfrm>
+          <a:prstGeom prst="rect">
+            <a:avLst/>
+          </a:prstGeom>
+          <a:noFill/>
+          <a:ln w="9525">
+            <a:noFill/>
+            <a:miter lim="800000"/>
+            <a:headEnd/>
+            <a:tailEnd/>
+          </a:ln>
+        </p:spPr>
+        <p:txBody>
+          <a:bodyPr vert="horz" wrap="square" lIns="91440" tIns="45720" rIns="91440" bIns="45720" numCol="1" anchor="ctr" anchorCtr="0" compatLnSpc="1">
+            <a:prstTxWarp prst="textNoShape">
+              <a:avLst/>
+            </a:prstTxWarp>
+          </a:bodyPr>
+          <a:lstStyle>
+            <a:lvl1pPr algn="ctr" rtl="0" eaLnBrk="0" fontAlgn="base" hangingPunct="0">
+              <a:spcBef>
+                <a:spcPct val="0"/>
+              </a:spcBef>
+              <a:spcAft>
+                <a:spcPct val="0"/>
+              </a:spcAft>
+              <a:defRPr sz="3200" b="1">
+                <a:solidFill>
+                  <a:schemeClr val="tx2"/>
+                </a:solidFill>
+                <a:latin typeface="+mj-lt"/>
+                <a:ea typeface="+mj-ea"/>
+                <a:cs typeface="+mj-cs"/>
+              </a:defRPr>
+            </a:lvl1pPr>
+            <a:lvl2pPr algn="ctr" rtl="0" eaLnBrk="0" fontAlgn="base" hangingPunct="0">
+              <a:spcBef>
+                <a:spcPct val="0"/>
+              </a:spcBef>
+              <a:spcAft>
+                <a:spcPct val="0"/>
+              </a:spcAft>
+              <a:defRPr sz="3600" b="1">
+                <a:solidFill>
+                  <a:schemeClr val="tx2"/>
+                </a:solidFill>
+                <a:latin typeface="Comic Sans MS" pitchFamily="66" charset="0"/>
+              </a:defRPr>
+            </a:lvl2pPr>
+            <a:lvl3pPr algn="ctr" rtl="0" eaLnBrk="0" fontAlgn="base" hangingPunct="0">
+              <a:spcBef>
+                <a:spcPct val="0"/>
+              </a:spcBef>
+              <a:spcAft>
+                <a:spcPct val="0"/>
+              </a:spcAft>
+              <a:defRPr sz="3600" b="1">
+                <a:solidFill>
+                  <a:schemeClr val="tx2"/>
+                </a:solidFill>
+                <a:latin typeface="Comic Sans MS" pitchFamily="66" charset="0"/>
+              </a:defRPr>
+            </a:lvl3pPr>
+            <a:lvl4pPr algn="ctr" rtl="0" eaLnBrk="0" fontAlgn="base" hangingPunct="0">
+              <a:spcBef>
+                <a:spcPct val="0"/>
+              </a:spcBef>
+              <a:spcAft>
+                <a:spcPct val="0"/>
+              </a:spcAft>
+              <a:defRPr sz="3600" b="1">
+                <a:solidFill>
+                  <a:schemeClr val="tx2"/>
+                </a:solidFill>
+                <a:latin typeface="Comic Sans MS" pitchFamily="66" charset="0"/>
+              </a:defRPr>
+            </a:lvl4pPr>
+            <a:lvl5pPr algn="ctr" rtl="0" eaLnBrk="0" fontAlgn="base" hangingPunct="0">
+              <a:spcBef>
+                <a:spcPct val="0"/>
+              </a:spcBef>
+              <a:spcAft>
+                <a:spcPct val="0"/>
+              </a:spcAft>
+              <a:defRPr sz="3600" b="1">
+                <a:solidFill>
+                  <a:schemeClr val="tx2"/>
+                </a:solidFill>
+                <a:latin typeface="Comic Sans MS" pitchFamily="66" charset="0"/>
+              </a:defRPr>
+            </a:lvl5pPr>
+            <a:lvl6pPr marL="457200" algn="ctr" rtl="0" fontAlgn="base">
+              <a:spcBef>
+                <a:spcPct val="0"/>
+              </a:spcBef>
+              <a:spcAft>
+                <a:spcPct val="0"/>
+              </a:spcAft>
+              <a:defRPr sz="3600" b="1">
+                <a:solidFill>
+                  <a:schemeClr val="tx2"/>
+                </a:solidFill>
+                <a:latin typeface="Comic Sans MS" pitchFamily="66" charset="0"/>
+              </a:defRPr>
+            </a:lvl6pPr>
+            <a:lvl7pPr marL="914400" algn="ctr" rtl="0" fontAlgn="base">
+              <a:spcBef>
+                <a:spcPct val="0"/>
+              </a:spcBef>
+              <a:spcAft>
+                <a:spcPct val="0"/>
+              </a:spcAft>
+              <a:defRPr sz="3600" b="1">
+                <a:solidFill>
+                  <a:schemeClr val="tx2"/>
+                </a:solidFill>
+                <a:latin typeface="Comic Sans MS" pitchFamily="66" charset="0"/>
+              </a:defRPr>
+            </a:lvl7pPr>
+            <a:lvl8pPr marL="1371600" algn="ctr" rtl="0" fontAlgn="base">
+              <a:spcBef>
+                <a:spcPct val="0"/>
+              </a:spcBef>
+              <a:spcAft>
+                <a:spcPct val="0"/>
+              </a:spcAft>
+              <a:defRPr sz="3600" b="1">
+                <a:solidFill>
+                  <a:schemeClr val="tx2"/>
+                </a:solidFill>
+                <a:latin typeface="Comic Sans MS" pitchFamily="66" charset="0"/>
+              </a:defRPr>
+            </a:lvl8pPr>
+            <a:lvl9pPr marL="1828800" algn="ctr" rtl="0" fontAlgn="base">
+              <a:spcBef>
+                <a:spcPct val="0"/>
+              </a:spcBef>
+              <a:spcAft>
+                <a:spcPct val="0"/>
+              </a:spcAft>
+              <a:defRPr sz="3600" b="1">
+                <a:solidFill>
+                  <a:schemeClr val="tx2"/>
+                </a:solidFill>
+                <a:latin typeface="Comic Sans MS" pitchFamily="66" charset="0"/>
+              </a:defRPr>
+            </a:lvl9pPr>
+          </a:lstStyle>
+          <a:p>
+            <a:pPr eaLnBrk="1" hangingPunct="1"/>
+            <a:r>
+              <a:rPr lang="en-US" sz="4400" dirty="0" smtClean="0">
+                <a:solidFill>
+                  <a:schemeClr val="tx1"/>
+                </a:solidFill>
+                <a:latin typeface="Comic Sans MS"/>
+                <a:cs typeface="Comic Sans MS"/>
+              </a:rPr>
+              <a:t>98% </a:t>
+            </a:r>
+            <a:r>
+              <a:rPr lang="en-US" sz="4400" dirty="0" smtClean="0">
+                <a:solidFill>
+                  <a:schemeClr val="tx1"/>
+                </a:solidFill>
+                <a:latin typeface="Comic Sans MS"/>
+                <a:cs typeface="Comic Sans MS"/>
+              </a:rPr>
+              <a:t>accuracy still useful</a:t>
+            </a:r>
+          </a:p>
+        </p:txBody>
+      </p:sp>
+      <p:sp>
+        <p:nvSpPr>
+          <p:cNvPr id="7" name="Rectangle 4"/>
+          <p:cNvSpPr txBox="1">
+            <a:spLocks noChangeArrowheads="1"/>
+          </p:cNvSpPr>
+          <p:nvPr/>
+        </p:nvSpPr>
+        <p:spPr bwMode="auto">
+          <a:xfrm>
+            <a:off x="7696200" y="6629400"/>
+            <a:ext cx="1447800" cy="228600"/>
+          </a:xfrm>
+          <a:prstGeom prst="rect">
+            <a:avLst/>
+          </a:prstGeom>
+          <a:noFill/>
+          <a:ln w="9525">
+            <a:noFill/>
+            <a:miter lim="800000"/>
+            <a:headEnd/>
+            <a:tailEnd/>
+          </a:ln>
+          <a:effectLst/>
+        </p:spPr>
+        <p:txBody>
+          <a:bodyPr vert="horz" wrap="square" lIns="91440" tIns="45720" rIns="91440" bIns="45720" numCol="1" anchor="t" anchorCtr="0" compatLnSpc="1">
+            <a:prstTxWarp prst="textNoShape">
+              <a:avLst/>
+            </a:prstTxWarp>
+          </a:bodyPr>
+          <a:lstStyle>
+            <a:lvl1pPr algn="r">
+              <a:defRPr sz="1200" dirty="0" err="1" smtClean="0">
+                <a:latin typeface="+mn-lt"/>
+              </a:defRPr>
+            </a:lvl1pPr>
+          </a:lstStyle>
+          <a:p>
+            <a:pPr marL="0" marR="0" lvl="0" indent="0" algn="r" defTabSz="914400" rtl="0" eaLnBrk="1" fontAlgn="base" latinLnBrk="0" hangingPunct="1">
+              <a:lnSpc>
+                <a:spcPct val="100000"/>
+              </a:lnSpc>
+              <a:spcBef>
+                <a:spcPct val="0"/>
+              </a:spcBef>
+              <a:spcAft>
+                <a:spcPct val="0"/>
+              </a:spcAft>
+              <a:buClrTx/>
+              <a:buSzTx/>
+              <a:buFontTx/>
+              <a:buNone/>
+              <a:tabLst/>
+              <a:defRPr/>
+            </a:pPr>
+            <a:r>
+              <a:rPr kumimoji="0" lang="en-US" sz="1200" b="0" i="0" u="none" strike="noStrike" kern="1200" cap="none" spc="0" normalizeH="0" baseline="0" noProof="0" dirty="0" smtClean="0">
+                <a:ln>
+                  <a:noFill/>
+                </a:ln>
+                <a:solidFill>
+                  <a:schemeClr val="tx1"/>
+                </a:solidFill>
+                <a:effectLst/>
+                <a:uLnTx/>
+                <a:uFillTx/>
+                <a:latin typeface="Comic Sans MS"/>
+                <a:ea typeface="+mn-ea"/>
+                <a:cs typeface="Comic Sans MS"/>
+              </a:rPr>
+              <a:t>testing.</a:t>
+            </a:r>
+            <a:fld id="{B9A0B45D-6AFD-413C-B761-B121FB8BE940}" type="slidenum">
+              <a:rPr kumimoji="0" lang="en-US" sz="1200" b="0" i="0" u="none" strike="noStrike" kern="1200" cap="none" spc="0" normalizeH="0" baseline="0" noProof="0" smtClean="0">
+                <a:ln>
+                  <a:noFill/>
+                </a:ln>
+                <a:solidFill>
+                  <a:schemeClr val="tx1"/>
+                </a:solidFill>
+                <a:effectLst/>
+                <a:uLnTx/>
+                <a:uFillTx/>
+                <a:latin typeface="Comic Sans MS"/>
+                <a:ea typeface="+mn-ea"/>
+                <a:cs typeface="Comic Sans MS"/>
+              </a:rPr>
+              <a:pPr marL="0" marR="0" lvl="0" indent="0" algn="r" defTabSz="914400" rtl="0" eaLnBrk="1" fontAlgn="base" latinLnBrk="0" hangingPunct="1">
+                <a:lnSpc>
+                  <a:spcPct val="100000"/>
+                </a:lnSpc>
+                <a:spcBef>
+                  <a:spcPct val="0"/>
+                </a:spcBef>
+                <a:spcAft>
+                  <a:spcPct val="0"/>
+                </a:spcAft>
+                <a:buClrTx/>
+                <a:buSzTx/>
+                <a:buFontTx/>
+                <a:buNone/>
+                <a:tabLst/>
+                <a:defRPr/>
+              </a:pPr>
+              <a:t>42</a:t>
+            </a:fld>
+            <a:endParaRPr kumimoji="0" lang="en-US" sz="1200" b="0" i="0" u="none" strike="noStrike" kern="1200" cap="none" spc="0" normalizeH="0" baseline="0" noProof="0" dirty="0">
+              <a:ln>
+                <a:noFill/>
+              </a:ln>
+              <a:solidFill>
+                <a:schemeClr val="tx1"/>
+              </a:solidFill>
+              <a:effectLst/>
+              <a:uLnTx/>
+              <a:uFillTx/>
+              <a:latin typeface="Comic Sans MS"/>
+              <a:ea typeface="+mn-ea"/>
+              <a:cs typeface="Comic Sans MS"/>
+            </a:endParaRPr>
+          </a:p>
+        </p:txBody>
+      </p:sp>
+    </p:spTree>
+    <p:extLst>
+      <p:ext uri="{BB962C8B-B14F-4D97-AF65-F5344CB8AC3E}">
+        <p14:creationId xmlns:p14="http://schemas.microsoft.com/office/powerpoint/2010/main" val="3888538358"/>
+      </p:ext>
+    </p:extLst>
+  </p:cSld>
+  <p:clrMapOvr>
+    <a:masterClrMapping/>
+  </p:clrMapOvr>
+  <mc:AlternateContent xmlns:mc="http://schemas.openxmlformats.org/markup-compatibility/2006" xmlns:p14="http://schemas.microsoft.com/office/powerpoint/2010/main">
+    <mc:Choice Requires="p14">
+      <p:transition spd="med" p14:dur="700" advClick="0">
+        <p:fade/>
+      </p:transition>
+    </mc:Choice>
+    <mc:Fallback xmlns="">
+      <p:transition xmlns:p14="http://schemas.microsoft.com/office/powerpoint/2010/main" spd="med" advClick="0">
         <p:fade/>
       </p:transition>
     </mc:Fallback>
@@ -16903,7 +20457,7 @@
           <a:graphicData uri="http://schemas.openxmlformats.org/presentationml/2006/ole">
             <mc:AlternateContent xmlns:mc="http://schemas.openxmlformats.org/markup-compatibility/2006">
               <mc:Choice xmlns:v="urn:schemas-microsoft-com:vml" Requires="v">
-                <p:oleObj spid="_x0000_s92194" name="Equation" r:id="rId4" imgW="1714500" imgH="241300" progId="Equation.DSMT4">
+                <p:oleObj spid="_x0000_s92200" name="Equation" r:id="rId4" imgW="1714500" imgH="241300" progId="Equation.DSMT4">
                   <p:embed/>
                 </p:oleObj>
               </mc:Choice>
@@ -17425,7 +20979,7 @@
           <a:graphicData uri="http://schemas.openxmlformats.org/presentationml/2006/ole">
             <mc:AlternateContent xmlns:mc="http://schemas.openxmlformats.org/markup-compatibility/2006">
               <mc:Choice xmlns:v="urn:schemas-microsoft-com:vml" Requires="v">
-                <p:oleObj spid="_x0000_s87105" name="Equation" r:id="rId4" imgW="1714500" imgH="241300" progId="Equation.DSMT4">
+                <p:oleObj spid="_x0000_s87116" name="Equation" r:id="rId4" imgW="1714500" imgH="241300" progId="Equation.DSMT4">
                   <p:embed/>
                 </p:oleObj>
               </mc:Choice>
@@ -17568,7 +21122,7 @@
           <a:graphicData uri="http://schemas.openxmlformats.org/presentationml/2006/ole">
             <mc:AlternateContent xmlns:mc="http://schemas.openxmlformats.org/markup-compatibility/2006">
               <mc:Choice xmlns:v="urn:schemas-microsoft-com:vml" Requires="v">
-                <p:oleObj spid="_x0000_s87106" name="Equation" r:id="rId6" imgW="1574800" imgH="469900" progId="Equation.DSMT4">
+                <p:oleObj spid="_x0000_s87117" name="Equation" r:id="rId6" imgW="1574800" imgH="469900" progId="Equation.DSMT4">
                   <p:embed/>
                 </p:oleObj>
               </mc:Choice>
@@ -17986,7 +21540,7 @@
           <a:graphicData uri="http://schemas.openxmlformats.org/presentationml/2006/ole">
             <mc:AlternateContent xmlns:mc="http://schemas.openxmlformats.org/markup-compatibility/2006">
               <mc:Choice xmlns:v="urn:schemas-microsoft-com:vml" Requires="v">
-                <p:oleObj spid="_x0000_s91173" name="Equation" r:id="rId4" imgW="1270000" imgH="469900" progId="Equation.DSMT4">
+                <p:oleObj spid="_x0000_s91179" name="Equation" r:id="rId4" imgW="1270000" imgH="469900" progId="Equation.DSMT4">
                   <p:embed/>
                 </p:oleObj>
               </mc:Choice>

--- a/spring16/slidesS16/testing-confidence.pptx
+++ b/spring16/slidesS16/testing-confidence.pptx
@@ -6583,7 +6583,7 @@
           <a:graphicData uri="http://schemas.openxmlformats.org/presentationml/2006/ole">
             <mc:AlternateContent xmlns:mc="http://schemas.openxmlformats.org/markup-compatibility/2006">
               <mc:Choice xmlns:v="urn:schemas-microsoft-com:vml" Requires="v">
-                <p:oleObj spid="_x0000_s1081" name="Equation" r:id="rId3" imgW="977900" imgH="241300" progId="Equation.DSMT4">
+                <p:oleObj spid="_x0000_s1083" name="Equation" r:id="rId3" imgW="977900" imgH="241300" progId="Equation.DSMT4">
                   <p:embed/>
                 </p:oleObj>
               </mc:Choice>
@@ -6915,7 +6915,7 @@
           <a:graphicData uri="http://schemas.openxmlformats.org/presentationml/2006/ole">
             <mc:AlternateContent xmlns:mc="http://schemas.openxmlformats.org/markup-compatibility/2006">
               <mc:Choice xmlns:v="urn:schemas-microsoft-com:vml" Requires="v">
-                <p:oleObj spid="_x0000_s99365" name="Equation" r:id="rId3" imgW="977900" imgH="241300" progId="Equation.DSMT4">
+                <p:oleObj spid="_x0000_s99367" name="Equation" r:id="rId3" imgW="977900" imgH="241300" progId="Equation.DSMT4">
                   <p:embed/>
                 </p:oleObj>
               </mc:Choice>
@@ -7207,7 +7207,7 @@
           <a:graphicData uri="http://schemas.openxmlformats.org/presentationml/2006/ole">
             <mc:AlternateContent xmlns:mc="http://schemas.openxmlformats.org/markup-compatibility/2006">
               <mc:Choice xmlns:v="urn:schemas-microsoft-com:vml" Requires="v">
-                <p:oleObj spid="_x0000_s100391" name="Equation" r:id="rId3" imgW="977900" imgH="241300" progId="Equation.DSMT4">
+                <p:oleObj spid="_x0000_s100393" name="Equation" r:id="rId3" imgW="977900" imgH="241300" progId="Equation.DSMT4">
                   <p:embed/>
                 </p:oleObj>
               </mc:Choice>
@@ -7419,7 +7419,7 @@
           <a:graphicData uri="http://schemas.openxmlformats.org/presentationml/2006/ole">
             <mc:AlternateContent xmlns:mc="http://schemas.openxmlformats.org/markup-compatibility/2006">
               <mc:Choice xmlns:v="urn:schemas-microsoft-com:vml" Requires="v">
-                <p:oleObj spid="_x0000_s101445" name="Equation" r:id="rId3" imgW="889000" imgH="241300" progId="Equation.DSMT4">
+                <p:oleObj spid="_x0000_s101448" name="Equation" r:id="rId3" imgW="889000" imgH="241300" progId="Equation.DSMT4">
                   <p:embed/>
                 </p:oleObj>
               </mc:Choice>
@@ -7531,7 +7531,7 @@
           <a:graphicData uri="http://schemas.openxmlformats.org/presentationml/2006/ole">
             <mc:AlternateContent xmlns:mc="http://schemas.openxmlformats.org/markup-compatibility/2006">
               <mc:Choice xmlns:v="urn:schemas-microsoft-com:vml" Requires="v">
-                <p:oleObj spid="_x0000_s101446" name="Equation" r:id="rId5" imgW="977900" imgH="241300" progId="Equation.DSMT4">
+                <p:oleObj spid="_x0000_s101449" name="Equation" r:id="rId5" imgW="977900" imgH="241300" progId="Equation.DSMT4">
                   <p:embed/>
                 </p:oleObj>
               </mc:Choice>
@@ -7885,7 +7885,7 @@
             <a:graphicData uri="http://schemas.openxmlformats.org/presentationml/2006/ole">
               <mc:AlternateContent xmlns:mc="http://schemas.openxmlformats.org/markup-compatibility/2006">
                 <mc:Choice xmlns:v="urn:schemas-microsoft-com:vml" Requires="v">
-                  <p:oleObj spid="_x0000_s35963" name="Equation" r:id="rId4" imgW="850900" imgH="228600" progId="Equation.DSMT4">
+                  <p:oleObj spid="_x0000_s35966" name="Equation" r:id="rId4" imgW="850900" imgH="228600" progId="Equation.DSMT4">
                     <p:embed/>
                   </p:oleObj>
                 </mc:Choice>
@@ -7942,7 +7942,7 @@
             <a:graphicData uri="http://schemas.openxmlformats.org/presentationml/2006/ole">
               <mc:AlternateContent xmlns:mc="http://schemas.openxmlformats.org/markup-compatibility/2006">
                 <mc:Choice xmlns:v="urn:schemas-microsoft-com:vml" Requires="v">
-                  <p:oleObj spid="_x0000_s35964" name="Equation" r:id="rId6" imgW="850900" imgH="228600" progId="Equation.DSMT4">
+                  <p:oleObj spid="_x0000_s35967" name="Equation" r:id="rId6" imgW="850900" imgH="228600" progId="Equation.DSMT4">
                     <p:embed/>
                   </p:oleObj>
                 </mc:Choice>
@@ -8732,7 +8732,7 @@
           <a:graphicData uri="http://schemas.openxmlformats.org/presentationml/2006/ole">
             <mc:AlternateContent xmlns:mc="http://schemas.openxmlformats.org/markup-compatibility/2006">
               <mc:Choice xmlns:v="urn:schemas-microsoft-com:vml" Requires="v">
-                <p:oleObj spid="_x0000_s88104" name="Equation" r:id="rId3" imgW="1257300" imgH="495300" progId="Equation.DSMT4">
+                <p:oleObj spid="_x0000_s88106" name="Equation" r:id="rId3" imgW="1257300" imgH="495300" progId="Equation.DSMT4">
                   <p:embed/>
                 </p:oleObj>
               </mc:Choice>
@@ -9071,7 +9071,7 @@
           <a:graphicData uri="http://schemas.openxmlformats.org/presentationml/2006/ole">
             <mc:AlternateContent xmlns:mc="http://schemas.openxmlformats.org/markup-compatibility/2006">
               <mc:Choice xmlns:v="urn:schemas-microsoft-com:vml" Requires="v">
-                <p:oleObj spid="_x0000_s89159" name="Equation" r:id="rId3" imgW="952500" imgH="469900" progId="Equation.DSMT4">
+                <p:oleObj spid="_x0000_s89162" name="Equation" r:id="rId3" imgW="952500" imgH="469900" progId="Equation.DSMT4">
                   <p:embed/>
                 </p:oleObj>
               </mc:Choice>
@@ -9128,7 +9128,7 @@
           <a:graphicData uri="http://schemas.openxmlformats.org/presentationml/2006/ole">
             <mc:AlternateContent xmlns:mc="http://schemas.openxmlformats.org/markup-compatibility/2006">
               <mc:Choice xmlns:v="urn:schemas-microsoft-com:vml" Requires="v">
-                <p:oleObj spid="_x0000_s89160" name="Equation" r:id="rId5" imgW="1701800" imgH="469900" progId="Equation.DSMT4">
+                <p:oleObj spid="_x0000_s89163" name="Equation" r:id="rId5" imgW="1701800" imgH="469900" progId="Equation.DSMT4">
                   <p:embed/>
                 </p:oleObj>
               </mc:Choice>
@@ -9482,7 +9482,7 @@
           <a:graphicData uri="http://schemas.openxmlformats.org/presentationml/2006/ole">
             <mc:AlternateContent xmlns:mc="http://schemas.openxmlformats.org/markup-compatibility/2006">
               <mc:Choice xmlns:v="urn:schemas-microsoft-com:vml" Requires="v">
-                <p:oleObj spid="_x0000_s32837" name="Equation" r:id="rId4" imgW="1765300" imgH="495300" progId="Equation.DSMT4">
+                <p:oleObj spid="_x0000_s32839" name="Equation" r:id="rId4" imgW="1765300" imgH="495300" progId="Equation.DSMT4">
                   <p:embed/>
                 </p:oleObj>
               </mc:Choice>
@@ -9796,7 +9796,7 @@
           <a:graphicData uri="http://schemas.openxmlformats.org/presentationml/2006/ole">
             <mc:AlternateContent xmlns:mc="http://schemas.openxmlformats.org/markup-compatibility/2006">
               <mc:Choice xmlns:v="urn:schemas-microsoft-com:vml" Requires="v">
-                <p:oleObj spid="_x0000_s79937" name="Equation" r:id="rId4" imgW="1092200" imgH="228600" progId="Equation.DSMT4">
+                <p:oleObj spid="_x0000_s79939" name="Equation" r:id="rId4" imgW="1092200" imgH="228600" progId="Equation.DSMT4">
                   <p:embed/>
                 </p:oleObj>
               </mc:Choice>
@@ -10162,7 +10162,7 @@
           <a:graphicData uri="http://schemas.openxmlformats.org/presentationml/2006/ole">
             <mc:AlternateContent xmlns:mc="http://schemas.openxmlformats.org/markup-compatibility/2006">
               <mc:Choice xmlns:v="urn:schemas-microsoft-com:vml" Requires="v">
-                <p:oleObj spid="_x0000_s136252" name="Equation" r:id="rId4" imgW="2146300" imgH="495300" progId="Equation.DSMT4">
+                <p:oleObj spid="_x0000_s136255" name="Equation" r:id="rId4" imgW="2146300" imgH="495300" progId="Equation.DSMT4">
                   <p:embed/>
                 </p:oleObj>
               </mc:Choice>
@@ -10219,7 +10219,7 @@
           <a:graphicData uri="http://schemas.openxmlformats.org/presentationml/2006/ole">
             <mc:AlternateContent xmlns:mc="http://schemas.openxmlformats.org/markup-compatibility/2006">
               <mc:Choice xmlns:v="urn:schemas-microsoft-com:vml" Requires="v">
-                <p:oleObj spid="_x0000_s136253" name="Equation" r:id="rId6" imgW="2171700" imgH="495300" progId="Equation.DSMT4">
+                <p:oleObj spid="_x0000_s136256" name="Equation" r:id="rId6" imgW="2171700" imgH="495300" progId="Equation.DSMT4">
                   <p:embed/>
                 </p:oleObj>
               </mc:Choice>
@@ -10585,7 +10585,7 @@
           <a:graphicData uri="http://schemas.openxmlformats.org/presentationml/2006/ole">
             <mc:AlternateContent xmlns:mc="http://schemas.openxmlformats.org/markup-compatibility/2006">
               <mc:Choice xmlns:v="urn:schemas-microsoft-com:vml" Requires="v">
-                <p:oleObj spid="_x0000_s133302" name="Equation" r:id="rId4" imgW="2171700" imgH="495300" progId="Equation.DSMT4">
+                <p:oleObj spid="_x0000_s133309" name="Equation" r:id="rId4" imgW="2171700" imgH="495300" progId="Equation.DSMT4">
                   <p:embed/>
                 </p:oleObj>
               </mc:Choice>
@@ -10696,7 +10696,7 @@
           <a:graphicData uri="http://schemas.openxmlformats.org/presentationml/2006/ole">
             <mc:AlternateContent xmlns:mc="http://schemas.openxmlformats.org/markup-compatibility/2006">
               <mc:Choice xmlns:v="urn:schemas-microsoft-com:vml" Requires="v">
-                <p:oleObj spid="_x0000_s133303" name="Equation" r:id="rId6" imgW="139700" imgH="215900" progId="Equation.DSMT4">
+                <p:oleObj spid="_x0000_s133310" name="Equation" r:id="rId6" imgW="139700" imgH="215900" progId="Equation.DSMT4">
                   <p:embed/>
                 </p:oleObj>
               </mc:Choice>
@@ -10753,7 +10753,7 @@
           <a:graphicData uri="http://schemas.openxmlformats.org/presentationml/2006/ole">
             <mc:AlternateContent xmlns:mc="http://schemas.openxmlformats.org/markup-compatibility/2006">
               <mc:Choice xmlns:v="urn:schemas-microsoft-com:vml" Requires="v">
-                <p:oleObj spid="_x0000_s133304" name="Equation" r:id="rId8" imgW="139700" imgH="215900" progId="Equation.DSMT4">
+                <p:oleObj spid="_x0000_s133311" name="Equation" r:id="rId8" imgW="139700" imgH="215900" progId="Equation.DSMT4">
                   <p:embed/>
                 </p:oleObj>
               </mc:Choice>
@@ -10810,7 +10810,7 @@
           <a:graphicData uri="http://schemas.openxmlformats.org/presentationml/2006/ole">
             <mc:AlternateContent xmlns:mc="http://schemas.openxmlformats.org/markup-compatibility/2006">
               <mc:Choice xmlns:v="urn:schemas-microsoft-com:vml" Requires="v">
-                <p:oleObj spid="_x0000_s133305" name="Equation" r:id="rId9" imgW="762000" imgH="533400" progId="Equation.DSMT4">
+                <p:oleObj spid="_x0000_s133312" name="Equation" r:id="rId9" imgW="762000" imgH="533400" progId="Equation.DSMT4">
                   <p:embed/>
                 </p:oleObj>
               </mc:Choice>
@@ -10867,7 +10867,7 @@
           <a:graphicData uri="http://schemas.openxmlformats.org/presentationml/2006/ole">
             <mc:AlternateContent xmlns:mc="http://schemas.openxmlformats.org/markup-compatibility/2006">
               <mc:Choice xmlns:v="urn:schemas-microsoft-com:vml" Requires="v">
-                <p:oleObj spid="_x0000_s133306" name="Equation" r:id="rId11" imgW="584200" imgH="533400" progId="Equation.DSMT4">
+                <p:oleObj spid="_x0000_s133313" name="Equation" r:id="rId11" imgW="584200" imgH="533400" progId="Equation.DSMT4">
                   <p:embed/>
                 </p:oleObj>
               </mc:Choice>
@@ -10924,7 +10924,7 @@
           <a:graphicData uri="http://schemas.openxmlformats.org/presentationml/2006/ole">
             <mc:AlternateContent xmlns:mc="http://schemas.openxmlformats.org/markup-compatibility/2006">
               <mc:Choice xmlns:v="urn:schemas-microsoft-com:vml" Requires="v">
-                <p:oleObj spid="_x0000_s133307" name="Equation" r:id="rId13" imgW="2146300" imgH="495300" progId="Equation.DSMT4">
+                <p:oleObj spid="_x0000_s133314" name="Equation" r:id="rId13" imgW="2146300" imgH="495300" progId="Equation.DSMT4">
                   <p:embed/>
                 </p:oleObj>
               </mc:Choice>
@@ -11214,7 +11214,7 @@
           <a:graphicData uri="http://schemas.openxmlformats.org/presentationml/2006/ole">
             <mc:AlternateContent xmlns:mc="http://schemas.openxmlformats.org/markup-compatibility/2006">
               <mc:Choice xmlns:v="urn:schemas-microsoft-com:vml" Requires="v">
-                <p:oleObj spid="_x0000_s134260" name="Equation" r:id="rId4" imgW="1244600" imgH="228600" progId="Equation.DSMT4">
+                <p:oleObj spid="_x0000_s134265" name="Equation" r:id="rId4" imgW="1244600" imgH="228600" progId="Equation.DSMT4">
                   <p:embed/>
                 </p:oleObj>
               </mc:Choice>
@@ -11271,7 +11271,7 @@
           <a:graphicData uri="http://schemas.openxmlformats.org/presentationml/2006/ole">
             <mc:AlternateContent xmlns:mc="http://schemas.openxmlformats.org/markup-compatibility/2006">
               <mc:Choice xmlns:v="urn:schemas-microsoft-com:vml" Requires="v">
-                <p:oleObj spid="_x0000_s134261" name="Equation" r:id="rId6" imgW="1612900" imgH="495300" progId="Equation.DSMT4">
+                <p:oleObj spid="_x0000_s134266" name="Equation" r:id="rId6" imgW="1612900" imgH="495300" progId="Equation.DSMT4">
                   <p:embed/>
                 </p:oleObj>
               </mc:Choice>
@@ -11328,7 +11328,7 @@
           <a:graphicData uri="http://schemas.openxmlformats.org/presentationml/2006/ole">
             <mc:AlternateContent xmlns:mc="http://schemas.openxmlformats.org/markup-compatibility/2006">
               <mc:Choice xmlns:v="urn:schemas-microsoft-com:vml" Requires="v">
-                <p:oleObj spid="_x0000_s134262" name="Equation" r:id="rId8" imgW="139700" imgH="215900" progId="Equation.DSMT4">
+                <p:oleObj spid="_x0000_s134267" name="Equation" r:id="rId8" imgW="139700" imgH="215900" progId="Equation.DSMT4">
                   <p:embed/>
                 </p:oleObj>
               </mc:Choice>
@@ -11385,7 +11385,7 @@
           <a:graphicData uri="http://schemas.openxmlformats.org/presentationml/2006/ole">
             <mc:AlternateContent xmlns:mc="http://schemas.openxmlformats.org/markup-compatibility/2006">
               <mc:Choice xmlns:v="urn:schemas-microsoft-com:vml" Requires="v">
-                <p:oleObj spid="_x0000_s134263" name="Equation" r:id="rId10" imgW="139700" imgH="215900" progId="Equation.DSMT4">
+                <p:oleObj spid="_x0000_s134268" name="Equation" r:id="rId10" imgW="139700" imgH="215900" progId="Equation.DSMT4">
                   <p:embed/>
                 </p:oleObj>
               </mc:Choice>
@@ -11675,7 +11675,7 @@
           <a:graphicData uri="http://schemas.openxmlformats.org/presentationml/2006/ole">
             <mc:AlternateContent xmlns:mc="http://schemas.openxmlformats.org/markup-compatibility/2006">
               <mc:Choice xmlns:v="urn:schemas-microsoft-com:vml" Requires="v">
-                <p:oleObj spid="_x0000_s135305" name="Equation" r:id="rId4" imgW="1828800" imgH="495300" progId="Equation.DSMT4">
+                <p:oleObj spid="_x0000_s135311" name="Equation" r:id="rId4" imgW="1828800" imgH="495300" progId="Equation.DSMT4">
                   <p:embed/>
                 </p:oleObj>
               </mc:Choice>
@@ -11732,7 +11732,7 @@
           <a:graphicData uri="http://schemas.openxmlformats.org/presentationml/2006/ole">
             <mc:AlternateContent xmlns:mc="http://schemas.openxmlformats.org/markup-compatibility/2006">
               <mc:Choice xmlns:v="urn:schemas-microsoft-com:vml" Requires="v">
-                <p:oleObj spid="_x0000_s135306" name="Equation" r:id="rId6" imgW="139700" imgH="215900" progId="Equation.DSMT4">
+                <p:oleObj spid="_x0000_s135312" name="Equation" r:id="rId6" imgW="139700" imgH="215900" progId="Equation.DSMT4">
                   <p:embed/>
                 </p:oleObj>
               </mc:Choice>
@@ -11789,7 +11789,7 @@
           <a:graphicData uri="http://schemas.openxmlformats.org/presentationml/2006/ole">
             <mc:AlternateContent xmlns:mc="http://schemas.openxmlformats.org/markup-compatibility/2006">
               <mc:Choice xmlns:v="urn:schemas-microsoft-com:vml" Requires="v">
-                <p:oleObj spid="_x0000_s135307" name="Equation" r:id="rId8" imgW="139700" imgH="215900" progId="Equation.DSMT4">
+                <p:oleObj spid="_x0000_s135313" name="Equation" r:id="rId8" imgW="139700" imgH="215900" progId="Equation.DSMT4">
                   <p:embed/>
                 </p:oleObj>
               </mc:Choice>
@@ -11846,7 +11846,7 @@
           <a:graphicData uri="http://schemas.openxmlformats.org/presentationml/2006/ole">
             <mc:AlternateContent xmlns:mc="http://schemas.openxmlformats.org/markup-compatibility/2006">
               <mc:Choice xmlns:v="urn:schemas-microsoft-com:vml" Requires="v">
-                <p:oleObj spid="_x0000_s135308" name="Equation" r:id="rId9" imgW="635000" imgH="469900" progId="Equation.DSMT4">
+                <p:oleObj spid="_x0000_s135314" name="Equation" r:id="rId9" imgW="635000" imgH="469900" progId="Equation.DSMT4">
                   <p:embed/>
                 </p:oleObj>
               </mc:Choice>
@@ -11860,7 +11860,7 @@
                       <p:nvPr/>
                     </p:nvPicPr>
                     <p:blipFill>
-                      <a:blip r:embed="rId10"/>
+                      <a:blip/>
                       <a:stretch>
                         <a:fillRect/>
                       </a:stretch>
@@ -11903,12 +11903,12 @@
           <a:graphicData uri="http://schemas.openxmlformats.org/presentationml/2006/ole">
             <mc:AlternateContent xmlns:mc="http://schemas.openxmlformats.org/markup-compatibility/2006">
               <mc:Choice xmlns:v="urn:schemas-microsoft-com:vml" Requires="v">
-                <p:oleObj spid="_x0000_s135309" name="Equation" r:id="rId11" imgW="1244600" imgH="228600" progId="Equation.DSMT4">
+                <p:oleObj spid="_x0000_s135315" name="Equation" r:id="rId10" imgW="1244600" imgH="228600" progId="Equation.DSMT4">
                   <p:embed/>
                 </p:oleObj>
               </mc:Choice>
               <mc:Fallback>
-                <p:oleObj name="Equation" r:id="rId11" imgW="1244600" imgH="228600" progId="Equation.DSMT4">
+                <p:oleObj name="Equation" r:id="rId10" imgW="1244600" imgH="228600" progId="Equation.DSMT4">
                   <p:embed/>
                   <p:pic>
                     <p:nvPicPr>
@@ -11917,7 +11917,7 @@
                       <p:nvPr/>
                     </p:nvPicPr>
                     <p:blipFill>
-                      <a:blip r:embed="rId12"/>
+                      <a:blip r:embed="rId11"/>
                       <a:stretch>
                         <a:fillRect/>
                       </a:stretch>
@@ -12307,7 +12307,7 @@
           <a:graphicData uri="http://schemas.openxmlformats.org/presentationml/2006/ole">
             <mc:AlternateContent xmlns:mc="http://schemas.openxmlformats.org/markup-compatibility/2006">
               <mc:Choice xmlns:v="urn:schemas-microsoft-com:vml" Requires="v">
-                <p:oleObj spid="_x0000_s137354" name="Equation" r:id="rId4" imgW="1384300" imgH="469900" progId="Equation.DSMT4">
+                <p:oleObj spid="_x0000_s137360" name="Equation" r:id="rId4" imgW="1384300" imgH="469900" progId="Equation.DSMT4">
                   <p:embed/>
                 </p:oleObj>
               </mc:Choice>
@@ -12364,7 +12364,7 @@
           <a:graphicData uri="http://schemas.openxmlformats.org/presentationml/2006/ole">
             <mc:AlternateContent xmlns:mc="http://schemas.openxmlformats.org/markup-compatibility/2006">
               <mc:Choice xmlns:v="urn:schemas-microsoft-com:vml" Requires="v">
-                <p:oleObj spid="_x0000_s137355" name="Equation" r:id="rId6" imgW="139700" imgH="215900" progId="Equation.DSMT4">
+                <p:oleObj spid="_x0000_s137361" name="Equation" r:id="rId6" imgW="139700" imgH="215900" progId="Equation.DSMT4">
                   <p:embed/>
                 </p:oleObj>
               </mc:Choice>
@@ -12421,7 +12421,7 @@
           <a:graphicData uri="http://schemas.openxmlformats.org/presentationml/2006/ole">
             <mc:AlternateContent xmlns:mc="http://schemas.openxmlformats.org/markup-compatibility/2006">
               <mc:Choice xmlns:v="urn:schemas-microsoft-com:vml" Requires="v">
-                <p:oleObj spid="_x0000_s137356" name="Equation" r:id="rId8" imgW="139700" imgH="215900" progId="Equation.DSMT4">
+                <p:oleObj spid="_x0000_s137362" name="Equation" r:id="rId8" imgW="139700" imgH="215900" progId="Equation.DSMT4">
                   <p:embed/>
                 </p:oleObj>
               </mc:Choice>
@@ -12478,7 +12478,7 @@
           <a:graphicData uri="http://schemas.openxmlformats.org/presentationml/2006/ole">
             <mc:AlternateContent xmlns:mc="http://schemas.openxmlformats.org/markup-compatibility/2006">
               <mc:Choice xmlns:v="urn:schemas-microsoft-com:vml" Requires="v">
-                <p:oleObj spid="_x0000_s137357" name="Equation" r:id="rId9" imgW="571500" imgH="457200" progId="Equation.DSMT4">
+                <p:oleObj spid="_x0000_s137363" name="Equation" r:id="rId9" imgW="571500" imgH="457200" progId="Equation.DSMT4">
                   <p:embed/>
                 </p:oleObj>
               </mc:Choice>
@@ -12535,7 +12535,7 @@
           <a:graphicData uri="http://schemas.openxmlformats.org/presentationml/2006/ole">
             <mc:AlternateContent xmlns:mc="http://schemas.openxmlformats.org/markup-compatibility/2006">
               <mc:Choice xmlns:v="urn:schemas-microsoft-com:vml" Requires="v">
-                <p:oleObj spid="_x0000_s137358" name="Equation" r:id="rId11" imgW="1244600" imgH="228600" progId="Equation.DSMT4">
+                <p:oleObj spid="_x0000_s137364" name="Equation" r:id="rId11" imgW="1244600" imgH="228600" progId="Equation.DSMT4">
                   <p:embed/>
                 </p:oleObj>
               </mc:Choice>
@@ -12825,7 +12825,7 @@
           <a:graphicData uri="http://schemas.openxmlformats.org/presentationml/2006/ole">
             <mc:AlternateContent xmlns:mc="http://schemas.openxmlformats.org/markup-compatibility/2006">
               <mc:Choice xmlns:v="urn:schemas-microsoft-com:vml" Requires="v">
-                <p:oleObj spid="_x0000_s138373" name="Equation" r:id="rId4" imgW="139700" imgH="215900" progId="Equation.DSMT4">
+                <p:oleObj spid="_x0000_s138379" name="Equation" r:id="rId4" imgW="139700" imgH="215900" progId="Equation.DSMT4">
                   <p:embed/>
                 </p:oleObj>
               </mc:Choice>
@@ -12882,7 +12882,7 @@
           <a:graphicData uri="http://schemas.openxmlformats.org/presentationml/2006/ole">
             <mc:AlternateContent xmlns:mc="http://schemas.openxmlformats.org/markup-compatibility/2006">
               <mc:Choice xmlns:v="urn:schemas-microsoft-com:vml" Requires="v">
-                <p:oleObj spid="_x0000_s138374" name="Equation" r:id="rId6" imgW="139700" imgH="215900" progId="Equation.DSMT4">
+                <p:oleObj spid="_x0000_s138380" name="Equation" r:id="rId6" imgW="139700" imgH="215900" progId="Equation.DSMT4">
                   <p:embed/>
                 </p:oleObj>
               </mc:Choice>
@@ -12939,7 +12939,7 @@
           <a:graphicData uri="http://schemas.openxmlformats.org/presentationml/2006/ole">
             <mc:AlternateContent xmlns:mc="http://schemas.openxmlformats.org/markup-compatibility/2006">
               <mc:Choice xmlns:v="urn:schemas-microsoft-com:vml" Requires="v">
-                <p:oleObj spid="_x0000_s138375" name="Equation" r:id="rId7" imgW="1193800" imgH="469900" progId="Equation.DSMT4">
+                <p:oleObj spid="_x0000_s138381" name="Equation" r:id="rId7" imgW="1193800" imgH="469900" progId="Equation.DSMT4">
                   <p:embed/>
                 </p:oleObj>
               </mc:Choice>
@@ -12996,7 +12996,7 @@
           <a:graphicData uri="http://schemas.openxmlformats.org/presentationml/2006/ole">
             <mc:AlternateContent xmlns:mc="http://schemas.openxmlformats.org/markup-compatibility/2006">
               <mc:Choice xmlns:v="urn:schemas-microsoft-com:vml" Requires="v">
-                <p:oleObj spid="_x0000_s138376" name="Equation" r:id="rId9" imgW="571500" imgH="457200" progId="Equation.DSMT4">
+                <p:oleObj spid="_x0000_s138382" name="Equation" r:id="rId9" imgW="571500" imgH="457200" progId="Equation.DSMT4">
                   <p:embed/>
                 </p:oleObj>
               </mc:Choice>
@@ -13053,7 +13053,7 @@
           <a:graphicData uri="http://schemas.openxmlformats.org/presentationml/2006/ole">
             <mc:AlternateContent xmlns:mc="http://schemas.openxmlformats.org/markup-compatibility/2006">
               <mc:Choice xmlns:v="urn:schemas-microsoft-com:vml" Requires="v">
-                <p:oleObj spid="_x0000_s138377" name="Equation" r:id="rId11" imgW="1244600" imgH="228600" progId="Equation.DSMT4">
+                <p:oleObj spid="_x0000_s138383" name="Equation" r:id="rId11" imgW="1244600" imgH="228600" progId="Equation.DSMT4">
                   <p:embed/>
                 </p:oleObj>
               </mc:Choice>
@@ -13712,7 +13712,7 @@
           <p:nvPr>
             <p:extLst>
               <p:ext uri="{D42A27DB-BD31-4B8C-83A1-F6EECF244321}">
-                <p14:modId xmlns:p14="http://schemas.microsoft.com/office/powerpoint/2010/main" val="22129147"/>
+                <p14:modId xmlns:p14="http://schemas.microsoft.com/office/powerpoint/2010/main" val="4208297312"/>
               </p:ext>
             </p:extLst>
           </p:nvPr>
@@ -13725,7 +13725,7 @@
           <a:graphicData uri="http://schemas.openxmlformats.org/presentationml/2006/ole">
             <mc:AlternateContent xmlns:mc="http://schemas.openxmlformats.org/markup-compatibility/2006">
               <mc:Choice xmlns:v="urn:schemas-microsoft-com:vml" Requires="v">
-                <p:oleObj spid="_x0000_s27709" name="Equation" r:id="rId4" imgW="1193800" imgH="495300" progId="Equation.DSMT4">
+                <p:oleObj spid="_x0000_s27711" name="Equation" r:id="rId4" imgW="1193800" imgH="495300" progId="Equation.DSMT4">
                   <p:embed/>
                 </p:oleObj>
               </mc:Choice>
@@ -14359,7 +14359,7 @@
           <a:graphicData uri="http://schemas.openxmlformats.org/presentationml/2006/ole">
             <mc:AlternateContent xmlns:mc="http://schemas.openxmlformats.org/markup-compatibility/2006">
               <mc:Choice xmlns:v="urn:schemas-microsoft-com:vml" Requires="v">
-                <p:oleObj spid="_x0000_s62521" name="Equation" r:id="rId4" imgW="1498600" imgH="215900" progId="Equation.DSMT4">
+                <p:oleObj spid="_x0000_s62523" name="Equation" r:id="rId4" imgW="1498600" imgH="215900" progId="Equation.DSMT4">
                   <p:embed/>
                 </p:oleObj>
               </mc:Choice>
@@ -14649,7 +14649,7 @@
           <a:graphicData uri="http://schemas.openxmlformats.org/presentationml/2006/ole">
             <mc:AlternateContent xmlns:mc="http://schemas.openxmlformats.org/markup-compatibility/2006">
               <mc:Choice xmlns:v="urn:schemas-microsoft-com:vml" Requires="v">
-                <p:oleObj spid="_x0000_s139300" name="Equation" r:id="rId4" imgW="1968500" imgH="469900" progId="Equation.DSMT4">
+                <p:oleObj spid="_x0000_s139302" name="Equation" r:id="rId4" imgW="1968500" imgH="469900" progId="Equation.DSMT4">
                   <p:embed/>
                 </p:oleObj>
               </mc:Choice>
@@ -15015,7 +15015,7 @@
           <a:graphicData uri="http://schemas.openxmlformats.org/presentationml/2006/ole">
             <mc:AlternateContent xmlns:mc="http://schemas.openxmlformats.org/markup-compatibility/2006">
               <mc:Choice xmlns:v="urn:schemas-microsoft-com:vml" Requires="v">
-                <p:oleObj spid="_x0000_s154665" name="Equation" r:id="rId4" imgW="1739900" imgH="228600" progId="Equation.DSMT4">
+                <p:oleObj spid="_x0000_s154668" name="Equation" r:id="rId4" imgW="1739900" imgH="228600" progId="Equation.DSMT4">
                   <p:embed/>
                 </p:oleObj>
               </mc:Choice>
@@ -15072,7 +15072,7 @@
           <a:graphicData uri="http://schemas.openxmlformats.org/presentationml/2006/ole">
             <mc:AlternateContent xmlns:mc="http://schemas.openxmlformats.org/markup-compatibility/2006">
               <mc:Choice xmlns:v="urn:schemas-microsoft-com:vml" Requires="v">
-                <p:oleObj spid="_x0000_s154666" name="Equation" r:id="rId6" imgW="1701800" imgH="228600" progId="Equation.DSMT4">
+                <p:oleObj spid="_x0000_s154669" name="Equation" r:id="rId6" imgW="1701800" imgH="228600" progId="Equation.DSMT4">
                   <p:embed/>
                 </p:oleObj>
               </mc:Choice>
@@ -15529,7 +15529,7 @@
           <a:graphicData uri="http://schemas.openxmlformats.org/presentationml/2006/ole">
             <mc:AlternateContent xmlns:mc="http://schemas.openxmlformats.org/markup-compatibility/2006">
               <mc:Choice xmlns:v="urn:schemas-microsoft-com:vml" Requires="v">
-                <p:oleObj spid="_x0000_s82991" name="Equation" r:id="rId4" imgW="1155700" imgH="469900" progId="Equation.DSMT4">
+                <p:oleObj spid="_x0000_s82993" name="Equation" r:id="rId4" imgW="1155700" imgH="469900" progId="Equation.DSMT4">
                   <p:embed/>
                 </p:oleObj>
               </mc:Choice>
@@ -17447,87 +17447,41 @@
                 <a:latin typeface="Comic Sans MS"/>
                 <a:cs typeface="Comic Sans MS"/>
               </a:rPr>
-              <a:t>increase your </a:t>
+              <a:t>increase your odds</a:t>
+            </a:r>
+            <a:r>
+              <a:rPr lang="en-US" sz="4800" dirty="0">
+                <a:latin typeface="Comic Sans MS"/>
+                <a:cs typeface="Comic Sans MS"/>
+              </a:rPr>
+              <a:t> </a:t>
             </a:r>
             <a:r>
               <a:rPr lang="en-US" sz="4800" dirty="0" smtClean="0">
                 <a:latin typeface="Comic Sans MS"/>
                 <a:cs typeface="Comic Sans MS"/>
               </a:rPr>
-              <a:t>odds</a:t>
-            </a:r>
-            <a:r>
-              <a:rPr lang="en-US" sz="4800" dirty="0">
+              <a:t>of TB </a:t>
+            </a:r>
+          </a:p>
+          <a:p>
+            <a:r>
+              <a:rPr lang="en-US" sz="4800" dirty="0" smtClean="0">
+                <a:solidFill>
+                  <a:srgbClr val="0000FF"/>
+                </a:solidFill>
                 <a:latin typeface="Comic Sans MS"/>
                 <a:cs typeface="Comic Sans MS"/>
               </a:rPr>
-              <a:t> </a:t>
+              <a:t>50</a:t>
             </a:r>
             <a:r>
               <a:rPr lang="en-US" sz="4800" dirty="0" smtClean="0">
                 <a:latin typeface="Comic Sans MS"/>
                 <a:cs typeface="Comic Sans MS"/>
               </a:rPr>
-              <a:t>of </a:t>
-            </a:r>
-            <a:r>
-              <a:rPr lang="en-US" sz="4800" dirty="0" smtClean="0">
-                <a:latin typeface="Comic Sans MS"/>
-                <a:cs typeface="Comic Sans MS"/>
-              </a:rPr>
-              <a:t>TB </a:t>
-            </a:r>
-            <a:endParaRPr lang="en-US" sz="4800" dirty="0" smtClean="0">
-              <a:latin typeface="Comic Sans MS"/>
-              <a:cs typeface="Comic Sans MS"/>
-            </a:endParaRPr>
-          </a:p>
-          <a:p>
-            <a:r>
-              <a:rPr lang="en-US" sz="4800" dirty="0" smtClean="0">
-                <a:solidFill>
-                  <a:srgbClr val="0000FF"/>
-                </a:solidFill>
-                <a:latin typeface="Comic Sans MS"/>
-                <a:cs typeface="Comic Sans MS"/>
-              </a:rPr>
-              <a:t>5</a:t>
-            </a:r>
-            <a:r>
-              <a:rPr lang="en-US" sz="4800" dirty="0" smtClean="0">
-                <a:solidFill>
-                  <a:srgbClr val="0000FF"/>
-                </a:solidFill>
-                <a:latin typeface="Comic Sans MS"/>
-                <a:cs typeface="Comic Sans MS"/>
-              </a:rPr>
-              <a:t>0</a:t>
-            </a:r>
-            <a:r>
-              <a:rPr lang="en-US" sz="4800" dirty="0" smtClean="0">
-                <a:latin typeface="Comic Sans MS"/>
-                <a:cs typeface="Comic Sans MS"/>
-              </a:rPr>
-              <a:t> </a:t>
-            </a:r>
-            <a:r>
-              <a:rPr lang="en-US" sz="4800" dirty="0" smtClean="0">
-                <a:latin typeface="Comic Sans MS"/>
-                <a:cs typeface="Comic Sans MS"/>
-              </a:rPr>
-              <a:t>times</a:t>
-            </a:r>
-            <a:r>
-              <a:rPr lang="en-US" sz="4800" dirty="0" smtClean="0">
-                <a:latin typeface="Comic Sans MS"/>
-                <a:cs typeface="Comic Sans MS"/>
-              </a:rPr>
-              <a:t>.</a:t>
-            </a:r>
-            <a:endParaRPr lang="en-US" sz="4800" dirty="0" smtClean="0">
-              <a:latin typeface="Comic Sans MS"/>
-              <a:cs typeface="Comic Sans MS"/>
-            </a:endParaRPr>
+              <a:t> times.</a:t>
+            </a:r>
           </a:p>
         </p:txBody>
       </p:sp>
@@ -17701,17 +17655,7 @@
                 <a:latin typeface="Comic Sans MS"/>
                 <a:cs typeface="Comic Sans MS"/>
               </a:rPr>
-              <a:t>98% </a:t>
-            </a:r>
-            <a:r>
-              <a:rPr lang="en-US" sz="4400" dirty="0" smtClean="0">
-                <a:solidFill>
-                  <a:schemeClr val="tx1"/>
-                </a:solidFill>
-                <a:latin typeface="Comic Sans MS"/>
-                <a:cs typeface="Comic Sans MS"/>
-              </a:rPr>
-              <a:t>accuracy still useful</a:t>
+              <a:t>98% accuracy still useful</a:t>
             </a:r>
           </a:p>
         </p:txBody>
@@ -17942,75 +17886,40 @@
                 <a:latin typeface="Comic Sans MS"/>
                 <a:cs typeface="Comic Sans MS"/>
               </a:rPr>
-              <a:t>increase your </a:t>
+              <a:t>increase your odds</a:t>
+            </a:r>
+            <a:r>
+              <a:rPr lang="en-US" sz="4800" dirty="0">
+                <a:latin typeface="Comic Sans MS"/>
+                <a:cs typeface="Comic Sans MS"/>
+              </a:rPr>
+              <a:t> </a:t>
             </a:r>
             <a:r>
               <a:rPr lang="en-US" sz="4800" dirty="0" smtClean="0">
                 <a:latin typeface="Comic Sans MS"/>
                 <a:cs typeface="Comic Sans MS"/>
               </a:rPr>
-              <a:t>odds</a:t>
-            </a:r>
-            <a:r>
-              <a:rPr lang="en-US" sz="4800" dirty="0">
+              <a:t>of TB </a:t>
+            </a:r>
+          </a:p>
+          <a:p>
+            <a:r>
+              <a:rPr lang="en-US" sz="4800" dirty="0" smtClean="0">
+                <a:solidFill>
+                  <a:srgbClr val="0000FF"/>
+                </a:solidFill>
                 <a:latin typeface="Comic Sans MS"/>
                 <a:cs typeface="Comic Sans MS"/>
               </a:rPr>
-              <a:t> </a:t>
+              <a:t>50</a:t>
             </a:r>
             <a:r>
               <a:rPr lang="en-US" sz="4800" dirty="0" smtClean="0">
                 <a:latin typeface="Comic Sans MS"/>
                 <a:cs typeface="Comic Sans MS"/>
               </a:rPr>
-              <a:t>of </a:t>
-            </a:r>
-            <a:r>
-              <a:rPr lang="en-US" sz="4800" dirty="0" smtClean="0">
-                <a:latin typeface="Comic Sans MS"/>
-                <a:cs typeface="Comic Sans MS"/>
-              </a:rPr>
-              <a:t>TB </a:t>
-            </a:r>
-            <a:endParaRPr lang="en-US" sz="4800" dirty="0" smtClean="0">
-              <a:latin typeface="Comic Sans MS"/>
-              <a:cs typeface="Comic Sans MS"/>
-            </a:endParaRPr>
-          </a:p>
-          <a:p>
-            <a:r>
-              <a:rPr lang="en-US" sz="4800" dirty="0" smtClean="0">
-                <a:solidFill>
-                  <a:srgbClr val="0000FF"/>
-                </a:solidFill>
-                <a:latin typeface="Comic Sans MS"/>
-                <a:cs typeface="Comic Sans MS"/>
-              </a:rPr>
-              <a:t>5</a:t>
-            </a:r>
-            <a:r>
-              <a:rPr lang="en-US" sz="4800" dirty="0" smtClean="0">
-                <a:solidFill>
-                  <a:srgbClr val="0000FF"/>
-                </a:solidFill>
-                <a:latin typeface="Comic Sans MS"/>
-                <a:cs typeface="Comic Sans MS"/>
-              </a:rPr>
-              <a:t>0</a:t>
-            </a:r>
-            <a:r>
-              <a:rPr lang="en-US" sz="4800" dirty="0" smtClean="0">
-                <a:latin typeface="Comic Sans MS"/>
-                <a:cs typeface="Comic Sans MS"/>
-              </a:rPr>
-              <a:t> </a:t>
-            </a:r>
-            <a:r>
-              <a:rPr lang="en-US" sz="4800" dirty="0" smtClean="0">
-                <a:latin typeface="Comic Sans MS"/>
-                <a:cs typeface="Comic Sans MS"/>
-              </a:rPr>
-              <a:t>times</a:t>
+              <a:t> times</a:t>
             </a:r>
             <a:r>
               <a:rPr lang="en-US" sz="4800" dirty="0">
@@ -18436,17 +18345,7 @@
                 <a:latin typeface="Comic Sans MS"/>
                 <a:cs typeface="Comic Sans MS"/>
               </a:rPr>
-              <a:t>98% </a:t>
-            </a:r>
-            <a:r>
-              <a:rPr lang="en-US" sz="4400" dirty="0" smtClean="0">
-                <a:solidFill>
-                  <a:schemeClr val="tx1"/>
-                </a:solidFill>
-                <a:latin typeface="Comic Sans MS"/>
-                <a:cs typeface="Comic Sans MS"/>
-              </a:rPr>
-              <a:t>accuracy still useful</a:t>
+              <a:t>98% accuracy still useful</a:t>
             </a:r>
           </a:p>
         </p:txBody>
@@ -18857,10 +18756,6 @@
               </a:rPr>
               <a:t>of sick people.</a:t>
             </a:r>
-            <a:endParaRPr lang="en-US" sz="5400" dirty="0" smtClean="0">
-              <a:latin typeface="Comic Sans MS"/>
-              <a:cs typeface="Comic Sans MS"/>
-            </a:endParaRPr>
           </a:p>
         </p:txBody>
       </p:sp>
@@ -19158,17 +19053,7 @@
                 <a:latin typeface="Comic Sans MS"/>
                 <a:cs typeface="Comic Sans MS"/>
               </a:rPr>
-              <a:t>98% </a:t>
-            </a:r>
-            <a:r>
-              <a:rPr lang="en-US" sz="4400" dirty="0" smtClean="0">
-                <a:solidFill>
-                  <a:schemeClr val="tx1"/>
-                </a:solidFill>
-                <a:latin typeface="Comic Sans MS"/>
-                <a:cs typeface="Comic Sans MS"/>
-              </a:rPr>
-              <a:t>accuracy still useful</a:t>
+              <a:t>98% accuracy still useful</a:t>
             </a:r>
           </a:p>
         </p:txBody>
@@ -19195,7 +19080,7 @@
           <a:graphicData uri="http://schemas.openxmlformats.org/presentationml/2006/ole">
             <mc:AlternateContent xmlns:mc="http://schemas.openxmlformats.org/markup-compatibility/2006">
               <mc:Choice xmlns:v="urn:schemas-microsoft-com:vml" Requires="v">
-                <p:oleObj spid="_x0000_s169987" name="Equation" r:id="rId3" imgW="736600" imgH="469900" progId="Equation.DSMT4">
+                <p:oleObj spid="_x0000_s169989" name="Equation" r:id="rId3" imgW="736600" imgH="469900" progId="Equation.DSMT4">
                   <p:embed/>
                 </p:oleObj>
               </mc:Choice>
@@ -19460,14 +19345,7 @@
                 <a:latin typeface="Comic Sans MS"/>
                 <a:cs typeface="Comic Sans MS"/>
               </a:rPr>
-              <a:t>Instead, medicate </a:t>
-            </a:r>
-            <a:r>
-              <a:rPr lang="en-US" sz="5400" dirty="0" smtClean="0">
-                <a:latin typeface="Comic Sans MS"/>
-                <a:cs typeface="Comic Sans MS"/>
-              </a:rPr>
-              <a:t>the </a:t>
+              <a:t>Instead, medicate the </a:t>
             </a:r>
             <a:r>
               <a:rPr lang="en-US" sz="5400" dirty="0" smtClean="0">
@@ -19677,17 +19555,7 @@
                 <a:latin typeface="Comic Sans MS"/>
                 <a:cs typeface="Comic Sans MS"/>
               </a:rPr>
-              <a:t>98% </a:t>
-            </a:r>
-            <a:r>
-              <a:rPr lang="en-US" sz="4400" dirty="0" smtClean="0">
-                <a:solidFill>
-                  <a:schemeClr val="tx1"/>
-                </a:solidFill>
-                <a:latin typeface="Comic Sans MS"/>
-                <a:cs typeface="Comic Sans MS"/>
-              </a:rPr>
-              <a:t>accuracy still useful</a:t>
+              <a:t>98% accuracy still useful</a:t>
             </a:r>
           </a:p>
         </p:txBody>
@@ -19893,14 +19761,7 @@
                 <a:latin typeface="Comic Sans MS"/>
                 <a:cs typeface="Comic Sans MS"/>
               </a:rPr>
-              <a:t>Instead, medicate </a:t>
-            </a:r>
-            <a:r>
-              <a:rPr lang="en-US" sz="5400" dirty="0" smtClean="0">
-                <a:latin typeface="Comic Sans MS"/>
-                <a:cs typeface="Comic Sans MS"/>
-              </a:rPr>
-              <a:t>the </a:t>
+              <a:t>Instead, medicate the </a:t>
             </a:r>
             <a:r>
               <a:rPr lang="en-US" sz="5400" dirty="0" smtClean="0">
@@ -19963,10 +19824,6 @@
               </a:rPr>
               <a:t>among these.</a:t>
             </a:r>
-            <a:endParaRPr lang="en-US" sz="5400" dirty="0" smtClean="0">
-              <a:latin typeface="Comic Sans MS"/>
-              <a:cs typeface="Comic Sans MS"/>
-            </a:endParaRPr>
           </a:p>
         </p:txBody>
       </p:sp>
@@ -20140,17 +19997,7 @@
                 <a:latin typeface="Comic Sans MS"/>
                 <a:cs typeface="Comic Sans MS"/>
               </a:rPr>
-              <a:t>98% </a:t>
-            </a:r>
-            <a:r>
-              <a:rPr lang="en-US" sz="4400" dirty="0" smtClean="0">
-                <a:solidFill>
-                  <a:schemeClr val="tx1"/>
-                </a:solidFill>
-                <a:latin typeface="Comic Sans MS"/>
-                <a:cs typeface="Comic Sans MS"/>
-              </a:rPr>
-              <a:t>accuracy still useful</a:t>
+              <a:t>98% accuracy still useful</a:t>
             </a:r>
           </a:p>
         </p:txBody>
@@ -20457,7 +20304,7 @@
           <a:graphicData uri="http://schemas.openxmlformats.org/presentationml/2006/ole">
             <mc:AlternateContent xmlns:mc="http://schemas.openxmlformats.org/markup-compatibility/2006">
               <mc:Choice xmlns:v="urn:schemas-microsoft-com:vml" Requires="v">
-                <p:oleObj spid="_x0000_s92200" name="Equation" r:id="rId4" imgW="1714500" imgH="241300" progId="Equation.DSMT4">
+                <p:oleObj spid="_x0000_s92202" name="Equation" r:id="rId4" imgW="1714500" imgH="241300" progId="Equation.DSMT4">
                   <p:embed/>
                 </p:oleObj>
               </mc:Choice>
@@ -20979,7 +20826,7 @@
           <a:graphicData uri="http://schemas.openxmlformats.org/presentationml/2006/ole">
             <mc:AlternateContent xmlns:mc="http://schemas.openxmlformats.org/markup-compatibility/2006">
               <mc:Choice xmlns:v="urn:schemas-microsoft-com:vml" Requires="v">
-                <p:oleObj spid="_x0000_s87116" name="Equation" r:id="rId4" imgW="1714500" imgH="241300" progId="Equation.DSMT4">
+                <p:oleObj spid="_x0000_s87119" name="Equation" r:id="rId4" imgW="1714500" imgH="241300" progId="Equation.DSMT4">
                   <p:embed/>
                 </p:oleObj>
               </mc:Choice>
@@ -21122,7 +20969,7 @@
           <a:graphicData uri="http://schemas.openxmlformats.org/presentationml/2006/ole">
             <mc:AlternateContent xmlns:mc="http://schemas.openxmlformats.org/markup-compatibility/2006">
               <mc:Choice xmlns:v="urn:schemas-microsoft-com:vml" Requires="v">
-                <p:oleObj spid="_x0000_s87117" name="Equation" r:id="rId6" imgW="1574800" imgH="469900" progId="Equation.DSMT4">
+                <p:oleObj spid="_x0000_s87120" name="Equation" r:id="rId6" imgW="1574800" imgH="469900" progId="Equation.DSMT4">
                   <p:embed/>
                 </p:oleObj>
               </mc:Choice>
@@ -21540,7 +21387,7 @@
           <a:graphicData uri="http://schemas.openxmlformats.org/presentationml/2006/ole">
             <mc:AlternateContent xmlns:mc="http://schemas.openxmlformats.org/markup-compatibility/2006">
               <mc:Choice xmlns:v="urn:schemas-microsoft-com:vml" Requires="v">
-                <p:oleObj spid="_x0000_s91179" name="Equation" r:id="rId4" imgW="1270000" imgH="469900" progId="Equation.DSMT4">
+                <p:oleObj spid="_x0000_s91181" name="Equation" r:id="rId4" imgW="1270000" imgH="469900" progId="Equation.DSMT4">
                   <p:embed/>
                 </p:oleObj>
               </mc:Choice>
